--- a/memo/そばUI2.pptx
+++ b/memo/そばUI2.pptx
@@ -18,6 +18,8 @@
     <p:sldId id="268" r:id="rId12"/>
     <p:sldId id="269" r:id="rId13"/>
     <p:sldId id="270" r:id="rId14"/>
+    <p:sldId id="274" r:id="rId15"/>
+    <p:sldId id="275" r:id="rId16"/>
   </p:sldIdLst>
   <p:sldSz cx="9144000" cy="6858000" type="screen4x3"/>
   <p:notesSz cx="6858000" cy="9144000"/>
@@ -146,6 +148,12 @@
             <p14:sldId id="268"/>
             <p14:sldId id="269"/>
             <p14:sldId id="270"/>
+            <p14:sldId id="274"/>
+          </p14:sldIdLst>
+        </p14:section>
+        <p14:section name="計測データ" id="{398EE831-02F1-2E40-B2A2-80BEC020047D}">
+          <p14:sldIdLst>
+            <p14:sldId id="275"/>
           </p14:sldIdLst>
         </p14:section>
       </p14:sectionLst>
@@ -347,7 +355,7 @@
           <a:p>
             <a:fld id="{5E8A8F78-2FD7-7F4B-B34C-8078F4074D81}" type="datetimeFigureOut">
               <a:rPr kumimoji="1" lang="ja-JP" altLang="en-US" smtClean="0"/>
-              <a:t>2018/2/28</a:t>
+              <a:t>2018/3/2</a:t>
             </a:fld>
             <a:endParaRPr kumimoji="1" lang="ja-JP" altLang="en-US"/>
           </a:p>
@@ -547,7 +555,7 @@
           <a:p>
             <a:fld id="{5E8A8F78-2FD7-7F4B-B34C-8078F4074D81}" type="datetimeFigureOut">
               <a:rPr kumimoji="1" lang="ja-JP" altLang="en-US" smtClean="0"/>
-              <a:t>2018/2/28</a:t>
+              <a:t>2018/3/2</a:t>
             </a:fld>
             <a:endParaRPr kumimoji="1" lang="ja-JP" altLang="en-US"/>
           </a:p>
@@ -757,7 +765,7 @@
           <a:p>
             <a:fld id="{5E8A8F78-2FD7-7F4B-B34C-8078F4074D81}" type="datetimeFigureOut">
               <a:rPr kumimoji="1" lang="ja-JP" altLang="en-US" smtClean="0"/>
-              <a:t>2018/2/28</a:t>
+              <a:t>2018/3/2</a:t>
             </a:fld>
             <a:endParaRPr kumimoji="1" lang="ja-JP" altLang="en-US"/>
           </a:p>
@@ -957,7 +965,7 @@
           <a:p>
             <a:fld id="{5E8A8F78-2FD7-7F4B-B34C-8078F4074D81}" type="datetimeFigureOut">
               <a:rPr kumimoji="1" lang="ja-JP" altLang="en-US" smtClean="0"/>
-              <a:t>2018/2/28</a:t>
+              <a:t>2018/3/2</a:t>
             </a:fld>
             <a:endParaRPr kumimoji="1" lang="ja-JP" altLang="en-US"/>
           </a:p>
@@ -1202,7 +1210,7 @@
           <a:p>
             <a:fld id="{5E8A8F78-2FD7-7F4B-B34C-8078F4074D81}" type="datetimeFigureOut">
               <a:rPr kumimoji="1" lang="ja-JP" altLang="en-US" smtClean="0"/>
-              <a:t>2018/2/28</a:t>
+              <a:t>2018/3/2</a:t>
             </a:fld>
             <a:endParaRPr kumimoji="1" lang="ja-JP" altLang="en-US"/>
           </a:p>
@@ -1551,7 +1559,7 @@
           <a:p>
             <a:fld id="{5E8A8F78-2FD7-7F4B-B34C-8078F4074D81}" type="datetimeFigureOut">
               <a:rPr kumimoji="1" lang="ja-JP" altLang="en-US" smtClean="0"/>
-              <a:t>2018/2/28</a:t>
+              <a:t>2018/3/2</a:t>
             </a:fld>
             <a:endParaRPr kumimoji="1" lang="ja-JP" altLang="en-US"/>
           </a:p>
@@ -2034,7 +2042,7 @@
           <a:p>
             <a:fld id="{5E8A8F78-2FD7-7F4B-B34C-8078F4074D81}" type="datetimeFigureOut">
               <a:rPr kumimoji="1" lang="ja-JP" altLang="en-US" smtClean="0"/>
-              <a:t>2018/2/28</a:t>
+              <a:t>2018/3/2</a:t>
             </a:fld>
             <a:endParaRPr kumimoji="1" lang="ja-JP" altLang="en-US"/>
           </a:p>
@@ -2151,7 +2159,7 @@
           <a:p>
             <a:fld id="{5E8A8F78-2FD7-7F4B-B34C-8078F4074D81}" type="datetimeFigureOut">
               <a:rPr kumimoji="1" lang="ja-JP" altLang="en-US" smtClean="0"/>
-              <a:t>2018/2/28</a:t>
+              <a:t>2018/3/2</a:t>
             </a:fld>
             <a:endParaRPr kumimoji="1" lang="ja-JP" altLang="en-US"/>
           </a:p>
@@ -2246,7 +2254,7 @@
           <a:p>
             <a:fld id="{5E8A8F78-2FD7-7F4B-B34C-8078F4074D81}" type="datetimeFigureOut">
               <a:rPr kumimoji="1" lang="ja-JP" altLang="en-US" smtClean="0"/>
-              <a:t>2018/2/28</a:t>
+              <a:t>2018/3/2</a:t>
             </a:fld>
             <a:endParaRPr kumimoji="1" lang="ja-JP" altLang="en-US"/>
           </a:p>
@@ -2553,7 +2561,7 @@
           <a:p>
             <a:fld id="{5E8A8F78-2FD7-7F4B-B34C-8078F4074D81}" type="datetimeFigureOut">
               <a:rPr kumimoji="1" lang="ja-JP" altLang="en-US" smtClean="0"/>
-              <a:t>2018/2/28</a:t>
+              <a:t>2018/3/2</a:t>
             </a:fld>
             <a:endParaRPr kumimoji="1" lang="ja-JP" altLang="en-US"/>
           </a:p>
@@ -2805,7 +2813,7 @@
           <a:p>
             <a:fld id="{5E8A8F78-2FD7-7F4B-B34C-8078F4074D81}" type="datetimeFigureOut">
               <a:rPr kumimoji="1" lang="ja-JP" altLang="en-US" smtClean="0"/>
-              <a:t>2018/2/28</a:t>
+              <a:t>2018/3/2</a:t>
             </a:fld>
             <a:endParaRPr kumimoji="1" lang="ja-JP" altLang="en-US"/>
           </a:p>
@@ -3048,7 +3056,7 @@
           <a:p>
             <a:fld id="{5E8A8F78-2FD7-7F4B-B34C-8078F4074D81}" type="datetimeFigureOut">
               <a:rPr kumimoji="1" lang="ja-JP" altLang="en-US" smtClean="0"/>
-              <a:t>2018/2/28</a:t>
+              <a:t>2018/3/2</a:t>
             </a:fld>
             <a:endParaRPr kumimoji="1" lang="ja-JP" altLang="en-US"/>
           </a:p>
@@ -3808,6 +3816,50 @@
               </a:rPr>
               <a:t>お疲れ様でした</a:t>
             </a:r>
+          </a:p>
+        </p:txBody>
+      </p:sp>
+      <p:sp>
+        <p:nvSpPr>
+          <p:cNvPr id="6" name="テキスト ボックス 5">
+            <a:extLst>
+              <a:ext uri="{FF2B5EF4-FFF2-40B4-BE49-F238E27FC236}">
+                <a16:creationId xmlns:a16="http://schemas.microsoft.com/office/drawing/2014/main" id="{A3345AC7-31BB-6D4D-A1A9-E016DB142BEF}"/>
+              </a:ext>
+            </a:extLst>
+          </p:cNvPr>
+          <p:cNvSpPr txBox="1"/>
+          <p:nvPr/>
+        </p:nvSpPr>
+        <p:spPr>
+          <a:xfrm>
+            <a:off x="191386" y="194894"/>
+            <a:ext cx="2615609" cy="369332"/>
+          </a:xfrm>
+          <a:prstGeom prst="rect">
+            <a:avLst/>
+          </a:prstGeom>
+          <a:noFill/>
+        </p:spPr>
+        <p:txBody>
+          <a:bodyPr wrap="square" rtlCol="0">
+            <a:spAutoFit/>
+          </a:bodyPr>
+          <a:lstStyle/>
+          <a:p>
+            <a:r>
+              <a:rPr kumimoji="1" lang="en-US" altLang="ja-JP" dirty="0" err="1"/>
+              <a:t>Result</a:t>
+            </a:r>
+            <a:r>
+              <a:rPr lang="en-US" altLang="ja-JP" dirty="0" err="1"/>
+              <a:t>Comment</a:t>
+            </a:r>
+            <a:r>
+              <a:rPr kumimoji="1" lang="en-US" altLang="ja-JP" dirty="0" err="1"/>
+              <a:t>Activity</a:t>
+            </a:r>
+            <a:endParaRPr kumimoji="1" lang="ja-JP" altLang="en-US" dirty="0"/>
           </a:p>
         </p:txBody>
       </p:sp>
@@ -4468,6 +4520,50 @@
           </a:p>
         </p:txBody>
       </p:sp>
+      <p:sp>
+        <p:nvSpPr>
+          <p:cNvPr id="9" name="テキスト ボックス 8">
+            <a:extLst>
+              <a:ext uri="{FF2B5EF4-FFF2-40B4-BE49-F238E27FC236}">
+                <a16:creationId xmlns:a16="http://schemas.microsoft.com/office/drawing/2014/main" id="{6F9DDC66-3BEB-5D4C-9C9F-515E77CE5650}"/>
+              </a:ext>
+            </a:extLst>
+          </p:cNvPr>
+          <p:cNvSpPr txBox="1"/>
+          <p:nvPr/>
+        </p:nvSpPr>
+        <p:spPr>
+          <a:xfrm>
+            <a:off x="340242" y="446567"/>
+            <a:ext cx="2179674" cy="369332"/>
+          </a:xfrm>
+          <a:prstGeom prst="rect">
+            <a:avLst/>
+          </a:prstGeom>
+          <a:noFill/>
+        </p:spPr>
+        <p:txBody>
+          <a:bodyPr wrap="square" rtlCol="0">
+            <a:spAutoFit/>
+          </a:bodyPr>
+          <a:lstStyle/>
+          <a:p>
+            <a:r>
+              <a:rPr kumimoji="1" lang="en-US" altLang="ja-JP" dirty="0" err="1"/>
+              <a:t>Ti</a:t>
+            </a:r>
+            <a:r>
+              <a:rPr lang="en-US" altLang="ja-JP" dirty="0" err="1"/>
+              <a:t>meResult</a:t>
+            </a:r>
+            <a:r>
+              <a:rPr kumimoji="1" lang="en-US" altLang="ja-JP" dirty="0" err="1"/>
+              <a:t>Activity</a:t>
+            </a:r>
+            <a:endParaRPr kumimoji="1" lang="ja-JP" altLang="en-US" dirty="0"/>
+          </a:p>
+        </p:txBody>
+      </p:sp>
     </p:spTree>
     <p:extLst>
       <p:ext uri="{BB962C8B-B14F-4D97-AF65-F5344CB8AC3E}">
@@ -4804,6 +4900,42 @@
           </a:p>
         </p:txBody>
       </p:sp>
+      <p:sp>
+        <p:nvSpPr>
+          <p:cNvPr id="9" name="テキスト ボックス 8">
+            <a:extLst>
+              <a:ext uri="{FF2B5EF4-FFF2-40B4-BE49-F238E27FC236}">
+                <a16:creationId xmlns:a16="http://schemas.microsoft.com/office/drawing/2014/main" id="{1DE590DC-1C8C-EE41-BEC4-78105371F09B}"/>
+              </a:ext>
+            </a:extLst>
+          </p:cNvPr>
+          <p:cNvSpPr txBox="1"/>
+          <p:nvPr/>
+        </p:nvSpPr>
+        <p:spPr>
+          <a:xfrm>
+            <a:off x="340242" y="446567"/>
+            <a:ext cx="2211572" cy="369332"/>
+          </a:xfrm>
+          <a:prstGeom prst="rect">
+            <a:avLst/>
+          </a:prstGeom>
+          <a:noFill/>
+        </p:spPr>
+        <p:txBody>
+          <a:bodyPr wrap="square" rtlCol="0">
+            <a:spAutoFit/>
+          </a:bodyPr>
+          <a:lstStyle/>
+          <a:p>
+            <a:r>
+              <a:rPr kumimoji="1" lang="en-US" altLang="ja-JP" dirty="0" err="1"/>
+              <a:t>RecordScreenActivity</a:t>
+            </a:r>
+            <a:endParaRPr kumimoji="1" lang="ja-JP" altLang="en-US" dirty="0"/>
+          </a:p>
+        </p:txBody>
+      </p:sp>
     </p:spTree>
     <p:extLst>
       <p:ext uri="{BB962C8B-B14F-4D97-AF65-F5344CB8AC3E}">
@@ -5028,10 +5160,399 @@
           </a:p>
         </p:txBody>
       </p:sp>
+      <p:sp>
+        <p:nvSpPr>
+          <p:cNvPr id="9" name="テキスト ボックス 8">
+            <a:extLst>
+              <a:ext uri="{FF2B5EF4-FFF2-40B4-BE49-F238E27FC236}">
+                <a16:creationId xmlns:a16="http://schemas.microsoft.com/office/drawing/2014/main" id="{5EDA3806-C358-3E4E-8791-A387163EDBF4}"/>
+              </a:ext>
+            </a:extLst>
+          </p:cNvPr>
+          <p:cNvSpPr txBox="1"/>
+          <p:nvPr/>
+        </p:nvSpPr>
+        <p:spPr>
+          <a:xfrm>
+            <a:off x="205436" y="564226"/>
+            <a:ext cx="1701209" cy="369332"/>
+          </a:xfrm>
+          <a:prstGeom prst="rect">
+            <a:avLst/>
+          </a:prstGeom>
+          <a:noFill/>
+        </p:spPr>
+        <p:txBody>
+          <a:bodyPr wrap="square" rtlCol="0">
+            <a:spAutoFit/>
+          </a:bodyPr>
+          <a:lstStyle/>
+          <a:p>
+            <a:r>
+              <a:rPr kumimoji="1" lang="en-US" altLang="ja-JP" dirty="0" err="1"/>
+              <a:t>RecordActivity</a:t>
+            </a:r>
+            <a:endParaRPr kumimoji="1" lang="ja-JP" altLang="en-US" dirty="0"/>
+          </a:p>
+        </p:txBody>
+      </p:sp>
+      <p:sp>
+        <p:nvSpPr>
+          <p:cNvPr id="10" name="角丸四角形 9">
+            <a:extLst>
+              <a:ext uri="{FF2B5EF4-FFF2-40B4-BE49-F238E27FC236}">
+                <a16:creationId xmlns:a16="http://schemas.microsoft.com/office/drawing/2014/main" id="{C3BD2B02-40BC-EB4A-8355-096270262B70}"/>
+              </a:ext>
+            </a:extLst>
+          </p:cNvPr>
+          <p:cNvSpPr/>
+          <p:nvPr/>
+        </p:nvSpPr>
+        <p:spPr>
+          <a:xfrm>
+            <a:off x="3739154" y="5481377"/>
+            <a:ext cx="1596013" cy="522507"/>
+          </a:xfrm>
+          <a:prstGeom prst="roundRect">
+            <a:avLst/>
+          </a:prstGeom>
+        </p:spPr>
+        <p:style>
+          <a:lnRef idx="2">
+            <a:schemeClr val="accent3">
+              <a:shade val="50000"/>
+            </a:schemeClr>
+          </a:lnRef>
+          <a:fillRef idx="1">
+            <a:schemeClr val="accent3"/>
+          </a:fillRef>
+          <a:effectRef idx="0">
+            <a:schemeClr val="accent3"/>
+          </a:effectRef>
+          <a:fontRef idx="minor">
+            <a:schemeClr val="lt1"/>
+          </a:fontRef>
+        </p:style>
+        <p:txBody>
+          <a:bodyPr rtlCol="0" anchor="ctr"/>
+          <a:lstStyle/>
+          <a:p>
+            <a:pPr algn="ctr"/>
+            <a:r>
+              <a:rPr lang="ja-JP" altLang="en-US" sz="3200" dirty="0">
+                <a:latin typeface="YuKyokasho Medium" panose="02000500000000000000" pitchFamily="2" charset="-128"/>
+                <a:ea typeface="YuKyokasho Medium" panose="02000500000000000000" pitchFamily="2" charset="-128"/>
+                <a:cs typeface="ヒラギノ丸ゴ ProN W4"/>
+              </a:rPr>
+              <a:t>戻る</a:t>
+            </a:r>
+            <a:endParaRPr kumimoji="1" lang="ja-JP" altLang="en-US" sz="3200" dirty="0">
+              <a:latin typeface="YuKyokasho Medium" panose="02000500000000000000" pitchFamily="2" charset="-128"/>
+              <a:ea typeface="YuKyokasho Medium" panose="02000500000000000000" pitchFamily="2" charset="-128"/>
+              <a:cs typeface="ヒラギノ丸ゴ ProN W4"/>
+            </a:endParaRPr>
+          </a:p>
+        </p:txBody>
+      </p:sp>
     </p:spTree>
     <p:extLst>
       <p:ext uri="{BB962C8B-B14F-4D97-AF65-F5344CB8AC3E}">
         <p14:creationId xmlns:p14="http://schemas.microsoft.com/office/powerpoint/2010/main" val="1735968648"/>
+      </p:ext>
+    </p:extLst>
+  </p:cSld>
+  <p:clrMapOvr>
+    <a:masterClrMapping/>
+  </p:clrMapOvr>
+</p:sld>
+</file>
+
+<file path=ppt/slides/slide14.xml><?xml version="1.0" encoding="utf-8"?>
+<p:sld xmlns:a="http://schemas.openxmlformats.org/drawingml/2006/main" xmlns:r="http://schemas.openxmlformats.org/officeDocument/2006/relationships" xmlns:p="http://schemas.openxmlformats.org/presentationml/2006/main">
+  <p:cSld>
+    <p:spTree>
+      <p:nvGrpSpPr>
+        <p:cNvPr id="1" name=""/>
+        <p:cNvGrpSpPr/>
+        <p:nvPr/>
+      </p:nvGrpSpPr>
+      <p:grpSpPr>
+        <a:xfrm>
+          <a:off x="0" y="0"/>
+          <a:ext cx="0" cy="0"/>
+          <a:chOff x="0" y="0"/>
+          <a:chExt cx="0" cy="0"/>
+        </a:xfrm>
+      </p:grpSpPr>
+      <p:sp>
+        <p:nvSpPr>
+          <p:cNvPr id="2" name="テキスト ボックス 1">
+            <a:extLst>
+              <a:ext uri="{FF2B5EF4-FFF2-40B4-BE49-F238E27FC236}">
+                <a16:creationId xmlns:a16="http://schemas.microsoft.com/office/drawing/2014/main" id="{65B61FA8-7BEB-EE4F-BA4A-1B68D4A8A60B}"/>
+              </a:ext>
+            </a:extLst>
+          </p:cNvPr>
+          <p:cNvSpPr txBox="1"/>
+          <p:nvPr/>
+        </p:nvSpPr>
+        <p:spPr>
+          <a:xfrm>
+            <a:off x="205436" y="564226"/>
+            <a:ext cx="1701209" cy="369332"/>
+          </a:xfrm>
+          <a:prstGeom prst="rect">
+            <a:avLst/>
+          </a:prstGeom>
+          <a:noFill/>
+        </p:spPr>
+        <p:txBody>
+          <a:bodyPr wrap="square" rtlCol="0">
+            <a:spAutoFit/>
+          </a:bodyPr>
+          <a:lstStyle/>
+          <a:p>
+            <a:r>
+              <a:rPr kumimoji="1" lang="en-US" altLang="ja-JP" dirty="0" err="1"/>
+              <a:t>RecordActivity</a:t>
+            </a:r>
+            <a:endParaRPr kumimoji="1" lang="ja-JP" altLang="en-US" dirty="0"/>
+          </a:p>
+        </p:txBody>
+      </p:sp>
+    </p:spTree>
+    <p:extLst>
+      <p:ext uri="{BB962C8B-B14F-4D97-AF65-F5344CB8AC3E}">
+        <p14:creationId xmlns:p14="http://schemas.microsoft.com/office/powerpoint/2010/main" val="3780100335"/>
+      </p:ext>
+    </p:extLst>
+  </p:cSld>
+  <p:clrMapOvr>
+    <a:masterClrMapping/>
+  </p:clrMapOvr>
+</p:sld>
+</file>
+
+<file path=ppt/slides/slide15.xml><?xml version="1.0" encoding="utf-8"?>
+<p:sld xmlns:a="http://schemas.openxmlformats.org/drawingml/2006/main" xmlns:r="http://schemas.openxmlformats.org/officeDocument/2006/relationships" xmlns:p="http://schemas.openxmlformats.org/presentationml/2006/main">
+  <p:cSld>
+    <p:spTree>
+      <p:nvGrpSpPr>
+        <p:cNvPr id="1" name=""/>
+        <p:cNvGrpSpPr/>
+        <p:nvPr/>
+      </p:nvGrpSpPr>
+      <p:grpSpPr>
+        <a:xfrm>
+          <a:off x="0" y="0"/>
+          <a:ext cx="0" cy="0"/>
+          <a:chOff x="0" y="0"/>
+          <a:chExt cx="0" cy="0"/>
+        </a:xfrm>
+      </p:grpSpPr>
+      <p:sp>
+        <p:nvSpPr>
+          <p:cNvPr id="2" name="テキスト ボックス 1">
+            <a:extLst>
+              <a:ext uri="{FF2B5EF4-FFF2-40B4-BE49-F238E27FC236}">
+                <a16:creationId xmlns:a16="http://schemas.microsoft.com/office/drawing/2014/main" id="{65B61FA8-7BEB-EE4F-BA4A-1B68D4A8A60B}"/>
+              </a:ext>
+            </a:extLst>
+          </p:cNvPr>
+          <p:cNvSpPr txBox="1"/>
+          <p:nvPr/>
+        </p:nvSpPr>
+        <p:spPr>
+          <a:xfrm>
+            <a:off x="205436" y="564226"/>
+            <a:ext cx="2154992" cy="369332"/>
+          </a:xfrm>
+          <a:prstGeom prst="rect">
+            <a:avLst/>
+          </a:prstGeom>
+          <a:noFill/>
+        </p:spPr>
+        <p:txBody>
+          <a:bodyPr wrap="square" rtlCol="0">
+            <a:spAutoFit/>
+          </a:bodyPr>
+          <a:lstStyle/>
+          <a:p>
+            <a:r>
+              <a:rPr kumimoji="1" lang="en-US" altLang="ja-JP" dirty="0" err="1"/>
+              <a:t>ReadDataActivity</a:t>
+            </a:r>
+            <a:endParaRPr kumimoji="1" lang="ja-JP" altLang="en-US" dirty="0"/>
+          </a:p>
+        </p:txBody>
+      </p:sp>
+      <p:sp>
+        <p:nvSpPr>
+          <p:cNvPr id="3" name="正方形/長方形 2">
+            <a:extLst>
+              <a:ext uri="{FF2B5EF4-FFF2-40B4-BE49-F238E27FC236}">
+                <a16:creationId xmlns:a16="http://schemas.microsoft.com/office/drawing/2014/main" id="{E060DD52-B6FF-7E46-AB73-67452F549D54}"/>
+              </a:ext>
+            </a:extLst>
+          </p:cNvPr>
+          <p:cNvSpPr/>
+          <p:nvPr/>
+        </p:nvSpPr>
+        <p:spPr>
+          <a:xfrm>
+            <a:off x="2702034" y="564226"/>
+            <a:ext cx="3739931" cy="5728138"/>
+          </a:xfrm>
+          <a:prstGeom prst="rect">
+            <a:avLst/>
+          </a:prstGeom>
+          <a:solidFill>
+            <a:schemeClr val="accent3">
+              <a:lumMod val="20000"/>
+              <a:lumOff val="80000"/>
+            </a:schemeClr>
+          </a:solidFill>
+          <a:ln/>
+        </p:spPr>
+        <p:style>
+          <a:lnRef idx="2">
+            <a:schemeClr val="accent3">
+              <a:shade val="50000"/>
+            </a:schemeClr>
+          </a:lnRef>
+          <a:fillRef idx="1">
+            <a:schemeClr val="accent3"/>
+          </a:fillRef>
+          <a:effectRef idx="0">
+            <a:schemeClr val="accent3"/>
+          </a:effectRef>
+          <a:fontRef idx="minor">
+            <a:schemeClr val="lt1"/>
+          </a:fontRef>
+        </p:style>
+        <p:txBody>
+          <a:bodyPr rtlCol="0" anchor="ctr"/>
+          <a:lstStyle/>
+          <a:p>
+            <a:pPr algn="ctr"/>
+            <a:endParaRPr kumimoji="1" lang="ja-JP" altLang="en-US"/>
+          </a:p>
+        </p:txBody>
+      </p:sp>
+      <p:sp>
+        <p:nvSpPr>
+          <p:cNvPr id="4" name="正方形/長方形 3">
+            <a:extLst>
+              <a:ext uri="{FF2B5EF4-FFF2-40B4-BE49-F238E27FC236}">
+                <a16:creationId xmlns:a16="http://schemas.microsoft.com/office/drawing/2014/main" id="{66AE9887-9E48-D740-9D05-B9749E5C8900}"/>
+              </a:ext>
+            </a:extLst>
+          </p:cNvPr>
+          <p:cNvSpPr/>
+          <p:nvPr/>
+        </p:nvSpPr>
+        <p:spPr>
+          <a:xfrm>
+            <a:off x="2702034" y="564226"/>
+            <a:ext cx="3739931" cy="506204"/>
+          </a:xfrm>
+          <a:prstGeom prst="rect">
+            <a:avLst/>
+          </a:prstGeom>
+          <a:solidFill>
+            <a:schemeClr val="accent3">
+              <a:lumMod val="75000"/>
+            </a:schemeClr>
+          </a:solidFill>
+          <a:ln/>
+        </p:spPr>
+        <p:style>
+          <a:lnRef idx="2">
+            <a:schemeClr val="accent3">
+              <a:shade val="50000"/>
+            </a:schemeClr>
+          </a:lnRef>
+          <a:fillRef idx="1">
+            <a:schemeClr val="accent3"/>
+          </a:fillRef>
+          <a:effectRef idx="0">
+            <a:schemeClr val="accent3"/>
+          </a:effectRef>
+          <a:fontRef idx="minor">
+            <a:schemeClr val="lt1"/>
+          </a:fontRef>
+        </p:style>
+        <p:txBody>
+          <a:bodyPr rtlCol="0" anchor="ctr"/>
+          <a:lstStyle/>
+          <a:p>
+            <a:pPr algn="ctr"/>
+            <a:endParaRPr kumimoji="1" lang="ja-JP" altLang="en-US" dirty="0"/>
+          </a:p>
+        </p:txBody>
+      </p:sp>
+      <p:sp>
+        <p:nvSpPr>
+          <p:cNvPr id="6" name="角丸四角形 5">
+            <a:extLst>
+              <a:ext uri="{FF2B5EF4-FFF2-40B4-BE49-F238E27FC236}">
+                <a16:creationId xmlns:a16="http://schemas.microsoft.com/office/drawing/2014/main" id="{5B33ED2F-EA50-2B47-95D0-013DF43AC142}"/>
+              </a:ext>
+            </a:extLst>
+          </p:cNvPr>
+          <p:cNvSpPr/>
+          <p:nvPr/>
+        </p:nvSpPr>
+        <p:spPr>
+          <a:xfrm>
+            <a:off x="4872252" y="5627215"/>
+            <a:ext cx="1419679" cy="522507"/>
+          </a:xfrm>
+          <a:prstGeom prst="roundRect">
+            <a:avLst/>
+          </a:prstGeom>
+        </p:spPr>
+        <p:style>
+          <a:lnRef idx="2">
+            <a:schemeClr val="accent3">
+              <a:shade val="50000"/>
+            </a:schemeClr>
+          </a:lnRef>
+          <a:fillRef idx="1">
+            <a:schemeClr val="accent3"/>
+          </a:fillRef>
+          <a:effectRef idx="0">
+            <a:schemeClr val="accent3"/>
+          </a:effectRef>
+          <a:fontRef idx="minor">
+            <a:schemeClr val="lt1"/>
+          </a:fontRef>
+        </p:style>
+        <p:txBody>
+          <a:bodyPr rtlCol="0" anchor="ctr"/>
+          <a:lstStyle/>
+          <a:p>
+            <a:pPr algn="ctr"/>
+            <a:r>
+              <a:rPr lang="ja-JP" altLang="en-US" sz="3200" dirty="0">
+                <a:latin typeface="YuKyokasho Medium" panose="02000500000000000000" pitchFamily="2" charset="-128"/>
+                <a:ea typeface="YuKyokasho Medium" panose="02000500000000000000" pitchFamily="2" charset="-128"/>
+                <a:cs typeface="ヒラギノ丸ゴ ProN W4"/>
+              </a:rPr>
+              <a:t>戻る</a:t>
+            </a:r>
+            <a:endParaRPr kumimoji="1" lang="ja-JP" altLang="en-US" sz="3200" dirty="0">
+              <a:latin typeface="YuKyokasho Medium" panose="02000500000000000000" pitchFamily="2" charset="-128"/>
+              <a:ea typeface="YuKyokasho Medium" panose="02000500000000000000" pitchFamily="2" charset="-128"/>
+              <a:cs typeface="ヒラギノ丸ゴ ProN W4"/>
+            </a:endParaRPr>
+          </a:p>
+        </p:txBody>
+      </p:sp>
+    </p:spTree>
+    <p:extLst>
+      <p:ext uri="{BB962C8B-B14F-4D97-AF65-F5344CB8AC3E}">
+        <p14:creationId xmlns:p14="http://schemas.microsoft.com/office/powerpoint/2010/main" val="111719225"/>
       </p:ext>
     </p:extLst>
   </p:cSld>
@@ -5358,6 +5879,42 @@
               <a:t>（全ての記録を一括で？）</a:t>
             </a:r>
             <a:endParaRPr kumimoji="1" lang="en-US" altLang="ja-JP" dirty="0"/>
+          </a:p>
+        </p:txBody>
+      </p:sp>
+      <p:sp>
+        <p:nvSpPr>
+          <p:cNvPr id="5" name="テキスト ボックス 4">
+            <a:extLst>
+              <a:ext uri="{FF2B5EF4-FFF2-40B4-BE49-F238E27FC236}">
+                <a16:creationId xmlns:a16="http://schemas.microsoft.com/office/drawing/2014/main" id="{FD09E114-4078-D74C-9CC8-36E55C5D13B5}"/>
+              </a:ext>
+            </a:extLst>
+          </p:cNvPr>
+          <p:cNvSpPr txBox="1"/>
+          <p:nvPr/>
+        </p:nvSpPr>
+        <p:spPr>
+          <a:xfrm>
+            <a:off x="340242" y="446567"/>
+            <a:ext cx="1701209" cy="369332"/>
+          </a:xfrm>
+          <a:prstGeom prst="rect">
+            <a:avLst/>
+          </a:prstGeom>
+          <a:noFill/>
+        </p:spPr>
+        <p:txBody>
+          <a:bodyPr wrap="square" rtlCol="0">
+            <a:spAutoFit/>
+          </a:bodyPr>
+          <a:lstStyle/>
+          <a:p>
+            <a:r>
+              <a:rPr kumimoji="1" lang="en-US" altLang="ja-JP" dirty="0" err="1"/>
+              <a:t>MenuActivity</a:t>
+            </a:r>
+            <a:endParaRPr kumimoji="1" lang="ja-JP" altLang="en-US" dirty="0"/>
           </a:p>
         </p:txBody>
       </p:sp>
@@ -6254,6 +6811,42 @@
           </a:p>
         </p:txBody>
       </p:sp>
+      <p:sp>
+        <p:nvSpPr>
+          <p:cNvPr id="12" name="テキスト ボックス 11">
+            <a:extLst>
+              <a:ext uri="{FF2B5EF4-FFF2-40B4-BE49-F238E27FC236}">
+                <a16:creationId xmlns:a16="http://schemas.microsoft.com/office/drawing/2014/main" id="{BF9026C8-A69F-374C-930E-A1D699173123}"/>
+              </a:ext>
+            </a:extLst>
+          </p:cNvPr>
+          <p:cNvSpPr txBox="1"/>
+          <p:nvPr/>
+        </p:nvSpPr>
+        <p:spPr>
+          <a:xfrm>
+            <a:off x="340242" y="446567"/>
+            <a:ext cx="1701209" cy="369332"/>
+          </a:xfrm>
+          <a:prstGeom prst="rect">
+            <a:avLst/>
+          </a:prstGeom>
+          <a:noFill/>
+        </p:spPr>
+        <p:txBody>
+          <a:bodyPr wrap="square" rtlCol="0">
+            <a:spAutoFit/>
+          </a:bodyPr>
+          <a:lstStyle/>
+          <a:p>
+            <a:r>
+              <a:rPr kumimoji="1" lang="en-US" altLang="ja-JP" dirty="0" err="1"/>
+              <a:t>MeasureActivity</a:t>
+            </a:r>
+            <a:endParaRPr kumimoji="1" lang="ja-JP" altLang="en-US" dirty="0"/>
+          </a:p>
+        </p:txBody>
+      </p:sp>
     </p:spTree>
     <p:extLst>
       <p:ext uri="{BB962C8B-B14F-4D97-AF65-F5344CB8AC3E}">
@@ -6981,6 +7574,46 @@
           </a:p>
         </p:txBody>
       </p:sp>
+      <p:sp>
+        <p:nvSpPr>
+          <p:cNvPr id="9" name="テキスト ボックス 8">
+            <a:extLst>
+              <a:ext uri="{FF2B5EF4-FFF2-40B4-BE49-F238E27FC236}">
+                <a16:creationId xmlns:a16="http://schemas.microsoft.com/office/drawing/2014/main" id="{BB758E4B-A0C8-C649-AF91-B7BAE32594D4}"/>
+              </a:ext>
+            </a:extLst>
+          </p:cNvPr>
+          <p:cNvSpPr txBox="1"/>
+          <p:nvPr/>
+        </p:nvSpPr>
+        <p:spPr>
+          <a:xfrm>
+            <a:off x="340242" y="446567"/>
+            <a:ext cx="1701209" cy="369332"/>
+          </a:xfrm>
+          <a:prstGeom prst="rect">
+            <a:avLst/>
+          </a:prstGeom>
+          <a:noFill/>
+        </p:spPr>
+        <p:txBody>
+          <a:bodyPr wrap="square" rtlCol="0">
+            <a:spAutoFit/>
+          </a:bodyPr>
+          <a:lstStyle/>
+          <a:p>
+            <a:r>
+              <a:rPr lang="en-US" altLang="ja-JP" dirty="0" err="1"/>
+              <a:t>T</a:t>
+            </a:r>
+            <a:r>
+              <a:rPr kumimoji="1" lang="en-US" altLang="ja-JP" dirty="0" err="1"/>
+              <a:t>imerActivity</a:t>
+            </a:r>
+            <a:endParaRPr kumimoji="1" lang="ja-JP" altLang="en-US" dirty="0"/>
+          </a:p>
+        </p:txBody>
+      </p:sp>
     </p:spTree>
     <p:extLst>
       <p:ext uri="{BB962C8B-B14F-4D97-AF65-F5344CB8AC3E}">
@@ -7300,6 +7933,46 @@
           </a:p>
         </p:txBody>
       </p:sp>
+      <p:sp>
+        <p:nvSpPr>
+          <p:cNvPr id="8" name="テキスト ボックス 7">
+            <a:extLst>
+              <a:ext uri="{FF2B5EF4-FFF2-40B4-BE49-F238E27FC236}">
+                <a16:creationId xmlns:a16="http://schemas.microsoft.com/office/drawing/2014/main" id="{A633626E-33CB-9F43-9DE9-CC2ACEE7BF23}"/>
+              </a:ext>
+            </a:extLst>
+          </p:cNvPr>
+          <p:cNvSpPr txBox="1"/>
+          <p:nvPr/>
+        </p:nvSpPr>
+        <p:spPr>
+          <a:xfrm>
+            <a:off x="340242" y="446567"/>
+            <a:ext cx="1701209" cy="369332"/>
+          </a:xfrm>
+          <a:prstGeom prst="rect">
+            <a:avLst/>
+          </a:prstGeom>
+          <a:noFill/>
+        </p:spPr>
+        <p:txBody>
+          <a:bodyPr wrap="square" rtlCol="0">
+            <a:spAutoFit/>
+          </a:bodyPr>
+          <a:lstStyle/>
+          <a:p>
+            <a:r>
+              <a:rPr lang="en-US" altLang="ja-JP" dirty="0" err="1"/>
+              <a:t>T</a:t>
+            </a:r>
+            <a:r>
+              <a:rPr kumimoji="1" lang="en-US" altLang="ja-JP" dirty="0" err="1"/>
+              <a:t>imerActivity</a:t>
+            </a:r>
+            <a:endParaRPr kumimoji="1" lang="ja-JP" altLang="en-US" dirty="0"/>
+          </a:p>
+        </p:txBody>
+      </p:sp>
     </p:spTree>
     <p:extLst>
       <p:ext uri="{BB962C8B-B14F-4D97-AF65-F5344CB8AC3E}">
@@ -7626,6 +8299,46 @@
               <a:ea typeface="YuKyokasho Medium" panose="02000500000000000000" pitchFamily="2" charset="-128"/>
               <a:cs typeface="ヒラギノ丸ゴ ProN W4"/>
             </a:endParaRPr>
+          </a:p>
+        </p:txBody>
+      </p:sp>
+      <p:sp>
+        <p:nvSpPr>
+          <p:cNvPr id="8" name="テキスト ボックス 7">
+            <a:extLst>
+              <a:ext uri="{FF2B5EF4-FFF2-40B4-BE49-F238E27FC236}">
+                <a16:creationId xmlns:a16="http://schemas.microsoft.com/office/drawing/2014/main" id="{D9582873-3548-A54D-BE66-4D003646D8A9}"/>
+              </a:ext>
+            </a:extLst>
+          </p:cNvPr>
+          <p:cNvSpPr txBox="1"/>
+          <p:nvPr/>
+        </p:nvSpPr>
+        <p:spPr>
+          <a:xfrm>
+            <a:off x="340242" y="446567"/>
+            <a:ext cx="1701209" cy="369332"/>
+          </a:xfrm>
+          <a:prstGeom prst="rect">
+            <a:avLst/>
+          </a:prstGeom>
+          <a:noFill/>
+        </p:spPr>
+        <p:txBody>
+          <a:bodyPr wrap="square" rtlCol="0">
+            <a:spAutoFit/>
+          </a:bodyPr>
+          <a:lstStyle/>
+          <a:p>
+            <a:r>
+              <a:rPr lang="en-US" altLang="ja-JP" dirty="0" err="1"/>
+              <a:t>T</a:t>
+            </a:r>
+            <a:r>
+              <a:rPr kumimoji="1" lang="en-US" altLang="ja-JP" dirty="0" err="1"/>
+              <a:t>imerActivity</a:t>
+            </a:r>
+            <a:endParaRPr kumimoji="1" lang="ja-JP" altLang="en-US" dirty="0"/>
           </a:p>
         </p:txBody>
       </p:sp>

--- a/memo/そばUI2.pptx
+++ b/memo/そばUI2.pptx
@@ -19,7 +19,9 @@
     <p:sldId id="269" r:id="rId13"/>
     <p:sldId id="270" r:id="rId14"/>
     <p:sldId id="274" r:id="rId15"/>
-    <p:sldId id="275" r:id="rId16"/>
+    <p:sldId id="277" r:id="rId16"/>
+    <p:sldId id="278" r:id="rId17"/>
+    <p:sldId id="276" r:id="rId18"/>
   </p:sldIdLst>
   <p:sldSz cx="9144000" cy="6858000" type="screen4x3"/>
   <p:notesSz cx="6858000" cy="9144000"/>
@@ -153,7 +155,9 @@
         </p14:section>
         <p14:section name="計測データ" id="{398EE831-02F1-2E40-B2A2-80BEC020047D}">
           <p14:sldIdLst>
-            <p14:sldId id="275"/>
+            <p14:sldId id="277"/>
+            <p14:sldId id="278"/>
+            <p14:sldId id="276"/>
           </p14:sldIdLst>
         </p14:section>
       </p14:sectionLst>
@@ -355,7 +359,7 @@
           <a:p>
             <a:fld id="{5E8A8F78-2FD7-7F4B-B34C-8078F4074D81}" type="datetimeFigureOut">
               <a:rPr kumimoji="1" lang="ja-JP" altLang="en-US" smtClean="0"/>
-              <a:t>2018/3/2</a:t>
+              <a:t>2018/3/3</a:t>
             </a:fld>
             <a:endParaRPr kumimoji="1" lang="ja-JP" altLang="en-US"/>
           </a:p>
@@ -555,7 +559,7 @@
           <a:p>
             <a:fld id="{5E8A8F78-2FD7-7F4B-B34C-8078F4074D81}" type="datetimeFigureOut">
               <a:rPr kumimoji="1" lang="ja-JP" altLang="en-US" smtClean="0"/>
-              <a:t>2018/3/2</a:t>
+              <a:t>2018/3/3</a:t>
             </a:fld>
             <a:endParaRPr kumimoji="1" lang="ja-JP" altLang="en-US"/>
           </a:p>
@@ -765,7 +769,7 @@
           <a:p>
             <a:fld id="{5E8A8F78-2FD7-7F4B-B34C-8078F4074D81}" type="datetimeFigureOut">
               <a:rPr kumimoji="1" lang="ja-JP" altLang="en-US" smtClean="0"/>
-              <a:t>2018/3/2</a:t>
+              <a:t>2018/3/3</a:t>
             </a:fld>
             <a:endParaRPr kumimoji="1" lang="ja-JP" altLang="en-US"/>
           </a:p>
@@ -965,7 +969,7 @@
           <a:p>
             <a:fld id="{5E8A8F78-2FD7-7F4B-B34C-8078F4074D81}" type="datetimeFigureOut">
               <a:rPr kumimoji="1" lang="ja-JP" altLang="en-US" smtClean="0"/>
-              <a:t>2018/3/2</a:t>
+              <a:t>2018/3/3</a:t>
             </a:fld>
             <a:endParaRPr kumimoji="1" lang="ja-JP" altLang="en-US"/>
           </a:p>
@@ -1210,7 +1214,7 @@
           <a:p>
             <a:fld id="{5E8A8F78-2FD7-7F4B-B34C-8078F4074D81}" type="datetimeFigureOut">
               <a:rPr kumimoji="1" lang="ja-JP" altLang="en-US" smtClean="0"/>
-              <a:t>2018/3/2</a:t>
+              <a:t>2018/3/3</a:t>
             </a:fld>
             <a:endParaRPr kumimoji="1" lang="ja-JP" altLang="en-US"/>
           </a:p>
@@ -1559,7 +1563,7 @@
           <a:p>
             <a:fld id="{5E8A8F78-2FD7-7F4B-B34C-8078F4074D81}" type="datetimeFigureOut">
               <a:rPr kumimoji="1" lang="ja-JP" altLang="en-US" smtClean="0"/>
-              <a:t>2018/3/2</a:t>
+              <a:t>2018/3/3</a:t>
             </a:fld>
             <a:endParaRPr kumimoji="1" lang="ja-JP" altLang="en-US"/>
           </a:p>
@@ -2042,7 +2046,7 @@
           <a:p>
             <a:fld id="{5E8A8F78-2FD7-7F4B-B34C-8078F4074D81}" type="datetimeFigureOut">
               <a:rPr kumimoji="1" lang="ja-JP" altLang="en-US" smtClean="0"/>
-              <a:t>2018/3/2</a:t>
+              <a:t>2018/3/3</a:t>
             </a:fld>
             <a:endParaRPr kumimoji="1" lang="ja-JP" altLang="en-US"/>
           </a:p>
@@ -2159,7 +2163,7 @@
           <a:p>
             <a:fld id="{5E8A8F78-2FD7-7F4B-B34C-8078F4074D81}" type="datetimeFigureOut">
               <a:rPr kumimoji="1" lang="ja-JP" altLang="en-US" smtClean="0"/>
-              <a:t>2018/3/2</a:t>
+              <a:t>2018/3/3</a:t>
             </a:fld>
             <a:endParaRPr kumimoji="1" lang="ja-JP" altLang="en-US"/>
           </a:p>
@@ -2254,7 +2258,7 @@
           <a:p>
             <a:fld id="{5E8A8F78-2FD7-7F4B-B34C-8078F4074D81}" type="datetimeFigureOut">
               <a:rPr kumimoji="1" lang="ja-JP" altLang="en-US" smtClean="0"/>
-              <a:t>2018/3/2</a:t>
+              <a:t>2018/3/3</a:t>
             </a:fld>
             <a:endParaRPr kumimoji="1" lang="ja-JP" altLang="en-US"/>
           </a:p>
@@ -2561,7 +2565,7 @@
           <a:p>
             <a:fld id="{5E8A8F78-2FD7-7F4B-B34C-8078F4074D81}" type="datetimeFigureOut">
               <a:rPr kumimoji="1" lang="ja-JP" altLang="en-US" smtClean="0"/>
-              <a:t>2018/3/2</a:t>
+              <a:t>2018/3/3</a:t>
             </a:fld>
             <a:endParaRPr kumimoji="1" lang="ja-JP" altLang="en-US"/>
           </a:p>
@@ -2813,7 +2817,7 @@
           <a:p>
             <a:fld id="{5E8A8F78-2FD7-7F4B-B34C-8078F4074D81}" type="datetimeFigureOut">
               <a:rPr kumimoji="1" lang="ja-JP" altLang="en-US" smtClean="0"/>
-              <a:t>2018/3/2</a:t>
+              <a:t>2018/3/3</a:t>
             </a:fld>
             <a:endParaRPr kumimoji="1" lang="ja-JP" altLang="en-US"/>
           </a:p>
@@ -3056,7 +3060,7 @@
           <a:p>
             <a:fld id="{5E8A8F78-2FD7-7F4B-B34C-8078F4074D81}" type="datetimeFigureOut">
               <a:rPr kumimoji="1" lang="ja-JP" altLang="en-US" smtClean="0"/>
-              <a:t>2018/3/2</a:t>
+              <a:t>2018/3/3</a:t>
             </a:fld>
             <a:endParaRPr kumimoji="1" lang="ja-JP" altLang="en-US"/>
           </a:p>
@@ -4821,8 +4825,8 @@
         </p:nvSpPr>
         <p:spPr>
           <a:xfrm>
-            <a:off x="3779519" y="5584442"/>
-            <a:ext cx="2395763" cy="522507"/>
+            <a:off x="4664279" y="5584442"/>
+            <a:ext cx="1511003" cy="522507"/>
           </a:xfrm>
           <a:prstGeom prst="roundRect">
             <a:avLst/>
@@ -4855,7 +4859,7 @@
                 <a:ea typeface="YuKyokasho Medium" panose="02000500000000000000" pitchFamily="2" charset="-128"/>
                 <a:cs typeface="ヒラギノ丸ゴ ProN W4"/>
               </a:rPr>
-              <a:t>最初に戻る</a:t>
+              <a:t>戻る</a:t>
             </a:r>
             <a:endParaRPr kumimoji="1" lang="ja-JP" altLang="en-US" sz="3200" dirty="0">
               <a:latin typeface="YuKyokasho Medium" panose="02000500000000000000" pitchFamily="2" charset="-128"/>
@@ -5065,45 +5069,6 @@
       </p:sp>
       <p:sp>
         <p:nvSpPr>
-          <p:cNvPr id="6" name="テキスト ボックス 5">
-            <a:extLst>
-              <a:ext uri="{FF2B5EF4-FFF2-40B4-BE49-F238E27FC236}">
-                <a16:creationId xmlns:a16="http://schemas.microsoft.com/office/drawing/2014/main" id="{2690134C-5410-B043-ADFC-4F68595E10D0}"/>
-              </a:ext>
-            </a:extLst>
-          </p:cNvPr>
-          <p:cNvSpPr txBox="1"/>
-          <p:nvPr/>
-        </p:nvSpPr>
-        <p:spPr>
-          <a:xfrm>
-            <a:off x="2916464" y="1913345"/>
-            <a:ext cx="3311072" cy="523220"/>
-          </a:xfrm>
-          <a:prstGeom prst="rect">
-            <a:avLst/>
-          </a:prstGeom>
-          <a:noFill/>
-        </p:spPr>
-        <p:txBody>
-          <a:bodyPr wrap="square" rtlCol="0">
-            <a:spAutoFit/>
-          </a:bodyPr>
-          <a:lstStyle/>
-          <a:p>
-            <a:r>
-              <a:rPr kumimoji="1" lang="ja-JP" altLang="en-US" sz="2800" dirty="0">
-                <a:latin typeface="YuKyokasho Medium" panose="02000500000000000000" pitchFamily="2" charset="-128"/>
-                <a:ea typeface="YuKyokasho Medium" panose="02000500000000000000" pitchFamily="2" charset="-128"/>
-                <a:cs typeface="ヒラギノ丸ゴ ProN W4"/>
-              </a:rPr>
-              <a:t>氏名：</a:t>
-            </a:r>
-          </a:p>
-        </p:txBody>
-      </p:sp>
-      <p:sp>
-        <p:nvSpPr>
           <p:cNvPr id="7" name="角丸四角形 6">
             <a:extLst>
               <a:ext uri="{FF2B5EF4-FFF2-40B4-BE49-F238E27FC236}">
@@ -5116,8 +5081,8 @@
         </p:nvSpPr>
         <p:spPr>
           <a:xfrm>
-            <a:off x="3739155" y="4670391"/>
-            <a:ext cx="1596013" cy="522507"/>
+            <a:off x="2978093" y="4670391"/>
+            <a:ext cx="3118138" cy="522507"/>
           </a:xfrm>
           <a:prstGeom prst="roundRect">
             <a:avLst/>
@@ -5150,7 +5115,7 @@
                 <a:ea typeface="YuKyokasho Medium" panose="02000500000000000000" pitchFamily="2" charset="-128"/>
                 <a:cs typeface="ヒラギノ丸ゴ ProN W4"/>
               </a:rPr>
-              <a:t>記録</a:t>
+              <a:t>記録する</a:t>
             </a:r>
             <a:endParaRPr kumimoji="1" lang="ja-JP" altLang="en-US" sz="3200" dirty="0">
               <a:latin typeface="YuKyokasho Medium" panose="02000500000000000000" pitchFamily="2" charset="-128"/>
@@ -5210,8 +5175,8 @@
         </p:nvSpPr>
         <p:spPr>
           <a:xfrm>
-            <a:off x="3739154" y="5481377"/>
-            <a:ext cx="1596013" cy="522507"/>
+            <a:off x="2978092" y="5481377"/>
+            <a:ext cx="3118138" cy="522507"/>
           </a:xfrm>
           <a:prstGeom prst="roundRect">
             <a:avLst/>
@@ -5247,6 +5212,139 @@
               <a:t>戻る</a:t>
             </a:r>
             <a:endParaRPr kumimoji="1" lang="ja-JP" altLang="en-US" sz="3200" dirty="0">
+              <a:latin typeface="YuKyokasho Medium" panose="02000500000000000000" pitchFamily="2" charset="-128"/>
+              <a:ea typeface="YuKyokasho Medium" panose="02000500000000000000" pitchFamily="2" charset="-128"/>
+              <a:cs typeface="ヒラギノ丸ゴ ProN W4"/>
+            </a:endParaRPr>
+          </a:p>
+        </p:txBody>
+      </p:sp>
+      <p:sp>
+        <p:nvSpPr>
+          <p:cNvPr id="12" name="テキスト ボックス 11">
+            <a:extLst>
+              <a:ext uri="{FF2B5EF4-FFF2-40B4-BE49-F238E27FC236}">
+                <a16:creationId xmlns:a16="http://schemas.microsoft.com/office/drawing/2014/main" id="{94C003B2-1378-444E-B2D8-0ECEBB30D176}"/>
+              </a:ext>
+            </a:extLst>
+          </p:cNvPr>
+          <p:cNvSpPr txBox="1"/>
+          <p:nvPr/>
+        </p:nvSpPr>
+        <p:spPr>
+          <a:xfrm>
+            <a:off x="2916464" y="1913345"/>
+            <a:ext cx="3311072" cy="523220"/>
+          </a:xfrm>
+          <a:prstGeom prst="rect">
+            <a:avLst/>
+          </a:prstGeom>
+          <a:solidFill>
+            <a:schemeClr val="bg1"/>
+          </a:solidFill>
+          <a:ln/>
+        </p:spPr>
+        <p:style>
+          <a:lnRef idx="2">
+            <a:schemeClr val="accent3">
+              <a:shade val="50000"/>
+            </a:schemeClr>
+          </a:lnRef>
+          <a:fillRef idx="1">
+            <a:schemeClr val="accent3"/>
+          </a:fillRef>
+          <a:effectRef idx="0">
+            <a:schemeClr val="accent3"/>
+          </a:effectRef>
+          <a:fontRef idx="minor">
+            <a:schemeClr val="lt1"/>
+          </a:fontRef>
+        </p:style>
+        <p:txBody>
+          <a:bodyPr wrap="square" rtlCol="0">
+            <a:spAutoFit/>
+          </a:bodyPr>
+          <a:lstStyle/>
+          <a:p>
+            <a:r>
+              <a:rPr kumimoji="1" lang="en-US" altLang="ja-JP" sz="2800" dirty="0">
+                <a:solidFill>
+                  <a:sysClr val="windowText" lastClr="000000"/>
+                </a:solidFill>
+                <a:latin typeface="YuKyokasho Medium" panose="02000500000000000000" pitchFamily="2" charset="-128"/>
+                <a:ea typeface="YuKyokasho Medium" panose="02000500000000000000" pitchFamily="2" charset="-128"/>
+                <a:cs typeface="ヒラギノ丸ゴ ProN W4"/>
+              </a:rPr>
+              <a:t>      </a:t>
+            </a:r>
+            <a:r>
+              <a:rPr kumimoji="1" lang="ja-JP" altLang="en-US" sz="2800" dirty="0">
+                <a:solidFill>
+                  <a:sysClr val="windowText" lastClr="000000"/>
+                </a:solidFill>
+                <a:latin typeface="YuKyokasho Medium" panose="02000500000000000000" pitchFamily="2" charset="-128"/>
+                <a:ea typeface="YuKyokasho Medium" panose="02000500000000000000" pitchFamily="2" charset="-128"/>
+                <a:cs typeface="ヒラギノ丸ゴ ProN W4"/>
+              </a:rPr>
+              <a:t>登録者名</a:t>
+            </a:r>
+          </a:p>
+        </p:txBody>
+      </p:sp>
+      <p:sp>
+        <p:nvSpPr>
+          <p:cNvPr id="13" name="テキスト ボックス 12">
+            <a:extLst>
+              <a:ext uri="{FF2B5EF4-FFF2-40B4-BE49-F238E27FC236}">
+                <a16:creationId xmlns:a16="http://schemas.microsoft.com/office/drawing/2014/main" id="{23242B1C-E5BF-814A-931B-542C3CCD9BD2}"/>
+              </a:ext>
+            </a:extLst>
+          </p:cNvPr>
+          <p:cNvSpPr txBox="1"/>
+          <p:nvPr/>
+        </p:nvSpPr>
+        <p:spPr>
+          <a:xfrm>
+            <a:off x="2916464" y="1913345"/>
+            <a:ext cx="732747" cy="523220"/>
+          </a:xfrm>
+          <a:prstGeom prst="rect">
+            <a:avLst/>
+          </a:prstGeom>
+          <a:ln/>
+        </p:spPr>
+        <p:style>
+          <a:lnRef idx="2">
+            <a:schemeClr val="accent3">
+              <a:shade val="50000"/>
+            </a:schemeClr>
+          </a:lnRef>
+          <a:fillRef idx="1">
+            <a:schemeClr val="accent3"/>
+          </a:fillRef>
+          <a:effectRef idx="0">
+            <a:schemeClr val="accent3"/>
+          </a:effectRef>
+          <a:fontRef idx="minor">
+            <a:schemeClr val="lt1"/>
+          </a:fontRef>
+        </p:style>
+        <p:txBody>
+          <a:bodyPr wrap="square" lIns="0" rIns="0" rtlCol="0">
+            <a:spAutoFit/>
+          </a:bodyPr>
+          <a:lstStyle/>
+          <a:p>
+            <a:pPr algn="ctr"/>
+            <a:r>
+              <a:rPr lang="ja-JP" altLang="en-US" sz="2800" dirty="0">
+                <a:latin typeface="YuKyokasho Medium" panose="02000500000000000000" pitchFamily="2" charset="-128"/>
+                <a:ea typeface="YuKyokasho Medium" panose="02000500000000000000" pitchFamily="2" charset="-128"/>
+                <a:cs typeface="ヒラギノ丸ゴ ProN W4"/>
+              </a:rPr>
+              <a:t>氏名</a:t>
+            </a:r>
+            <a:endParaRPr kumimoji="1" lang="en-US" altLang="ja-JP" sz="2800" dirty="0">
               <a:latin typeface="YuKyokasho Medium" panose="02000500000000000000" pitchFamily="2" charset="-128"/>
               <a:ea typeface="YuKyokasho Medium" panose="02000500000000000000" pitchFamily="2" charset="-128"/>
               <a:cs typeface="ヒラギノ丸ゴ ProN W4"/>
@@ -5320,6 +5418,361 @@
           </a:p>
         </p:txBody>
       </p:sp>
+      <p:sp>
+        <p:nvSpPr>
+          <p:cNvPr id="3" name="正方形/長方形 2">
+            <a:extLst>
+              <a:ext uri="{FF2B5EF4-FFF2-40B4-BE49-F238E27FC236}">
+                <a16:creationId xmlns:a16="http://schemas.microsoft.com/office/drawing/2014/main" id="{8A75C1A8-E9D4-D240-A030-A1EAE125237D}"/>
+              </a:ext>
+            </a:extLst>
+          </p:cNvPr>
+          <p:cNvSpPr/>
+          <p:nvPr/>
+        </p:nvSpPr>
+        <p:spPr>
+          <a:xfrm>
+            <a:off x="2671553" y="564226"/>
+            <a:ext cx="3739931" cy="5728138"/>
+          </a:xfrm>
+          <a:prstGeom prst="rect">
+            <a:avLst/>
+          </a:prstGeom>
+          <a:solidFill>
+            <a:srgbClr val="FFFFFF"/>
+          </a:solidFill>
+          <a:ln>
+            <a:solidFill>
+              <a:schemeClr val="tx1"/>
+            </a:solidFill>
+          </a:ln>
+        </p:spPr>
+        <p:style>
+          <a:lnRef idx="2">
+            <a:schemeClr val="accent3">
+              <a:shade val="50000"/>
+            </a:schemeClr>
+          </a:lnRef>
+          <a:fillRef idx="1">
+            <a:schemeClr val="accent3"/>
+          </a:fillRef>
+          <a:effectRef idx="0">
+            <a:schemeClr val="accent3"/>
+          </a:effectRef>
+          <a:fontRef idx="minor">
+            <a:schemeClr val="lt1"/>
+          </a:fontRef>
+        </p:style>
+        <p:txBody>
+          <a:bodyPr rtlCol="0" anchor="ctr"/>
+          <a:lstStyle/>
+          <a:p>
+            <a:pPr algn="ctr"/>
+            <a:endParaRPr kumimoji="1" lang="ja-JP" altLang="en-US"/>
+          </a:p>
+        </p:txBody>
+      </p:sp>
+      <p:sp>
+        <p:nvSpPr>
+          <p:cNvPr id="4" name="正方形/長方形 3">
+            <a:extLst>
+              <a:ext uri="{FF2B5EF4-FFF2-40B4-BE49-F238E27FC236}">
+                <a16:creationId xmlns:a16="http://schemas.microsoft.com/office/drawing/2014/main" id="{AAC21240-D414-E641-A245-E1A7F2CCF3C4}"/>
+              </a:ext>
+            </a:extLst>
+          </p:cNvPr>
+          <p:cNvSpPr/>
+          <p:nvPr/>
+        </p:nvSpPr>
+        <p:spPr>
+          <a:xfrm>
+            <a:off x="2667197" y="576880"/>
+            <a:ext cx="3739931" cy="506204"/>
+          </a:xfrm>
+          <a:prstGeom prst="rect">
+            <a:avLst/>
+          </a:prstGeom>
+          <a:solidFill>
+            <a:schemeClr val="tx1"/>
+          </a:solidFill>
+          <a:ln>
+            <a:noFill/>
+          </a:ln>
+        </p:spPr>
+        <p:style>
+          <a:lnRef idx="2">
+            <a:schemeClr val="accent6">
+              <a:shade val="50000"/>
+            </a:schemeClr>
+          </a:lnRef>
+          <a:fillRef idx="1">
+            <a:schemeClr val="accent6"/>
+          </a:fillRef>
+          <a:effectRef idx="0">
+            <a:schemeClr val="accent6"/>
+          </a:effectRef>
+          <a:fontRef idx="minor">
+            <a:schemeClr val="lt1"/>
+          </a:fontRef>
+        </p:style>
+        <p:txBody>
+          <a:bodyPr rtlCol="0" anchor="ctr"/>
+          <a:lstStyle/>
+          <a:p>
+            <a:pPr algn="ctr"/>
+            <a:r>
+              <a:rPr kumimoji="1" lang="ja-JP" altLang="en-US" dirty="0"/>
+              <a:t>記録画面</a:t>
+            </a:r>
+          </a:p>
+        </p:txBody>
+      </p:sp>
+      <p:sp>
+        <p:nvSpPr>
+          <p:cNvPr id="5" name="テキスト ボックス 4">
+            <a:extLst>
+              <a:ext uri="{FF2B5EF4-FFF2-40B4-BE49-F238E27FC236}">
+                <a16:creationId xmlns:a16="http://schemas.microsoft.com/office/drawing/2014/main" id="{73BE90EA-C42F-5942-A4F7-2E36D3101C7D}"/>
+              </a:ext>
+            </a:extLst>
+          </p:cNvPr>
+          <p:cNvSpPr txBox="1"/>
+          <p:nvPr/>
+        </p:nvSpPr>
+        <p:spPr>
+          <a:xfrm>
+            <a:off x="2916464" y="1913345"/>
+            <a:ext cx="3311072" cy="523220"/>
+          </a:xfrm>
+          <a:prstGeom prst="rect">
+            <a:avLst/>
+          </a:prstGeom>
+          <a:solidFill>
+            <a:schemeClr val="bg1"/>
+          </a:solidFill>
+          <a:ln/>
+        </p:spPr>
+        <p:style>
+          <a:lnRef idx="2">
+            <a:schemeClr val="accent3">
+              <a:shade val="50000"/>
+            </a:schemeClr>
+          </a:lnRef>
+          <a:fillRef idx="1">
+            <a:schemeClr val="accent3"/>
+          </a:fillRef>
+          <a:effectRef idx="0">
+            <a:schemeClr val="accent3"/>
+          </a:effectRef>
+          <a:fontRef idx="minor">
+            <a:schemeClr val="lt1"/>
+          </a:fontRef>
+        </p:style>
+        <p:txBody>
+          <a:bodyPr wrap="square" rtlCol="0">
+            <a:spAutoFit/>
+          </a:bodyPr>
+          <a:lstStyle/>
+          <a:p>
+            <a:r>
+              <a:rPr lang="ja-JP" altLang="en-US" sz="2800" dirty="0">
+                <a:solidFill>
+                  <a:sysClr val="windowText" lastClr="000000"/>
+                </a:solidFill>
+                <a:latin typeface="YuKyokasho Medium" panose="02000500000000000000" pitchFamily="2" charset="-128"/>
+                <a:ea typeface="YuKyokasho Medium" panose="02000500000000000000" pitchFamily="2" charset="-128"/>
+                <a:cs typeface="ヒラギノ丸ゴ ProN W4"/>
+              </a:rPr>
+              <a:t>名前</a:t>
+            </a:r>
+            <a:endParaRPr kumimoji="1" lang="ja-JP" altLang="en-US" sz="2800" dirty="0">
+              <a:solidFill>
+                <a:sysClr val="windowText" lastClr="000000"/>
+              </a:solidFill>
+              <a:latin typeface="YuKyokasho Medium" panose="02000500000000000000" pitchFamily="2" charset="-128"/>
+              <a:ea typeface="YuKyokasho Medium" panose="02000500000000000000" pitchFamily="2" charset="-128"/>
+              <a:cs typeface="ヒラギノ丸ゴ ProN W4"/>
+            </a:endParaRPr>
+          </a:p>
+        </p:txBody>
+      </p:sp>
+      <p:sp>
+        <p:nvSpPr>
+          <p:cNvPr id="8" name="テキスト ボックス 7">
+            <a:extLst>
+              <a:ext uri="{FF2B5EF4-FFF2-40B4-BE49-F238E27FC236}">
+                <a16:creationId xmlns:a16="http://schemas.microsoft.com/office/drawing/2014/main" id="{3678DAC4-B57A-5643-865B-7948B931B7F3}"/>
+              </a:ext>
+            </a:extLst>
+          </p:cNvPr>
+          <p:cNvSpPr txBox="1"/>
+          <p:nvPr/>
+        </p:nvSpPr>
+        <p:spPr>
+          <a:xfrm>
+            <a:off x="5654180" y="1913345"/>
+            <a:ext cx="573356" cy="523220"/>
+          </a:xfrm>
+          <a:prstGeom prst="rect">
+            <a:avLst/>
+          </a:prstGeom>
+          <a:ln/>
+        </p:spPr>
+        <p:style>
+          <a:lnRef idx="2">
+            <a:schemeClr val="accent3">
+              <a:shade val="50000"/>
+            </a:schemeClr>
+          </a:lnRef>
+          <a:fillRef idx="1">
+            <a:schemeClr val="accent3"/>
+          </a:fillRef>
+          <a:effectRef idx="0">
+            <a:schemeClr val="accent3"/>
+          </a:effectRef>
+          <a:fontRef idx="minor">
+            <a:schemeClr val="lt1"/>
+          </a:fontRef>
+        </p:style>
+        <p:txBody>
+          <a:bodyPr wrap="square" rtlCol="0">
+            <a:spAutoFit/>
+          </a:bodyPr>
+          <a:lstStyle/>
+          <a:p>
+            <a:pPr algn="ctr"/>
+            <a:r>
+              <a:rPr lang="ja-JP" altLang="en-US" sz="2800" dirty="0">
+                <a:latin typeface="YuKyokasho Medium" panose="02000500000000000000" pitchFamily="2" charset="-128"/>
+                <a:ea typeface="YuKyokasho Medium" panose="02000500000000000000" pitchFamily="2" charset="-128"/>
+                <a:cs typeface="ヒラギノ丸ゴ ProN W4"/>
+              </a:rPr>
+              <a:t>▼</a:t>
+            </a:r>
+            <a:endParaRPr kumimoji="1" lang="en-US" altLang="ja-JP" sz="2800" dirty="0">
+              <a:latin typeface="YuKyokasho Medium" panose="02000500000000000000" pitchFamily="2" charset="-128"/>
+              <a:ea typeface="YuKyokasho Medium" panose="02000500000000000000" pitchFamily="2" charset="-128"/>
+              <a:cs typeface="ヒラギノ丸ゴ ProN W4"/>
+            </a:endParaRPr>
+          </a:p>
+        </p:txBody>
+      </p:sp>
+      <p:sp>
+        <p:nvSpPr>
+          <p:cNvPr id="9" name="角丸四角形 8">
+            <a:extLst>
+              <a:ext uri="{FF2B5EF4-FFF2-40B4-BE49-F238E27FC236}">
+                <a16:creationId xmlns:a16="http://schemas.microsoft.com/office/drawing/2014/main" id="{2943E6CD-C748-7243-9688-C583A742FA60}"/>
+              </a:ext>
+            </a:extLst>
+          </p:cNvPr>
+          <p:cNvSpPr/>
+          <p:nvPr/>
+        </p:nvSpPr>
+        <p:spPr>
+          <a:xfrm>
+            <a:off x="2978093" y="4670391"/>
+            <a:ext cx="3118138" cy="522507"/>
+          </a:xfrm>
+          <a:prstGeom prst="roundRect">
+            <a:avLst/>
+          </a:prstGeom>
+        </p:spPr>
+        <p:style>
+          <a:lnRef idx="2">
+            <a:schemeClr val="accent3">
+              <a:shade val="50000"/>
+            </a:schemeClr>
+          </a:lnRef>
+          <a:fillRef idx="1">
+            <a:schemeClr val="accent3"/>
+          </a:fillRef>
+          <a:effectRef idx="0">
+            <a:schemeClr val="accent3"/>
+          </a:effectRef>
+          <a:fontRef idx="minor">
+            <a:schemeClr val="lt1"/>
+          </a:fontRef>
+        </p:style>
+        <p:txBody>
+          <a:bodyPr rtlCol="0" anchor="ctr"/>
+          <a:lstStyle/>
+          <a:p>
+            <a:pPr algn="ctr"/>
+            <a:r>
+              <a:rPr lang="ja-JP" altLang="en-US" sz="3200" dirty="0">
+                <a:latin typeface="YuKyokasho Medium" panose="02000500000000000000" pitchFamily="2" charset="-128"/>
+                <a:ea typeface="YuKyokasho Medium" panose="02000500000000000000" pitchFamily="2" charset="-128"/>
+                <a:cs typeface="ヒラギノ丸ゴ ProN W4"/>
+              </a:rPr>
+              <a:t>記録する</a:t>
+            </a:r>
+            <a:endParaRPr kumimoji="1" lang="ja-JP" altLang="en-US" sz="3200" dirty="0">
+              <a:latin typeface="YuKyokasho Medium" panose="02000500000000000000" pitchFamily="2" charset="-128"/>
+              <a:ea typeface="YuKyokasho Medium" panose="02000500000000000000" pitchFamily="2" charset="-128"/>
+              <a:cs typeface="ヒラギノ丸ゴ ProN W4"/>
+            </a:endParaRPr>
+          </a:p>
+        </p:txBody>
+      </p:sp>
+      <p:sp>
+        <p:nvSpPr>
+          <p:cNvPr id="10" name="角丸四角形 9">
+            <a:extLst>
+              <a:ext uri="{FF2B5EF4-FFF2-40B4-BE49-F238E27FC236}">
+                <a16:creationId xmlns:a16="http://schemas.microsoft.com/office/drawing/2014/main" id="{2DB5E086-72B0-0040-AD6B-B7D36789CE82}"/>
+              </a:ext>
+            </a:extLst>
+          </p:cNvPr>
+          <p:cNvSpPr/>
+          <p:nvPr/>
+        </p:nvSpPr>
+        <p:spPr>
+          <a:xfrm>
+            <a:off x="2978092" y="5481377"/>
+            <a:ext cx="3118138" cy="522507"/>
+          </a:xfrm>
+          <a:prstGeom prst="roundRect">
+            <a:avLst/>
+          </a:prstGeom>
+        </p:spPr>
+        <p:style>
+          <a:lnRef idx="2">
+            <a:schemeClr val="accent3">
+              <a:shade val="50000"/>
+            </a:schemeClr>
+          </a:lnRef>
+          <a:fillRef idx="1">
+            <a:schemeClr val="accent3"/>
+          </a:fillRef>
+          <a:effectRef idx="0">
+            <a:schemeClr val="accent3"/>
+          </a:effectRef>
+          <a:fontRef idx="minor">
+            <a:schemeClr val="lt1"/>
+          </a:fontRef>
+        </p:style>
+        <p:txBody>
+          <a:bodyPr rtlCol="0" anchor="ctr"/>
+          <a:lstStyle/>
+          <a:p>
+            <a:pPr algn="ctr"/>
+            <a:r>
+              <a:rPr lang="ja-JP" altLang="en-US" sz="3200" dirty="0">
+                <a:latin typeface="YuKyokasho Medium" panose="02000500000000000000" pitchFamily="2" charset="-128"/>
+                <a:ea typeface="YuKyokasho Medium" panose="02000500000000000000" pitchFamily="2" charset="-128"/>
+                <a:cs typeface="ヒラギノ丸ゴ ProN W4"/>
+              </a:rPr>
+              <a:t>戻る</a:t>
+            </a:r>
+            <a:endParaRPr kumimoji="1" lang="ja-JP" altLang="en-US" sz="3200" dirty="0">
+              <a:latin typeface="YuKyokasho Medium" panose="02000500000000000000" pitchFamily="2" charset="-128"/>
+              <a:ea typeface="YuKyokasho Medium" panose="02000500000000000000" pitchFamily="2" charset="-128"/>
+              <a:cs typeface="ヒラギノ丸ゴ ProN W4"/>
+            </a:endParaRPr>
+          </a:p>
+        </p:txBody>
+      </p:sp>
     </p:spTree>
     <p:extLst>
       <p:ext uri="{BB962C8B-B14F-4D97-AF65-F5344CB8AC3E}">
@@ -5549,10 +6002,1670 @@
           </a:p>
         </p:txBody>
       </p:sp>
+      <p:sp>
+        <p:nvSpPr>
+          <p:cNvPr id="7" name="角丸四角形 6">
+            <a:extLst>
+              <a:ext uri="{FF2B5EF4-FFF2-40B4-BE49-F238E27FC236}">
+                <a16:creationId xmlns:a16="http://schemas.microsoft.com/office/drawing/2014/main" id="{9D8F85AA-FA63-1346-8F8E-F396E9944439}"/>
+              </a:ext>
+            </a:extLst>
+          </p:cNvPr>
+          <p:cNvSpPr/>
+          <p:nvPr/>
+        </p:nvSpPr>
+        <p:spPr>
+          <a:xfrm>
+            <a:off x="2966485" y="1371769"/>
+            <a:ext cx="3211028" cy="592272"/>
+          </a:xfrm>
+          <a:prstGeom prst="roundRect">
+            <a:avLst/>
+          </a:prstGeom>
+        </p:spPr>
+        <p:style>
+          <a:lnRef idx="2">
+            <a:schemeClr val="accent3">
+              <a:shade val="50000"/>
+            </a:schemeClr>
+          </a:lnRef>
+          <a:fillRef idx="1">
+            <a:schemeClr val="accent3"/>
+          </a:fillRef>
+          <a:effectRef idx="0">
+            <a:schemeClr val="accent3"/>
+          </a:effectRef>
+          <a:fontRef idx="minor">
+            <a:schemeClr val="lt1"/>
+          </a:fontRef>
+        </p:style>
+        <p:txBody>
+          <a:bodyPr rtlCol="0" anchor="ctr"/>
+          <a:lstStyle/>
+          <a:p>
+            <a:pPr algn="ctr"/>
+            <a:r>
+              <a:rPr kumimoji="1" lang="en-US" altLang="ja-JP" sz="3200" dirty="0">
+                <a:latin typeface="YuKyokasho Medium" panose="02000500000000000000" pitchFamily="2" charset="-128"/>
+                <a:ea typeface="YuKyokasho Medium" panose="02000500000000000000" pitchFamily="2" charset="-128"/>
+                <a:cs typeface="ヒラギノ丸ゴ ProN W4"/>
+              </a:rPr>
+              <a:t>A</a:t>
+            </a:r>
+            <a:r>
+              <a:rPr kumimoji="1" lang="ja-JP" altLang="en-US" sz="3200" dirty="0">
+                <a:latin typeface="YuKyokasho Medium" panose="02000500000000000000" pitchFamily="2" charset="-128"/>
+                <a:ea typeface="YuKyokasho Medium" panose="02000500000000000000" pitchFamily="2" charset="-128"/>
+                <a:cs typeface="ヒラギノ丸ゴ ProN W4"/>
+              </a:rPr>
+              <a:t>さん</a:t>
+            </a:r>
+          </a:p>
+        </p:txBody>
+      </p:sp>
+      <p:sp>
+        <p:nvSpPr>
+          <p:cNvPr id="8" name="角丸四角形 7">
+            <a:extLst>
+              <a:ext uri="{FF2B5EF4-FFF2-40B4-BE49-F238E27FC236}">
+                <a16:creationId xmlns:a16="http://schemas.microsoft.com/office/drawing/2014/main" id="{8EF6818B-AF8D-6E4C-81DD-E9F2EDA7875F}"/>
+              </a:ext>
+            </a:extLst>
+          </p:cNvPr>
+          <p:cNvSpPr/>
+          <p:nvPr/>
+        </p:nvSpPr>
+        <p:spPr>
+          <a:xfrm>
+            <a:off x="2966485" y="2251964"/>
+            <a:ext cx="3211028" cy="592272"/>
+          </a:xfrm>
+          <a:prstGeom prst="roundRect">
+            <a:avLst/>
+          </a:prstGeom>
+        </p:spPr>
+        <p:style>
+          <a:lnRef idx="2">
+            <a:schemeClr val="accent3">
+              <a:shade val="50000"/>
+            </a:schemeClr>
+          </a:lnRef>
+          <a:fillRef idx="1">
+            <a:schemeClr val="accent3"/>
+          </a:fillRef>
+          <a:effectRef idx="0">
+            <a:schemeClr val="accent3"/>
+          </a:effectRef>
+          <a:fontRef idx="minor">
+            <a:schemeClr val="lt1"/>
+          </a:fontRef>
+        </p:style>
+        <p:txBody>
+          <a:bodyPr rtlCol="0" anchor="ctr"/>
+          <a:lstStyle/>
+          <a:p>
+            <a:pPr algn="ctr"/>
+            <a:r>
+              <a:rPr lang="en-US" altLang="ja-JP" sz="3200" dirty="0">
+                <a:latin typeface="YuKyokasho Medium" panose="02000500000000000000" pitchFamily="2" charset="-128"/>
+                <a:ea typeface="YuKyokasho Medium" panose="02000500000000000000" pitchFamily="2" charset="-128"/>
+                <a:cs typeface="ヒラギノ丸ゴ ProN W4"/>
+              </a:rPr>
+              <a:t>B</a:t>
+            </a:r>
+            <a:r>
+              <a:rPr kumimoji="1" lang="ja-JP" altLang="en-US" sz="3200" dirty="0">
+                <a:latin typeface="YuKyokasho Medium" panose="02000500000000000000" pitchFamily="2" charset="-128"/>
+                <a:ea typeface="YuKyokasho Medium" panose="02000500000000000000" pitchFamily="2" charset="-128"/>
+                <a:cs typeface="ヒラギノ丸ゴ ProN W4"/>
+              </a:rPr>
+              <a:t>さん</a:t>
+            </a:r>
+          </a:p>
+        </p:txBody>
+      </p:sp>
+      <p:sp>
+        <p:nvSpPr>
+          <p:cNvPr id="9" name="角丸四角形 8">
+            <a:extLst>
+              <a:ext uri="{FF2B5EF4-FFF2-40B4-BE49-F238E27FC236}">
+                <a16:creationId xmlns:a16="http://schemas.microsoft.com/office/drawing/2014/main" id="{7AACE191-B724-0B42-A9A3-67D7C4D873C1}"/>
+              </a:ext>
+            </a:extLst>
+          </p:cNvPr>
+          <p:cNvSpPr/>
+          <p:nvPr/>
+        </p:nvSpPr>
+        <p:spPr>
+          <a:xfrm>
+            <a:off x="2966485" y="3132159"/>
+            <a:ext cx="3211028" cy="592272"/>
+          </a:xfrm>
+          <a:prstGeom prst="roundRect">
+            <a:avLst/>
+          </a:prstGeom>
+        </p:spPr>
+        <p:style>
+          <a:lnRef idx="2">
+            <a:schemeClr val="accent3">
+              <a:shade val="50000"/>
+            </a:schemeClr>
+          </a:lnRef>
+          <a:fillRef idx="1">
+            <a:schemeClr val="accent3"/>
+          </a:fillRef>
+          <a:effectRef idx="0">
+            <a:schemeClr val="accent3"/>
+          </a:effectRef>
+          <a:fontRef idx="minor">
+            <a:schemeClr val="lt1"/>
+          </a:fontRef>
+        </p:style>
+        <p:txBody>
+          <a:bodyPr rtlCol="0" anchor="ctr"/>
+          <a:lstStyle/>
+          <a:p>
+            <a:pPr algn="ctr"/>
+            <a:r>
+              <a:rPr kumimoji="1" lang="en-US" altLang="ja-JP" sz="3200" dirty="0">
+                <a:latin typeface="YuKyokasho Medium" panose="02000500000000000000" pitchFamily="2" charset="-128"/>
+                <a:ea typeface="YuKyokasho Medium" panose="02000500000000000000" pitchFamily="2" charset="-128"/>
+                <a:cs typeface="ヒラギノ丸ゴ ProN W4"/>
+              </a:rPr>
+              <a:t>C</a:t>
+            </a:r>
+            <a:r>
+              <a:rPr kumimoji="1" lang="ja-JP" altLang="en-US" sz="3200" dirty="0">
+                <a:latin typeface="YuKyokasho Medium" panose="02000500000000000000" pitchFamily="2" charset="-128"/>
+                <a:ea typeface="YuKyokasho Medium" panose="02000500000000000000" pitchFamily="2" charset="-128"/>
+                <a:cs typeface="ヒラギノ丸ゴ ProN W4"/>
+              </a:rPr>
+              <a:t>さん</a:t>
+            </a:r>
+          </a:p>
+        </p:txBody>
+      </p:sp>
+      <p:sp>
+        <p:nvSpPr>
+          <p:cNvPr id="10" name="角丸四角形 9">
+            <a:extLst>
+              <a:ext uri="{FF2B5EF4-FFF2-40B4-BE49-F238E27FC236}">
+                <a16:creationId xmlns:a16="http://schemas.microsoft.com/office/drawing/2014/main" id="{83A59D66-CCAF-9A4C-B7E2-D57C0CA1B3A4}"/>
+              </a:ext>
+            </a:extLst>
+          </p:cNvPr>
+          <p:cNvSpPr/>
+          <p:nvPr/>
+        </p:nvSpPr>
+        <p:spPr>
+          <a:xfrm>
+            <a:off x="2966485" y="4006565"/>
+            <a:ext cx="3211028" cy="592272"/>
+          </a:xfrm>
+          <a:prstGeom prst="roundRect">
+            <a:avLst/>
+          </a:prstGeom>
+        </p:spPr>
+        <p:style>
+          <a:lnRef idx="2">
+            <a:schemeClr val="accent3">
+              <a:shade val="50000"/>
+            </a:schemeClr>
+          </a:lnRef>
+          <a:fillRef idx="1">
+            <a:schemeClr val="accent3"/>
+          </a:fillRef>
+          <a:effectRef idx="0">
+            <a:schemeClr val="accent3"/>
+          </a:effectRef>
+          <a:fontRef idx="minor">
+            <a:schemeClr val="lt1"/>
+          </a:fontRef>
+        </p:style>
+        <p:txBody>
+          <a:bodyPr rtlCol="0" anchor="ctr"/>
+          <a:lstStyle/>
+          <a:p>
+            <a:pPr algn="ctr"/>
+            <a:r>
+              <a:rPr kumimoji="1" lang="en-US" altLang="ja-JP" sz="3200" dirty="0">
+                <a:latin typeface="YuKyokasho Medium" panose="02000500000000000000" pitchFamily="2" charset="-128"/>
+                <a:ea typeface="YuKyokasho Medium" panose="02000500000000000000" pitchFamily="2" charset="-128"/>
+                <a:cs typeface="ヒラギノ丸ゴ ProN W4"/>
+              </a:rPr>
+              <a:t>D</a:t>
+            </a:r>
+            <a:r>
+              <a:rPr kumimoji="1" lang="ja-JP" altLang="en-US" sz="3200" dirty="0">
+                <a:latin typeface="YuKyokasho Medium" panose="02000500000000000000" pitchFamily="2" charset="-128"/>
+                <a:ea typeface="YuKyokasho Medium" panose="02000500000000000000" pitchFamily="2" charset="-128"/>
+                <a:cs typeface="ヒラギノ丸ゴ ProN W4"/>
+              </a:rPr>
+              <a:t>さん</a:t>
+            </a:r>
+          </a:p>
+        </p:txBody>
+      </p:sp>
+      <p:sp>
+        <p:nvSpPr>
+          <p:cNvPr id="11" name="角丸四角形 10">
+            <a:extLst>
+              <a:ext uri="{FF2B5EF4-FFF2-40B4-BE49-F238E27FC236}">
+                <a16:creationId xmlns:a16="http://schemas.microsoft.com/office/drawing/2014/main" id="{03B4CE29-2FFB-5749-B980-16B049578A81}"/>
+              </a:ext>
+            </a:extLst>
+          </p:cNvPr>
+          <p:cNvSpPr/>
+          <p:nvPr/>
+        </p:nvSpPr>
+        <p:spPr>
+          <a:xfrm>
+            <a:off x="2966485" y="4880971"/>
+            <a:ext cx="3211028" cy="592272"/>
+          </a:xfrm>
+          <a:prstGeom prst="roundRect">
+            <a:avLst/>
+          </a:prstGeom>
+        </p:spPr>
+        <p:style>
+          <a:lnRef idx="2">
+            <a:schemeClr val="accent3">
+              <a:shade val="50000"/>
+            </a:schemeClr>
+          </a:lnRef>
+          <a:fillRef idx="1">
+            <a:schemeClr val="accent3"/>
+          </a:fillRef>
+          <a:effectRef idx="0">
+            <a:schemeClr val="accent3"/>
+          </a:effectRef>
+          <a:fontRef idx="minor">
+            <a:schemeClr val="lt1"/>
+          </a:fontRef>
+        </p:style>
+        <p:txBody>
+          <a:bodyPr rtlCol="0" anchor="ctr"/>
+          <a:lstStyle/>
+          <a:p>
+            <a:pPr algn="ctr"/>
+            <a:r>
+              <a:rPr lang="en-US" altLang="ja-JP" sz="3200" dirty="0">
+                <a:latin typeface="YuKyokasho Medium" panose="02000500000000000000" pitchFamily="2" charset="-128"/>
+                <a:ea typeface="YuKyokasho Medium" panose="02000500000000000000" pitchFamily="2" charset="-128"/>
+                <a:cs typeface="ヒラギノ丸ゴ ProN W4"/>
+              </a:rPr>
+              <a:t>E</a:t>
+            </a:r>
+            <a:r>
+              <a:rPr kumimoji="1" lang="ja-JP" altLang="en-US" sz="3200" dirty="0">
+                <a:latin typeface="YuKyokasho Medium" panose="02000500000000000000" pitchFamily="2" charset="-128"/>
+                <a:ea typeface="YuKyokasho Medium" panose="02000500000000000000" pitchFamily="2" charset="-128"/>
+                <a:cs typeface="ヒラギノ丸ゴ ProN W4"/>
+              </a:rPr>
+              <a:t>さん</a:t>
+            </a:r>
+          </a:p>
+        </p:txBody>
+      </p:sp>
     </p:spTree>
     <p:extLst>
       <p:ext uri="{BB962C8B-B14F-4D97-AF65-F5344CB8AC3E}">
-        <p14:creationId xmlns:p14="http://schemas.microsoft.com/office/powerpoint/2010/main" val="111719225"/>
+        <p14:creationId xmlns:p14="http://schemas.microsoft.com/office/powerpoint/2010/main" val="2454877394"/>
+      </p:ext>
+    </p:extLst>
+  </p:cSld>
+  <p:clrMapOvr>
+    <a:masterClrMapping/>
+  </p:clrMapOvr>
+</p:sld>
+</file>
+
+<file path=ppt/slides/slide16.xml><?xml version="1.0" encoding="utf-8"?>
+<p:sld xmlns:a="http://schemas.openxmlformats.org/drawingml/2006/main" xmlns:r="http://schemas.openxmlformats.org/officeDocument/2006/relationships" xmlns:p="http://schemas.openxmlformats.org/presentationml/2006/main">
+  <p:cSld>
+    <p:spTree>
+      <p:nvGrpSpPr>
+        <p:cNvPr id="1" name=""/>
+        <p:cNvGrpSpPr/>
+        <p:nvPr/>
+      </p:nvGrpSpPr>
+      <p:grpSpPr>
+        <a:xfrm>
+          <a:off x="0" y="0"/>
+          <a:ext cx="0" cy="0"/>
+          <a:chOff x="0" y="0"/>
+          <a:chExt cx="0" cy="0"/>
+        </a:xfrm>
+      </p:grpSpPr>
+      <p:sp>
+        <p:nvSpPr>
+          <p:cNvPr id="2" name="テキスト ボックス 1">
+            <a:extLst>
+              <a:ext uri="{FF2B5EF4-FFF2-40B4-BE49-F238E27FC236}">
+                <a16:creationId xmlns:a16="http://schemas.microsoft.com/office/drawing/2014/main" id="{65B61FA8-7BEB-EE4F-BA4A-1B68D4A8A60B}"/>
+              </a:ext>
+            </a:extLst>
+          </p:cNvPr>
+          <p:cNvSpPr txBox="1"/>
+          <p:nvPr/>
+        </p:nvSpPr>
+        <p:spPr>
+          <a:xfrm>
+            <a:off x="205436" y="564226"/>
+            <a:ext cx="2154992" cy="369332"/>
+          </a:xfrm>
+          <a:prstGeom prst="rect">
+            <a:avLst/>
+          </a:prstGeom>
+          <a:noFill/>
+        </p:spPr>
+        <p:txBody>
+          <a:bodyPr wrap="square" rtlCol="0">
+            <a:spAutoFit/>
+          </a:bodyPr>
+          <a:lstStyle/>
+          <a:p>
+            <a:r>
+              <a:rPr kumimoji="1" lang="en-US" altLang="ja-JP" dirty="0" err="1"/>
+              <a:t>ReadDataActivity</a:t>
+            </a:r>
+            <a:endParaRPr kumimoji="1" lang="ja-JP" altLang="en-US" dirty="0"/>
+          </a:p>
+        </p:txBody>
+      </p:sp>
+      <p:sp>
+        <p:nvSpPr>
+          <p:cNvPr id="3" name="正方形/長方形 2">
+            <a:extLst>
+              <a:ext uri="{FF2B5EF4-FFF2-40B4-BE49-F238E27FC236}">
+                <a16:creationId xmlns:a16="http://schemas.microsoft.com/office/drawing/2014/main" id="{E060DD52-B6FF-7E46-AB73-67452F549D54}"/>
+              </a:ext>
+            </a:extLst>
+          </p:cNvPr>
+          <p:cNvSpPr/>
+          <p:nvPr/>
+        </p:nvSpPr>
+        <p:spPr>
+          <a:xfrm>
+            <a:off x="2702034" y="564226"/>
+            <a:ext cx="3739931" cy="5728138"/>
+          </a:xfrm>
+          <a:prstGeom prst="rect">
+            <a:avLst/>
+          </a:prstGeom>
+          <a:solidFill>
+            <a:schemeClr val="accent3">
+              <a:lumMod val="20000"/>
+              <a:lumOff val="80000"/>
+            </a:schemeClr>
+          </a:solidFill>
+          <a:ln/>
+        </p:spPr>
+        <p:style>
+          <a:lnRef idx="2">
+            <a:schemeClr val="accent3">
+              <a:shade val="50000"/>
+            </a:schemeClr>
+          </a:lnRef>
+          <a:fillRef idx="1">
+            <a:schemeClr val="accent3"/>
+          </a:fillRef>
+          <a:effectRef idx="0">
+            <a:schemeClr val="accent3"/>
+          </a:effectRef>
+          <a:fontRef idx="minor">
+            <a:schemeClr val="lt1"/>
+          </a:fontRef>
+        </p:style>
+        <p:txBody>
+          <a:bodyPr rtlCol="0" anchor="ctr"/>
+          <a:lstStyle/>
+          <a:p>
+            <a:pPr algn="ctr"/>
+            <a:endParaRPr kumimoji="1" lang="ja-JP" altLang="en-US"/>
+          </a:p>
+        </p:txBody>
+      </p:sp>
+      <p:sp>
+        <p:nvSpPr>
+          <p:cNvPr id="4" name="正方形/長方形 3">
+            <a:extLst>
+              <a:ext uri="{FF2B5EF4-FFF2-40B4-BE49-F238E27FC236}">
+                <a16:creationId xmlns:a16="http://schemas.microsoft.com/office/drawing/2014/main" id="{66AE9887-9E48-D740-9D05-B9749E5C8900}"/>
+              </a:ext>
+            </a:extLst>
+          </p:cNvPr>
+          <p:cNvSpPr/>
+          <p:nvPr/>
+        </p:nvSpPr>
+        <p:spPr>
+          <a:xfrm>
+            <a:off x="2702034" y="564226"/>
+            <a:ext cx="3739931" cy="506204"/>
+          </a:xfrm>
+          <a:prstGeom prst="rect">
+            <a:avLst/>
+          </a:prstGeom>
+          <a:solidFill>
+            <a:schemeClr val="accent3">
+              <a:lumMod val="75000"/>
+            </a:schemeClr>
+          </a:solidFill>
+          <a:ln/>
+        </p:spPr>
+        <p:style>
+          <a:lnRef idx="2">
+            <a:schemeClr val="accent3">
+              <a:shade val="50000"/>
+            </a:schemeClr>
+          </a:lnRef>
+          <a:fillRef idx="1">
+            <a:schemeClr val="accent3"/>
+          </a:fillRef>
+          <a:effectRef idx="0">
+            <a:schemeClr val="accent3"/>
+          </a:effectRef>
+          <a:fontRef idx="minor">
+            <a:schemeClr val="lt1"/>
+          </a:fontRef>
+        </p:style>
+        <p:txBody>
+          <a:bodyPr rtlCol="0" anchor="ctr"/>
+          <a:lstStyle/>
+          <a:p>
+            <a:pPr algn="ctr"/>
+            <a:endParaRPr kumimoji="1" lang="ja-JP" altLang="en-US" dirty="0"/>
+          </a:p>
+        </p:txBody>
+      </p:sp>
+      <p:sp>
+        <p:nvSpPr>
+          <p:cNvPr id="6" name="角丸四角形 5">
+            <a:extLst>
+              <a:ext uri="{FF2B5EF4-FFF2-40B4-BE49-F238E27FC236}">
+                <a16:creationId xmlns:a16="http://schemas.microsoft.com/office/drawing/2014/main" id="{5B33ED2F-EA50-2B47-95D0-013DF43AC142}"/>
+              </a:ext>
+            </a:extLst>
+          </p:cNvPr>
+          <p:cNvSpPr/>
+          <p:nvPr/>
+        </p:nvSpPr>
+        <p:spPr>
+          <a:xfrm>
+            <a:off x="4872252" y="5627215"/>
+            <a:ext cx="1419679" cy="522507"/>
+          </a:xfrm>
+          <a:prstGeom prst="roundRect">
+            <a:avLst/>
+          </a:prstGeom>
+        </p:spPr>
+        <p:style>
+          <a:lnRef idx="2">
+            <a:schemeClr val="accent3">
+              <a:shade val="50000"/>
+            </a:schemeClr>
+          </a:lnRef>
+          <a:fillRef idx="1">
+            <a:schemeClr val="accent3"/>
+          </a:fillRef>
+          <a:effectRef idx="0">
+            <a:schemeClr val="accent3"/>
+          </a:effectRef>
+          <a:fontRef idx="minor">
+            <a:schemeClr val="lt1"/>
+          </a:fontRef>
+        </p:style>
+        <p:txBody>
+          <a:bodyPr rtlCol="0" anchor="ctr"/>
+          <a:lstStyle/>
+          <a:p>
+            <a:pPr algn="ctr"/>
+            <a:r>
+              <a:rPr lang="ja-JP" altLang="en-US" sz="3200" dirty="0">
+                <a:latin typeface="YuKyokasho Medium" panose="02000500000000000000" pitchFamily="2" charset="-128"/>
+                <a:ea typeface="YuKyokasho Medium" panose="02000500000000000000" pitchFamily="2" charset="-128"/>
+                <a:cs typeface="ヒラギノ丸ゴ ProN W4"/>
+              </a:rPr>
+              <a:t>戻る</a:t>
+            </a:r>
+            <a:endParaRPr kumimoji="1" lang="ja-JP" altLang="en-US" sz="3200" dirty="0">
+              <a:latin typeface="YuKyokasho Medium" panose="02000500000000000000" pitchFamily="2" charset="-128"/>
+              <a:ea typeface="YuKyokasho Medium" panose="02000500000000000000" pitchFamily="2" charset="-128"/>
+              <a:cs typeface="ヒラギノ丸ゴ ProN W4"/>
+            </a:endParaRPr>
+          </a:p>
+        </p:txBody>
+      </p:sp>
+      <p:sp>
+        <p:nvSpPr>
+          <p:cNvPr id="7" name="角丸四角形 6">
+            <a:extLst>
+              <a:ext uri="{FF2B5EF4-FFF2-40B4-BE49-F238E27FC236}">
+                <a16:creationId xmlns:a16="http://schemas.microsoft.com/office/drawing/2014/main" id="{9D8F85AA-FA63-1346-8F8E-F396E9944439}"/>
+              </a:ext>
+            </a:extLst>
+          </p:cNvPr>
+          <p:cNvSpPr/>
+          <p:nvPr/>
+        </p:nvSpPr>
+        <p:spPr>
+          <a:xfrm>
+            <a:off x="2966485" y="1371769"/>
+            <a:ext cx="3211028" cy="592272"/>
+          </a:xfrm>
+          <a:prstGeom prst="roundRect">
+            <a:avLst/>
+          </a:prstGeom>
+        </p:spPr>
+        <p:style>
+          <a:lnRef idx="2">
+            <a:schemeClr val="accent3">
+              <a:shade val="50000"/>
+            </a:schemeClr>
+          </a:lnRef>
+          <a:fillRef idx="1">
+            <a:schemeClr val="accent3"/>
+          </a:fillRef>
+          <a:effectRef idx="0">
+            <a:schemeClr val="accent3"/>
+          </a:effectRef>
+          <a:fontRef idx="minor">
+            <a:schemeClr val="lt1"/>
+          </a:fontRef>
+        </p:style>
+        <p:txBody>
+          <a:bodyPr rtlCol="0" anchor="ctr"/>
+          <a:lstStyle/>
+          <a:p>
+            <a:pPr algn="ctr"/>
+            <a:r>
+              <a:rPr lang="ja-JP" altLang="en-US" sz="3200" dirty="0">
+                <a:latin typeface="YuKyokasho Medium" panose="02000500000000000000" pitchFamily="2" charset="-128"/>
+                <a:ea typeface="YuKyokasho Medium" panose="02000500000000000000" pitchFamily="2" charset="-128"/>
+                <a:cs typeface="ヒラギノ丸ゴ ProN W4"/>
+              </a:rPr>
+              <a:t>◯◯</a:t>
+            </a:r>
+            <a:r>
+              <a:rPr lang="en-US" altLang="ja-JP" sz="3200" dirty="0">
+                <a:latin typeface="YuKyokasho Medium" panose="02000500000000000000" pitchFamily="2" charset="-128"/>
+                <a:ea typeface="YuKyokasho Medium" panose="02000500000000000000" pitchFamily="2" charset="-128"/>
+                <a:cs typeface="ヒラギノ丸ゴ ProN W4"/>
+              </a:rPr>
+              <a:t>/</a:t>
+            </a:r>
+            <a:r>
+              <a:rPr lang="ja-JP" altLang="en-US" sz="3200" dirty="0">
+                <a:latin typeface="YuKyokasho Medium" panose="02000500000000000000" pitchFamily="2" charset="-128"/>
+                <a:ea typeface="YuKyokasho Medium" panose="02000500000000000000" pitchFamily="2" charset="-128"/>
+                <a:cs typeface="ヒラギノ丸ゴ ProN W4"/>
+              </a:rPr>
+              <a:t>□□</a:t>
+            </a:r>
+            <a:r>
+              <a:rPr lang="en-US" altLang="ja-JP" sz="3200" dirty="0">
+                <a:latin typeface="YuKyokasho Medium" panose="02000500000000000000" pitchFamily="2" charset="-128"/>
+                <a:ea typeface="YuKyokasho Medium" panose="02000500000000000000" pitchFamily="2" charset="-128"/>
+                <a:cs typeface="ヒラギノ丸ゴ ProN W4"/>
+              </a:rPr>
+              <a:t>/</a:t>
+            </a:r>
+            <a:r>
+              <a:rPr lang="ja-JP" altLang="en-US" sz="3200" dirty="0">
+                <a:latin typeface="YuKyokasho Medium" panose="02000500000000000000" pitchFamily="2" charset="-128"/>
+                <a:ea typeface="YuKyokasho Medium" panose="02000500000000000000" pitchFamily="2" charset="-128"/>
+                <a:cs typeface="ヒラギノ丸ゴ ProN W4"/>
+              </a:rPr>
+              <a:t>△△</a:t>
+            </a:r>
+            <a:endParaRPr kumimoji="1" lang="ja-JP" altLang="en-US" sz="3200" dirty="0">
+              <a:latin typeface="YuKyokasho Medium" panose="02000500000000000000" pitchFamily="2" charset="-128"/>
+              <a:ea typeface="YuKyokasho Medium" panose="02000500000000000000" pitchFamily="2" charset="-128"/>
+              <a:cs typeface="ヒラギノ丸ゴ ProN W4"/>
+            </a:endParaRPr>
+          </a:p>
+        </p:txBody>
+      </p:sp>
+      <p:sp>
+        <p:nvSpPr>
+          <p:cNvPr id="8" name="角丸四角形 7">
+            <a:extLst>
+              <a:ext uri="{FF2B5EF4-FFF2-40B4-BE49-F238E27FC236}">
+                <a16:creationId xmlns:a16="http://schemas.microsoft.com/office/drawing/2014/main" id="{8EF6818B-AF8D-6E4C-81DD-E9F2EDA7875F}"/>
+              </a:ext>
+            </a:extLst>
+          </p:cNvPr>
+          <p:cNvSpPr/>
+          <p:nvPr/>
+        </p:nvSpPr>
+        <p:spPr>
+          <a:xfrm>
+            <a:off x="2966485" y="2251964"/>
+            <a:ext cx="3211028" cy="592272"/>
+          </a:xfrm>
+          <a:prstGeom prst="roundRect">
+            <a:avLst/>
+          </a:prstGeom>
+        </p:spPr>
+        <p:style>
+          <a:lnRef idx="2">
+            <a:schemeClr val="accent3">
+              <a:shade val="50000"/>
+            </a:schemeClr>
+          </a:lnRef>
+          <a:fillRef idx="1">
+            <a:schemeClr val="accent3"/>
+          </a:fillRef>
+          <a:effectRef idx="0">
+            <a:schemeClr val="accent3"/>
+          </a:effectRef>
+          <a:fontRef idx="minor">
+            <a:schemeClr val="lt1"/>
+          </a:fontRef>
+        </p:style>
+        <p:txBody>
+          <a:bodyPr rtlCol="0" anchor="ctr"/>
+          <a:lstStyle/>
+          <a:p>
+            <a:pPr algn="ctr"/>
+            <a:r>
+              <a:rPr lang="ja-JP" altLang="en-US" sz="3200" dirty="0">
+                <a:latin typeface="YuKyokasho Medium" panose="02000500000000000000" pitchFamily="2" charset="-128"/>
+                <a:ea typeface="YuKyokasho Medium" panose="02000500000000000000" pitchFamily="2" charset="-128"/>
+                <a:cs typeface="ヒラギノ丸ゴ ProN W4"/>
+              </a:rPr>
+              <a:t>◯◯</a:t>
+            </a:r>
+            <a:r>
+              <a:rPr lang="en-US" altLang="ja-JP" sz="3200" dirty="0">
+                <a:latin typeface="YuKyokasho Medium" panose="02000500000000000000" pitchFamily="2" charset="-128"/>
+                <a:ea typeface="YuKyokasho Medium" panose="02000500000000000000" pitchFamily="2" charset="-128"/>
+                <a:cs typeface="ヒラギノ丸ゴ ProN W4"/>
+              </a:rPr>
+              <a:t>/</a:t>
+            </a:r>
+            <a:r>
+              <a:rPr lang="ja-JP" altLang="en-US" sz="3200" dirty="0">
+                <a:latin typeface="YuKyokasho Medium" panose="02000500000000000000" pitchFamily="2" charset="-128"/>
+                <a:ea typeface="YuKyokasho Medium" panose="02000500000000000000" pitchFamily="2" charset="-128"/>
+                <a:cs typeface="ヒラギノ丸ゴ ProN W4"/>
+              </a:rPr>
+              <a:t>□□</a:t>
+            </a:r>
+            <a:r>
+              <a:rPr lang="en-US" altLang="ja-JP" sz="3200" dirty="0">
+                <a:latin typeface="YuKyokasho Medium" panose="02000500000000000000" pitchFamily="2" charset="-128"/>
+                <a:ea typeface="YuKyokasho Medium" panose="02000500000000000000" pitchFamily="2" charset="-128"/>
+                <a:cs typeface="ヒラギノ丸ゴ ProN W4"/>
+              </a:rPr>
+              <a:t>/</a:t>
+            </a:r>
+            <a:r>
+              <a:rPr lang="ja-JP" altLang="en-US" sz="3200" dirty="0">
+                <a:latin typeface="YuKyokasho Medium" panose="02000500000000000000" pitchFamily="2" charset="-128"/>
+                <a:ea typeface="YuKyokasho Medium" panose="02000500000000000000" pitchFamily="2" charset="-128"/>
+                <a:cs typeface="ヒラギノ丸ゴ ProN W4"/>
+              </a:rPr>
+              <a:t>△△</a:t>
+            </a:r>
+          </a:p>
+        </p:txBody>
+      </p:sp>
+      <p:sp>
+        <p:nvSpPr>
+          <p:cNvPr id="9" name="角丸四角形 8">
+            <a:extLst>
+              <a:ext uri="{FF2B5EF4-FFF2-40B4-BE49-F238E27FC236}">
+                <a16:creationId xmlns:a16="http://schemas.microsoft.com/office/drawing/2014/main" id="{7AACE191-B724-0B42-A9A3-67D7C4D873C1}"/>
+              </a:ext>
+            </a:extLst>
+          </p:cNvPr>
+          <p:cNvSpPr/>
+          <p:nvPr/>
+        </p:nvSpPr>
+        <p:spPr>
+          <a:xfrm>
+            <a:off x="2966485" y="3132159"/>
+            <a:ext cx="3211028" cy="592272"/>
+          </a:xfrm>
+          <a:prstGeom prst="roundRect">
+            <a:avLst/>
+          </a:prstGeom>
+        </p:spPr>
+        <p:style>
+          <a:lnRef idx="2">
+            <a:schemeClr val="accent3">
+              <a:shade val="50000"/>
+            </a:schemeClr>
+          </a:lnRef>
+          <a:fillRef idx="1">
+            <a:schemeClr val="accent3"/>
+          </a:fillRef>
+          <a:effectRef idx="0">
+            <a:schemeClr val="accent3"/>
+          </a:effectRef>
+          <a:fontRef idx="minor">
+            <a:schemeClr val="lt1"/>
+          </a:fontRef>
+        </p:style>
+        <p:txBody>
+          <a:bodyPr rtlCol="0" anchor="ctr"/>
+          <a:lstStyle/>
+          <a:p>
+            <a:pPr algn="ctr"/>
+            <a:r>
+              <a:rPr lang="ja-JP" altLang="en-US" sz="3200" dirty="0">
+                <a:latin typeface="YuKyokasho Medium" panose="02000500000000000000" pitchFamily="2" charset="-128"/>
+                <a:ea typeface="YuKyokasho Medium" panose="02000500000000000000" pitchFamily="2" charset="-128"/>
+                <a:cs typeface="ヒラギノ丸ゴ ProN W4"/>
+              </a:rPr>
+              <a:t>◯◯</a:t>
+            </a:r>
+            <a:r>
+              <a:rPr lang="en-US" altLang="ja-JP" sz="3200" dirty="0">
+                <a:latin typeface="YuKyokasho Medium" panose="02000500000000000000" pitchFamily="2" charset="-128"/>
+                <a:ea typeface="YuKyokasho Medium" panose="02000500000000000000" pitchFamily="2" charset="-128"/>
+                <a:cs typeface="ヒラギノ丸ゴ ProN W4"/>
+              </a:rPr>
+              <a:t>/</a:t>
+            </a:r>
+            <a:r>
+              <a:rPr lang="ja-JP" altLang="en-US" sz="3200" dirty="0">
+                <a:latin typeface="YuKyokasho Medium" panose="02000500000000000000" pitchFamily="2" charset="-128"/>
+                <a:ea typeface="YuKyokasho Medium" panose="02000500000000000000" pitchFamily="2" charset="-128"/>
+                <a:cs typeface="ヒラギノ丸ゴ ProN W4"/>
+              </a:rPr>
+              <a:t>□□</a:t>
+            </a:r>
+            <a:r>
+              <a:rPr lang="en-US" altLang="ja-JP" sz="3200" dirty="0">
+                <a:latin typeface="YuKyokasho Medium" panose="02000500000000000000" pitchFamily="2" charset="-128"/>
+                <a:ea typeface="YuKyokasho Medium" panose="02000500000000000000" pitchFamily="2" charset="-128"/>
+                <a:cs typeface="ヒラギノ丸ゴ ProN W4"/>
+              </a:rPr>
+              <a:t>/</a:t>
+            </a:r>
+            <a:r>
+              <a:rPr lang="ja-JP" altLang="en-US" sz="3200" dirty="0">
+                <a:latin typeface="YuKyokasho Medium" panose="02000500000000000000" pitchFamily="2" charset="-128"/>
+                <a:ea typeface="YuKyokasho Medium" panose="02000500000000000000" pitchFamily="2" charset="-128"/>
+                <a:cs typeface="ヒラギノ丸ゴ ProN W4"/>
+              </a:rPr>
+              <a:t>△△</a:t>
+            </a:r>
+          </a:p>
+        </p:txBody>
+      </p:sp>
+      <p:sp>
+        <p:nvSpPr>
+          <p:cNvPr id="10" name="角丸四角形 9">
+            <a:extLst>
+              <a:ext uri="{FF2B5EF4-FFF2-40B4-BE49-F238E27FC236}">
+                <a16:creationId xmlns:a16="http://schemas.microsoft.com/office/drawing/2014/main" id="{83A59D66-CCAF-9A4C-B7E2-D57C0CA1B3A4}"/>
+              </a:ext>
+            </a:extLst>
+          </p:cNvPr>
+          <p:cNvSpPr/>
+          <p:nvPr/>
+        </p:nvSpPr>
+        <p:spPr>
+          <a:xfrm>
+            <a:off x="2966485" y="4006565"/>
+            <a:ext cx="3211028" cy="592272"/>
+          </a:xfrm>
+          <a:prstGeom prst="roundRect">
+            <a:avLst/>
+          </a:prstGeom>
+        </p:spPr>
+        <p:style>
+          <a:lnRef idx="2">
+            <a:schemeClr val="accent3">
+              <a:shade val="50000"/>
+            </a:schemeClr>
+          </a:lnRef>
+          <a:fillRef idx="1">
+            <a:schemeClr val="accent3"/>
+          </a:fillRef>
+          <a:effectRef idx="0">
+            <a:schemeClr val="accent3"/>
+          </a:effectRef>
+          <a:fontRef idx="minor">
+            <a:schemeClr val="lt1"/>
+          </a:fontRef>
+        </p:style>
+        <p:txBody>
+          <a:bodyPr rtlCol="0" anchor="ctr"/>
+          <a:lstStyle/>
+          <a:p>
+            <a:pPr algn="ctr"/>
+            <a:r>
+              <a:rPr lang="ja-JP" altLang="en-US" sz="3200" dirty="0">
+                <a:latin typeface="YuKyokasho Medium" panose="02000500000000000000" pitchFamily="2" charset="-128"/>
+                <a:ea typeface="YuKyokasho Medium" panose="02000500000000000000" pitchFamily="2" charset="-128"/>
+                <a:cs typeface="ヒラギノ丸ゴ ProN W4"/>
+              </a:rPr>
+              <a:t>◯◯</a:t>
+            </a:r>
+            <a:r>
+              <a:rPr lang="en-US" altLang="ja-JP" sz="3200" dirty="0">
+                <a:latin typeface="YuKyokasho Medium" panose="02000500000000000000" pitchFamily="2" charset="-128"/>
+                <a:ea typeface="YuKyokasho Medium" panose="02000500000000000000" pitchFamily="2" charset="-128"/>
+                <a:cs typeface="ヒラギノ丸ゴ ProN W4"/>
+              </a:rPr>
+              <a:t>/</a:t>
+            </a:r>
+            <a:r>
+              <a:rPr lang="ja-JP" altLang="en-US" sz="3200" dirty="0">
+                <a:latin typeface="YuKyokasho Medium" panose="02000500000000000000" pitchFamily="2" charset="-128"/>
+                <a:ea typeface="YuKyokasho Medium" panose="02000500000000000000" pitchFamily="2" charset="-128"/>
+                <a:cs typeface="ヒラギノ丸ゴ ProN W4"/>
+              </a:rPr>
+              <a:t>□□</a:t>
+            </a:r>
+            <a:r>
+              <a:rPr lang="en-US" altLang="ja-JP" sz="3200" dirty="0">
+                <a:latin typeface="YuKyokasho Medium" panose="02000500000000000000" pitchFamily="2" charset="-128"/>
+                <a:ea typeface="YuKyokasho Medium" panose="02000500000000000000" pitchFamily="2" charset="-128"/>
+                <a:cs typeface="ヒラギノ丸ゴ ProN W4"/>
+              </a:rPr>
+              <a:t>/</a:t>
+            </a:r>
+            <a:r>
+              <a:rPr lang="ja-JP" altLang="en-US" sz="3200" dirty="0">
+                <a:latin typeface="YuKyokasho Medium" panose="02000500000000000000" pitchFamily="2" charset="-128"/>
+                <a:ea typeface="YuKyokasho Medium" panose="02000500000000000000" pitchFamily="2" charset="-128"/>
+                <a:cs typeface="ヒラギノ丸ゴ ProN W4"/>
+              </a:rPr>
+              <a:t>△△</a:t>
+            </a:r>
+          </a:p>
+        </p:txBody>
+      </p:sp>
+      <p:sp>
+        <p:nvSpPr>
+          <p:cNvPr id="11" name="角丸四角形 10">
+            <a:extLst>
+              <a:ext uri="{FF2B5EF4-FFF2-40B4-BE49-F238E27FC236}">
+                <a16:creationId xmlns:a16="http://schemas.microsoft.com/office/drawing/2014/main" id="{03B4CE29-2FFB-5749-B980-16B049578A81}"/>
+              </a:ext>
+            </a:extLst>
+          </p:cNvPr>
+          <p:cNvSpPr/>
+          <p:nvPr/>
+        </p:nvSpPr>
+        <p:spPr>
+          <a:xfrm>
+            <a:off x="2966485" y="4880971"/>
+            <a:ext cx="3211028" cy="592272"/>
+          </a:xfrm>
+          <a:prstGeom prst="roundRect">
+            <a:avLst/>
+          </a:prstGeom>
+        </p:spPr>
+        <p:style>
+          <a:lnRef idx="2">
+            <a:schemeClr val="accent3">
+              <a:shade val="50000"/>
+            </a:schemeClr>
+          </a:lnRef>
+          <a:fillRef idx="1">
+            <a:schemeClr val="accent3"/>
+          </a:fillRef>
+          <a:effectRef idx="0">
+            <a:schemeClr val="accent3"/>
+          </a:effectRef>
+          <a:fontRef idx="minor">
+            <a:schemeClr val="lt1"/>
+          </a:fontRef>
+        </p:style>
+        <p:txBody>
+          <a:bodyPr rtlCol="0" anchor="ctr"/>
+          <a:lstStyle/>
+          <a:p>
+            <a:pPr algn="ctr"/>
+            <a:r>
+              <a:rPr lang="ja-JP" altLang="en-US" sz="3200" dirty="0">
+                <a:latin typeface="YuKyokasho Medium" panose="02000500000000000000" pitchFamily="2" charset="-128"/>
+                <a:ea typeface="YuKyokasho Medium" panose="02000500000000000000" pitchFamily="2" charset="-128"/>
+                <a:cs typeface="ヒラギノ丸ゴ ProN W4"/>
+              </a:rPr>
+              <a:t>◯◯</a:t>
+            </a:r>
+            <a:r>
+              <a:rPr lang="en-US" altLang="ja-JP" sz="3200" dirty="0">
+                <a:latin typeface="YuKyokasho Medium" panose="02000500000000000000" pitchFamily="2" charset="-128"/>
+                <a:ea typeface="YuKyokasho Medium" panose="02000500000000000000" pitchFamily="2" charset="-128"/>
+                <a:cs typeface="ヒラギノ丸ゴ ProN W4"/>
+              </a:rPr>
+              <a:t>/</a:t>
+            </a:r>
+            <a:r>
+              <a:rPr lang="ja-JP" altLang="en-US" sz="3200" dirty="0">
+                <a:latin typeface="YuKyokasho Medium" panose="02000500000000000000" pitchFamily="2" charset="-128"/>
+                <a:ea typeface="YuKyokasho Medium" panose="02000500000000000000" pitchFamily="2" charset="-128"/>
+                <a:cs typeface="ヒラギノ丸ゴ ProN W4"/>
+              </a:rPr>
+              <a:t>□□</a:t>
+            </a:r>
+            <a:r>
+              <a:rPr lang="en-US" altLang="ja-JP" sz="3200" dirty="0">
+                <a:latin typeface="YuKyokasho Medium" panose="02000500000000000000" pitchFamily="2" charset="-128"/>
+                <a:ea typeface="YuKyokasho Medium" panose="02000500000000000000" pitchFamily="2" charset="-128"/>
+                <a:cs typeface="ヒラギノ丸ゴ ProN W4"/>
+              </a:rPr>
+              <a:t>/</a:t>
+            </a:r>
+            <a:r>
+              <a:rPr lang="ja-JP" altLang="en-US" sz="3200" dirty="0">
+                <a:latin typeface="YuKyokasho Medium" panose="02000500000000000000" pitchFamily="2" charset="-128"/>
+                <a:ea typeface="YuKyokasho Medium" panose="02000500000000000000" pitchFamily="2" charset="-128"/>
+                <a:cs typeface="ヒラギノ丸ゴ ProN W4"/>
+              </a:rPr>
+              <a:t>△△</a:t>
+            </a:r>
+          </a:p>
+        </p:txBody>
+      </p:sp>
+    </p:spTree>
+    <p:extLst>
+      <p:ext uri="{BB962C8B-B14F-4D97-AF65-F5344CB8AC3E}">
+        <p14:creationId xmlns:p14="http://schemas.microsoft.com/office/powerpoint/2010/main" val="2255529545"/>
+      </p:ext>
+    </p:extLst>
+  </p:cSld>
+  <p:clrMapOvr>
+    <a:masterClrMapping/>
+  </p:clrMapOvr>
+</p:sld>
+</file>
+
+<file path=ppt/slides/slide17.xml><?xml version="1.0" encoding="utf-8"?>
+<p:sld xmlns:a="http://schemas.openxmlformats.org/drawingml/2006/main" xmlns:r="http://schemas.openxmlformats.org/officeDocument/2006/relationships" xmlns:p="http://schemas.openxmlformats.org/presentationml/2006/main">
+  <p:cSld>
+    <p:spTree>
+      <p:nvGrpSpPr>
+        <p:cNvPr id="1" name=""/>
+        <p:cNvGrpSpPr/>
+        <p:nvPr/>
+      </p:nvGrpSpPr>
+      <p:grpSpPr>
+        <a:xfrm>
+          <a:off x="0" y="0"/>
+          <a:ext cx="0" cy="0"/>
+          <a:chOff x="0" y="0"/>
+          <a:chExt cx="0" cy="0"/>
+        </a:xfrm>
+      </p:grpSpPr>
+      <p:sp>
+        <p:nvSpPr>
+          <p:cNvPr id="2" name="テキスト ボックス 1">
+            <a:extLst>
+              <a:ext uri="{FF2B5EF4-FFF2-40B4-BE49-F238E27FC236}">
+                <a16:creationId xmlns:a16="http://schemas.microsoft.com/office/drawing/2014/main" id="{65B61FA8-7BEB-EE4F-BA4A-1B68D4A8A60B}"/>
+              </a:ext>
+            </a:extLst>
+          </p:cNvPr>
+          <p:cNvSpPr txBox="1"/>
+          <p:nvPr/>
+        </p:nvSpPr>
+        <p:spPr>
+          <a:xfrm>
+            <a:off x="205436" y="564226"/>
+            <a:ext cx="2154992" cy="369332"/>
+          </a:xfrm>
+          <a:prstGeom prst="rect">
+            <a:avLst/>
+          </a:prstGeom>
+          <a:noFill/>
+        </p:spPr>
+        <p:txBody>
+          <a:bodyPr wrap="square" rtlCol="0">
+            <a:spAutoFit/>
+          </a:bodyPr>
+          <a:lstStyle/>
+          <a:p>
+            <a:r>
+              <a:rPr kumimoji="1" lang="en-US" altLang="ja-JP" dirty="0" err="1"/>
+              <a:t>DisplayDataActivity</a:t>
+            </a:r>
+            <a:endParaRPr kumimoji="1" lang="ja-JP" altLang="en-US" dirty="0"/>
+          </a:p>
+        </p:txBody>
+      </p:sp>
+      <p:sp>
+        <p:nvSpPr>
+          <p:cNvPr id="3" name="正方形/長方形 2">
+            <a:extLst>
+              <a:ext uri="{FF2B5EF4-FFF2-40B4-BE49-F238E27FC236}">
+                <a16:creationId xmlns:a16="http://schemas.microsoft.com/office/drawing/2014/main" id="{E060DD52-B6FF-7E46-AB73-67452F549D54}"/>
+              </a:ext>
+            </a:extLst>
+          </p:cNvPr>
+          <p:cNvSpPr/>
+          <p:nvPr/>
+        </p:nvSpPr>
+        <p:spPr>
+          <a:xfrm>
+            <a:off x="2702034" y="564226"/>
+            <a:ext cx="3739931" cy="5728138"/>
+          </a:xfrm>
+          <a:prstGeom prst="rect">
+            <a:avLst/>
+          </a:prstGeom>
+          <a:solidFill>
+            <a:schemeClr val="accent3">
+              <a:lumMod val="20000"/>
+              <a:lumOff val="80000"/>
+            </a:schemeClr>
+          </a:solidFill>
+          <a:ln/>
+        </p:spPr>
+        <p:style>
+          <a:lnRef idx="2">
+            <a:schemeClr val="accent3">
+              <a:shade val="50000"/>
+            </a:schemeClr>
+          </a:lnRef>
+          <a:fillRef idx="1">
+            <a:schemeClr val="accent3"/>
+          </a:fillRef>
+          <a:effectRef idx="0">
+            <a:schemeClr val="accent3"/>
+          </a:effectRef>
+          <a:fontRef idx="minor">
+            <a:schemeClr val="lt1"/>
+          </a:fontRef>
+        </p:style>
+        <p:txBody>
+          <a:bodyPr rtlCol="0" anchor="ctr"/>
+          <a:lstStyle/>
+          <a:p>
+            <a:pPr algn="ctr"/>
+            <a:endParaRPr kumimoji="1" lang="ja-JP" altLang="en-US"/>
+          </a:p>
+        </p:txBody>
+      </p:sp>
+      <p:sp>
+        <p:nvSpPr>
+          <p:cNvPr id="4" name="正方形/長方形 3">
+            <a:extLst>
+              <a:ext uri="{FF2B5EF4-FFF2-40B4-BE49-F238E27FC236}">
+                <a16:creationId xmlns:a16="http://schemas.microsoft.com/office/drawing/2014/main" id="{66AE9887-9E48-D740-9D05-B9749E5C8900}"/>
+              </a:ext>
+            </a:extLst>
+          </p:cNvPr>
+          <p:cNvSpPr/>
+          <p:nvPr/>
+        </p:nvSpPr>
+        <p:spPr>
+          <a:xfrm>
+            <a:off x="2702034" y="564226"/>
+            <a:ext cx="3739931" cy="506204"/>
+          </a:xfrm>
+          <a:prstGeom prst="rect">
+            <a:avLst/>
+          </a:prstGeom>
+          <a:solidFill>
+            <a:schemeClr val="accent3">
+              <a:lumMod val="75000"/>
+            </a:schemeClr>
+          </a:solidFill>
+          <a:ln/>
+        </p:spPr>
+        <p:style>
+          <a:lnRef idx="2">
+            <a:schemeClr val="accent3">
+              <a:shade val="50000"/>
+            </a:schemeClr>
+          </a:lnRef>
+          <a:fillRef idx="1">
+            <a:schemeClr val="accent3"/>
+          </a:fillRef>
+          <a:effectRef idx="0">
+            <a:schemeClr val="accent3"/>
+          </a:effectRef>
+          <a:fontRef idx="minor">
+            <a:schemeClr val="lt1"/>
+          </a:fontRef>
+        </p:style>
+        <p:txBody>
+          <a:bodyPr rtlCol="0" anchor="ctr"/>
+          <a:lstStyle/>
+          <a:p>
+            <a:pPr algn="ctr"/>
+            <a:endParaRPr kumimoji="1" lang="ja-JP" altLang="en-US" dirty="0"/>
+          </a:p>
+        </p:txBody>
+      </p:sp>
+      <p:sp>
+        <p:nvSpPr>
+          <p:cNvPr id="6" name="角丸四角形 5">
+            <a:extLst>
+              <a:ext uri="{FF2B5EF4-FFF2-40B4-BE49-F238E27FC236}">
+                <a16:creationId xmlns:a16="http://schemas.microsoft.com/office/drawing/2014/main" id="{5B33ED2F-EA50-2B47-95D0-013DF43AC142}"/>
+              </a:ext>
+            </a:extLst>
+          </p:cNvPr>
+          <p:cNvSpPr/>
+          <p:nvPr/>
+        </p:nvSpPr>
+        <p:spPr>
+          <a:xfrm>
+            <a:off x="2825931" y="5627215"/>
+            <a:ext cx="3492138" cy="522507"/>
+          </a:xfrm>
+          <a:prstGeom prst="roundRect">
+            <a:avLst/>
+          </a:prstGeom>
+        </p:spPr>
+        <p:style>
+          <a:lnRef idx="2">
+            <a:schemeClr val="accent3">
+              <a:shade val="50000"/>
+            </a:schemeClr>
+          </a:lnRef>
+          <a:fillRef idx="1">
+            <a:schemeClr val="accent3"/>
+          </a:fillRef>
+          <a:effectRef idx="0">
+            <a:schemeClr val="accent3"/>
+          </a:effectRef>
+          <a:fontRef idx="minor">
+            <a:schemeClr val="lt1"/>
+          </a:fontRef>
+        </p:style>
+        <p:txBody>
+          <a:bodyPr rtlCol="0" anchor="ctr"/>
+          <a:lstStyle/>
+          <a:p>
+            <a:pPr algn="ctr"/>
+            <a:r>
+              <a:rPr lang="ja-JP" altLang="en-US" sz="3200" dirty="0">
+                <a:latin typeface="YuKyokasho Medium" panose="02000500000000000000" pitchFamily="2" charset="-128"/>
+                <a:ea typeface="YuKyokasho Medium" panose="02000500000000000000" pitchFamily="2" charset="-128"/>
+                <a:cs typeface="ヒラギノ丸ゴ ProN W4"/>
+              </a:rPr>
+              <a:t>戻る</a:t>
+            </a:r>
+            <a:endParaRPr kumimoji="1" lang="ja-JP" altLang="en-US" sz="3200" dirty="0">
+              <a:latin typeface="YuKyokasho Medium" panose="02000500000000000000" pitchFamily="2" charset="-128"/>
+              <a:ea typeface="YuKyokasho Medium" panose="02000500000000000000" pitchFamily="2" charset="-128"/>
+              <a:cs typeface="ヒラギノ丸ゴ ProN W4"/>
+            </a:endParaRPr>
+          </a:p>
+        </p:txBody>
+      </p:sp>
+      <p:graphicFrame>
+        <p:nvGraphicFramePr>
+          <p:cNvPr id="7" name="表 6">
+            <a:extLst>
+              <a:ext uri="{FF2B5EF4-FFF2-40B4-BE49-F238E27FC236}">
+                <a16:creationId xmlns:a16="http://schemas.microsoft.com/office/drawing/2014/main" id="{B23DFDC5-2AD4-F448-99D3-8E3AF099F59A}"/>
+              </a:ext>
+            </a:extLst>
+          </p:cNvPr>
+          <p:cNvGraphicFramePr>
+            <a:graphicFrameLocks noGrp="1"/>
+          </p:cNvGraphicFramePr>
+          <p:nvPr>
+            <p:extLst>
+              <p:ext uri="{D42A27DB-BD31-4B8C-83A1-F6EECF244321}">
+                <p14:modId xmlns:p14="http://schemas.microsoft.com/office/powerpoint/2010/main" val="3019329774"/>
+              </p:ext>
+            </p:extLst>
+          </p:nvPr>
+        </p:nvGraphicFramePr>
+        <p:xfrm>
+          <a:off x="2795451" y="1466668"/>
+          <a:ext cx="3492138" cy="1112520"/>
+        </p:xfrm>
+        <a:graphic>
+          <a:graphicData uri="http://schemas.openxmlformats.org/drawingml/2006/table">
+            <a:tbl>
+              <a:tblPr firstRow="1" bandRow="1">
+                <a:tableStyleId>{5C22544A-7EE6-4342-B048-85BDC9FD1C3A}</a:tableStyleId>
+              </a:tblPr>
+              <a:tblGrid>
+                <a:gridCol w="1164046">
+                  <a:extLst>
+                    <a:ext uri="{9D8B030D-6E8A-4147-A177-3AD203B41FA5}">
+                      <a16:colId xmlns:a16="http://schemas.microsoft.com/office/drawing/2014/main" val="271734137"/>
+                    </a:ext>
+                  </a:extLst>
+                </a:gridCol>
+                <a:gridCol w="1164046">
+                  <a:extLst>
+                    <a:ext uri="{9D8B030D-6E8A-4147-A177-3AD203B41FA5}">
+                      <a16:colId xmlns:a16="http://schemas.microsoft.com/office/drawing/2014/main" val="1105124699"/>
+                    </a:ext>
+                  </a:extLst>
+                </a:gridCol>
+                <a:gridCol w="1164046">
+                  <a:extLst>
+                    <a:ext uri="{9D8B030D-6E8A-4147-A177-3AD203B41FA5}">
+                      <a16:colId xmlns:a16="http://schemas.microsoft.com/office/drawing/2014/main" val="893619284"/>
+                    </a:ext>
+                  </a:extLst>
+                </a:gridCol>
+              </a:tblGrid>
+              <a:tr h="370840">
+                <a:tc gridSpan="3">
+                  <a:txBody>
+                    <a:bodyPr/>
+                    <a:lstStyle/>
+                    <a:p>
+                      <a:pPr algn="ctr"/>
+                      <a:r>
+                        <a:rPr kumimoji="1" lang="ja-JP" altLang="en-US" dirty="0"/>
+                        <a:t>計量</a:t>
+                      </a:r>
+                    </a:p>
+                  </a:txBody>
+                  <a:tcPr/>
+                </a:tc>
+                <a:tc hMerge="1">
+                  <a:txBody>
+                    <a:bodyPr/>
+                    <a:lstStyle/>
+                    <a:p>
+                      <a:endParaRPr kumimoji="1" lang="ja-JP" altLang="en-US" dirty="0"/>
+                    </a:p>
+                  </a:txBody>
+                  <a:tcPr/>
+                </a:tc>
+                <a:tc hMerge="1">
+                  <a:txBody>
+                    <a:bodyPr/>
+                    <a:lstStyle/>
+                    <a:p>
+                      <a:endParaRPr kumimoji="1" lang="ja-JP" altLang="en-US" dirty="0"/>
+                    </a:p>
+                  </a:txBody>
+                  <a:tcPr/>
+                </a:tc>
+                <a:extLst>
+                  <a:ext uri="{0D108BD9-81ED-4DB2-BD59-A6C34878D82A}">
+                    <a16:rowId xmlns:a16="http://schemas.microsoft.com/office/drawing/2014/main" val="4021220918"/>
+                  </a:ext>
+                </a:extLst>
+              </a:tr>
+              <a:tr h="370840">
+                <a:tc>
+                  <a:txBody>
+                    <a:bodyPr/>
+                    <a:lstStyle/>
+                    <a:p>
+                      <a:pPr algn="ctr"/>
+                      <a:r>
+                        <a:rPr kumimoji="1" lang="ja-JP" altLang="en-US" dirty="0"/>
+                        <a:t>目標時間</a:t>
+                      </a:r>
+                    </a:p>
+                  </a:txBody>
+                  <a:tcPr/>
+                </a:tc>
+                <a:tc>
+                  <a:txBody>
+                    <a:bodyPr/>
+                    <a:lstStyle/>
+                    <a:p>
+                      <a:pPr algn="ctr"/>
+                      <a:r>
+                        <a:rPr kumimoji="1" lang="ja-JP" altLang="en-US" dirty="0"/>
+                        <a:t>計測時間</a:t>
+                      </a:r>
+                    </a:p>
+                  </a:txBody>
+                  <a:tcPr/>
+                </a:tc>
+                <a:tc>
+                  <a:txBody>
+                    <a:bodyPr/>
+                    <a:lstStyle/>
+                    <a:p>
+                      <a:pPr algn="ctr"/>
+                      <a:r>
+                        <a:rPr kumimoji="1" lang="ja-JP" altLang="en-US" dirty="0"/>
+                        <a:t>結果</a:t>
+                      </a:r>
+                    </a:p>
+                  </a:txBody>
+                  <a:tcPr/>
+                </a:tc>
+                <a:extLst>
+                  <a:ext uri="{0D108BD9-81ED-4DB2-BD59-A6C34878D82A}">
+                    <a16:rowId xmlns:a16="http://schemas.microsoft.com/office/drawing/2014/main" val="1703400175"/>
+                  </a:ext>
+                </a:extLst>
+              </a:tr>
+              <a:tr h="370840">
+                <a:tc>
+                  <a:txBody>
+                    <a:bodyPr/>
+                    <a:lstStyle/>
+                    <a:p>
+                      <a:pPr algn="ctr"/>
+                      <a:r>
+                        <a:rPr kumimoji="1" lang="en-US" altLang="ja-JP" dirty="0"/>
+                        <a:t>1:30</a:t>
+                      </a:r>
+                      <a:endParaRPr kumimoji="1" lang="ja-JP" altLang="en-US" dirty="0"/>
+                    </a:p>
+                  </a:txBody>
+                  <a:tcPr/>
+                </a:tc>
+                <a:tc>
+                  <a:txBody>
+                    <a:bodyPr/>
+                    <a:lstStyle/>
+                    <a:p>
+                      <a:pPr algn="ctr"/>
+                      <a:r>
+                        <a:rPr kumimoji="1" lang="en-US" altLang="ja-JP" dirty="0"/>
+                        <a:t>1:50</a:t>
+                      </a:r>
+                      <a:endParaRPr kumimoji="1" lang="ja-JP" altLang="en-US" dirty="0"/>
+                    </a:p>
+                  </a:txBody>
+                  <a:tcPr/>
+                </a:tc>
+                <a:tc>
+                  <a:txBody>
+                    <a:bodyPr/>
+                    <a:lstStyle/>
+                    <a:p>
+                      <a:pPr algn="ctr"/>
+                      <a:r>
+                        <a:rPr kumimoji="1" lang="en-US" altLang="ja-JP" dirty="0">
+                          <a:solidFill>
+                            <a:srgbClr val="FF0000"/>
+                          </a:solidFill>
+                        </a:rPr>
+                        <a:t>+20</a:t>
+                      </a:r>
+                      <a:endParaRPr kumimoji="1" lang="ja-JP" altLang="en-US" dirty="0">
+                        <a:solidFill>
+                          <a:srgbClr val="FF0000"/>
+                        </a:solidFill>
+                      </a:endParaRPr>
+                    </a:p>
+                  </a:txBody>
+                  <a:tcPr/>
+                </a:tc>
+                <a:extLst>
+                  <a:ext uri="{0D108BD9-81ED-4DB2-BD59-A6C34878D82A}">
+                    <a16:rowId xmlns:a16="http://schemas.microsoft.com/office/drawing/2014/main" val="955114109"/>
+                  </a:ext>
+                </a:extLst>
+              </a:tr>
+            </a:tbl>
+          </a:graphicData>
+        </a:graphic>
+      </p:graphicFrame>
+      <p:graphicFrame>
+        <p:nvGraphicFramePr>
+          <p:cNvPr id="8" name="表 7">
+            <a:extLst>
+              <a:ext uri="{FF2B5EF4-FFF2-40B4-BE49-F238E27FC236}">
+                <a16:creationId xmlns:a16="http://schemas.microsoft.com/office/drawing/2014/main" id="{551DC039-6260-504E-84CA-011C7BD0160F}"/>
+              </a:ext>
+            </a:extLst>
+          </p:cNvPr>
+          <p:cNvGraphicFramePr>
+            <a:graphicFrameLocks noGrp="1"/>
+          </p:cNvGraphicFramePr>
+          <p:nvPr>
+            <p:extLst>
+              <p:ext uri="{D42A27DB-BD31-4B8C-83A1-F6EECF244321}">
+                <p14:modId xmlns:p14="http://schemas.microsoft.com/office/powerpoint/2010/main" val="1124158947"/>
+              </p:ext>
+            </p:extLst>
+          </p:nvPr>
+        </p:nvGraphicFramePr>
+        <p:xfrm>
+          <a:off x="2825930" y="2732162"/>
+          <a:ext cx="3492138" cy="1112520"/>
+        </p:xfrm>
+        <a:graphic>
+          <a:graphicData uri="http://schemas.openxmlformats.org/drawingml/2006/table">
+            <a:tbl>
+              <a:tblPr firstRow="1" bandRow="1">
+                <a:tableStyleId>{5C22544A-7EE6-4342-B048-85BDC9FD1C3A}</a:tableStyleId>
+              </a:tblPr>
+              <a:tblGrid>
+                <a:gridCol w="1164046">
+                  <a:extLst>
+                    <a:ext uri="{9D8B030D-6E8A-4147-A177-3AD203B41FA5}">
+                      <a16:colId xmlns:a16="http://schemas.microsoft.com/office/drawing/2014/main" val="271734137"/>
+                    </a:ext>
+                  </a:extLst>
+                </a:gridCol>
+                <a:gridCol w="1164046">
+                  <a:extLst>
+                    <a:ext uri="{9D8B030D-6E8A-4147-A177-3AD203B41FA5}">
+                      <a16:colId xmlns:a16="http://schemas.microsoft.com/office/drawing/2014/main" val="1105124699"/>
+                    </a:ext>
+                  </a:extLst>
+                </a:gridCol>
+                <a:gridCol w="1164046">
+                  <a:extLst>
+                    <a:ext uri="{9D8B030D-6E8A-4147-A177-3AD203B41FA5}">
+                      <a16:colId xmlns:a16="http://schemas.microsoft.com/office/drawing/2014/main" val="893619284"/>
+                    </a:ext>
+                  </a:extLst>
+                </a:gridCol>
+              </a:tblGrid>
+              <a:tr h="370840">
+                <a:tc gridSpan="3">
+                  <a:txBody>
+                    <a:bodyPr/>
+                    <a:lstStyle/>
+                    <a:p>
+                      <a:pPr algn="ctr"/>
+                      <a:r>
+                        <a:rPr kumimoji="1" lang="ja-JP" altLang="en-US" dirty="0"/>
+                        <a:t>水回し</a:t>
+                      </a:r>
+                    </a:p>
+                  </a:txBody>
+                  <a:tcPr/>
+                </a:tc>
+                <a:tc hMerge="1">
+                  <a:txBody>
+                    <a:bodyPr/>
+                    <a:lstStyle/>
+                    <a:p>
+                      <a:endParaRPr kumimoji="1" lang="ja-JP" altLang="en-US" dirty="0"/>
+                    </a:p>
+                  </a:txBody>
+                  <a:tcPr/>
+                </a:tc>
+                <a:tc hMerge="1">
+                  <a:txBody>
+                    <a:bodyPr/>
+                    <a:lstStyle/>
+                    <a:p>
+                      <a:endParaRPr kumimoji="1" lang="ja-JP" altLang="en-US" dirty="0"/>
+                    </a:p>
+                  </a:txBody>
+                  <a:tcPr/>
+                </a:tc>
+                <a:extLst>
+                  <a:ext uri="{0D108BD9-81ED-4DB2-BD59-A6C34878D82A}">
+                    <a16:rowId xmlns:a16="http://schemas.microsoft.com/office/drawing/2014/main" val="4021220918"/>
+                  </a:ext>
+                </a:extLst>
+              </a:tr>
+              <a:tr h="370840">
+                <a:tc>
+                  <a:txBody>
+                    <a:bodyPr/>
+                    <a:lstStyle/>
+                    <a:p>
+                      <a:pPr algn="ctr"/>
+                      <a:r>
+                        <a:rPr kumimoji="1" lang="ja-JP" altLang="en-US" dirty="0"/>
+                        <a:t>目標時間</a:t>
+                      </a:r>
+                    </a:p>
+                  </a:txBody>
+                  <a:tcPr/>
+                </a:tc>
+                <a:tc>
+                  <a:txBody>
+                    <a:bodyPr/>
+                    <a:lstStyle/>
+                    <a:p>
+                      <a:pPr algn="ctr"/>
+                      <a:r>
+                        <a:rPr kumimoji="1" lang="ja-JP" altLang="en-US" dirty="0"/>
+                        <a:t>計測時間</a:t>
+                      </a:r>
+                    </a:p>
+                  </a:txBody>
+                  <a:tcPr/>
+                </a:tc>
+                <a:tc>
+                  <a:txBody>
+                    <a:bodyPr/>
+                    <a:lstStyle/>
+                    <a:p>
+                      <a:pPr algn="ctr"/>
+                      <a:r>
+                        <a:rPr kumimoji="1" lang="ja-JP" altLang="en-US" dirty="0"/>
+                        <a:t>結果</a:t>
+                      </a:r>
+                    </a:p>
+                  </a:txBody>
+                  <a:tcPr/>
+                </a:tc>
+                <a:extLst>
+                  <a:ext uri="{0D108BD9-81ED-4DB2-BD59-A6C34878D82A}">
+                    <a16:rowId xmlns:a16="http://schemas.microsoft.com/office/drawing/2014/main" val="1703400175"/>
+                  </a:ext>
+                </a:extLst>
+              </a:tr>
+              <a:tr h="370840">
+                <a:tc>
+                  <a:txBody>
+                    <a:bodyPr/>
+                    <a:lstStyle/>
+                    <a:p>
+                      <a:pPr algn="ctr"/>
+                      <a:r>
+                        <a:rPr kumimoji="1" lang="en-US" altLang="ja-JP" dirty="0"/>
+                        <a:t>1:30</a:t>
+                      </a:r>
+                      <a:endParaRPr kumimoji="1" lang="ja-JP" altLang="en-US" dirty="0"/>
+                    </a:p>
+                  </a:txBody>
+                  <a:tcPr/>
+                </a:tc>
+                <a:tc>
+                  <a:txBody>
+                    <a:bodyPr/>
+                    <a:lstStyle/>
+                    <a:p>
+                      <a:pPr algn="ctr"/>
+                      <a:r>
+                        <a:rPr kumimoji="1" lang="en-US" altLang="ja-JP" dirty="0"/>
+                        <a:t>1:50</a:t>
+                      </a:r>
+                      <a:endParaRPr kumimoji="1" lang="ja-JP" altLang="en-US" dirty="0"/>
+                    </a:p>
+                  </a:txBody>
+                  <a:tcPr/>
+                </a:tc>
+                <a:tc>
+                  <a:txBody>
+                    <a:bodyPr/>
+                    <a:lstStyle/>
+                    <a:p>
+                      <a:pPr algn="ctr"/>
+                      <a:r>
+                        <a:rPr kumimoji="1" lang="en-US" altLang="ja-JP" dirty="0">
+                          <a:solidFill>
+                            <a:srgbClr val="FF0000"/>
+                          </a:solidFill>
+                        </a:rPr>
+                        <a:t>+20</a:t>
+                      </a:r>
+                      <a:endParaRPr kumimoji="1" lang="ja-JP" altLang="en-US" dirty="0">
+                        <a:solidFill>
+                          <a:srgbClr val="FF0000"/>
+                        </a:solidFill>
+                      </a:endParaRPr>
+                    </a:p>
+                  </a:txBody>
+                  <a:tcPr/>
+                </a:tc>
+                <a:extLst>
+                  <a:ext uri="{0D108BD9-81ED-4DB2-BD59-A6C34878D82A}">
+                    <a16:rowId xmlns:a16="http://schemas.microsoft.com/office/drawing/2014/main" val="955114109"/>
+                  </a:ext>
+                </a:extLst>
+              </a:tr>
+            </a:tbl>
+          </a:graphicData>
+        </a:graphic>
+      </p:graphicFrame>
+      <p:sp>
+        <p:nvSpPr>
+          <p:cNvPr id="9" name="角丸四角形 8">
+            <a:extLst>
+              <a:ext uri="{FF2B5EF4-FFF2-40B4-BE49-F238E27FC236}">
+                <a16:creationId xmlns:a16="http://schemas.microsoft.com/office/drawing/2014/main" id="{D0D730BB-805C-A143-8A5C-4583ABE9B1AF}"/>
+              </a:ext>
+            </a:extLst>
+          </p:cNvPr>
+          <p:cNvSpPr/>
+          <p:nvPr/>
+        </p:nvSpPr>
+        <p:spPr>
+          <a:xfrm>
+            <a:off x="2825930" y="4893567"/>
+            <a:ext cx="3461659" cy="522507"/>
+          </a:xfrm>
+          <a:prstGeom prst="roundRect">
+            <a:avLst/>
+          </a:prstGeom>
+        </p:spPr>
+        <p:style>
+          <a:lnRef idx="2">
+            <a:schemeClr val="accent3">
+              <a:shade val="50000"/>
+            </a:schemeClr>
+          </a:lnRef>
+          <a:fillRef idx="1">
+            <a:schemeClr val="accent3"/>
+          </a:fillRef>
+          <a:effectRef idx="0">
+            <a:schemeClr val="accent3"/>
+          </a:effectRef>
+          <a:fontRef idx="minor">
+            <a:schemeClr val="lt1"/>
+          </a:fontRef>
+        </p:style>
+        <p:txBody>
+          <a:bodyPr rtlCol="0" anchor="ctr"/>
+          <a:lstStyle/>
+          <a:p>
+            <a:pPr algn="ctr"/>
+            <a:r>
+              <a:rPr kumimoji="1" lang="ja-JP" altLang="en-US" sz="3200" dirty="0">
+                <a:latin typeface="YuKyokasho Medium" panose="02000500000000000000" pitchFamily="2" charset="-128"/>
+                <a:ea typeface="YuKyokasho Medium" panose="02000500000000000000" pitchFamily="2" charset="-128"/>
+                <a:cs typeface="ヒラギノ丸ゴ ProN W4"/>
+              </a:rPr>
+              <a:t>メールで送信</a:t>
+            </a:r>
+          </a:p>
+        </p:txBody>
+      </p:sp>
+    </p:spTree>
+    <p:extLst>
+      <p:ext uri="{BB962C8B-B14F-4D97-AF65-F5344CB8AC3E}">
+        <p14:creationId xmlns:p14="http://schemas.microsoft.com/office/powerpoint/2010/main" val="3945210242"/>
       </p:ext>
     </p:extLst>
   </p:cSld>

--- a/memo/そばUI2.pptx
+++ b/memo/そばUI2.pptx
@@ -4,24 +4,29 @@
   <p:sldMasterIdLst>
     <p:sldMasterId id="2147483648" r:id="rId1"/>
   </p:sldMasterIdLst>
+  <p:notesMasterIdLst>
+    <p:notesMasterId r:id="rId21"/>
+  </p:notesMasterIdLst>
   <p:sldIdLst>
     <p:sldId id="257" r:id="rId2"/>
     <p:sldId id="259" r:id="rId3"/>
     <p:sldId id="272" r:id="rId4"/>
-    <p:sldId id="271" r:id="rId5"/>
-    <p:sldId id="258" r:id="rId6"/>
-    <p:sldId id="273" r:id="rId7"/>
-    <p:sldId id="261" r:id="rId8"/>
-    <p:sldId id="265" r:id="rId9"/>
-    <p:sldId id="266" r:id="rId10"/>
-    <p:sldId id="267" r:id="rId11"/>
-    <p:sldId id="268" r:id="rId12"/>
-    <p:sldId id="269" r:id="rId13"/>
-    <p:sldId id="270" r:id="rId14"/>
-    <p:sldId id="274" r:id="rId15"/>
-    <p:sldId id="277" r:id="rId16"/>
-    <p:sldId id="278" r:id="rId17"/>
-    <p:sldId id="276" r:id="rId18"/>
+    <p:sldId id="279" r:id="rId5"/>
+    <p:sldId id="271" r:id="rId6"/>
+    <p:sldId id="280" r:id="rId7"/>
+    <p:sldId id="258" r:id="rId8"/>
+    <p:sldId id="273" r:id="rId9"/>
+    <p:sldId id="261" r:id="rId10"/>
+    <p:sldId id="265" r:id="rId11"/>
+    <p:sldId id="266" r:id="rId12"/>
+    <p:sldId id="267" r:id="rId13"/>
+    <p:sldId id="268" r:id="rId14"/>
+    <p:sldId id="269" r:id="rId15"/>
+    <p:sldId id="270" r:id="rId16"/>
+    <p:sldId id="274" r:id="rId17"/>
+    <p:sldId id="277" r:id="rId18"/>
+    <p:sldId id="278" r:id="rId19"/>
+    <p:sldId id="276" r:id="rId20"/>
   </p:sldIdLst>
   <p:sldSz cx="9144000" cy="6858000" type="screen4x3"/>
   <p:notesSz cx="6858000" cy="9144000"/>
@@ -136,7 +141,17 @@
         <p14:section name="カスタム" id="{52576E4E-E918-BC4A-AE50-59DDE057780B}">
           <p14:sldIdLst>
             <p14:sldId id="272"/>
+          </p14:sldIdLst>
+        </p14:section>
+        <p14:section name="カスタム：新規作成" id="{57B3689A-AA04-2246-92B5-4C92592F1B9D}">
+          <p14:sldIdLst>
+            <p14:sldId id="279"/>
+          </p14:sldIdLst>
+        </p14:section>
+        <p14:section name="カスタム：前回の設定" id="{5539ACBB-1215-1D45-A553-07CF8855A6BD}">
+          <p14:sldIdLst>
             <p14:sldId id="271"/>
+            <p14:sldId id="280"/>
           </p14:sldIdLst>
         </p14:section>
         <p14:section name="計測モード選択" id="{C9B021B3-3C4D-F440-BD67-323B62C6EF04}">
@@ -164,7 +179,7 @@
     </p:ext>
     <p:ext uri="{EFAFB233-063F-42B5-8137-9DF3F51BA10A}">
       <p15:sldGuideLst xmlns:p15="http://schemas.microsoft.com/office/powerpoint/2012/main">
-        <p15:guide id="1" orient="horz" pos="2160">
+        <p15:guide id="1" orient="horz" pos="2183" userDrawn="1">
           <p15:clr>
             <a:srgbClr val="A4A3A4"/>
           </p15:clr>
@@ -178,6 +193,471 @@
     </p:ext>
   </p:extLst>
 </p:presentation>
+</file>
+
+<file path=ppt/notesMasters/notesMaster1.xml><?xml version="1.0" encoding="utf-8"?>
+<p:notesMaster xmlns:a="http://schemas.openxmlformats.org/drawingml/2006/main" xmlns:r="http://schemas.openxmlformats.org/officeDocument/2006/relationships" xmlns:p="http://schemas.openxmlformats.org/presentationml/2006/main">
+  <p:cSld>
+    <p:bg>
+      <p:bgRef idx="1001">
+        <a:schemeClr val="bg1"/>
+      </p:bgRef>
+    </p:bg>
+    <p:spTree>
+      <p:nvGrpSpPr>
+        <p:cNvPr id="1" name=""/>
+        <p:cNvGrpSpPr/>
+        <p:nvPr/>
+      </p:nvGrpSpPr>
+      <p:grpSpPr>
+        <a:xfrm>
+          <a:off x="0" y="0"/>
+          <a:ext cx="0" cy="0"/>
+          <a:chOff x="0" y="0"/>
+          <a:chExt cx="0" cy="0"/>
+        </a:xfrm>
+      </p:grpSpPr>
+      <p:sp>
+        <p:nvSpPr>
+          <p:cNvPr id="2" name="ヘッダー プレースホルダー 1"/>
+          <p:cNvSpPr>
+            <a:spLocks noGrp="1"/>
+          </p:cNvSpPr>
+          <p:nvPr>
+            <p:ph type="hdr" sz="quarter"/>
+          </p:nvPr>
+        </p:nvSpPr>
+        <p:spPr>
+          <a:xfrm>
+            <a:off x="0" y="0"/>
+            <a:ext cx="2971800" cy="458788"/>
+          </a:xfrm>
+          <a:prstGeom prst="rect">
+            <a:avLst/>
+          </a:prstGeom>
+        </p:spPr>
+        <p:txBody>
+          <a:bodyPr vert="horz" lIns="91440" tIns="45720" rIns="91440" bIns="45720" rtlCol="0"/>
+          <a:lstStyle>
+            <a:lvl1pPr algn="l">
+              <a:defRPr sz="1200"/>
+            </a:lvl1pPr>
+          </a:lstStyle>
+          <a:p>
+            <a:endParaRPr kumimoji="1" lang="ja-JP" altLang="en-US"/>
+          </a:p>
+        </p:txBody>
+      </p:sp>
+      <p:sp>
+        <p:nvSpPr>
+          <p:cNvPr id="3" name="日付プレースホルダー 2"/>
+          <p:cNvSpPr>
+            <a:spLocks noGrp="1"/>
+          </p:cNvSpPr>
+          <p:nvPr>
+            <p:ph type="dt" idx="1"/>
+          </p:nvPr>
+        </p:nvSpPr>
+        <p:spPr>
+          <a:xfrm>
+            <a:off x="3884613" y="0"/>
+            <a:ext cx="2971800" cy="458788"/>
+          </a:xfrm>
+          <a:prstGeom prst="rect">
+            <a:avLst/>
+          </a:prstGeom>
+        </p:spPr>
+        <p:txBody>
+          <a:bodyPr vert="horz" lIns="91440" tIns="45720" rIns="91440" bIns="45720" rtlCol="0"/>
+          <a:lstStyle>
+            <a:lvl1pPr algn="r">
+              <a:defRPr sz="1200"/>
+            </a:lvl1pPr>
+          </a:lstStyle>
+          <a:p>
+            <a:fld id="{0CFE8913-1CDE-D942-B610-61C175F54289}" type="datetimeFigureOut">
+              <a:rPr kumimoji="1" lang="ja-JP" altLang="en-US" smtClean="0"/>
+              <a:t>2018/3/3</a:t>
+            </a:fld>
+            <a:endParaRPr kumimoji="1" lang="ja-JP" altLang="en-US"/>
+          </a:p>
+        </p:txBody>
+      </p:sp>
+      <p:sp>
+        <p:nvSpPr>
+          <p:cNvPr id="4" name="スライド イメージ プレースホルダー 3"/>
+          <p:cNvSpPr>
+            <a:spLocks noGrp="1" noRot="1" noChangeAspect="1"/>
+          </p:cNvSpPr>
+          <p:nvPr>
+            <p:ph type="sldImg" idx="2"/>
+          </p:nvPr>
+        </p:nvSpPr>
+        <p:spPr>
+          <a:xfrm>
+            <a:off x="1371600" y="1143000"/>
+            <a:ext cx="4114800" cy="3086100"/>
+          </a:xfrm>
+          <a:prstGeom prst="rect">
+            <a:avLst/>
+          </a:prstGeom>
+          <a:noFill/>
+          <a:ln w="12700">
+            <a:solidFill>
+              <a:prstClr val="black"/>
+            </a:solidFill>
+          </a:ln>
+        </p:spPr>
+        <p:txBody>
+          <a:bodyPr vert="horz" lIns="91440" tIns="45720" rIns="91440" bIns="45720" rtlCol="0" anchor="ctr"/>
+          <a:lstStyle/>
+          <a:p>
+            <a:endParaRPr lang="ja-JP" altLang="en-US"/>
+          </a:p>
+        </p:txBody>
+      </p:sp>
+      <p:sp>
+        <p:nvSpPr>
+          <p:cNvPr id="5" name="ノート プレースホルダー 4"/>
+          <p:cNvSpPr>
+            <a:spLocks noGrp="1"/>
+          </p:cNvSpPr>
+          <p:nvPr>
+            <p:ph type="body" sz="quarter" idx="3"/>
+          </p:nvPr>
+        </p:nvSpPr>
+        <p:spPr>
+          <a:xfrm>
+            <a:off x="685800" y="4400550"/>
+            <a:ext cx="5486400" cy="3600450"/>
+          </a:xfrm>
+          <a:prstGeom prst="rect">
+            <a:avLst/>
+          </a:prstGeom>
+        </p:spPr>
+        <p:txBody>
+          <a:bodyPr vert="horz" lIns="91440" tIns="45720" rIns="91440" bIns="45720" rtlCol="0"/>
+          <a:lstStyle/>
+          <a:p>
+            <a:pPr lvl="0"/>
+            <a:r>
+              <a:rPr kumimoji="1" lang="ja-JP" altLang="en-US"/>
+              <a:t>マスター テキストの書式設定</a:t>
+            </a:r>
+          </a:p>
+          <a:p>
+            <a:pPr lvl="1"/>
+            <a:r>
+              <a:rPr kumimoji="1" lang="ja-JP" altLang="en-US"/>
+              <a:t>第 </a:t>
+            </a:r>
+            <a:r>
+              <a:rPr kumimoji="1" lang="en-US" altLang="ja-JP"/>
+              <a:t>2 </a:t>
+            </a:r>
+            <a:r>
+              <a:rPr kumimoji="1" lang="ja-JP" altLang="en-US"/>
+              <a:t>レベル</a:t>
+            </a:r>
+          </a:p>
+          <a:p>
+            <a:pPr lvl="2"/>
+            <a:r>
+              <a:rPr kumimoji="1" lang="ja-JP" altLang="en-US"/>
+              <a:t>第 </a:t>
+            </a:r>
+            <a:r>
+              <a:rPr kumimoji="1" lang="en-US" altLang="ja-JP"/>
+              <a:t>3 </a:t>
+            </a:r>
+            <a:r>
+              <a:rPr kumimoji="1" lang="ja-JP" altLang="en-US"/>
+              <a:t>レベル</a:t>
+            </a:r>
+          </a:p>
+          <a:p>
+            <a:pPr lvl="3"/>
+            <a:r>
+              <a:rPr kumimoji="1" lang="ja-JP" altLang="en-US"/>
+              <a:t>第 </a:t>
+            </a:r>
+            <a:r>
+              <a:rPr kumimoji="1" lang="en-US" altLang="ja-JP"/>
+              <a:t>4 </a:t>
+            </a:r>
+            <a:r>
+              <a:rPr kumimoji="1" lang="ja-JP" altLang="en-US"/>
+              <a:t>レベル</a:t>
+            </a:r>
+          </a:p>
+          <a:p>
+            <a:pPr lvl="4"/>
+            <a:r>
+              <a:rPr kumimoji="1" lang="ja-JP" altLang="en-US"/>
+              <a:t>第 </a:t>
+            </a:r>
+            <a:r>
+              <a:rPr kumimoji="1" lang="en-US" altLang="ja-JP"/>
+              <a:t>5 </a:t>
+            </a:r>
+            <a:r>
+              <a:rPr kumimoji="1" lang="ja-JP" altLang="en-US"/>
+              <a:t>レベル</a:t>
+            </a:r>
+          </a:p>
+        </p:txBody>
+      </p:sp>
+      <p:sp>
+        <p:nvSpPr>
+          <p:cNvPr id="6" name="フッター プレースホルダー 5"/>
+          <p:cNvSpPr>
+            <a:spLocks noGrp="1"/>
+          </p:cNvSpPr>
+          <p:nvPr>
+            <p:ph type="ftr" sz="quarter" idx="4"/>
+          </p:nvPr>
+        </p:nvSpPr>
+        <p:spPr>
+          <a:xfrm>
+            <a:off x="0" y="8685213"/>
+            <a:ext cx="2971800" cy="458787"/>
+          </a:xfrm>
+          <a:prstGeom prst="rect">
+            <a:avLst/>
+          </a:prstGeom>
+        </p:spPr>
+        <p:txBody>
+          <a:bodyPr vert="horz" lIns="91440" tIns="45720" rIns="91440" bIns="45720" rtlCol="0" anchor="b"/>
+          <a:lstStyle>
+            <a:lvl1pPr algn="l">
+              <a:defRPr sz="1200"/>
+            </a:lvl1pPr>
+          </a:lstStyle>
+          <a:p>
+            <a:endParaRPr kumimoji="1" lang="ja-JP" altLang="en-US"/>
+          </a:p>
+        </p:txBody>
+      </p:sp>
+      <p:sp>
+        <p:nvSpPr>
+          <p:cNvPr id="7" name="スライド番号プレースホルダー 6"/>
+          <p:cNvSpPr>
+            <a:spLocks noGrp="1"/>
+          </p:cNvSpPr>
+          <p:nvPr>
+            <p:ph type="sldNum" sz="quarter" idx="5"/>
+          </p:nvPr>
+        </p:nvSpPr>
+        <p:spPr>
+          <a:xfrm>
+            <a:off x="3884613" y="8685213"/>
+            <a:ext cx="2971800" cy="458787"/>
+          </a:xfrm>
+          <a:prstGeom prst="rect">
+            <a:avLst/>
+          </a:prstGeom>
+        </p:spPr>
+        <p:txBody>
+          <a:bodyPr vert="horz" lIns="91440" tIns="45720" rIns="91440" bIns="45720" rtlCol="0" anchor="b"/>
+          <a:lstStyle>
+            <a:lvl1pPr algn="r">
+              <a:defRPr sz="1200"/>
+            </a:lvl1pPr>
+          </a:lstStyle>
+          <a:p>
+            <a:fld id="{71C9AC0C-4F12-EE4E-98D8-FE9EE1CCA8E5}" type="slidenum">
+              <a:rPr kumimoji="1" lang="ja-JP" altLang="en-US" smtClean="0"/>
+              <a:t>‹#›</a:t>
+            </a:fld>
+            <a:endParaRPr kumimoji="1" lang="ja-JP" altLang="en-US"/>
+          </a:p>
+        </p:txBody>
+      </p:sp>
+    </p:spTree>
+    <p:extLst>
+      <p:ext uri="{BB962C8B-B14F-4D97-AF65-F5344CB8AC3E}">
+        <p14:creationId xmlns:p14="http://schemas.microsoft.com/office/powerpoint/2010/main" val="640304052"/>
+      </p:ext>
+    </p:extLst>
+  </p:cSld>
+  <p:clrMap bg1="lt1" tx1="dk1" bg2="lt2" tx2="dk2" accent1="accent1" accent2="accent2" accent3="accent3" accent4="accent4" accent5="accent5" accent6="accent6" hlink="hlink" folHlink="folHlink"/>
+  <p:notesStyle>
+    <a:lvl1pPr marL="0" algn="l" defTabSz="914400" rtl="0" eaLnBrk="1" latinLnBrk="0" hangingPunct="1">
+      <a:defRPr kumimoji="1" sz="1200" kern="1200">
+        <a:solidFill>
+          <a:schemeClr val="tx1"/>
+        </a:solidFill>
+        <a:latin typeface="+mn-lt"/>
+        <a:ea typeface="+mn-ea"/>
+        <a:cs typeface="+mn-cs"/>
+      </a:defRPr>
+    </a:lvl1pPr>
+    <a:lvl2pPr marL="457200" algn="l" defTabSz="914400" rtl="0" eaLnBrk="1" latinLnBrk="0" hangingPunct="1">
+      <a:defRPr kumimoji="1" sz="1200" kern="1200">
+        <a:solidFill>
+          <a:schemeClr val="tx1"/>
+        </a:solidFill>
+        <a:latin typeface="+mn-lt"/>
+        <a:ea typeface="+mn-ea"/>
+        <a:cs typeface="+mn-cs"/>
+      </a:defRPr>
+    </a:lvl2pPr>
+    <a:lvl3pPr marL="914400" algn="l" defTabSz="914400" rtl="0" eaLnBrk="1" latinLnBrk="0" hangingPunct="1">
+      <a:defRPr kumimoji="1" sz="1200" kern="1200">
+        <a:solidFill>
+          <a:schemeClr val="tx1"/>
+        </a:solidFill>
+        <a:latin typeface="+mn-lt"/>
+        <a:ea typeface="+mn-ea"/>
+        <a:cs typeface="+mn-cs"/>
+      </a:defRPr>
+    </a:lvl3pPr>
+    <a:lvl4pPr marL="1371600" algn="l" defTabSz="914400" rtl="0" eaLnBrk="1" latinLnBrk="0" hangingPunct="1">
+      <a:defRPr kumimoji="1" sz="1200" kern="1200">
+        <a:solidFill>
+          <a:schemeClr val="tx1"/>
+        </a:solidFill>
+        <a:latin typeface="+mn-lt"/>
+        <a:ea typeface="+mn-ea"/>
+        <a:cs typeface="+mn-cs"/>
+      </a:defRPr>
+    </a:lvl4pPr>
+    <a:lvl5pPr marL="1828800" algn="l" defTabSz="914400" rtl="0" eaLnBrk="1" latinLnBrk="0" hangingPunct="1">
+      <a:defRPr kumimoji="1" sz="1200" kern="1200">
+        <a:solidFill>
+          <a:schemeClr val="tx1"/>
+        </a:solidFill>
+        <a:latin typeface="+mn-lt"/>
+        <a:ea typeface="+mn-ea"/>
+        <a:cs typeface="+mn-cs"/>
+      </a:defRPr>
+    </a:lvl5pPr>
+    <a:lvl6pPr marL="2286000" algn="l" defTabSz="914400" rtl="0" eaLnBrk="1" latinLnBrk="0" hangingPunct="1">
+      <a:defRPr kumimoji="1" sz="1200" kern="1200">
+        <a:solidFill>
+          <a:schemeClr val="tx1"/>
+        </a:solidFill>
+        <a:latin typeface="+mn-lt"/>
+        <a:ea typeface="+mn-ea"/>
+        <a:cs typeface="+mn-cs"/>
+      </a:defRPr>
+    </a:lvl6pPr>
+    <a:lvl7pPr marL="2743200" algn="l" defTabSz="914400" rtl="0" eaLnBrk="1" latinLnBrk="0" hangingPunct="1">
+      <a:defRPr kumimoji="1" sz="1200" kern="1200">
+        <a:solidFill>
+          <a:schemeClr val="tx1"/>
+        </a:solidFill>
+        <a:latin typeface="+mn-lt"/>
+        <a:ea typeface="+mn-ea"/>
+        <a:cs typeface="+mn-cs"/>
+      </a:defRPr>
+    </a:lvl7pPr>
+    <a:lvl8pPr marL="3200400" algn="l" defTabSz="914400" rtl="0" eaLnBrk="1" latinLnBrk="0" hangingPunct="1">
+      <a:defRPr kumimoji="1" sz="1200" kern="1200">
+        <a:solidFill>
+          <a:schemeClr val="tx1"/>
+        </a:solidFill>
+        <a:latin typeface="+mn-lt"/>
+        <a:ea typeface="+mn-ea"/>
+        <a:cs typeface="+mn-cs"/>
+      </a:defRPr>
+    </a:lvl8pPr>
+    <a:lvl9pPr marL="3657600" algn="l" defTabSz="914400" rtl="0" eaLnBrk="1" latinLnBrk="0" hangingPunct="1">
+      <a:defRPr kumimoji="1" sz="1200" kern="1200">
+        <a:solidFill>
+          <a:schemeClr val="tx1"/>
+        </a:solidFill>
+        <a:latin typeface="+mn-lt"/>
+        <a:ea typeface="+mn-ea"/>
+        <a:cs typeface="+mn-cs"/>
+      </a:defRPr>
+    </a:lvl9pPr>
+  </p:notesStyle>
+</p:notesMaster>
+</file>
+
+<file path=ppt/notesSlides/notesSlide1.xml><?xml version="1.0" encoding="utf-8"?>
+<p:notes xmlns:a="http://schemas.openxmlformats.org/drawingml/2006/main" xmlns:r="http://schemas.openxmlformats.org/officeDocument/2006/relationships" xmlns:p="http://schemas.openxmlformats.org/presentationml/2006/main">
+  <p:cSld>
+    <p:spTree>
+      <p:nvGrpSpPr>
+        <p:cNvPr id="1" name=""/>
+        <p:cNvGrpSpPr/>
+        <p:nvPr/>
+      </p:nvGrpSpPr>
+      <p:grpSpPr>
+        <a:xfrm>
+          <a:off x="0" y="0"/>
+          <a:ext cx="0" cy="0"/>
+          <a:chOff x="0" y="0"/>
+          <a:chExt cx="0" cy="0"/>
+        </a:xfrm>
+      </p:grpSpPr>
+      <p:sp>
+        <p:nvSpPr>
+          <p:cNvPr id="2" name="スライド イメージ プレースホルダー 1"/>
+          <p:cNvSpPr>
+            <a:spLocks noGrp="1" noRot="1" noChangeAspect="1"/>
+          </p:cNvSpPr>
+          <p:nvPr>
+            <p:ph type="sldImg"/>
+          </p:nvPr>
+        </p:nvSpPr>
+        <p:spPr/>
+      </p:sp>
+      <p:sp>
+        <p:nvSpPr>
+          <p:cNvPr id="3" name="ノート プレースホルダー 2"/>
+          <p:cNvSpPr>
+            <a:spLocks noGrp="1"/>
+          </p:cNvSpPr>
+          <p:nvPr>
+            <p:ph type="body" idx="1"/>
+          </p:nvPr>
+        </p:nvSpPr>
+        <p:spPr/>
+        <p:txBody>
+          <a:bodyPr/>
+          <a:lstStyle/>
+          <a:p>
+            <a:endParaRPr kumimoji="1" lang="ja-JP" altLang="en-US" dirty="0"/>
+          </a:p>
+        </p:txBody>
+      </p:sp>
+      <p:sp>
+        <p:nvSpPr>
+          <p:cNvPr id="4" name="スライド番号プレースホルダー 3"/>
+          <p:cNvSpPr>
+            <a:spLocks noGrp="1"/>
+          </p:cNvSpPr>
+          <p:nvPr>
+            <p:ph type="sldNum" sz="quarter" idx="10"/>
+          </p:nvPr>
+        </p:nvSpPr>
+        <p:spPr/>
+        <p:txBody>
+          <a:bodyPr/>
+          <a:lstStyle/>
+          <a:p>
+            <a:fld id="{71C9AC0C-4F12-EE4E-98D8-FE9EE1CCA8E5}" type="slidenum">
+              <a:rPr kumimoji="1" lang="ja-JP" altLang="en-US" smtClean="0"/>
+              <a:t>18</a:t>
+            </a:fld>
+            <a:endParaRPr kumimoji="1" lang="ja-JP" altLang="en-US"/>
+          </a:p>
+        </p:txBody>
+      </p:sp>
+    </p:spTree>
+    <p:extLst>
+      <p:ext uri="{BB962C8B-B14F-4D97-AF65-F5344CB8AC3E}">
+        <p14:creationId xmlns:p14="http://schemas.microsoft.com/office/powerpoint/2010/main" val="1031844036"/>
+      </p:ext>
+    </p:extLst>
+  </p:cSld>
+  <p:clrMapOvr>
+    <a:masterClrMapping/>
+  </p:clrMapOvr>
+</p:notes>
 </file>
 
 <file path=ppt/slideLayouts/slideLayout1.xml><?xml version="1.0" encoding="utf-8"?>
@@ -3705,6 +4185,734 @@
             <a:avLst/>
           </a:prstGeom>
           <a:solidFill>
+            <a:schemeClr val="accent3">
+              <a:lumMod val="20000"/>
+              <a:lumOff val="80000"/>
+            </a:schemeClr>
+          </a:solidFill>
+          <a:ln/>
+        </p:spPr>
+        <p:style>
+          <a:lnRef idx="2">
+            <a:schemeClr val="accent3">
+              <a:shade val="50000"/>
+            </a:schemeClr>
+          </a:lnRef>
+          <a:fillRef idx="1">
+            <a:schemeClr val="accent3"/>
+          </a:fillRef>
+          <a:effectRef idx="0">
+            <a:schemeClr val="accent3"/>
+          </a:effectRef>
+          <a:fontRef idx="minor">
+            <a:schemeClr val="lt1"/>
+          </a:fontRef>
+        </p:style>
+        <p:txBody>
+          <a:bodyPr rtlCol="0" anchor="ctr"/>
+          <a:lstStyle/>
+          <a:p>
+            <a:pPr algn="ctr"/>
+            <a:endParaRPr kumimoji="1" lang="ja-JP" altLang="en-US"/>
+          </a:p>
+        </p:txBody>
+      </p:sp>
+      <p:sp>
+        <p:nvSpPr>
+          <p:cNvPr id="3" name="正方形/長方形 2"/>
+          <p:cNvSpPr/>
+          <p:nvPr/>
+        </p:nvSpPr>
+        <p:spPr>
+          <a:xfrm>
+            <a:off x="2702034" y="564226"/>
+            <a:ext cx="3739931" cy="506204"/>
+          </a:xfrm>
+          <a:prstGeom prst="rect">
+            <a:avLst/>
+          </a:prstGeom>
+          <a:solidFill>
+            <a:schemeClr val="accent3">
+              <a:lumMod val="75000"/>
+            </a:schemeClr>
+          </a:solidFill>
+          <a:ln/>
+        </p:spPr>
+        <p:style>
+          <a:lnRef idx="2">
+            <a:schemeClr val="accent3">
+              <a:shade val="50000"/>
+            </a:schemeClr>
+          </a:lnRef>
+          <a:fillRef idx="1">
+            <a:schemeClr val="accent3"/>
+          </a:fillRef>
+          <a:effectRef idx="0">
+            <a:schemeClr val="accent3"/>
+          </a:effectRef>
+          <a:fontRef idx="minor">
+            <a:schemeClr val="lt1"/>
+          </a:fontRef>
+        </p:style>
+        <p:txBody>
+          <a:bodyPr rtlCol="0" anchor="ctr"/>
+          <a:lstStyle/>
+          <a:p>
+            <a:pPr algn="ctr"/>
+            <a:endParaRPr kumimoji="1" lang="ja-JP" altLang="en-US"/>
+          </a:p>
+        </p:txBody>
+      </p:sp>
+      <p:sp>
+        <p:nvSpPr>
+          <p:cNvPr id="4" name="角丸四角形 3"/>
+          <p:cNvSpPr/>
+          <p:nvPr/>
+        </p:nvSpPr>
+        <p:spPr>
+          <a:xfrm>
+            <a:off x="2916464" y="2872921"/>
+            <a:ext cx="3311072" cy="1347107"/>
+          </a:xfrm>
+          <a:prstGeom prst="roundRect">
+            <a:avLst/>
+          </a:prstGeom>
+        </p:spPr>
+        <p:style>
+          <a:lnRef idx="2">
+            <a:schemeClr val="accent3">
+              <a:shade val="50000"/>
+            </a:schemeClr>
+          </a:lnRef>
+          <a:fillRef idx="1">
+            <a:schemeClr val="accent3"/>
+          </a:fillRef>
+          <a:effectRef idx="0">
+            <a:schemeClr val="accent3"/>
+          </a:effectRef>
+          <a:fontRef idx="minor">
+            <a:schemeClr val="lt1"/>
+          </a:fontRef>
+        </p:style>
+        <p:txBody>
+          <a:bodyPr rtlCol="0" anchor="ctr"/>
+          <a:lstStyle/>
+          <a:p>
+            <a:pPr algn="ctr"/>
+            <a:r>
+              <a:rPr kumimoji="1" lang="en-US" altLang="ja-JP" sz="4800" dirty="0">
+                <a:latin typeface="YuKyokasho Medium" panose="02000500000000000000" pitchFamily="2" charset="-128"/>
+                <a:ea typeface="YuKyokasho Medium" panose="02000500000000000000" pitchFamily="2" charset="-128"/>
+                <a:cs typeface="ヒラギノ丸ゴ ProN W4"/>
+              </a:rPr>
+              <a:t>00:0</a:t>
+            </a:r>
+            <a:r>
+              <a:rPr lang="en-US" altLang="ja-JP" sz="4800" dirty="0">
+                <a:latin typeface="YuKyokasho Medium" panose="02000500000000000000" pitchFamily="2" charset="-128"/>
+                <a:ea typeface="YuKyokasho Medium" panose="02000500000000000000" pitchFamily="2" charset="-128"/>
+                <a:cs typeface="ヒラギノ丸ゴ ProN W4"/>
+              </a:rPr>
+              <a:t>1</a:t>
+            </a:r>
+            <a:r>
+              <a:rPr kumimoji="1" lang="en-US" altLang="ja-JP" sz="4800" dirty="0">
+                <a:latin typeface="YuKyokasho Medium" panose="02000500000000000000" pitchFamily="2" charset="-128"/>
+                <a:ea typeface="YuKyokasho Medium" panose="02000500000000000000" pitchFamily="2" charset="-128"/>
+                <a:cs typeface="ヒラギノ丸ゴ ProN W4"/>
+              </a:rPr>
+              <a:t>:00</a:t>
+            </a:r>
+            <a:endParaRPr kumimoji="1" lang="ja-JP" altLang="en-US" sz="4800" dirty="0">
+              <a:latin typeface="YuKyokasho Medium" panose="02000500000000000000" pitchFamily="2" charset="-128"/>
+              <a:ea typeface="YuKyokasho Medium" panose="02000500000000000000" pitchFamily="2" charset="-128"/>
+              <a:cs typeface="ヒラギノ丸ゴ ProN W4"/>
+            </a:endParaRPr>
+          </a:p>
+        </p:txBody>
+      </p:sp>
+      <p:sp>
+        <p:nvSpPr>
+          <p:cNvPr id="11" name="角丸四角形 10"/>
+          <p:cNvSpPr/>
+          <p:nvPr/>
+        </p:nvSpPr>
+        <p:spPr>
+          <a:xfrm>
+            <a:off x="4807857" y="4962066"/>
+            <a:ext cx="1419679" cy="522507"/>
+          </a:xfrm>
+          <a:prstGeom prst="roundRect">
+            <a:avLst/>
+          </a:prstGeom>
+        </p:spPr>
+        <p:style>
+          <a:lnRef idx="2">
+            <a:schemeClr val="accent3">
+              <a:shade val="50000"/>
+            </a:schemeClr>
+          </a:lnRef>
+          <a:fillRef idx="1">
+            <a:schemeClr val="accent3"/>
+          </a:fillRef>
+          <a:effectRef idx="0">
+            <a:schemeClr val="accent3"/>
+          </a:effectRef>
+          <a:fontRef idx="minor">
+            <a:schemeClr val="lt1"/>
+          </a:fontRef>
+        </p:style>
+        <p:txBody>
+          <a:bodyPr rtlCol="0" anchor="ctr"/>
+          <a:lstStyle/>
+          <a:p>
+            <a:pPr algn="ctr"/>
+            <a:r>
+              <a:rPr kumimoji="1" lang="ja-JP" altLang="en-US" sz="3200" dirty="0">
+                <a:latin typeface="YuKyokasho Medium" panose="02000500000000000000" pitchFamily="2" charset="-128"/>
+                <a:ea typeface="YuKyokasho Medium" panose="02000500000000000000" pitchFamily="2" charset="-128"/>
+                <a:cs typeface="ヒラギノ丸ゴ ProN W4"/>
+              </a:rPr>
+              <a:t>中断</a:t>
+            </a:r>
+          </a:p>
+        </p:txBody>
+      </p:sp>
+      <p:sp>
+        <p:nvSpPr>
+          <p:cNvPr id="10" name="角丸四角形 9"/>
+          <p:cNvSpPr/>
+          <p:nvPr/>
+        </p:nvSpPr>
+        <p:spPr>
+          <a:xfrm>
+            <a:off x="2916464" y="4962066"/>
+            <a:ext cx="1419679" cy="522507"/>
+          </a:xfrm>
+          <a:prstGeom prst="roundRect">
+            <a:avLst/>
+          </a:prstGeom>
+        </p:spPr>
+        <p:style>
+          <a:lnRef idx="2">
+            <a:schemeClr val="accent3">
+              <a:shade val="50000"/>
+            </a:schemeClr>
+          </a:lnRef>
+          <a:fillRef idx="1">
+            <a:schemeClr val="accent3"/>
+          </a:fillRef>
+          <a:effectRef idx="0">
+            <a:schemeClr val="accent3"/>
+          </a:effectRef>
+          <a:fontRef idx="minor">
+            <a:schemeClr val="lt1"/>
+          </a:fontRef>
+        </p:style>
+        <p:txBody>
+          <a:bodyPr rtlCol="0" anchor="ctr"/>
+          <a:lstStyle/>
+          <a:p>
+            <a:pPr algn="ctr"/>
+            <a:r>
+              <a:rPr kumimoji="1" lang="ja-JP" altLang="en-US" sz="3200" dirty="0">
+                <a:latin typeface="YuKyokasho Medium" panose="02000500000000000000" pitchFamily="2" charset="-128"/>
+                <a:ea typeface="YuKyokasho Medium" panose="02000500000000000000" pitchFamily="2" charset="-128"/>
+                <a:cs typeface="ヒラギノ丸ゴ ProN W4"/>
+              </a:rPr>
+              <a:t>完了</a:t>
+            </a:r>
+          </a:p>
+        </p:txBody>
+      </p:sp>
+      <p:sp>
+        <p:nvSpPr>
+          <p:cNvPr id="5" name="テキスト ボックス 4"/>
+          <p:cNvSpPr txBox="1"/>
+          <p:nvPr/>
+        </p:nvSpPr>
+        <p:spPr>
+          <a:xfrm>
+            <a:off x="2916464" y="1460500"/>
+            <a:ext cx="3311072" cy="523220"/>
+          </a:xfrm>
+          <a:prstGeom prst="rect">
+            <a:avLst/>
+          </a:prstGeom>
+          <a:noFill/>
+        </p:spPr>
+        <p:txBody>
+          <a:bodyPr wrap="square" rtlCol="0">
+            <a:spAutoFit/>
+          </a:bodyPr>
+          <a:lstStyle/>
+          <a:p>
+            <a:pPr algn="ctr"/>
+            <a:r>
+              <a:rPr kumimoji="1" lang="ja-JP" altLang="en-US" sz="2800" dirty="0">
+                <a:latin typeface="YuKyokasho Medium" panose="02000500000000000000" pitchFamily="2" charset="-128"/>
+                <a:ea typeface="YuKyokasho Medium" panose="02000500000000000000" pitchFamily="2" charset="-128"/>
+                <a:cs typeface="ヒラギノ丸ゴ ProN W4"/>
+              </a:rPr>
+              <a:t>計量</a:t>
+            </a:r>
+          </a:p>
+        </p:txBody>
+      </p:sp>
+      <p:sp>
+        <p:nvSpPr>
+          <p:cNvPr id="8" name="テキスト ボックス 7">
+            <a:extLst>
+              <a:ext uri="{FF2B5EF4-FFF2-40B4-BE49-F238E27FC236}">
+                <a16:creationId xmlns:a16="http://schemas.microsoft.com/office/drawing/2014/main" id="{A633626E-33CB-9F43-9DE9-CC2ACEE7BF23}"/>
+              </a:ext>
+            </a:extLst>
+          </p:cNvPr>
+          <p:cNvSpPr txBox="1"/>
+          <p:nvPr/>
+        </p:nvSpPr>
+        <p:spPr>
+          <a:xfrm>
+            <a:off x="340242" y="446567"/>
+            <a:ext cx="1701209" cy="369332"/>
+          </a:xfrm>
+          <a:prstGeom prst="rect">
+            <a:avLst/>
+          </a:prstGeom>
+          <a:noFill/>
+        </p:spPr>
+        <p:txBody>
+          <a:bodyPr wrap="square" rtlCol="0">
+            <a:spAutoFit/>
+          </a:bodyPr>
+          <a:lstStyle/>
+          <a:p>
+            <a:r>
+              <a:rPr lang="en-US" altLang="ja-JP" dirty="0" err="1"/>
+              <a:t>T</a:t>
+            </a:r>
+            <a:r>
+              <a:rPr kumimoji="1" lang="en-US" altLang="ja-JP" dirty="0" err="1"/>
+              <a:t>imerActivity</a:t>
+            </a:r>
+            <a:endParaRPr kumimoji="1" lang="ja-JP" altLang="en-US" dirty="0"/>
+          </a:p>
+        </p:txBody>
+      </p:sp>
+    </p:spTree>
+    <p:extLst>
+      <p:ext uri="{BB962C8B-B14F-4D97-AF65-F5344CB8AC3E}">
+        <p14:creationId xmlns:p14="http://schemas.microsoft.com/office/powerpoint/2010/main" val="2087748137"/>
+      </p:ext>
+    </p:extLst>
+  </p:cSld>
+  <p:clrMapOvr>
+    <a:masterClrMapping/>
+  </p:clrMapOvr>
+</p:sld>
+</file>
+
+<file path=ppt/slides/slide11.xml><?xml version="1.0" encoding="utf-8"?>
+<p:sld xmlns:a="http://schemas.openxmlformats.org/drawingml/2006/main" xmlns:r="http://schemas.openxmlformats.org/officeDocument/2006/relationships" xmlns:p="http://schemas.openxmlformats.org/presentationml/2006/main">
+  <p:cSld>
+    <p:spTree>
+      <p:nvGrpSpPr>
+        <p:cNvPr id="1" name=""/>
+        <p:cNvGrpSpPr/>
+        <p:nvPr/>
+      </p:nvGrpSpPr>
+      <p:grpSpPr>
+        <a:xfrm>
+          <a:off x="0" y="0"/>
+          <a:ext cx="0" cy="0"/>
+          <a:chOff x="0" y="0"/>
+          <a:chExt cx="0" cy="0"/>
+        </a:xfrm>
+      </p:grpSpPr>
+      <p:sp>
+        <p:nvSpPr>
+          <p:cNvPr id="2" name="正方形/長方形 1"/>
+          <p:cNvSpPr/>
+          <p:nvPr/>
+        </p:nvSpPr>
+        <p:spPr>
+          <a:xfrm>
+            <a:off x="2702034" y="564226"/>
+            <a:ext cx="3739931" cy="5728138"/>
+          </a:xfrm>
+          <a:prstGeom prst="rect">
+            <a:avLst/>
+          </a:prstGeom>
+          <a:solidFill>
+            <a:schemeClr val="accent3">
+              <a:lumMod val="20000"/>
+              <a:lumOff val="80000"/>
+            </a:schemeClr>
+          </a:solidFill>
+          <a:ln/>
+        </p:spPr>
+        <p:style>
+          <a:lnRef idx="2">
+            <a:schemeClr val="accent3">
+              <a:shade val="50000"/>
+            </a:schemeClr>
+          </a:lnRef>
+          <a:fillRef idx="1">
+            <a:schemeClr val="accent3"/>
+          </a:fillRef>
+          <a:effectRef idx="0">
+            <a:schemeClr val="accent3"/>
+          </a:effectRef>
+          <a:fontRef idx="minor">
+            <a:schemeClr val="lt1"/>
+          </a:fontRef>
+        </p:style>
+        <p:txBody>
+          <a:bodyPr rtlCol="0" anchor="ctr"/>
+          <a:lstStyle/>
+          <a:p>
+            <a:pPr algn="ctr"/>
+            <a:endParaRPr kumimoji="1" lang="ja-JP" altLang="en-US"/>
+          </a:p>
+        </p:txBody>
+      </p:sp>
+      <p:sp>
+        <p:nvSpPr>
+          <p:cNvPr id="3" name="正方形/長方形 2"/>
+          <p:cNvSpPr/>
+          <p:nvPr/>
+        </p:nvSpPr>
+        <p:spPr>
+          <a:xfrm>
+            <a:off x="2702034" y="564226"/>
+            <a:ext cx="3739931" cy="506204"/>
+          </a:xfrm>
+          <a:prstGeom prst="rect">
+            <a:avLst/>
+          </a:prstGeom>
+          <a:solidFill>
+            <a:schemeClr val="accent3">
+              <a:lumMod val="75000"/>
+            </a:schemeClr>
+          </a:solidFill>
+          <a:ln/>
+        </p:spPr>
+        <p:style>
+          <a:lnRef idx="2">
+            <a:schemeClr val="accent3">
+              <a:shade val="50000"/>
+            </a:schemeClr>
+          </a:lnRef>
+          <a:fillRef idx="1">
+            <a:schemeClr val="accent3"/>
+          </a:fillRef>
+          <a:effectRef idx="0">
+            <a:schemeClr val="accent3"/>
+          </a:effectRef>
+          <a:fontRef idx="minor">
+            <a:schemeClr val="lt1"/>
+          </a:fontRef>
+        </p:style>
+        <p:txBody>
+          <a:bodyPr rtlCol="0" anchor="ctr"/>
+          <a:lstStyle/>
+          <a:p>
+            <a:pPr algn="ctr"/>
+            <a:endParaRPr kumimoji="1" lang="ja-JP" altLang="en-US"/>
+          </a:p>
+        </p:txBody>
+      </p:sp>
+      <p:sp>
+        <p:nvSpPr>
+          <p:cNvPr id="4" name="角丸四角形 3"/>
+          <p:cNvSpPr/>
+          <p:nvPr/>
+        </p:nvSpPr>
+        <p:spPr>
+          <a:xfrm>
+            <a:off x="2916464" y="2872921"/>
+            <a:ext cx="3311072" cy="1347107"/>
+          </a:xfrm>
+          <a:prstGeom prst="roundRect">
+            <a:avLst/>
+          </a:prstGeom>
+        </p:spPr>
+        <p:style>
+          <a:lnRef idx="2">
+            <a:schemeClr val="accent3">
+              <a:shade val="50000"/>
+            </a:schemeClr>
+          </a:lnRef>
+          <a:fillRef idx="1">
+            <a:schemeClr val="accent3"/>
+          </a:fillRef>
+          <a:effectRef idx="0">
+            <a:schemeClr val="accent3"/>
+          </a:effectRef>
+          <a:fontRef idx="minor">
+            <a:schemeClr val="lt1"/>
+          </a:fontRef>
+        </p:style>
+        <p:txBody>
+          <a:bodyPr rtlCol="0" anchor="ctr"/>
+          <a:lstStyle/>
+          <a:p>
+            <a:pPr algn="ctr"/>
+            <a:r>
+              <a:rPr kumimoji="1" lang="en-US" altLang="ja-JP" sz="4800" dirty="0">
+                <a:latin typeface="YuKyokasho Medium" panose="02000500000000000000" pitchFamily="2" charset="-128"/>
+                <a:ea typeface="YuKyokasho Medium" panose="02000500000000000000" pitchFamily="2" charset="-128"/>
+                <a:cs typeface="ヒラギノ丸ゴ ProN W4"/>
+              </a:rPr>
+              <a:t>00:0</a:t>
+            </a:r>
+            <a:r>
+              <a:rPr lang="en-US" altLang="ja-JP" sz="4800" dirty="0">
+                <a:latin typeface="YuKyokasho Medium" panose="02000500000000000000" pitchFamily="2" charset="-128"/>
+                <a:ea typeface="YuKyokasho Medium" panose="02000500000000000000" pitchFamily="2" charset="-128"/>
+                <a:cs typeface="ヒラギノ丸ゴ ProN W4"/>
+              </a:rPr>
+              <a:t>1</a:t>
+            </a:r>
+            <a:r>
+              <a:rPr kumimoji="1" lang="en-US" altLang="ja-JP" sz="4800" dirty="0">
+                <a:latin typeface="YuKyokasho Medium" panose="02000500000000000000" pitchFamily="2" charset="-128"/>
+                <a:ea typeface="YuKyokasho Medium" panose="02000500000000000000" pitchFamily="2" charset="-128"/>
+                <a:cs typeface="ヒラギノ丸ゴ ProN W4"/>
+              </a:rPr>
+              <a:t>:00</a:t>
+            </a:r>
+            <a:endParaRPr kumimoji="1" lang="ja-JP" altLang="en-US" sz="4800" dirty="0">
+              <a:latin typeface="YuKyokasho Medium" panose="02000500000000000000" pitchFamily="2" charset="-128"/>
+              <a:ea typeface="YuKyokasho Medium" panose="02000500000000000000" pitchFamily="2" charset="-128"/>
+              <a:cs typeface="ヒラギノ丸ゴ ProN W4"/>
+            </a:endParaRPr>
+          </a:p>
+        </p:txBody>
+      </p:sp>
+      <p:sp>
+        <p:nvSpPr>
+          <p:cNvPr id="11" name="角丸四角形 10"/>
+          <p:cNvSpPr/>
+          <p:nvPr/>
+        </p:nvSpPr>
+        <p:spPr>
+          <a:xfrm>
+            <a:off x="4807857" y="4962066"/>
+            <a:ext cx="1419679" cy="522507"/>
+          </a:xfrm>
+          <a:prstGeom prst="roundRect">
+            <a:avLst/>
+          </a:prstGeom>
+        </p:spPr>
+        <p:style>
+          <a:lnRef idx="2">
+            <a:schemeClr val="accent3">
+              <a:shade val="50000"/>
+            </a:schemeClr>
+          </a:lnRef>
+          <a:fillRef idx="1">
+            <a:schemeClr val="accent3"/>
+          </a:fillRef>
+          <a:effectRef idx="0">
+            <a:schemeClr val="accent3"/>
+          </a:effectRef>
+          <a:fontRef idx="minor">
+            <a:schemeClr val="lt1"/>
+          </a:fontRef>
+        </p:style>
+        <p:txBody>
+          <a:bodyPr rtlCol="0" anchor="ctr"/>
+          <a:lstStyle/>
+          <a:p>
+            <a:pPr algn="ctr"/>
+            <a:r>
+              <a:rPr kumimoji="1" lang="ja-JP" altLang="en-US" sz="3200" dirty="0">
+                <a:latin typeface="YuKyokasho Medium" panose="02000500000000000000" pitchFamily="2" charset="-128"/>
+                <a:ea typeface="YuKyokasho Medium" panose="02000500000000000000" pitchFamily="2" charset="-128"/>
+                <a:cs typeface="ヒラギノ丸ゴ ProN W4"/>
+              </a:rPr>
+              <a:t>中断</a:t>
+            </a:r>
+          </a:p>
+        </p:txBody>
+      </p:sp>
+      <p:sp>
+        <p:nvSpPr>
+          <p:cNvPr id="10" name="角丸四角形 9"/>
+          <p:cNvSpPr/>
+          <p:nvPr/>
+        </p:nvSpPr>
+        <p:spPr>
+          <a:xfrm>
+            <a:off x="2916464" y="4962066"/>
+            <a:ext cx="1419679" cy="522507"/>
+          </a:xfrm>
+          <a:prstGeom prst="roundRect">
+            <a:avLst/>
+          </a:prstGeom>
+        </p:spPr>
+        <p:style>
+          <a:lnRef idx="2">
+            <a:schemeClr val="accent3">
+              <a:shade val="50000"/>
+            </a:schemeClr>
+          </a:lnRef>
+          <a:fillRef idx="1">
+            <a:schemeClr val="accent3"/>
+          </a:fillRef>
+          <a:effectRef idx="0">
+            <a:schemeClr val="accent3"/>
+          </a:effectRef>
+          <a:fontRef idx="minor">
+            <a:schemeClr val="lt1"/>
+          </a:fontRef>
+        </p:style>
+        <p:txBody>
+          <a:bodyPr rtlCol="0" anchor="ctr"/>
+          <a:lstStyle/>
+          <a:p>
+            <a:pPr algn="ctr"/>
+            <a:r>
+              <a:rPr lang="ja-JP" altLang="en-US" sz="3200" dirty="0">
+                <a:latin typeface="YuKyokasho Medium" panose="02000500000000000000" pitchFamily="2" charset="-128"/>
+                <a:ea typeface="YuKyokasho Medium" panose="02000500000000000000" pitchFamily="2" charset="-128"/>
+                <a:cs typeface="ヒラギノ丸ゴ ProN W4"/>
+              </a:rPr>
+              <a:t>終了</a:t>
+            </a:r>
+            <a:endParaRPr kumimoji="1" lang="ja-JP" altLang="en-US" sz="3200" dirty="0">
+              <a:latin typeface="YuKyokasho Medium" panose="02000500000000000000" pitchFamily="2" charset="-128"/>
+              <a:ea typeface="YuKyokasho Medium" panose="02000500000000000000" pitchFamily="2" charset="-128"/>
+              <a:cs typeface="ヒラギノ丸ゴ ProN W4"/>
+            </a:endParaRPr>
+          </a:p>
+        </p:txBody>
+      </p:sp>
+      <p:sp>
+        <p:nvSpPr>
+          <p:cNvPr id="5" name="テキスト ボックス 4"/>
+          <p:cNvSpPr txBox="1"/>
+          <p:nvPr/>
+        </p:nvSpPr>
+        <p:spPr>
+          <a:xfrm>
+            <a:off x="2916464" y="1460500"/>
+            <a:ext cx="3311072" cy="523220"/>
+          </a:xfrm>
+          <a:prstGeom prst="rect">
+            <a:avLst/>
+          </a:prstGeom>
+          <a:noFill/>
+        </p:spPr>
+        <p:txBody>
+          <a:bodyPr wrap="square" rtlCol="0">
+            <a:spAutoFit/>
+          </a:bodyPr>
+          <a:lstStyle/>
+          <a:p>
+            <a:pPr algn="ctr"/>
+            <a:r>
+              <a:rPr lang="ja-JP" altLang="en-US" sz="2800" dirty="0">
+                <a:latin typeface="YuKyokasho Medium" panose="02000500000000000000" pitchFamily="2" charset="-128"/>
+                <a:ea typeface="YuKyokasho Medium" panose="02000500000000000000" pitchFamily="2" charset="-128"/>
+                <a:cs typeface="ヒラギノ丸ゴ ProN W4"/>
+              </a:rPr>
+              <a:t>片付け</a:t>
+            </a:r>
+            <a:endParaRPr kumimoji="1" lang="ja-JP" altLang="en-US" sz="2800" dirty="0">
+              <a:latin typeface="YuKyokasho Medium" panose="02000500000000000000" pitchFamily="2" charset="-128"/>
+              <a:ea typeface="YuKyokasho Medium" panose="02000500000000000000" pitchFamily="2" charset="-128"/>
+              <a:cs typeface="ヒラギノ丸ゴ ProN W4"/>
+            </a:endParaRPr>
+          </a:p>
+        </p:txBody>
+      </p:sp>
+      <p:sp>
+        <p:nvSpPr>
+          <p:cNvPr id="8" name="テキスト ボックス 7">
+            <a:extLst>
+              <a:ext uri="{FF2B5EF4-FFF2-40B4-BE49-F238E27FC236}">
+                <a16:creationId xmlns:a16="http://schemas.microsoft.com/office/drawing/2014/main" id="{D9582873-3548-A54D-BE66-4D003646D8A9}"/>
+              </a:ext>
+            </a:extLst>
+          </p:cNvPr>
+          <p:cNvSpPr txBox="1"/>
+          <p:nvPr/>
+        </p:nvSpPr>
+        <p:spPr>
+          <a:xfrm>
+            <a:off x="340242" y="446567"/>
+            <a:ext cx="1701209" cy="369332"/>
+          </a:xfrm>
+          <a:prstGeom prst="rect">
+            <a:avLst/>
+          </a:prstGeom>
+          <a:noFill/>
+        </p:spPr>
+        <p:txBody>
+          <a:bodyPr wrap="square" rtlCol="0">
+            <a:spAutoFit/>
+          </a:bodyPr>
+          <a:lstStyle/>
+          <a:p>
+            <a:r>
+              <a:rPr lang="en-US" altLang="ja-JP" dirty="0" err="1"/>
+              <a:t>T</a:t>
+            </a:r>
+            <a:r>
+              <a:rPr kumimoji="1" lang="en-US" altLang="ja-JP" dirty="0" err="1"/>
+              <a:t>imerActivity</a:t>
+            </a:r>
+            <a:endParaRPr kumimoji="1" lang="ja-JP" altLang="en-US" dirty="0"/>
+          </a:p>
+        </p:txBody>
+      </p:sp>
+    </p:spTree>
+    <p:extLst>
+      <p:ext uri="{BB962C8B-B14F-4D97-AF65-F5344CB8AC3E}">
+        <p14:creationId xmlns:p14="http://schemas.microsoft.com/office/powerpoint/2010/main" val="817860856"/>
+      </p:ext>
+    </p:extLst>
+  </p:cSld>
+  <p:clrMapOvr>
+    <a:masterClrMapping/>
+  </p:clrMapOvr>
+</p:sld>
+</file>
+
+<file path=ppt/slides/slide12.xml><?xml version="1.0" encoding="utf-8"?>
+<p:sld xmlns:a="http://schemas.openxmlformats.org/drawingml/2006/main" xmlns:r="http://schemas.openxmlformats.org/officeDocument/2006/relationships" xmlns:p="http://schemas.openxmlformats.org/presentationml/2006/main">
+  <p:cSld>
+    <p:spTree>
+      <p:nvGrpSpPr>
+        <p:cNvPr id="1" name=""/>
+        <p:cNvGrpSpPr/>
+        <p:nvPr/>
+      </p:nvGrpSpPr>
+      <p:grpSpPr>
+        <a:xfrm>
+          <a:off x="0" y="0"/>
+          <a:ext cx="0" cy="0"/>
+          <a:chOff x="0" y="0"/>
+          <a:chExt cx="0" cy="0"/>
+        </a:xfrm>
+      </p:grpSpPr>
+      <p:sp>
+        <p:nvSpPr>
+          <p:cNvPr id="2" name="正方形/長方形 1"/>
+          <p:cNvSpPr/>
+          <p:nvPr/>
+        </p:nvSpPr>
+        <p:spPr>
+          <a:xfrm>
+            <a:off x="2702034" y="564226"/>
+            <a:ext cx="3739931" cy="5728138"/>
+          </a:xfrm>
+          <a:prstGeom prst="rect">
+            <a:avLst/>
+          </a:prstGeom>
+          <a:solidFill>
             <a:srgbClr val="CD5E3C">
               <a:alpha val="21176"/>
             </a:srgbClr>
@@ -3880,7 +5088,7 @@
 </p:sld>
 </file>
 
-<file path=ppt/slides/slide11.xml><?xml version="1.0" encoding="utf-8"?>
+<file path=ppt/slides/slide13.xml><?xml version="1.0" encoding="utf-8"?>
 <p:sld xmlns:a="http://schemas.openxmlformats.org/drawingml/2006/main" xmlns:r="http://schemas.openxmlformats.org/officeDocument/2006/relationships" xmlns:p="http://schemas.openxmlformats.org/presentationml/2006/main">
   <p:cSld>
     <p:spTree>
@@ -4581,790 +5789,6 @@
 </p:sld>
 </file>
 
-<file path=ppt/slides/slide12.xml><?xml version="1.0" encoding="utf-8"?>
-<p:sld xmlns:a="http://schemas.openxmlformats.org/drawingml/2006/main" xmlns:r="http://schemas.openxmlformats.org/officeDocument/2006/relationships" xmlns:p="http://schemas.openxmlformats.org/presentationml/2006/main">
-  <p:cSld>
-    <p:spTree>
-      <p:nvGrpSpPr>
-        <p:cNvPr id="1" name=""/>
-        <p:cNvGrpSpPr/>
-        <p:nvPr/>
-      </p:nvGrpSpPr>
-      <p:grpSpPr>
-        <a:xfrm>
-          <a:off x="0" y="0"/>
-          <a:ext cx="0" cy="0"/>
-          <a:chOff x="0" y="0"/>
-          <a:chExt cx="0" cy="0"/>
-        </a:xfrm>
-      </p:grpSpPr>
-      <p:sp>
-        <p:nvSpPr>
-          <p:cNvPr id="2" name="正方形/長方形 1"/>
-          <p:cNvSpPr/>
-          <p:nvPr/>
-        </p:nvSpPr>
-        <p:spPr>
-          <a:xfrm>
-            <a:off x="2671553" y="564226"/>
-            <a:ext cx="3739931" cy="5728138"/>
-          </a:xfrm>
-          <a:prstGeom prst="rect">
-            <a:avLst/>
-          </a:prstGeom>
-          <a:solidFill>
-            <a:srgbClr val="FFFFFF"/>
-          </a:solidFill>
-          <a:ln>
-            <a:solidFill>
-              <a:schemeClr val="tx1"/>
-            </a:solidFill>
-          </a:ln>
-        </p:spPr>
-        <p:style>
-          <a:lnRef idx="2">
-            <a:schemeClr val="accent3">
-              <a:shade val="50000"/>
-            </a:schemeClr>
-          </a:lnRef>
-          <a:fillRef idx="1">
-            <a:schemeClr val="accent3"/>
-          </a:fillRef>
-          <a:effectRef idx="0">
-            <a:schemeClr val="accent3"/>
-          </a:effectRef>
-          <a:fontRef idx="minor">
-            <a:schemeClr val="lt1"/>
-          </a:fontRef>
-        </p:style>
-        <p:txBody>
-          <a:bodyPr rtlCol="0" anchor="ctr"/>
-          <a:lstStyle/>
-          <a:p>
-            <a:pPr algn="ctr"/>
-            <a:endParaRPr kumimoji="1" lang="ja-JP" altLang="en-US"/>
-          </a:p>
-        </p:txBody>
-      </p:sp>
-      <p:sp>
-        <p:nvSpPr>
-          <p:cNvPr id="3" name="正方形/長方形 2"/>
-          <p:cNvSpPr/>
-          <p:nvPr/>
-        </p:nvSpPr>
-        <p:spPr>
-          <a:xfrm>
-            <a:off x="2667197" y="576880"/>
-            <a:ext cx="3739931" cy="506204"/>
-          </a:xfrm>
-          <a:prstGeom prst="rect">
-            <a:avLst/>
-          </a:prstGeom>
-          <a:solidFill>
-            <a:schemeClr val="tx1"/>
-          </a:solidFill>
-          <a:ln>
-            <a:noFill/>
-          </a:ln>
-        </p:spPr>
-        <p:style>
-          <a:lnRef idx="2">
-            <a:schemeClr val="accent6">
-              <a:shade val="50000"/>
-            </a:schemeClr>
-          </a:lnRef>
-          <a:fillRef idx="1">
-            <a:schemeClr val="accent6"/>
-          </a:fillRef>
-          <a:effectRef idx="0">
-            <a:schemeClr val="accent6"/>
-          </a:effectRef>
-          <a:fontRef idx="minor">
-            <a:schemeClr val="lt1"/>
-          </a:fontRef>
-        </p:style>
-        <p:txBody>
-          <a:bodyPr rtlCol="0" anchor="ctr"/>
-          <a:lstStyle/>
-          <a:p>
-            <a:pPr algn="ctr"/>
-            <a:r>
-              <a:rPr kumimoji="1" lang="ja-JP" altLang="en-US" dirty="0"/>
-              <a:t>記録画面</a:t>
-            </a:r>
-          </a:p>
-        </p:txBody>
-      </p:sp>
-      <p:sp>
-        <p:nvSpPr>
-          <p:cNvPr id="12" name="角丸四角形 11">
-            <a:extLst>
-              <a:ext uri="{FF2B5EF4-FFF2-40B4-BE49-F238E27FC236}">
-                <a16:creationId xmlns:a16="http://schemas.microsoft.com/office/drawing/2014/main" id="{F0AC3E38-372B-154F-96BC-030809403ACC}"/>
-              </a:ext>
-            </a:extLst>
-          </p:cNvPr>
-          <p:cNvSpPr/>
-          <p:nvPr/>
-        </p:nvSpPr>
-        <p:spPr>
-          <a:xfrm>
-            <a:off x="2864211" y="2083889"/>
-            <a:ext cx="3311072" cy="997856"/>
-          </a:xfrm>
-          <a:prstGeom prst="roundRect">
-            <a:avLst/>
-          </a:prstGeom>
-        </p:spPr>
-        <p:style>
-          <a:lnRef idx="2">
-            <a:schemeClr val="accent3">
-              <a:shade val="50000"/>
-            </a:schemeClr>
-          </a:lnRef>
-          <a:fillRef idx="1">
-            <a:schemeClr val="accent3"/>
-          </a:fillRef>
-          <a:effectRef idx="0">
-            <a:schemeClr val="accent3"/>
-          </a:effectRef>
-          <a:fontRef idx="minor">
-            <a:schemeClr val="lt1"/>
-          </a:fontRef>
-        </p:style>
-        <p:txBody>
-          <a:bodyPr rtlCol="0" anchor="ctr"/>
-          <a:lstStyle/>
-          <a:p>
-            <a:pPr algn="ctr"/>
-            <a:r>
-              <a:rPr lang="ja-JP" altLang="en-US" sz="3200" dirty="0">
-                <a:latin typeface="YuKyokasho Medium" panose="02000500000000000000" pitchFamily="2" charset="-128"/>
-                <a:ea typeface="YuKyokasho Medium" panose="02000500000000000000" pitchFamily="2" charset="-128"/>
-                <a:cs typeface="ヒラギノ丸ゴ ProN W4"/>
-              </a:rPr>
-              <a:t>新規記録</a:t>
-            </a:r>
-            <a:endParaRPr kumimoji="1" lang="ja-JP" altLang="en-US" sz="3200" dirty="0">
-              <a:latin typeface="YuKyokasho Medium" panose="02000500000000000000" pitchFamily="2" charset="-128"/>
-              <a:ea typeface="YuKyokasho Medium" panose="02000500000000000000" pitchFamily="2" charset="-128"/>
-              <a:cs typeface="ヒラギノ丸ゴ ProN W4"/>
-            </a:endParaRPr>
-          </a:p>
-        </p:txBody>
-      </p:sp>
-      <p:sp>
-        <p:nvSpPr>
-          <p:cNvPr id="14" name="角丸四角形 13">
-            <a:extLst>
-              <a:ext uri="{FF2B5EF4-FFF2-40B4-BE49-F238E27FC236}">
-                <a16:creationId xmlns:a16="http://schemas.microsoft.com/office/drawing/2014/main" id="{BF79AEDF-D7B9-6144-B15F-3714ACE17152}"/>
-              </a:ext>
-            </a:extLst>
-          </p:cNvPr>
-          <p:cNvSpPr/>
-          <p:nvPr/>
-        </p:nvSpPr>
-        <p:spPr>
-          <a:xfrm>
-            <a:off x="2864211" y="3233421"/>
-            <a:ext cx="3311072" cy="997856"/>
-          </a:xfrm>
-          <a:prstGeom prst="roundRect">
-            <a:avLst/>
-          </a:prstGeom>
-        </p:spPr>
-        <p:style>
-          <a:lnRef idx="2">
-            <a:schemeClr val="accent3">
-              <a:shade val="50000"/>
-            </a:schemeClr>
-          </a:lnRef>
-          <a:fillRef idx="1">
-            <a:schemeClr val="accent3"/>
-          </a:fillRef>
-          <a:effectRef idx="0">
-            <a:schemeClr val="accent3"/>
-          </a:effectRef>
-          <a:fontRef idx="minor">
-            <a:schemeClr val="lt1"/>
-          </a:fontRef>
-        </p:style>
-        <p:txBody>
-          <a:bodyPr rtlCol="0" anchor="ctr"/>
-          <a:lstStyle/>
-          <a:p>
-            <a:pPr algn="ctr"/>
-            <a:r>
-              <a:rPr lang="ja-JP" altLang="en-US" sz="3200" dirty="0">
-                <a:latin typeface="YuKyokasho Medium" panose="02000500000000000000" pitchFamily="2" charset="-128"/>
-                <a:ea typeface="YuKyokasho Medium" panose="02000500000000000000" pitchFamily="2" charset="-128"/>
-                <a:cs typeface="ヒラギノ丸ゴ ProN W4"/>
-              </a:rPr>
-              <a:t>記録追加</a:t>
-            </a:r>
-            <a:endParaRPr kumimoji="1" lang="ja-JP" altLang="en-US" sz="3200" dirty="0">
-              <a:latin typeface="YuKyokasho Medium" panose="02000500000000000000" pitchFamily="2" charset="-128"/>
-              <a:ea typeface="YuKyokasho Medium" panose="02000500000000000000" pitchFamily="2" charset="-128"/>
-              <a:cs typeface="ヒラギノ丸ゴ ProN W4"/>
-            </a:endParaRPr>
-          </a:p>
-        </p:txBody>
-      </p:sp>
-      <p:sp>
-        <p:nvSpPr>
-          <p:cNvPr id="18" name="角丸四角形 17">
-            <a:extLst>
-              <a:ext uri="{FF2B5EF4-FFF2-40B4-BE49-F238E27FC236}">
-                <a16:creationId xmlns:a16="http://schemas.microsoft.com/office/drawing/2014/main" id="{0F4C96EB-EE41-C94D-8715-758201B54E33}"/>
-              </a:ext>
-            </a:extLst>
-          </p:cNvPr>
-          <p:cNvSpPr/>
-          <p:nvPr/>
-        </p:nvSpPr>
-        <p:spPr>
-          <a:xfrm>
-            <a:off x="4664279" y="5584442"/>
-            <a:ext cx="1511003" cy="522507"/>
-          </a:xfrm>
-          <a:prstGeom prst="roundRect">
-            <a:avLst/>
-          </a:prstGeom>
-        </p:spPr>
-        <p:style>
-          <a:lnRef idx="2">
-            <a:schemeClr val="accent3">
-              <a:shade val="50000"/>
-            </a:schemeClr>
-          </a:lnRef>
-          <a:fillRef idx="1">
-            <a:schemeClr val="accent3"/>
-          </a:fillRef>
-          <a:effectRef idx="0">
-            <a:schemeClr val="accent3"/>
-          </a:effectRef>
-          <a:fontRef idx="minor">
-            <a:schemeClr val="lt1"/>
-          </a:fontRef>
-        </p:style>
-        <p:txBody>
-          <a:bodyPr rtlCol="0" anchor="ctr"/>
-          <a:lstStyle/>
-          <a:p>
-            <a:pPr algn="ctr"/>
-            <a:r>
-              <a:rPr lang="ja-JP" altLang="en-US" sz="3200" dirty="0">
-                <a:latin typeface="YuKyokasho Medium" panose="02000500000000000000" pitchFamily="2" charset="-128"/>
-                <a:ea typeface="YuKyokasho Medium" panose="02000500000000000000" pitchFamily="2" charset="-128"/>
-                <a:cs typeface="ヒラギノ丸ゴ ProN W4"/>
-              </a:rPr>
-              <a:t>戻る</a:t>
-            </a:r>
-            <a:endParaRPr kumimoji="1" lang="ja-JP" altLang="en-US" sz="3200" dirty="0">
-              <a:latin typeface="YuKyokasho Medium" panose="02000500000000000000" pitchFamily="2" charset="-128"/>
-              <a:ea typeface="YuKyokasho Medium" panose="02000500000000000000" pitchFamily="2" charset="-128"/>
-              <a:cs typeface="ヒラギノ丸ゴ ProN W4"/>
-            </a:endParaRPr>
-          </a:p>
-        </p:txBody>
-      </p:sp>
-      <p:sp>
-        <p:nvSpPr>
-          <p:cNvPr id="10" name="テキスト ボックス 9">
-            <a:extLst>
-              <a:ext uri="{FF2B5EF4-FFF2-40B4-BE49-F238E27FC236}">
-                <a16:creationId xmlns:a16="http://schemas.microsoft.com/office/drawing/2014/main" id="{8C74CC2D-FE36-4946-894F-6FEDC1ACDB4B}"/>
-              </a:ext>
-            </a:extLst>
-          </p:cNvPr>
-          <p:cNvSpPr txBox="1"/>
-          <p:nvPr/>
-        </p:nvSpPr>
-        <p:spPr>
-          <a:xfrm>
-            <a:off x="6714309" y="3081745"/>
-            <a:ext cx="2133600" cy="646331"/>
-          </a:xfrm>
-          <a:prstGeom prst="rect">
-            <a:avLst/>
-          </a:prstGeom>
-          <a:noFill/>
-        </p:spPr>
-        <p:txBody>
-          <a:bodyPr wrap="square" rtlCol="0">
-            <a:spAutoFit/>
-          </a:bodyPr>
-          <a:lstStyle/>
-          <a:p>
-            <a:r>
-              <a:rPr kumimoji="1" lang="ja-JP" altLang="en-US" dirty="0"/>
-              <a:t>記録をメールで送信できるようにする</a:t>
-            </a:r>
-          </a:p>
-        </p:txBody>
-      </p:sp>
-      <p:sp>
-        <p:nvSpPr>
-          <p:cNvPr id="9" name="テキスト ボックス 8">
-            <a:extLst>
-              <a:ext uri="{FF2B5EF4-FFF2-40B4-BE49-F238E27FC236}">
-                <a16:creationId xmlns:a16="http://schemas.microsoft.com/office/drawing/2014/main" id="{1DE590DC-1C8C-EE41-BEC4-78105371F09B}"/>
-              </a:ext>
-            </a:extLst>
-          </p:cNvPr>
-          <p:cNvSpPr txBox="1"/>
-          <p:nvPr/>
-        </p:nvSpPr>
-        <p:spPr>
-          <a:xfrm>
-            <a:off x="340242" y="446567"/>
-            <a:ext cx="2211572" cy="369332"/>
-          </a:xfrm>
-          <a:prstGeom prst="rect">
-            <a:avLst/>
-          </a:prstGeom>
-          <a:noFill/>
-        </p:spPr>
-        <p:txBody>
-          <a:bodyPr wrap="square" rtlCol="0">
-            <a:spAutoFit/>
-          </a:bodyPr>
-          <a:lstStyle/>
-          <a:p>
-            <a:r>
-              <a:rPr kumimoji="1" lang="en-US" altLang="ja-JP" dirty="0" err="1"/>
-              <a:t>RecordScreenActivity</a:t>
-            </a:r>
-            <a:endParaRPr kumimoji="1" lang="ja-JP" altLang="en-US" dirty="0"/>
-          </a:p>
-        </p:txBody>
-      </p:sp>
-    </p:spTree>
-    <p:extLst>
-      <p:ext uri="{BB962C8B-B14F-4D97-AF65-F5344CB8AC3E}">
-        <p14:creationId xmlns:p14="http://schemas.microsoft.com/office/powerpoint/2010/main" val="737021115"/>
-      </p:ext>
-    </p:extLst>
-  </p:cSld>
-  <p:clrMapOvr>
-    <a:masterClrMapping/>
-  </p:clrMapOvr>
-</p:sld>
-</file>
-
-<file path=ppt/slides/slide13.xml><?xml version="1.0" encoding="utf-8"?>
-<p:sld xmlns:a="http://schemas.openxmlformats.org/drawingml/2006/main" xmlns:r="http://schemas.openxmlformats.org/officeDocument/2006/relationships" xmlns:p="http://schemas.openxmlformats.org/presentationml/2006/main">
-  <p:cSld>
-    <p:spTree>
-      <p:nvGrpSpPr>
-        <p:cNvPr id="1" name=""/>
-        <p:cNvGrpSpPr/>
-        <p:nvPr/>
-      </p:nvGrpSpPr>
-      <p:grpSpPr>
-        <a:xfrm>
-          <a:off x="0" y="0"/>
-          <a:ext cx="0" cy="0"/>
-          <a:chOff x="0" y="0"/>
-          <a:chExt cx="0" cy="0"/>
-        </a:xfrm>
-      </p:grpSpPr>
-      <p:sp>
-        <p:nvSpPr>
-          <p:cNvPr id="2" name="正方形/長方形 1"/>
-          <p:cNvSpPr/>
-          <p:nvPr/>
-        </p:nvSpPr>
-        <p:spPr>
-          <a:xfrm>
-            <a:off x="2671553" y="564226"/>
-            <a:ext cx="3739931" cy="5728138"/>
-          </a:xfrm>
-          <a:prstGeom prst="rect">
-            <a:avLst/>
-          </a:prstGeom>
-          <a:solidFill>
-            <a:srgbClr val="FFFFFF"/>
-          </a:solidFill>
-          <a:ln>
-            <a:solidFill>
-              <a:schemeClr val="tx1"/>
-            </a:solidFill>
-          </a:ln>
-        </p:spPr>
-        <p:style>
-          <a:lnRef idx="2">
-            <a:schemeClr val="accent3">
-              <a:shade val="50000"/>
-            </a:schemeClr>
-          </a:lnRef>
-          <a:fillRef idx="1">
-            <a:schemeClr val="accent3"/>
-          </a:fillRef>
-          <a:effectRef idx="0">
-            <a:schemeClr val="accent3"/>
-          </a:effectRef>
-          <a:fontRef idx="minor">
-            <a:schemeClr val="lt1"/>
-          </a:fontRef>
-        </p:style>
-        <p:txBody>
-          <a:bodyPr rtlCol="0" anchor="ctr"/>
-          <a:lstStyle/>
-          <a:p>
-            <a:pPr algn="ctr"/>
-            <a:endParaRPr kumimoji="1" lang="ja-JP" altLang="en-US"/>
-          </a:p>
-        </p:txBody>
-      </p:sp>
-      <p:sp>
-        <p:nvSpPr>
-          <p:cNvPr id="3" name="正方形/長方形 2"/>
-          <p:cNvSpPr/>
-          <p:nvPr/>
-        </p:nvSpPr>
-        <p:spPr>
-          <a:xfrm>
-            <a:off x="2667197" y="576880"/>
-            <a:ext cx="3739931" cy="506204"/>
-          </a:xfrm>
-          <a:prstGeom prst="rect">
-            <a:avLst/>
-          </a:prstGeom>
-          <a:solidFill>
-            <a:schemeClr val="tx1"/>
-          </a:solidFill>
-          <a:ln>
-            <a:noFill/>
-          </a:ln>
-        </p:spPr>
-        <p:style>
-          <a:lnRef idx="2">
-            <a:schemeClr val="accent6">
-              <a:shade val="50000"/>
-            </a:schemeClr>
-          </a:lnRef>
-          <a:fillRef idx="1">
-            <a:schemeClr val="accent6"/>
-          </a:fillRef>
-          <a:effectRef idx="0">
-            <a:schemeClr val="accent6"/>
-          </a:effectRef>
-          <a:fontRef idx="minor">
-            <a:schemeClr val="lt1"/>
-          </a:fontRef>
-        </p:style>
-        <p:txBody>
-          <a:bodyPr rtlCol="0" anchor="ctr"/>
-          <a:lstStyle/>
-          <a:p>
-            <a:pPr algn="ctr"/>
-            <a:r>
-              <a:rPr kumimoji="1" lang="ja-JP" altLang="en-US" dirty="0"/>
-              <a:t>記録画面</a:t>
-            </a:r>
-          </a:p>
-        </p:txBody>
-      </p:sp>
-      <p:sp>
-        <p:nvSpPr>
-          <p:cNvPr id="7" name="角丸四角形 6">
-            <a:extLst>
-              <a:ext uri="{FF2B5EF4-FFF2-40B4-BE49-F238E27FC236}">
-                <a16:creationId xmlns:a16="http://schemas.microsoft.com/office/drawing/2014/main" id="{F5D04241-D042-FD40-B06D-37BE540E39DF}"/>
-              </a:ext>
-            </a:extLst>
-          </p:cNvPr>
-          <p:cNvSpPr/>
-          <p:nvPr/>
-        </p:nvSpPr>
-        <p:spPr>
-          <a:xfrm>
-            <a:off x="2978093" y="4670391"/>
-            <a:ext cx="3118138" cy="522507"/>
-          </a:xfrm>
-          <a:prstGeom prst="roundRect">
-            <a:avLst/>
-          </a:prstGeom>
-        </p:spPr>
-        <p:style>
-          <a:lnRef idx="2">
-            <a:schemeClr val="accent3">
-              <a:shade val="50000"/>
-            </a:schemeClr>
-          </a:lnRef>
-          <a:fillRef idx="1">
-            <a:schemeClr val="accent3"/>
-          </a:fillRef>
-          <a:effectRef idx="0">
-            <a:schemeClr val="accent3"/>
-          </a:effectRef>
-          <a:fontRef idx="minor">
-            <a:schemeClr val="lt1"/>
-          </a:fontRef>
-        </p:style>
-        <p:txBody>
-          <a:bodyPr rtlCol="0" anchor="ctr"/>
-          <a:lstStyle/>
-          <a:p>
-            <a:pPr algn="ctr"/>
-            <a:r>
-              <a:rPr lang="ja-JP" altLang="en-US" sz="3200" dirty="0">
-                <a:latin typeface="YuKyokasho Medium" panose="02000500000000000000" pitchFamily="2" charset="-128"/>
-                <a:ea typeface="YuKyokasho Medium" panose="02000500000000000000" pitchFamily="2" charset="-128"/>
-                <a:cs typeface="ヒラギノ丸ゴ ProN W4"/>
-              </a:rPr>
-              <a:t>記録する</a:t>
-            </a:r>
-            <a:endParaRPr kumimoji="1" lang="ja-JP" altLang="en-US" sz="3200" dirty="0">
-              <a:latin typeface="YuKyokasho Medium" panose="02000500000000000000" pitchFamily="2" charset="-128"/>
-              <a:ea typeface="YuKyokasho Medium" panose="02000500000000000000" pitchFamily="2" charset="-128"/>
-              <a:cs typeface="ヒラギノ丸ゴ ProN W4"/>
-            </a:endParaRPr>
-          </a:p>
-        </p:txBody>
-      </p:sp>
-      <p:sp>
-        <p:nvSpPr>
-          <p:cNvPr id="9" name="テキスト ボックス 8">
-            <a:extLst>
-              <a:ext uri="{FF2B5EF4-FFF2-40B4-BE49-F238E27FC236}">
-                <a16:creationId xmlns:a16="http://schemas.microsoft.com/office/drawing/2014/main" id="{5EDA3806-C358-3E4E-8791-A387163EDBF4}"/>
-              </a:ext>
-            </a:extLst>
-          </p:cNvPr>
-          <p:cNvSpPr txBox="1"/>
-          <p:nvPr/>
-        </p:nvSpPr>
-        <p:spPr>
-          <a:xfrm>
-            <a:off x="205436" y="564226"/>
-            <a:ext cx="1701209" cy="369332"/>
-          </a:xfrm>
-          <a:prstGeom prst="rect">
-            <a:avLst/>
-          </a:prstGeom>
-          <a:noFill/>
-        </p:spPr>
-        <p:txBody>
-          <a:bodyPr wrap="square" rtlCol="0">
-            <a:spAutoFit/>
-          </a:bodyPr>
-          <a:lstStyle/>
-          <a:p>
-            <a:r>
-              <a:rPr kumimoji="1" lang="en-US" altLang="ja-JP" dirty="0" err="1"/>
-              <a:t>RecordActivity</a:t>
-            </a:r>
-            <a:endParaRPr kumimoji="1" lang="ja-JP" altLang="en-US" dirty="0"/>
-          </a:p>
-        </p:txBody>
-      </p:sp>
-      <p:sp>
-        <p:nvSpPr>
-          <p:cNvPr id="10" name="角丸四角形 9">
-            <a:extLst>
-              <a:ext uri="{FF2B5EF4-FFF2-40B4-BE49-F238E27FC236}">
-                <a16:creationId xmlns:a16="http://schemas.microsoft.com/office/drawing/2014/main" id="{C3BD2B02-40BC-EB4A-8355-096270262B70}"/>
-              </a:ext>
-            </a:extLst>
-          </p:cNvPr>
-          <p:cNvSpPr/>
-          <p:nvPr/>
-        </p:nvSpPr>
-        <p:spPr>
-          <a:xfrm>
-            <a:off x="2978092" y="5481377"/>
-            <a:ext cx="3118138" cy="522507"/>
-          </a:xfrm>
-          <a:prstGeom prst="roundRect">
-            <a:avLst/>
-          </a:prstGeom>
-        </p:spPr>
-        <p:style>
-          <a:lnRef idx="2">
-            <a:schemeClr val="accent3">
-              <a:shade val="50000"/>
-            </a:schemeClr>
-          </a:lnRef>
-          <a:fillRef idx="1">
-            <a:schemeClr val="accent3"/>
-          </a:fillRef>
-          <a:effectRef idx="0">
-            <a:schemeClr val="accent3"/>
-          </a:effectRef>
-          <a:fontRef idx="minor">
-            <a:schemeClr val="lt1"/>
-          </a:fontRef>
-        </p:style>
-        <p:txBody>
-          <a:bodyPr rtlCol="0" anchor="ctr"/>
-          <a:lstStyle/>
-          <a:p>
-            <a:pPr algn="ctr"/>
-            <a:r>
-              <a:rPr lang="ja-JP" altLang="en-US" sz="3200" dirty="0">
-                <a:latin typeface="YuKyokasho Medium" panose="02000500000000000000" pitchFamily="2" charset="-128"/>
-                <a:ea typeface="YuKyokasho Medium" panose="02000500000000000000" pitchFamily="2" charset="-128"/>
-                <a:cs typeface="ヒラギノ丸ゴ ProN W4"/>
-              </a:rPr>
-              <a:t>戻る</a:t>
-            </a:r>
-            <a:endParaRPr kumimoji="1" lang="ja-JP" altLang="en-US" sz="3200" dirty="0">
-              <a:latin typeface="YuKyokasho Medium" panose="02000500000000000000" pitchFamily="2" charset="-128"/>
-              <a:ea typeface="YuKyokasho Medium" panose="02000500000000000000" pitchFamily="2" charset="-128"/>
-              <a:cs typeface="ヒラギノ丸ゴ ProN W4"/>
-            </a:endParaRPr>
-          </a:p>
-        </p:txBody>
-      </p:sp>
-      <p:sp>
-        <p:nvSpPr>
-          <p:cNvPr id="12" name="テキスト ボックス 11">
-            <a:extLst>
-              <a:ext uri="{FF2B5EF4-FFF2-40B4-BE49-F238E27FC236}">
-                <a16:creationId xmlns:a16="http://schemas.microsoft.com/office/drawing/2014/main" id="{94C003B2-1378-444E-B2D8-0ECEBB30D176}"/>
-              </a:ext>
-            </a:extLst>
-          </p:cNvPr>
-          <p:cNvSpPr txBox="1"/>
-          <p:nvPr/>
-        </p:nvSpPr>
-        <p:spPr>
-          <a:xfrm>
-            <a:off x="2916464" y="1913345"/>
-            <a:ext cx="3311072" cy="523220"/>
-          </a:xfrm>
-          <a:prstGeom prst="rect">
-            <a:avLst/>
-          </a:prstGeom>
-          <a:solidFill>
-            <a:schemeClr val="bg1"/>
-          </a:solidFill>
-          <a:ln/>
-        </p:spPr>
-        <p:style>
-          <a:lnRef idx="2">
-            <a:schemeClr val="accent3">
-              <a:shade val="50000"/>
-            </a:schemeClr>
-          </a:lnRef>
-          <a:fillRef idx="1">
-            <a:schemeClr val="accent3"/>
-          </a:fillRef>
-          <a:effectRef idx="0">
-            <a:schemeClr val="accent3"/>
-          </a:effectRef>
-          <a:fontRef idx="minor">
-            <a:schemeClr val="lt1"/>
-          </a:fontRef>
-        </p:style>
-        <p:txBody>
-          <a:bodyPr wrap="square" rtlCol="0">
-            <a:spAutoFit/>
-          </a:bodyPr>
-          <a:lstStyle/>
-          <a:p>
-            <a:r>
-              <a:rPr kumimoji="1" lang="en-US" altLang="ja-JP" sz="2800" dirty="0">
-                <a:solidFill>
-                  <a:sysClr val="windowText" lastClr="000000"/>
-                </a:solidFill>
-                <a:latin typeface="YuKyokasho Medium" panose="02000500000000000000" pitchFamily="2" charset="-128"/>
-                <a:ea typeface="YuKyokasho Medium" panose="02000500000000000000" pitchFamily="2" charset="-128"/>
-                <a:cs typeface="ヒラギノ丸ゴ ProN W4"/>
-              </a:rPr>
-              <a:t>      </a:t>
-            </a:r>
-            <a:r>
-              <a:rPr kumimoji="1" lang="ja-JP" altLang="en-US" sz="2800" dirty="0">
-                <a:solidFill>
-                  <a:sysClr val="windowText" lastClr="000000"/>
-                </a:solidFill>
-                <a:latin typeface="YuKyokasho Medium" panose="02000500000000000000" pitchFamily="2" charset="-128"/>
-                <a:ea typeface="YuKyokasho Medium" panose="02000500000000000000" pitchFamily="2" charset="-128"/>
-                <a:cs typeface="ヒラギノ丸ゴ ProN W4"/>
-              </a:rPr>
-              <a:t>登録者名</a:t>
-            </a:r>
-          </a:p>
-        </p:txBody>
-      </p:sp>
-      <p:sp>
-        <p:nvSpPr>
-          <p:cNvPr id="13" name="テキスト ボックス 12">
-            <a:extLst>
-              <a:ext uri="{FF2B5EF4-FFF2-40B4-BE49-F238E27FC236}">
-                <a16:creationId xmlns:a16="http://schemas.microsoft.com/office/drawing/2014/main" id="{23242B1C-E5BF-814A-931B-542C3CCD9BD2}"/>
-              </a:ext>
-            </a:extLst>
-          </p:cNvPr>
-          <p:cNvSpPr txBox="1"/>
-          <p:nvPr/>
-        </p:nvSpPr>
-        <p:spPr>
-          <a:xfrm>
-            <a:off x="2916464" y="1913345"/>
-            <a:ext cx="732747" cy="523220"/>
-          </a:xfrm>
-          <a:prstGeom prst="rect">
-            <a:avLst/>
-          </a:prstGeom>
-          <a:ln/>
-        </p:spPr>
-        <p:style>
-          <a:lnRef idx="2">
-            <a:schemeClr val="accent3">
-              <a:shade val="50000"/>
-            </a:schemeClr>
-          </a:lnRef>
-          <a:fillRef idx="1">
-            <a:schemeClr val="accent3"/>
-          </a:fillRef>
-          <a:effectRef idx="0">
-            <a:schemeClr val="accent3"/>
-          </a:effectRef>
-          <a:fontRef idx="minor">
-            <a:schemeClr val="lt1"/>
-          </a:fontRef>
-        </p:style>
-        <p:txBody>
-          <a:bodyPr wrap="square" lIns="0" rIns="0" rtlCol="0">
-            <a:spAutoFit/>
-          </a:bodyPr>
-          <a:lstStyle/>
-          <a:p>
-            <a:pPr algn="ctr"/>
-            <a:r>
-              <a:rPr lang="ja-JP" altLang="en-US" sz="2800" dirty="0">
-                <a:latin typeface="YuKyokasho Medium" panose="02000500000000000000" pitchFamily="2" charset="-128"/>
-                <a:ea typeface="YuKyokasho Medium" panose="02000500000000000000" pitchFamily="2" charset="-128"/>
-                <a:cs typeface="ヒラギノ丸ゴ ProN W4"/>
-              </a:rPr>
-              <a:t>氏名</a:t>
-            </a:r>
-            <a:endParaRPr kumimoji="1" lang="en-US" altLang="ja-JP" sz="2800" dirty="0">
-              <a:latin typeface="YuKyokasho Medium" panose="02000500000000000000" pitchFamily="2" charset="-128"/>
-              <a:ea typeface="YuKyokasho Medium" panose="02000500000000000000" pitchFamily="2" charset="-128"/>
-              <a:cs typeface="ヒラギノ丸ゴ ProN W4"/>
-            </a:endParaRPr>
-          </a:p>
-        </p:txBody>
-      </p:sp>
-    </p:spTree>
-    <p:extLst>
-      <p:ext uri="{BB962C8B-B14F-4D97-AF65-F5344CB8AC3E}">
-        <p14:creationId xmlns:p14="http://schemas.microsoft.com/office/powerpoint/2010/main" val="1735968648"/>
-      </p:ext>
-    </p:extLst>
-  </p:cSld>
-  <p:clrMapOvr>
-    <a:masterClrMapping/>
-  </p:clrMapOvr>
-</p:sld>
-</file>
-
 <file path=ppt/slides/slide14.xml><?xml version="1.0" encoding="utf-8"?>
 <p:sld xmlns:a="http://schemas.openxmlformats.org/drawingml/2006/main" xmlns:r="http://schemas.openxmlformats.org/officeDocument/2006/relationships" xmlns:p="http://schemas.openxmlformats.org/presentationml/2006/main">
   <p:cSld>
@@ -5384,49 +5808,7 @@
       </p:grpSpPr>
       <p:sp>
         <p:nvSpPr>
-          <p:cNvPr id="2" name="テキスト ボックス 1">
-            <a:extLst>
-              <a:ext uri="{FF2B5EF4-FFF2-40B4-BE49-F238E27FC236}">
-                <a16:creationId xmlns:a16="http://schemas.microsoft.com/office/drawing/2014/main" id="{65B61FA8-7BEB-EE4F-BA4A-1B68D4A8A60B}"/>
-              </a:ext>
-            </a:extLst>
-          </p:cNvPr>
-          <p:cNvSpPr txBox="1"/>
-          <p:nvPr/>
-        </p:nvSpPr>
-        <p:spPr>
-          <a:xfrm>
-            <a:off x="205436" y="564226"/>
-            <a:ext cx="1701209" cy="369332"/>
-          </a:xfrm>
-          <a:prstGeom prst="rect">
-            <a:avLst/>
-          </a:prstGeom>
-          <a:noFill/>
-        </p:spPr>
-        <p:txBody>
-          <a:bodyPr wrap="square" rtlCol="0">
-            <a:spAutoFit/>
-          </a:bodyPr>
-          <a:lstStyle/>
-          <a:p>
-            <a:r>
-              <a:rPr kumimoji="1" lang="en-US" altLang="ja-JP" dirty="0" err="1"/>
-              <a:t>RecordActivity</a:t>
-            </a:r>
-            <a:endParaRPr kumimoji="1" lang="ja-JP" altLang="en-US" dirty="0"/>
-          </a:p>
-        </p:txBody>
-      </p:sp>
-      <p:sp>
-        <p:nvSpPr>
-          <p:cNvPr id="3" name="正方形/長方形 2">
-            <a:extLst>
-              <a:ext uri="{FF2B5EF4-FFF2-40B4-BE49-F238E27FC236}">
-                <a16:creationId xmlns:a16="http://schemas.microsoft.com/office/drawing/2014/main" id="{8A75C1A8-E9D4-D240-A030-A1EAE125237D}"/>
-              </a:ext>
-            </a:extLst>
-          </p:cNvPr>
+          <p:cNvPr id="2" name="正方形/長方形 1"/>
           <p:cNvSpPr/>
           <p:nvPr/>
         </p:nvSpPr>
@@ -5474,13 +5856,7 @@
       </p:sp>
       <p:sp>
         <p:nvSpPr>
-          <p:cNvPr id="4" name="正方形/長方形 3">
-            <a:extLst>
-              <a:ext uri="{FF2B5EF4-FFF2-40B4-BE49-F238E27FC236}">
-                <a16:creationId xmlns:a16="http://schemas.microsoft.com/office/drawing/2014/main" id="{AAC21240-D414-E641-A245-E1A7F2CCF3C4}"/>
-              </a:ext>
-            </a:extLst>
-          </p:cNvPr>
+          <p:cNvPr id="3" name="正方形/長方形 2"/>
           <p:cNvSpPr/>
           <p:nvPr/>
         </p:nvSpPr>
@@ -5529,28 +5905,24 @@
       </p:sp>
       <p:sp>
         <p:nvSpPr>
-          <p:cNvPr id="5" name="テキスト ボックス 4">
+          <p:cNvPr id="12" name="角丸四角形 11">
             <a:extLst>
               <a:ext uri="{FF2B5EF4-FFF2-40B4-BE49-F238E27FC236}">
-                <a16:creationId xmlns:a16="http://schemas.microsoft.com/office/drawing/2014/main" id="{73BE90EA-C42F-5942-A4F7-2E36D3101C7D}"/>
+                <a16:creationId xmlns:a16="http://schemas.microsoft.com/office/drawing/2014/main" id="{F0AC3E38-372B-154F-96BC-030809403ACC}"/>
               </a:ext>
             </a:extLst>
           </p:cNvPr>
-          <p:cNvSpPr txBox="1"/>
-          <p:nvPr/>
-        </p:nvSpPr>
-        <p:spPr>
-          <a:xfrm>
-            <a:off x="2916464" y="1913345"/>
-            <a:ext cx="3311072" cy="523220"/>
-          </a:xfrm>
-          <a:prstGeom prst="rect">
-            <a:avLst/>
-          </a:prstGeom>
-          <a:solidFill>
-            <a:schemeClr val="bg1"/>
-          </a:solidFill>
-          <a:ln/>
+          <p:cNvSpPr/>
+          <p:nvPr/>
+        </p:nvSpPr>
+        <p:spPr>
+          <a:xfrm>
+            <a:off x="2864211" y="2083889"/>
+            <a:ext cx="3311072" cy="997856"/>
+          </a:xfrm>
+          <a:prstGeom prst="roundRect">
+            <a:avLst/>
+          </a:prstGeom>
         </p:spPr>
         <p:style>
           <a:lnRef idx="2">
@@ -5569,26 +5941,19 @@
           </a:fontRef>
         </p:style>
         <p:txBody>
-          <a:bodyPr wrap="square" rtlCol="0">
-            <a:spAutoFit/>
-          </a:bodyPr>
-          <a:lstStyle/>
-          <a:p>
-            <a:r>
-              <a:rPr lang="ja-JP" altLang="en-US" sz="2800" dirty="0">
-                <a:solidFill>
-                  <a:sysClr val="windowText" lastClr="000000"/>
-                </a:solidFill>
+          <a:bodyPr rtlCol="0" anchor="ctr"/>
+          <a:lstStyle/>
+          <a:p>
+            <a:pPr algn="ctr"/>
+            <a:r>
+              <a:rPr lang="ja-JP" altLang="en-US" sz="3200" dirty="0">
                 <a:latin typeface="YuKyokasho Medium" panose="02000500000000000000" pitchFamily="2" charset="-128"/>
                 <a:ea typeface="YuKyokasho Medium" panose="02000500000000000000" pitchFamily="2" charset="-128"/>
                 <a:cs typeface="ヒラギノ丸ゴ ProN W4"/>
               </a:rPr>
-              <a:t>名前</a:t>
-            </a:r>
-            <a:endParaRPr kumimoji="1" lang="ja-JP" altLang="en-US" sz="2800" dirty="0">
-              <a:solidFill>
-                <a:sysClr val="windowText" lastClr="000000"/>
-              </a:solidFill>
+              <a:t>新規記録</a:t>
+            </a:r>
+            <a:endParaRPr kumimoji="1" lang="ja-JP" altLang="en-US" sz="3200" dirty="0">
               <a:latin typeface="YuKyokasho Medium" panose="02000500000000000000" pitchFamily="2" charset="-128"/>
               <a:ea typeface="YuKyokasho Medium" panose="02000500000000000000" pitchFamily="2" charset="-128"/>
               <a:cs typeface="ヒラギノ丸ゴ ProN W4"/>
@@ -5598,25 +5963,24 @@
       </p:sp>
       <p:sp>
         <p:nvSpPr>
-          <p:cNvPr id="8" name="テキスト ボックス 7">
+          <p:cNvPr id="14" name="角丸四角形 13">
             <a:extLst>
               <a:ext uri="{FF2B5EF4-FFF2-40B4-BE49-F238E27FC236}">
-                <a16:creationId xmlns:a16="http://schemas.microsoft.com/office/drawing/2014/main" id="{3678DAC4-B57A-5643-865B-7948B931B7F3}"/>
+                <a16:creationId xmlns:a16="http://schemas.microsoft.com/office/drawing/2014/main" id="{BF79AEDF-D7B9-6144-B15F-3714ACE17152}"/>
               </a:ext>
             </a:extLst>
           </p:cNvPr>
-          <p:cNvSpPr txBox="1"/>
-          <p:nvPr/>
-        </p:nvSpPr>
-        <p:spPr>
-          <a:xfrm>
-            <a:off x="5654180" y="1913345"/>
-            <a:ext cx="573356" cy="523220"/>
-          </a:xfrm>
-          <a:prstGeom prst="rect">
-            <a:avLst/>
-          </a:prstGeom>
-          <a:ln/>
+          <p:cNvSpPr/>
+          <p:nvPr/>
+        </p:nvSpPr>
+        <p:spPr>
+          <a:xfrm>
+            <a:off x="2864211" y="3233421"/>
+            <a:ext cx="3311072" cy="997856"/>
+          </a:xfrm>
+          <a:prstGeom prst="roundRect">
+            <a:avLst/>
+          </a:prstGeom>
         </p:spPr>
         <p:style>
           <a:lnRef idx="2">
@@ -5635,21 +5999,19 @@
           </a:fontRef>
         </p:style>
         <p:txBody>
-          <a:bodyPr wrap="square" rtlCol="0">
-            <a:spAutoFit/>
-          </a:bodyPr>
+          <a:bodyPr rtlCol="0" anchor="ctr"/>
           <a:lstStyle/>
           <a:p>
             <a:pPr algn="ctr"/>
             <a:r>
-              <a:rPr lang="ja-JP" altLang="en-US" sz="2800" dirty="0">
+              <a:rPr lang="ja-JP" altLang="en-US" sz="3200" dirty="0">
                 <a:latin typeface="YuKyokasho Medium" panose="02000500000000000000" pitchFamily="2" charset="-128"/>
                 <a:ea typeface="YuKyokasho Medium" panose="02000500000000000000" pitchFamily="2" charset="-128"/>
                 <a:cs typeface="ヒラギノ丸ゴ ProN W4"/>
               </a:rPr>
-              <a:t>▼</a:t>
-            </a:r>
-            <a:endParaRPr kumimoji="1" lang="en-US" altLang="ja-JP" sz="2800" dirty="0">
+              <a:t>記録追加</a:t>
+            </a:r>
+            <a:endParaRPr kumimoji="1" lang="ja-JP" altLang="en-US" sz="3200" dirty="0">
               <a:latin typeface="YuKyokasho Medium" panose="02000500000000000000" pitchFamily="2" charset="-128"/>
               <a:ea typeface="YuKyokasho Medium" panose="02000500000000000000" pitchFamily="2" charset="-128"/>
               <a:cs typeface="ヒラギノ丸ゴ ProN W4"/>
@@ -5659,10 +6021,10 @@
       </p:sp>
       <p:sp>
         <p:nvSpPr>
-          <p:cNvPr id="9" name="角丸四角形 8">
+          <p:cNvPr id="18" name="角丸四角形 17">
             <a:extLst>
               <a:ext uri="{FF2B5EF4-FFF2-40B4-BE49-F238E27FC236}">
-                <a16:creationId xmlns:a16="http://schemas.microsoft.com/office/drawing/2014/main" id="{2943E6CD-C748-7243-9688-C583A742FA60}"/>
+                <a16:creationId xmlns:a16="http://schemas.microsoft.com/office/drawing/2014/main" id="{0F4C96EB-EE41-C94D-8715-758201B54E33}"/>
               </a:ext>
             </a:extLst>
           </p:cNvPr>
@@ -5671,8 +6033,8 @@
         </p:nvSpPr>
         <p:spPr>
           <a:xfrm>
-            <a:off x="2978093" y="4670391"/>
-            <a:ext cx="3118138" cy="522507"/>
+            <a:off x="4664279" y="5584442"/>
+            <a:ext cx="1511003" cy="522507"/>
           </a:xfrm>
           <a:prstGeom prst="roundRect">
             <a:avLst/>
@@ -5705,7 +6067,7 @@
                 <a:ea typeface="YuKyokasho Medium" panose="02000500000000000000" pitchFamily="2" charset="-128"/>
                 <a:cs typeface="ヒラギノ丸ゴ ProN W4"/>
               </a:rPr>
-              <a:t>記録する</a:t>
+              <a:t>戻る</a:t>
             </a:r>
             <a:endParaRPr kumimoji="1" lang="ja-JP" altLang="en-US" sz="3200" dirty="0">
               <a:latin typeface="YuKyokasho Medium" panose="02000500000000000000" pitchFamily="2" charset="-128"/>
@@ -5717,66 +6079,79 @@
       </p:sp>
       <p:sp>
         <p:nvSpPr>
-          <p:cNvPr id="10" name="角丸四角形 9">
+          <p:cNvPr id="10" name="テキスト ボックス 9">
             <a:extLst>
               <a:ext uri="{FF2B5EF4-FFF2-40B4-BE49-F238E27FC236}">
-                <a16:creationId xmlns:a16="http://schemas.microsoft.com/office/drawing/2014/main" id="{2DB5E086-72B0-0040-AD6B-B7D36789CE82}"/>
+                <a16:creationId xmlns:a16="http://schemas.microsoft.com/office/drawing/2014/main" id="{8C74CC2D-FE36-4946-894F-6FEDC1ACDB4B}"/>
               </a:ext>
             </a:extLst>
           </p:cNvPr>
-          <p:cNvSpPr/>
-          <p:nvPr/>
-        </p:nvSpPr>
-        <p:spPr>
-          <a:xfrm>
-            <a:off x="2978092" y="5481377"/>
-            <a:ext cx="3118138" cy="522507"/>
-          </a:xfrm>
-          <a:prstGeom prst="roundRect">
-            <a:avLst/>
-          </a:prstGeom>
-        </p:spPr>
-        <p:style>
-          <a:lnRef idx="2">
-            <a:schemeClr val="accent3">
-              <a:shade val="50000"/>
-            </a:schemeClr>
-          </a:lnRef>
-          <a:fillRef idx="1">
-            <a:schemeClr val="accent3"/>
-          </a:fillRef>
-          <a:effectRef idx="0">
-            <a:schemeClr val="accent3"/>
-          </a:effectRef>
-          <a:fontRef idx="minor">
-            <a:schemeClr val="lt1"/>
-          </a:fontRef>
-        </p:style>
-        <p:txBody>
-          <a:bodyPr rtlCol="0" anchor="ctr"/>
-          <a:lstStyle/>
-          <a:p>
-            <a:pPr algn="ctr"/>
-            <a:r>
-              <a:rPr lang="ja-JP" altLang="en-US" sz="3200" dirty="0">
-                <a:latin typeface="YuKyokasho Medium" panose="02000500000000000000" pitchFamily="2" charset="-128"/>
-                <a:ea typeface="YuKyokasho Medium" panose="02000500000000000000" pitchFamily="2" charset="-128"/>
-                <a:cs typeface="ヒラギノ丸ゴ ProN W4"/>
-              </a:rPr>
-              <a:t>戻る</a:t>
-            </a:r>
-            <a:endParaRPr kumimoji="1" lang="ja-JP" altLang="en-US" sz="3200" dirty="0">
-              <a:latin typeface="YuKyokasho Medium" panose="02000500000000000000" pitchFamily="2" charset="-128"/>
-              <a:ea typeface="YuKyokasho Medium" panose="02000500000000000000" pitchFamily="2" charset="-128"/>
-              <a:cs typeface="ヒラギノ丸ゴ ProN W4"/>
-            </a:endParaRPr>
+          <p:cNvSpPr txBox="1"/>
+          <p:nvPr/>
+        </p:nvSpPr>
+        <p:spPr>
+          <a:xfrm>
+            <a:off x="6714309" y="3081745"/>
+            <a:ext cx="2133600" cy="646331"/>
+          </a:xfrm>
+          <a:prstGeom prst="rect">
+            <a:avLst/>
+          </a:prstGeom>
+          <a:noFill/>
+        </p:spPr>
+        <p:txBody>
+          <a:bodyPr wrap="square" rtlCol="0">
+            <a:spAutoFit/>
+          </a:bodyPr>
+          <a:lstStyle/>
+          <a:p>
+            <a:r>
+              <a:rPr kumimoji="1" lang="ja-JP" altLang="en-US" dirty="0"/>
+              <a:t>記録をメールで送信できるようにする</a:t>
+            </a:r>
+          </a:p>
+        </p:txBody>
+      </p:sp>
+      <p:sp>
+        <p:nvSpPr>
+          <p:cNvPr id="9" name="テキスト ボックス 8">
+            <a:extLst>
+              <a:ext uri="{FF2B5EF4-FFF2-40B4-BE49-F238E27FC236}">
+                <a16:creationId xmlns:a16="http://schemas.microsoft.com/office/drawing/2014/main" id="{1DE590DC-1C8C-EE41-BEC4-78105371F09B}"/>
+              </a:ext>
+            </a:extLst>
+          </p:cNvPr>
+          <p:cNvSpPr txBox="1"/>
+          <p:nvPr/>
+        </p:nvSpPr>
+        <p:spPr>
+          <a:xfrm>
+            <a:off x="340242" y="446567"/>
+            <a:ext cx="2211572" cy="369332"/>
+          </a:xfrm>
+          <a:prstGeom prst="rect">
+            <a:avLst/>
+          </a:prstGeom>
+          <a:noFill/>
+        </p:spPr>
+        <p:txBody>
+          <a:bodyPr wrap="square" rtlCol="0">
+            <a:spAutoFit/>
+          </a:bodyPr>
+          <a:lstStyle/>
+          <a:p>
+            <a:r>
+              <a:rPr kumimoji="1" lang="en-US" altLang="ja-JP" dirty="0" err="1"/>
+              <a:t>RecordScreenActivity</a:t>
+            </a:r>
+            <a:endParaRPr kumimoji="1" lang="ja-JP" altLang="en-US" dirty="0"/>
           </a:p>
         </p:txBody>
       </p:sp>
     </p:spTree>
     <p:extLst>
       <p:ext uri="{BB962C8B-B14F-4D97-AF65-F5344CB8AC3E}">
-        <p14:creationId xmlns:p14="http://schemas.microsoft.com/office/powerpoint/2010/main" val="3780100335"/>
+        <p14:creationId xmlns:p14="http://schemas.microsoft.com/office/powerpoint/2010/main" val="737021115"/>
       </p:ext>
     </p:extLst>
   </p:cSld>
@@ -5805,67 +6180,26 @@
       </p:grpSpPr>
       <p:sp>
         <p:nvSpPr>
-          <p:cNvPr id="2" name="テキスト ボックス 1">
-            <a:extLst>
-              <a:ext uri="{FF2B5EF4-FFF2-40B4-BE49-F238E27FC236}">
-                <a16:creationId xmlns:a16="http://schemas.microsoft.com/office/drawing/2014/main" id="{65B61FA8-7BEB-EE4F-BA4A-1B68D4A8A60B}"/>
-              </a:ext>
-            </a:extLst>
-          </p:cNvPr>
-          <p:cNvSpPr txBox="1"/>
-          <p:nvPr/>
-        </p:nvSpPr>
-        <p:spPr>
-          <a:xfrm>
-            <a:off x="205436" y="564226"/>
-            <a:ext cx="2154992" cy="369332"/>
+          <p:cNvPr id="2" name="正方形/長方形 1"/>
+          <p:cNvSpPr/>
+          <p:nvPr/>
+        </p:nvSpPr>
+        <p:spPr>
+          <a:xfrm>
+            <a:off x="2671553" y="564226"/>
+            <a:ext cx="3739931" cy="5728138"/>
           </a:xfrm>
           <a:prstGeom prst="rect">
             <a:avLst/>
           </a:prstGeom>
-          <a:noFill/>
-        </p:spPr>
-        <p:txBody>
-          <a:bodyPr wrap="square" rtlCol="0">
-            <a:spAutoFit/>
-          </a:bodyPr>
-          <a:lstStyle/>
-          <a:p>
-            <a:r>
-              <a:rPr kumimoji="1" lang="en-US" altLang="ja-JP" dirty="0" err="1"/>
-              <a:t>ReadDataActivity</a:t>
-            </a:r>
-            <a:endParaRPr kumimoji="1" lang="ja-JP" altLang="en-US" dirty="0"/>
-          </a:p>
-        </p:txBody>
-      </p:sp>
-      <p:sp>
-        <p:nvSpPr>
-          <p:cNvPr id="3" name="正方形/長方形 2">
-            <a:extLst>
-              <a:ext uri="{FF2B5EF4-FFF2-40B4-BE49-F238E27FC236}">
-                <a16:creationId xmlns:a16="http://schemas.microsoft.com/office/drawing/2014/main" id="{E060DD52-B6FF-7E46-AB73-67452F549D54}"/>
-              </a:ext>
-            </a:extLst>
-          </p:cNvPr>
-          <p:cNvSpPr/>
-          <p:nvPr/>
-        </p:nvSpPr>
-        <p:spPr>
-          <a:xfrm>
-            <a:off x="2702034" y="564226"/>
-            <a:ext cx="3739931" cy="5728138"/>
-          </a:xfrm>
-          <a:prstGeom prst="rect">
-            <a:avLst/>
-          </a:prstGeom>
           <a:solidFill>
-            <a:schemeClr val="accent3">
-              <a:lumMod val="20000"/>
-              <a:lumOff val="80000"/>
-            </a:schemeClr>
+            <a:srgbClr val="FFFFFF"/>
           </a:solidFill>
-          <a:ln/>
+          <a:ln>
+            <a:solidFill>
+              <a:schemeClr val="tx1"/>
+            </a:solidFill>
+          </a:ln>
         </p:spPr>
         <p:style>
           <a:lnRef idx="2">
@@ -5894,10 +6228,59 @@
       </p:sp>
       <p:sp>
         <p:nvSpPr>
-          <p:cNvPr id="4" name="正方形/長方形 3">
+          <p:cNvPr id="3" name="正方形/長方形 2"/>
+          <p:cNvSpPr/>
+          <p:nvPr/>
+        </p:nvSpPr>
+        <p:spPr>
+          <a:xfrm>
+            <a:off x="2667197" y="576880"/>
+            <a:ext cx="3739931" cy="506204"/>
+          </a:xfrm>
+          <a:prstGeom prst="rect">
+            <a:avLst/>
+          </a:prstGeom>
+          <a:solidFill>
+            <a:schemeClr val="tx1"/>
+          </a:solidFill>
+          <a:ln>
+            <a:noFill/>
+          </a:ln>
+        </p:spPr>
+        <p:style>
+          <a:lnRef idx="2">
+            <a:schemeClr val="accent6">
+              <a:shade val="50000"/>
+            </a:schemeClr>
+          </a:lnRef>
+          <a:fillRef idx="1">
+            <a:schemeClr val="accent6"/>
+          </a:fillRef>
+          <a:effectRef idx="0">
+            <a:schemeClr val="accent6"/>
+          </a:effectRef>
+          <a:fontRef idx="minor">
+            <a:schemeClr val="lt1"/>
+          </a:fontRef>
+        </p:style>
+        <p:txBody>
+          <a:bodyPr rtlCol="0" anchor="ctr"/>
+          <a:lstStyle/>
+          <a:p>
+            <a:pPr algn="ctr"/>
+            <a:r>
+              <a:rPr kumimoji="1" lang="ja-JP" altLang="en-US" dirty="0"/>
+              <a:t>記録画面</a:t>
+            </a:r>
+          </a:p>
+        </p:txBody>
+      </p:sp>
+      <p:sp>
+        <p:nvSpPr>
+          <p:cNvPr id="7" name="角丸四角形 6">
             <a:extLst>
               <a:ext uri="{FF2B5EF4-FFF2-40B4-BE49-F238E27FC236}">
-                <a16:creationId xmlns:a16="http://schemas.microsoft.com/office/drawing/2014/main" id="{66AE9887-9E48-D740-9D05-B9749E5C8900}"/>
+                <a16:creationId xmlns:a16="http://schemas.microsoft.com/office/drawing/2014/main" id="{F5D04241-D042-FD40-B06D-37BE540E39DF}"/>
               </a:ext>
             </a:extLst>
           </p:cNvPr>
@@ -5906,18 +6289,12 @@
         </p:nvSpPr>
         <p:spPr>
           <a:xfrm>
-            <a:off x="2702034" y="564226"/>
-            <a:ext cx="3739931" cy="506204"/>
-          </a:xfrm>
-          <a:prstGeom prst="rect">
-            <a:avLst/>
-          </a:prstGeom>
-          <a:solidFill>
-            <a:schemeClr val="accent3">
-              <a:lumMod val="75000"/>
-            </a:schemeClr>
-          </a:solidFill>
-          <a:ln/>
+            <a:off x="2978093" y="4670391"/>
+            <a:ext cx="3118138" cy="522507"/>
+          </a:xfrm>
+          <a:prstGeom prst="roundRect">
+            <a:avLst/>
+          </a:prstGeom>
         </p:spPr>
         <p:style>
           <a:lnRef idx="2">
@@ -5940,16 +6317,64 @@
           <a:lstStyle/>
           <a:p>
             <a:pPr algn="ctr"/>
-            <a:endParaRPr kumimoji="1" lang="ja-JP" altLang="en-US" dirty="0"/>
-          </a:p>
-        </p:txBody>
-      </p:sp>
-      <p:sp>
-        <p:nvSpPr>
-          <p:cNvPr id="6" name="角丸四角形 5">
+            <a:r>
+              <a:rPr lang="ja-JP" altLang="en-US" sz="3200" dirty="0">
+                <a:latin typeface="YuKyokasho Medium" panose="02000500000000000000" pitchFamily="2" charset="-128"/>
+                <a:ea typeface="YuKyokasho Medium" panose="02000500000000000000" pitchFamily="2" charset="-128"/>
+                <a:cs typeface="ヒラギノ丸ゴ ProN W4"/>
+              </a:rPr>
+              <a:t>記録する</a:t>
+            </a:r>
+            <a:endParaRPr kumimoji="1" lang="ja-JP" altLang="en-US" sz="3200" dirty="0">
+              <a:latin typeface="YuKyokasho Medium" panose="02000500000000000000" pitchFamily="2" charset="-128"/>
+              <a:ea typeface="YuKyokasho Medium" panose="02000500000000000000" pitchFamily="2" charset="-128"/>
+              <a:cs typeface="ヒラギノ丸ゴ ProN W4"/>
+            </a:endParaRPr>
+          </a:p>
+        </p:txBody>
+      </p:sp>
+      <p:sp>
+        <p:nvSpPr>
+          <p:cNvPr id="9" name="テキスト ボックス 8">
             <a:extLst>
               <a:ext uri="{FF2B5EF4-FFF2-40B4-BE49-F238E27FC236}">
-                <a16:creationId xmlns:a16="http://schemas.microsoft.com/office/drawing/2014/main" id="{5B33ED2F-EA50-2B47-95D0-013DF43AC142}"/>
+                <a16:creationId xmlns:a16="http://schemas.microsoft.com/office/drawing/2014/main" id="{5EDA3806-C358-3E4E-8791-A387163EDBF4}"/>
+              </a:ext>
+            </a:extLst>
+          </p:cNvPr>
+          <p:cNvSpPr txBox="1"/>
+          <p:nvPr/>
+        </p:nvSpPr>
+        <p:spPr>
+          <a:xfrm>
+            <a:off x="205436" y="564226"/>
+            <a:ext cx="1701209" cy="369332"/>
+          </a:xfrm>
+          <a:prstGeom prst="rect">
+            <a:avLst/>
+          </a:prstGeom>
+          <a:noFill/>
+        </p:spPr>
+        <p:txBody>
+          <a:bodyPr wrap="square" rtlCol="0">
+            <a:spAutoFit/>
+          </a:bodyPr>
+          <a:lstStyle/>
+          <a:p>
+            <a:r>
+              <a:rPr kumimoji="1" lang="en-US" altLang="ja-JP" dirty="0" err="1"/>
+              <a:t>RecordActivity</a:t>
+            </a:r>
+            <a:endParaRPr kumimoji="1" lang="ja-JP" altLang="en-US" dirty="0"/>
+          </a:p>
+        </p:txBody>
+      </p:sp>
+      <p:sp>
+        <p:nvSpPr>
+          <p:cNvPr id="10" name="角丸四角形 9">
+            <a:extLst>
+              <a:ext uri="{FF2B5EF4-FFF2-40B4-BE49-F238E27FC236}">
+                <a16:creationId xmlns:a16="http://schemas.microsoft.com/office/drawing/2014/main" id="{C3BD2B02-40BC-EB4A-8355-096270262B70}"/>
               </a:ext>
             </a:extLst>
           </p:cNvPr>
@@ -5958,8 +6383,8 @@
         </p:nvSpPr>
         <p:spPr>
           <a:xfrm>
-            <a:off x="4872252" y="5627215"/>
-            <a:ext cx="1419679" cy="522507"/>
+            <a:off x="2978092" y="5481377"/>
+            <a:ext cx="3118138" cy="522507"/>
           </a:xfrm>
           <a:prstGeom prst="roundRect">
             <a:avLst/>
@@ -6004,24 +6429,28 @@
       </p:sp>
       <p:sp>
         <p:nvSpPr>
-          <p:cNvPr id="7" name="角丸四角形 6">
+          <p:cNvPr id="12" name="テキスト ボックス 11">
             <a:extLst>
               <a:ext uri="{FF2B5EF4-FFF2-40B4-BE49-F238E27FC236}">
-                <a16:creationId xmlns:a16="http://schemas.microsoft.com/office/drawing/2014/main" id="{9D8F85AA-FA63-1346-8F8E-F396E9944439}"/>
+                <a16:creationId xmlns:a16="http://schemas.microsoft.com/office/drawing/2014/main" id="{94C003B2-1378-444E-B2D8-0ECEBB30D176}"/>
               </a:ext>
             </a:extLst>
           </p:cNvPr>
-          <p:cNvSpPr/>
-          <p:nvPr/>
-        </p:nvSpPr>
-        <p:spPr>
-          <a:xfrm>
-            <a:off x="2966485" y="1371769"/>
-            <a:ext cx="3211028" cy="592272"/>
-          </a:xfrm>
-          <a:prstGeom prst="roundRect">
-            <a:avLst/>
-          </a:prstGeom>
+          <p:cNvSpPr txBox="1"/>
+          <p:nvPr/>
+        </p:nvSpPr>
+        <p:spPr>
+          <a:xfrm>
+            <a:off x="2916464" y="1913345"/>
+            <a:ext cx="3311072" cy="523220"/>
+          </a:xfrm>
+          <a:prstGeom prst="rect">
+            <a:avLst/>
+          </a:prstGeom>
+          <a:solidFill>
+            <a:schemeClr val="bg1"/>
+          </a:solidFill>
+          <a:ln/>
         </p:spPr>
         <p:style>
           <a:lnRef idx="2">
@@ -6040,49 +6469,57 @@
           </a:fontRef>
         </p:style>
         <p:txBody>
-          <a:bodyPr rtlCol="0" anchor="ctr"/>
-          <a:lstStyle/>
-          <a:p>
-            <a:pPr algn="ctr"/>
-            <a:r>
-              <a:rPr kumimoji="1" lang="en-US" altLang="ja-JP" sz="3200" dirty="0">
+          <a:bodyPr wrap="square" rtlCol="0">
+            <a:spAutoFit/>
+          </a:bodyPr>
+          <a:lstStyle/>
+          <a:p>
+            <a:r>
+              <a:rPr kumimoji="1" lang="en-US" altLang="ja-JP" sz="2800" dirty="0">
+                <a:solidFill>
+                  <a:sysClr val="windowText" lastClr="000000"/>
+                </a:solidFill>
                 <a:latin typeface="YuKyokasho Medium" panose="02000500000000000000" pitchFamily="2" charset="-128"/>
                 <a:ea typeface="YuKyokasho Medium" panose="02000500000000000000" pitchFamily="2" charset="-128"/>
                 <a:cs typeface="ヒラギノ丸ゴ ProN W4"/>
               </a:rPr>
-              <a:t>A</a:t>
-            </a:r>
-            <a:r>
-              <a:rPr kumimoji="1" lang="ja-JP" altLang="en-US" sz="3200" dirty="0">
+              <a:t>      </a:t>
+            </a:r>
+            <a:r>
+              <a:rPr kumimoji="1" lang="ja-JP" altLang="en-US" sz="2800" dirty="0">
+                <a:solidFill>
+                  <a:sysClr val="windowText" lastClr="000000"/>
+                </a:solidFill>
                 <a:latin typeface="YuKyokasho Medium" panose="02000500000000000000" pitchFamily="2" charset="-128"/>
                 <a:ea typeface="YuKyokasho Medium" panose="02000500000000000000" pitchFamily="2" charset="-128"/>
                 <a:cs typeface="ヒラギノ丸ゴ ProN W4"/>
               </a:rPr>
-              <a:t>さん</a:t>
-            </a:r>
-          </a:p>
-        </p:txBody>
-      </p:sp>
-      <p:sp>
-        <p:nvSpPr>
-          <p:cNvPr id="8" name="角丸四角形 7">
+              <a:t>登録者名</a:t>
+            </a:r>
+          </a:p>
+        </p:txBody>
+      </p:sp>
+      <p:sp>
+        <p:nvSpPr>
+          <p:cNvPr id="13" name="テキスト ボックス 12">
             <a:extLst>
               <a:ext uri="{FF2B5EF4-FFF2-40B4-BE49-F238E27FC236}">
-                <a16:creationId xmlns:a16="http://schemas.microsoft.com/office/drawing/2014/main" id="{8EF6818B-AF8D-6E4C-81DD-E9F2EDA7875F}"/>
+                <a16:creationId xmlns:a16="http://schemas.microsoft.com/office/drawing/2014/main" id="{23242B1C-E5BF-814A-931B-542C3CCD9BD2}"/>
               </a:ext>
             </a:extLst>
           </p:cNvPr>
-          <p:cNvSpPr/>
-          <p:nvPr/>
-        </p:nvSpPr>
-        <p:spPr>
-          <a:xfrm>
-            <a:off x="2966485" y="2251964"/>
-            <a:ext cx="3211028" cy="592272"/>
-          </a:xfrm>
-          <a:prstGeom prst="roundRect">
-            <a:avLst/>
-          </a:prstGeom>
+          <p:cNvSpPr txBox="1"/>
+          <p:nvPr/>
+        </p:nvSpPr>
+        <p:spPr>
+          <a:xfrm>
+            <a:off x="2916464" y="1913345"/>
+            <a:ext cx="732747" cy="523220"/>
+          </a:xfrm>
+          <a:prstGeom prst="rect">
+            <a:avLst/>
+          </a:prstGeom>
+          <a:ln/>
         </p:spPr>
         <p:style>
           <a:lnRef idx="2">
@@ -6101,216 +6538,32 @@
           </a:fontRef>
         </p:style>
         <p:txBody>
-          <a:bodyPr rtlCol="0" anchor="ctr"/>
+          <a:bodyPr wrap="square" lIns="0" rIns="0" rtlCol="0">
+            <a:spAutoFit/>
+          </a:bodyPr>
           <a:lstStyle/>
           <a:p>
             <a:pPr algn="ctr"/>
             <a:r>
-              <a:rPr lang="en-US" altLang="ja-JP" sz="3200" dirty="0">
+              <a:rPr lang="ja-JP" altLang="en-US" sz="2800" dirty="0">
                 <a:latin typeface="YuKyokasho Medium" panose="02000500000000000000" pitchFamily="2" charset="-128"/>
                 <a:ea typeface="YuKyokasho Medium" panose="02000500000000000000" pitchFamily="2" charset="-128"/>
                 <a:cs typeface="ヒラギノ丸ゴ ProN W4"/>
               </a:rPr>
-              <a:t>B</a:t>
-            </a:r>
-            <a:r>
-              <a:rPr kumimoji="1" lang="ja-JP" altLang="en-US" sz="3200" dirty="0">
-                <a:latin typeface="YuKyokasho Medium" panose="02000500000000000000" pitchFamily="2" charset="-128"/>
-                <a:ea typeface="YuKyokasho Medium" panose="02000500000000000000" pitchFamily="2" charset="-128"/>
-                <a:cs typeface="ヒラギノ丸ゴ ProN W4"/>
-              </a:rPr>
-              <a:t>さん</a:t>
-            </a:r>
-          </a:p>
-        </p:txBody>
-      </p:sp>
-      <p:sp>
-        <p:nvSpPr>
-          <p:cNvPr id="9" name="角丸四角形 8">
-            <a:extLst>
-              <a:ext uri="{FF2B5EF4-FFF2-40B4-BE49-F238E27FC236}">
-                <a16:creationId xmlns:a16="http://schemas.microsoft.com/office/drawing/2014/main" id="{7AACE191-B724-0B42-A9A3-67D7C4D873C1}"/>
-              </a:ext>
-            </a:extLst>
-          </p:cNvPr>
-          <p:cNvSpPr/>
-          <p:nvPr/>
-        </p:nvSpPr>
-        <p:spPr>
-          <a:xfrm>
-            <a:off x="2966485" y="3132159"/>
-            <a:ext cx="3211028" cy="592272"/>
-          </a:xfrm>
-          <a:prstGeom prst="roundRect">
-            <a:avLst/>
-          </a:prstGeom>
-        </p:spPr>
-        <p:style>
-          <a:lnRef idx="2">
-            <a:schemeClr val="accent3">
-              <a:shade val="50000"/>
-            </a:schemeClr>
-          </a:lnRef>
-          <a:fillRef idx="1">
-            <a:schemeClr val="accent3"/>
-          </a:fillRef>
-          <a:effectRef idx="0">
-            <a:schemeClr val="accent3"/>
-          </a:effectRef>
-          <a:fontRef idx="minor">
-            <a:schemeClr val="lt1"/>
-          </a:fontRef>
-        </p:style>
-        <p:txBody>
-          <a:bodyPr rtlCol="0" anchor="ctr"/>
-          <a:lstStyle/>
-          <a:p>
-            <a:pPr algn="ctr"/>
-            <a:r>
-              <a:rPr kumimoji="1" lang="en-US" altLang="ja-JP" sz="3200" dirty="0">
-                <a:latin typeface="YuKyokasho Medium" panose="02000500000000000000" pitchFamily="2" charset="-128"/>
-                <a:ea typeface="YuKyokasho Medium" panose="02000500000000000000" pitchFamily="2" charset="-128"/>
-                <a:cs typeface="ヒラギノ丸ゴ ProN W4"/>
-              </a:rPr>
-              <a:t>C</a:t>
-            </a:r>
-            <a:r>
-              <a:rPr kumimoji="1" lang="ja-JP" altLang="en-US" sz="3200" dirty="0">
-                <a:latin typeface="YuKyokasho Medium" panose="02000500000000000000" pitchFamily="2" charset="-128"/>
-                <a:ea typeface="YuKyokasho Medium" panose="02000500000000000000" pitchFamily="2" charset="-128"/>
-                <a:cs typeface="ヒラギノ丸ゴ ProN W4"/>
-              </a:rPr>
-              <a:t>さん</a:t>
-            </a:r>
-          </a:p>
-        </p:txBody>
-      </p:sp>
-      <p:sp>
-        <p:nvSpPr>
-          <p:cNvPr id="10" name="角丸四角形 9">
-            <a:extLst>
-              <a:ext uri="{FF2B5EF4-FFF2-40B4-BE49-F238E27FC236}">
-                <a16:creationId xmlns:a16="http://schemas.microsoft.com/office/drawing/2014/main" id="{83A59D66-CCAF-9A4C-B7E2-D57C0CA1B3A4}"/>
-              </a:ext>
-            </a:extLst>
-          </p:cNvPr>
-          <p:cNvSpPr/>
-          <p:nvPr/>
-        </p:nvSpPr>
-        <p:spPr>
-          <a:xfrm>
-            <a:off x="2966485" y="4006565"/>
-            <a:ext cx="3211028" cy="592272"/>
-          </a:xfrm>
-          <a:prstGeom prst="roundRect">
-            <a:avLst/>
-          </a:prstGeom>
-        </p:spPr>
-        <p:style>
-          <a:lnRef idx="2">
-            <a:schemeClr val="accent3">
-              <a:shade val="50000"/>
-            </a:schemeClr>
-          </a:lnRef>
-          <a:fillRef idx="1">
-            <a:schemeClr val="accent3"/>
-          </a:fillRef>
-          <a:effectRef idx="0">
-            <a:schemeClr val="accent3"/>
-          </a:effectRef>
-          <a:fontRef idx="minor">
-            <a:schemeClr val="lt1"/>
-          </a:fontRef>
-        </p:style>
-        <p:txBody>
-          <a:bodyPr rtlCol="0" anchor="ctr"/>
-          <a:lstStyle/>
-          <a:p>
-            <a:pPr algn="ctr"/>
-            <a:r>
-              <a:rPr kumimoji="1" lang="en-US" altLang="ja-JP" sz="3200" dirty="0">
-                <a:latin typeface="YuKyokasho Medium" panose="02000500000000000000" pitchFamily="2" charset="-128"/>
-                <a:ea typeface="YuKyokasho Medium" panose="02000500000000000000" pitchFamily="2" charset="-128"/>
-                <a:cs typeface="ヒラギノ丸ゴ ProN W4"/>
-              </a:rPr>
-              <a:t>D</a:t>
-            </a:r>
-            <a:r>
-              <a:rPr kumimoji="1" lang="ja-JP" altLang="en-US" sz="3200" dirty="0">
-                <a:latin typeface="YuKyokasho Medium" panose="02000500000000000000" pitchFamily="2" charset="-128"/>
-                <a:ea typeface="YuKyokasho Medium" panose="02000500000000000000" pitchFamily="2" charset="-128"/>
-                <a:cs typeface="ヒラギノ丸ゴ ProN W4"/>
-              </a:rPr>
-              <a:t>さん</a:t>
-            </a:r>
-          </a:p>
-        </p:txBody>
-      </p:sp>
-      <p:sp>
-        <p:nvSpPr>
-          <p:cNvPr id="11" name="角丸四角形 10">
-            <a:extLst>
-              <a:ext uri="{FF2B5EF4-FFF2-40B4-BE49-F238E27FC236}">
-                <a16:creationId xmlns:a16="http://schemas.microsoft.com/office/drawing/2014/main" id="{03B4CE29-2FFB-5749-B980-16B049578A81}"/>
-              </a:ext>
-            </a:extLst>
-          </p:cNvPr>
-          <p:cNvSpPr/>
-          <p:nvPr/>
-        </p:nvSpPr>
-        <p:spPr>
-          <a:xfrm>
-            <a:off x="2966485" y="4880971"/>
-            <a:ext cx="3211028" cy="592272"/>
-          </a:xfrm>
-          <a:prstGeom prst="roundRect">
-            <a:avLst/>
-          </a:prstGeom>
-        </p:spPr>
-        <p:style>
-          <a:lnRef idx="2">
-            <a:schemeClr val="accent3">
-              <a:shade val="50000"/>
-            </a:schemeClr>
-          </a:lnRef>
-          <a:fillRef idx="1">
-            <a:schemeClr val="accent3"/>
-          </a:fillRef>
-          <a:effectRef idx="0">
-            <a:schemeClr val="accent3"/>
-          </a:effectRef>
-          <a:fontRef idx="minor">
-            <a:schemeClr val="lt1"/>
-          </a:fontRef>
-        </p:style>
-        <p:txBody>
-          <a:bodyPr rtlCol="0" anchor="ctr"/>
-          <a:lstStyle/>
-          <a:p>
-            <a:pPr algn="ctr"/>
-            <a:r>
-              <a:rPr lang="en-US" altLang="ja-JP" sz="3200" dirty="0">
-                <a:latin typeface="YuKyokasho Medium" panose="02000500000000000000" pitchFamily="2" charset="-128"/>
-                <a:ea typeface="YuKyokasho Medium" panose="02000500000000000000" pitchFamily="2" charset="-128"/>
-                <a:cs typeface="ヒラギノ丸ゴ ProN W4"/>
-              </a:rPr>
-              <a:t>E</a:t>
-            </a:r>
-            <a:r>
-              <a:rPr kumimoji="1" lang="ja-JP" altLang="en-US" sz="3200" dirty="0">
-                <a:latin typeface="YuKyokasho Medium" panose="02000500000000000000" pitchFamily="2" charset="-128"/>
-                <a:ea typeface="YuKyokasho Medium" panose="02000500000000000000" pitchFamily="2" charset="-128"/>
-                <a:cs typeface="ヒラギノ丸ゴ ProN W4"/>
-              </a:rPr>
-              <a:t>さん</a:t>
-            </a:r>
+              <a:t>氏名</a:t>
+            </a:r>
+            <a:endParaRPr kumimoji="1" lang="en-US" altLang="ja-JP" sz="2800" dirty="0">
+              <a:latin typeface="YuKyokasho Medium" panose="02000500000000000000" pitchFamily="2" charset="-128"/>
+              <a:ea typeface="YuKyokasho Medium" panose="02000500000000000000" pitchFamily="2" charset="-128"/>
+              <a:cs typeface="ヒラギノ丸ゴ ProN W4"/>
+            </a:endParaRPr>
           </a:p>
         </p:txBody>
       </p:sp>
     </p:spTree>
     <p:extLst>
       <p:ext uri="{BB962C8B-B14F-4D97-AF65-F5344CB8AC3E}">
-        <p14:creationId xmlns:p14="http://schemas.microsoft.com/office/powerpoint/2010/main" val="2454877394"/>
+        <p14:creationId xmlns:p14="http://schemas.microsoft.com/office/powerpoint/2010/main" val="1735968648"/>
       </p:ext>
     </p:extLst>
   </p:cSld>
@@ -6352,6 +6605,961 @@
         <p:spPr>
           <a:xfrm>
             <a:off x="205436" y="564226"/>
+            <a:ext cx="1701209" cy="369332"/>
+          </a:xfrm>
+          <a:prstGeom prst="rect">
+            <a:avLst/>
+          </a:prstGeom>
+          <a:noFill/>
+        </p:spPr>
+        <p:txBody>
+          <a:bodyPr wrap="square" rtlCol="0">
+            <a:spAutoFit/>
+          </a:bodyPr>
+          <a:lstStyle/>
+          <a:p>
+            <a:r>
+              <a:rPr kumimoji="1" lang="en-US" altLang="ja-JP" dirty="0" err="1"/>
+              <a:t>RecordActivity</a:t>
+            </a:r>
+            <a:endParaRPr kumimoji="1" lang="ja-JP" altLang="en-US" dirty="0"/>
+          </a:p>
+        </p:txBody>
+      </p:sp>
+      <p:sp>
+        <p:nvSpPr>
+          <p:cNvPr id="3" name="正方形/長方形 2">
+            <a:extLst>
+              <a:ext uri="{FF2B5EF4-FFF2-40B4-BE49-F238E27FC236}">
+                <a16:creationId xmlns:a16="http://schemas.microsoft.com/office/drawing/2014/main" id="{8A75C1A8-E9D4-D240-A030-A1EAE125237D}"/>
+              </a:ext>
+            </a:extLst>
+          </p:cNvPr>
+          <p:cNvSpPr/>
+          <p:nvPr/>
+        </p:nvSpPr>
+        <p:spPr>
+          <a:xfrm>
+            <a:off x="2671553" y="564226"/>
+            <a:ext cx="3739931" cy="5728138"/>
+          </a:xfrm>
+          <a:prstGeom prst="rect">
+            <a:avLst/>
+          </a:prstGeom>
+          <a:solidFill>
+            <a:srgbClr val="FFFFFF"/>
+          </a:solidFill>
+          <a:ln>
+            <a:solidFill>
+              <a:schemeClr val="tx1"/>
+            </a:solidFill>
+          </a:ln>
+        </p:spPr>
+        <p:style>
+          <a:lnRef idx="2">
+            <a:schemeClr val="accent3">
+              <a:shade val="50000"/>
+            </a:schemeClr>
+          </a:lnRef>
+          <a:fillRef idx="1">
+            <a:schemeClr val="accent3"/>
+          </a:fillRef>
+          <a:effectRef idx="0">
+            <a:schemeClr val="accent3"/>
+          </a:effectRef>
+          <a:fontRef idx="minor">
+            <a:schemeClr val="lt1"/>
+          </a:fontRef>
+        </p:style>
+        <p:txBody>
+          <a:bodyPr rtlCol="0" anchor="ctr"/>
+          <a:lstStyle/>
+          <a:p>
+            <a:pPr algn="ctr"/>
+            <a:endParaRPr kumimoji="1" lang="ja-JP" altLang="en-US"/>
+          </a:p>
+        </p:txBody>
+      </p:sp>
+      <p:sp>
+        <p:nvSpPr>
+          <p:cNvPr id="4" name="正方形/長方形 3">
+            <a:extLst>
+              <a:ext uri="{FF2B5EF4-FFF2-40B4-BE49-F238E27FC236}">
+                <a16:creationId xmlns:a16="http://schemas.microsoft.com/office/drawing/2014/main" id="{AAC21240-D414-E641-A245-E1A7F2CCF3C4}"/>
+              </a:ext>
+            </a:extLst>
+          </p:cNvPr>
+          <p:cNvSpPr/>
+          <p:nvPr/>
+        </p:nvSpPr>
+        <p:spPr>
+          <a:xfrm>
+            <a:off x="2667197" y="576880"/>
+            <a:ext cx="3739931" cy="506204"/>
+          </a:xfrm>
+          <a:prstGeom prst="rect">
+            <a:avLst/>
+          </a:prstGeom>
+          <a:solidFill>
+            <a:schemeClr val="tx1"/>
+          </a:solidFill>
+          <a:ln>
+            <a:noFill/>
+          </a:ln>
+        </p:spPr>
+        <p:style>
+          <a:lnRef idx="2">
+            <a:schemeClr val="accent6">
+              <a:shade val="50000"/>
+            </a:schemeClr>
+          </a:lnRef>
+          <a:fillRef idx="1">
+            <a:schemeClr val="accent6"/>
+          </a:fillRef>
+          <a:effectRef idx="0">
+            <a:schemeClr val="accent6"/>
+          </a:effectRef>
+          <a:fontRef idx="minor">
+            <a:schemeClr val="lt1"/>
+          </a:fontRef>
+        </p:style>
+        <p:txBody>
+          <a:bodyPr rtlCol="0" anchor="ctr"/>
+          <a:lstStyle/>
+          <a:p>
+            <a:pPr algn="ctr"/>
+            <a:r>
+              <a:rPr kumimoji="1" lang="ja-JP" altLang="en-US" dirty="0"/>
+              <a:t>記録画面</a:t>
+            </a:r>
+          </a:p>
+        </p:txBody>
+      </p:sp>
+      <p:sp>
+        <p:nvSpPr>
+          <p:cNvPr id="5" name="テキスト ボックス 4">
+            <a:extLst>
+              <a:ext uri="{FF2B5EF4-FFF2-40B4-BE49-F238E27FC236}">
+                <a16:creationId xmlns:a16="http://schemas.microsoft.com/office/drawing/2014/main" id="{73BE90EA-C42F-5942-A4F7-2E36D3101C7D}"/>
+              </a:ext>
+            </a:extLst>
+          </p:cNvPr>
+          <p:cNvSpPr txBox="1"/>
+          <p:nvPr/>
+        </p:nvSpPr>
+        <p:spPr>
+          <a:xfrm>
+            <a:off x="2916464" y="1913345"/>
+            <a:ext cx="3311072" cy="523220"/>
+          </a:xfrm>
+          <a:prstGeom prst="rect">
+            <a:avLst/>
+          </a:prstGeom>
+          <a:solidFill>
+            <a:schemeClr val="bg1"/>
+          </a:solidFill>
+          <a:ln/>
+        </p:spPr>
+        <p:style>
+          <a:lnRef idx="2">
+            <a:schemeClr val="accent3">
+              <a:shade val="50000"/>
+            </a:schemeClr>
+          </a:lnRef>
+          <a:fillRef idx="1">
+            <a:schemeClr val="accent3"/>
+          </a:fillRef>
+          <a:effectRef idx="0">
+            <a:schemeClr val="accent3"/>
+          </a:effectRef>
+          <a:fontRef idx="minor">
+            <a:schemeClr val="lt1"/>
+          </a:fontRef>
+        </p:style>
+        <p:txBody>
+          <a:bodyPr wrap="square" rtlCol="0">
+            <a:spAutoFit/>
+          </a:bodyPr>
+          <a:lstStyle/>
+          <a:p>
+            <a:r>
+              <a:rPr lang="ja-JP" altLang="en-US" sz="2800">
+                <a:solidFill>
+                  <a:sysClr val="windowText" lastClr="000000"/>
+                </a:solidFill>
+                <a:latin typeface="YuKyokasho Medium" panose="02000500000000000000" pitchFamily="2" charset="-128"/>
+                <a:ea typeface="YuKyokasho Medium" panose="02000500000000000000" pitchFamily="2" charset="-128"/>
+                <a:cs typeface="ヒラギノ丸ゴ ProN W4"/>
+              </a:rPr>
+              <a:t>名前</a:t>
+            </a:r>
+            <a:endParaRPr kumimoji="1" lang="ja-JP" altLang="en-US" sz="2800" dirty="0">
+              <a:solidFill>
+                <a:sysClr val="windowText" lastClr="000000"/>
+              </a:solidFill>
+              <a:latin typeface="YuKyokasho Medium" panose="02000500000000000000" pitchFamily="2" charset="-128"/>
+              <a:ea typeface="YuKyokasho Medium" panose="02000500000000000000" pitchFamily="2" charset="-128"/>
+              <a:cs typeface="ヒラギノ丸ゴ ProN W4"/>
+            </a:endParaRPr>
+          </a:p>
+        </p:txBody>
+      </p:sp>
+      <p:sp>
+        <p:nvSpPr>
+          <p:cNvPr id="8" name="テキスト ボックス 7">
+            <a:extLst>
+              <a:ext uri="{FF2B5EF4-FFF2-40B4-BE49-F238E27FC236}">
+                <a16:creationId xmlns:a16="http://schemas.microsoft.com/office/drawing/2014/main" id="{3678DAC4-B57A-5643-865B-7948B931B7F3}"/>
+              </a:ext>
+            </a:extLst>
+          </p:cNvPr>
+          <p:cNvSpPr txBox="1"/>
+          <p:nvPr/>
+        </p:nvSpPr>
+        <p:spPr>
+          <a:xfrm>
+            <a:off x="5654180" y="1913345"/>
+            <a:ext cx="573356" cy="523220"/>
+          </a:xfrm>
+          <a:prstGeom prst="rect">
+            <a:avLst/>
+          </a:prstGeom>
+          <a:ln/>
+        </p:spPr>
+        <p:style>
+          <a:lnRef idx="2">
+            <a:schemeClr val="accent3">
+              <a:shade val="50000"/>
+            </a:schemeClr>
+          </a:lnRef>
+          <a:fillRef idx="1">
+            <a:schemeClr val="accent3"/>
+          </a:fillRef>
+          <a:effectRef idx="0">
+            <a:schemeClr val="accent3"/>
+          </a:effectRef>
+          <a:fontRef idx="minor">
+            <a:schemeClr val="lt1"/>
+          </a:fontRef>
+        </p:style>
+        <p:txBody>
+          <a:bodyPr wrap="square" rtlCol="0">
+            <a:spAutoFit/>
+          </a:bodyPr>
+          <a:lstStyle/>
+          <a:p>
+            <a:pPr algn="ctr"/>
+            <a:r>
+              <a:rPr lang="ja-JP" altLang="en-US" sz="2800" dirty="0">
+                <a:latin typeface="YuKyokasho Medium" panose="02000500000000000000" pitchFamily="2" charset="-128"/>
+                <a:ea typeface="YuKyokasho Medium" panose="02000500000000000000" pitchFamily="2" charset="-128"/>
+                <a:cs typeface="ヒラギノ丸ゴ ProN W4"/>
+              </a:rPr>
+              <a:t>▼</a:t>
+            </a:r>
+            <a:endParaRPr kumimoji="1" lang="en-US" altLang="ja-JP" sz="2800" dirty="0">
+              <a:latin typeface="YuKyokasho Medium" panose="02000500000000000000" pitchFamily="2" charset="-128"/>
+              <a:ea typeface="YuKyokasho Medium" panose="02000500000000000000" pitchFamily="2" charset="-128"/>
+              <a:cs typeface="ヒラギノ丸ゴ ProN W4"/>
+            </a:endParaRPr>
+          </a:p>
+        </p:txBody>
+      </p:sp>
+      <p:sp>
+        <p:nvSpPr>
+          <p:cNvPr id="9" name="角丸四角形 8">
+            <a:extLst>
+              <a:ext uri="{FF2B5EF4-FFF2-40B4-BE49-F238E27FC236}">
+                <a16:creationId xmlns:a16="http://schemas.microsoft.com/office/drawing/2014/main" id="{2943E6CD-C748-7243-9688-C583A742FA60}"/>
+              </a:ext>
+            </a:extLst>
+          </p:cNvPr>
+          <p:cNvSpPr/>
+          <p:nvPr/>
+        </p:nvSpPr>
+        <p:spPr>
+          <a:xfrm>
+            <a:off x="2978093" y="4670391"/>
+            <a:ext cx="3118138" cy="522507"/>
+          </a:xfrm>
+          <a:prstGeom prst="roundRect">
+            <a:avLst/>
+          </a:prstGeom>
+        </p:spPr>
+        <p:style>
+          <a:lnRef idx="2">
+            <a:schemeClr val="accent3">
+              <a:shade val="50000"/>
+            </a:schemeClr>
+          </a:lnRef>
+          <a:fillRef idx="1">
+            <a:schemeClr val="accent3"/>
+          </a:fillRef>
+          <a:effectRef idx="0">
+            <a:schemeClr val="accent3"/>
+          </a:effectRef>
+          <a:fontRef idx="minor">
+            <a:schemeClr val="lt1"/>
+          </a:fontRef>
+        </p:style>
+        <p:txBody>
+          <a:bodyPr rtlCol="0" anchor="ctr"/>
+          <a:lstStyle/>
+          <a:p>
+            <a:pPr algn="ctr"/>
+            <a:r>
+              <a:rPr lang="ja-JP" altLang="en-US" sz="3200" dirty="0">
+                <a:latin typeface="YuKyokasho Medium" panose="02000500000000000000" pitchFamily="2" charset="-128"/>
+                <a:ea typeface="YuKyokasho Medium" panose="02000500000000000000" pitchFamily="2" charset="-128"/>
+                <a:cs typeface="ヒラギノ丸ゴ ProN W4"/>
+              </a:rPr>
+              <a:t>記録する</a:t>
+            </a:r>
+            <a:endParaRPr kumimoji="1" lang="ja-JP" altLang="en-US" sz="3200" dirty="0">
+              <a:latin typeface="YuKyokasho Medium" panose="02000500000000000000" pitchFamily="2" charset="-128"/>
+              <a:ea typeface="YuKyokasho Medium" panose="02000500000000000000" pitchFamily="2" charset="-128"/>
+              <a:cs typeface="ヒラギノ丸ゴ ProN W4"/>
+            </a:endParaRPr>
+          </a:p>
+        </p:txBody>
+      </p:sp>
+      <p:sp>
+        <p:nvSpPr>
+          <p:cNvPr id="10" name="角丸四角形 9">
+            <a:extLst>
+              <a:ext uri="{FF2B5EF4-FFF2-40B4-BE49-F238E27FC236}">
+                <a16:creationId xmlns:a16="http://schemas.microsoft.com/office/drawing/2014/main" id="{2DB5E086-72B0-0040-AD6B-B7D36789CE82}"/>
+              </a:ext>
+            </a:extLst>
+          </p:cNvPr>
+          <p:cNvSpPr/>
+          <p:nvPr/>
+        </p:nvSpPr>
+        <p:spPr>
+          <a:xfrm>
+            <a:off x="2978092" y="5481377"/>
+            <a:ext cx="3118138" cy="522507"/>
+          </a:xfrm>
+          <a:prstGeom prst="roundRect">
+            <a:avLst/>
+          </a:prstGeom>
+        </p:spPr>
+        <p:style>
+          <a:lnRef idx="2">
+            <a:schemeClr val="accent3">
+              <a:shade val="50000"/>
+            </a:schemeClr>
+          </a:lnRef>
+          <a:fillRef idx="1">
+            <a:schemeClr val="accent3"/>
+          </a:fillRef>
+          <a:effectRef idx="0">
+            <a:schemeClr val="accent3"/>
+          </a:effectRef>
+          <a:fontRef idx="minor">
+            <a:schemeClr val="lt1"/>
+          </a:fontRef>
+        </p:style>
+        <p:txBody>
+          <a:bodyPr rtlCol="0" anchor="ctr"/>
+          <a:lstStyle/>
+          <a:p>
+            <a:pPr algn="ctr"/>
+            <a:r>
+              <a:rPr lang="ja-JP" altLang="en-US" sz="3200" dirty="0">
+                <a:latin typeface="YuKyokasho Medium" panose="02000500000000000000" pitchFamily="2" charset="-128"/>
+                <a:ea typeface="YuKyokasho Medium" panose="02000500000000000000" pitchFamily="2" charset="-128"/>
+                <a:cs typeface="ヒラギノ丸ゴ ProN W4"/>
+              </a:rPr>
+              <a:t>戻る</a:t>
+            </a:r>
+            <a:endParaRPr kumimoji="1" lang="ja-JP" altLang="en-US" sz="3200" dirty="0">
+              <a:latin typeface="YuKyokasho Medium" panose="02000500000000000000" pitchFamily="2" charset="-128"/>
+              <a:ea typeface="YuKyokasho Medium" panose="02000500000000000000" pitchFamily="2" charset="-128"/>
+              <a:cs typeface="ヒラギノ丸ゴ ProN W4"/>
+            </a:endParaRPr>
+          </a:p>
+        </p:txBody>
+      </p:sp>
+    </p:spTree>
+    <p:extLst>
+      <p:ext uri="{BB962C8B-B14F-4D97-AF65-F5344CB8AC3E}">
+        <p14:creationId xmlns:p14="http://schemas.microsoft.com/office/powerpoint/2010/main" val="3780100335"/>
+      </p:ext>
+    </p:extLst>
+  </p:cSld>
+  <p:clrMapOvr>
+    <a:masterClrMapping/>
+  </p:clrMapOvr>
+</p:sld>
+</file>
+
+<file path=ppt/slides/slide17.xml><?xml version="1.0" encoding="utf-8"?>
+<p:sld xmlns:a="http://schemas.openxmlformats.org/drawingml/2006/main" xmlns:r="http://schemas.openxmlformats.org/officeDocument/2006/relationships" xmlns:p="http://schemas.openxmlformats.org/presentationml/2006/main">
+  <p:cSld>
+    <p:spTree>
+      <p:nvGrpSpPr>
+        <p:cNvPr id="1" name=""/>
+        <p:cNvGrpSpPr/>
+        <p:nvPr/>
+      </p:nvGrpSpPr>
+      <p:grpSpPr>
+        <a:xfrm>
+          <a:off x="0" y="0"/>
+          <a:ext cx="0" cy="0"/>
+          <a:chOff x="0" y="0"/>
+          <a:chExt cx="0" cy="0"/>
+        </a:xfrm>
+      </p:grpSpPr>
+      <p:sp>
+        <p:nvSpPr>
+          <p:cNvPr id="2" name="テキスト ボックス 1">
+            <a:extLst>
+              <a:ext uri="{FF2B5EF4-FFF2-40B4-BE49-F238E27FC236}">
+                <a16:creationId xmlns:a16="http://schemas.microsoft.com/office/drawing/2014/main" id="{65B61FA8-7BEB-EE4F-BA4A-1B68D4A8A60B}"/>
+              </a:ext>
+            </a:extLst>
+          </p:cNvPr>
+          <p:cNvSpPr txBox="1"/>
+          <p:nvPr/>
+        </p:nvSpPr>
+        <p:spPr>
+          <a:xfrm>
+            <a:off x="205436" y="564226"/>
+            <a:ext cx="2154992" cy="369332"/>
+          </a:xfrm>
+          <a:prstGeom prst="rect">
+            <a:avLst/>
+          </a:prstGeom>
+          <a:noFill/>
+        </p:spPr>
+        <p:txBody>
+          <a:bodyPr wrap="square" rtlCol="0">
+            <a:spAutoFit/>
+          </a:bodyPr>
+          <a:lstStyle/>
+          <a:p>
+            <a:r>
+              <a:rPr kumimoji="1" lang="en-US" altLang="ja-JP" dirty="0" err="1"/>
+              <a:t>ReadDataActivity</a:t>
+            </a:r>
+            <a:endParaRPr kumimoji="1" lang="ja-JP" altLang="en-US" dirty="0"/>
+          </a:p>
+        </p:txBody>
+      </p:sp>
+      <p:sp>
+        <p:nvSpPr>
+          <p:cNvPr id="3" name="正方形/長方形 2">
+            <a:extLst>
+              <a:ext uri="{FF2B5EF4-FFF2-40B4-BE49-F238E27FC236}">
+                <a16:creationId xmlns:a16="http://schemas.microsoft.com/office/drawing/2014/main" id="{E060DD52-B6FF-7E46-AB73-67452F549D54}"/>
+              </a:ext>
+            </a:extLst>
+          </p:cNvPr>
+          <p:cNvSpPr/>
+          <p:nvPr/>
+        </p:nvSpPr>
+        <p:spPr>
+          <a:xfrm>
+            <a:off x="2702034" y="564226"/>
+            <a:ext cx="3739931" cy="5728138"/>
+          </a:xfrm>
+          <a:prstGeom prst="rect">
+            <a:avLst/>
+          </a:prstGeom>
+          <a:solidFill>
+            <a:schemeClr val="accent3">
+              <a:lumMod val="20000"/>
+              <a:lumOff val="80000"/>
+            </a:schemeClr>
+          </a:solidFill>
+          <a:ln/>
+        </p:spPr>
+        <p:style>
+          <a:lnRef idx="2">
+            <a:schemeClr val="accent3">
+              <a:shade val="50000"/>
+            </a:schemeClr>
+          </a:lnRef>
+          <a:fillRef idx="1">
+            <a:schemeClr val="accent3"/>
+          </a:fillRef>
+          <a:effectRef idx="0">
+            <a:schemeClr val="accent3"/>
+          </a:effectRef>
+          <a:fontRef idx="minor">
+            <a:schemeClr val="lt1"/>
+          </a:fontRef>
+        </p:style>
+        <p:txBody>
+          <a:bodyPr rtlCol="0" anchor="ctr"/>
+          <a:lstStyle/>
+          <a:p>
+            <a:pPr algn="ctr"/>
+            <a:endParaRPr kumimoji="1" lang="ja-JP" altLang="en-US"/>
+          </a:p>
+        </p:txBody>
+      </p:sp>
+      <p:sp>
+        <p:nvSpPr>
+          <p:cNvPr id="4" name="正方形/長方形 3">
+            <a:extLst>
+              <a:ext uri="{FF2B5EF4-FFF2-40B4-BE49-F238E27FC236}">
+                <a16:creationId xmlns:a16="http://schemas.microsoft.com/office/drawing/2014/main" id="{66AE9887-9E48-D740-9D05-B9749E5C8900}"/>
+              </a:ext>
+            </a:extLst>
+          </p:cNvPr>
+          <p:cNvSpPr/>
+          <p:nvPr/>
+        </p:nvSpPr>
+        <p:spPr>
+          <a:xfrm>
+            <a:off x="2702034" y="564226"/>
+            <a:ext cx="3739931" cy="506204"/>
+          </a:xfrm>
+          <a:prstGeom prst="rect">
+            <a:avLst/>
+          </a:prstGeom>
+          <a:solidFill>
+            <a:schemeClr val="accent3">
+              <a:lumMod val="75000"/>
+            </a:schemeClr>
+          </a:solidFill>
+          <a:ln/>
+        </p:spPr>
+        <p:style>
+          <a:lnRef idx="2">
+            <a:schemeClr val="accent3">
+              <a:shade val="50000"/>
+            </a:schemeClr>
+          </a:lnRef>
+          <a:fillRef idx="1">
+            <a:schemeClr val="accent3"/>
+          </a:fillRef>
+          <a:effectRef idx="0">
+            <a:schemeClr val="accent3"/>
+          </a:effectRef>
+          <a:fontRef idx="minor">
+            <a:schemeClr val="lt1"/>
+          </a:fontRef>
+        </p:style>
+        <p:txBody>
+          <a:bodyPr rtlCol="0" anchor="ctr"/>
+          <a:lstStyle/>
+          <a:p>
+            <a:pPr algn="ctr"/>
+            <a:endParaRPr kumimoji="1" lang="ja-JP" altLang="en-US" dirty="0"/>
+          </a:p>
+        </p:txBody>
+      </p:sp>
+      <p:sp>
+        <p:nvSpPr>
+          <p:cNvPr id="6" name="角丸四角形 5">
+            <a:extLst>
+              <a:ext uri="{FF2B5EF4-FFF2-40B4-BE49-F238E27FC236}">
+                <a16:creationId xmlns:a16="http://schemas.microsoft.com/office/drawing/2014/main" id="{5B33ED2F-EA50-2B47-95D0-013DF43AC142}"/>
+              </a:ext>
+            </a:extLst>
+          </p:cNvPr>
+          <p:cNvSpPr/>
+          <p:nvPr/>
+        </p:nvSpPr>
+        <p:spPr>
+          <a:xfrm>
+            <a:off x="4872252" y="5627215"/>
+            <a:ext cx="1419679" cy="522507"/>
+          </a:xfrm>
+          <a:prstGeom prst="roundRect">
+            <a:avLst/>
+          </a:prstGeom>
+        </p:spPr>
+        <p:style>
+          <a:lnRef idx="2">
+            <a:schemeClr val="accent3">
+              <a:shade val="50000"/>
+            </a:schemeClr>
+          </a:lnRef>
+          <a:fillRef idx="1">
+            <a:schemeClr val="accent3"/>
+          </a:fillRef>
+          <a:effectRef idx="0">
+            <a:schemeClr val="accent3"/>
+          </a:effectRef>
+          <a:fontRef idx="minor">
+            <a:schemeClr val="lt1"/>
+          </a:fontRef>
+        </p:style>
+        <p:txBody>
+          <a:bodyPr rtlCol="0" anchor="ctr"/>
+          <a:lstStyle/>
+          <a:p>
+            <a:pPr algn="ctr"/>
+            <a:r>
+              <a:rPr lang="ja-JP" altLang="en-US" sz="3200" dirty="0">
+                <a:latin typeface="YuKyokasho Medium" panose="02000500000000000000" pitchFamily="2" charset="-128"/>
+                <a:ea typeface="YuKyokasho Medium" panose="02000500000000000000" pitchFamily="2" charset="-128"/>
+                <a:cs typeface="ヒラギノ丸ゴ ProN W4"/>
+              </a:rPr>
+              <a:t>戻る</a:t>
+            </a:r>
+            <a:endParaRPr kumimoji="1" lang="ja-JP" altLang="en-US" sz="3200" dirty="0">
+              <a:latin typeface="YuKyokasho Medium" panose="02000500000000000000" pitchFamily="2" charset="-128"/>
+              <a:ea typeface="YuKyokasho Medium" panose="02000500000000000000" pitchFamily="2" charset="-128"/>
+              <a:cs typeface="ヒラギノ丸ゴ ProN W4"/>
+            </a:endParaRPr>
+          </a:p>
+        </p:txBody>
+      </p:sp>
+      <p:sp>
+        <p:nvSpPr>
+          <p:cNvPr id="7" name="角丸四角形 6">
+            <a:extLst>
+              <a:ext uri="{FF2B5EF4-FFF2-40B4-BE49-F238E27FC236}">
+                <a16:creationId xmlns:a16="http://schemas.microsoft.com/office/drawing/2014/main" id="{9D8F85AA-FA63-1346-8F8E-F396E9944439}"/>
+              </a:ext>
+            </a:extLst>
+          </p:cNvPr>
+          <p:cNvSpPr/>
+          <p:nvPr/>
+        </p:nvSpPr>
+        <p:spPr>
+          <a:xfrm>
+            <a:off x="2966485" y="1371769"/>
+            <a:ext cx="3211028" cy="592272"/>
+          </a:xfrm>
+          <a:prstGeom prst="roundRect">
+            <a:avLst/>
+          </a:prstGeom>
+        </p:spPr>
+        <p:style>
+          <a:lnRef idx="2">
+            <a:schemeClr val="accent3">
+              <a:shade val="50000"/>
+            </a:schemeClr>
+          </a:lnRef>
+          <a:fillRef idx="1">
+            <a:schemeClr val="accent3"/>
+          </a:fillRef>
+          <a:effectRef idx="0">
+            <a:schemeClr val="accent3"/>
+          </a:effectRef>
+          <a:fontRef idx="minor">
+            <a:schemeClr val="lt1"/>
+          </a:fontRef>
+        </p:style>
+        <p:txBody>
+          <a:bodyPr rtlCol="0" anchor="ctr"/>
+          <a:lstStyle/>
+          <a:p>
+            <a:pPr algn="ctr"/>
+            <a:r>
+              <a:rPr kumimoji="1" lang="en-US" altLang="ja-JP" sz="3200" dirty="0">
+                <a:latin typeface="YuKyokasho Medium" panose="02000500000000000000" pitchFamily="2" charset="-128"/>
+                <a:ea typeface="YuKyokasho Medium" panose="02000500000000000000" pitchFamily="2" charset="-128"/>
+                <a:cs typeface="ヒラギノ丸ゴ ProN W4"/>
+              </a:rPr>
+              <a:t>A</a:t>
+            </a:r>
+            <a:r>
+              <a:rPr kumimoji="1" lang="ja-JP" altLang="en-US" sz="3200" dirty="0">
+                <a:latin typeface="YuKyokasho Medium" panose="02000500000000000000" pitchFamily="2" charset="-128"/>
+                <a:ea typeface="YuKyokasho Medium" panose="02000500000000000000" pitchFamily="2" charset="-128"/>
+                <a:cs typeface="ヒラギノ丸ゴ ProN W4"/>
+              </a:rPr>
+              <a:t>さん</a:t>
+            </a:r>
+          </a:p>
+        </p:txBody>
+      </p:sp>
+      <p:sp>
+        <p:nvSpPr>
+          <p:cNvPr id="8" name="角丸四角形 7">
+            <a:extLst>
+              <a:ext uri="{FF2B5EF4-FFF2-40B4-BE49-F238E27FC236}">
+                <a16:creationId xmlns:a16="http://schemas.microsoft.com/office/drawing/2014/main" id="{8EF6818B-AF8D-6E4C-81DD-E9F2EDA7875F}"/>
+              </a:ext>
+            </a:extLst>
+          </p:cNvPr>
+          <p:cNvSpPr/>
+          <p:nvPr/>
+        </p:nvSpPr>
+        <p:spPr>
+          <a:xfrm>
+            <a:off x="2966485" y="2251964"/>
+            <a:ext cx="3211028" cy="592272"/>
+          </a:xfrm>
+          <a:prstGeom prst="roundRect">
+            <a:avLst/>
+          </a:prstGeom>
+        </p:spPr>
+        <p:style>
+          <a:lnRef idx="2">
+            <a:schemeClr val="accent3">
+              <a:shade val="50000"/>
+            </a:schemeClr>
+          </a:lnRef>
+          <a:fillRef idx="1">
+            <a:schemeClr val="accent3"/>
+          </a:fillRef>
+          <a:effectRef idx="0">
+            <a:schemeClr val="accent3"/>
+          </a:effectRef>
+          <a:fontRef idx="minor">
+            <a:schemeClr val="lt1"/>
+          </a:fontRef>
+        </p:style>
+        <p:txBody>
+          <a:bodyPr rtlCol="0" anchor="ctr"/>
+          <a:lstStyle/>
+          <a:p>
+            <a:pPr algn="ctr"/>
+            <a:r>
+              <a:rPr lang="en-US" altLang="ja-JP" sz="3200" dirty="0">
+                <a:latin typeface="YuKyokasho Medium" panose="02000500000000000000" pitchFamily="2" charset="-128"/>
+                <a:ea typeface="YuKyokasho Medium" panose="02000500000000000000" pitchFamily="2" charset="-128"/>
+                <a:cs typeface="ヒラギノ丸ゴ ProN W4"/>
+              </a:rPr>
+              <a:t>B</a:t>
+            </a:r>
+            <a:r>
+              <a:rPr kumimoji="1" lang="ja-JP" altLang="en-US" sz="3200" dirty="0">
+                <a:latin typeface="YuKyokasho Medium" panose="02000500000000000000" pitchFamily="2" charset="-128"/>
+                <a:ea typeface="YuKyokasho Medium" panose="02000500000000000000" pitchFamily="2" charset="-128"/>
+                <a:cs typeface="ヒラギノ丸ゴ ProN W4"/>
+              </a:rPr>
+              <a:t>さん</a:t>
+            </a:r>
+          </a:p>
+        </p:txBody>
+      </p:sp>
+      <p:sp>
+        <p:nvSpPr>
+          <p:cNvPr id="9" name="角丸四角形 8">
+            <a:extLst>
+              <a:ext uri="{FF2B5EF4-FFF2-40B4-BE49-F238E27FC236}">
+                <a16:creationId xmlns:a16="http://schemas.microsoft.com/office/drawing/2014/main" id="{7AACE191-B724-0B42-A9A3-67D7C4D873C1}"/>
+              </a:ext>
+            </a:extLst>
+          </p:cNvPr>
+          <p:cNvSpPr/>
+          <p:nvPr/>
+        </p:nvSpPr>
+        <p:spPr>
+          <a:xfrm>
+            <a:off x="2966485" y="3132159"/>
+            <a:ext cx="3211028" cy="592272"/>
+          </a:xfrm>
+          <a:prstGeom prst="roundRect">
+            <a:avLst/>
+          </a:prstGeom>
+        </p:spPr>
+        <p:style>
+          <a:lnRef idx="2">
+            <a:schemeClr val="accent3">
+              <a:shade val="50000"/>
+            </a:schemeClr>
+          </a:lnRef>
+          <a:fillRef idx="1">
+            <a:schemeClr val="accent3"/>
+          </a:fillRef>
+          <a:effectRef idx="0">
+            <a:schemeClr val="accent3"/>
+          </a:effectRef>
+          <a:fontRef idx="minor">
+            <a:schemeClr val="lt1"/>
+          </a:fontRef>
+        </p:style>
+        <p:txBody>
+          <a:bodyPr rtlCol="0" anchor="ctr"/>
+          <a:lstStyle/>
+          <a:p>
+            <a:pPr algn="ctr"/>
+            <a:r>
+              <a:rPr kumimoji="1" lang="en-US" altLang="ja-JP" sz="3200" dirty="0">
+                <a:latin typeface="YuKyokasho Medium" panose="02000500000000000000" pitchFamily="2" charset="-128"/>
+                <a:ea typeface="YuKyokasho Medium" panose="02000500000000000000" pitchFamily="2" charset="-128"/>
+                <a:cs typeface="ヒラギノ丸ゴ ProN W4"/>
+              </a:rPr>
+              <a:t>C</a:t>
+            </a:r>
+            <a:r>
+              <a:rPr kumimoji="1" lang="ja-JP" altLang="en-US" sz="3200" dirty="0">
+                <a:latin typeface="YuKyokasho Medium" panose="02000500000000000000" pitchFamily="2" charset="-128"/>
+                <a:ea typeface="YuKyokasho Medium" panose="02000500000000000000" pitchFamily="2" charset="-128"/>
+                <a:cs typeface="ヒラギノ丸ゴ ProN W4"/>
+              </a:rPr>
+              <a:t>さん</a:t>
+            </a:r>
+          </a:p>
+        </p:txBody>
+      </p:sp>
+      <p:sp>
+        <p:nvSpPr>
+          <p:cNvPr id="10" name="角丸四角形 9">
+            <a:extLst>
+              <a:ext uri="{FF2B5EF4-FFF2-40B4-BE49-F238E27FC236}">
+                <a16:creationId xmlns:a16="http://schemas.microsoft.com/office/drawing/2014/main" id="{83A59D66-CCAF-9A4C-B7E2-D57C0CA1B3A4}"/>
+              </a:ext>
+            </a:extLst>
+          </p:cNvPr>
+          <p:cNvSpPr/>
+          <p:nvPr/>
+        </p:nvSpPr>
+        <p:spPr>
+          <a:xfrm>
+            <a:off x="2966485" y="4006565"/>
+            <a:ext cx="3211028" cy="592272"/>
+          </a:xfrm>
+          <a:prstGeom prst="roundRect">
+            <a:avLst/>
+          </a:prstGeom>
+        </p:spPr>
+        <p:style>
+          <a:lnRef idx="2">
+            <a:schemeClr val="accent3">
+              <a:shade val="50000"/>
+            </a:schemeClr>
+          </a:lnRef>
+          <a:fillRef idx="1">
+            <a:schemeClr val="accent3"/>
+          </a:fillRef>
+          <a:effectRef idx="0">
+            <a:schemeClr val="accent3"/>
+          </a:effectRef>
+          <a:fontRef idx="minor">
+            <a:schemeClr val="lt1"/>
+          </a:fontRef>
+        </p:style>
+        <p:txBody>
+          <a:bodyPr rtlCol="0" anchor="ctr"/>
+          <a:lstStyle/>
+          <a:p>
+            <a:pPr algn="ctr"/>
+            <a:r>
+              <a:rPr kumimoji="1" lang="en-US" altLang="ja-JP" sz="3200" dirty="0">
+                <a:latin typeface="YuKyokasho Medium" panose="02000500000000000000" pitchFamily="2" charset="-128"/>
+                <a:ea typeface="YuKyokasho Medium" panose="02000500000000000000" pitchFamily="2" charset="-128"/>
+                <a:cs typeface="ヒラギノ丸ゴ ProN W4"/>
+              </a:rPr>
+              <a:t>D</a:t>
+            </a:r>
+            <a:r>
+              <a:rPr kumimoji="1" lang="ja-JP" altLang="en-US" sz="3200" dirty="0">
+                <a:latin typeface="YuKyokasho Medium" panose="02000500000000000000" pitchFamily="2" charset="-128"/>
+                <a:ea typeface="YuKyokasho Medium" panose="02000500000000000000" pitchFamily="2" charset="-128"/>
+                <a:cs typeface="ヒラギノ丸ゴ ProN W4"/>
+              </a:rPr>
+              <a:t>さん</a:t>
+            </a:r>
+          </a:p>
+        </p:txBody>
+      </p:sp>
+      <p:sp>
+        <p:nvSpPr>
+          <p:cNvPr id="11" name="角丸四角形 10">
+            <a:extLst>
+              <a:ext uri="{FF2B5EF4-FFF2-40B4-BE49-F238E27FC236}">
+                <a16:creationId xmlns:a16="http://schemas.microsoft.com/office/drawing/2014/main" id="{03B4CE29-2FFB-5749-B980-16B049578A81}"/>
+              </a:ext>
+            </a:extLst>
+          </p:cNvPr>
+          <p:cNvSpPr/>
+          <p:nvPr/>
+        </p:nvSpPr>
+        <p:spPr>
+          <a:xfrm>
+            <a:off x="2966485" y="4880971"/>
+            <a:ext cx="3211028" cy="592272"/>
+          </a:xfrm>
+          <a:prstGeom prst="roundRect">
+            <a:avLst/>
+          </a:prstGeom>
+        </p:spPr>
+        <p:style>
+          <a:lnRef idx="2">
+            <a:schemeClr val="accent3">
+              <a:shade val="50000"/>
+            </a:schemeClr>
+          </a:lnRef>
+          <a:fillRef idx="1">
+            <a:schemeClr val="accent3"/>
+          </a:fillRef>
+          <a:effectRef idx="0">
+            <a:schemeClr val="accent3"/>
+          </a:effectRef>
+          <a:fontRef idx="minor">
+            <a:schemeClr val="lt1"/>
+          </a:fontRef>
+        </p:style>
+        <p:txBody>
+          <a:bodyPr rtlCol="0" anchor="ctr"/>
+          <a:lstStyle/>
+          <a:p>
+            <a:pPr algn="ctr"/>
+            <a:r>
+              <a:rPr lang="en-US" altLang="ja-JP" sz="3200" dirty="0">
+                <a:latin typeface="YuKyokasho Medium" panose="02000500000000000000" pitchFamily="2" charset="-128"/>
+                <a:ea typeface="YuKyokasho Medium" panose="02000500000000000000" pitchFamily="2" charset="-128"/>
+                <a:cs typeface="ヒラギノ丸ゴ ProN W4"/>
+              </a:rPr>
+              <a:t>E</a:t>
+            </a:r>
+            <a:r>
+              <a:rPr kumimoji="1" lang="ja-JP" altLang="en-US" sz="3200" dirty="0">
+                <a:latin typeface="YuKyokasho Medium" panose="02000500000000000000" pitchFamily="2" charset="-128"/>
+                <a:ea typeface="YuKyokasho Medium" panose="02000500000000000000" pitchFamily="2" charset="-128"/>
+                <a:cs typeface="ヒラギノ丸ゴ ProN W4"/>
+              </a:rPr>
+              <a:t>さん</a:t>
+            </a:r>
+          </a:p>
+        </p:txBody>
+      </p:sp>
+    </p:spTree>
+    <p:extLst>
+      <p:ext uri="{BB962C8B-B14F-4D97-AF65-F5344CB8AC3E}">
+        <p14:creationId xmlns:p14="http://schemas.microsoft.com/office/powerpoint/2010/main" val="2454877394"/>
+      </p:ext>
+    </p:extLst>
+  </p:cSld>
+  <p:clrMapOvr>
+    <a:masterClrMapping/>
+  </p:clrMapOvr>
+</p:sld>
+</file>
+
+<file path=ppt/slides/slide18.xml><?xml version="1.0" encoding="utf-8"?>
+<p:sld xmlns:a="http://schemas.openxmlformats.org/drawingml/2006/main" xmlns:r="http://schemas.openxmlformats.org/officeDocument/2006/relationships" xmlns:p="http://schemas.openxmlformats.org/presentationml/2006/main">
+  <p:cSld>
+    <p:spTree>
+      <p:nvGrpSpPr>
+        <p:cNvPr id="1" name=""/>
+        <p:cNvGrpSpPr/>
+        <p:nvPr/>
+      </p:nvGrpSpPr>
+      <p:grpSpPr>
+        <a:xfrm>
+          <a:off x="0" y="0"/>
+          <a:ext cx="0" cy="0"/>
+          <a:chOff x="0" y="0"/>
+          <a:chExt cx="0" cy="0"/>
+        </a:xfrm>
+      </p:grpSpPr>
+      <p:sp>
+        <p:nvSpPr>
+          <p:cNvPr id="2" name="テキスト ボックス 1">
+            <a:extLst>
+              <a:ext uri="{FF2B5EF4-FFF2-40B4-BE49-F238E27FC236}">
+                <a16:creationId xmlns:a16="http://schemas.microsoft.com/office/drawing/2014/main" id="{65B61FA8-7BEB-EE4F-BA4A-1B68D4A8A60B}"/>
+              </a:ext>
+            </a:extLst>
+          </p:cNvPr>
+          <p:cNvSpPr txBox="1"/>
+          <p:nvPr/>
+        </p:nvSpPr>
+        <p:spPr>
+          <a:xfrm>
+            <a:off x="205436" y="564226"/>
             <a:ext cx="2154992" cy="369332"/>
           </a:xfrm>
           <a:prstGeom prst="rect">
@@ -6979,7 +8187,7 @@
 </p:sld>
 </file>
 
-<file path=ppt/slides/slide17.xml><?xml version="1.0" encoding="utf-8"?>
+<file path=ppt/slides/slide19.xml><?xml version="1.0" encoding="utf-8"?>
 <p:sld xmlns:a="http://schemas.openxmlformats.org/drawingml/2006/main" xmlns:r="http://schemas.openxmlformats.org/officeDocument/2006/relationships" xmlns:p="http://schemas.openxmlformats.org/presentationml/2006/main">
   <p:cSld>
     <p:spTree>
@@ -8255,53 +9463,6 @@
       </p:sp>
       <p:sp>
         <p:nvSpPr>
-          <p:cNvPr id="7" name="角丸四角形 6"/>
-          <p:cNvSpPr/>
-          <p:nvPr/>
-        </p:nvSpPr>
-        <p:spPr>
-          <a:xfrm>
-            <a:off x="4572001" y="5134428"/>
-            <a:ext cx="1655535" cy="778328"/>
-          </a:xfrm>
-          <a:prstGeom prst="roundRect">
-            <a:avLst/>
-          </a:prstGeom>
-        </p:spPr>
-        <p:style>
-          <a:lnRef idx="2">
-            <a:schemeClr val="accent3">
-              <a:shade val="50000"/>
-            </a:schemeClr>
-          </a:lnRef>
-          <a:fillRef idx="1">
-            <a:schemeClr val="accent3"/>
-          </a:fillRef>
-          <a:effectRef idx="0">
-            <a:schemeClr val="accent3"/>
-          </a:effectRef>
-          <a:fontRef idx="minor">
-            <a:schemeClr val="lt1"/>
-          </a:fontRef>
-        </p:style>
-        <p:txBody>
-          <a:bodyPr rtlCol="0" anchor="ctr"/>
-          <a:lstStyle/>
-          <a:p>
-            <a:pPr algn="ctr"/>
-            <a:r>
-              <a:rPr kumimoji="1" lang="ja-JP" altLang="en-US" sz="3600" dirty="0">
-                <a:latin typeface="YuKyokasho Medium" panose="02000500000000000000" pitchFamily="2" charset="-128"/>
-                <a:ea typeface="YuKyokasho Medium" panose="02000500000000000000" pitchFamily="2" charset="-128"/>
-                <a:cs typeface="ヒラギノ丸ゴ ProN W4"/>
-              </a:rPr>
-              <a:t>戻る</a:t>
-            </a:r>
-          </a:p>
-        </p:txBody>
-      </p:sp>
-      <p:sp>
-        <p:nvSpPr>
           <p:cNvPr id="5" name="テキスト ボックス 4">
             <a:extLst>
               <a:ext uri="{FF2B5EF4-FFF2-40B4-BE49-F238E27FC236}">
@@ -8423,6 +9584,99 @@
             <a:r>
               <a:rPr lang="ja-JP" altLang="en-US" dirty="0"/>
               <a:t>・記録の際、登録者名を選択（新規登録も可）</a:t>
+            </a:r>
+            <a:endParaRPr kumimoji="1" lang="ja-JP" altLang="en-US" dirty="0"/>
+          </a:p>
+        </p:txBody>
+      </p:sp>
+      <p:sp>
+        <p:nvSpPr>
+          <p:cNvPr id="10" name="角丸四角形 9">
+            <a:extLst>
+              <a:ext uri="{FF2B5EF4-FFF2-40B4-BE49-F238E27FC236}">
+                <a16:creationId xmlns:a16="http://schemas.microsoft.com/office/drawing/2014/main" id="{E1195E22-FC8C-7F42-B288-AB59C437D3A0}"/>
+              </a:ext>
+            </a:extLst>
+          </p:cNvPr>
+          <p:cNvSpPr/>
+          <p:nvPr/>
+        </p:nvSpPr>
+        <p:spPr>
+          <a:xfrm>
+            <a:off x="4712246" y="5134428"/>
+            <a:ext cx="1515290" cy="778328"/>
+          </a:xfrm>
+          <a:prstGeom prst="roundRect">
+            <a:avLst/>
+          </a:prstGeom>
+        </p:spPr>
+        <p:style>
+          <a:lnRef idx="2">
+            <a:schemeClr val="accent3">
+              <a:shade val="50000"/>
+            </a:schemeClr>
+          </a:lnRef>
+          <a:fillRef idx="1">
+            <a:schemeClr val="accent3"/>
+          </a:fillRef>
+          <a:effectRef idx="0">
+            <a:schemeClr val="accent3"/>
+          </a:effectRef>
+          <a:fontRef idx="minor">
+            <a:schemeClr val="lt1"/>
+          </a:fontRef>
+        </p:style>
+        <p:txBody>
+          <a:bodyPr rtlCol="0" anchor="ctr"/>
+          <a:lstStyle/>
+          <a:p>
+            <a:pPr algn="ctr"/>
+            <a:r>
+              <a:rPr kumimoji="1" lang="ja-JP" altLang="en-US" sz="3600" dirty="0">
+                <a:latin typeface="YuKyokasho Medium" panose="02000500000000000000" pitchFamily="2" charset="-128"/>
+                <a:ea typeface="YuKyokasho Medium" panose="02000500000000000000" pitchFamily="2" charset="-128"/>
+                <a:cs typeface="ヒラギノ丸ゴ ProN W4"/>
+              </a:rPr>
+              <a:t>戻る</a:t>
+            </a:r>
+          </a:p>
+        </p:txBody>
+      </p:sp>
+      <p:sp>
+        <p:nvSpPr>
+          <p:cNvPr id="11" name="テキスト ボックス 10">
+            <a:extLst>
+              <a:ext uri="{FF2B5EF4-FFF2-40B4-BE49-F238E27FC236}">
+                <a16:creationId xmlns:a16="http://schemas.microsoft.com/office/drawing/2014/main" id="{D1E3F3CC-ECD9-B34C-8923-044BA2696126}"/>
+              </a:ext>
+            </a:extLst>
+          </p:cNvPr>
+          <p:cNvSpPr txBox="1"/>
+          <p:nvPr/>
+        </p:nvSpPr>
+        <p:spPr>
+          <a:xfrm>
+            <a:off x="340242" y="446567"/>
+            <a:ext cx="1701209" cy="369332"/>
+          </a:xfrm>
+          <a:prstGeom prst="rect">
+            <a:avLst/>
+          </a:prstGeom>
+          <a:noFill/>
+        </p:spPr>
+        <p:txBody>
+          <a:bodyPr wrap="square" rtlCol="0">
+            <a:spAutoFit/>
+          </a:bodyPr>
+          <a:lstStyle/>
+          <a:p>
+            <a:r>
+              <a:rPr lang="en-US" altLang="ja-JP" dirty="0" err="1"/>
+              <a:t>C</a:t>
+            </a:r>
+            <a:r>
+              <a:rPr kumimoji="1" lang="en-US" altLang="ja-JP" dirty="0" err="1"/>
+              <a:t>ustomActivity</a:t>
             </a:r>
             <a:endParaRPr kumimoji="1" lang="ja-JP" altLang="en-US" dirty="0"/>
           </a:p>
@@ -8458,10 +9712,682 @@
           <a:chExt cx="0" cy="0"/>
         </a:xfrm>
       </p:grpSpPr>
+      <p:sp>
+        <p:nvSpPr>
+          <p:cNvPr id="2" name="正方形/長方形 1">
+            <a:extLst>
+              <a:ext uri="{FF2B5EF4-FFF2-40B4-BE49-F238E27FC236}">
+                <a16:creationId xmlns:a16="http://schemas.microsoft.com/office/drawing/2014/main" id="{590C76C5-944E-BA4E-9FFC-5E1350DA62F7}"/>
+              </a:ext>
+            </a:extLst>
+          </p:cNvPr>
+          <p:cNvSpPr/>
+          <p:nvPr/>
+        </p:nvSpPr>
+        <p:spPr>
+          <a:xfrm>
+            <a:off x="2702034" y="564226"/>
+            <a:ext cx="3739931" cy="5728138"/>
+          </a:xfrm>
+          <a:prstGeom prst="rect">
+            <a:avLst/>
+          </a:prstGeom>
+          <a:solidFill>
+            <a:schemeClr val="accent3">
+              <a:lumMod val="20000"/>
+              <a:lumOff val="80000"/>
+            </a:schemeClr>
+          </a:solidFill>
+          <a:ln/>
+        </p:spPr>
+        <p:style>
+          <a:lnRef idx="2">
+            <a:schemeClr val="accent3">
+              <a:shade val="50000"/>
+            </a:schemeClr>
+          </a:lnRef>
+          <a:fillRef idx="1">
+            <a:schemeClr val="accent3"/>
+          </a:fillRef>
+          <a:effectRef idx="0">
+            <a:schemeClr val="accent3"/>
+          </a:effectRef>
+          <a:fontRef idx="minor">
+            <a:schemeClr val="lt1"/>
+          </a:fontRef>
+        </p:style>
+        <p:txBody>
+          <a:bodyPr rtlCol="0" anchor="ctr"/>
+          <a:lstStyle/>
+          <a:p>
+            <a:pPr algn="ctr"/>
+            <a:endParaRPr kumimoji="1" lang="ja-JP" altLang="en-US"/>
+          </a:p>
+        </p:txBody>
+      </p:sp>
+      <p:sp>
+        <p:nvSpPr>
+          <p:cNvPr id="3" name="正方形/長方形 2">
+            <a:extLst>
+              <a:ext uri="{FF2B5EF4-FFF2-40B4-BE49-F238E27FC236}">
+                <a16:creationId xmlns:a16="http://schemas.microsoft.com/office/drawing/2014/main" id="{CBF1EC4B-7C1D-A649-8508-284DB211A6C1}"/>
+              </a:ext>
+            </a:extLst>
+          </p:cNvPr>
+          <p:cNvSpPr/>
+          <p:nvPr/>
+        </p:nvSpPr>
+        <p:spPr>
+          <a:xfrm>
+            <a:off x="2702034" y="564226"/>
+            <a:ext cx="3739931" cy="506204"/>
+          </a:xfrm>
+          <a:prstGeom prst="rect">
+            <a:avLst/>
+          </a:prstGeom>
+          <a:solidFill>
+            <a:schemeClr val="accent3">
+              <a:lumMod val="75000"/>
+            </a:schemeClr>
+          </a:solidFill>
+          <a:ln/>
+        </p:spPr>
+        <p:style>
+          <a:lnRef idx="2">
+            <a:schemeClr val="accent3">
+              <a:shade val="50000"/>
+            </a:schemeClr>
+          </a:lnRef>
+          <a:fillRef idx="1">
+            <a:schemeClr val="accent3"/>
+          </a:fillRef>
+          <a:effectRef idx="0">
+            <a:schemeClr val="accent3"/>
+          </a:effectRef>
+          <a:fontRef idx="minor">
+            <a:schemeClr val="lt1"/>
+          </a:fontRef>
+        </p:style>
+        <p:txBody>
+          <a:bodyPr rtlCol="0" anchor="ctr"/>
+          <a:lstStyle/>
+          <a:p>
+            <a:pPr algn="ctr"/>
+            <a:endParaRPr kumimoji="1" lang="ja-JP" altLang="en-US"/>
+          </a:p>
+        </p:txBody>
+      </p:sp>
+      <p:sp>
+        <p:nvSpPr>
+          <p:cNvPr id="7" name="テキスト ボックス 6">
+            <a:extLst>
+              <a:ext uri="{FF2B5EF4-FFF2-40B4-BE49-F238E27FC236}">
+                <a16:creationId xmlns:a16="http://schemas.microsoft.com/office/drawing/2014/main" id="{3E60D77A-8B08-0743-BA70-6AF93986DBB4}"/>
+              </a:ext>
+            </a:extLst>
+          </p:cNvPr>
+          <p:cNvSpPr txBox="1"/>
+          <p:nvPr/>
+        </p:nvSpPr>
+        <p:spPr>
+          <a:xfrm>
+            <a:off x="2916464" y="1615952"/>
+            <a:ext cx="3311072" cy="523220"/>
+          </a:xfrm>
+          <a:prstGeom prst="rect">
+            <a:avLst/>
+          </a:prstGeom>
+          <a:solidFill>
+            <a:schemeClr val="bg1"/>
+          </a:solidFill>
+          <a:ln/>
+        </p:spPr>
+        <p:style>
+          <a:lnRef idx="2">
+            <a:schemeClr val="accent3">
+              <a:shade val="50000"/>
+            </a:schemeClr>
+          </a:lnRef>
+          <a:fillRef idx="1">
+            <a:schemeClr val="accent3"/>
+          </a:fillRef>
+          <a:effectRef idx="0">
+            <a:schemeClr val="accent3"/>
+          </a:effectRef>
+          <a:fontRef idx="minor">
+            <a:schemeClr val="lt1"/>
+          </a:fontRef>
+        </p:style>
+        <p:txBody>
+          <a:bodyPr wrap="square" rtlCol="0">
+            <a:spAutoFit/>
+          </a:bodyPr>
+          <a:lstStyle/>
+          <a:p>
+            <a:r>
+              <a:rPr lang="ja-JP" altLang="en-US" sz="2800" dirty="0">
+                <a:solidFill>
+                  <a:sysClr val="windowText" lastClr="000000"/>
+                </a:solidFill>
+                <a:latin typeface="YuKyokasho Medium" panose="02000500000000000000" pitchFamily="2" charset="-128"/>
+                <a:ea typeface="YuKyokasho Medium" panose="02000500000000000000" pitchFamily="2" charset="-128"/>
+                <a:cs typeface="ヒラギノ丸ゴ ProN W4"/>
+              </a:rPr>
+              <a:t>工程名</a:t>
+            </a:r>
+            <a:endParaRPr kumimoji="1" lang="ja-JP" altLang="en-US" sz="2800" dirty="0">
+              <a:solidFill>
+                <a:sysClr val="windowText" lastClr="000000"/>
+              </a:solidFill>
+              <a:latin typeface="YuKyokasho Medium" panose="02000500000000000000" pitchFamily="2" charset="-128"/>
+              <a:ea typeface="YuKyokasho Medium" panose="02000500000000000000" pitchFamily="2" charset="-128"/>
+              <a:cs typeface="ヒラギノ丸ゴ ProN W4"/>
+            </a:endParaRPr>
+          </a:p>
+        </p:txBody>
+      </p:sp>
+      <p:sp>
+        <p:nvSpPr>
+          <p:cNvPr id="5" name="正方形/長方形 4">
+            <a:extLst>
+              <a:ext uri="{FF2B5EF4-FFF2-40B4-BE49-F238E27FC236}">
+                <a16:creationId xmlns:a16="http://schemas.microsoft.com/office/drawing/2014/main" id="{C26BB3BC-E122-8443-8D8E-21651F40622E}"/>
+              </a:ext>
+            </a:extLst>
+          </p:cNvPr>
+          <p:cNvSpPr/>
+          <p:nvPr/>
+        </p:nvSpPr>
+        <p:spPr>
+          <a:xfrm>
+            <a:off x="2916464" y="2494542"/>
+            <a:ext cx="943017" cy="889461"/>
+          </a:xfrm>
+          <a:prstGeom prst="rect">
+            <a:avLst/>
+          </a:prstGeom>
+          <a:solidFill>
+            <a:schemeClr val="bg1"/>
+          </a:solidFill>
+        </p:spPr>
+        <p:style>
+          <a:lnRef idx="2">
+            <a:schemeClr val="accent3">
+              <a:shade val="50000"/>
+            </a:schemeClr>
+          </a:lnRef>
+          <a:fillRef idx="1">
+            <a:schemeClr val="accent3"/>
+          </a:fillRef>
+          <a:effectRef idx="0">
+            <a:schemeClr val="accent3"/>
+          </a:effectRef>
+          <a:fontRef idx="minor">
+            <a:schemeClr val="lt1"/>
+          </a:fontRef>
+        </p:style>
+        <p:txBody>
+          <a:bodyPr rtlCol="0" anchor="ctr"/>
+          <a:lstStyle/>
+          <a:p>
+            <a:pPr algn="ctr"/>
+            <a:r>
+              <a:rPr lang="en-US" altLang="ja-JP" sz="4200" dirty="0">
+                <a:solidFill>
+                  <a:schemeClr val="tx1"/>
+                </a:solidFill>
+                <a:latin typeface="YuKyokasho Medium" panose="02000500000000000000" pitchFamily="2" charset="-128"/>
+                <a:ea typeface="YuKyokasho Medium" panose="02000500000000000000" pitchFamily="2" charset="-128"/>
+              </a:rPr>
+              <a:t>0</a:t>
+            </a:r>
+            <a:endParaRPr kumimoji="1" lang="ja-JP" altLang="en-US" sz="4200" dirty="0">
+              <a:solidFill>
+                <a:schemeClr val="tx1"/>
+              </a:solidFill>
+              <a:latin typeface="YuKyokasho Medium" panose="02000500000000000000" pitchFamily="2" charset="-128"/>
+              <a:ea typeface="YuKyokasho Medium" panose="02000500000000000000" pitchFamily="2" charset="-128"/>
+            </a:endParaRPr>
+          </a:p>
+        </p:txBody>
+      </p:sp>
+      <p:sp>
+        <p:nvSpPr>
+          <p:cNvPr id="9" name="正方形/長方形 8">
+            <a:extLst>
+              <a:ext uri="{FF2B5EF4-FFF2-40B4-BE49-F238E27FC236}">
+                <a16:creationId xmlns:a16="http://schemas.microsoft.com/office/drawing/2014/main" id="{47CBCBE3-395F-2940-A598-150CFE7CAE5F}"/>
+              </a:ext>
+            </a:extLst>
+          </p:cNvPr>
+          <p:cNvSpPr/>
+          <p:nvPr/>
+        </p:nvSpPr>
+        <p:spPr>
+          <a:xfrm>
+            <a:off x="4657385" y="2494542"/>
+            <a:ext cx="943017" cy="889461"/>
+          </a:xfrm>
+          <a:prstGeom prst="rect">
+            <a:avLst/>
+          </a:prstGeom>
+          <a:solidFill>
+            <a:schemeClr val="bg1"/>
+          </a:solidFill>
+        </p:spPr>
+        <p:style>
+          <a:lnRef idx="2">
+            <a:schemeClr val="accent3">
+              <a:shade val="50000"/>
+            </a:schemeClr>
+          </a:lnRef>
+          <a:fillRef idx="1">
+            <a:schemeClr val="accent3"/>
+          </a:fillRef>
+          <a:effectRef idx="0">
+            <a:schemeClr val="accent3"/>
+          </a:effectRef>
+          <a:fontRef idx="minor">
+            <a:schemeClr val="lt1"/>
+          </a:fontRef>
+        </p:style>
+        <p:txBody>
+          <a:bodyPr rtlCol="0" anchor="ctr"/>
+          <a:lstStyle/>
+          <a:p>
+            <a:pPr algn="ctr"/>
+            <a:r>
+              <a:rPr kumimoji="1" lang="en-US" altLang="ja-JP" sz="4200" dirty="0">
+                <a:solidFill>
+                  <a:schemeClr val="tx1"/>
+                </a:solidFill>
+                <a:latin typeface="YuKyokasho Medium" panose="02000500000000000000" pitchFamily="2" charset="-128"/>
+                <a:ea typeface="YuKyokasho Medium" panose="02000500000000000000" pitchFamily="2" charset="-128"/>
+              </a:rPr>
+              <a:t>0</a:t>
+            </a:r>
+            <a:endParaRPr kumimoji="1" lang="ja-JP" altLang="en-US" sz="4200" dirty="0">
+              <a:solidFill>
+                <a:schemeClr val="tx1"/>
+              </a:solidFill>
+              <a:latin typeface="YuKyokasho Medium" panose="02000500000000000000" pitchFamily="2" charset="-128"/>
+              <a:ea typeface="YuKyokasho Medium" panose="02000500000000000000" pitchFamily="2" charset="-128"/>
+            </a:endParaRPr>
+          </a:p>
+        </p:txBody>
+      </p:sp>
+      <p:sp>
+        <p:nvSpPr>
+          <p:cNvPr id="10" name="正方形/長方形 9">
+            <a:extLst>
+              <a:ext uri="{FF2B5EF4-FFF2-40B4-BE49-F238E27FC236}">
+                <a16:creationId xmlns:a16="http://schemas.microsoft.com/office/drawing/2014/main" id="{686C29F9-58B2-1844-B8D7-F677441A191B}"/>
+              </a:ext>
+            </a:extLst>
+          </p:cNvPr>
+          <p:cNvSpPr/>
+          <p:nvPr/>
+        </p:nvSpPr>
+        <p:spPr>
+          <a:xfrm>
+            <a:off x="5600402" y="2781924"/>
+            <a:ext cx="627134" cy="602079"/>
+          </a:xfrm>
+          <a:prstGeom prst="rect">
+            <a:avLst/>
+          </a:prstGeom>
+          <a:noFill/>
+          <a:ln>
+            <a:noFill/>
+          </a:ln>
+        </p:spPr>
+        <p:style>
+          <a:lnRef idx="2">
+            <a:schemeClr val="accent3">
+              <a:shade val="50000"/>
+            </a:schemeClr>
+          </a:lnRef>
+          <a:fillRef idx="1">
+            <a:schemeClr val="accent3"/>
+          </a:fillRef>
+          <a:effectRef idx="0">
+            <a:schemeClr val="accent3"/>
+          </a:effectRef>
+          <a:fontRef idx="minor">
+            <a:schemeClr val="lt1"/>
+          </a:fontRef>
+        </p:style>
+        <p:txBody>
+          <a:bodyPr rtlCol="0" anchor="ctr"/>
+          <a:lstStyle/>
+          <a:p>
+            <a:pPr algn="ctr"/>
+            <a:r>
+              <a:rPr kumimoji="1" lang="ja-JP" altLang="en-US" sz="3600" dirty="0">
+                <a:solidFill>
+                  <a:sysClr val="windowText" lastClr="000000"/>
+                </a:solidFill>
+                <a:latin typeface="YuKyokasho Medium" panose="02000500000000000000" pitchFamily="2" charset="-128"/>
+                <a:ea typeface="YuKyokasho Medium" panose="02000500000000000000" pitchFamily="2" charset="-128"/>
+              </a:rPr>
+              <a:t>秒</a:t>
+            </a:r>
+          </a:p>
+        </p:txBody>
+      </p:sp>
+      <p:sp>
+        <p:nvSpPr>
+          <p:cNvPr id="11" name="正方形/長方形 10">
+            <a:extLst>
+              <a:ext uri="{FF2B5EF4-FFF2-40B4-BE49-F238E27FC236}">
+                <a16:creationId xmlns:a16="http://schemas.microsoft.com/office/drawing/2014/main" id="{34BF3AB7-938C-1142-8F11-A3ADE275B909}"/>
+              </a:ext>
+            </a:extLst>
+          </p:cNvPr>
+          <p:cNvSpPr/>
+          <p:nvPr/>
+        </p:nvSpPr>
+        <p:spPr>
+          <a:xfrm>
+            <a:off x="3859481" y="2781924"/>
+            <a:ext cx="627134" cy="602079"/>
+          </a:xfrm>
+          <a:prstGeom prst="rect">
+            <a:avLst/>
+          </a:prstGeom>
+          <a:noFill/>
+          <a:ln>
+            <a:noFill/>
+          </a:ln>
+        </p:spPr>
+        <p:style>
+          <a:lnRef idx="2">
+            <a:schemeClr val="accent3">
+              <a:shade val="50000"/>
+            </a:schemeClr>
+          </a:lnRef>
+          <a:fillRef idx="1">
+            <a:schemeClr val="accent3"/>
+          </a:fillRef>
+          <a:effectRef idx="0">
+            <a:schemeClr val="accent3"/>
+          </a:effectRef>
+          <a:fontRef idx="minor">
+            <a:schemeClr val="lt1"/>
+          </a:fontRef>
+        </p:style>
+        <p:txBody>
+          <a:bodyPr rtlCol="0" anchor="ctr"/>
+          <a:lstStyle/>
+          <a:p>
+            <a:pPr algn="ctr"/>
+            <a:r>
+              <a:rPr kumimoji="1" lang="ja-JP" altLang="en-US" sz="3600" dirty="0">
+                <a:solidFill>
+                  <a:sysClr val="windowText" lastClr="000000"/>
+                </a:solidFill>
+                <a:latin typeface="YuKyokasho Medium" panose="02000500000000000000" pitchFamily="2" charset="-128"/>
+                <a:ea typeface="YuKyokasho Medium" panose="02000500000000000000" pitchFamily="2" charset="-128"/>
+              </a:rPr>
+              <a:t>分</a:t>
+            </a:r>
+          </a:p>
+        </p:txBody>
+      </p:sp>
+      <p:sp>
+        <p:nvSpPr>
+          <p:cNvPr id="13" name="角丸四角形 12">
+            <a:extLst>
+              <a:ext uri="{FF2B5EF4-FFF2-40B4-BE49-F238E27FC236}">
+                <a16:creationId xmlns:a16="http://schemas.microsoft.com/office/drawing/2014/main" id="{6A796D2E-39AA-9F4D-8037-EEDE995B0CB2}"/>
+              </a:ext>
+            </a:extLst>
+          </p:cNvPr>
+          <p:cNvSpPr/>
+          <p:nvPr/>
+        </p:nvSpPr>
+        <p:spPr>
+          <a:xfrm>
+            <a:off x="2916462" y="4655122"/>
+            <a:ext cx="3311074" cy="594212"/>
+          </a:xfrm>
+          <a:prstGeom prst="roundRect">
+            <a:avLst/>
+          </a:prstGeom>
+        </p:spPr>
+        <p:style>
+          <a:lnRef idx="2">
+            <a:schemeClr val="accent3">
+              <a:shade val="50000"/>
+            </a:schemeClr>
+          </a:lnRef>
+          <a:fillRef idx="1">
+            <a:schemeClr val="accent3"/>
+          </a:fillRef>
+          <a:effectRef idx="0">
+            <a:schemeClr val="accent3"/>
+          </a:effectRef>
+          <a:fontRef idx="minor">
+            <a:schemeClr val="lt1"/>
+          </a:fontRef>
+        </p:style>
+        <p:txBody>
+          <a:bodyPr rtlCol="0" anchor="ctr"/>
+          <a:lstStyle/>
+          <a:p>
+            <a:pPr algn="ctr"/>
+            <a:r>
+              <a:rPr lang="ja-JP" altLang="en-US" sz="3600" dirty="0">
+                <a:latin typeface="YuKyokasho Medium" panose="02000500000000000000" pitchFamily="2" charset="-128"/>
+                <a:ea typeface="YuKyokasho Medium" panose="02000500000000000000" pitchFamily="2" charset="-128"/>
+                <a:cs typeface="ヒラギノ丸ゴ ProN W4"/>
+              </a:rPr>
+              <a:t>設定完了</a:t>
+            </a:r>
+            <a:endParaRPr kumimoji="1" lang="ja-JP" altLang="en-US" sz="3600" dirty="0">
+              <a:latin typeface="YuKyokasho Medium" panose="02000500000000000000" pitchFamily="2" charset="-128"/>
+              <a:ea typeface="YuKyokasho Medium" panose="02000500000000000000" pitchFamily="2" charset="-128"/>
+              <a:cs typeface="ヒラギノ丸ゴ ProN W4"/>
+            </a:endParaRPr>
+          </a:p>
+        </p:txBody>
+      </p:sp>
+      <p:sp>
+        <p:nvSpPr>
+          <p:cNvPr id="15" name="角丸四角形 14">
+            <a:extLst>
+              <a:ext uri="{FF2B5EF4-FFF2-40B4-BE49-F238E27FC236}">
+                <a16:creationId xmlns:a16="http://schemas.microsoft.com/office/drawing/2014/main" id="{9B2B7724-8339-4344-8F34-5E3D1B7F9A37}"/>
+              </a:ext>
+            </a:extLst>
+          </p:cNvPr>
+          <p:cNvSpPr/>
+          <p:nvPr/>
+        </p:nvSpPr>
+        <p:spPr>
+          <a:xfrm>
+            <a:off x="2916463" y="3829942"/>
+            <a:ext cx="3311074" cy="594212"/>
+          </a:xfrm>
+          <a:prstGeom prst="roundRect">
+            <a:avLst/>
+          </a:prstGeom>
+        </p:spPr>
+        <p:style>
+          <a:lnRef idx="2">
+            <a:schemeClr val="accent3">
+              <a:shade val="50000"/>
+            </a:schemeClr>
+          </a:lnRef>
+          <a:fillRef idx="1">
+            <a:schemeClr val="accent3"/>
+          </a:fillRef>
+          <a:effectRef idx="0">
+            <a:schemeClr val="accent3"/>
+          </a:effectRef>
+          <a:fontRef idx="minor">
+            <a:schemeClr val="lt1"/>
+          </a:fontRef>
+        </p:style>
+        <p:txBody>
+          <a:bodyPr rtlCol="0" anchor="ctr"/>
+          <a:lstStyle/>
+          <a:p>
+            <a:pPr algn="ctr"/>
+            <a:r>
+              <a:rPr kumimoji="1" lang="ja-JP" altLang="en-US" sz="3600" dirty="0">
+                <a:latin typeface="YuKyokasho Medium" panose="02000500000000000000" pitchFamily="2" charset="-128"/>
+                <a:ea typeface="YuKyokasho Medium" panose="02000500000000000000" pitchFamily="2" charset="-128"/>
+                <a:cs typeface="ヒラギノ丸ゴ ProN W4"/>
+              </a:rPr>
+              <a:t>工程登録</a:t>
+            </a:r>
+          </a:p>
+        </p:txBody>
+      </p:sp>
+      <p:sp>
+        <p:nvSpPr>
+          <p:cNvPr id="16" name="テキスト ボックス 15">
+            <a:extLst>
+              <a:ext uri="{FF2B5EF4-FFF2-40B4-BE49-F238E27FC236}">
+                <a16:creationId xmlns:a16="http://schemas.microsoft.com/office/drawing/2014/main" id="{E82441A7-FB2E-EF43-8282-37B258917774}"/>
+              </a:ext>
+            </a:extLst>
+          </p:cNvPr>
+          <p:cNvSpPr txBox="1"/>
+          <p:nvPr/>
+        </p:nvSpPr>
+        <p:spPr>
+          <a:xfrm>
+            <a:off x="6543419" y="2494542"/>
+            <a:ext cx="2600581" cy="2031325"/>
+          </a:xfrm>
+          <a:prstGeom prst="rect">
+            <a:avLst/>
+          </a:prstGeom>
+          <a:noFill/>
+        </p:spPr>
+        <p:txBody>
+          <a:bodyPr wrap="square" rtlCol="0">
+            <a:spAutoFit/>
+          </a:bodyPr>
+          <a:lstStyle/>
+          <a:p>
+            <a:r>
+              <a:rPr kumimoji="1" lang="ja-JP" altLang="en-US" dirty="0"/>
+              <a:t>工程登録を押すと次の工程追加に移る（画面遷移なし）</a:t>
+            </a:r>
+            <a:endParaRPr kumimoji="1" lang="en-US" altLang="ja-JP" dirty="0"/>
+          </a:p>
+          <a:p>
+            <a:endParaRPr kumimoji="1" lang="en-US" altLang="ja-JP" dirty="0"/>
+          </a:p>
+          <a:p>
+            <a:r>
+              <a:rPr lang="ja-JP" altLang="en-US" dirty="0"/>
+              <a:t>設定完了を押すとカスタムが終わる（タイム計測画面へ遷移）</a:t>
+            </a:r>
+            <a:endParaRPr kumimoji="1" lang="ja-JP" altLang="en-US" dirty="0"/>
+          </a:p>
+        </p:txBody>
+      </p:sp>
+      <p:sp>
+        <p:nvSpPr>
+          <p:cNvPr id="17" name="角丸四角形 16">
+            <a:extLst>
+              <a:ext uri="{FF2B5EF4-FFF2-40B4-BE49-F238E27FC236}">
+                <a16:creationId xmlns:a16="http://schemas.microsoft.com/office/drawing/2014/main" id="{A813D842-D396-5B4E-86E6-3E43CE6CE9DC}"/>
+              </a:ext>
+            </a:extLst>
+          </p:cNvPr>
+          <p:cNvSpPr/>
+          <p:nvPr/>
+        </p:nvSpPr>
+        <p:spPr>
+          <a:xfrm>
+            <a:off x="4712246" y="5473743"/>
+            <a:ext cx="1515290" cy="594212"/>
+          </a:xfrm>
+          <a:prstGeom prst="roundRect">
+            <a:avLst/>
+          </a:prstGeom>
+        </p:spPr>
+        <p:style>
+          <a:lnRef idx="2">
+            <a:schemeClr val="accent3">
+              <a:shade val="50000"/>
+            </a:schemeClr>
+          </a:lnRef>
+          <a:fillRef idx="1">
+            <a:schemeClr val="accent3"/>
+          </a:fillRef>
+          <a:effectRef idx="0">
+            <a:schemeClr val="accent3"/>
+          </a:effectRef>
+          <a:fontRef idx="minor">
+            <a:schemeClr val="lt1"/>
+          </a:fontRef>
+        </p:style>
+        <p:txBody>
+          <a:bodyPr rtlCol="0" anchor="ctr"/>
+          <a:lstStyle/>
+          <a:p>
+            <a:pPr algn="ctr"/>
+            <a:r>
+              <a:rPr kumimoji="1" lang="ja-JP" altLang="en-US" sz="3600" dirty="0">
+                <a:latin typeface="YuKyokasho Medium" panose="02000500000000000000" pitchFamily="2" charset="-128"/>
+                <a:ea typeface="YuKyokasho Medium" panose="02000500000000000000" pitchFamily="2" charset="-128"/>
+                <a:cs typeface="ヒラギノ丸ゴ ProN W4"/>
+              </a:rPr>
+              <a:t>戻る</a:t>
+            </a:r>
+          </a:p>
+        </p:txBody>
+      </p:sp>
+      <p:sp>
+        <p:nvSpPr>
+          <p:cNvPr id="18" name="テキスト ボックス 17">
+            <a:extLst>
+              <a:ext uri="{FF2B5EF4-FFF2-40B4-BE49-F238E27FC236}">
+                <a16:creationId xmlns:a16="http://schemas.microsoft.com/office/drawing/2014/main" id="{1953DF05-839A-0E40-A7CE-3EB28B0D1680}"/>
+              </a:ext>
+            </a:extLst>
+          </p:cNvPr>
+          <p:cNvSpPr txBox="1"/>
+          <p:nvPr/>
+        </p:nvSpPr>
+        <p:spPr>
+          <a:xfrm>
+            <a:off x="79131" y="446567"/>
+            <a:ext cx="2233245" cy="369332"/>
+          </a:xfrm>
+          <a:prstGeom prst="rect">
+            <a:avLst/>
+          </a:prstGeom>
+          <a:noFill/>
+        </p:spPr>
+        <p:txBody>
+          <a:bodyPr wrap="square" rtlCol="0">
+            <a:spAutoFit/>
+          </a:bodyPr>
+          <a:lstStyle/>
+          <a:p>
+            <a:r>
+              <a:rPr lang="en-US" altLang="ja-JP" dirty="0" err="1"/>
+              <a:t>C</a:t>
+            </a:r>
+            <a:r>
+              <a:rPr kumimoji="1" lang="en-US" altLang="ja-JP" dirty="0" err="1"/>
+              <a:t>ustomNewActivity</a:t>
+            </a:r>
+            <a:endParaRPr kumimoji="1" lang="ja-JP" altLang="en-US" dirty="0"/>
+          </a:p>
+        </p:txBody>
+      </p:sp>
     </p:spTree>
     <p:extLst>
       <p:ext uri="{BB962C8B-B14F-4D97-AF65-F5344CB8AC3E}">
-        <p14:creationId xmlns:p14="http://schemas.microsoft.com/office/powerpoint/2010/main" val="914019428"/>
+        <p14:creationId xmlns:p14="http://schemas.microsoft.com/office/powerpoint/2010/main" val="1309284708"/>
       </p:ext>
     </p:extLst>
   </p:cSld>
@@ -8490,7 +10416,13 @@
       </p:grpSpPr>
       <p:sp>
         <p:nvSpPr>
-          <p:cNvPr id="2" name="正方形/長方形 1"/>
+          <p:cNvPr id="2" name="正方形/長方形 1">
+            <a:extLst>
+              <a:ext uri="{FF2B5EF4-FFF2-40B4-BE49-F238E27FC236}">
+                <a16:creationId xmlns:a16="http://schemas.microsoft.com/office/drawing/2014/main" id="{590C76C5-944E-BA4E-9FFC-5E1350DA62F7}"/>
+              </a:ext>
+            </a:extLst>
+          </p:cNvPr>
           <p:cNvSpPr/>
           <p:nvPr/>
         </p:nvSpPr>
@@ -8537,7 +10469,13 @@
       </p:sp>
       <p:sp>
         <p:nvSpPr>
-          <p:cNvPr id="3" name="正方形/長方形 2"/>
+          <p:cNvPr id="3" name="正方形/長方形 2">
+            <a:extLst>
+              <a:ext uri="{FF2B5EF4-FFF2-40B4-BE49-F238E27FC236}">
+                <a16:creationId xmlns:a16="http://schemas.microsoft.com/office/drawing/2014/main" id="{CBF1EC4B-7C1D-A649-8508-284DB211A6C1}"/>
+              </a:ext>
+            </a:extLst>
+          </p:cNvPr>
           <p:cNvSpPr/>
           <p:nvPr/>
         </p:nvSpPr>
@@ -8583,29 +10521,24 @@
       </p:sp>
       <p:sp>
         <p:nvSpPr>
-          <p:cNvPr id="4" name="角丸四角形 3"/>
+          <p:cNvPr id="9" name="角丸四角形 8">
+            <a:extLst>
+              <a:ext uri="{FF2B5EF4-FFF2-40B4-BE49-F238E27FC236}">
+                <a16:creationId xmlns:a16="http://schemas.microsoft.com/office/drawing/2014/main" id="{DFEEF1C5-57E4-3B4A-A7D9-D049A3060264}"/>
+              </a:ext>
+            </a:extLst>
+          </p:cNvPr>
           <p:cNvSpPr/>
           <p:nvPr/>
         </p:nvSpPr>
         <p:spPr>
           <a:xfrm>
-            <a:off x="2916464" y="1460501"/>
-            <a:ext cx="3311072" cy="807356"/>
+            <a:off x="4712246" y="5473743"/>
+            <a:ext cx="1515290" cy="594212"/>
           </a:xfrm>
           <a:prstGeom prst="roundRect">
             <a:avLst/>
           </a:prstGeom>
-          <a:solidFill>
-            <a:srgbClr val="D57C6B"/>
-          </a:solidFill>
-          <a:ln>
-            <a:solidFill>
-              <a:schemeClr val="accent2">
-                <a:lumMod val="20000"/>
-                <a:lumOff val="80000"/>
-              </a:schemeClr>
-            </a:solidFill>
-          </a:ln>
         </p:spPr>
         <p:style>
           <a:lnRef idx="2">
@@ -8629,41 +10562,36 @@
           <a:p>
             <a:pPr algn="ctr"/>
             <a:r>
-              <a:rPr kumimoji="1" lang="ja-JP" altLang="en-US" sz="3200" dirty="0">
-                <a:latin typeface="KodomoRounded" panose="02000600000000000000" pitchFamily="2" charset="-128"/>
-                <a:ea typeface="KodomoRounded" panose="02000600000000000000" pitchFamily="2" charset="-128"/>
+              <a:rPr kumimoji="1" lang="ja-JP" altLang="en-US" sz="3600" dirty="0">
+                <a:latin typeface="YuKyokasho Medium" panose="02000500000000000000" pitchFamily="2" charset="-128"/>
+                <a:ea typeface="YuKyokasho Medium" panose="02000500000000000000" pitchFamily="2" charset="-128"/>
                 <a:cs typeface="ヒラギノ丸ゴ ProN W4"/>
               </a:rPr>
-              <a:t>お気楽モード</a:t>
-            </a:r>
-          </a:p>
-        </p:txBody>
-      </p:sp>
-      <p:sp>
-        <p:nvSpPr>
-          <p:cNvPr id="8" name="角丸四角形 7"/>
+              <a:t>戻る</a:t>
+            </a:r>
+          </a:p>
+        </p:txBody>
+      </p:sp>
+      <p:sp>
+        <p:nvSpPr>
+          <p:cNvPr id="11" name="角丸四角形 10">
+            <a:extLst>
+              <a:ext uri="{FF2B5EF4-FFF2-40B4-BE49-F238E27FC236}">
+                <a16:creationId xmlns:a16="http://schemas.microsoft.com/office/drawing/2014/main" id="{5F23A6F8-C078-A143-A09D-DEB1AC3A1929}"/>
+              </a:ext>
+            </a:extLst>
+          </p:cNvPr>
           <p:cNvSpPr/>
           <p:nvPr/>
         </p:nvSpPr>
         <p:spPr>
           <a:xfrm>
-            <a:off x="2916464" y="2481943"/>
-            <a:ext cx="3311072" cy="807356"/>
+            <a:off x="2916463" y="1376889"/>
+            <a:ext cx="3311074" cy="594212"/>
           </a:xfrm>
           <a:prstGeom prst="roundRect">
             <a:avLst/>
           </a:prstGeom>
-          <a:solidFill>
-            <a:srgbClr val="696C1B"/>
-          </a:solidFill>
-          <a:ln>
-            <a:solidFill>
-              <a:schemeClr val="accent3">
-                <a:lumMod val="40000"/>
-                <a:lumOff val="60000"/>
-              </a:schemeClr>
-            </a:solidFill>
-          </a:ln>
         </p:spPr>
         <p:style>
           <a:lnRef idx="2">
@@ -8687,46 +10615,49 @@
           <a:p>
             <a:pPr algn="ctr"/>
             <a:r>
-              <a:rPr lang="ja-JP" altLang="en-US" sz="3200" dirty="0">
+              <a:rPr kumimoji="1" lang="ja-JP" altLang="en-US" sz="3600" dirty="0">
                 <a:latin typeface="YuKyokasho Medium" panose="02000500000000000000" pitchFamily="2" charset="-128"/>
                 <a:ea typeface="YuKyokasho Medium" panose="02000500000000000000" pitchFamily="2" charset="-128"/>
                 <a:cs typeface="ヒラギノ丸ゴ ProN W4"/>
               </a:rPr>
-              <a:t>検定</a:t>
-            </a:r>
-            <a:r>
-              <a:rPr kumimoji="1" lang="ja-JP" altLang="en-US" sz="3200" dirty="0">
+              <a:t>履歴</a:t>
+            </a:r>
+            <a:r>
+              <a:rPr lang="en-US" altLang="ja-JP" sz="3600" dirty="0">
                 <a:latin typeface="YuKyokasho Medium" panose="02000500000000000000" pitchFamily="2" charset="-128"/>
                 <a:ea typeface="YuKyokasho Medium" panose="02000500000000000000" pitchFamily="2" charset="-128"/>
                 <a:cs typeface="ヒラギノ丸ゴ ProN W4"/>
               </a:rPr>
-              <a:t>モード</a:t>
-            </a:r>
-          </a:p>
-        </p:txBody>
-      </p:sp>
-      <p:sp>
-        <p:nvSpPr>
-          <p:cNvPr id="9" name="角丸四角形 8"/>
+              <a:t>1</a:t>
+            </a:r>
+            <a:endParaRPr kumimoji="1" lang="ja-JP" altLang="en-US" sz="3600" dirty="0">
+              <a:latin typeface="YuKyokasho Medium" panose="02000500000000000000" pitchFamily="2" charset="-128"/>
+              <a:ea typeface="YuKyokasho Medium" panose="02000500000000000000" pitchFamily="2" charset="-128"/>
+              <a:cs typeface="ヒラギノ丸ゴ ProN W4"/>
+            </a:endParaRPr>
+          </a:p>
+        </p:txBody>
+      </p:sp>
+      <p:sp>
+        <p:nvSpPr>
+          <p:cNvPr id="15" name="角丸四角形 14">
+            <a:extLst>
+              <a:ext uri="{FF2B5EF4-FFF2-40B4-BE49-F238E27FC236}">
+                <a16:creationId xmlns:a16="http://schemas.microsoft.com/office/drawing/2014/main" id="{4D74F9DA-2430-C84A-8FED-F8DB43CD38CC}"/>
+              </a:ext>
+            </a:extLst>
+          </p:cNvPr>
           <p:cNvSpPr/>
           <p:nvPr/>
         </p:nvSpPr>
         <p:spPr>
           <a:xfrm>
-            <a:off x="2916464" y="3503385"/>
-            <a:ext cx="3311072" cy="807356"/>
+            <a:off x="2916462" y="2144750"/>
+            <a:ext cx="3311074" cy="594212"/>
           </a:xfrm>
           <a:prstGeom prst="roundRect">
             <a:avLst/>
           </a:prstGeom>
-          <a:solidFill>
-            <a:srgbClr val="164B73"/>
-          </a:solidFill>
-          <a:ln>
-            <a:solidFill>
-              <a:srgbClr val="163053"/>
-            </a:solidFill>
-          </a:ln>
         </p:spPr>
         <p:style>
           <a:lnRef idx="2">
@@ -8750,46 +10681,49 @@
           <a:p>
             <a:pPr algn="ctr"/>
             <a:r>
-              <a:rPr lang="ja-JP" altLang="en-US" sz="3200" dirty="0">
+              <a:rPr lang="ja-JP" altLang="en-US" sz="3600" dirty="0">
                 <a:latin typeface="YuKyokasho Medium" panose="02000500000000000000" pitchFamily="2" charset="-128"/>
                 <a:ea typeface="YuKyokasho Medium" panose="02000500000000000000" pitchFamily="2" charset="-128"/>
                 <a:cs typeface="ヒラギノ丸ゴ ProN W4"/>
               </a:rPr>
-              <a:t>名人</a:t>
-            </a:r>
-            <a:r>
-              <a:rPr kumimoji="1" lang="ja-JP" altLang="en-US" sz="3200" dirty="0">
+              <a:t>履歴</a:t>
+            </a:r>
+            <a:r>
+              <a:rPr lang="en-US" altLang="ja-JP" sz="3600" dirty="0">
                 <a:latin typeface="YuKyokasho Medium" panose="02000500000000000000" pitchFamily="2" charset="-128"/>
                 <a:ea typeface="YuKyokasho Medium" panose="02000500000000000000" pitchFamily="2" charset="-128"/>
                 <a:cs typeface="ヒラギノ丸ゴ ProN W4"/>
               </a:rPr>
-              <a:t>モード</a:t>
-            </a:r>
-          </a:p>
-        </p:txBody>
-      </p:sp>
-      <p:sp>
-        <p:nvSpPr>
-          <p:cNvPr id="10" name="角丸四角形 9"/>
+              <a:t>2</a:t>
+            </a:r>
+            <a:endParaRPr lang="ja-JP" altLang="en-US" sz="3600" dirty="0">
+              <a:latin typeface="YuKyokasho Medium" panose="02000500000000000000" pitchFamily="2" charset="-128"/>
+              <a:ea typeface="YuKyokasho Medium" panose="02000500000000000000" pitchFamily="2" charset="-128"/>
+              <a:cs typeface="ヒラギノ丸ゴ ProN W4"/>
+            </a:endParaRPr>
+          </a:p>
+        </p:txBody>
+      </p:sp>
+      <p:sp>
+        <p:nvSpPr>
+          <p:cNvPr id="16" name="角丸四角形 15">
+            <a:extLst>
+              <a:ext uri="{FF2B5EF4-FFF2-40B4-BE49-F238E27FC236}">
+                <a16:creationId xmlns:a16="http://schemas.microsoft.com/office/drawing/2014/main" id="{2DC176F4-AC88-A04E-AD0A-7F7A20D27EE8}"/>
+              </a:ext>
+            </a:extLst>
+          </p:cNvPr>
           <p:cNvSpPr/>
           <p:nvPr/>
         </p:nvSpPr>
         <p:spPr>
           <a:xfrm>
-            <a:off x="2916464" y="4524827"/>
-            <a:ext cx="3311072" cy="807356"/>
+            <a:off x="2916461" y="2912611"/>
+            <a:ext cx="3311074" cy="594212"/>
           </a:xfrm>
           <a:prstGeom prst="roundRect">
             <a:avLst/>
           </a:prstGeom>
-          <a:solidFill>
-            <a:srgbClr val="0F2350"/>
-          </a:solidFill>
-          <a:ln>
-            <a:solidFill>
-              <a:srgbClr val="0F2323"/>
-            </a:solidFill>
-          </a:ln>
         </p:spPr>
         <p:style>
           <a:lnRef idx="2">
@@ -8813,26 +10747,45 @@
           <a:p>
             <a:pPr algn="ctr"/>
             <a:r>
-              <a:rPr kumimoji="1" lang="ja-JP" altLang="en-US" sz="3200" dirty="0">
+              <a:rPr lang="ja-JP" altLang="en-US" sz="3600" dirty="0">
                 <a:latin typeface="YuKyokasho Medium" panose="02000500000000000000" pitchFamily="2" charset="-128"/>
                 <a:ea typeface="YuKyokasho Medium" panose="02000500000000000000" pitchFamily="2" charset="-128"/>
                 <a:cs typeface="ヒラギノ丸ゴ ProN W4"/>
               </a:rPr>
-              <a:t>カスタム</a:t>
-            </a:r>
-          </a:p>
-        </p:txBody>
-      </p:sp>
-      <p:sp>
-        <p:nvSpPr>
-          <p:cNvPr id="11" name="角丸四角形 10"/>
+              <a:t>履歴</a:t>
+            </a:r>
+            <a:r>
+              <a:rPr lang="en-US" altLang="ja-JP" sz="3600" dirty="0">
+                <a:latin typeface="YuKyokasho Medium" panose="02000500000000000000" pitchFamily="2" charset="-128"/>
+                <a:ea typeface="YuKyokasho Medium" panose="02000500000000000000" pitchFamily="2" charset="-128"/>
+                <a:cs typeface="ヒラギノ丸ゴ ProN W4"/>
+              </a:rPr>
+              <a:t>3</a:t>
+            </a:r>
+            <a:endParaRPr lang="ja-JP" altLang="en-US" sz="3600" dirty="0">
+              <a:latin typeface="YuKyokasho Medium" panose="02000500000000000000" pitchFamily="2" charset="-128"/>
+              <a:ea typeface="YuKyokasho Medium" panose="02000500000000000000" pitchFamily="2" charset="-128"/>
+              <a:cs typeface="ヒラギノ丸ゴ ProN W4"/>
+            </a:endParaRPr>
+          </a:p>
+        </p:txBody>
+      </p:sp>
+      <p:sp>
+        <p:nvSpPr>
+          <p:cNvPr id="17" name="角丸四角形 16">
+            <a:extLst>
+              <a:ext uri="{FF2B5EF4-FFF2-40B4-BE49-F238E27FC236}">
+                <a16:creationId xmlns:a16="http://schemas.microsoft.com/office/drawing/2014/main" id="{B86CFB5F-FB1D-E246-818A-F6B1468631A9}"/>
+              </a:ext>
+            </a:extLst>
+          </p:cNvPr>
           <p:cNvSpPr/>
           <p:nvPr/>
         </p:nvSpPr>
         <p:spPr>
           <a:xfrm>
-            <a:off x="4807857" y="5551713"/>
-            <a:ext cx="1419679" cy="522507"/>
+            <a:off x="2916460" y="3680472"/>
+            <a:ext cx="3311074" cy="594212"/>
           </a:xfrm>
           <a:prstGeom prst="roundRect">
             <a:avLst/>
@@ -8860,22 +10813,35 @@
           <a:p>
             <a:pPr algn="ctr"/>
             <a:r>
-              <a:rPr kumimoji="1" lang="ja-JP" altLang="en-US" sz="3200" dirty="0">
+              <a:rPr lang="ja-JP" altLang="en-US" sz="3600" dirty="0">
                 <a:latin typeface="YuKyokasho Medium" panose="02000500000000000000" pitchFamily="2" charset="-128"/>
                 <a:ea typeface="YuKyokasho Medium" panose="02000500000000000000" pitchFamily="2" charset="-128"/>
                 <a:cs typeface="ヒラギノ丸ゴ ProN W4"/>
               </a:rPr>
-              <a:t>戻る</a:t>
-            </a:r>
-          </a:p>
-        </p:txBody>
-      </p:sp>
-      <p:sp>
-        <p:nvSpPr>
-          <p:cNvPr id="5" name="テキスト ボックス 4">
+              <a:t>履歴</a:t>
+            </a:r>
+            <a:r>
+              <a:rPr lang="en-US" altLang="ja-JP" sz="3600" dirty="0">
+                <a:latin typeface="YuKyokasho Medium" panose="02000500000000000000" pitchFamily="2" charset="-128"/>
+                <a:ea typeface="YuKyokasho Medium" panose="02000500000000000000" pitchFamily="2" charset="-128"/>
+                <a:cs typeface="ヒラギノ丸ゴ ProN W4"/>
+              </a:rPr>
+              <a:t>4</a:t>
+            </a:r>
+            <a:endParaRPr lang="ja-JP" altLang="en-US" sz="3600" dirty="0">
+              <a:latin typeface="YuKyokasho Medium" panose="02000500000000000000" pitchFamily="2" charset="-128"/>
+              <a:ea typeface="YuKyokasho Medium" panose="02000500000000000000" pitchFamily="2" charset="-128"/>
+              <a:cs typeface="ヒラギノ丸ゴ ProN W4"/>
+            </a:endParaRPr>
+          </a:p>
+        </p:txBody>
+      </p:sp>
+      <p:sp>
+        <p:nvSpPr>
+          <p:cNvPr id="19" name="テキスト ボックス 18">
             <a:extLst>
               <a:ext uri="{FF2B5EF4-FFF2-40B4-BE49-F238E27FC236}">
-                <a16:creationId xmlns:a16="http://schemas.microsoft.com/office/drawing/2014/main" id="{ECF65EF3-6B3E-5946-9E8F-23467244536E}"/>
+                <a16:creationId xmlns:a16="http://schemas.microsoft.com/office/drawing/2014/main" id="{B783FFD3-8173-6742-99B1-60DA91BB23B5}"/>
               </a:ext>
             </a:extLst>
           </p:cNvPr>
@@ -8884,8 +10850,8 @@
         </p:nvSpPr>
         <p:spPr>
           <a:xfrm>
-            <a:off x="7019109" y="1460501"/>
-            <a:ext cx="2856411" cy="1754326"/>
+            <a:off x="4264220" y="4391448"/>
+            <a:ext cx="615553" cy="965531"/>
           </a:xfrm>
           <a:prstGeom prst="rect">
             <a:avLst/>
@@ -8893,43 +10859,26 @@
           <a:noFill/>
         </p:spPr>
         <p:txBody>
-          <a:bodyPr wrap="square" rtlCol="0">
+          <a:bodyPr vert="eaVert" wrap="square" rtlCol="0">
             <a:spAutoFit/>
           </a:bodyPr>
           <a:lstStyle/>
           <a:p>
-            <a:r>
-              <a:rPr kumimoji="1" lang="ja-JP" altLang="en-US" dirty="0"/>
-              <a:t>モードボタンをタップ</a:t>
-            </a:r>
-            <a:endParaRPr kumimoji="1" lang="en-US" altLang="ja-JP" dirty="0"/>
-          </a:p>
-          <a:p>
-            <a:r>
-              <a:rPr lang="en-US" altLang="ja-JP" dirty="0"/>
-              <a:t>-&gt;  </a:t>
-            </a:r>
-            <a:r>
-              <a:rPr lang="ja-JP" altLang="en-US" dirty="0"/>
-              <a:t>説明を一枚噛ませるページを作成</a:t>
-            </a:r>
-            <a:endParaRPr lang="en-US" altLang="ja-JP" dirty="0"/>
-          </a:p>
-          <a:p>
-            <a:r>
-              <a:rPr lang="ja-JP" altLang="en-US" dirty="0"/>
-              <a:t>（検定モード、名人モードでは各工程ごとの目標値を確認できるボタン作成）</a:t>
-            </a:r>
-            <a:endParaRPr lang="en-US" altLang="ja-JP" dirty="0"/>
-          </a:p>
-        </p:txBody>
-      </p:sp>
-      <p:sp>
-        <p:nvSpPr>
-          <p:cNvPr id="12" name="テキスト ボックス 11">
+            <a:pPr algn="ctr"/>
+            <a:r>
+              <a:rPr lang="ja-JP" altLang="en-US" sz="2800" dirty="0"/>
+              <a:t>・・・</a:t>
+            </a:r>
+            <a:endParaRPr kumimoji="1" lang="ja-JP" altLang="en-US" sz="2800" dirty="0"/>
+          </a:p>
+        </p:txBody>
+      </p:sp>
+      <p:sp>
+        <p:nvSpPr>
+          <p:cNvPr id="20" name="テキスト ボックス 19">
             <a:extLst>
               <a:ext uri="{FF2B5EF4-FFF2-40B4-BE49-F238E27FC236}">
-                <a16:creationId xmlns:a16="http://schemas.microsoft.com/office/drawing/2014/main" id="{BF9026C8-A69F-374C-930E-A1D699173123}"/>
+                <a16:creationId xmlns:a16="http://schemas.microsoft.com/office/drawing/2014/main" id="{0B3D72D4-247F-2A45-B413-44AE948EB306}"/>
               </a:ext>
             </a:extLst>
           </p:cNvPr>
@@ -8938,8 +10887,8 @@
         </p:nvSpPr>
         <p:spPr>
           <a:xfrm>
-            <a:off x="340242" y="446567"/>
-            <a:ext cx="1701209" cy="369332"/>
+            <a:off x="6543419" y="2494542"/>
+            <a:ext cx="2600581" cy="2585323"/>
           </a:xfrm>
           <a:prstGeom prst="rect">
             <a:avLst/>
@@ -8953,8 +10902,76 @@
           <a:lstStyle/>
           <a:p>
             <a:r>
+              <a:rPr kumimoji="1" lang="ja-JP" altLang="en-US" dirty="0"/>
+              <a:t>カスタムの設定履歴を降順で並べる</a:t>
+            </a:r>
+            <a:endParaRPr kumimoji="1" lang="en-US" altLang="ja-JP" dirty="0"/>
+          </a:p>
+          <a:p>
+            <a:r>
+              <a:rPr lang="ja-JP" altLang="en-US" dirty="0"/>
+              <a:t>設定履歴ボタンを押すとカスタム確認画面に遷移</a:t>
+            </a:r>
+            <a:endParaRPr lang="en-US" altLang="ja-JP" dirty="0"/>
+          </a:p>
+          <a:p>
+            <a:endParaRPr kumimoji="1" lang="en-US" altLang="ja-JP" dirty="0"/>
+          </a:p>
+          <a:p>
+            <a:endParaRPr lang="en-US" altLang="ja-JP" dirty="0"/>
+          </a:p>
+          <a:p>
+            <a:r>
+              <a:rPr lang="ja-JP" altLang="en-US" dirty="0"/>
+              <a:t>戻るを押すと一つ前の画面（</a:t>
+            </a:r>
+            <a:r>
+              <a:rPr lang="en-US" altLang="ja-JP" dirty="0" err="1"/>
+              <a:t>CustomActivity</a:t>
+            </a:r>
+            <a:r>
+              <a:rPr lang="ja-JP" altLang="en-US" dirty="0"/>
+              <a:t>）に遷移</a:t>
+            </a:r>
+            <a:endParaRPr kumimoji="1" lang="ja-JP" altLang="en-US" dirty="0"/>
+          </a:p>
+        </p:txBody>
+      </p:sp>
+      <p:sp>
+        <p:nvSpPr>
+          <p:cNvPr id="21" name="テキスト ボックス 20">
+            <a:extLst>
+              <a:ext uri="{FF2B5EF4-FFF2-40B4-BE49-F238E27FC236}">
+                <a16:creationId xmlns:a16="http://schemas.microsoft.com/office/drawing/2014/main" id="{74F87802-5053-054E-A17B-B77F6F13A109}"/>
+              </a:ext>
+            </a:extLst>
+          </p:cNvPr>
+          <p:cNvSpPr txBox="1"/>
+          <p:nvPr/>
+        </p:nvSpPr>
+        <p:spPr>
+          <a:xfrm>
+            <a:off x="87923" y="446567"/>
+            <a:ext cx="2512657" cy="369332"/>
+          </a:xfrm>
+          <a:prstGeom prst="rect">
+            <a:avLst/>
+          </a:prstGeom>
+          <a:noFill/>
+        </p:spPr>
+        <p:txBody>
+          <a:bodyPr wrap="square" rtlCol="0">
+            <a:spAutoFit/>
+          </a:bodyPr>
+          <a:lstStyle/>
+          <a:p>
+            <a:r>
+              <a:rPr lang="en-US" altLang="ja-JP" dirty="0" err="1"/>
+              <a:t>C</a:t>
+            </a:r>
+            <a:r>
               <a:rPr kumimoji="1" lang="en-US" altLang="ja-JP" dirty="0" err="1"/>
-              <a:t>MeasureActivity</a:t>
+              <a:t>ustomMemolyActivity</a:t>
             </a:r>
             <a:endParaRPr kumimoji="1" lang="ja-JP" altLang="en-US" dirty="0"/>
           </a:p>
@@ -8963,7 +10980,7 @@
     </p:spTree>
     <p:extLst>
       <p:ext uri="{BB962C8B-B14F-4D97-AF65-F5344CB8AC3E}">
-        <p14:creationId xmlns:p14="http://schemas.microsoft.com/office/powerpoint/2010/main" val="922847979"/>
+        <p14:creationId xmlns:p14="http://schemas.microsoft.com/office/powerpoint/2010/main" val="914019428"/>
       </p:ext>
     </p:extLst>
   </p:cSld>
@@ -8992,7 +11009,13 @@
       </p:grpSpPr>
       <p:sp>
         <p:nvSpPr>
-          <p:cNvPr id="2" name="正方形/長方形 1"/>
+          <p:cNvPr id="2" name="正方形/長方形 1">
+            <a:extLst>
+              <a:ext uri="{FF2B5EF4-FFF2-40B4-BE49-F238E27FC236}">
+                <a16:creationId xmlns:a16="http://schemas.microsoft.com/office/drawing/2014/main" id="{A4BDC1D4-A6B0-6740-824A-A527D96846BD}"/>
+              </a:ext>
+            </a:extLst>
+          </p:cNvPr>
           <p:cNvSpPr/>
           <p:nvPr/>
         </p:nvSpPr>
@@ -9039,7 +11062,13 @@
       </p:sp>
       <p:sp>
         <p:nvSpPr>
-          <p:cNvPr id="3" name="正方形/長方形 2"/>
+          <p:cNvPr id="3" name="正方形/長方形 2">
+            <a:extLst>
+              <a:ext uri="{FF2B5EF4-FFF2-40B4-BE49-F238E27FC236}">
+                <a16:creationId xmlns:a16="http://schemas.microsoft.com/office/drawing/2014/main" id="{6A979B57-D645-A549-8C10-0B7A9AE4A620}"/>
+              </a:ext>
+            </a:extLst>
+          </p:cNvPr>
           <p:cNvSpPr/>
           <p:nvPr/>
         </p:nvSpPr>
@@ -9079,65 +11108,16 @@
           <a:lstStyle/>
           <a:p>
             <a:pPr algn="ctr"/>
-            <a:r>
-              <a:rPr kumimoji="1" lang="ja-JP" altLang="en-US" dirty="0"/>
-              <a:t>モード名（お気楽、検定、名人</a:t>
-            </a:r>
-            <a:r>
-              <a:rPr kumimoji="1" lang="en-US" altLang="ja-JP" dirty="0" err="1"/>
-              <a:t>etc</a:t>
-            </a:r>
-            <a:r>
-              <a:rPr kumimoji="1" lang="en-US" altLang="ja-JP" dirty="0"/>
-              <a:t>…</a:t>
-            </a:r>
-            <a:r>
-              <a:rPr kumimoji="1" lang="ja-JP" altLang="en-US" dirty="0"/>
-              <a:t>）</a:t>
-            </a:r>
-          </a:p>
-        </p:txBody>
-      </p:sp>
-      <p:sp>
-        <p:nvSpPr>
-          <p:cNvPr id="5" name="テキスト ボックス 4"/>
-          <p:cNvSpPr txBox="1"/>
-          <p:nvPr/>
-        </p:nvSpPr>
-        <p:spPr>
-          <a:xfrm>
-            <a:off x="2916464" y="1460500"/>
-            <a:ext cx="3311072" cy="523220"/>
-          </a:xfrm>
-          <a:prstGeom prst="rect">
-            <a:avLst/>
-          </a:prstGeom>
-          <a:noFill/>
-        </p:spPr>
-        <p:txBody>
-          <a:bodyPr wrap="square" rtlCol="0">
-            <a:spAutoFit/>
-          </a:bodyPr>
-          <a:lstStyle/>
-          <a:p>
-            <a:pPr algn="ctr"/>
-            <a:r>
-              <a:rPr kumimoji="1" lang="ja-JP" altLang="en-US" sz="2800" dirty="0">
-                <a:latin typeface="YuKyokasho Medium" panose="02000500000000000000" pitchFamily="2" charset="-128"/>
-                <a:ea typeface="YuKyokasho Medium" panose="02000500000000000000" pitchFamily="2" charset="-128"/>
-                <a:cs typeface="ヒラギノ丸ゴ ProN W4"/>
-              </a:rPr>
-              <a:t>説明文</a:t>
-            </a:r>
-          </a:p>
-        </p:txBody>
-      </p:sp>
-      <p:sp>
-        <p:nvSpPr>
-          <p:cNvPr id="9" name="角丸四角形 8">
+            <a:endParaRPr kumimoji="1" lang="ja-JP" altLang="en-US"/>
+          </a:p>
+        </p:txBody>
+      </p:sp>
+      <p:sp>
+        <p:nvSpPr>
+          <p:cNvPr id="7" name="角丸四角形 6">
             <a:extLst>
               <a:ext uri="{FF2B5EF4-FFF2-40B4-BE49-F238E27FC236}">
-                <a16:creationId xmlns:a16="http://schemas.microsoft.com/office/drawing/2014/main" id="{23FA34EC-72AA-F243-B17F-8F205DFCEE06}"/>
+                <a16:creationId xmlns:a16="http://schemas.microsoft.com/office/drawing/2014/main" id="{1D14E1FA-5501-C04E-9E5F-80FE3988B6A2}"/>
               </a:ext>
             </a:extLst>
           </p:cNvPr>
@@ -9146,8 +11126,8 @@
         </p:nvSpPr>
         <p:spPr>
           <a:xfrm>
-            <a:off x="3862159" y="5627215"/>
-            <a:ext cx="1419679" cy="522507"/>
+            <a:off x="2916461" y="4639734"/>
+            <a:ext cx="3311074" cy="594212"/>
           </a:xfrm>
           <a:prstGeom prst="roundRect">
             <a:avLst/>
@@ -9175,27 +11155,22 @@
           <a:p>
             <a:pPr algn="ctr"/>
             <a:r>
-              <a:rPr lang="ja-JP" altLang="en-US" sz="3200" dirty="0">
+              <a:rPr lang="ja-JP" altLang="en-US" sz="3600" dirty="0">
                 <a:latin typeface="YuKyokasho Medium" panose="02000500000000000000" pitchFamily="2" charset="-128"/>
                 <a:ea typeface="YuKyokasho Medium" panose="02000500000000000000" pitchFamily="2" charset="-128"/>
                 <a:cs typeface="ヒラギノ丸ゴ ProN W4"/>
               </a:rPr>
-              <a:t>戻る</a:t>
-            </a:r>
-            <a:endParaRPr kumimoji="1" lang="ja-JP" altLang="en-US" sz="3200" dirty="0">
-              <a:latin typeface="YuKyokasho Medium" panose="02000500000000000000" pitchFamily="2" charset="-128"/>
-              <a:ea typeface="YuKyokasho Medium" panose="02000500000000000000" pitchFamily="2" charset="-128"/>
-              <a:cs typeface="ヒラギノ丸ゴ ProN W4"/>
-            </a:endParaRPr>
-          </a:p>
-        </p:txBody>
-      </p:sp>
-      <p:sp>
-        <p:nvSpPr>
-          <p:cNvPr id="12" name="角丸四角形 11">
+              <a:t>開始する</a:t>
+            </a:r>
+          </a:p>
+        </p:txBody>
+      </p:sp>
+      <p:sp>
+        <p:nvSpPr>
+          <p:cNvPr id="8" name="角丸四角形 7">
             <a:extLst>
               <a:ext uri="{FF2B5EF4-FFF2-40B4-BE49-F238E27FC236}">
-                <a16:creationId xmlns:a16="http://schemas.microsoft.com/office/drawing/2014/main" id="{8EFA7D81-DD7F-034C-938A-6127302BE7F4}"/>
+                <a16:creationId xmlns:a16="http://schemas.microsoft.com/office/drawing/2014/main" id="{B7E2F9AC-B691-C54D-ADEC-0197823431D4}"/>
               </a:ext>
             </a:extLst>
           </p:cNvPr>
@@ -9204,8 +11179,8 @@
         </p:nvSpPr>
         <p:spPr>
           <a:xfrm>
-            <a:off x="3282675" y="4962066"/>
-            <a:ext cx="2578645" cy="522507"/>
+            <a:off x="2916460" y="5407595"/>
+            <a:ext cx="3311074" cy="594212"/>
           </a:xfrm>
           <a:prstGeom prst="roundRect">
             <a:avLst/>
@@ -9233,83 +11208,524 @@
           <a:p>
             <a:pPr algn="ctr"/>
             <a:r>
-              <a:rPr lang="ja-JP" altLang="en-US" sz="3200" dirty="0">
+              <a:rPr lang="ja-JP" altLang="en-US" sz="3600" dirty="0">
                 <a:latin typeface="YuKyokasho Medium" panose="02000500000000000000" pitchFamily="2" charset="-128"/>
                 <a:ea typeface="YuKyokasho Medium" panose="02000500000000000000" pitchFamily="2" charset="-128"/>
                 <a:cs typeface="ヒラギノ丸ゴ ProN W4"/>
               </a:rPr>
-              <a:t>計測する</a:t>
-            </a:r>
-            <a:endParaRPr kumimoji="1" lang="ja-JP" altLang="en-US" sz="3200" dirty="0">
-              <a:latin typeface="YuKyokasho Medium" panose="02000500000000000000" pitchFamily="2" charset="-128"/>
-              <a:ea typeface="YuKyokasho Medium" panose="02000500000000000000" pitchFamily="2" charset="-128"/>
-              <a:cs typeface="ヒラギノ丸ゴ ProN W4"/>
-            </a:endParaRPr>
-          </a:p>
-        </p:txBody>
-      </p:sp>
-      <p:sp>
-        <p:nvSpPr>
-          <p:cNvPr id="13" name="角丸四角形 12">
+              <a:t>戻る</a:t>
+            </a:r>
+          </a:p>
+        </p:txBody>
+      </p:sp>
+      <p:graphicFrame>
+        <p:nvGraphicFramePr>
+          <p:cNvPr id="12" name="表 11">
             <a:extLst>
               <a:ext uri="{FF2B5EF4-FFF2-40B4-BE49-F238E27FC236}">
-                <a16:creationId xmlns:a16="http://schemas.microsoft.com/office/drawing/2014/main" id="{188F5972-4DBA-464F-997E-2B0332AE3FA0}"/>
+                <a16:creationId xmlns:a16="http://schemas.microsoft.com/office/drawing/2014/main" id="{BA26804C-A529-F247-A935-532B1DFB4818}"/>
               </a:ext>
             </a:extLst>
           </p:cNvPr>
-          <p:cNvSpPr/>
-          <p:nvPr/>
-        </p:nvSpPr>
-        <p:spPr>
-          <a:xfrm>
-            <a:off x="3282675" y="4296917"/>
-            <a:ext cx="2578645" cy="522507"/>
-          </a:xfrm>
-          <a:prstGeom prst="roundRect">
-            <a:avLst/>
-          </a:prstGeom>
-        </p:spPr>
-        <p:style>
-          <a:lnRef idx="2">
-            <a:schemeClr val="accent3">
-              <a:shade val="50000"/>
-            </a:schemeClr>
-          </a:lnRef>
-          <a:fillRef idx="1">
-            <a:schemeClr val="accent3"/>
-          </a:fillRef>
-          <a:effectRef idx="0">
-            <a:schemeClr val="accent3"/>
-          </a:effectRef>
-          <a:fontRef idx="minor">
-            <a:schemeClr val="lt1"/>
-          </a:fontRef>
-        </p:style>
-        <p:txBody>
-          <a:bodyPr rtlCol="0" anchor="ctr"/>
+          <p:cNvGraphicFramePr>
+            <a:graphicFrameLocks noGrp="1"/>
+          </p:cNvGraphicFramePr>
+          <p:nvPr>
+            <p:extLst>
+              <p:ext uri="{D42A27DB-BD31-4B8C-83A1-F6EECF244321}">
+                <p14:modId xmlns:p14="http://schemas.microsoft.com/office/powerpoint/2010/main" val="1544826650"/>
+              </p:ext>
+            </p:extLst>
+          </p:nvPr>
+        </p:nvGraphicFramePr>
+        <p:xfrm>
+          <a:off x="2795451" y="1466668"/>
+          <a:ext cx="3492138" cy="1112520"/>
+        </p:xfrm>
+        <a:graphic>
+          <a:graphicData uri="http://schemas.openxmlformats.org/drawingml/2006/table">
+            <a:tbl>
+              <a:tblPr firstRow="1" bandRow="1">
+                <a:tableStyleId>{5C22544A-7EE6-4342-B048-85BDC9FD1C3A}</a:tableStyleId>
+              </a:tblPr>
+              <a:tblGrid>
+                <a:gridCol w="1164046">
+                  <a:extLst>
+                    <a:ext uri="{9D8B030D-6E8A-4147-A177-3AD203B41FA5}">
+                      <a16:colId xmlns:a16="http://schemas.microsoft.com/office/drawing/2014/main" val="271734137"/>
+                    </a:ext>
+                  </a:extLst>
+                </a:gridCol>
+                <a:gridCol w="1164046">
+                  <a:extLst>
+                    <a:ext uri="{9D8B030D-6E8A-4147-A177-3AD203B41FA5}">
+                      <a16:colId xmlns:a16="http://schemas.microsoft.com/office/drawing/2014/main" val="1105124699"/>
+                    </a:ext>
+                  </a:extLst>
+                </a:gridCol>
+                <a:gridCol w="1164046">
+                  <a:extLst>
+                    <a:ext uri="{9D8B030D-6E8A-4147-A177-3AD203B41FA5}">
+                      <a16:colId xmlns:a16="http://schemas.microsoft.com/office/drawing/2014/main" val="893619284"/>
+                    </a:ext>
+                  </a:extLst>
+                </a:gridCol>
+              </a:tblGrid>
+              <a:tr h="370840">
+                <a:tc gridSpan="3">
+                  <a:txBody>
+                    <a:bodyPr/>
+                    <a:lstStyle/>
+                    <a:p>
+                      <a:pPr algn="ctr"/>
+                      <a:r>
+                        <a:rPr kumimoji="1" lang="ja-JP" altLang="en-US" dirty="0"/>
+                        <a:t>計量</a:t>
+                      </a:r>
+                    </a:p>
+                  </a:txBody>
+                  <a:tcPr/>
+                </a:tc>
+                <a:tc hMerge="1">
+                  <a:txBody>
+                    <a:bodyPr/>
+                    <a:lstStyle/>
+                    <a:p>
+                      <a:endParaRPr kumimoji="1" lang="ja-JP" altLang="en-US" dirty="0"/>
+                    </a:p>
+                  </a:txBody>
+                  <a:tcPr/>
+                </a:tc>
+                <a:tc hMerge="1">
+                  <a:txBody>
+                    <a:bodyPr/>
+                    <a:lstStyle/>
+                    <a:p>
+                      <a:endParaRPr kumimoji="1" lang="ja-JP" altLang="en-US" dirty="0"/>
+                    </a:p>
+                  </a:txBody>
+                  <a:tcPr/>
+                </a:tc>
+                <a:extLst>
+                  <a:ext uri="{0D108BD9-81ED-4DB2-BD59-A6C34878D82A}">
+                    <a16:rowId xmlns:a16="http://schemas.microsoft.com/office/drawing/2014/main" val="4021220918"/>
+                  </a:ext>
+                </a:extLst>
+              </a:tr>
+              <a:tr h="370840">
+                <a:tc>
+                  <a:txBody>
+                    <a:bodyPr/>
+                    <a:lstStyle/>
+                    <a:p>
+                      <a:pPr algn="ctr"/>
+                      <a:r>
+                        <a:rPr kumimoji="1" lang="ja-JP" altLang="en-US" dirty="0"/>
+                        <a:t>目標時間</a:t>
+                      </a:r>
+                    </a:p>
+                  </a:txBody>
+                  <a:tcPr/>
+                </a:tc>
+                <a:tc>
+                  <a:txBody>
+                    <a:bodyPr/>
+                    <a:lstStyle/>
+                    <a:p>
+                      <a:pPr algn="ctr"/>
+                      <a:r>
+                        <a:rPr kumimoji="1" lang="ja-JP" altLang="en-US" dirty="0"/>
+                        <a:t>計測時間</a:t>
+                      </a:r>
+                    </a:p>
+                  </a:txBody>
+                  <a:tcPr/>
+                </a:tc>
+                <a:tc>
+                  <a:txBody>
+                    <a:bodyPr/>
+                    <a:lstStyle/>
+                    <a:p>
+                      <a:pPr algn="ctr"/>
+                      <a:r>
+                        <a:rPr kumimoji="1" lang="ja-JP" altLang="en-US" dirty="0"/>
+                        <a:t>結果</a:t>
+                      </a:r>
+                    </a:p>
+                  </a:txBody>
+                  <a:tcPr/>
+                </a:tc>
+                <a:extLst>
+                  <a:ext uri="{0D108BD9-81ED-4DB2-BD59-A6C34878D82A}">
+                    <a16:rowId xmlns:a16="http://schemas.microsoft.com/office/drawing/2014/main" val="1703400175"/>
+                  </a:ext>
+                </a:extLst>
+              </a:tr>
+              <a:tr h="370840">
+                <a:tc>
+                  <a:txBody>
+                    <a:bodyPr/>
+                    <a:lstStyle/>
+                    <a:p>
+                      <a:pPr algn="ctr"/>
+                      <a:r>
+                        <a:rPr kumimoji="1" lang="en-US" altLang="ja-JP" dirty="0"/>
+                        <a:t>1:30</a:t>
+                      </a:r>
+                      <a:endParaRPr kumimoji="1" lang="ja-JP" altLang="en-US" dirty="0"/>
+                    </a:p>
+                  </a:txBody>
+                  <a:tcPr/>
+                </a:tc>
+                <a:tc>
+                  <a:txBody>
+                    <a:bodyPr/>
+                    <a:lstStyle/>
+                    <a:p>
+                      <a:pPr algn="ctr"/>
+                      <a:r>
+                        <a:rPr kumimoji="1" lang="en-US" altLang="ja-JP" dirty="0"/>
+                        <a:t>1:50</a:t>
+                      </a:r>
+                      <a:endParaRPr kumimoji="1" lang="ja-JP" altLang="en-US" dirty="0"/>
+                    </a:p>
+                  </a:txBody>
+                  <a:tcPr/>
+                </a:tc>
+                <a:tc>
+                  <a:txBody>
+                    <a:bodyPr/>
+                    <a:lstStyle/>
+                    <a:p>
+                      <a:pPr algn="ctr"/>
+                      <a:r>
+                        <a:rPr kumimoji="1" lang="en-US" altLang="ja-JP" dirty="0">
+                          <a:solidFill>
+                            <a:srgbClr val="FF0000"/>
+                          </a:solidFill>
+                        </a:rPr>
+                        <a:t>+20</a:t>
+                      </a:r>
+                      <a:endParaRPr kumimoji="1" lang="ja-JP" altLang="en-US" dirty="0">
+                        <a:solidFill>
+                          <a:srgbClr val="FF0000"/>
+                        </a:solidFill>
+                      </a:endParaRPr>
+                    </a:p>
+                  </a:txBody>
+                  <a:tcPr/>
+                </a:tc>
+                <a:extLst>
+                  <a:ext uri="{0D108BD9-81ED-4DB2-BD59-A6C34878D82A}">
+                    <a16:rowId xmlns:a16="http://schemas.microsoft.com/office/drawing/2014/main" val="955114109"/>
+                  </a:ext>
+                </a:extLst>
+              </a:tr>
+            </a:tbl>
+          </a:graphicData>
+        </a:graphic>
+      </p:graphicFrame>
+      <p:graphicFrame>
+        <p:nvGraphicFramePr>
+          <p:cNvPr id="13" name="表 12">
+            <a:extLst>
+              <a:ext uri="{FF2B5EF4-FFF2-40B4-BE49-F238E27FC236}">
+                <a16:creationId xmlns:a16="http://schemas.microsoft.com/office/drawing/2014/main" id="{59A268BF-B229-8347-BDE7-1AD06E57FCCA}"/>
+              </a:ext>
+            </a:extLst>
+          </p:cNvPr>
+          <p:cNvGraphicFramePr>
+            <a:graphicFrameLocks noGrp="1"/>
+          </p:cNvGraphicFramePr>
+          <p:nvPr>
+            <p:extLst>
+              <p:ext uri="{D42A27DB-BD31-4B8C-83A1-F6EECF244321}">
+                <p14:modId xmlns:p14="http://schemas.microsoft.com/office/powerpoint/2010/main" val="2024963084"/>
+              </p:ext>
+            </p:extLst>
+          </p:nvPr>
+        </p:nvGraphicFramePr>
+        <p:xfrm>
+          <a:off x="2825930" y="2732162"/>
+          <a:ext cx="3492138" cy="1112520"/>
+        </p:xfrm>
+        <a:graphic>
+          <a:graphicData uri="http://schemas.openxmlformats.org/drawingml/2006/table">
+            <a:tbl>
+              <a:tblPr firstRow="1" bandRow="1">
+                <a:tableStyleId>{5C22544A-7EE6-4342-B048-85BDC9FD1C3A}</a:tableStyleId>
+              </a:tblPr>
+              <a:tblGrid>
+                <a:gridCol w="1164046">
+                  <a:extLst>
+                    <a:ext uri="{9D8B030D-6E8A-4147-A177-3AD203B41FA5}">
+                      <a16:colId xmlns:a16="http://schemas.microsoft.com/office/drawing/2014/main" val="271734137"/>
+                    </a:ext>
+                  </a:extLst>
+                </a:gridCol>
+                <a:gridCol w="1164046">
+                  <a:extLst>
+                    <a:ext uri="{9D8B030D-6E8A-4147-A177-3AD203B41FA5}">
+                      <a16:colId xmlns:a16="http://schemas.microsoft.com/office/drawing/2014/main" val="1105124699"/>
+                    </a:ext>
+                  </a:extLst>
+                </a:gridCol>
+                <a:gridCol w="1164046">
+                  <a:extLst>
+                    <a:ext uri="{9D8B030D-6E8A-4147-A177-3AD203B41FA5}">
+                      <a16:colId xmlns:a16="http://schemas.microsoft.com/office/drawing/2014/main" val="893619284"/>
+                    </a:ext>
+                  </a:extLst>
+                </a:gridCol>
+              </a:tblGrid>
+              <a:tr h="370840">
+                <a:tc gridSpan="3">
+                  <a:txBody>
+                    <a:bodyPr/>
+                    <a:lstStyle/>
+                    <a:p>
+                      <a:pPr algn="ctr"/>
+                      <a:r>
+                        <a:rPr kumimoji="1" lang="ja-JP" altLang="en-US" dirty="0"/>
+                        <a:t>水回し</a:t>
+                      </a:r>
+                    </a:p>
+                  </a:txBody>
+                  <a:tcPr/>
+                </a:tc>
+                <a:tc hMerge="1">
+                  <a:txBody>
+                    <a:bodyPr/>
+                    <a:lstStyle/>
+                    <a:p>
+                      <a:endParaRPr kumimoji="1" lang="ja-JP" altLang="en-US" dirty="0"/>
+                    </a:p>
+                  </a:txBody>
+                  <a:tcPr/>
+                </a:tc>
+                <a:tc hMerge="1">
+                  <a:txBody>
+                    <a:bodyPr/>
+                    <a:lstStyle/>
+                    <a:p>
+                      <a:endParaRPr kumimoji="1" lang="ja-JP" altLang="en-US" dirty="0"/>
+                    </a:p>
+                  </a:txBody>
+                  <a:tcPr/>
+                </a:tc>
+                <a:extLst>
+                  <a:ext uri="{0D108BD9-81ED-4DB2-BD59-A6C34878D82A}">
+                    <a16:rowId xmlns:a16="http://schemas.microsoft.com/office/drawing/2014/main" val="4021220918"/>
+                  </a:ext>
+                </a:extLst>
+              </a:tr>
+              <a:tr h="370840">
+                <a:tc>
+                  <a:txBody>
+                    <a:bodyPr/>
+                    <a:lstStyle/>
+                    <a:p>
+                      <a:pPr algn="ctr"/>
+                      <a:r>
+                        <a:rPr kumimoji="1" lang="ja-JP" altLang="en-US" dirty="0"/>
+                        <a:t>目標時間</a:t>
+                      </a:r>
+                    </a:p>
+                  </a:txBody>
+                  <a:tcPr/>
+                </a:tc>
+                <a:tc>
+                  <a:txBody>
+                    <a:bodyPr/>
+                    <a:lstStyle/>
+                    <a:p>
+                      <a:pPr algn="ctr"/>
+                      <a:r>
+                        <a:rPr kumimoji="1" lang="ja-JP" altLang="en-US" dirty="0"/>
+                        <a:t>計測時間</a:t>
+                      </a:r>
+                    </a:p>
+                  </a:txBody>
+                  <a:tcPr/>
+                </a:tc>
+                <a:tc>
+                  <a:txBody>
+                    <a:bodyPr/>
+                    <a:lstStyle/>
+                    <a:p>
+                      <a:pPr algn="ctr"/>
+                      <a:r>
+                        <a:rPr kumimoji="1" lang="ja-JP" altLang="en-US" dirty="0"/>
+                        <a:t>結果</a:t>
+                      </a:r>
+                    </a:p>
+                  </a:txBody>
+                  <a:tcPr/>
+                </a:tc>
+                <a:extLst>
+                  <a:ext uri="{0D108BD9-81ED-4DB2-BD59-A6C34878D82A}">
+                    <a16:rowId xmlns:a16="http://schemas.microsoft.com/office/drawing/2014/main" val="1703400175"/>
+                  </a:ext>
+                </a:extLst>
+              </a:tr>
+              <a:tr h="370840">
+                <a:tc>
+                  <a:txBody>
+                    <a:bodyPr/>
+                    <a:lstStyle/>
+                    <a:p>
+                      <a:pPr algn="ctr"/>
+                      <a:r>
+                        <a:rPr kumimoji="1" lang="en-US" altLang="ja-JP" dirty="0"/>
+                        <a:t>1:30</a:t>
+                      </a:r>
+                      <a:endParaRPr kumimoji="1" lang="ja-JP" altLang="en-US" dirty="0"/>
+                    </a:p>
+                  </a:txBody>
+                  <a:tcPr/>
+                </a:tc>
+                <a:tc>
+                  <a:txBody>
+                    <a:bodyPr/>
+                    <a:lstStyle/>
+                    <a:p>
+                      <a:pPr algn="ctr"/>
+                      <a:r>
+                        <a:rPr kumimoji="1" lang="en-US" altLang="ja-JP" dirty="0"/>
+                        <a:t>1:50</a:t>
+                      </a:r>
+                      <a:endParaRPr kumimoji="1" lang="ja-JP" altLang="en-US" dirty="0"/>
+                    </a:p>
+                  </a:txBody>
+                  <a:tcPr/>
+                </a:tc>
+                <a:tc>
+                  <a:txBody>
+                    <a:bodyPr/>
+                    <a:lstStyle/>
+                    <a:p>
+                      <a:pPr algn="ctr"/>
+                      <a:r>
+                        <a:rPr kumimoji="1" lang="en-US" altLang="ja-JP" dirty="0">
+                          <a:solidFill>
+                            <a:srgbClr val="FF0000"/>
+                          </a:solidFill>
+                        </a:rPr>
+                        <a:t>+20</a:t>
+                      </a:r>
+                      <a:endParaRPr kumimoji="1" lang="ja-JP" altLang="en-US" dirty="0">
+                        <a:solidFill>
+                          <a:srgbClr val="FF0000"/>
+                        </a:solidFill>
+                      </a:endParaRPr>
+                    </a:p>
+                  </a:txBody>
+                  <a:tcPr/>
+                </a:tc>
+                <a:extLst>
+                  <a:ext uri="{0D108BD9-81ED-4DB2-BD59-A6C34878D82A}">
+                    <a16:rowId xmlns:a16="http://schemas.microsoft.com/office/drawing/2014/main" val="955114109"/>
+                  </a:ext>
+                </a:extLst>
+              </a:tr>
+            </a:tbl>
+          </a:graphicData>
+        </a:graphic>
+      </p:graphicFrame>
+      <p:sp>
+        <p:nvSpPr>
+          <p:cNvPr id="14" name="テキスト ボックス 13">
+            <a:extLst>
+              <a:ext uri="{FF2B5EF4-FFF2-40B4-BE49-F238E27FC236}">
+                <a16:creationId xmlns:a16="http://schemas.microsoft.com/office/drawing/2014/main" id="{DA195B1F-5BD9-4343-B13C-BF7DBBB77755}"/>
+              </a:ext>
+            </a:extLst>
+          </p:cNvPr>
+          <p:cNvSpPr txBox="1"/>
+          <p:nvPr/>
+        </p:nvSpPr>
+        <p:spPr>
+          <a:xfrm>
+            <a:off x="4264220" y="3712877"/>
+            <a:ext cx="615553" cy="965531"/>
+          </a:xfrm>
+          <a:prstGeom prst="rect">
+            <a:avLst/>
+          </a:prstGeom>
+          <a:noFill/>
+        </p:spPr>
+        <p:txBody>
+          <a:bodyPr vert="eaVert" wrap="square" rtlCol="0">
+            <a:spAutoFit/>
+          </a:bodyPr>
           <a:lstStyle/>
           <a:p>
             <a:pPr algn="ctr"/>
             <a:r>
-              <a:rPr lang="ja-JP" altLang="en-US" sz="2000" dirty="0">
-                <a:latin typeface="YuKyokasho Medium" panose="02000500000000000000" pitchFamily="2" charset="-128"/>
-                <a:ea typeface="YuKyokasho Medium" panose="02000500000000000000" pitchFamily="2" charset="-128"/>
-                <a:cs typeface="ヒラギノ丸ゴ ProN W4"/>
-              </a:rPr>
-              <a:t>各工程の目標タイム</a:t>
-            </a:r>
-            <a:endParaRPr kumimoji="1" lang="ja-JP" altLang="en-US" sz="2000" dirty="0">
-              <a:latin typeface="YuKyokasho Medium" panose="02000500000000000000" pitchFamily="2" charset="-128"/>
-              <a:ea typeface="YuKyokasho Medium" panose="02000500000000000000" pitchFamily="2" charset="-128"/>
-              <a:cs typeface="ヒラギノ丸ゴ ProN W4"/>
-            </a:endParaRPr>
+              <a:rPr lang="ja-JP" altLang="en-US" sz="2800" dirty="0"/>
+              <a:t>・・・</a:t>
+            </a:r>
+            <a:endParaRPr kumimoji="1" lang="ja-JP" altLang="en-US" sz="2800" dirty="0"/>
+          </a:p>
+        </p:txBody>
+      </p:sp>
+      <p:sp>
+        <p:nvSpPr>
+          <p:cNvPr id="15" name="テキスト ボックス 14">
+            <a:extLst>
+              <a:ext uri="{FF2B5EF4-FFF2-40B4-BE49-F238E27FC236}">
+                <a16:creationId xmlns:a16="http://schemas.microsoft.com/office/drawing/2014/main" id="{360AE2EF-EDF2-DC4A-A2B8-8D57BA908B89}"/>
+              </a:ext>
+            </a:extLst>
+          </p:cNvPr>
+          <p:cNvSpPr txBox="1"/>
+          <p:nvPr/>
+        </p:nvSpPr>
+        <p:spPr>
+          <a:xfrm>
+            <a:off x="6543419" y="2494542"/>
+            <a:ext cx="2600581" cy="2031325"/>
+          </a:xfrm>
+          <a:prstGeom prst="rect">
+            <a:avLst/>
+          </a:prstGeom>
+          <a:noFill/>
+        </p:spPr>
+        <p:txBody>
+          <a:bodyPr wrap="square" rtlCol="0">
+            <a:spAutoFit/>
+          </a:bodyPr>
+          <a:lstStyle/>
+          <a:p>
+            <a:r>
+              <a:rPr lang="ja-JP" altLang="en-US" dirty="0"/>
+              <a:t>開始するを押すことでタイマー計測画面に</a:t>
+            </a:r>
+            <a:r>
+              <a:rPr kumimoji="1" lang="ja-JP" altLang="en-US" dirty="0"/>
+              <a:t>遷移</a:t>
+            </a:r>
+            <a:endParaRPr kumimoji="1" lang="en-US" altLang="ja-JP" dirty="0"/>
+          </a:p>
+          <a:p>
+            <a:endParaRPr kumimoji="1" lang="en-US" altLang="ja-JP" dirty="0"/>
+          </a:p>
+          <a:p>
+            <a:r>
+              <a:rPr lang="ja-JP" altLang="en-US" dirty="0"/>
+              <a:t>戻るを押すことでひとつ前の画面（履歴選択画面）に遷移</a:t>
+            </a:r>
+            <a:endParaRPr lang="en-US" altLang="ja-JP" dirty="0"/>
+          </a:p>
+          <a:p>
+            <a:endParaRPr kumimoji="1" lang="ja-JP" altLang="en-US" dirty="0"/>
           </a:p>
         </p:txBody>
       </p:sp>
     </p:spTree>
     <p:extLst>
       <p:ext uri="{BB962C8B-B14F-4D97-AF65-F5344CB8AC3E}">
-        <p14:creationId xmlns:p14="http://schemas.microsoft.com/office/powerpoint/2010/main" val="4022588149"/>
+        <p14:creationId xmlns:p14="http://schemas.microsoft.com/office/powerpoint/2010/main" val="4010588071"/>
       </p:ext>
     </p:extLst>
   </p:cSld>
@@ -9425,22 +11841,7 @@
           <a:lstStyle/>
           <a:p>
             <a:pPr algn="ctr"/>
-            <a:r>
-              <a:rPr kumimoji="1" lang="ja-JP" altLang="en-US" dirty="0"/>
-              <a:t>モード名（お気楽、検定、名人</a:t>
-            </a:r>
-            <a:r>
-              <a:rPr kumimoji="1" lang="en-US" altLang="ja-JP" dirty="0" err="1"/>
-              <a:t>etc</a:t>
-            </a:r>
-            <a:r>
-              <a:rPr kumimoji="1" lang="en-US" altLang="ja-JP" dirty="0"/>
-              <a:t>…</a:t>
-            </a:r>
-            <a:r>
-              <a:rPr kumimoji="1" lang="ja-JP" altLang="en-US" dirty="0"/>
-              <a:t>）</a:t>
-            </a:r>
+            <a:endParaRPr kumimoji="1" lang="ja-JP" altLang="en-US"/>
           </a:p>
         </p:txBody>
       </p:sp>
@@ -9452,12 +11853,23 @@
         </p:nvSpPr>
         <p:spPr>
           <a:xfrm>
-            <a:off x="2916464" y="2872921"/>
-            <a:ext cx="3311072" cy="1347107"/>
+            <a:off x="2916464" y="1460501"/>
+            <a:ext cx="3311072" cy="807356"/>
           </a:xfrm>
           <a:prstGeom prst="roundRect">
             <a:avLst/>
           </a:prstGeom>
+          <a:solidFill>
+            <a:srgbClr val="D57C6B"/>
+          </a:solidFill>
+          <a:ln>
+            <a:solidFill>
+              <a:schemeClr val="accent2">
+                <a:lumMod val="20000"/>
+                <a:lumOff val="80000"/>
+              </a:schemeClr>
+            </a:solidFill>
+          </a:ln>
         </p:spPr>
         <p:style>
           <a:lnRef idx="2">
@@ -9481,35 +11893,41 @@
           <a:p>
             <a:pPr algn="ctr"/>
             <a:r>
-              <a:rPr kumimoji="1" lang="en-US" altLang="ja-JP" sz="4800" dirty="0">
-                <a:latin typeface="YuKyokasho Medium" panose="02000500000000000000" pitchFamily="2" charset="-128"/>
-                <a:ea typeface="YuKyokasho Medium" panose="02000500000000000000" pitchFamily="2" charset="-128"/>
+              <a:rPr kumimoji="1" lang="ja-JP" altLang="en-US" sz="3200" dirty="0">
+                <a:latin typeface="KodomoRounded" panose="02000600000000000000" pitchFamily="2" charset="-128"/>
+                <a:ea typeface="KodomoRounded" panose="02000600000000000000" pitchFamily="2" charset="-128"/>
                 <a:cs typeface="ヒラギノ丸ゴ ProN W4"/>
               </a:rPr>
-              <a:t>00:00:00</a:t>
-            </a:r>
-            <a:endParaRPr kumimoji="1" lang="ja-JP" altLang="en-US" sz="4800" dirty="0">
-              <a:latin typeface="YuKyokasho Medium" panose="02000500000000000000" pitchFamily="2" charset="-128"/>
-              <a:ea typeface="YuKyokasho Medium" panose="02000500000000000000" pitchFamily="2" charset="-128"/>
-              <a:cs typeface="ヒラギノ丸ゴ ProN W4"/>
-            </a:endParaRPr>
-          </a:p>
-        </p:txBody>
-      </p:sp>
-      <p:sp>
-        <p:nvSpPr>
-          <p:cNvPr id="11" name="角丸四角形 10"/>
+              <a:t>お気楽モード</a:t>
+            </a:r>
+          </a:p>
+        </p:txBody>
+      </p:sp>
+      <p:sp>
+        <p:nvSpPr>
+          <p:cNvPr id="8" name="角丸四角形 7"/>
           <p:cNvSpPr/>
           <p:nvPr/>
         </p:nvSpPr>
         <p:spPr>
           <a:xfrm>
-            <a:off x="4807857" y="4962066"/>
-            <a:ext cx="1419679" cy="522507"/>
+            <a:off x="2916464" y="2481943"/>
+            <a:ext cx="3311072" cy="807356"/>
           </a:xfrm>
           <a:prstGeom prst="roundRect">
             <a:avLst/>
           </a:prstGeom>
+          <a:solidFill>
+            <a:srgbClr val="696C1B"/>
+          </a:solidFill>
+          <a:ln>
+            <a:solidFill>
+              <a:schemeClr val="accent3">
+                <a:lumMod val="40000"/>
+                <a:lumOff val="60000"/>
+              </a:schemeClr>
+            </a:solidFill>
+          </a:ln>
         </p:spPr>
         <p:style>
           <a:lnRef idx="2">
@@ -9538,30 +11956,41 @@
                 <a:ea typeface="YuKyokasho Medium" panose="02000500000000000000" pitchFamily="2" charset="-128"/>
                 <a:cs typeface="ヒラギノ丸ゴ ProN W4"/>
               </a:rPr>
-              <a:t>戻る</a:t>
-            </a:r>
-            <a:endParaRPr lang="en-US" altLang="ja-JP" sz="3200" dirty="0">
-              <a:latin typeface="YuKyokasho Medium" panose="02000500000000000000" pitchFamily="2" charset="-128"/>
-              <a:ea typeface="YuKyokasho Medium" panose="02000500000000000000" pitchFamily="2" charset="-128"/>
-              <a:cs typeface="ヒラギノ丸ゴ ProN W4"/>
-            </a:endParaRPr>
-          </a:p>
-        </p:txBody>
-      </p:sp>
-      <p:sp>
-        <p:nvSpPr>
-          <p:cNvPr id="10" name="角丸四角形 9"/>
+              <a:t>検定</a:t>
+            </a:r>
+            <a:r>
+              <a:rPr kumimoji="1" lang="ja-JP" altLang="en-US" sz="3200" dirty="0">
+                <a:latin typeface="YuKyokasho Medium" panose="02000500000000000000" pitchFamily="2" charset="-128"/>
+                <a:ea typeface="YuKyokasho Medium" panose="02000500000000000000" pitchFamily="2" charset="-128"/>
+                <a:cs typeface="ヒラギノ丸ゴ ProN W4"/>
+              </a:rPr>
+              <a:t>モード</a:t>
+            </a:r>
+          </a:p>
+        </p:txBody>
+      </p:sp>
+      <p:sp>
+        <p:nvSpPr>
+          <p:cNvPr id="9" name="角丸四角形 8"/>
           <p:cNvSpPr/>
           <p:nvPr/>
         </p:nvSpPr>
         <p:spPr>
           <a:xfrm>
-            <a:off x="2916464" y="4962066"/>
-            <a:ext cx="1419679" cy="522507"/>
+            <a:off x="2916464" y="3503385"/>
+            <a:ext cx="3311072" cy="807356"/>
           </a:xfrm>
           <a:prstGeom prst="roundRect">
             <a:avLst/>
           </a:prstGeom>
+          <a:solidFill>
+            <a:srgbClr val="164B73"/>
+          </a:solidFill>
+          <a:ln>
+            <a:solidFill>
+              <a:srgbClr val="163053"/>
+            </a:solidFill>
+          </a:ln>
         </p:spPr>
         <p:style>
           <a:lnRef idx="2">
@@ -9585,71 +12014,132 @@
           <a:p>
             <a:pPr algn="ctr"/>
             <a:r>
+              <a:rPr lang="ja-JP" altLang="en-US" sz="3200" dirty="0">
+                <a:latin typeface="YuKyokasho Medium" panose="02000500000000000000" pitchFamily="2" charset="-128"/>
+                <a:ea typeface="YuKyokasho Medium" panose="02000500000000000000" pitchFamily="2" charset="-128"/>
+                <a:cs typeface="ヒラギノ丸ゴ ProN W4"/>
+              </a:rPr>
+              <a:t>名人</a:t>
+            </a:r>
+            <a:r>
               <a:rPr kumimoji="1" lang="ja-JP" altLang="en-US" sz="3200" dirty="0">
                 <a:latin typeface="YuKyokasho Medium" panose="02000500000000000000" pitchFamily="2" charset="-128"/>
                 <a:ea typeface="YuKyokasho Medium" panose="02000500000000000000" pitchFamily="2" charset="-128"/>
                 <a:cs typeface="ヒラギノ丸ゴ ProN W4"/>
               </a:rPr>
-              <a:t>開始</a:t>
-            </a:r>
-          </a:p>
-        </p:txBody>
-      </p:sp>
-      <p:sp>
-        <p:nvSpPr>
-          <p:cNvPr id="5" name="テキスト ボックス 4"/>
-          <p:cNvSpPr txBox="1"/>
-          <p:nvPr/>
-        </p:nvSpPr>
-        <p:spPr>
-          <a:xfrm>
-            <a:off x="2916464" y="1460500"/>
-            <a:ext cx="3311072" cy="954107"/>
-          </a:xfrm>
-          <a:prstGeom prst="rect">
-            <a:avLst/>
-          </a:prstGeom>
-          <a:noFill/>
-        </p:spPr>
-        <p:txBody>
-          <a:bodyPr wrap="square" rtlCol="0">
-            <a:spAutoFit/>
-          </a:bodyPr>
+              <a:t>モード</a:t>
+            </a:r>
+          </a:p>
+        </p:txBody>
+      </p:sp>
+      <p:sp>
+        <p:nvSpPr>
+          <p:cNvPr id="10" name="角丸四角形 9"/>
+          <p:cNvSpPr/>
+          <p:nvPr/>
+        </p:nvSpPr>
+        <p:spPr>
+          <a:xfrm>
+            <a:off x="2916464" y="4524827"/>
+            <a:ext cx="3311072" cy="807356"/>
+          </a:xfrm>
+          <a:prstGeom prst="roundRect">
+            <a:avLst/>
+          </a:prstGeom>
+          <a:solidFill>
+            <a:srgbClr val="0F2350"/>
+          </a:solidFill>
+          <a:ln>
+            <a:solidFill>
+              <a:srgbClr val="0F2323"/>
+            </a:solidFill>
+          </a:ln>
+        </p:spPr>
+        <p:style>
+          <a:lnRef idx="2">
+            <a:schemeClr val="accent3">
+              <a:shade val="50000"/>
+            </a:schemeClr>
+          </a:lnRef>
+          <a:fillRef idx="1">
+            <a:schemeClr val="accent3"/>
+          </a:fillRef>
+          <a:effectRef idx="0">
+            <a:schemeClr val="accent3"/>
+          </a:effectRef>
+          <a:fontRef idx="minor">
+            <a:schemeClr val="lt1"/>
+          </a:fontRef>
+        </p:style>
+        <p:txBody>
+          <a:bodyPr rtlCol="0" anchor="ctr"/>
           <a:lstStyle/>
           <a:p>
             <a:pPr algn="ctr"/>
             <a:r>
-              <a:rPr kumimoji="1" lang="ja-JP" altLang="en-US" sz="2800" dirty="0">
+              <a:rPr kumimoji="1" lang="ja-JP" altLang="en-US" sz="3200" dirty="0">
                 <a:latin typeface="YuKyokasho Medium" panose="02000500000000000000" pitchFamily="2" charset="-128"/>
                 <a:ea typeface="YuKyokasho Medium" panose="02000500000000000000" pitchFamily="2" charset="-128"/>
                 <a:cs typeface="ヒラギノ丸ゴ ProN W4"/>
               </a:rPr>
-              <a:t>準備が整ったら</a:t>
-            </a:r>
-            <a:br>
-              <a:rPr kumimoji="1" lang="en-US" altLang="ja-JP" sz="2800" dirty="0">
+              <a:t>カスタム</a:t>
+            </a:r>
+          </a:p>
+        </p:txBody>
+      </p:sp>
+      <p:sp>
+        <p:nvSpPr>
+          <p:cNvPr id="11" name="角丸四角形 10"/>
+          <p:cNvSpPr/>
+          <p:nvPr/>
+        </p:nvSpPr>
+        <p:spPr>
+          <a:xfrm>
+            <a:off x="4807857" y="5551713"/>
+            <a:ext cx="1419679" cy="522507"/>
+          </a:xfrm>
+          <a:prstGeom prst="roundRect">
+            <a:avLst/>
+          </a:prstGeom>
+        </p:spPr>
+        <p:style>
+          <a:lnRef idx="2">
+            <a:schemeClr val="accent3">
+              <a:shade val="50000"/>
+            </a:schemeClr>
+          </a:lnRef>
+          <a:fillRef idx="1">
+            <a:schemeClr val="accent3"/>
+          </a:fillRef>
+          <a:effectRef idx="0">
+            <a:schemeClr val="accent3"/>
+          </a:effectRef>
+          <a:fontRef idx="minor">
+            <a:schemeClr val="lt1"/>
+          </a:fontRef>
+        </p:style>
+        <p:txBody>
+          <a:bodyPr rtlCol="0" anchor="ctr"/>
+          <a:lstStyle/>
+          <a:p>
+            <a:pPr algn="ctr"/>
+            <a:r>
+              <a:rPr kumimoji="1" lang="ja-JP" altLang="en-US" sz="3200" dirty="0">
                 <a:latin typeface="YuKyokasho Medium" panose="02000500000000000000" pitchFamily="2" charset="-128"/>
                 <a:ea typeface="YuKyokasho Medium" panose="02000500000000000000" pitchFamily="2" charset="-128"/>
                 <a:cs typeface="ヒラギノ丸ゴ ProN W4"/>
               </a:rPr>
-            </a:br>
-            <a:r>
-              <a:rPr kumimoji="1" lang="ja-JP" altLang="en-US" sz="2800" dirty="0">
-                <a:latin typeface="YuKyokasho Medium" panose="02000500000000000000" pitchFamily="2" charset="-128"/>
-                <a:ea typeface="YuKyokasho Medium" panose="02000500000000000000" pitchFamily="2" charset="-128"/>
-                <a:cs typeface="ヒラギノ丸ゴ ProN W4"/>
-              </a:rPr>
-              <a:t>開始をタップ</a:t>
-            </a:r>
-          </a:p>
-        </p:txBody>
-      </p:sp>
-      <p:sp>
-        <p:nvSpPr>
-          <p:cNvPr id="7" name="テキスト ボックス 6">
+              <a:t>戻る</a:t>
+            </a:r>
+          </a:p>
+        </p:txBody>
+      </p:sp>
+      <p:sp>
+        <p:nvSpPr>
+          <p:cNvPr id="5" name="テキスト ボックス 4">
             <a:extLst>
               <a:ext uri="{FF2B5EF4-FFF2-40B4-BE49-F238E27FC236}">
-                <a16:creationId xmlns:a16="http://schemas.microsoft.com/office/drawing/2014/main" id="{5F2B7902-B974-8043-B2D3-604EF17B2BB6}"/>
+                <a16:creationId xmlns:a16="http://schemas.microsoft.com/office/drawing/2014/main" id="{ECF65EF3-6B3E-5946-9E8F-23467244536E}"/>
               </a:ext>
             </a:extLst>
           </p:cNvPr>
@@ -9658,8 +12148,8 @@
         </p:nvSpPr>
         <p:spPr>
           <a:xfrm>
-            <a:off x="6779208" y="5022908"/>
-            <a:ext cx="2464526" cy="923330"/>
+            <a:off x="7019109" y="1460501"/>
+            <a:ext cx="2856411" cy="1754326"/>
           </a:xfrm>
           <a:prstGeom prst="rect">
             <a:avLst/>
@@ -9674,25 +12164,36 @@
           <a:p>
             <a:r>
               <a:rPr kumimoji="1" lang="ja-JP" altLang="en-US" dirty="0"/>
-              <a:t>各工程ごとの目標値を確認できるようにする</a:t>
+              <a:t>モードボタンをタップ</a:t>
             </a:r>
             <a:endParaRPr kumimoji="1" lang="en-US" altLang="ja-JP" dirty="0"/>
           </a:p>
           <a:p>
             <a:r>
+              <a:rPr lang="en-US" altLang="ja-JP" dirty="0"/>
+              <a:t>-&gt;  </a:t>
+            </a:r>
+            <a:r>
               <a:rPr lang="ja-JP" altLang="en-US" dirty="0"/>
-              <a:t>ボタンなど</a:t>
+              <a:t>説明を一枚噛ませるページを作成</a:t>
             </a:r>
             <a:endParaRPr lang="en-US" altLang="ja-JP" dirty="0"/>
           </a:p>
-        </p:txBody>
-      </p:sp>
-      <p:sp>
-        <p:nvSpPr>
-          <p:cNvPr id="9" name="テキスト ボックス 8">
+          <a:p>
+            <a:r>
+              <a:rPr lang="ja-JP" altLang="en-US" dirty="0"/>
+              <a:t>（検定モード、名人モードでは各工程ごとの目標値を確認できるボタン作成）</a:t>
+            </a:r>
+            <a:endParaRPr lang="en-US" altLang="ja-JP" dirty="0"/>
+          </a:p>
+        </p:txBody>
+      </p:sp>
+      <p:sp>
+        <p:nvSpPr>
+          <p:cNvPr id="12" name="テキスト ボックス 11">
             <a:extLst>
               <a:ext uri="{FF2B5EF4-FFF2-40B4-BE49-F238E27FC236}">
-                <a16:creationId xmlns:a16="http://schemas.microsoft.com/office/drawing/2014/main" id="{BB758E4B-A0C8-C649-AF91-B7BAE32594D4}"/>
+                <a16:creationId xmlns:a16="http://schemas.microsoft.com/office/drawing/2014/main" id="{BF9026C8-A69F-374C-930E-A1D699173123}"/>
               </a:ext>
             </a:extLst>
           </p:cNvPr>
@@ -9716,12 +12217,8 @@
           <a:lstStyle/>
           <a:p>
             <a:r>
-              <a:rPr lang="en-US" altLang="ja-JP" dirty="0" err="1"/>
-              <a:t>T</a:t>
-            </a:r>
-            <a:r>
               <a:rPr kumimoji="1" lang="en-US" altLang="ja-JP" dirty="0" err="1"/>
-              <a:t>imerActivity</a:t>
+              <a:t>MeasureActivity</a:t>
             </a:r>
             <a:endParaRPr kumimoji="1" lang="ja-JP" altLang="en-US" dirty="0"/>
           </a:p>
@@ -9730,7 +12227,7 @@
     </p:spTree>
     <p:extLst>
       <p:ext uri="{BB962C8B-B14F-4D97-AF65-F5344CB8AC3E}">
-        <p14:creationId xmlns:p14="http://schemas.microsoft.com/office/powerpoint/2010/main" val="1696413222"/>
+        <p14:creationId xmlns:p14="http://schemas.microsoft.com/office/powerpoint/2010/main" val="922847979"/>
       </p:ext>
     </p:extLst>
   </p:cSld>
@@ -9846,20 +12343,75 @@
           <a:lstStyle/>
           <a:p>
             <a:pPr algn="ctr"/>
-            <a:endParaRPr kumimoji="1" lang="ja-JP" altLang="en-US"/>
-          </a:p>
-        </p:txBody>
-      </p:sp>
-      <p:sp>
-        <p:nvSpPr>
-          <p:cNvPr id="4" name="角丸四角形 3"/>
+            <a:r>
+              <a:rPr kumimoji="1" lang="ja-JP" altLang="en-US" dirty="0"/>
+              <a:t>モード名（お気楽、検定、名人</a:t>
+            </a:r>
+            <a:r>
+              <a:rPr kumimoji="1" lang="en-US" altLang="ja-JP" dirty="0" err="1"/>
+              <a:t>etc</a:t>
+            </a:r>
+            <a:r>
+              <a:rPr kumimoji="1" lang="en-US" altLang="ja-JP" dirty="0"/>
+              <a:t>…</a:t>
+            </a:r>
+            <a:r>
+              <a:rPr kumimoji="1" lang="ja-JP" altLang="en-US" dirty="0"/>
+              <a:t>）</a:t>
+            </a:r>
+          </a:p>
+        </p:txBody>
+      </p:sp>
+      <p:sp>
+        <p:nvSpPr>
+          <p:cNvPr id="5" name="テキスト ボックス 4"/>
+          <p:cNvSpPr txBox="1"/>
+          <p:nvPr/>
+        </p:nvSpPr>
+        <p:spPr>
+          <a:xfrm>
+            <a:off x="2916464" y="1460500"/>
+            <a:ext cx="3311072" cy="523220"/>
+          </a:xfrm>
+          <a:prstGeom prst="rect">
+            <a:avLst/>
+          </a:prstGeom>
+          <a:noFill/>
+        </p:spPr>
+        <p:txBody>
+          <a:bodyPr wrap="square" rtlCol="0">
+            <a:spAutoFit/>
+          </a:bodyPr>
+          <a:lstStyle/>
+          <a:p>
+            <a:pPr algn="ctr"/>
+            <a:r>
+              <a:rPr kumimoji="1" lang="ja-JP" altLang="en-US" sz="2800" dirty="0">
+                <a:latin typeface="YuKyokasho Medium" panose="02000500000000000000" pitchFamily="2" charset="-128"/>
+                <a:ea typeface="YuKyokasho Medium" panose="02000500000000000000" pitchFamily="2" charset="-128"/>
+                <a:cs typeface="ヒラギノ丸ゴ ProN W4"/>
+              </a:rPr>
+              <a:t>説明文</a:t>
+            </a:r>
+          </a:p>
+        </p:txBody>
+      </p:sp>
+      <p:sp>
+        <p:nvSpPr>
+          <p:cNvPr id="9" name="角丸四角形 8">
+            <a:extLst>
+              <a:ext uri="{FF2B5EF4-FFF2-40B4-BE49-F238E27FC236}">
+                <a16:creationId xmlns:a16="http://schemas.microsoft.com/office/drawing/2014/main" id="{23FA34EC-72AA-F243-B17F-8F205DFCEE06}"/>
+              </a:ext>
+            </a:extLst>
+          </p:cNvPr>
           <p:cNvSpPr/>
           <p:nvPr/>
         </p:nvSpPr>
         <p:spPr>
           <a:xfrm>
-            <a:off x="2916464" y="2872921"/>
-            <a:ext cx="3311072" cy="1347107"/>
+            <a:off x="3862159" y="5627215"/>
+            <a:ext cx="1419679" cy="522507"/>
           </a:xfrm>
           <a:prstGeom prst="roundRect">
             <a:avLst/>
@@ -9887,30 +12439,14 @@
           <a:p>
             <a:pPr algn="ctr"/>
             <a:r>
-              <a:rPr kumimoji="1" lang="en-US" altLang="ja-JP" sz="4800" dirty="0">
+              <a:rPr lang="ja-JP" altLang="en-US" sz="3200" dirty="0">
                 <a:latin typeface="YuKyokasho Medium" panose="02000500000000000000" pitchFamily="2" charset="-128"/>
                 <a:ea typeface="YuKyokasho Medium" panose="02000500000000000000" pitchFamily="2" charset="-128"/>
                 <a:cs typeface="ヒラギノ丸ゴ ProN W4"/>
               </a:rPr>
-              <a:t>00:0</a:t>
-            </a:r>
-            <a:r>
-              <a:rPr lang="en-US" altLang="ja-JP" sz="4800" dirty="0">
-                <a:latin typeface="YuKyokasho Medium" panose="02000500000000000000" pitchFamily="2" charset="-128"/>
-                <a:ea typeface="YuKyokasho Medium" panose="02000500000000000000" pitchFamily="2" charset="-128"/>
-                <a:cs typeface="ヒラギノ丸ゴ ProN W4"/>
-              </a:rPr>
-              <a:t>1</a:t>
-            </a:r>
-            <a:r>
-              <a:rPr kumimoji="1" lang="en-US" altLang="ja-JP" sz="4800" dirty="0">
-                <a:latin typeface="YuKyokasho Medium" panose="02000500000000000000" pitchFamily="2" charset="-128"/>
-                <a:ea typeface="YuKyokasho Medium" panose="02000500000000000000" pitchFamily="2" charset="-128"/>
-                <a:cs typeface="ヒラギノ丸ゴ ProN W4"/>
-              </a:rPr>
-              <a:t>:00</a:t>
-            </a:r>
-            <a:endParaRPr kumimoji="1" lang="ja-JP" altLang="en-US" sz="4800" dirty="0">
+              <a:t>戻る</a:t>
+            </a:r>
+            <a:endParaRPr kumimoji="1" lang="ja-JP" altLang="en-US" sz="3200" dirty="0">
               <a:latin typeface="YuKyokasho Medium" panose="02000500000000000000" pitchFamily="2" charset="-128"/>
               <a:ea typeface="YuKyokasho Medium" panose="02000500000000000000" pitchFamily="2" charset="-128"/>
               <a:cs typeface="ヒラギノ丸ゴ ProN W4"/>
@@ -9920,14 +12456,20 @@
       </p:sp>
       <p:sp>
         <p:nvSpPr>
-          <p:cNvPr id="11" name="角丸四角形 10"/>
+          <p:cNvPr id="12" name="角丸四角形 11">
+            <a:extLst>
+              <a:ext uri="{FF2B5EF4-FFF2-40B4-BE49-F238E27FC236}">
+                <a16:creationId xmlns:a16="http://schemas.microsoft.com/office/drawing/2014/main" id="{8EFA7D81-DD7F-034C-938A-6127302BE7F4}"/>
+              </a:ext>
+            </a:extLst>
+          </p:cNvPr>
           <p:cNvSpPr/>
           <p:nvPr/>
         </p:nvSpPr>
         <p:spPr>
           <a:xfrm>
-            <a:off x="4807857" y="4962066"/>
-            <a:ext cx="1419679" cy="522507"/>
+            <a:off x="3282675" y="4962066"/>
+            <a:ext cx="2578645" cy="522507"/>
           </a:xfrm>
           <a:prstGeom prst="roundRect">
             <a:avLst/>
@@ -9955,26 +12497,37 @@
           <a:p>
             <a:pPr algn="ctr"/>
             <a:r>
-              <a:rPr kumimoji="1" lang="ja-JP" altLang="en-US" sz="3200" dirty="0">
+              <a:rPr lang="ja-JP" altLang="en-US" sz="3200" dirty="0">
                 <a:latin typeface="YuKyokasho Medium" panose="02000500000000000000" pitchFamily="2" charset="-128"/>
                 <a:ea typeface="YuKyokasho Medium" panose="02000500000000000000" pitchFamily="2" charset="-128"/>
                 <a:cs typeface="ヒラギノ丸ゴ ProN W4"/>
               </a:rPr>
-              <a:t>中断</a:t>
-            </a:r>
-          </a:p>
-        </p:txBody>
-      </p:sp>
-      <p:sp>
-        <p:nvSpPr>
-          <p:cNvPr id="10" name="角丸四角形 9"/>
+              <a:t>計測する</a:t>
+            </a:r>
+            <a:endParaRPr kumimoji="1" lang="ja-JP" altLang="en-US" sz="3200" dirty="0">
+              <a:latin typeface="YuKyokasho Medium" panose="02000500000000000000" pitchFamily="2" charset="-128"/>
+              <a:ea typeface="YuKyokasho Medium" panose="02000500000000000000" pitchFamily="2" charset="-128"/>
+              <a:cs typeface="ヒラギノ丸ゴ ProN W4"/>
+            </a:endParaRPr>
+          </a:p>
+        </p:txBody>
+      </p:sp>
+      <p:sp>
+        <p:nvSpPr>
+          <p:cNvPr id="13" name="角丸四角形 12">
+            <a:extLst>
+              <a:ext uri="{FF2B5EF4-FFF2-40B4-BE49-F238E27FC236}">
+                <a16:creationId xmlns:a16="http://schemas.microsoft.com/office/drawing/2014/main" id="{188F5972-4DBA-464F-997E-2B0332AE3FA0}"/>
+              </a:ext>
+            </a:extLst>
+          </p:cNvPr>
           <p:cNvSpPr/>
           <p:nvPr/>
         </p:nvSpPr>
         <p:spPr>
           <a:xfrm>
-            <a:off x="2916464" y="4962066"/>
-            <a:ext cx="1419679" cy="522507"/>
+            <a:off x="3282675" y="4296917"/>
+            <a:ext cx="2578645" cy="522507"/>
           </a:xfrm>
           <a:prstGeom prst="roundRect">
             <a:avLst/>
@@ -10002,94 +12555,25 @@
           <a:p>
             <a:pPr algn="ctr"/>
             <a:r>
-              <a:rPr kumimoji="1" lang="ja-JP" altLang="en-US" sz="3200" dirty="0">
+              <a:rPr lang="ja-JP" altLang="en-US" sz="2000" dirty="0">
                 <a:latin typeface="YuKyokasho Medium" panose="02000500000000000000" pitchFamily="2" charset="-128"/>
                 <a:ea typeface="YuKyokasho Medium" panose="02000500000000000000" pitchFamily="2" charset="-128"/>
                 <a:cs typeface="ヒラギノ丸ゴ ProN W4"/>
               </a:rPr>
-              <a:t>完了</a:t>
-            </a:r>
-          </a:p>
-        </p:txBody>
-      </p:sp>
-      <p:sp>
-        <p:nvSpPr>
-          <p:cNvPr id="5" name="テキスト ボックス 4"/>
-          <p:cNvSpPr txBox="1"/>
-          <p:nvPr/>
-        </p:nvSpPr>
-        <p:spPr>
-          <a:xfrm>
-            <a:off x="2916464" y="1460500"/>
-            <a:ext cx="3311072" cy="523220"/>
-          </a:xfrm>
-          <a:prstGeom prst="rect">
-            <a:avLst/>
-          </a:prstGeom>
-          <a:noFill/>
-        </p:spPr>
-        <p:txBody>
-          <a:bodyPr wrap="square" rtlCol="0">
-            <a:spAutoFit/>
-          </a:bodyPr>
-          <a:lstStyle/>
-          <a:p>
-            <a:pPr algn="ctr"/>
-            <a:r>
-              <a:rPr kumimoji="1" lang="ja-JP" altLang="en-US" sz="2800" dirty="0">
-                <a:latin typeface="YuKyokasho Medium" panose="02000500000000000000" pitchFamily="2" charset="-128"/>
-                <a:ea typeface="YuKyokasho Medium" panose="02000500000000000000" pitchFamily="2" charset="-128"/>
-                <a:cs typeface="ヒラギノ丸ゴ ProN W4"/>
-              </a:rPr>
-              <a:t>計量</a:t>
-            </a:r>
-          </a:p>
-        </p:txBody>
-      </p:sp>
-      <p:sp>
-        <p:nvSpPr>
-          <p:cNvPr id="8" name="テキスト ボックス 7">
-            <a:extLst>
-              <a:ext uri="{FF2B5EF4-FFF2-40B4-BE49-F238E27FC236}">
-                <a16:creationId xmlns:a16="http://schemas.microsoft.com/office/drawing/2014/main" id="{A633626E-33CB-9F43-9DE9-CC2ACEE7BF23}"/>
-              </a:ext>
-            </a:extLst>
-          </p:cNvPr>
-          <p:cNvSpPr txBox="1"/>
-          <p:nvPr/>
-        </p:nvSpPr>
-        <p:spPr>
-          <a:xfrm>
-            <a:off x="340242" y="446567"/>
-            <a:ext cx="1701209" cy="369332"/>
-          </a:xfrm>
-          <a:prstGeom prst="rect">
-            <a:avLst/>
-          </a:prstGeom>
-          <a:noFill/>
-        </p:spPr>
-        <p:txBody>
-          <a:bodyPr wrap="square" rtlCol="0">
-            <a:spAutoFit/>
-          </a:bodyPr>
-          <a:lstStyle/>
-          <a:p>
-            <a:r>
-              <a:rPr lang="en-US" altLang="ja-JP" dirty="0" err="1"/>
-              <a:t>T</a:t>
-            </a:r>
-            <a:r>
-              <a:rPr kumimoji="1" lang="en-US" altLang="ja-JP" dirty="0" err="1"/>
-              <a:t>imerActivity</a:t>
-            </a:r>
-            <a:endParaRPr kumimoji="1" lang="ja-JP" altLang="en-US" dirty="0"/>
+              <a:t>各工程の目標タイム</a:t>
+            </a:r>
+            <a:endParaRPr kumimoji="1" lang="ja-JP" altLang="en-US" sz="2000" dirty="0">
+              <a:latin typeface="YuKyokasho Medium" panose="02000500000000000000" pitchFamily="2" charset="-128"/>
+              <a:ea typeface="YuKyokasho Medium" panose="02000500000000000000" pitchFamily="2" charset="-128"/>
+              <a:cs typeface="ヒラギノ丸ゴ ProN W4"/>
+            </a:endParaRPr>
           </a:p>
         </p:txBody>
       </p:sp>
     </p:spTree>
     <p:extLst>
       <p:ext uri="{BB962C8B-B14F-4D97-AF65-F5344CB8AC3E}">
-        <p14:creationId xmlns:p14="http://schemas.microsoft.com/office/powerpoint/2010/main" val="2087748137"/>
+        <p14:creationId xmlns:p14="http://schemas.microsoft.com/office/powerpoint/2010/main" val="4022588149"/>
       </p:ext>
     </p:extLst>
   </p:cSld>
@@ -10205,7 +12689,22 @@
           <a:lstStyle/>
           <a:p>
             <a:pPr algn="ctr"/>
-            <a:endParaRPr kumimoji="1" lang="ja-JP" altLang="en-US"/>
+            <a:r>
+              <a:rPr kumimoji="1" lang="ja-JP" altLang="en-US" dirty="0"/>
+              <a:t>モード名（お気楽、検定、名人</a:t>
+            </a:r>
+            <a:r>
+              <a:rPr kumimoji="1" lang="en-US" altLang="ja-JP" dirty="0" err="1"/>
+              <a:t>etc</a:t>
+            </a:r>
+            <a:r>
+              <a:rPr kumimoji="1" lang="en-US" altLang="ja-JP" dirty="0"/>
+              <a:t>…</a:t>
+            </a:r>
+            <a:r>
+              <a:rPr kumimoji="1" lang="ja-JP" altLang="en-US" dirty="0"/>
+              <a:t>）</a:t>
+            </a:r>
           </a:p>
         </p:txBody>
       </p:sp>
@@ -10251,23 +12750,7 @@
                 <a:ea typeface="YuKyokasho Medium" panose="02000500000000000000" pitchFamily="2" charset="-128"/>
                 <a:cs typeface="ヒラギノ丸ゴ ProN W4"/>
               </a:rPr>
-              <a:t>00:0</a:t>
-            </a:r>
-            <a:r>
-              <a:rPr lang="en-US" altLang="ja-JP" sz="4800" dirty="0">
-                <a:latin typeface="YuKyokasho Medium" panose="02000500000000000000" pitchFamily="2" charset="-128"/>
-                <a:ea typeface="YuKyokasho Medium" panose="02000500000000000000" pitchFamily="2" charset="-128"/>
-                <a:cs typeface="ヒラギノ丸ゴ ProN W4"/>
-              </a:rPr>
-              <a:t>1</a:t>
-            </a:r>
-            <a:r>
-              <a:rPr kumimoji="1" lang="en-US" altLang="ja-JP" sz="4800" dirty="0">
-                <a:latin typeface="YuKyokasho Medium" panose="02000500000000000000" pitchFamily="2" charset="-128"/>
-                <a:ea typeface="YuKyokasho Medium" panose="02000500000000000000" pitchFamily="2" charset="-128"/>
-                <a:cs typeface="ヒラギノ丸ゴ ProN W4"/>
-              </a:rPr>
-              <a:t>:00</a:t>
+              <a:t>00:00:00</a:t>
             </a:r>
             <a:endParaRPr kumimoji="1" lang="ja-JP" altLang="en-US" sz="4800" dirty="0">
               <a:latin typeface="YuKyokasho Medium" panose="02000500000000000000" pitchFamily="2" charset="-128"/>
@@ -10314,13 +12797,18 @@
           <a:p>
             <a:pPr algn="ctr"/>
             <a:r>
-              <a:rPr kumimoji="1" lang="ja-JP" altLang="en-US" sz="3200" dirty="0">
+              <a:rPr lang="ja-JP" altLang="en-US" sz="3200" dirty="0">
                 <a:latin typeface="YuKyokasho Medium" panose="02000500000000000000" pitchFamily="2" charset="-128"/>
                 <a:ea typeface="YuKyokasho Medium" panose="02000500000000000000" pitchFamily="2" charset="-128"/>
                 <a:cs typeface="ヒラギノ丸ゴ ProN W4"/>
               </a:rPr>
-              <a:t>中断</a:t>
-            </a:r>
+              <a:t>戻る</a:t>
+            </a:r>
+            <a:endParaRPr lang="en-US" altLang="ja-JP" sz="3200" dirty="0">
+              <a:latin typeface="YuKyokasho Medium" panose="02000500000000000000" pitchFamily="2" charset="-128"/>
+              <a:ea typeface="YuKyokasho Medium" panose="02000500000000000000" pitchFamily="2" charset="-128"/>
+              <a:cs typeface="ヒラギノ丸ゴ ProN W4"/>
+            </a:endParaRPr>
           </a:p>
         </p:txBody>
       </p:sp>
@@ -10361,18 +12849,13 @@
           <a:p>
             <a:pPr algn="ctr"/>
             <a:r>
-              <a:rPr lang="ja-JP" altLang="en-US" sz="3200" dirty="0">
+              <a:rPr kumimoji="1" lang="ja-JP" altLang="en-US" sz="3200" dirty="0">
                 <a:latin typeface="YuKyokasho Medium" panose="02000500000000000000" pitchFamily="2" charset="-128"/>
                 <a:ea typeface="YuKyokasho Medium" panose="02000500000000000000" pitchFamily="2" charset="-128"/>
                 <a:cs typeface="ヒラギノ丸ゴ ProN W4"/>
               </a:rPr>
-              <a:t>終了</a:t>
-            </a:r>
-            <a:endParaRPr kumimoji="1" lang="ja-JP" altLang="en-US" sz="3200" dirty="0">
-              <a:latin typeface="YuKyokasho Medium" panose="02000500000000000000" pitchFamily="2" charset="-128"/>
-              <a:ea typeface="YuKyokasho Medium" panose="02000500000000000000" pitchFamily="2" charset="-128"/>
-              <a:cs typeface="ヒラギノ丸ゴ ProN W4"/>
-            </a:endParaRPr>
+              <a:t>開始</a:t>
+            </a:r>
           </a:p>
         </p:txBody>
       </p:sp>
@@ -10385,7 +12868,7 @@
         <p:spPr>
           <a:xfrm>
             <a:off x="2916464" y="1460500"/>
-            <a:ext cx="3311072" cy="523220"/>
+            <a:ext cx="3311072" cy="954107"/>
           </a:xfrm>
           <a:prstGeom prst="rect">
             <a:avLst/>
@@ -10400,27 +12883,37 @@
           <a:p>
             <a:pPr algn="ctr"/>
             <a:r>
-              <a:rPr lang="ja-JP" altLang="en-US" sz="2800" dirty="0">
+              <a:rPr kumimoji="1" lang="ja-JP" altLang="en-US" sz="2800" dirty="0">
                 <a:latin typeface="YuKyokasho Medium" panose="02000500000000000000" pitchFamily="2" charset="-128"/>
                 <a:ea typeface="YuKyokasho Medium" panose="02000500000000000000" pitchFamily="2" charset="-128"/>
                 <a:cs typeface="ヒラギノ丸ゴ ProN W4"/>
               </a:rPr>
-              <a:t>片付け</a:t>
-            </a:r>
-            <a:endParaRPr kumimoji="1" lang="ja-JP" altLang="en-US" sz="2800" dirty="0">
-              <a:latin typeface="YuKyokasho Medium" panose="02000500000000000000" pitchFamily="2" charset="-128"/>
-              <a:ea typeface="YuKyokasho Medium" panose="02000500000000000000" pitchFamily="2" charset="-128"/>
-              <a:cs typeface="ヒラギノ丸ゴ ProN W4"/>
-            </a:endParaRPr>
-          </a:p>
-        </p:txBody>
-      </p:sp>
-      <p:sp>
-        <p:nvSpPr>
-          <p:cNvPr id="8" name="テキスト ボックス 7">
+              <a:t>準備が整ったら</a:t>
+            </a:r>
+            <a:br>
+              <a:rPr kumimoji="1" lang="en-US" altLang="ja-JP" sz="2800" dirty="0">
+                <a:latin typeface="YuKyokasho Medium" panose="02000500000000000000" pitchFamily="2" charset="-128"/>
+                <a:ea typeface="YuKyokasho Medium" panose="02000500000000000000" pitchFamily="2" charset="-128"/>
+                <a:cs typeface="ヒラギノ丸ゴ ProN W4"/>
+              </a:rPr>
+            </a:br>
+            <a:r>
+              <a:rPr kumimoji="1" lang="ja-JP" altLang="en-US" sz="2800" dirty="0">
+                <a:latin typeface="YuKyokasho Medium" panose="02000500000000000000" pitchFamily="2" charset="-128"/>
+                <a:ea typeface="YuKyokasho Medium" panose="02000500000000000000" pitchFamily="2" charset="-128"/>
+                <a:cs typeface="ヒラギノ丸ゴ ProN W4"/>
+              </a:rPr>
+              <a:t>開始をタップ</a:t>
+            </a:r>
+          </a:p>
+        </p:txBody>
+      </p:sp>
+      <p:sp>
+        <p:nvSpPr>
+          <p:cNvPr id="7" name="テキスト ボックス 6">
             <a:extLst>
               <a:ext uri="{FF2B5EF4-FFF2-40B4-BE49-F238E27FC236}">
-                <a16:creationId xmlns:a16="http://schemas.microsoft.com/office/drawing/2014/main" id="{D9582873-3548-A54D-BE66-4D003646D8A9}"/>
+                <a16:creationId xmlns:a16="http://schemas.microsoft.com/office/drawing/2014/main" id="{5F2B7902-B974-8043-B2D3-604EF17B2BB6}"/>
               </a:ext>
             </a:extLst>
           </p:cNvPr>
@@ -10429,8 +12922,8 @@
         </p:nvSpPr>
         <p:spPr>
           <a:xfrm>
-            <a:off x="340242" y="446567"/>
-            <a:ext cx="1701209" cy="369332"/>
+            <a:off x="6779208" y="5022908"/>
+            <a:ext cx="2464526" cy="923330"/>
           </a:xfrm>
           <a:prstGeom prst="rect">
             <a:avLst/>
@@ -10444,6 +12937,49 @@
           <a:lstStyle/>
           <a:p>
             <a:r>
+              <a:rPr kumimoji="1" lang="ja-JP" altLang="en-US" dirty="0"/>
+              <a:t>各工程ごとの目標値を確認できるようにする</a:t>
+            </a:r>
+            <a:endParaRPr kumimoji="1" lang="en-US" altLang="ja-JP" dirty="0"/>
+          </a:p>
+          <a:p>
+            <a:r>
+              <a:rPr lang="ja-JP" altLang="en-US" dirty="0"/>
+              <a:t>ボタンなど</a:t>
+            </a:r>
+            <a:endParaRPr lang="en-US" altLang="ja-JP" dirty="0"/>
+          </a:p>
+        </p:txBody>
+      </p:sp>
+      <p:sp>
+        <p:nvSpPr>
+          <p:cNvPr id="9" name="テキスト ボックス 8">
+            <a:extLst>
+              <a:ext uri="{FF2B5EF4-FFF2-40B4-BE49-F238E27FC236}">
+                <a16:creationId xmlns:a16="http://schemas.microsoft.com/office/drawing/2014/main" id="{BB758E4B-A0C8-C649-AF91-B7BAE32594D4}"/>
+              </a:ext>
+            </a:extLst>
+          </p:cNvPr>
+          <p:cNvSpPr txBox="1"/>
+          <p:nvPr/>
+        </p:nvSpPr>
+        <p:spPr>
+          <a:xfrm>
+            <a:off x="340242" y="446567"/>
+            <a:ext cx="1701209" cy="369332"/>
+          </a:xfrm>
+          <a:prstGeom prst="rect">
+            <a:avLst/>
+          </a:prstGeom>
+          <a:noFill/>
+        </p:spPr>
+        <p:txBody>
+          <a:bodyPr wrap="square" rtlCol="0">
+            <a:spAutoFit/>
+          </a:bodyPr>
+          <a:lstStyle/>
+          <a:p>
+            <a:r>
               <a:rPr lang="en-US" altLang="ja-JP" dirty="0" err="1"/>
               <a:t>T</a:t>
             </a:r>
@@ -10458,7 +12994,7 @@
     </p:spTree>
     <p:extLst>
       <p:ext uri="{BB962C8B-B14F-4D97-AF65-F5344CB8AC3E}">
-        <p14:creationId xmlns:p14="http://schemas.microsoft.com/office/powerpoint/2010/main" val="817860856"/>
+        <p14:creationId xmlns:p14="http://schemas.microsoft.com/office/powerpoint/2010/main" val="1696413222"/>
       </p:ext>
     </p:extLst>
   </p:cSld>
@@ -10786,4 +13322,299 @@
   </a:objectDefaults>
   <a:extraClrSchemeLst/>
 </a:theme>
+</file>
+
+<file path=ppt/theme/theme2.xml><?xml version="1.0" encoding="utf-8"?>
+<a:theme xmlns:a="http://schemas.openxmlformats.org/drawingml/2006/main" name="Office テーマ">
+  <a:themeElements>
+    <a:clrScheme name="Office">
+      <a:dk1>
+        <a:sysClr val="windowText" lastClr="000000"/>
+      </a:dk1>
+      <a:lt1>
+        <a:sysClr val="window" lastClr="FFFFFF"/>
+      </a:lt1>
+      <a:dk2>
+        <a:srgbClr val="44546A"/>
+      </a:dk2>
+      <a:lt2>
+        <a:srgbClr val="E7E6E6"/>
+      </a:lt2>
+      <a:accent1>
+        <a:srgbClr val="4472C4"/>
+      </a:accent1>
+      <a:accent2>
+        <a:srgbClr val="ED7D31"/>
+      </a:accent2>
+      <a:accent3>
+        <a:srgbClr val="A5A5A5"/>
+      </a:accent3>
+      <a:accent4>
+        <a:srgbClr val="FFC000"/>
+      </a:accent4>
+      <a:accent5>
+        <a:srgbClr val="5B9BD5"/>
+      </a:accent5>
+      <a:accent6>
+        <a:srgbClr val="70AD47"/>
+      </a:accent6>
+      <a:hlink>
+        <a:srgbClr val="0563C1"/>
+      </a:hlink>
+      <a:folHlink>
+        <a:srgbClr val="954F72"/>
+      </a:folHlink>
+    </a:clrScheme>
+    <a:fontScheme name="Office">
+      <a:majorFont>
+        <a:latin typeface="游ゴシック Light" panose="020F0302020204030204"/>
+        <a:ea typeface=""/>
+        <a:cs typeface=""/>
+        <a:font script="Jpan" typeface="游ゴシック Light"/>
+        <a:font script="Hang" typeface="맑은 고딕"/>
+        <a:font script="Hans" typeface="等线 Light"/>
+        <a:font script="Hant" typeface="新細明體"/>
+        <a:font script="Arab" typeface="Times New Roman"/>
+        <a:font script="Hebr" typeface="Times New Roman"/>
+        <a:font script="Thai" typeface="Angsana New"/>
+        <a:font script="Ethi" typeface="Nyala"/>
+        <a:font script="Beng" typeface="Vrinda"/>
+        <a:font script="Gujr" typeface="Shruti"/>
+        <a:font script="Khmr" typeface="MoolBoran"/>
+        <a:font script="Knda" typeface="Tunga"/>
+        <a:font script="Guru" typeface="Raavi"/>
+        <a:font script="Cans" typeface="Euphemia"/>
+        <a:font script="Cher" typeface="Plantagenet Cherokee"/>
+        <a:font script="Yiii" typeface="Microsoft Yi Baiti"/>
+        <a:font script="Tibt" typeface="Microsoft Himalaya"/>
+        <a:font script="Thaa" typeface="MV Boli"/>
+        <a:font script="Deva" typeface="Mangal"/>
+        <a:font script="Telu" typeface="Gautami"/>
+        <a:font script="Taml" typeface="Latha"/>
+        <a:font script="Syrc" typeface="Estrangelo Edessa"/>
+        <a:font script="Orya" typeface="Kalinga"/>
+        <a:font script="Mlym" typeface="Kartika"/>
+        <a:font script="Laoo" typeface="DokChampa"/>
+        <a:font script="Sinh" typeface="Iskoola Pota"/>
+        <a:font script="Mong" typeface="Mongolian Baiti"/>
+        <a:font script="Viet" typeface="Times New Roman"/>
+        <a:font script="Uigh" typeface="Microsoft Uighur"/>
+        <a:font script="Geor" typeface="Sylfaen"/>
+        <a:font script="Armn" typeface="Arial"/>
+        <a:font script="Bugi" typeface="Leelawadee UI"/>
+        <a:font script="Bopo" typeface="Microsoft JhengHei"/>
+        <a:font script="Java" typeface="Javanese Text"/>
+        <a:font script="Lisu" typeface="Segoe UI"/>
+        <a:font script="Mymr" typeface="Myanmar Text"/>
+        <a:font script="Nkoo" typeface="Ebrima"/>
+        <a:font script="Olck" typeface="Nirmala UI"/>
+        <a:font script="Osma" typeface="Ebrima"/>
+        <a:font script="Phag" typeface="Phagspa"/>
+        <a:font script="Syrn" typeface="Estrangelo Edessa"/>
+        <a:font script="Syrj" typeface="Estrangelo Edessa"/>
+        <a:font script="Syre" typeface="Estrangelo Edessa"/>
+        <a:font script="Sora" typeface="Nirmala UI"/>
+        <a:font script="Tale" typeface="Microsoft Tai Le"/>
+        <a:font script="Talu" typeface="Microsoft New Tai Lue"/>
+        <a:font script="Tfng" typeface="Ebrima"/>
+      </a:majorFont>
+      <a:minorFont>
+        <a:latin typeface="游ゴシック" panose="020F0502020204030204"/>
+        <a:ea typeface=""/>
+        <a:cs typeface=""/>
+        <a:font script="Jpan" typeface="游ゴシック"/>
+        <a:font script="Hang" typeface="맑은 고딕"/>
+        <a:font script="Hans" typeface="等线"/>
+        <a:font script="Hant" typeface="新細明體"/>
+        <a:font script="Arab" typeface="Arial"/>
+        <a:font script="Hebr" typeface="Arial"/>
+        <a:font script="Thai" typeface="Cordia New"/>
+        <a:font script="Ethi" typeface="Nyala"/>
+        <a:font script="Beng" typeface="Vrinda"/>
+        <a:font script="Gujr" typeface="Shruti"/>
+        <a:font script="Khmr" typeface="DaunPenh"/>
+        <a:font script="Knda" typeface="Tunga"/>
+        <a:font script="Guru" typeface="Raavi"/>
+        <a:font script="Cans" typeface="Euphemia"/>
+        <a:font script="Cher" typeface="Plantagenet Cherokee"/>
+        <a:font script="Yiii" typeface="Microsoft Yi Baiti"/>
+        <a:font script="Tibt" typeface="Microsoft Himalaya"/>
+        <a:font script="Thaa" typeface="MV Boli"/>
+        <a:font script="Deva" typeface="Mangal"/>
+        <a:font script="Telu" typeface="Gautami"/>
+        <a:font script="Taml" typeface="Latha"/>
+        <a:font script="Syrc" typeface="Estrangelo Edessa"/>
+        <a:font script="Orya" typeface="Kalinga"/>
+        <a:font script="Mlym" typeface="Kartika"/>
+        <a:font script="Laoo" typeface="DokChampa"/>
+        <a:font script="Sinh" typeface="Iskoola Pota"/>
+        <a:font script="Mong" typeface="Mongolian Baiti"/>
+        <a:font script="Viet" typeface="Arial"/>
+        <a:font script="Uigh" typeface="Microsoft Uighur"/>
+        <a:font script="Geor" typeface="Sylfaen"/>
+        <a:font script="Armn" typeface="Arial"/>
+        <a:font script="Bugi" typeface="Leelawadee UI"/>
+        <a:font script="Bopo" typeface="Microsoft JhengHei"/>
+        <a:font script="Java" typeface="Javanese Text"/>
+        <a:font script="Lisu" typeface="Segoe UI"/>
+        <a:font script="Mymr" typeface="Myanmar Text"/>
+        <a:font script="Nkoo" typeface="Ebrima"/>
+        <a:font script="Olck" typeface="Nirmala UI"/>
+        <a:font script="Osma" typeface="Ebrima"/>
+        <a:font script="Phag" typeface="Phagspa"/>
+        <a:font script="Syrn" typeface="Estrangelo Edessa"/>
+        <a:font script="Syrj" typeface="Estrangelo Edessa"/>
+        <a:font script="Syre" typeface="Estrangelo Edessa"/>
+        <a:font script="Sora" typeface="Nirmala UI"/>
+        <a:font script="Tale" typeface="Microsoft Tai Le"/>
+        <a:font script="Talu" typeface="Microsoft New Tai Lue"/>
+        <a:font script="Tfng" typeface="Ebrima"/>
+      </a:minorFont>
+    </a:fontScheme>
+    <a:fmtScheme name="Office">
+      <a:fillStyleLst>
+        <a:solidFill>
+          <a:schemeClr val="phClr"/>
+        </a:solidFill>
+        <a:gradFill rotWithShape="1">
+          <a:gsLst>
+            <a:gs pos="0">
+              <a:schemeClr val="phClr">
+                <a:lumMod val="110000"/>
+                <a:satMod val="105000"/>
+                <a:tint val="67000"/>
+              </a:schemeClr>
+            </a:gs>
+            <a:gs pos="50000">
+              <a:schemeClr val="phClr">
+                <a:lumMod val="105000"/>
+                <a:satMod val="103000"/>
+                <a:tint val="73000"/>
+              </a:schemeClr>
+            </a:gs>
+            <a:gs pos="100000">
+              <a:schemeClr val="phClr">
+                <a:lumMod val="105000"/>
+                <a:satMod val="109000"/>
+                <a:tint val="81000"/>
+              </a:schemeClr>
+            </a:gs>
+          </a:gsLst>
+          <a:lin ang="5400000" scaled="0"/>
+        </a:gradFill>
+        <a:gradFill rotWithShape="1">
+          <a:gsLst>
+            <a:gs pos="0">
+              <a:schemeClr val="phClr">
+                <a:satMod val="103000"/>
+                <a:lumMod val="102000"/>
+                <a:tint val="94000"/>
+              </a:schemeClr>
+            </a:gs>
+            <a:gs pos="50000">
+              <a:schemeClr val="phClr">
+                <a:satMod val="110000"/>
+                <a:lumMod val="100000"/>
+                <a:shade val="100000"/>
+              </a:schemeClr>
+            </a:gs>
+            <a:gs pos="100000">
+              <a:schemeClr val="phClr">
+                <a:lumMod val="99000"/>
+                <a:satMod val="120000"/>
+                <a:shade val="78000"/>
+              </a:schemeClr>
+            </a:gs>
+          </a:gsLst>
+          <a:lin ang="5400000" scaled="0"/>
+        </a:gradFill>
+      </a:fillStyleLst>
+      <a:lnStyleLst>
+        <a:ln w="6350" cap="flat" cmpd="sng" algn="ctr">
+          <a:solidFill>
+            <a:schemeClr val="phClr"/>
+          </a:solidFill>
+          <a:prstDash val="solid"/>
+          <a:miter lim="800000"/>
+        </a:ln>
+        <a:ln w="12700" cap="flat" cmpd="sng" algn="ctr">
+          <a:solidFill>
+            <a:schemeClr val="phClr"/>
+          </a:solidFill>
+          <a:prstDash val="solid"/>
+          <a:miter lim="800000"/>
+        </a:ln>
+        <a:ln w="19050" cap="flat" cmpd="sng" algn="ctr">
+          <a:solidFill>
+            <a:schemeClr val="phClr"/>
+          </a:solidFill>
+          <a:prstDash val="solid"/>
+          <a:miter lim="800000"/>
+        </a:ln>
+      </a:lnStyleLst>
+      <a:effectStyleLst>
+        <a:effectStyle>
+          <a:effectLst/>
+        </a:effectStyle>
+        <a:effectStyle>
+          <a:effectLst/>
+        </a:effectStyle>
+        <a:effectStyle>
+          <a:effectLst>
+            <a:outerShdw blurRad="57150" dist="19050" dir="5400000" algn="ctr" rotWithShape="0">
+              <a:srgbClr val="000000">
+                <a:alpha val="63000"/>
+              </a:srgbClr>
+            </a:outerShdw>
+          </a:effectLst>
+        </a:effectStyle>
+      </a:effectStyleLst>
+      <a:bgFillStyleLst>
+        <a:solidFill>
+          <a:schemeClr val="phClr"/>
+        </a:solidFill>
+        <a:solidFill>
+          <a:schemeClr val="phClr">
+            <a:tint val="95000"/>
+            <a:satMod val="170000"/>
+          </a:schemeClr>
+        </a:solidFill>
+        <a:gradFill rotWithShape="1">
+          <a:gsLst>
+            <a:gs pos="0">
+              <a:schemeClr val="phClr">
+                <a:tint val="93000"/>
+                <a:satMod val="150000"/>
+                <a:shade val="98000"/>
+                <a:lumMod val="102000"/>
+              </a:schemeClr>
+            </a:gs>
+            <a:gs pos="50000">
+              <a:schemeClr val="phClr">
+                <a:tint val="98000"/>
+                <a:satMod val="130000"/>
+                <a:shade val="90000"/>
+                <a:lumMod val="103000"/>
+              </a:schemeClr>
+            </a:gs>
+            <a:gs pos="100000">
+              <a:schemeClr val="phClr">
+                <a:shade val="63000"/>
+                <a:satMod val="120000"/>
+              </a:schemeClr>
+            </a:gs>
+          </a:gsLst>
+          <a:lin ang="5400000" scaled="0"/>
+        </a:gradFill>
+      </a:bgFillStyleLst>
+    </a:fmtScheme>
+  </a:themeElements>
+  <a:objectDefaults/>
+  <a:extraClrSchemeLst/>
+  <a:extLst>
+    <a:ext uri="{05A4C25C-085E-4340-85A3-A5531E510DB2}">
+      <thm15:themeFamily xmlns:thm15="http://schemas.microsoft.com/office/thememl/2012/main" name="Office Theme" id="{62F939B6-93AF-4DB8-9C6B-D6C7DFDC589F}" vid="{4A3C46E8-61CC-4603-A589-7422A47A8E4A}"/>
+    </a:ext>
+  </a:extLst>
+</a:theme>
 </file>
--- a/memo/そばUI2.pptx
+++ b/memo/そばUI2.pptx
@@ -5,28 +5,30 @@
     <p:sldMasterId id="2147483648" r:id="rId1"/>
   </p:sldMasterIdLst>
   <p:notesMasterIdLst>
-    <p:notesMasterId r:id="rId21"/>
+    <p:notesMasterId r:id="rId23"/>
   </p:notesMasterIdLst>
   <p:sldIdLst>
     <p:sldId id="257" r:id="rId2"/>
     <p:sldId id="259" r:id="rId3"/>
     <p:sldId id="272" r:id="rId4"/>
     <p:sldId id="279" r:id="rId5"/>
-    <p:sldId id="271" r:id="rId6"/>
-    <p:sldId id="280" r:id="rId7"/>
-    <p:sldId id="258" r:id="rId8"/>
-    <p:sldId id="273" r:id="rId9"/>
-    <p:sldId id="261" r:id="rId10"/>
-    <p:sldId id="265" r:id="rId11"/>
-    <p:sldId id="266" r:id="rId12"/>
-    <p:sldId id="267" r:id="rId13"/>
-    <p:sldId id="268" r:id="rId14"/>
-    <p:sldId id="269" r:id="rId15"/>
-    <p:sldId id="270" r:id="rId16"/>
-    <p:sldId id="274" r:id="rId17"/>
-    <p:sldId id="277" r:id="rId18"/>
-    <p:sldId id="278" r:id="rId19"/>
-    <p:sldId id="276" r:id="rId20"/>
+    <p:sldId id="282" r:id="rId6"/>
+    <p:sldId id="271" r:id="rId7"/>
+    <p:sldId id="280" r:id="rId8"/>
+    <p:sldId id="258" r:id="rId9"/>
+    <p:sldId id="273" r:id="rId10"/>
+    <p:sldId id="261" r:id="rId11"/>
+    <p:sldId id="265" r:id="rId12"/>
+    <p:sldId id="266" r:id="rId13"/>
+    <p:sldId id="267" r:id="rId14"/>
+    <p:sldId id="268" r:id="rId15"/>
+    <p:sldId id="269" r:id="rId16"/>
+    <p:sldId id="270" r:id="rId17"/>
+    <p:sldId id="274" r:id="rId18"/>
+    <p:sldId id="277" r:id="rId19"/>
+    <p:sldId id="281" r:id="rId20"/>
+    <p:sldId id="278" r:id="rId21"/>
+    <p:sldId id="276" r:id="rId22"/>
   </p:sldIdLst>
   <p:sldSz cx="9144000" cy="6858000" type="screen4x3"/>
   <p:notesSz cx="6858000" cy="9144000"/>
@@ -146,6 +148,7 @@
         <p14:section name="カスタム：新規作成" id="{57B3689A-AA04-2246-92B5-4C92592F1B9D}">
           <p14:sldIdLst>
             <p14:sldId id="279"/>
+            <p14:sldId id="282"/>
           </p14:sldIdLst>
         </p14:section>
         <p14:section name="カスタム：前回の設定" id="{5539ACBB-1215-1D45-A553-07CF8855A6BD}">
@@ -171,6 +174,7 @@
         <p14:section name="計測データ" id="{398EE831-02F1-2E40-B2A2-80BEC020047D}">
           <p14:sldIdLst>
             <p14:sldId id="277"/>
+            <p14:sldId id="281"/>
             <p14:sldId id="278"/>
             <p14:sldId id="276"/>
           </p14:sldIdLst>
@@ -277,7 +281,7 @@
           <a:p>
             <a:fld id="{0CFE8913-1CDE-D942-B610-61C175F54289}" type="datetimeFigureOut">
               <a:rPr kumimoji="1" lang="ja-JP" altLang="en-US" smtClean="0"/>
-              <a:t>2018/3/3</a:t>
+              <a:t>2018/3/10</a:t>
             </a:fld>
             <a:endParaRPr kumimoji="1" lang="ja-JP" altLang="en-US"/>
           </a:p>
@@ -641,7 +645,91 @@
           <a:p>
             <a:fld id="{71C9AC0C-4F12-EE4E-98D8-FE9EE1CCA8E5}" type="slidenum">
               <a:rPr kumimoji="1" lang="ja-JP" altLang="en-US" smtClean="0"/>
-              <a:t>18</a:t>
+              <a:t>5</a:t>
+            </a:fld>
+            <a:endParaRPr kumimoji="1" lang="ja-JP" altLang="en-US"/>
+          </a:p>
+        </p:txBody>
+      </p:sp>
+    </p:spTree>
+    <p:extLst>
+      <p:ext uri="{BB962C8B-B14F-4D97-AF65-F5344CB8AC3E}">
+        <p14:creationId xmlns:p14="http://schemas.microsoft.com/office/powerpoint/2010/main" val="828764858"/>
+      </p:ext>
+    </p:extLst>
+  </p:cSld>
+  <p:clrMapOvr>
+    <a:masterClrMapping/>
+  </p:clrMapOvr>
+</p:notes>
+</file>
+
+<file path=ppt/notesSlides/notesSlide2.xml><?xml version="1.0" encoding="utf-8"?>
+<p:notes xmlns:a="http://schemas.openxmlformats.org/drawingml/2006/main" xmlns:r="http://schemas.openxmlformats.org/officeDocument/2006/relationships" xmlns:p="http://schemas.openxmlformats.org/presentationml/2006/main">
+  <p:cSld>
+    <p:spTree>
+      <p:nvGrpSpPr>
+        <p:cNvPr id="1" name=""/>
+        <p:cNvGrpSpPr/>
+        <p:nvPr/>
+      </p:nvGrpSpPr>
+      <p:grpSpPr>
+        <a:xfrm>
+          <a:off x="0" y="0"/>
+          <a:ext cx="0" cy="0"/>
+          <a:chOff x="0" y="0"/>
+          <a:chExt cx="0" cy="0"/>
+        </a:xfrm>
+      </p:grpSpPr>
+      <p:sp>
+        <p:nvSpPr>
+          <p:cNvPr id="2" name="スライド イメージ プレースホルダー 1"/>
+          <p:cNvSpPr>
+            <a:spLocks noGrp="1" noRot="1" noChangeAspect="1"/>
+          </p:cNvSpPr>
+          <p:nvPr>
+            <p:ph type="sldImg"/>
+          </p:nvPr>
+        </p:nvSpPr>
+        <p:spPr/>
+      </p:sp>
+      <p:sp>
+        <p:nvSpPr>
+          <p:cNvPr id="3" name="ノート プレースホルダー 2"/>
+          <p:cNvSpPr>
+            <a:spLocks noGrp="1"/>
+          </p:cNvSpPr>
+          <p:nvPr>
+            <p:ph type="body" idx="1"/>
+          </p:nvPr>
+        </p:nvSpPr>
+        <p:spPr/>
+        <p:txBody>
+          <a:bodyPr/>
+          <a:lstStyle/>
+          <a:p>
+            <a:endParaRPr kumimoji="1" lang="ja-JP" altLang="en-US" dirty="0"/>
+          </a:p>
+        </p:txBody>
+      </p:sp>
+      <p:sp>
+        <p:nvSpPr>
+          <p:cNvPr id="4" name="スライド番号プレースホルダー 3"/>
+          <p:cNvSpPr>
+            <a:spLocks noGrp="1"/>
+          </p:cNvSpPr>
+          <p:nvPr>
+            <p:ph type="sldNum" sz="quarter" idx="10"/>
+          </p:nvPr>
+        </p:nvSpPr>
+        <p:spPr/>
+        <p:txBody>
+          <a:bodyPr/>
+          <a:lstStyle/>
+          <a:p>
+            <a:fld id="{71C9AC0C-4F12-EE4E-98D8-FE9EE1CCA8E5}" type="slidenum">
+              <a:rPr kumimoji="1" lang="ja-JP" altLang="en-US" smtClean="0"/>
+              <a:t>20</a:t>
             </a:fld>
             <a:endParaRPr kumimoji="1" lang="ja-JP" altLang="en-US"/>
           </a:p>
@@ -651,6 +739,90 @@
     <p:extLst>
       <p:ext uri="{BB962C8B-B14F-4D97-AF65-F5344CB8AC3E}">
         <p14:creationId xmlns:p14="http://schemas.microsoft.com/office/powerpoint/2010/main" val="1031844036"/>
+      </p:ext>
+    </p:extLst>
+  </p:cSld>
+  <p:clrMapOvr>
+    <a:masterClrMapping/>
+  </p:clrMapOvr>
+</p:notes>
+</file>
+
+<file path=ppt/notesSlides/notesSlide3.xml><?xml version="1.0" encoding="utf-8"?>
+<p:notes xmlns:a="http://schemas.openxmlformats.org/drawingml/2006/main" xmlns:r="http://schemas.openxmlformats.org/officeDocument/2006/relationships" xmlns:p="http://schemas.openxmlformats.org/presentationml/2006/main">
+  <p:cSld>
+    <p:spTree>
+      <p:nvGrpSpPr>
+        <p:cNvPr id="1" name=""/>
+        <p:cNvGrpSpPr/>
+        <p:nvPr/>
+      </p:nvGrpSpPr>
+      <p:grpSpPr>
+        <a:xfrm>
+          <a:off x="0" y="0"/>
+          <a:ext cx="0" cy="0"/>
+          <a:chOff x="0" y="0"/>
+          <a:chExt cx="0" cy="0"/>
+        </a:xfrm>
+      </p:grpSpPr>
+      <p:sp>
+        <p:nvSpPr>
+          <p:cNvPr id="2" name="スライド イメージ プレースホルダー 1"/>
+          <p:cNvSpPr>
+            <a:spLocks noGrp="1" noRot="1" noChangeAspect="1"/>
+          </p:cNvSpPr>
+          <p:nvPr>
+            <p:ph type="sldImg"/>
+          </p:nvPr>
+        </p:nvSpPr>
+        <p:spPr/>
+      </p:sp>
+      <p:sp>
+        <p:nvSpPr>
+          <p:cNvPr id="3" name="ノート プレースホルダー 2"/>
+          <p:cNvSpPr>
+            <a:spLocks noGrp="1"/>
+          </p:cNvSpPr>
+          <p:nvPr>
+            <p:ph type="body" idx="1"/>
+          </p:nvPr>
+        </p:nvSpPr>
+        <p:spPr/>
+        <p:txBody>
+          <a:bodyPr/>
+          <a:lstStyle/>
+          <a:p>
+            <a:endParaRPr kumimoji="1" lang="ja-JP" altLang="en-US"/>
+          </a:p>
+        </p:txBody>
+      </p:sp>
+      <p:sp>
+        <p:nvSpPr>
+          <p:cNvPr id="4" name="スライド番号プレースホルダー 3"/>
+          <p:cNvSpPr>
+            <a:spLocks noGrp="1"/>
+          </p:cNvSpPr>
+          <p:nvPr>
+            <p:ph type="sldNum" sz="quarter" idx="10"/>
+          </p:nvPr>
+        </p:nvSpPr>
+        <p:spPr/>
+        <p:txBody>
+          <a:bodyPr/>
+          <a:lstStyle/>
+          <a:p>
+            <a:fld id="{71C9AC0C-4F12-EE4E-98D8-FE9EE1CCA8E5}" type="slidenum">
+              <a:rPr kumimoji="1" lang="ja-JP" altLang="en-US" smtClean="0"/>
+              <a:t>21</a:t>
+            </a:fld>
+            <a:endParaRPr kumimoji="1" lang="ja-JP" altLang="en-US"/>
+          </a:p>
+        </p:txBody>
+      </p:sp>
+    </p:spTree>
+    <p:extLst>
+      <p:ext uri="{BB962C8B-B14F-4D97-AF65-F5344CB8AC3E}">
+        <p14:creationId xmlns:p14="http://schemas.microsoft.com/office/powerpoint/2010/main" val="1988713914"/>
       </p:ext>
     </p:extLst>
   </p:cSld>
@@ -839,7 +1011,7 @@
           <a:p>
             <a:fld id="{5E8A8F78-2FD7-7F4B-B34C-8078F4074D81}" type="datetimeFigureOut">
               <a:rPr kumimoji="1" lang="ja-JP" altLang="en-US" smtClean="0"/>
-              <a:t>2018/3/3</a:t>
+              <a:t>2018/3/10</a:t>
             </a:fld>
             <a:endParaRPr kumimoji="1" lang="ja-JP" altLang="en-US"/>
           </a:p>
@@ -1039,7 +1211,7 @@
           <a:p>
             <a:fld id="{5E8A8F78-2FD7-7F4B-B34C-8078F4074D81}" type="datetimeFigureOut">
               <a:rPr kumimoji="1" lang="ja-JP" altLang="en-US" smtClean="0"/>
-              <a:t>2018/3/3</a:t>
+              <a:t>2018/3/10</a:t>
             </a:fld>
             <a:endParaRPr kumimoji="1" lang="ja-JP" altLang="en-US"/>
           </a:p>
@@ -1249,7 +1421,7 @@
           <a:p>
             <a:fld id="{5E8A8F78-2FD7-7F4B-B34C-8078F4074D81}" type="datetimeFigureOut">
               <a:rPr kumimoji="1" lang="ja-JP" altLang="en-US" smtClean="0"/>
-              <a:t>2018/3/3</a:t>
+              <a:t>2018/3/10</a:t>
             </a:fld>
             <a:endParaRPr kumimoji="1" lang="ja-JP" altLang="en-US"/>
           </a:p>
@@ -1449,7 +1621,7 @@
           <a:p>
             <a:fld id="{5E8A8F78-2FD7-7F4B-B34C-8078F4074D81}" type="datetimeFigureOut">
               <a:rPr kumimoji="1" lang="ja-JP" altLang="en-US" smtClean="0"/>
-              <a:t>2018/3/3</a:t>
+              <a:t>2018/3/10</a:t>
             </a:fld>
             <a:endParaRPr kumimoji="1" lang="ja-JP" altLang="en-US"/>
           </a:p>
@@ -1694,7 +1866,7 @@
           <a:p>
             <a:fld id="{5E8A8F78-2FD7-7F4B-B34C-8078F4074D81}" type="datetimeFigureOut">
               <a:rPr kumimoji="1" lang="ja-JP" altLang="en-US" smtClean="0"/>
-              <a:t>2018/3/3</a:t>
+              <a:t>2018/3/10</a:t>
             </a:fld>
             <a:endParaRPr kumimoji="1" lang="ja-JP" altLang="en-US"/>
           </a:p>
@@ -2043,7 +2215,7 @@
           <a:p>
             <a:fld id="{5E8A8F78-2FD7-7F4B-B34C-8078F4074D81}" type="datetimeFigureOut">
               <a:rPr kumimoji="1" lang="ja-JP" altLang="en-US" smtClean="0"/>
-              <a:t>2018/3/3</a:t>
+              <a:t>2018/3/10</a:t>
             </a:fld>
             <a:endParaRPr kumimoji="1" lang="ja-JP" altLang="en-US"/>
           </a:p>
@@ -2526,7 +2698,7 @@
           <a:p>
             <a:fld id="{5E8A8F78-2FD7-7F4B-B34C-8078F4074D81}" type="datetimeFigureOut">
               <a:rPr kumimoji="1" lang="ja-JP" altLang="en-US" smtClean="0"/>
-              <a:t>2018/3/3</a:t>
+              <a:t>2018/3/10</a:t>
             </a:fld>
             <a:endParaRPr kumimoji="1" lang="ja-JP" altLang="en-US"/>
           </a:p>
@@ -2643,7 +2815,7 @@
           <a:p>
             <a:fld id="{5E8A8F78-2FD7-7F4B-B34C-8078F4074D81}" type="datetimeFigureOut">
               <a:rPr kumimoji="1" lang="ja-JP" altLang="en-US" smtClean="0"/>
-              <a:t>2018/3/3</a:t>
+              <a:t>2018/3/10</a:t>
             </a:fld>
             <a:endParaRPr kumimoji="1" lang="ja-JP" altLang="en-US"/>
           </a:p>
@@ -2738,7 +2910,7 @@
           <a:p>
             <a:fld id="{5E8A8F78-2FD7-7F4B-B34C-8078F4074D81}" type="datetimeFigureOut">
               <a:rPr kumimoji="1" lang="ja-JP" altLang="en-US" smtClean="0"/>
-              <a:t>2018/3/3</a:t>
+              <a:t>2018/3/10</a:t>
             </a:fld>
             <a:endParaRPr kumimoji="1" lang="ja-JP" altLang="en-US"/>
           </a:p>
@@ -3045,7 +3217,7 @@
           <a:p>
             <a:fld id="{5E8A8F78-2FD7-7F4B-B34C-8078F4074D81}" type="datetimeFigureOut">
               <a:rPr kumimoji="1" lang="ja-JP" altLang="en-US" smtClean="0"/>
-              <a:t>2018/3/3</a:t>
+              <a:t>2018/3/10</a:t>
             </a:fld>
             <a:endParaRPr kumimoji="1" lang="ja-JP" altLang="en-US"/>
           </a:p>
@@ -3297,7 +3469,7 @@
           <a:p>
             <a:fld id="{5E8A8F78-2FD7-7F4B-B34C-8078F4074D81}" type="datetimeFigureOut">
               <a:rPr kumimoji="1" lang="ja-JP" altLang="en-US" smtClean="0"/>
-              <a:t>2018/3/3</a:t>
+              <a:t>2018/3/10</a:t>
             </a:fld>
             <a:endParaRPr kumimoji="1" lang="ja-JP" altLang="en-US"/>
           </a:p>
@@ -3540,7 +3712,7 @@
           <a:p>
             <a:fld id="{5E8A8F78-2FD7-7F4B-B34C-8078F4074D81}" type="datetimeFigureOut">
               <a:rPr kumimoji="1" lang="ja-JP" altLang="en-US" smtClean="0"/>
-              <a:t>2018/3/3</a:t>
+              <a:t>2018/3/10</a:t>
             </a:fld>
             <a:endParaRPr kumimoji="1" lang="ja-JP" altLang="en-US"/>
           </a:p>
@@ -4259,7 +4431,22 @@
           <a:lstStyle/>
           <a:p>
             <a:pPr algn="ctr"/>
-            <a:endParaRPr kumimoji="1" lang="ja-JP" altLang="en-US"/>
+            <a:r>
+              <a:rPr kumimoji="1" lang="ja-JP" altLang="en-US" dirty="0"/>
+              <a:t>モード名（お気楽、検定、名人</a:t>
+            </a:r>
+            <a:r>
+              <a:rPr kumimoji="1" lang="en-US" altLang="ja-JP" dirty="0" err="1"/>
+              <a:t>etc</a:t>
+            </a:r>
+            <a:r>
+              <a:rPr kumimoji="1" lang="en-US" altLang="ja-JP" dirty="0"/>
+              <a:t>…</a:t>
+            </a:r>
+            <a:r>
+              <a:rPr kumimoji="1" lang="ja-JP" altLang="en-US" dirty="0"/>
+              <a:t>）</a:t>
+            </a:r>
           </a:p>
         </p:txBody>
       </p:sp>
@@ -4305,23 +4492,7 @@
                 <a:ea typeface="YuKyokasho Medium" panose="02000500000000000000" pitchFamily="2" charset="-128"/>
                 <a:cs typeface="ヒラギノ丸ゴ ProN W4"/>
               </a:rPr>
-              <a:t>00:0</a:t>
-            </a:r>
-            <a:r>
-              <a:rPr lang="en-US" altLang="ja-JP" sz="4800" dirty="0">
-                <a:latin typeface="YuKyokasho Medium" panose="02000500000000000000" pitchFamily="2" charset="-128"/>
-                <a:ea typeface="YuKyokasho Medium" panose="02000500000000000000" pitchFamily="2" charset="-128"/>
-                <a:cs typeface="ヒラギノ丸ゴ ProN W4"/>
-              </a:rPr>
-              <a:t>1</a:t>
-            </a:r>
-            <a:r>
-              <a:rPr kumimoji="1" lang="en-US" altLang="ja-JP" sz="4800" dirty="0">
-                <a:latin typeface="YuKyokasho Medium" panose="02000500000000000000" pitchFamily="2" charset="-128"/>
-                <a:ea typeface="YuKyokasho Medium" panose="02000500000000000000" pitchFamily="2" charset="-128"/>
-                <a:cs typeface="ヒラギノ丸ゴ ProN W4"/>
-              </a:rPr>
-              <a:t>:00</a:t>
+              <a:t>00:00:00</a:t>
             </a:r>
             <a:endParaRPr kumimoji="1" lang="ja-JP" altLang="en-US" sz="4800" dirty="0">
               <a:latin typeface="YuKyokasho Medium" panose="02000500000000000000" pitchFamily="2" charset="-128"/>
@@ -4368,13 +4539,18 @@
           <a:p>
             <a:pPr algn="ctr"/>
             <a:r>
-              <a:rPr kumimoji="1" lang="ja-JP" altLang="en-US" sz="3200" dirty="0">
+              <a:rPr lang="ja-JP" altLang="en-US" sz="3200" dirty="0">
                 <a:latin typeface="YuKyokasho Medium" panose="02000500000000000000" pitchFamily="2" charset="-128"/>
                 <a:ea typeface="YuKyokasho Medium" panose="02000500000000000000" pitchFamily="2" charset="-128"/>
                 <a:cs typeface="ヒラギノ丸ゴ ProN W4"/>
               </a:rPr>
-              <a:t>中断</a:t>
-            </a:r>
+              <a:t>戻る</a:t>
+            </a:r>
+            <a:endParaRPr lang="en-US" altLang="ja-JP" sz="3200" dirty="0">
+              <a:latin typeface="YuKyokasho Medium" panose="02000500000000000000" pitchFamily="2" charset="-128"/>
+              <a:ea typeface="YuKyokasho Medium" panose="02000500000000000000" pitchFamily="2" charset="-128"/>
+              <a:cs typeface="ヒラギノ丸ゴ ProN W4"/>
+            </a:endParaRPr>
           </a:p>
         </p:txBody>
       </p:sp>
@@ -4420,7 +4596,7 @@
                 <a:ea typeface="YuKyokasho Medium" panose="02000500000000000000" pitchFamily="2" charset="-128"/>
                 <a:cs typeface="ヒラギノ丸ゴ ProN W4"/>
               </a:rPr>
-              <a:t>完了</a:t>
+              <a:t>開始</a:t>
             </a:r>
           </a:p>
         </p:txBody>
@@ -4434,7 +4610,7 @@
         <p:spPr>
           <a:xfrm>
             <a:off x="2916464" y="1460500"/>
-            <a:ext cx="3311072" cy="523220"/>
+            <a:ext cx="3311072" cy="954107"/>
           </a:xfrm>
           <a:prstGeom prst="rect">
             <a:avLst/>
@@ -4454,17 +4630,32 @@
                 <a:ea typeface="YuKyokasho Medium" panose="02000500000000000000" pitchFamily="2" charset="-128"/>
                 <a:cs typeface="ヒラギノ丸ゴ ProN W4"/>
               </a:rPr>
-              <a:t>計量</a:t>
-            </a:r>
-          </a:p>
-        </p:txBody>
-      </p:sp>
-      <p:sp>
-        <p:nvSpPr>
-          <p:cNvPr id="8" name="テキスト ボックス 7">
+              <a:t>準備が整ったら</a:t>
+            </a:r>
+            <a:br>
+              <a:rPr kumimoji="1" lang="en-US" altLang="ja-JP" sz="2800" dirty="0">
+                <a:latin typeface="YuKyokasho Medium" panose="02000500000000000000" pitchFamily="2" charset="-128"/>
+                <a:ea typeface="YuKyokasho Medium" panose="02000500000000000000" pitchFamily="2" charset="-128"/>
+                <a:cs typeface="ヒラギノ丸ゴ ProN W4"/>
+              </a:rPr>
+            </a:br>
+            <a:r>
+              <a:rPr kumimoji="1" lang="ja-JP" altLang="en-US" sz="2800" dirty="0">
+                <a:latin typeface="YuKyokasho Medium" panose="02000500000000000000" pitchFamily="2" charset="-128"/>
+                <a:ea typeface="YuKyokasho Medium" panose="02000500000000000000" pitchFamily="2" charset="-128"/>
+                <a:cs typeface="ヒラギノ丸ゴ ProN W4"/>
+              </a:rPr>
+              <a:t>開始をタップ</a:t>
+            </a:r>
+          </a:p>
+        </p:txBody>
+      </p:sp>
+      <p:sp>
+        <p:nvSpPr>
+          <p:cNvPr id="7" name="テキスト ボックス 6">
             <a:extLst>
               <a:ext uri="{FF2B5EF4-FFF2-40B4-BE49-F238E27FC236}">
-                <a16:creationId xmlns:a16="http://schemas.microsoft.com/office/drawing/2014/main" id="{A633626E-33CB-9F43-9DE9-CC2ACEE7BF23}"/>
+                <a16:creationId xmlns:a16="http://schemas.microsoft.com/office/drawing/2014/main" id="{5F2B7902-B974-8043-B2D3-604EF17B2BB6}"/>
               </a:ext>
             </a:extLst>
           </p:cNvPr>
@@ -4473,8 +4664,8 @@
         </p:nvSpPr>
         <p:spPr>
           <a:xfrm>
-            <a:off x="340242" y="446567"/>
-            <a:ext cx="1701209" cy="369332"/>
+            <a:off x="6779208" y="5022908"/>
+            <a:ext cx="2464526" cy="923330"/>
           </a:xfrm>
           <a:prstGeom prst="rect">
             <a:avLst/>
@@ -4488,6 +4679,49 @@
           <a:lstStyle/>
           <a:p>
             <a:r>
+              <a:rPr kumimoji="1" lang="ja-JP" altLang="en-US" dirty="0"/>
+              <a:t>各工程ごとの目標値を確認できるようにする</a:t>
+            </a:r>
+            <a:endParaRPr kumimoji="1" lang="en-US" altLang="ja-JP" dirty="0"/>
+          </a:p>
+          <a:p>
+            <a:r>
+              <a:rPr lang="ja-JP" altLang="en-US" dirty="0"/>
+              <a:t>ボタンなど</a:t>
+            </a:r>
+            <a:endParaRPr lang="en-US" altLang="ja-JP" dirty="0"/>
+          </a:p>
+        </p:txBody>
+      </p:sp>
+      <p:sp>
+        <p:nvSpPr>
+          <p:cNvPr id="9" name="テキスト ボックス 8">
+            <a:extLst>
+              <a:ext uri="{FF2B5EF4-FFF2-40B4-BE49-F238E27FC236}">
+                <a16:creationId xmlns:a16="http://schemas.microsoft.com/office/drawing/2014/main" id="{BB758E4B-A0C8-C649-AF91-B7BAE32594D4}"/>
+              </a:ext>
+            </a:extLst>
+          </p:cNvPr>
+          <p:cNvSpPr txBox="1"/>
+          <p:nvPr/>
+        </p:nvSpPr>
+        <p:spPr>
+          <a:xfrm>
+            <a:off x="340242" y="446567"/>
+            <a:ext cx="1701209" cy="369332"/>
+          </a:xfrm>
+          <a:prstGeom prst="rect">
+            <a:avLst/>
+          </a:prstGeom>
+          <a:noFill/>
+        </p:spPr>
+        <p:txBody>
+          <a:bodyPr wrap="square" rtlCol="0">
+            <a:spAutoFit/>
+          </a:bodyPr>
+          <a:lstStyle/>
+          <a:p>
+            <a:r>
               <a:rPr lang="en-US" altLang="ja-JP" dirty="0" err="1"/>
               <a:t>T</a:t>
             </a:r>
@@ -4502,7 +4736,7 @@
     </p:spTree>
     <p:extLst>
       <p:ext uri="{BB962C8B-B14F-4D97-AF65-F5344CB8AC3E}">
-        <p14:creationId xmlns:p14="http://schemas.microsoft.com/office/powerpoint/2010/main" val="2087748137"/>
+        <p14:creationId xmlns:p14="http://schemas.microsoft.com/office/powerpoint/2010/main" val="1696413222"/>
       </p:ext>
     </p:extLst>
   </p:cSld>
@@ -4774,18 +5008,13 @@
           <a:p>
             <a:pPr algn="ctr"/>
             <a:r>
-              <a:rPr lang="ja-JP" altLang="en-US" sz="3200" dirty="0">
+              <a:rPr kumimoji="1" lang="ja-JP" altLang="en-US" sz="3200" dirty="0">
                 <a:latin typeface="YuKyokasho Medium" panose="02000500000000000000" pitchFamily="2" charset="-128"/>
                 <a:ea typeface="YuKyokasho Medium" panose="02000500000000000000" pitchFamily="2" charset="-128"/>
                 <a:cs typeface="ヒラギノ丸ゴ ProN W4"/>
               </a:rPr>
-              <a:t>終了</a:t>
-            </a:r>
-            <a:endParaRPr kumimoji="1" lang="ja-JP" altLang="en-US" sz="3200" dirty="0">
-              <a:latin typeface="YuKyokasho Medium" panose="02000500000000000000" pitchFamily="2" charset="-128"/>
-              <a:ea typeface="YuKyokasho Medium" panose="02000500000000000000" pitchFamily="2" charset="-128"/>
-              <a:cs typeface="ヒラギノ丸ゴ ProN W4"/>
-            </a:endParaRPr>
+              <a:t>完了</a:t>
+            </a:r>
           </a:p>
         </p:txBody>
       </p:sp>
@@ -4813,18 +5042,13 @@
           <a:p>
             <a:pPr algn="ctr"/>
             <a:r>
-              <a:rPr lang="ja-JP" altLang="en-US" sz="2800" dirty="0">
+              <a:rPr kumimoji="1" lang="ja-JP" altLang="en-US" sz="2800" dirty="0">
                 <a:latin typeface="YuKyokasho Medium" panose="02000500000000000000" pitchFamily="2" charset="-128"/>
                 <a:ea typeface="YuKyokasho Medium" panose="02000500000000000000" pitchFamily="2" charset="-128"/>
                 <a:cs typeface="ヒラギノ丸ゴ ProN W4"/>
               </a:rPr>
-              <a:t>片付け</a:t>
-            </a:r>
-            <a:endParaRPr kumimoji="1" lang="ja-JP" altLang="en-US" sz="2800" dirty="0">
-              <a:latin typeface="YuKyokasho Medium" panose="02000500000000000000" pitchFamily="2" charset="-128"/>
-              <a:ea typeface="YuKyokasho Medium" panose="02000500000000000000" pitchFamily="2" charset="-128"/>
-              <a:cs typeface="ヒラギノ丸ゴ ProN W4"/>
-            </a:endParaRPr>
+              <a:t>計量</a:t>
+            </a:r>
           </a:p>
         </p:txBody>
       </p:sp>
@@ -4833,7 +5057,7 @@
           <p:cNvPr id="8" name="テキスト ボックス 7">
             <a:extLst>
               <a:ext uri="{FF2B5EF4-FFF2-40B4-BE49-F238E27FC236}">
-                <a16:creationId xmlns:a16="http://schemas.microsoft.com/office/drawing/2014/main" id="{D9582873-3548-A54D-BE66-4D003646D8A9}"/>
+                <a16:creationId xmlns:a16="http://schemas.microsoft.com/office/drawing/2014/main" id="{A633626E-33CB-9F43-9DE9-CC2ACEE7BF23}"/>
               </a:ext>
             </a:extLst>
           </p:cNvPr>
@@ -4871,7 +5095,7 @@
     </p:spTree>
     <p:extLst>
       <p:ext uri="{BB962C8B-B14F-4D97-AF65-F5344CB8AC3E}">
-        <p14:creationId xmlns:p14="http://schemas.microsoft.com/office/powerpoint/2010/main" val="817860856"/>
+        <p14:creationId xmlns:p14="http://schemas.microsoft.com/office/powerpoint/2010/main" val="2087748137"/>
       </p:ext>
     </p:extLst>
   </p:cSld>
@@ -4913,6 +5137,375 @@
             <a:avLst/>
           </a:prstGeom>
           <a:solidFill>
+            <a:schemeClr val="accent3">
+              <a:lumMod val="20000"/>
+              <a:lumOff val="80000"/>
+            </a:schemeClr>
+          </a:solidFill>
+          <a:ln/>
+        </p:spPr>
+        <p:style>
+          <a:lnRef idx="2">
+            <a:schemeClr val="accent3">
+              <a:shade val="50000"/>
+            </a:schemeClr>
+          </a:lnRef>
+          <a:fillRef idx="1">
+            <a:schemeClr val="accent3"/>
+          </a:fillRef>
+          <a:effectRef idx="0">
+            <a:schemeClr val="accent3"/>
+          </a:effectRef>
+          <a:fontRef idx="minor">
+            <a:schemeClr val="lt1"/>
+          </a:fontRef>
+        </p:style>
+        <p:txBody>
+          <a:bodyPr rtlCol="0" anchor="ctr"/>
+          <a:lstStyle/>
+          <a:p>
+            <a:pPr algn="ctr"/>
+            <a:endParaRPr kumimoji="1" lang="ja-JP" altLang="en-US"/>
+          </a:p>
+        </p:txBody>
+      </p:sp>
+      <p:sp>
+        <p:nvSpPr>
+          <p:cNvPr id="3" name="正方形/長方形 2"/>
+          <p:cNvSpPr/>
+          <p:nvPr/>
+        </p:nvSpPr>
+        <p:spPr>
+          <a:xfrm>
+            <a:off x="2702034" y="564226"/>
+            <a:ext cx="3739931" cy="506204"/>
+          </a:xfrm>
+          <a:prstGeom prst="rect">
+            <a:avLst/>
+          </a:prstGeom>
+          <a:solidFill>
+            <a:schemeClr val="accent3">
+              <a:lumMod val="75000"/>
+            </a:schemeClr>
+          </a:solidFill>
+          <a:ln/>
+        </p:spPr>
+        <p:style>
+          <a:lnRef idx="2">
+            <a:schemeClr val="accent3">
+              <a:shade val="50000"/>
+            </a:schemeClr>
+          </a:lnRef>
+          <a:fillRef idx="1">
+            <a:schemeClr val="accent3"/>
+          </a:fillRef>
+          <a:effectRef idx="0">
+            <a:schemeClr val="accent3"/>
+          </a:effectRef>
+          <a:fontRef idx="minor">
+            <a:schemeClr val="lt1"/>
+          </a:fontRef>
+        </p:style>
+        <p:txBody>
+          <a:bodyPr rtlCol="0" anchor="ctr"/>
+          <a:lstStyle/>
+          <a:p>
+            <a:pPr algn="ctr"/>
+            <a:endParaRPr kumimoji="1" lang="ja-JP" altLang="en-US"/>
+          </a:p>
+        </p:txBody>
+      </p:sp>
+      <p:sp>
+        <p:nvSpPr>
+          <p:cNvPr id="4" name="角丸四角形 3"/>
+          <p:cNvSpPr/>
+          <p:nvPr/>
+        </p:nvSpPr>
+        <p:spPr>
+          <a:xfrm>
+            <a:off x="2916464" y="2872921"/>
+            <a:ext cx="3311072" cy="1347107"/>
+          </a:xfrm>
+          <a:prstGeom prst="roundRect">
+            <a:avLst/>
+          </a:prstGeom>
+        </p:spPr>
+        <p:style>
+          <a:lnRef idx="2">
+            <a:schemeClr val="accent3">
+              <a:shade val="50000"/>
+            </a:schemeClr>
+          </a:lnRef>
+          <a:fillRef idx="1">
+            <a:schemeClr val="accent3"/>
+          </a:fillRef>
+          <a:effectRef idx="0">
+            <a:schemeClr val="accent3"/>
+          </a:effectRef>
+          <a:fontRef idx="minor">
+            <a:schemeClr val="lt1"/>
+          </a:fontRef>
+        </p:style>
+        <p:txBody>
+          <a:bodyPr rtlCol="0" anchor="ctr"/>
+          <a:lstStyle/>
+          <a:p>
+            <a:pPr algn="ctr"/>
+            <a:r>
+              <a:rPr kumimoji="1" lang="en-US" altLang="ja-JP" sz="4800" dirty="0">
+                <a:latin typeface="YuKyokasho Medium" panose="02000500000000000000" pitchFamily="2" charset="-128"/>
+                <a:ea typeface="YuKyokasho Medium" panose="02000500000000000000" pitchFamily="2" charset="-128"/>
+                <a:cs typeface="ヒラギノ丸ゴ ProN W4"/>
+              </a:rPr>
+              <a:t>00:0</a:t>
+            </a:r>
+            <a:r>
+              <a:rPr lang="en-US" altLang="ja-JP" sz="4800" dirty="0">
+                <a:latin typeface="YuKyokasho Medium" panose="02000500000000000000" pitchFamily="2" charset="-128"/>
+                <a:ea typeface="YuKyokasho Medium" panose="02000500000000000000" pitchFamily="2" charset="-128"/>
+                <a:cs typeface="ヒラギノ丸ゴ ProN W4"/>
+              </a:rPr>
+              <a:t>1</a:t>
+            </a:r>
+            <a:r>
+              <a:rPr kumimoji="1" lang="en-US" altLang="ja-JP" sz="4800" dirty="0">
+                <a:latin typeface="YuKyokasho Medium" panose="02000500000000000000" pitchFamily="2" charset="-128"/>
+                <a:ea typeface="YuKyokasho Medium" panose="02000500000000000000" pitchFamily="2" charset="-128"/>
+                <a:cs typeface="ヒラギノ丸ゴ ProN W4"/>
+              </a:rPr>
+              <a:t>:00</a:t>
+            </a:r>
+            <a:endParaRPr kumimoji="1" lang="ja-JP" altLang="en-US" sz="4800" dirty="0">
+              <a:latin typeface="YuKyokasho Medium" panose="02000500000000000000" pitchFamily="2" charset="-128"/>
+              <a:ea typeface="YuKyokasho Medium" panose="02000500000000000000" pitchFamily="2" charset="-128"/>
+              <a:cs typeface="ヒラギノ丸ゴ ProN W4"/>
+            </a:endParaRPr>
+          </a:p>
+        </p:txBody>
+      </p:sp>
+      <p:sp>
+        <p:nvSpPr>
+          <p:cNvPr id="11" name="角丸四角形 10"/>
+          <p:cNvSpPr/>
+          <p:nvPr/>
+        </p:nvSpPr>
+        <p:spPr>
+          <a:xfrm>
+            <a:off x="4807857" y="4962066"/>
+            <a:ext cx="1419679" cy="522507"/>
+          </a:xfrm>
+          <a:prstGeom prst="roundRect">
+            <a:avLst/>
+          </a:prstGeom>
+        </p:spPr>
+        <p:style>
+          <a:lnRef idx="2">
+            <a:schemeClr val="accent3">
+              <a:shade val="50000"/>
+            </a:schemeClr>
+          </a:lnRef>
+          <a:fillRef idx="1">
+            <a:schemeClr val="accent3"/>
+          </a:fillRef>
+          <a:effectRef idx="0">
+            <a:schemeClr val="accent3"/>
+          </a:effectRef>
+          <a:fontRef idx="minor">
+            <a:schemeClr val="lt1"/>
+          </a:fontRef>
+        </p:style>
+        <p:txBody>
+          <a:bodyPr rtlCol="0" anchor="ctr"/>
+          <a:lstStyle/>
+          <a:p>
+            <a:pPr algn="ctr"/>
+            <a:r>
+              <a:rPr kumimoji="1" lang="ja-JP" altLang="en-US" sz="3200" dirty="0">
+                <a:latin typeface="YuKyokasho Medium" panose="02000500000000000000" pitchFamily="2" charset="-128"/>
+                <a:ea typeface="YuKyokasho Medium" panose="02000500000000000000" pitchFamily="2" charset="-128"/>
+                <a:cs typeface="ヒラギノ丸ゴ ProN W4"/>
+              </a:rPr>
+              <a:t>中断</a:t>
+            </a:r>
+          </a:p>
+        </p:txBody>
+      </p:sp>
+      <p:sp>
+        <p:nvSpPr>
+          <p:cNvPr id="10" name="角丸四角形 9"/>
+          <p:cNvSpPr/>
+          <p:nvPr/>
+        </p:nvSpPr>
+        <p:spPr>
+          <a:xfrm>
+            <a:off x="2916464" y="4962066"/>
+            <a:ext cx="1419679" cy="522507"/>
+          </a:xfrm>
+          <a:prstGeom prst="roundRect">
+            <a:avLst/>
+          </a:prstGeom>
+        </p:spPr>
+        <p:style>
+          <a:lnRef idx="2">
+            <a:schemeClr val="accent3">
+              <a:shade val="50000"/>
+            </a:schemeClr>
+          </a:lnRef>
+          <a:fillRef idx="1">
+            <a:schemeClr val="accent3"/>
+          </a:fillRef>
+          <a:effectRef idx="0">
+            <a:schemeClr val="accent3"/>
+          </a:effectRef>
+          <a:fontRef idx="minor">
+            <a:schemeClr val="lt1"/>
+          </a:fontRef>
+        </p:style>
+        <p:txBody>
+          <a:bodyPr rtlCol="0" anchor="ctr"/>
+          <a:lstStyle/>
+          <a:p>
+            <a:pPr algn="ctr"/>
+            <a:r>
+              <a:rPr lang="ja-JP" altLang="en-US" sz="3200" dirty="0">
+                <a:latin typeface="YuKyokasho Medium" panose="02000500000000000000" pitchFamily="2" charset="-128"/>
+                <a:ea typeface="YuKyokasho Medium" panose="02000500000000000000" pitchFamily="2" charset="-128"/>
+                <a:cs typeface="ヒラギノ丸ゴ ProN W4"/>
+              </a:rPr>
+              <a:t>終了</a:t>
+            </a:r>
+            <a:endParaRPr kumimoji="1" lang="ja-JP" altLang="en-US" sz="3200" dirty="0">
+              <a:latin typeface="YuKyokasho Medium" panose="02000500000000000000" pitchFamily="2" charset="-128"/>
+              <a:ea typeface="YuKyokasho Medium" panose="02000500000000000000" pitchFamily="2" charset="-128"/>
+              <a:cs typeface="ヒラギノ丸ゴ ProN W4"/>
+            </a:endParaRPr>
+          </a:p>
+        </p:txBody>
+      </p:sp>
+      <p:sp>
+        <p:nvSpPr>
+          <p:cNvPr id="5" name="テキスト ボックス 4"/>
+          <p:cNvSpPr txBox="1"/>
+          <p:nvPr/>
+        </p:nvSpPr>
+        <p:spPr>
+          <a:xfrm>
+            <a:off x="2916464" y="1460500"/>
+            <a:ext cx="3311072" cy="523220"/>
+          </a:xfrm>
+          <a:prstGeom prst="rect">
+            <a:avLst/>
+          </a:prstGeom>
+          <a:noFill/>
+        </p:spPr>
+        <p:txBody>
+          <a:bodyPr wrap="square" rtlCol="0">
+            <a:spAutoFit/>
+          </a:bodyPr>
+          <a:lstStyle/>
+          <a:p>
+            <a:pPr algn="ctr"/>
+            <a:r>
+              <a:rPr lang="ja-JP" altLang="en-US" sz="2800" dirty="0">
+                <a:latin typeface="YuKyokasho Medium" panose="02000500000000000000" pitchFamily="2" charset="-128"/>
+                <a:ea typeface="YuKyokasho Medium" panose="02000500000000000000" pitchFamily="2" charset="-128"/>
+                <a:cs typeface="ヒラギノ丸ゴ ProN W4"/>
+              </a:rPr>
+              <a:t>片付け</a:t>
+            </a:r>
+            <a:endParaRPr kumimoji="1" lang="ja-JP" altLang="en-US" sz="2800" dirty="0">
+              <a:latin typeface="YuKyokasho Medium" panose="02000500000000000000" pitchFamily="2" charset="-128"/>
+              <a:ea typeface="YuKyokasho Medium" panose="02000500000000000000" pitchFamily="2" charset="-128"/>
+              <a:cs typeface="ヒラギノ丸ゴ ProN W4"/>
+            </a:endParaRPr>
+          </a:p>
+        </p:txBody>
+      </p:sp>
+      <p:sp>
+        <p:nvSpPr>
+          <p:cNvPr id="8" name="テキスト ボックス 7">
+            <a:extLst>
+              <a:ext uri="{FF2B5EF4-FFF2-40B4-BE49-F238E27FC236}">
+                <a16:creationId xmlns:a16="http://schemas.microsoft.com/office/drawing/2014/main" id="{D9582873-3548-A54D-BE66-4D003646D8A9}"/>
+              </a:ext>
+            </a:extLst>
+          </p:cNvPr>
+          <p:cNvSpPr txBox="1"/>
+          <p:nvPr/>
+        </p:nvSpPr>
+        <p:spPr>
+          <a:xfrm>
+            <a:off x="340242" y="446567"/>
+            <a:ext cx="1701209" cy="369332"/>
+          </a:xfrm>
+          <a:prstGeom prst="rect">
+            <a:avLst/>
+          </a:prstGeom>
+          <a:noFill/>
+        </p:spPr>
+        <p:txBody>
+          <a:bodyPr wrap="square" rtlCol="0">
+            <a:spAutoFit/>
+          </a:bodyPr>
+          <a:lstStyle/>
+          <a:p>
+            <a:r>
+              <a:rPr lang="en-US" altLang="ja-JP" dirty="0" err="1"/>
+              <a:t>T</a:t>
+            </a:r>
+            <a:r>
+              <a:rPr kumimoji="1" lang="en-US" altLang="ja-JP" dirty="0" err="1"/>
+              <a:t>imerActivity</a:t>
+            </a:r>
+            <a:endParaRPr kumimoji="1" lang="ja-JP" altLang="en-US" dirty="0"/>
+          </a:p>
+        </p:txBody>
+      </p:sp>
+    </p:spTree>
+    <p:extLst>
+      <p:ext uri="{BB962C8B-B14F-4D97-AF65-F5344CB8AC3E}">
+        <p14:creationId xmlns:p14="http://schemas.microsoft.com/office/powerpoint/2010/main" val="817860856"/>
+      </p:ext>
+    </p:extLst>
+  </p:cSld>
+  <p:clrMapOvr>
+    <a:masterClrMapping/>
+  </p:clrMapOvr>
+</p:sld>
+</file>
+
+<file path=ppt/slides/slide13.xml><?xml version="1.0" encoding="utf-8"?>
+<p:sld xmlns:a="http://schemas.openxmlformats.org/drawingml/2006/main" xmlns:r="http://schemas.openxmlformats.org/officeDocument/2006/relationships" xmlns:p="http://schemas.openxmlformats.org/presentationml/2006/main">
+  <p:cSld>
+    <p:spTree>
+      <p:nvGrpSpPr>
+        <p:cNvPr id="1" name=""/>
+        <p:cNvGrpSpPr/>
+        <p:nvPr/>
+      </p:nvGrpSpPr>
+      <p:grpSpPr>
+        <a:xfrm>
+          <a:off x="0" y="0"/>
+          <a:ext cx="0" cy="0"/>
+          <a:chOff x="0" y="0"/>
+          <a:chExt cx="0" cy="0"/>
+        </a:xfrm>
+      </p:grpSpPr>
+      <p:sp>
+        <p:nvSpPr>
+          <p:cNvPr id="2" name="正方形/長方形 1"/>
+          <p:cNvSpPr/>
+          <p:nvPr/>
+        </p:nvSpPr>
+        <p:spPr>
+          <a:xfrm>
+            <a:off x="2702034" y="564226"/>
+            <a:ext cx="3739931" cy="5728138"/>
+          </a:xfrm>
+          <a:prstGeom prst="rect">
+            <a:avLst/>
+          </a:prstGeom>
+          <a:solidFill>
             <a:srgbClr val="CD5E3C">
               <a:alpha val="21176"/>
             </a:srgbClr>
@@ -5088,7 +5681,7 @@
 </p:sld>
 </file>
 
-<file path=ppt/slides/slide13.xml><?xml version="1.0" encoding="utf-8"?>
+<file path=ppt/slides/slide14.xml><?xml version="1.0" encoding="utf-8"?>
 <p:sld xmlns:a="http://schemas.openxmlformats.org/drawingml/2006/main" xmlns:r="http://schemas.openxmlformats.org/officeDocument/2006/relationships" xmlns:p="http://schemas.openxmlformats.org/presentationml/2006/main">
   <p:cSld>
     <p:spTree>
@@ -5789,378 +6382,6 @@
 </p:sld>
 </file>
 
-<file path=ppt/slides/slide14.xml><?xml version="1.0" encoding="utf-8"?>
-<p:sld xmlns:a="http://schemas.openxmlformats.org/drawingml/2006/main" xmlns:r="http://schemas.openxmlformats.org/officeDocument/2006/relationships" xmlns:p="http://schemas.openxmlformats.org/presentationml/2006/main">
-  <p:cSld>
-    <p:spTree>
-      <p:nvGrpSpPr>
-        <p:cNvPr id="1" name=""/>
-        <p:cNvGrpSpPr/>
-        <p:nvPr/>
-      </p:nvGrpSpPr>
-      <p:grpSpPr>
-        <a:xfrm>
-          <a:off x="0" y="0"/>
-          <a:ext cx="0" cy="0"/>
-          <a:chOff x="0" y="0"/>
-          <a:chExt cx="0" cy="0"/>
-        </a:xfrm>
-      </p:grpSpPr>
-      <p:sp>
-        <p:nvSpPr>
-          <p:cNvPr id="2" name="正方形/長方形 1"/>
-          <p:cNvSpPr/>
-          <p:nvPr/>
-        </p:nvSpPr>
-        <p:spPr>
-          <a:xfrm>
-            <a:off x="2671553" y="564226"/>
-            <a:ext cx="3739931" cy="5728138"/>
-          </a:xfrm>
-          <a:prstGeom prst="rect">
-            <a:avLst/>
-          </a:prstGeom>
-          <a:solidFill>
-            <a:srgbClr val="FFFFFF"/>
-          </a:solidFill>
-          <a:ln>
-            <a:solidFill>
-              <a:schemeClr val="tx1"/>
-            </a:solidFill>
-          </a:ln>
-        </p:spPr>
-        <p:style>
-          <a:lnRef idx="2">
-            <a:schemeClr val="accent3">
-              <a:shade val="50000"/>
-            </a:schemeClr>
-          </a:lnRef>
-          <a:fillRef idx="1">
-            <a:schemeClr val="accent3"/>
-          </a:fillRef>
-          <a:effectRef idx="0">
-            <a:schemeClr val="accent3"/>
-          </a:effectRef>
-          <a:fontRef idx="minor">
-            <a:schemeClr val="lt1"/>
-          </a:fontRef>
-        </p:style>
-        <p:txBody>
-          <a:bodyPr rtlCol="0" anchor="ctr"/>
-          <a:lstStyle/>
-          <a:p>
-            <a:pPr algn="ctr"/>
-            <a:endParaRPr kumimoji="1" lang="ja-JP" altLang="en-US"/>
-          </a:p>
-        </p:txBody>
-      </p:sp>
-      <p:sp>
-        <p:nvSpPr>
-          <p:cNvPr id="3" name="正方形/長方形 2"/>
-          <p:cNvSpPr/>
-          <p:nvPr/>
-        </p:nvSpPr>
-        <p:spPr>
-          <a:xfrm>
-            <a:off x="2667197" y="576880"/>
-            <a:ext cx="3739931" cy="506204"/>
-          </a:xfrm>
-          <a:prstGeom prst="rect">
-            <a:avLst/>
-          </a:prstGeom>
-          <a:solidFill>
-            <a:schemeClr val="tx1"/>
-          </a:solidFill>
-          <a:ln>
-            <a:noFill/>
-          </a:ln>
-        </p:spPr>
-        <p:style>
-          <a:lnRef idx="2">
-            <a:schemeClr val="accent6">
-              <a:shade val="50000"/>
-            </a:schemeClr>
-          </a:lnRef>
-          <a:fillRef idx="1">
-            <a:schemeClr val="accent6"/>
-          </a:fillRef>
-          <a:effectRef idx="0">
-            <a:schemeClr val="accent6"/>
-          </a:effectRef>
-          <a:fontRef idx="minor">
-            <a:schemeClr val="lt1"/>
-          </a:fontRef>
-        </p:style>
-        <p:txBody>
-          <a:bodyPr rtlCol="0" anchor="ctr"/>
-          <a:lstStyle/>
-          <a:p>
-            <a:pPr algn="ctr"/>
-            <a:r>
-              <a:rPr kumimoji="1" lang="ja-JP" altLang="en-US" dirty="0"/>
-              <a:t>記録画面</a:t>
-            </a:r>
-          </a:p>
-        </p:txBody>
-      </p:sp>
-      <p:sp>
-        <p:nvSpPr>
-          <p:cNvPr id="12" name="角丸四角形 11">
-            <a:extLst>
-              <a:ext uri="{FF2B5EF4-FFF2-40B4-BE49-F238E27FC236}">
-                <a16:creationId xmlns:a16="http://schemas.microsoft.com/office/drawing/2014/main" id="{F0AC3E38-372B-154F-96BC-030809403ACC}"/>
-              </a:ext>
-            </a:extLst>
-          </p:cNvPr>
-          <p:cNvSpPr/>
-          <p:nvPr/>
-        </p:nvSpPr>
-        <p:spPr>
-          <a:xfrm>
-            <a:off x="2864211" y="2083889"/>
-            <a:ext cx="3311072" cy="997856"/>
-          </a:xfrm>
-          <a:prstGeom prst="roundRect">
-            <a:avLst/>
-          </a:prstGeom>
-        </p:spPr>
-        <p:style>
-          <a:lnRef idx="2">
-            <a:schemeClr val="accent3">
-              <a:shade val="50000"/>
-            </a:schemeClr>
-          </a:lnRef>
-          <a:fillRef idx="1">
-            <a:schemeClr val="accent3"/>
-          </a:fillRef>
-          <a:effectRef idx="0">
-            <a:schemeClr val="accent3"/>
-          </a:effectRef>
-          <a:fontRef idx="minor">
-            <a:schemeClr val="lt1"/>
-          </a:fontRef>
-        </p:style>
-        <p:txBody>
-          <a:bodyPr rtlCol="0" anchor="ctr"/>
-          <a:lstStyle/>
-          <a:p>
-            <a:pPr algn="ctr"/>
-            <a:r>
-              <a:rPr lang="ja-JP" altLang="en-US" sz="3200" dirty="0">
-                <a:latin typeface="YuKyokasho Medium" panose="02000500000000000000" pitchFamily="2" charset="-128"/>
-                <a:ea typeface="YuKyokasho Medium" panose="02000500000000000000" pitchFamily="2" charset="-128"/>
-                <a:cs typeface="ヒラギノ丸ゴ ProN W4"/>
-              </a:rPr>
-              <a:t>新規記録</a:t>
-            </a:r>
-            <a:endParaRPr kumimoji="1" lang="ja-JP" altLang="en-US" sz="3200" dirty="0">
-              <a:latin typeface="YuKyokasho Medium" panose="02000500000000000000" pitchFamily="2" charset="-128"/>
-              <a:ea typeface="YuKyokasho Medium" panose="02000500000000000000" pitchFamily="2" charset="-128"/>
-              <a:cs typeface="ヒラギノ丸ゴ ProN W4"/>
-            </a:endParaRPr>
-          </a:p>
-        </p:txBody>
-      </p:sp>
-      <p:sp>
-        <p:nvSpPr>
-          <p:cNvPr id="14" name="角丸四角形 13">
-            <a:extLst>
-              <a:ext uri="{FF2B5EF4-FFF2-40B4-BE49-F238E27FC236}">
-                <a16:creationId xmlns:a16="http://schemas.microsoft.com/office/drawing/2014/main" id="{BF79AEDF-D7B9-6144-B15F-3714ACE17152}"/>
-              </a:ext>
-            </a:extLst>
-          </p:cNvPr>
-          <p:cNvSpPr/>
-          <p:nvPr/>
-        </p:nvSpPr>
-        <p:spPr>
-          <a:xfrm>
-            <a:off x="2864211" y="3233421"/>
-            <a:ext cx="3311072" cy="997856"/>
-          </a:xfrm>
-          <a:prstGeom prst="roundRect">
-            <a:avLst/>
-          </a:prstGeom>
-        </p:spPr>
-        <p:style>
-          <a:lnRef idx="2">
-            <a:schemeClr val="accent3">
-              <a:shade val="50000"/>
-            </a:schemeClr>
-          </a:lnRef>
-          <a:fillRef idx="1">
-            <a:schemeClr val="accent3"/>
-          </a:fillRef>
-          <a:effectRef idx="0">
-            <a:schemeClr val="accent3"/>
-          </a:effectRef>
-          <a:fontRef idx="minor">
-            <a:schemeClr val="lt1"/>
-          </a:fontRef>
-        </p:style>
-        <p:txBody>
-          <a:bodyPr rtlCol="0" anchor="ctr"/>
-          <a:lstStyle/>
-          <a:p>
-            <a:pPr algn="ctr"/>
-            <a:r>
-              <a:rPr lang="ja-JP" altLang="en-US" sz="3200" dirty="0">
-                <a:latin typeface="YuKyokasho Medium" panose="02000500000000000000" pitchFamily="2" charset="-128"/>
-                <a:ea typeface="YuKyokasho Medium" panose="02000500000000000000" pitchFamily="2" charset="-128"/>
-                <a:cs typeface="ヒラギノ丸ゴ ProN W4"/>
-              </a:rPr>
-              <a:t>記録追加</a:t>
-            </a:r>
-            <a:endParaRPr kumimoji="1" lang="ja-JP" altLang="en-US" sz="3200" dirty="0">
-              <a:latin typeface="YuKyokasho Medium" panose="02000500000000000000" pitchFamily="2" charset="-128"/>
-              <a:ea typeface="YuKyokasho Medium" panose="02000500000000000000" pitchFamily="2" charset="-128"/>
-              <a:cs typeface="ヒラギノ丸ゴ ProN W4"/>
-            </a:endParaRPr>
-          </a:p>
-        </p:txBody>
-      </p:sp>
-      <p:sp>
-        <p:nvSpPr>
-          <p:cNvPr id="18" name="角丸四角形 17">
-            <a:extLst>
-              <a:ext uri="{FF2B5EF4-FFF2-40B4-BE49-F238E27FC236}">
-                <a16:creationId xmlns:a16="http://schemas.microsoft.com/office/drawing/2014/main" id="{0F4C96EB-EE41-C94D-8715-758201B54E33}"/>
-              </a:ext>
-            </a:extLst>
-          </p:cNvPr>
-          <p:cNvSpPr/>
-          <p:nvPr/>
-        </p:nvSpPr>
-        <p:spPr>
-          <a:xfrm>
-            <a:off x="4664279" y="5584442"/>
-            <a:ext cx="1511003" cy="522507"/>
-          </a:xfrm>
-          <a:prstGeom prst="roundRect">
-            <a:avLst/>
-          </a:prstGeom>
-        </p:spPr>
-        <p:style>
-          <a:lnRef idx="2">
-            <a:schemeClr val="accent3">
-              <a:shade val="50000"/>
-            </a:schemeClr>
-          </a:lnRef>
-          <a:fillRef idx="1">
-            <a:schemeClr val="accent3"/>
-          </a:fillRef>
-          <a:effectRef idx="0">
-            <a:schemeClr val="accent3"/>
-          </a:effectRef>
-          <a:fontRef idx="minor">
-            <a:schemeClr val="lt1"/>
-          </a:fontRef>
-        </p:style>
-        <p:txBody>
-          <a:bodyPr rtlCol="0" anchor="ctr"/>
-          <a:lstStyle/>
-          <a:p>
-            <a:pPr algn="ctr"/>
-            <a:r>
-              <a:rPr lang="ja-JP" altLang="en-US" sz="3200" dirty="0">
-                <a:latin typeface="YuKyokasho Medium" panose="02000500000000000000" pitchFamily="2" charset="-128"/>
-                <a:ea typeface="YuKyokasho Medium" panose="02000500000000000000" pitchFamily="2" charset="-128"/>
-                <a:cs typeface="ヒラギノ丸ゴ ProN W4"/>
-              </a:rPr>
-              <a:t>戻る</a:t>
-            </a:r>
-            <a:endParaRPr kumimoji="1" lang="ja-JP" altLang="en-US" sz="3200" dirty="0">
-              <a:latin typeface="YuKyokasho Medium" panose="02000500000000000000" pitchFamily="2" charset="-128"/>
-              <a:ea typeface="YuKyokasho Medium" panose="02000500000000000000" pitchFamily="2" charset="-128"/>
-              <a:cs typeface="ヒラギノ丸ゴ ProN W4"/>
-            </a:endParaRPr>
-          </a:p>
-        </p:txBody>
-      </p:sp>
-      <p:sp>
-        <p:nvSpPr>
-          <p:cNvPr id="10" name="テキスト ボックス 9">
-            <a:extLst>
-              <a:ext uri="{FF2B5EF4-FFF2-40B4-BE49-F238E27FC236}">
-                <a16:creationId xmlns:a16="http://schemas.microsoft.com/office/drawing/2014/main" id="{8C74CC2D-FE36-4946-894F-6FEDC1ACDB4B}"/>
-              </a:ext>
-            </a:extLst>
-          </p:cNvPr>
-          <p:cNvSpPr txBox="1"/>
-          <p:nvPr/>
-        </p:nvSpPr>
-        <p:spPr>
-          <a:xfrm>
-            <a:off x="6714309" y="3081745"/>
-            <a:ext cx="2133600" cy="646331"/>
-          </a:xfrm>
-          <a:prstGeom prst="rect">
-            <a:avLst/>
-          </a:prstGeom>
-          <a:noFill/>
-        </p:spPr>
-        <p:txBody>
-          <a:bodyPr wrap="square" rtlCol="0">
-            <a:spAutoFit/>
-          </a:bodyPr>
-          <a:lstStyle/>
-          <a:p>
-            <a:r>
-              <a:rPr kumimoji="1" lang="ja-JP" altLang="en-US" dirty="0"/>
-              <a:t>記録をメールで送信できるようにする</a:t>
-            </a:r>
-          </a:p>
-        </p:txBody>
-      </p:sp>
-      <p:sp>
-        <p:nvSpPr>
-          <p:cNvPr id="9" name="テキスト ボックス 8">
-            <a:extLst>
-              <a:ext uri="{FF2B5EF4-FFF2-40B4-BE49-F238E27FC236}">
-                <a16:creationId xmlns:a16="http://schemas.microsoft.com/office/drawing/2014/main" id="{1DE590DC-1C8C-EE41-BEC4-78105371F09B}"/>
-              </a:ext>
-            </a:extLst>
-          </p:cNvPr>
-          <p:cNvSpPr txBox="1"/>
-          <p:nvPr/>
-        </p:nvSpPr>
-        <p:spPr>
-          <a:xfrm>
-            <a:off x="340242" y="446567"/>
-            <a:ext cx="2211572" cy="369332"/>
-          </a:xfrm>
-          <a:prstGeom prst="rect">
-            <a:avLst/>
-          </a:prstGeom>
-          <a:noFill/>
-        </p:spPr>
-        <p:txBody>
-          <a:bodyPr wrap="square" rtlCol="0">
-            <a:spAutoFit/>
-          </a:bodyPr>
-          <a:lstStyle/>
-          <a:p>
-            <a:r>
-              <a:rPr kumimoji="1" lang="en-US" altLang="ja-JP" dirty="0" err="1"/>
-              <a:t>RecordScreenActivity</a:t>
-            </a:r>
-            <a:endParaRPr kumimoji="1" lang="ja-JP" altLang="en-US" dirty="0"/>
-          </a:p>
-        </p:txBody>
-      </p:sp>
-    </p:spTree>
-    <p:extLst>
-      <p:ext uri="{BB962C8B-B14F-4D97-AF65-F5344CB8AC3E}">
-        <p14:creationId xmlns:p14="http://schemas.microsoft.com/office/powerpoint/2010/main" val="737021115"/>
-      </p:ext>
-    </p:extLst>
-  </p:cSld>
-  <p:clrMapOvr>
-    <a:masterClrMapping/>
-  </p:clrMapOvr>
-</p:sld>
-</file>
-
 <file path=ppt/slides/slide15.xml><?xml version="1.0" encoding="utf-8"?>
 <p:sld xmlns:a="http://schemas.openxmlformats.org/drawingml/2006/main" xmlns:r="http://schemas.openxmlformats.org/officeDocument/2006/relationships" xmlns:p="http://schemas.openxmlformats.org/presentationml/2006/main">
   <p:cSld>
@@ -6277,10 +6498,10 @@
       </p:sp>
       <p:sp>
         <p:nvSpPr>
-          <p:cNvPr id="7" name="角丸四角形 6">
+          <p:cNvPr id="12" name="角丸四角形 11">
             <a:extLst>
               <a:ext uri="{FF2B5EF4-FFF2-40B4-BE49-F238E27FC236}">
-                <a16:creationId xmlns:a16="http://schemas.microsoft.com/office/drawing/2014/main" id="{F5D04241-D042-FD40-B06D-37BE540E39DF}"/>
+                <a16:creationId xmlns:a16="http://schemas.microsoft.com/office/drawing/2014/main" id="{F0AC3E38-372B-154F-96BC-030809403ACC}"/>
               </a:ext>
             </a:extLst>
           </p:cNvPr>
@@ -6289,8 +6510,8 @@
         </p:nvSpPr>
         <p:spPr>
           <a:xfrm>
-            <a:off x="2978093" y="4670391"/>
-            <a:ext cx="3118138" cy="522507"/>
+            <a:off x="2864211" y="2083889"/>
+            <a:ext cx="3311072" cy="997856"/>
           </a:xfrm>
           <a:prstGeom prst="roundRect">
             <a:avLst/>
@@ -6323,7 +6544,7 @@
                 <a:ea typeface="YuKyokasho Medium" panose="02000500000000000000" pitchFamily="2" charset="-128"/>
                 <a:cs typeface="ヒラギノ丸ゴ ProN W4"/>
               </a:rPr>
-              <a:t>記録する</a:t>
+              <a:t>新規記録</a:t>
             </a:r>
             <a:endParaRPr kumimoji="1" lang="ja-JP" altLang="en-US" sz="3200" dirty="0">
               <a:latin typeface="YuKyokasho Medium" panose="02000500000000000000" pitchFamily="2" charset="-128"/>
@@ -6335,46 +6556,10 @@
       </p:sp>
       <p:sp>
         <p:nvSpPr>
-          <p:cNvPr id="9" name="テキスト ボックス 8">
+          <p:cNvPr id="14" name="角丸四角形 13">
             <a:extLst>
               <a:ext uri="{FF2B5EF4-FFF2-40B4-BE49-F238E27FC236}">
-                <a16:creationId xmlns:a16="http://schemas.microsoft.com/office/drawing/2014/main" id="{5EDA3806-C358-3E4E-8791-A387163EDBF4}"/>
-              </a:ext>
-            </a:extLst>
-          </p:cNvPr>
-          <p:cNvSpPr txBox="1"/>
-          <p:nvPr/>
-        </p:nvSpPr>
-        <p:spPr>
-          <a:xfrm>
-            <a:off x="205436" y="564226"/>
-            <a:ext cx="1701209" cy="369332"/>
-          </a:xfrm>
-          <a:prstGeom prst="rect">
-            <a:avLst/>
-          </a:prstGeom>
-          <a:noFill/>
-        </p:spPr>
-        <p:txBody>
-          <a:bodyPr wrap="square" rtlCol="0">
-            <a:spAutoFit/>
-          </a:bodyPr>
-          <a:lstStyle/>
-          <a:p>
-            <a:r>
-              <a:rPr kumimoji="1" lang="en-US" altLang="ja-JP" dirty="0" err="1"/>
-              <a:t>RecordActivity</a:t>
-            </a:r>
-            <a:endParaRPr kumimoji="1" lang="ja-JP" altLang="en-US" dirty="0"/>
-          </a:p>
-        </p:txBody>
-      </p:sp>
-      <p:sp>
-        <p:nvSpPr>
-          <p:cNvPr id="10" name="角丸四角形 9">
-            <a:extLst>
-              <a:ext uri="{FF2B5EF4-FFF2-40B4-BE49-F238E27FC236}">
-                <a16:creationId xmlns:a16="http://schemas.microsoft.com/office/drawing/2014/main" id="{C3BD2B02-40BC-EB4A-8355-096270262B70}"/>
+                <a16:creationId xmlns:a16="http://schemas.microsoft.com/office/drawing/2014/main" id="{BF79AEDF-D7B9-6144-B15F-3714ACE17152}"/>
               </a:ext>
             </a:extLst>
           </p:cNvPr>
@@ -6383,8 +6568,8 @@
         </p:nvSpPr>
         <p:spPr>
           <a:xfrm>
-            <a:off x="2978092" y="5481377"/>
-            <a:ext cx="3118138" cy="522507"/>
+            <a:off x="2864211" y="3233421"/>
+            <a:ext cx="3311072" cy="997856"/>
           </a:xfrm>
           <a:prstGeom prst="roundRect">
             <a:avLst/>
@@ -6417,7 +6602,7 @@
                 <a:ea typeface="YuKyokasho Medium" panose="02000500000000000000" pitchFamily="2" charset="-128"/>
                 <a:cs typeface="ヒラギノ丸ゴ ProN W4"/>
               </a:rPr>
-              <a:t>戻る</a:t>
+              <a:t>記録追加</a:t>
             </a:r>
             <a:endParaRPr kumimoji="1" lang="ja-JP" altLang="en-US" sz="3200" dirty="0">
               <a:latin typeface="YuKyokasho Medium" panose="02000500000000000000" pitchFamily="2" charset="-128"/>
@@ -6429,28 +6614,24 @@
       </p:sp>
       <p:sp>
         <p:nvSpPr>
-          <p:cNvPr id="12" name="テキスト ボックス 11">
+          <p:cNvPr id="18" name="角丸四角形 17">
             <a:extLst>
               <a:ext uri="{FF2B5EF4-FFF2-40B4-BE49-F238E27FC236}">
-                <a16:creationId xmlns:a16="http://schemas.microsoft.com/office/drawing/2014/main" id="{94C003B2-1378-444E-B2D8-0ECEBB30D176}"/>
+                <a16:creationId xmlns:a16="http://schemas.microsoft.com/office/drawing/2014/main" id="{0F4C96EB-EE41-C94D-8715-758201B54E33}"/>
               </a:ext>
             </a:extLst>
           </p:cNvPr>
-          <p:cNvSpPr txBox="1"/>
-          <p:nvPr/>
-        </p:nvSpPr>
-        <p:spPr>
-          <a:xfrm>
-            <a:off x="2916464" y="1913345"/>
-            <a:ext cx="3311072" cy="523220"/>
-          </a:xfrm>
-          <a:prstGeom prst="rect">
-            <a:avLst/>
-          </a:prstGeom>
-          <a:solidFill>
-            <a:schemeClr val="bg1"/>
-          </a:solidFill>
-          <a:ln/>
+          <p:cNvSpPr/>
+          <p:nvPr/>
+        </p:nvSpPr>
+        <p:spPr>
+          <a:xfrm>
+            <a:off x="4664279" y="5584442"/>
+            <a:ext cx="1511003" cy="522507"/>
+          </a:xfrm>
+          <a:prstGeom prst="roundRect">
+            <a:avLst/>
+          </a:prstGeom>
         </p:spPr>
         <p:style>
           <a:lnRef idx="2">
@@ -6469,42 +6650,32 @@
           </a:fontRef>
         </p:style>
         <p:txBody>
-          <a:bodyPr wrap="square" rtlCol="0">
-            <a:spAutoFit/>
-          </a:bodyPr>
-          <a:lstStyle/>
-          <a:p>
-            <a:r>
-              <a:rPr kumimoji="1" lang="en-US" altLang="ja-JP" sz="2800" dirty="0">
-                <a:solidFill>
-                  <a:sysClr val="windowText" lastClr="000000"/>
-                </a:solidFill>
+          <a:bodyPr rtlCol="0" anchor="ctr"/>
+          <a:lstStyle/>
+          <a:p>
+            <a:pPr algn="ctr"/>
+            <a:r>
+              <a:rPr lang="ja-JP" altLang="en-US" sz="3200" dirty="0">
                 <a:latin typeface="YuKyokasho Medium" panose="02000500000000000000" pitchFamily="2" charset="-128"/>
                 <a:ea typeface="YuKyokasho Medium" panose="02000500000000000000" pitchFamily="2" charset="-128"/>
                 <a:cs typeface="ヒラギノ丸ゴ ProN W4"/>
               </a:rPr>
-              <a:t>      </a:t>
-            </a:r>
-            <a:r>
-              <a:rPr kumimoji="1" lang="ja-JP" altLang="en-US" sz="2800" dirty="0">
-                <a:solidFill>
-                  <a:sysClr val="windowText" lastClr="000000"/>
-                </a:solidFill>
-                <a:latin typeface="YuKyokasho Medium" panose="02000500000000000000" pitchFamily="2" charset="-128"/>
-                <a:ea typeface="YuKyokasho Medium" panose="02000500000000000000" pitchFamily="2" charset="-128"/>
-                <a:cs typeface="ヒラギノ丸ゴ ProN W4"/>
-              </a:rPr>
-              <a:t>登録者名</a:t>
-            </a:r>
-          </a:p>
-        </p:txBody>
-      </p:sp>
-      <p:sp>
-        <p:nvSpPr>
-          <p:cNvPr id="13" name="テキスト ボックス 12">
+              <a:t>戻る</a:t>
+            </a:r>
+            <a:endParaRPr kumimoji="1" lang="ja-JP" altLang="en-US" sz="3200" dirty="0">
+              <a:latin typeface="YuKyokasho Medium" panose="02000500000000000000" pitchFamily="2" charset="-128"/>
+              <a:ea typeface="YuKyokasho Medium" panose="02000500000000000000" pitchFamily="2" charset="-128"/>
+              <a:cs typeface="ヒラギノ丸ゴ ProN W4"/>
+            </a:endParaRPr>
+          </a:p>
+        </p:txBody>
+      </p:sp>
+      <p:sp>
+        <p:nvSpPr>
+          <p:cNvPr id="10" name="テキスト ボックス 9">
             <a:extLst>
               <a:ext uri="{FF2B5EF4-FFF2-40B4-BE49-F238E27FC236}">
-                <a16:creationId xmlns:a16="http://schemas.microsoft.com/office/drawing/2014/main" id="{23242B1C-E5BF-814A-931B-542C3CCD9BD2}"/>
+                <a16:creationId xmlns:a16="http://schemas.microsoft.com/office/drawing/2014/main" id="{8C74CC2D-FE36-4946-894F-6FEDC1ACDB4B}"/>
               </a:ext>
             </a:extLst>
           </p:cNvPr>
@@ -6513,57 +6684,77 @@
         </p:nvSpPr>
         <p:spPr>
           <a:xfrm>
-            <a:off x="2916464" y="1913345"/>
-            <a:ext cx="732747" cy="523220"/>
+            <a:off x="6714309" y="3081745"/>
+            <a:ext cx="2133600" cy="1477328"/>
           </a:xfrm>
           <a:prstGeom prst="rect">
             <a:avLst/>
           </a:prstGeom>
-          <a:ln/>
-        </p:spPr>
-        <p:style>
-          <a:lnRef idx="2">
-            <a:schemeClr val="accent3">
-              <a:shade val="50000"/>
-            </a:schemeClr>
-          </a:lnRef>
-          <a:fillRef idx="1">
-            <a:schemeClr val="accent3"/>
-          </a:fillRef>
-          <a:effectRef idx="0">
-            <a:schemeClr val="accent3"/>
-          </a:effectRef>
-          <a:fontRef idx="minor">
-            <a:schemeClr val="lt1"/>
-          </a:fontRef>
-        </p:style>
-        <p:txBody>
-          <a:bodyPr wrap="square" lIns="0" rIns="0" rtlCol="0">
+          <a:noFill/>
+        </p:spPr>
+        <p:txBody>
+          <a:bodyPr wrap="square" rtlCol="0">
             <a:spAutoFit/>
           </a:bodyPr>
           <a:lstStyle/>
           <a:p>
-            <a:pPr algn="ctr"/>
-            <a:r>
-              <a:rPr lang="ja-JP" altLang="en-US" sz="2800" dirty="0">
-                <a:latin typeface="YuKyokasho Medium" panose="02000500000000000000" pitchFamily="2" charset="-128"/>
-                <a:ea typeface="YuKyokasho Medium" panose="02000500000000000000" pitchFamily="2" charset="-128"/>
-                <a:cs typeface="ヒラギノ丸ゴ ProN W4"/>
-              </a:rPr>
-              <a:t>氏名</a:t>
-            </a:r>
-            <a:endParaRPr kumimoji="1" lang="en-US" altLang="ja-JP" sz="2800" dirty="0">
-              <a:latin typeface="YuKyokasho Medium" panose="02000500000000000000" pitchFamily="2" charset="-128"/>
-              <a:ea typeface="YuKyokasho Medium" panose="02000500000000000000" pitchFamily="2" charset="-128"/>
-              <a:cs typeface="ヒラギノ丸ゴ ProN W4"/>
-            </a:endParaRPr>
+            <a:r>
+              <a:rPr kumimoji="1" lang="ja-JP" altLang="en-US" dirty="0"/>
+              <a:t>記録をメールで送信できるようにする</a:t>
+            </a:r>
+            <a:br>
+              <a:rPr kumimoji="1" lang="en-US" altLang="ja-JP" dirty="0"/>
+            </a:br>
+            <a:endParaRPr kumimoji="1" lang="en-US" altLang="ja-JP" dirty="0"/>
+          </a:p>
+          <a:p>
+            <a:r>
+              <a:rPr kumimoji="1" lang="ja-JP" altLang="en-US" dirty="0"/>
+              <a:t>計測後もメールで送信できるようにする</a:t>
+            </a:r>
+          </a:p>
+        </p:txBody>
+      </p:sp>
+      <p:sp>
+        <p:nvSpPr>
+          <p:cNvPr id="9" name="テキスト ボックス 8">
+            <a:extLst>
+              <a:ext uri="{FF2B5EF4-FFF2-40B4-BE49-F238E27FC236}">
+                <a16:creationId xmlns:a16="http://schemas.microsoft.com/office/drawing/2014/main" id="{1DE590DC-1C8C-EE41-BEC4-78105371F09B}"/>
+              </a:ext>
+            </a:extLst>
+          </p:cNvPr>
+          <p:cNvSpPr txBox="1"/>
+          <p:nvPr/>
+        </p:nvSpPr>
+        <p:spPr>
+          <a:xfrm>
+            <a:off x="340242" y="446567"/>
+            <a:ext cx="2211572" cy="369332"/>
+          </a:xfrm>
+          <a:prstGeom prst="rect">
+            <a:avLst/>
+          </a:prstGeom>
+          <a:noFill/>
+        </p:spPr>
+        <p:txBody>
+          <a:bodyPr wrap="square" rtlCol="0">
+            <a:spAutoFit/>
+          </a:bodyPr>
+          <a:lstStyle/>
+          <a:p>
+            <a:r>
+              <a:rPr kumimoji="1" lang="en-US" altLang="ja-JP" dirty="0" err="1"/>
+              <a:t>RecordScreenActivity</a:t>
+            </a:r>
+            <a:endParaRPr kumimoji="1" lang="ja-JP" altLang="en-US" dirty="0"/>
           </a:p>
         </p:txBody>
       </p:sp>
     </p:spTree>
     <p:extLst>
       <p:ext uri="{BB962C8B-B14F-4D97-AF65-F5344CB8AC3E}">
-        <p14:creationId xmlns:p14="http://schemas.microsoft.com/office/powerpoint/2010/main" val="1735968648"/>
+        <p14:creationId xmlns:p14="http://schemas.microsoft.com/office/powerpoint/2010/main" val="737021115"/>
       </p:ext>
     </p:extLst>
   </p:cSld>
@@ -6592,49 +6783,7 @@
       </p:grpSpPr>
       <p:sp>
         <p:nvSpPr>
-          <p:cNvPr id="2" name="テキスト ボックス 1">
-            <a:extLst>
-              <a:ext uri="{FF2B5EF4-FFF2-40B4-BE49-F238E27FC236}">
-                <a16:creationId xmlns:a16="http://schemas.microsoft.com/office/drawing/2014/main" id="{65B61FA8-7BEB-EE4F-BA4A-1B68D4A8A60B}"/>
-              </a:ext>
-            </a:extLst>
-          </p:cNvPr>
-          <p:cNvSpPr txBox="1"/>
-          <p:nvPr/>
-        </p:nvSpPr>
-        <p:spPr>
-          <a:xfrm>
-            <a:off x="205436" y="564226"/>
-            <a:ext cx="1701209" cy="369332"/>
-          </a:xfrm>
-          <a:prstGeom prst="rect">
-            <a:avLst/>
-          </a:prstGeom>
-          <a:noFill/>
-        </p:spPr>
-        <p:txBody>
-          <a:bodyPr wrap="square" rtlCol="0">
-            <a:spAutoFit/>
-          </a:bodyPr>
-          <a:lstStyle/>
-          <a:p>
-            <a:r>
-              <a:rPr kumimoji="1" lang="en-US" altLang="ja-JP" dirty="0" err="1"/>
-              <a:t>RecordActivity</a:t>
-            </a:r>
-            <a:endParaRPr kumimoji="1" lang="ja-JP" altLang="en-US" dirty="0"/>
-          </a:p>
-        </p:txBody>
-      </p:sp>
-      <p:sp>
-        <p:nvSpPr>
-          <p:cNvPr id="3" name="正方形/長方形 2">
-            <a:extLst>
-              <a:ext uri="{FF2B5EF4-FFF2-40B4-BE49-F238E27FC236}">
-                <a16:creationId xmlns:a16="http://schemas.microsoft.com/office/drawing/2014/main" id="{8A75C1A8-E9D4-D240-A030-A1EAE125237D}"/>
-              </a:ext>
-            </a:extLst>
-          </p:cNvPr>
+          <p:cNvPr id="2" name="正方形/長方形 1"/>
           <p:cNvSpPr/>
           <p:nvPr/>
         </p:nvSpPr>
@@ -6682,13 +6831,7 @@
       </p:sp>
       <p:sp>
         <p:nvSpPr>
-          <p:cNvPr id="4" name="正方形/長方形 3">
-            <a:extLst>
-              <a:ext uri="{FF2B5EF4-FFF2-40B4-BE49-F238E27FC236}">
-                <a16:creationId xmlns:a16="http://schemas.microsoft.com/office/drawing/2014/main" id="{AAC21240-D414-E641-A245-E1A7F2CCF3C4}"/>
-              </a:ext>
-            </a:extLst>
-          </p:cNvPr>
+          <p:cNvPr id="3" name="正方形/長方形 2"/>
           <p:cNvSpPr/>
           <p:nvPr/>
         </p:nvSpPr>
@@ -6737,28 +6880,24 @@
       </p:sp>
       <p:sp>
         <p:nvSpPr>
-          <p:cNvPr id="5" name="テキスト ボックス 4">
+          <p:cNvPr id="7" name="角丸四角形 6">
             <a:extLst>
               <a:ext uri="{FF2B5EF4-FFF2-40B4-BE49-F238E27FC236}">
-                <a16:creationId xmlns:a16="http://schemas.microsoft.com/office/drawing/2014/main" id="{73BE90EA-C42F-5942-A4F7-2E36D3101C7D}"/>
+                <a16:creationId xmlns:a16="http://schemas.microsoft.com/office/drawing/2014/main" id="{F5D04241-D042-FD40-B06D-37BE540E39DF}"/>
               </a:ext>
             </a:extLst>
           </p:cNvPr>
-          <p:cNvSpPr txBox="1"/>
-          <p:nvPr/>
-        </p:nvSpPr>
-        <p:spPr>
-          <a:xfrm>
-            <a:off x="2916464" y="1913345"/>
-            <a:ext cx="3311072" cy="523220"/>
-          </a:xfrm>
-          <a:prstGeom prst="rect">
-            <a:avLst/>
-          </a:prstGeom>
-          <a:solidFill>
-            <a:schemeClr val="bg1"/>
-          </a:solidFill>
-          <a:ln/>
+          <p:cNvSpPr/>
+          <p:nvPr/>
+        </p:nvSpPr>
+        <p:spPr>
+          <a:xfrm>
+            <a:off x="2978093" y="4670391"/>
+            <a:ext cx="3118138" cy="522507"/>
+          </a:xfrm>
+          <a:prstGeom prst="roundRect">
+            <a:avLst/>
+          </a:prstGeom>
         </p:spPr>
         <p:style>
           <a:lnRef idx="2">
@@ -6777,13 +6916,169 @@
           </a:fontRef>
         </p:style>
         <p:txBody>
+          <a:bodyPr rtlCol="0" anchor="ctr"/>
+          <a:lstStyle/>
+          <a:p>
+            <a:pPr algn="ctr"/>
+            <a:r>
+              <a:rPr lang="ja-JP" altLang="en-US" sz="3200" dirty="0">
+                <a:latin typeface="YuKyokasho Medium" panose="02000500000000000000" pitchFamily="2" charset="-128"/>
+                <a:ea typeface="YuKyokasho Medium" panose="02000500000000000000" pitchFamily="2" charset="-128"/>
+                <a:cs typeface="ヒラギノ丸ゴ ProN W4"/>
+              </a:rPr>
+              <a:t>記録する</a:t>
+            </a:r>
+            <a:endParaRPr kumimoji="1" lang="ja-JP" altLang="en-US" sz="3200" dirty="0">
+              <a:latin typeface="YuKyokasho Medium" panose="02000500000000000000" pitchFamily="2" charset="-128"/>
+              <a:ea typeface="YuKyokasho Medium" panose="02000500000000000000" pitchFamily="2" charset="-128"/>
+              <a:cs typeface="ヒラギノ丸ゴ ProN W4"/>
+            </a:endParaRPr>
+          </a:p>
+        </p:txBody>
+      </p:sp>
+      <p:sp>
+        <p:nvSpPr>
+          <p:cNvPr id="9" name="テキスト ボックス 8">
+            <a:extLst>
+              <a:ext uri="{FF2B5EF4-FFF2-40B4-BE49-F238E27FC236}">
+                <a16:creationId xmlns:a16="http://schemas.microsoft.com/office/drawing/2014/main" id="{5EDA3806-C358-3E4E-8791-A387163EDBF4}"/>
+              </a:ext>
+            </a:extLst>
+          </p:cNvPr>
+          <p:cNvSpPr txBox="1"/>
+          <p:nvPr/>
+        </p:nvSpPr>
+        <p:spPr>
+          <a:xfrm>
+            <a:off x="205436" y="564226"/>
+            <a:ext cx="1701209" cy="369332"/>
+          </a:xfrm>
+          <a:prstGeom prst="rect">
+            <a:avLst/>
+          </a:prstGeom>
+          <a:noFill/>
+        </p:spPr>
+        <p:txBody>
           <a:bodyPr wrap="square" rtlCol="0">
             <a:spAutoFit/>
           </a:bodyPr>
           <a:lstStyle/>
           <a:p>
             <a:r>
-              <a:rPr lang="ja-JP" altLang="en-US" sz="2800">
+              <a:rPr kumimoji="1" lang="en-US" altLang="ja-JP" dirty="0" err="1"/>
+              <a:t>RecordActivity</a:t>
+            </a:r>
+            <a:endParaRPr kumimoji="1" lang="ja-JP" altLang="en-US" dirty="0"/>
+          </a:p>
+        </p:txBody>
+      </p:sp>
+      <p:sp>
+        <p:nvSpPr>
+          <p:cNvPr id="10" name="角丸四角形 9">
+            <a:extLst>
+              <a:ext uri="{FF2B5EF4-FFF2-40B4-BE49-F238E27FC236}">
+                <a16:creationId xmlns:a16="http://schemas.microsoft.com/office/drawing/2014/main" id="{C3BD2B02-40BC-EB4A-8355-096270262B70}"/>
+              </a:ext>
+            </a:extLst>
+          </p:cNvPr>
+          <p:cNvSpPr/>
+          <p:nvPr/>
+        </p:nvSpPr>
+        <p:spPr>
+          <a:xfrm>
+            <a:off x="2978092" y="5481377"/>
+            <a:ext cx="3118138" cy="522507"/>
+          </a:xfrm>
+          <a:prstGeom prst="roundRect">
+            <a:avLst/>
+          </a:prstGeom>
+        </p:spPr>
+        <p:style>
+          <a:lnRef idx="2">
+            <a:schemeClr val="accent3">
+              <a:shade val="50000"/>
+            </a:schemeClr>
+          </a:lnRef>
+          <a:fillRef idx="1">
+            <a:schemeClr val="accent3"/>
+          </a:fillRef>
+          <a:effectRef idx="0">
+            <a:schemeClr val="accent3"/>
+          </a:effectRef>
+          <a:fontRef idx="minor">
+            <a:schemeClr val="lt1"/>
+          </a:fontRef>
+        </p:style>
+        <p:txBody>
+          <a:bodyPr rtlCol="0" anchor="ctr"/>
+          <a:lstStyle/>
+          <a:p>
+            <a:pPr algn="ctr"/>
+            <a:r>
+              <a:rPr lang="ja-JP" altLang="en-US" sz="3200" dirty="0">
+                <a:latin typeface="YuKyokasho Medium" panose="02000500000000000000" pitchFamily="2" charset="-128"/>
+                <a:ea typeface="YuKyokasho Medium" panose="02000500000000000000" pitchFamily="2" charset="-128"/>
+                <a:cs typeface="ヒラギノ丸ゴ ProN W4"/>
+              </a:rPr>
+              <a:t>戻る</a:t>
+            </a:r>
+            <a:endParaRPr kumimoji="1" lang="ja-JP" altLang="en-US" sz="3200" dirty="0">
+              <a:latin typeface="YuKyokasho Medium" panose="02000500000000000000" pitchFamily="2" charset="-128"/>
+              <a:ea typeface="YuKyokasho Medium" panose="02000500000000000000" pitchFamily="2" charset="-128"/>
+              <a:cs typeface="ヒラギノ丸ゴ ProN W4"/>
+            </a:endParaRPr>
+          </a:p>
+        </p:txBody>
+      </p:sp>
+      <p:sp>
+        <p:nvSpPr>
+          <p:cNvPr id="12" name="テキスト ボックス 11">
+            <a:extLst>
+              <a:ext uri="{FF2B5EF4-FFF2-40B4-BE49-F238E27FC236}">
+                <a16:creationId xmlns:a16="http://schemas.microsoft.com/office/drawing/2014/main" id="{94C003B2-1378-444E-B2D8-0ECEBB30D176}"/>
+              </a:ext>
+            </a:extLst>
+          </p:cNvPr>
+          <p:cNvSpPr txBox="1"/>
+          <p:nvPr/>
+        </p:nvSpPr>
+        <p:spPr>
+          <a:xfrm>
+            <a:off x="2916464" y="1913345"/>
+            <a:ext cx="3311072" cy="523220"/>
+          </a:xfrm>
+          <a:prstGeom prst="rect">
+            <a:avLst/>
+          </a:prstGeom>
+          <a:solidFill>
+            <a:schemeClr val="bg1"/>
+          </a:solidFill>
+          <a:ln/>
+        </p:spPr>
+        <p:style>
+          <a:lnRef idx="2">
+            <a:schemeClr val="accent3">
+              <a:shade val="50000"/>
+            </a:schemeClr>
+          </a:lnRef>
+          <a:fillRef idx="1">
+            <a:schemeClr val="accent3"/>
+          </a:fillRef>
+          <a:effectRef idx="0">
+            <a:schemeClr val="accent3"/>
+          </a:effectRef>
+          <a:fontRef idx="minor">
+            <a:schemeClr val="lt1"/>
+          </a:fontRef>
+        </p:style>
+        <p:txBody>
+          <a:bodyPr wrap="square" rtlCol="0">
+            <a:spAutoFit/>
+          </a:bodyPr>
+          <a:lstStyle/>
+          <a:p>
+            <a:r>
+              <a:rPr kumimoji="1" lang="en-US" altLang="ja-JP" sz="2800" dirty="0">
                 <a:solidFill>
                   <a:sysClr val="windowText" lastClr="000000"/>
                 </a:solidFill>
@@ -6791,7 +7086,151 @@
                 <a:ea typeface="YuKyokasho Medium" panose="02000500000000000000" pitchFamily="2" charset="-128"/>
                 <a:cs typeface="ヒラギノ丸ゴ ProN W4"/>
               </a:rPr>
-              <a:t>名前</a:t>
+              <a:t>      </a:t>
+            </a:r>
+            <a:r>
+              <a:rPr kumimoji="1" lang="ja-JP" altLang="en-US" sz="2800" dirty="0">
+                <a:solidFill>
+                  <a:sysClr val="windowText" lastClr="000000"/>
+                </a:solidFill>
+                <a:latin typeface="YuKyokasho Medium" panose="02000500000000000000" pitchFamily="2" charset="-128"/>
+                <a:ea typeface="YuKyokasho Medium" panose="02000500000000000000" pitchFamily="2" charset="-128"/>
+                <a:cs typeface="ヒラギノ丸ゴ ProN W4"/>
+              </a:rPr>
+              <a:t>登録者名</a:t>
+            </a:r>
+          </a:p>
+        </p:txBody>
+      </p:sp>
+      <p:sp>
+        <p:nvSpPr>
+          <p:cNvPr id="13" name="テキスト ボックス 12">
+            <a:extLst>
+              <a:ext uri="{FF2B5EF4-FFF2-40B4-BE49-F238E27FC236}">
+                <a16:creationId xmlns:a16="http://schemas.microsoft.com/office/drawing/2014/main" id="{23242B1C-E5BF-814A-931B-542C3CCD9BD2}"/>
+              </a:ext>
+            </a:extLst>
+          </p:cNvPr>
+          <p:cNvSpPr txBox="1"/>
+          <p:nvPr/>
+        </p:nvSpPr>
+        <p:spPr>
+          <a:xfrm>
+            <a:off x="2916464" y="1913345"/>
+            <a:ext cx="732747" cy="523220"/>
+          </a:xfrm>
+          <a:prstGeom prst="rect">
+            <a:avLst/>
+          </a:prstGeom>
+          <a:ln/>
+        </p:spPr>
+        <p:style>
+          <a:lnRef idx="2">
+            <a:schemeClr val="accent3">
+              <a:shade val="50000"/>
+            </a:schemeClr>
+          </a:lnRef>
+          <a:fillRef idx="1">
+            <a:schemeClr val="accent3"/>
+          </a:fillRef>
+          <a:effectRef idx="0">
+            <a:schemeClr val="accent3"/>
+          </a:effectRef>
+          <a:fontRef idx="minor">
+            <a:schemeClr val="lt1"/>
+          </a:fontRef>
+        </p:style>
+        <p:txBody>
+          <a:bodyPr wrap="square" lIns="0" rIns="0" rtlCol="0">
+            <a:spAutoFit/>
+          </a:bodyPr>
+          <a:lstStyle/>
+          <a:p>
+            <a:pPr algn="ctr"/>
+            <a:r>
+              <a:rPr lang="ja-JP" altLang="en-US" sz="2800" dirty="0">
+                <a:latin typeface="YuKyokasho Medium" panose="02000500000000000000" pitchFamily="2" charset="-128"/>
+                <a:ea typeface="YuKyokasho Medium" panose="02000500000000000000" pitchFamily="2" charset="-128"/>
+                <a:cs typeface="ヒラギノ丸ゴ ProN W4"/>
+              </a:rPr>
+              <a:t>氏名</a:t>
+            </a:r>
+            <a:endParaRPr kumimoji="1" lang="en-US" altLang="ja-JP" sz="2800" dirty="0">
+              <a:latin typeface="YuKyokasho Medium" panose="02000500000000000000" pitchFamily="2" charset="-128"/>
+              <a:ea typeface="YuKyokasho Medium" panose="02000500000000000000" pitchFamily="2" charset="-128"/>
+              <a:cs typeface="ヒラギノ丸ゴ ProN W4"/>
+            </a:endParaRPr>
+          </a:p>
+        </p:txBody>
+      </p:sp>
+      <p:sp>
+        <p:nvSpPr>
+          <p:cNvPr id="11" name="テキスト ボックス 10">
+            <a:extLst>
+              <a:ext uri="{FF2B5EF4-FFF2-40B4-BE49-F238E27FC236}">
+                <a16:creationId xmlns:a16="http://schemas.microsoft.com/office/drawing/2014/main" id="{C4174638-2968-6F4C-90C5-EADD71147E1E}"/>
+              </a:ext>
+            </a:extLst>
+          </p:cNvPr>
+          <p:cNvSpPr txBox="1"/>
+          <p:nvPr/>
+        </p:nvSpPr>
+        <p:spPr>
+          <a:xfrm>
+            <a:off x="2916464" y="2624765"/>
+            <a:ext cx="3311072" cy="523220"/>
+          </a:xfrm>
+          <a:prstGeom prst="rect">
+            <a:avLst/>
+          </a:prstGeom>
+          <a:solidFill>
+            <a:schemeClr val="bg1"/>
+          </a:solidFill>
+          <a:ln/>
+        </p:spPr>
+        <p:style>
+          <a:lnRef idx="2">
+            <a:schemeClr val="accent3">
+              <a:shade val="50000"/>
+            </a:schemeClr>
+          </a:lnRef>
+          <a:fillRef idx="1">
+            <a:schemeClr val="accent3"/>
+          </a:fillRef>
+          <a:effectRef idx="0">
+            <a:schemeClr val="accent3"/>
+          </a:effectRef>
+          <a:fontRef idx="minor">
+            <a:schemeClr val="lt1"/>
+          </a:fontRef>
+        </p:style>
+        <p:txBody>
+          <a:bodyPr wrap="square" rtlCol="0">
+            <a:spAutoFit/>
+          </a:bodyPr>
+          <a:lstStyle/>
+          <a:p>
+            <a:r>
+              <a:rPr lang="en-US" altLang="ja-JP" sz="2800" dirty="0">
+                <a:solidFill>
+                  <a:sysClr val="windowText" lastClr="000000"/>
+                </a:solidFill>
+                <a:latin typeface="YuKyokasho Medium" panose="02000500000000000000" pitchFamily="2" charset="-128"/>
+                <a:ea typeface="YuKyokasho Medium" panose="02000500000000000000" pitchFamily="2" charset="-128"/>
+                <a:cs typeface="ヒラギノ丸ゴ ProN W4"/>
+              </a:rPr>
+              <a:t>      </a:t>
+            </a:r>
+            <a:r>
+              <a:rPr lang="ja-JP" altLang="en-US" sz="2800" dirty="0">
+                <a:solidFill>
+                  <a:sysClr val="windowText" lastClr="000000"/>
+                </a:solidFill>
+                <a:latin typeface="YuKyokasho Medium" panose="02000500000000000000" pitchFamily="2" charset="-128"/>
+                <a:ea typeface="YuKyokasho Medium" panose="02000500000000000000" pitchFamily="2" charset="-128"/>
+                <a:cs typeface="ヒラギノ丸ゴ ProN W4"/>
+              </a:rPr>
+              <a:t>◯：△</a:t>
             </a:r>
             <a:endParaRPr kumimoji="1" lang="ja-JP" altLang="en-US" sz="2800" dirty="0">
               <a:solidFill>
@@ -6806,10 +7245,10 @@
       </p:sp>
       <p:sp>
         <p:nvSpPr>
-          <p:cNvPr id="8" name="テキスト ボックス 7">
+          <p:cNvPr id="14" name="テキスト ボックス 13">
             <a:extLst>
               <a:ext uri="{FF2B5EF4-FFF2-40B4-BE49-F238E27FC236}">
-                <a16:creationId xmlns:a16="http://schemas.microsoft.com/office/drawing/2014/main" id="{3678DAC4-B57A-5643-865B-7948B931B7F3}"/>
+                <a16:creationId xmlns:a16="http://schemas.microsoft.com/office/drawing/2014/main" id="{04FE778E-94D6-FA44-A800-6620FE3BA26A}"/>
               </a:ext>
             </a:extLst>
           </p:cNvPr>
@@ -6818,8 +7257,8 @@
         </p:nvSpPr>
         <p:spPr>
           <a:xfrm>
-            <a:off x="5654180" y="1913345"/>
-            <a:ext cx="573356" cy="523220"/>
+            <a:off x="2916464" y="2624765"/>
+            <a:ext cx="732747" cy="523220"/>
           </a:xfrm>
           <a:prstGeom prst="rect">
             <a:avLst/>
@@ -6843,19 +7282,19 @@
           </a:fontRef>
         </p:style>
         <p:txBody>
-          <a:bodyPr wrap="square" rtlCol="0">
+          <a:bodyPr wrap="square" lIns="0" rIns="0" rtlCol="0">
             <a:spAutoFit/>
           </a:bodyPr>
           <a:lstStyle/>
           <a:p>
             <a:pPr algn="ctr"/>
             <a:r>
-              <a:rPr lang="ja-JP" altLang="en-US" sz="2800" dirty="0">
+              <a:rPr kumimoji="1" lang="ja-JP" altLang="en-US" sz="2800" dirty="0">
                 <a:latin typeface="YuKyokasho Medium" panose="02000500000000000000" pitchFamily="2" charset="-128"/>
                 <a:ea typeface="YuKyokasho Medium" panose="02000500000000000000" pitchFamily="2" charset="-128"/>
                 <a:cs typeface="ヒラギノ丸ゴ ProN W4"/>
               </a:rPr>
-              <a:t>▼</a:t>
+              <a:t>配合</a:t>
             </a:r>
             <a:endParaRPr kumimoji="1" lang="en-US" altLang="ja-JP" sz="2800" dirty="0">
               <a:latin typeface="YuKyokasho Medium" panose="02000500000000000000" pitchFamily="2" charset="-128"/>
@@ -6867,24 +7306,28 @@
       </p:sp>
       <p:sp>
         <p:nvSpPr>
-          <p:cNvPr id="9" name="角丸四角形 8">
+          <p:cNvPr id="15" name="テキスト ボックス 14">
             <a:extLst>
               <a:ext uri="{FF2B5EF4-FFF2-40B4-BE49-F238E27FC236}">
-                <a16:creationId xmlns:a16="http://schemas.microsoft.com/office/drawing/2014/main" id="{2943E6CD-C748-7243-9688-C583A742FA60}"/>
+                <a16:creationId xmlns:a16="http://schemas.microsoft.com/office/drawing/2014/main" id="{D36346F7-FB16-254A-9ED9-CA3B2462AD07}"/>
               </a:ext>
             </a:extLst>
           </p:cNvPr>
-          <p:cNvSpPr/>
-          <p:nvPr/>
-        </p:nvSpPr>
-        <p:spPr>
-          <a:xfrm>
-            <a:off x="2978093" y="4670391"/>
-            <a:ext cx="3118138" cy="522507"/>
-          </a:xfrm>
-          <a:prstGeom prst="roundRect">
-            <a:avLst/>
-          </a:prstGeom>
+          <p:cNvSpPr txBox="1"/>
+          <p:nvPr/>
+        </p:nvSpPr>
+        <p:spPr>
+          <a:xfrm>
+            <a:off x="2916464" y="3336185"/>
+            <a:ext cx="3311072" cy="523220"/>
+          </a:xfrm>
+          <a:prstGeom prst="rect">
+            <a:avLst/>
+          </a:prstGeom>
+          <a:solidFill>
+            <a:schemeClr val="bg1"/>
+          </a:solidFill>
+          <a:ln/>
         </p:spPr>
         <p:style>
           <a:lnRef idx="2">
@@ -6903,19 +7346,48 @@
           </a:fontRef>
         </p:style>
         <p:txBody>
-          <a:bodyPr rtlCol="0" anchor="ctr"/>
-          <a:lstStyle/>
-          <a:p>
-            <a:pPr algn="ctr"/>
-            <a:r>
-              <a:rPr lang="ja-JP" altLang="en-US" sz="3200" dirty="0">
+          <a:bodyPr wrap="square" rtlCol="0">
+            <a:spAutoFit/>
+          </a:bodyPr>
+          <a:lstStyle/>
+          <a:p>
+            <a:r>
+              <a:rPr lang="en-US" altLang="ja-JP" sz="2800" dirty="0">
+                <a:solidFill>
+                  <a:sysClr val="windowText" lastClr="000000"/>
+                </a:solidFill>
                 <a:latin typeface="YuKyokasho Medium" panose="02000500000000000000" pitchFamily="2" charset="-128"/>
                 <a:ea typeface="YuKyokasho Medium" panose="02000500000000000000" pitchFamily="2" charset="-128"/>
                 <a:cs typeface="ヒラギノ丸ゴ ProN W4"/>
               </a:rPr>
-              <a:t>記録する</a:t>
-            </a:r>
-            <a:endParaRPr kumimoji="1" lang="ja-JP" altLang="en-US" sz="3200" dirty="0">
+              <a:t>      </a:t>
+            </a:r>
+            <a:r>
+              <a:rPr lang="ja-JP" altLang="en-US" sz="2800" dirty="0">
+                <a:solidFill>
+                  <a:sysClr val="windowText" lastClr="000000"/>
+                </a:solidFill>
+                <a:latin typeface="YuKyokasho Medium" panose="02000500000000000000" pitchFamily="2" charset="-128"/>
+                <a:ea typeface="YuKyokasho Medium" panose="02000500000000000000" pitchFamily="2" charset="-128"/>
+                <a:cs typeface="ヒラギノ丸ゴ ProN W4"/>
+              </a:rPr>
+              <a:t>◯◯◯</a:t>
+            </a:r>
+            <a:r>
+              <a:rPr lang="en-US" altLang="ja-JP" sz="2800" dirty="0">
+                <a:solidFill>
+                  <a:sysClr val="windowText" lastClr="000000"/>
+                </a:solidFill>
+                <a:latin typeface="YuKyokasho Medium" panose="02000500000000000000" pitchFamily="2" charset="-128"/>
+                <a:ea typeface="YuKyokasho Medium" panose="02000500000000000000" pitchFamily="2" charset="-128"/>
+                <a:cs typeface="ヒラギノ丸ゴ ProN W4"/>
+              </a:rPr>
+              <a:t>g</a:t>
+            </a:r>
+            <a:endParaRPr kumimoji="1" lang="ja-JP" altLang="en-US" sz="2800" dirty="0">
+              <a:solidFill>
+                <a:sysClr val="windowText" lastClr="000000"/>
+              </a:solidFill>
               <a:latin typeface="YuKyokasho Medium" panose="02000500000000000000" pitchFamily="2" charset="-128"/>
               <a:ea typeface="YuKyokasho Medium" panose="02000500000000000000" pitchFamily="2" charset="-128"/>
               <a:cs typeface="ヒラギノ丸ゴ ProN W4"/>
@@ -6925,24 +7397,25 @@
       </p:sp>
       <p:sp>
         <p:nvSpPr>
-          <p:cNvPr id="10" name="角丸四角形 9">
+          <p:cNvPr id="16" name="テキスト ボックス 15">
             <a:extLst>
               <a:ext uri="{FF2B5EF4-FFF2-40B4-BE49-F238E27FC236}">
-                <a16:creationId xmlns:a16="http://schemas.microsoft.com/office/drawing/2014/main" id="{2DB5E086-72B0-0040-AD6B-B7D36789CE82}"/>
+                <a16:creationId xmlns:a16="http://schemas.microsoft.com/office/drawing/2014/main" id="{A2EB1239-F10B-EE43-886A-6DABBD354CD9}"/>
               </a:ext>
             </a:extLst>
           </p:cNvPr>
-          <p:cNvSpPr/>
-          <p:nvPr/>
-        </p:nvSpPr>
-        <p:spPr>
-          <a:xfrm>
-            <a:off x="2978092" y="5481377"/>
-            <a:ext cx="3118138" cy="522507"/>
-          </a:xfrm>
-          <a:prstGeom prst="roundRect">
-            <a:avLst/>
-          </a:prstGeom>
+          <p:cNvSpPr txBox="1"/>
+          <p:nvPr/>
+        </p:nvSpPr>
+        <p:spPr>
+          <a:xfrm>
+            <a:off x="2916464" y="3336185"/>
+            <a:ext cx="732747" cy="523220"/>
+          </a:xfrm>
+          <a:prstGeom prst="rect">
+            <a:avLst/>
+          </a:prstGeom>
+          <a:ln/>
         </p:spPr>
         <p:style>
           <a:lnRef idx="2">
@@ -6961,19 +7434,21 @@
           </a:fontRef>
         </p:style>
         <p:txBody>
-          <a:bodyPr rtlCol="0" anchor="ctr"/>
+          <a:bodyPr wrap="square" lIns="0" rIns="0" rtlCol="0">
+            <a:spAutoFit/>
+          </a:bodyPr>
           <a:lstStyle/>
           <a:p>
             <a:pPr algn="ctr"/>
             <a:r>
-              <a:rPr lang="ja-JP" altLang="en-US" sz="3200" dirty="0">
+              <a:rPr kumimoji="1" lang="ja-JP" altLang="en-US" sz="2800" dirty="0">
                 <a:latin typeface="YuKyokasho Medium" panose="02000500000000000000" pitchFamily="2" charset="-128"/>
                 <a:ea typeface="YuKyokasho Medium" panose="02000500000000000000" pitchFamily="2" charset="-128"/>
                 <a:cs typeface="ヒラギノ丸ゴ ProN W4"/>
               </a:rPr>
-              <a:t>戻る</a:t>
-            </a:r>
-            <a:endParaRPr kumimoji="1" lang="ja-JP" altLang="en-US" sz="3200" dirty="0">
+              <a:t>重量</a:t>
+            </a:r>
+            <a:endParaRPr kumimoji="1" lang="en-US" altLang="ja-JP" sz="2800" dirty="0">
               <a:latin typeface="YuKyokasho Medium" panose="02000500000000000000" pitchFamily="2" charset="-128"/>
               <a:ea typeface="YuKyokasho Medium" panose="02000500000000000000" pitchFamily="2" charset="-128"/>
               <a:cs typeface="ヒラギノ丸ゴ ProN W4"/>
@@ -6981,10 +7456,86 @@
           </a:p>
         </p:txBody>
       </p:sp>
+      <p:sp>
+        <p:nvSpPr>
+          <p:cNvPr id="4" name="テキスト ボックス 3">
+            <a:extLst>
+              <a:ext uri="{FF2B5EF4-FFF2-40B4-BE49-F238E27FC236}">
+                <a16:creationId xmlns:a16="http://schemas.microsoft.com/office/drawing/2014/main" id="{FD743940-7BFE-7248-9CE4-23863BCF76F6}"/>
+              </a:ext>
+            </a:extLst>
+          </p:cNvPr>
+          <p:cNvSpPr txBox="1"/>
+          <p:nvPr/>
+        </p:nvSpPr>
+        <p:spPr>
+          <a:xfrm>
+            <a:off x="6472447" y="1913345"/>
+            <a:ext cx="2774103" cy="1477328"/>
+          </a:xfrm>
+          <a:prstGeom prst="rect">
+            <a:avLst/>
+          </a:prstGeom>
+          <a:noFill/>
+        </p:spPr>
+        <p:txBody>
+          <a:bodyPr wrap="square" rtlCol="0">
+            <a:spAutoFit/>
+          </a:bodyPr>
+          <a:lstStyle/>
+          <a:p>
+            <a:r>
+              <a:rPr kumimoji="1" lang="ja-JP" altLang="en-US" dirty="0"/>
+              <a:t>配合：</a:t>
+            </a:r>
+            <a:r>
+              <a:rPr lang="en-US" altLang="ja-JP" dirty="0"/>
+              <a:t>5:5, 4:6, 3:7, 2:8, 1:9,</a:t>
+            </a:r>
+            <a:br>
+              <a:rPr lang="en-US" altLang="ja-JP" dirty="0"/>
+            </a:br>
+            <a:r>
+              <a:rPr lang="en-US" altLang="ja-JP" dirty="0"/>
+              <a:t>           0:10 </a:t>
+            </a:r>
+            <a:endParaRPr kumimoji="1" lang="en-US" altLang="ja-JP" dirty="0"/>
+          </a:p>
+          <a:p>
+            <a:r>
+              <a:rPr kumimoji="1" lang="ja-JP" altLang="en-US" dirty="0"/>
+              <a:t>重量：</a:t>
+            </a:r>
+            <a:r>
+              <a:rPr kumimoji="1" lang="en-US" altLang="ja-JP" dirty="0"/>
+              <a:t>100~2000g</a:t>
+            </a:r>
+            <a:r>
+              <a:rPr kumimoji="1" lang="ja-JP" altLang="en-US" dirty="0"/>
+              <a:t>（</a:t>
+            </a:r>
+            <a:r>
+              <a:rPr kumimoji="1" lang="en-US" altLang="ja-JP" dirty="0"/>
+              <a:t>100g</a:t>
+            </a:r>
+            <a:r>
+              <a:rPr lang="ja-JP" altLang="en-US" dirty="0"/>
+              <a:t>毎）</a:t>
+            </a:r>
+            <a:endParaRPr lang="en-US" altLang="ja-JP" dirty="0"/>
+          </a:p>
+          <a:p>
+            <a:endParaRPr kumimoji="1" lang="en-US" altLang="ja-JP" dirty="0"/>
+          </a:p>
+          <a:p>
+            <a:endParaRPr kumimoji="1" lang="ja-JP" altLang="en-US" dirty="0"/>
+          </a:p>
+        </p:txBody>
+      </p:sp>
     </p:spTree>
     <p:extLst>
       <p:ext uri="{BB962C8B-B14F-4D97-AF65-F5344CB8AC3E}">
-        <p14:creationId xmlns:p14="http://schemas.microsoft.com/office/powerpoint/2010/main" val="3780100335"/>
+        <p14:creationId xmlns:p14="http://schemas.microsoft.com/office/powerpoint/2010/main" val="1735968648"/>
       </p:ext>
     </p:extLst>
   </p:cSld>
@@ -7026,7 +7577,7 @@
         <p:spPr>
           <a:xfrm>
             <a:off x="205436" y="564226"/>
-            <a:ext cx="2154992" cy="369332"/>
+            <a:ext cx="1701209" cy="369332"/>
           </a:xfrm>
           <a:prstGeom prst="rect">
             <a:avLst/>
@@ -7041,7 +7592,7 @@
           <a:p>
             <a:r>
               <a:rPr kumimoji="1" lang="en-US" altLang="ja-JP" dirty="0" err="1"/>
-              <a:t>ReadDataActivity</a:t>
+              <a:t>RecordActivity</a:t>
             </a:r>
             <a:endParaRPr kumimoji="1" lang="ja-JP" altLang="en-US" dirty="0"/>
           </a:p>
@@ -7052,7 +7603,7 @@
           <p:cNvPr id="3" name="正方形/長方形 2">
             <a:extLst>
               <a:ext uri="{FF2B5EF4-FFF2-40B4-BE49-F238E27FC236}">
-                <a16:creationId xmlns:a16="http://schemas.microsoft.com/office/drawing/2014/main" id="{E060DD52-B6FF-7E46-AB73-67452F549D54}"/>
+                <a16:creationId xmlns:a16="http://schemas.microsoft.com/office/drawing/2014/main" id="{8A75C1A8-E9D4-D240-A030-A1EAE125237D}"/>
               </a:ext>
             </a:extLst>
           </p:cNvPr>
@@ -7061,19 +7612,20 @@
         </p:nvSpPr>
         <p:spPr>
           <a:xfrm>
-            <a:off x="2702034" y="564226"/>
+            <a:off x="2671553" y="564226"/>
             <a:ext cx="3739931" cy="5728138"/>
           </a:xfrm>
           <a:prstGeom prst="rect">
             <a:avLst/>
           </a:prstGeom>
           <a:solidFill>
-            <a:schemeClr val="accent3">
-              <a:lumMod val="20000"/>
-              <a:lumOff val="80000"/>
-            </a:schemeClr>
+            <a:srgbClr val="FFFFFF"/>
           </a:solidFill>
-          <a:ln/>
+          <a:ln>
+            <a:solidFill>
+              <a:schemeClr val="tx1"/>
+            </a:solidFill>
+          </a:ln>
         </p:spPr>
         <p:style>
           <a:lnRef idx="2">
@@ -7105,7 +7657,7 @@
           <p:cNvPr id="4" name="正方形/長方形 3">
             <a:extLst>
               <a:ext uri="{FF2B5EF4-FFF2-40B4-BE49-F238E27FC236}">
-                <a16:creationId xmlns:a16="http://schemas.microsoft.com/office/drawing/2014/main" id="{66AE9887-9E48-D740-9D05-B9749E5C8900}"/>
+                <a16:creationId xmlns:a16="http://schemas.microsoft.com/office/drawing/2014/main" id="{AAC21240-D414-E641-A245-E1A7F2CCF3C4}"/>
               </a:ext>
             </a:extLst>
           </p:cNvPr>
@@ -7114,16 +7666,69 @@
         </p:nvSpPr>
         <p:spPr>
           <a:xfrm>
-            <a:off x="2702034" y="564226"/>
+            <a:off x="2667197" y="576880"/>
             <a:ext cx="3739931" cy="506204"/>
           </a:xfrm>
           <a:prstGeom prst="rect">
             <a:avLst/>
           </a:prstGeom>
           <a:solidFill>
-            <a:schemeClr val="accent3">
-              <a:lumMod val="75000"/>
+            <a:schemeClr val="tx1"/>
+          </a:solidFill>
+          <a:ln>
+            <a:noFill/>
+          </a:ln>
+        </p:spPr>
+        <p:style>
+          <a:lnRef idx="2">
+            <a:schemeClr val="accent6">
+              <a:shade val="50000"/>
             </a:schemeClr>
+          </a:lnRef>
+          <a:fillRef idx="1">
+            <a:schemeClr val="accent6"/>
+          </a:fillRef>
+          <a:effectRef idx="0">
+            <a:schemeClr val="accent6"/>
+          </a:effectRef>
+          <a:fontRef idx="minor">
+            <a:schemeClr val="lt1"/>
+          </a:fontRef>
+        </p:style>
+        <p:txBody>
+          <a:bodyPr rtlCol="0" anchor="ctr"/>
+          <a:lstStyle/>
+          <a:p>
+            <a:pPr algn="ctr"/>
+            <a:r>
+              <a:rPr kumimoji="1" lang="ja-JP" altLang="en-US" dirty="0"/>
+              <a:t>記録画面</a:t>
+            </a:r>
+          </a:p>
+        </p:txBody>
+      </p:sp>
+      <p:sp>
+        <p:nvSpPr>
+          <p:cNvPr id="5" name="テキスト ボックス 4">
+            <a:extLst>
+              <a:ext uri="{FF2B5EF4-FFF2-40B4-BE49-F238E27FC236}">
+                <a16:creationId xmlns:a16="http://schemas.microsoft.com/office/drawing/2014/main" id="{73BE90EA-C42F-5942-A4F7-2E36D3101C7D}"/>
+              </a:ext>
+            </a:extLst>
+          </p:cNvPr>
+          <p:cNvSpPr txBox="1"/>
+          <p:nvPr/>
+        </p:nvSpPr>
+        <p:spPr>
+          <a:xfrm>
+            <a:off x="2916464" y="1913345"/>
+            <a:ext cx="3311072" cy="523220"/>
+          </a:xfrm>
+          <a:prstGeom prst="rect">
+            <a:avLst/>
+          </a:prstGeom>
+          <a:solidFill>
+            <a:schemeClr val="bg1"/>
           </a:solidFill>
           <a:ln/>
         </p:spPr>
@@ -7144,34 +7749,54 @@
           </a:fontRef>
         </p:style>
         <p:txBody>
-          <a:bodyPr rtlCol="0" anchor="ctr"/>
-          <a:lstStyle/>
-          <a:p>
-            <a:pPr algn="ctr"/>
-            <a:endParaRPr kumimoji="1" lang="ja-JP" altLang="en-US" dirty="0"/>
-          </a:p>
-        </p:txBody>
-      </p:sp>
-      <p:sp>
-        <p:nvSpPr>
-          <p:cNvPr id="6" name="角丸四角形 5">
+          <a:bodyPr wrap="square" rtlCol="0">
+            <a:spAutoFit/>
+          </a:bodyPr>
+          <a:lstStyle/>
+          <a:p>
+            <a:r>
+              <a:rPr lang="ja-JP" altLang="en-US" sz="2800">
+                <a:solidFill>
+                  <a:sysClr val="windowText" lastClr="000000"/>
+                </a:solidFill>
+                <a:latin typeface="YuKyokasho Medium" panose="02000500000000000000" pitchFamily="2" charset="-128"/>
+                <a:ea typeface="YuKyokasho Medium" panose="02000500000000000000" pitchFamily="2" charset="-128"/>
+                <a:cs typeface="ヒラギノ丸ゴ ProN W4"/>
+              </a:rPr>
+              <a:t>名前</a:t>
+            </a:r>
+            <a:endParaRPr kumimoji="1" lang="ja-JP" altLang="en-US" sz="2800" dirty="0">
+              <a:solidFill>
+                <a:sysClr val="windowText" lastClr="000000"/>
+              </a:solidFill>
+              <a:latin typeface="YuKyokasho Medium" panose="02000500000000000000" pitchFamily="2" charset="-128"/>
+              <a:ea typeface="YuKyokasho Medium" panose="02000500000000000000" pitchFamily="2" charset="-128"/>
+              <a:cs typeface="ヒラギノ丸ゴ ProN W4"/>
+            </a:endParaRPr>
+          </a:p>
+        </p:txBody>
+      </p:sp>
+      <p:sp>
+        <p:nvSpPr>
+          <p:cNvPr id="8" name="テキスト ボックス 7">
             <a:extLst>
               <a:ext uri="{FF2B5EF4-FFF2-40B4-BE49-F238E27FC236}">
-                <a16:creationId xmlns:a16="http://schemas.microsoft.com/office/drawing/2014/main" id="{5B33ED2F-EA50-2B47-95D0-013DF43AC142}"/>
+                <a16:creationId xmlns:a16="http://schemas.microsoft.com/office/drawing/2014/main" id="{3678DAC4-B57A-5643-865B-7948B931B7F3}"/>
               </a:ext>
             </a:extLst>
           </p:cNvPr>
-          <p:cNvSpPr/>
-          <p:nvPr/>
-        </p:nvSpPr>
-        <p:spPr>
-          <a:xfrm>
-            <a:off x="4872252" y="5627215"/>
-            <a:ext cx="1419679" cy="522507"/>
-          </a:xfrm>
-          <a:prstGeom prst="roundRect">
-            <a:avLst/>
-          </a:prstGeom>
+          <p:cNvSpPr txBox="1"/>
+          <p:nvPr/>
+        </p:nvSpPr>
+        <p:spPr>
+          <a:xfrm>
+            <a:off x="5654180" y="1913345"/>
+            <a:ext cx="573356" cy="523220"/>
+          </a:xfrm>
+          <a:prstGeom prst="rect">
+            <a:avLst/>
+          </a:prstGeom>
+          <a:ln/>
         </p:spPr>
         <p:style>
           <a:lnRef idx="2">
@@ -7190,19 +7815,21 @@
           </a:fontRef>
         </p:style>
         <p:txBody>
-          <a:bodyPr rtlCol="0" anchor="ctr"/>
+          <a:bodyPr wrap="square" rtlCol="0">
+            <a:spAutoFit/>
+          </a:bodyPr>
           <a:lstStyle/>
           <a:p>
             <a:pPr algn="ctr"/>
             <a:r>
-              <a:rPr lang="ja-JP" altLang="en-US" sz="3200" dirty="0">
+              <a:rPr lang="ja-JP" altLang="en-US" sz="2800" dirty="0">
                 <a:latin typeface="YuKyokasho Medium" panose="02000500000000000000" pitchFamily="2" charset="-128"/>
                 <a:ea typeface="YuKyokasho Medium" panose="02000500000000000000" pitchFamily="2" charset="-128"/>
                 <a:cs typeface="ヒラギノ丸ゴ ProN W4"/>
               </a:rPr>
-              <a:t>戻る</a:t>
-            </a:r>
-            <a:endParaRPr kumimoji="1" lang="ja-JP" altLang="en-US" sz="3200" dirty="0">
+              <a:t>▼</a:t>
+            </a:r>
+            <a:endParaRPr kumimoji="1" lang="en-US" altLang="ja-JP" sz="2800" dirty="0">
               <a:latin typeface="YuKyokasho Medium" panose="02000500000000000000" pitchFamily="2" charset="-128"/>
               <a:ea typeface="YuKyokasho Medium" panose="02000500000000000000" pitchFamily="2" charset="-128"/>
               <a:cs typeface="ヒラギノ丸ゴ ProN W4"/>
@@ -7212,10 +7839,10 @@
       </p:sp>
       <p:sp>
         <p:nvSpPr>
-          <p:cNvPr id="7" name="角丸四角形 6">
+          <p:cNvPr id="9" name="角丸四角形 8">
             <a:extLst>
               <a:ext uri="{FF2B5EF4-FFF2-40B4-BE49-F238E27FC236}">
-                <a16:creationId xmlns:a16="http://schemas.microsoft.com/office/drawing/2014/main" id="{9D8F85AA-FA63-1346-8F8E-F396E9944439}"/>
+                <a16:creationId xmlns:a16="http://schemas.microsoft.com/office/drawing/2014/main" id="{2943E6CD-C748-7243-9688-C583A742FA60}"/>
               </a:ext>
             </a:extLst>
           </p:cNvPr>
@@ -7224,8 +7851,8 @@
         </p:nvSpPr>
         <p:spPr>
           <a:xfrm>
-            <a:off x="2966485" y="1371769"/>
-            <a:ext cx="3211028" cy="592272"/>
+            <a:off x="2978093" y="4670391"/>
+            <a:ext cx="3118138" cy="522507"/>
           </a:xfrm>
           <a:prstGeom prst="roundRect">
             <a:avLst/>
@@ -7253,30 +7880,27 @@
           <a:p>
             <a:pPr algn="ctr"/>
             <a:r>
-              <a:rPr kumimoji="1" lang="en-US" altLang="ja-JP" sz="3200" dirty="0">
+              <a:rPr lang="ja-JP" altLang="en-US" sz="3200" dirty="0">
                 <a:latin typeface="YuKyokasho Medium" panose="02000500000000000000" pitchFamily="2" charset="-128"/>
                 <a:ea typeface="YuKyokasho Medium" panose="02000500000000000000" pitchFamily="2" charset="-128"/>
                 <a:cs typeface="ヒラギノ丸ゴ ProN W4"/>
               </a:rPr>
-              <a:t>A</a:t>
-            </a:r>
-            <a:r>
-              <a:rPr kumimoji="1" lang="ja-JP" altLang="en-US" sz="3200" dirty="0">
-                <a:latin typeface="YuKyokasho Medium" panose="02000500000000000000" pitchFamily="2" charset="-128"/>
-                <a:ea typeface="YuKyokasho Medium" panose="02000500000000000000" pitchFamily="2" charset="-128"/>
-                <a:cs typeface="ヒラギノ丸ゴ ProN W4"/>
-              </a:rPr>
-              <a:t>さん</a:t>
-            </a:r>
-          </a:p>
-        </p:txBody>
-      </p:sp>
-      <p:sp>
-        <p:nvSpPr>
-          <p:cNvPr id="8" name="角丸四角形 7">
+              <a:t>記録する</a:t>
+            </a:r>
+            <a:endParaRPr kumimoji="1" lang="ja-JP" altLang="en-US" sz="3200" dirty="0">
+              <a:latin typeface="YuKyokasho Medium" panose="02000500000000000000" pitchFamily="2" charset="-128"/>
+              <a:ea typeface="YuKyokasho Medium" panose="02000500000000000000" pitchFamily="2" charset="-128"/>
+              <a:cs typeface="ヒラギノ丸ゴ ProN W4"/>
+            </a:endParaRPr>
+          </a:p>
+        </p:txBody>
+      </p:sp>
+      <p:sp>
+        <p:nvSpPr>
+          <p:cNvPr id="10" name="角丸四角形 9">
             <a:extLst>
               <a:ext uri="{FF2B5EF4-FFF2-40B4-BE49-F238E27FC236}">
-                <a16:creationId xmlns:a16="http://schemas.microsoft.com/office/drawing/2014/main" id="{8EF6818B-AF8D-6E4C-81DD-E9F2EDA7875F}"/>
+                <a16:creationId xmlns:a16="http://schemas.microsoft.com/office/drawing/2014/main" id="{2DB5E086-72B0-0040-AD6B-B7D36789CE82}"/>
               </a:ext>
             </a:extLst>
           </p:cNvPr>
@@ -7285,8 +7909,8 @@
         </p:nvSpPr>
         <p:spPr>
           <a:xfrm>
-            <a:off x="2966485" y="2251964"/>
-            <a:ext cx="3211028" cy="592272"/>
+            <a:off x="2978092" y="5481377"/>
+            <a:ext cx="3118138" cy="522507"/>
           </a:xfrm>
           <a:prstGeom prst="roundRect">
             <a:avLst/>
@@ -7314,211 +7938,25 @@
           <a:p>
             <a:pPr algn="ctr"/>
             <a:r>
-              <a:rPr lang="en-US" altLang="ja-JP" sz="3200" dirty="0">
+              <a:rPr lang="ja-JP" altLang="en-US" sz="3200" dirty="0">
                 <a:latin typeface="YuKyokasho Medium" panose="02000500000000000000" pitchFamily="2" charset="-128"/>
                 <a:ea typeface="YuKyokasho Medium" panose="02000500000000000000" pitchFamily="2" charset="-128"/>
                 <a:cs typeface="ヒラギノ丸ゴ ProN W4"/>
               </a:rPr>
-              <a:t>B</a:t>
-            </a:r>
-            <a:r>
-              <a:rPr kumimoji="1" lang="ja-JP" altLang="en-US" sz="3200" dirty="0">
-                <a:latin typeface="YuKyokasho Medium" panose="02000500000000000000" pitchFamily="2" charset="-128"/>
-                <a:ea typeface="YuKyokasho Medium" panose="02000500000000000000" pitchFamily="2" charset="-128"/>
-                <a:cs typeface="ヒラギノ丸ゴ ProN W4"/>
-              </a:rPr>
-              <a:t>さん</a:t>
-            </a:r>
-          </a:p>
-        </p:txBody>
-      </p:sp>
-      <p:sp>
-        <p:nvSpPr>
-          <p:cNvPr id="9" name="角丸四角形 8">
-            <a:extLst>
-              <a:ext uri="{FF2B5EF4-FFF2-40B4-BE49-F238E27FC236}">
-                <a16:creationId xmlns:a16="http://schemas.microsoft.com/office/drawing/2014/main" id="{7AACE191-B724-0B42-A9A3-67D7C4D873C1}"/>
-              </a:ext>
-            </a:extLst>
-          </p:cNvPr>
-          <p:cNvSpPr/>
-          <p:nvPr/>
-        </p:nvSpPr>
-        <p:spPr>
-          <a:xfrm>
-            <a:off x="2966485" y="3132159"/>
-            <a:ext cx="3211028" cy="592272"/>
-          </a:xfrm>
-          <a:prstGeom prst="roundRect">
-            <a:avLst/>
-          </a:prstGeom>
-        </p:spPr>
-        <p:style>
-          <a:lnRef idx="2">
-            <a:schemeClr val="accent3">
-              <a:shade val="50000"/>
-            </a:schemeClr>
-          </a:lnRef>
-          <a:fillRef idx="1">
-            <a:schemeClr val="accent3"/>
-          </a:fillRef>
-          <a:effectRef idx="0">
-            <a:schemeClr val="accent3"/>
-          </a:effectRef>
-          <a:fontRef idx="minor">
-            <a:schemeClr val="lt1"/>
-          </a:fontRef>
-        </p:style>
-        <p:txBody>
-          <a:bodyPr rtlCol="0" anchor="ctr"/>
-          <a:lstStyle/>
-          <a:p>
-            <a:pPr algn="ctr"/>
-            <a:r>
-              <a:rPr kumimoji="1" lang="en-US" altLang="ja-JP" sz="3200" dirty="0">
-                <a:latin typeface="YuKyokasho Medium" panose="02000500000000000000" pitchFamily="2" charset="-128"/>
-                <a:ea typeface="YuKyokasho Medium" panose="02000500000000000000" pitchFamily="2" charset="-128"/>
-                <a:cs typeface="ヒラギノ丸ゴ ProN W4"/>
-              </a:rPr>
-              <a:t>C</a:t>
-            </a:r>
-            <a:r>
-              <a:rPr kumimoji="1" lang="ja-JP" altLang="en-US" sz="3200" dirty="0">
-                <a:latin typeface="YuKyokasho Medium" panose="02000500000000000000" pitchFamily="2" charset="-128"/>
-                <a:ea typeface="YuKyokasho Medium" panose="02000500000000000000" pitchFamily="2" charset="-128"/>
-                <a:cs typeface="ヒラギノ丸ゴ ProN W4"/>
-              </a:rPr>
-              <a:t>さん</a:t>
-            </a:r>
-          </a:p>
-        </p:txBody>
-      </p:sp>
-      <p:sp>
-        <p:nvSpPr>
-          <p:cNvPr id="10" name="角丸四角形 9">
-            <a:extLst>
-              <a:ext uri="{FF2B5EF4-FFF2-40B4-BE49-F238E27FC236}">
-                <a16:creationId xmlns:a16="http://schemas.microsoft.com/office/drawing/2014/main" id="{83A59D66-CCAF-9A4C-B7E2-D57C0CA1B3A4}"/>
-              </a:ext>
-            </a:extLst>
-          </p:cNvPr>
-          <p:cNvSpPr/>
-          <p:nvPr/>
-        </p:nvSpPr>
-        <p:spPr>
-          <a:xfrm>
-            <a:off x="2966485" y="4006565"/>
-            <a:ext cx="3211028" cy="592272"/>
-          </a:xfrm>
-          <a:prstGeom prst="roundRect">
-            <a:avLst/>
-          </a:prstGeom>
-        </p:spPr>
-        <p:style>
-          <a:lnRef idx="2">
-            <a:schemeClr val="accent3">
-              <a:shade val="50000"/>
-            </a:schemeClr>
-          </a:lnRef>
-          <a:fillRef idx="1">
-            <a:schemeClr val="accent3"/>
-          </a:fillRef>
-          <a:effectRef idx="0">
-            <a:schemeClr val="accent3"/>
-          </a:effectRef>
-          <a:fontRef idx="minor">
-            <a:schemeClr val="lt1"/>
-          </a:fontRef>
-        </p:style>
-        <p:txBody>
-          <a:bodyPr rtlCol="0" anchor="ctr"/>
-          <a:lstStyle/>
-          <a:p>
-            <a:pPr algn="ctr"/>
-            <a:r>
-              <a:rPr kumimoji="1" lang="en-US" altLang="ja-JP" sz="3200" dirty="0">
-                <a:latin typeface="YuKyokasho Medium" panose="02000500000000000000" pitchFamily="2" charset="-128"/>
-                <a:ea typeface="YuKyokasho Medium" panose="02000500000000000000" pitchFamily="2" charset="-128"/>
-                <a:cs typeface="ヒラギノ丸ゴ ProN W4"/>
-              </a:rPr>
-              <a:t>D</a:t>
-            </a:r>
-            <a:r>
-              <a:rPr kumimoji="1" lang="ja-JP" altLang="en-US" sz="3200" dirty="0">
-                <a:latin typeface="YuKyokasho Medium" panose="02000500000000000000" pitchFamily="2" charset="-128"/>
-                <a:ea typeface="YuKyokasho Medium" panose="02000500000000000000" pitchFamily="2" charset="-128"/>
-                <a:cs typeface="ヒラギノ丸ゴ ProN W4"/>
-              </a:rPr>
-              <a:t>さん</a:t>
-            </a:r>
-          </a:p>
-        </p:txBody>
-      </p:sp>
-      <p:sp>
-        <p:nvSpPr>
-          <p:cNvPr id="11" name="角丸四角形 10">
-            <a:extLst>
-              <a:ext uri="{FF2B5EF4-FFF2-40B4-BE49-F238E27FC236}">
-                <a16:creationId xmlns:a16="http://schemas.microsoft.com/office/drawing/2014/main" id="{03B4CE29-2FFB-5749-B980-16B049578A81}"/>
-              </a:ext>
-            </a:extLst>
-          </p:cNvPr>
-          <p:cNvSpPr/>
-          <p:nvPr/>
-        </p:nvSpPr>
-        <p:spPr>
-          <a:xfrm>
-            <a:off x="2966485" y="4880971"/>
-            <a:ext cx="3211028" cy="592272"/>
-          </a:xfrm>
-          <a:prstGeom prst="roundRect">
-            <a:avLst/>
-          </a:prstGeom>
-        </p:spPr>
-        <p:style>
-          <a:lnRef idx="2">
-            <a:schemeClr val="accent3">
-              <a:shade val="50000"/>
-            </a:schemeClr>
-          </a:lnRef>
-          <a:fillRef idx="1">
-            <a:schemeClr val="accent3"/>
-          </a:fillRef>
-          <a:effectRef idx="0">
-            <a:schemeClr val="accent3"/>
-          </a:effectRef>
-          <a:fontRef idx="minor">
-            <a:schemeClr val="lt1"/>
-          </a:fontRef>
-        </p:style>
-        <p:txBody>
-          <a:bodyPr rtlCol="0" anchor="ctr"/>
-          <a:lstStyle/>
-          <a:p>
-            <a:pPr algn="ctr"/>
-            <a:r>
-              <a:rPr lang="en-US" altLang="ja-JP" sz="3200" dirty="0">
-                <a:latin typeface="YuKyokasho Medium" panose="02000500000000000000" pitchFamily="2" charset="-128"/>
-                <a:ea typeface="YuKyokasho Medium" panose="02000500000000000000" pitchFamily="2" charset="-128"/>
-                <a:cs typeface="ヒラギノ丸ゴ ProN W4"/>
-              </a:rPr>
-              <a:t>E</a:t>
-            </a:r>
-            <a:r>
-              <a:rPr kumimoji="1" lang="ja-JP" altLang="en-US" sz="3200" dirty="0">
-                <a:latin typeface="YuKyokasho Medium" panose="02000500000000000000" pitchFamily="2" charset="-128"/>
-                <a:ea typeface="YuKyokasho Medium" panose="02000500000000000000" pitchFamily="2" charset="-128"/>
-                <a:cs typeface="ヒラギノ丸ゴ ProN W4"/>
-              </a:rPr>
-              <a:t>さん</a:t>
-            </a:r>
+              <a:t>戻る</a:t>
+            </a:r>
+            <a:endParaRPr kumimoji="1" lang="ja-JP" altLang="en-US" sz="3200" dirty="0">
+              <a:latin typeface="YuKyokasho Medium" panose="02000500000000000000" pitchFamily="2" charset="-128"/>
+              <a:ea typeface="YuKyokasho Medium" panose="02000500000000000000" pitchFamily="2" charset="-128"/>
+              <a:cs typeface="ヒラギノ丸ゴ ProN W4"/>
+            </a:endParaRPr>
           </a:p>
         </p:txBody>
       </p:sp>
     </p:spTree>
     <p:extLst>
       <p:ext uri="{BB962C8B-B14F-4D97-AF65-F5344CB8AC3E}">
-        <p14:creationId xmlns:p14="http://schemas.microsoft.com/office/powerpoint/2010/main" val="2454877394"/>
+        <p14:creationId xmlns:p14="http://schemas.microsoft.com/office/powerpoint/2010/main" val="3780100335"/>
       </p:ext>
     </p:extLst>
   </p:cSld>
@@ -7574,8 +8012,12 @@
           <a:lstStyle/>
           <a:p>
             <a:r>
+              <a:rPr lang="en-US" altLang="ja-JP" dirty="0" err="1"/>
+              <a:t>DataMode</a:t>
+            </a:r>
+            <a:r>
               <a:rPr kumimoji="1" lang="en-US" altLang="ja-JP" dirty="0" err="1"/>
-              <a:t>ReadDataActivity</a:t>
+              <a:t>Activity</a:t>
             </a:r>
             <a:endParaRPr kumimoji="1" lang="ja-JP" altLang="en-US" dirty="0"/>
           </a:p>
@@ -7787,50 +8229,13 @@
           <a:p>
             <a:pPr algn="ctr"/>
             <a:r>
-              <a:rPr lang="ja-JP" altLang="en-US" sz="3200" dirty="0">
+              <a:rPr kumimoji="1" lang="ja-JP" altLang="en-US" sz="3200" dirty="0">
                 <a:latin typeface="YuKyokasho Medium" panose="02000500000000000000" pitchFamily="2" charset="-128"/>
                 <a:ea typeface="YuKyokasho Medium" panose="02000500000000000000" pitchFamily="2" charset="-128"/>
                 <a:cs typeface="ヒラギノ丸ゴ ProN W4"/>
               </a:rPr>
-              <a:t>◯◯</a:t>
-            </a:r>
-            <a:r>
-              <a:rPr lang="en-US" altLang="ja-JP" sz="3200" dirty="0">
-                <a:latin typeface="YuKyokasho Medium" panose="02000500000000000000" pitchFamily="2" charset="-128"/>
-                <a:ea typeface="YuKyokasho Medium" panose="02000500000000000000" pitchFamily="2" charset="-128"/>
-                <a:cs typeface="ヒラギノ丸ゴ ProN W4"/>
-              </a:rPr>
-              <a:t>/</a:t>
-            </a:r>
-            <a:r>
-              <a:rPr lang="ja-JP" altLang="en-US" sz="3200" dirty="0">
-                <a:latin typeface="YuKyokasho Medium" panose="02000500000000000000" pitchFamily="2" charset="-128"/>
-                <a:ea typeface="YuKyokasho Medium" panose="02000500000000000000" pitchFamily="2" charset="-128"/>
-                <a:cs typeface="ヒラギノ丸ゴ ProN W4"/>
-              </a:rPr>
-              <a:t>□□</a:t>
-            </a:r>
-            <a:r>
-              <a:rPr lang="en-US" altLang="ja-JP" sz="3200" dirty="0">
-                <a:latin typeface="YuKyokasho Medium" panose="02000500000000000000" pitchFamily="2" charset="-128"/>
-                <a:ea typeface="YuKyokasho Medium" panose="02000500000000000000" pitchFamily="2" charset="-128"/>
-                <a:cs typeface="ヒラギノ丸ゴ ProN W4"/>
-              </a:rPr>
-              <a:t>/</a:t>
-            </a:r>
-            <a:r>
-              <a:rPr lang="ja-JP" altLang="en-US" sz="3200" dirty="0">
-                <a:latin typeface="YuKyokasho Medium" panose="02000500000000000000" pitchFamily="2" charset="-128"/>
-                <a:ea typeface="YuKyokasho Medium" panose="02000500000000000000" pitchFamily="2" charset="-128"/>
-                <a:cs typeface="ヒラギノ丸ゴ ProN W4"/>
-              </a:rPr>
-              <a:t>△△</a:t>
-            </a:r>
-            <a:endParaRPr kumimoji="1" lang="ja-JP" altLang="en-US" sz="3200" dirty="0">
-              <a:latin typeface="YuKyokasho Medium" panose="02000500000000000000" pitchFamily="2" charset="-128"/>
-              <a:ea typeface="YuKyokasho Medium" panose="02000500000000000000" pitchFamily="2" charset="-128"/>
-              <a:cs typeface="ヒラギノ丸ゴ ProN W4"/>
-            </a:endParaRPr>
+              <a:t>データ閲覧</a:t>
+            </a:r>
           </a:p>
         </p:txBody>
       </p:sp>
@@ -7877,307 +8282,63 @@
           <a:p>
             <a:pPr algn="ctr"/>
             <a:r>
-              <a:rPr lang="ja-JP" altLang="en-US" sz="3200" dirty="0">
+              <a:rPr kumimoji="1" lang="ja-JP" altLang="en-US" sz="3200" dirty="0">
                 <a:latin typeface="YuKyokasho Medium" panose="02000500000000000000" pitchFamily="2" charset="-128"/>
                 <a:ea typeface="YuKyokasho Medium" panose="02000500000000000000" pitchFamily="2" charset="-128"/>
                 <a:cs typeface="ヒラギノ丸ゴ ProN W4"/>
               </a:rPr>
-              <a:t>◯◯</a:t>
-            </a:r>
-            <a:r>
-              <a:rPr lang="en-US" altLang="ja-JP" sz="3200" dirty="0">
-                <a:latin typeface="YuKyokasho Medium" panose="02000500000000000000" pitchFamily="2" charset="-128"/>
-                <a:ea typeface="YuKyokasho Medium" panose="02000500000000000000" pitchFamily="2" charset="-128"/>
-                <a:cs typeface="ヒラギノ丸ゴ ProN W4"/>
-              </a:rPr>
-              <a:t>/</a:t>
-            </a:r>
-            <a:r>
-              <a:rPr lang="ja-JP" altLang="en-US" sz="3200" dirty="0">
-                <a:latin typeface="YuKyokasho Medium" panose="02000500000000000000" pitchFamily="2" charset="-128"/>
-                <a:ea typeface="YuKyokasho Medium" panose="02000500000000000000" pitchFamily="2" charset="-128"/>
-                <a:cs typeface="ヒラギノ丸ゴ ProN W4"/>
-              </a:rPr>
-              <a:t>□□</a:t>
-            </a:r>
-            <a:r>
-              <a:rPr lang="en-US" altLang="ja-JP" sz="3200" dirty="0">
-                <a:latin typeface="YuKyokasho Medium" panose="02000500000000000000" pitchFamily="2" charset="-128"/>
-                <a:ea typeface="YuKyokasho Medium" panose="02000500000000000000" pitchFamily="2" charset="-128"/>
-                <a:cs typeface="ヒラギノ丸ゴ ProN W4"/>
-              </a:rPr>
-              <a:t>/</a:t>
-            </a:r>
-            <a:r>
-              <a:rPr lang="ja-JP" altLang="en-US" sz="3200" dirty="0">
-                <a:latin typeface="YuKyokasho Medium" panose="02000500000000000000" pitchFamily="2" charset="-128"/>
-                <a:ea typeface="YuKyokasho Medium" panose="02000500000000000000" pitchFamily="2" charset="-128"/>
-                <a:cs typeface="ヒラギノ丸ゴ ProN W4"/>
-              </a:rPr>
-              <a:t>△△</a:t>
-            </a:r>
-          </a:p>
-        </p:txBody>
-      </p:sp>
-      <p:sp>
-        <p:nvSpPr>
-          <p:cNvPr id="9" name="角丸四角形 8">
+              <a:t>データ管理</a:t>
+            </a:r>
+          </a:p>
+        </p:txBody>
+      </p:sp>
+      <p:sp>
+        <p:nvSpPr>
+          <p:cNvPr id="5" name="テキスト ボックス 4">
             <a:extLst>
               <a:ext uri="{FF2B5EF4-FFF2-40B4-BE49-F238E27FC236}">
-                <a16:creationId xmlns:a16="http://schemas.microsoft.com/office/drawing/2014/main" id="{7AACE191-B724-0B42-A9A3-67D7C4D873C1}"/>
+                <a16:creationId xmlns:a16="http://schemas.microsoft.com/office/drawing/2014/main" id="{7D20A543-293B-544A-A20E-4E4002BD8831}"/>
               </a:ext>
             </a:extLst>
           </p:cNvPr>
-          <p:cNvSpPr/>
-          <p:nvPr/>
-        </p:nvSpPr>
-        <p:spPr>
-          <a:xfrm>
-            <a:off x="2966485" y="3132159"/>
-            <a:ext cx="3211028" cy="592272"/>
-          </a:xfrm>
-          <a:prstGeom prst="roundRect">
-            <a:avLst/>
-          </a:prstGeom>
-        </p:spPr>
-        <p:style>
-          <a:lnRef idx="2">
-            <a:schemeClr val="accent3">
-              <a:shade val="50000"/>
-            </a:schemeClr>
-          </a:lnRef>
-          <a:fillRef idx="1">
-            <a:schemeClr val="accent3"/>
-          </a:fillRef>
-          <a:effectRef idx="0">
-            <a:schemeClr val="accent3"/>
-          </a:effectRef>
-          <a:fontRef idx="minor">
-            <a:schemeClr val="lt1"/>
-          </a:fontRef>
-        </p:style>
-        <p:txBody>
-          <a:bodyPr rtlCol="0" anchor="ctr"/>
-          <a:lstStyle/>
-          <a:p>
-            <a:pPr algn="ctr"/>
-            <a:r>
-              <a:rPr lang="ja-JP" altLang="en-US" sz="3200" dirty="0">
-                <a:latin typeface="YuKyokasho Medium" panose="02000500000000000000" pitchFamily="2" charset="-128"/>
-                <a:ea typeface="YuKyokasho Medium" panose="02000500000000000000" pitchFamily="2" charset="-128"/>
-                <a:cs typeface="ヒラギノ丸ゴ ProN W4"/>
-              </a:rPr>
-              <a:t>◯◯</a:t>
-            </a:r>
-            <a:r>
-              <a:rPr lang="en-US" altLang="ja-JP" sz="3200" dirty="0">
-                <a:latin typeface="YuKyokasho Medium" panose="02000500000000000000" pitchFamily="2" charset="-128"/>
-                <a:ea typeface="YuKyokasho Medium" panose="02000500000000000000" pitchFamily="2" charset="-128"/>
-                <a:cs typeface="ヒラギノ丸ゴ ProN W4"/>
-              </a:rPr>
-              <a:t>/</a:t>
-            </a:r>
-            <a:r>
-              <a:rPr lang="ja-JP" altLang="en-US" sz="3200" dirty="0">
-                <a:latin typeface="YuKyokasho Medium" panose="02000500000000000000" pitchFamily="2" charset="-128"/>
-                <a:ea typeface="YuKyokasho Medium" panose="02000500000000000000" pitchFamily="2" charset="-128"/>
-                <a:cs typeface="ヒラギノ丸ゴ ProN W4"/>
-              </a:rPr>
-              <a:t>□□</a:t>
-            </a:r>
-            <a:r>
-              <a:rPr lang="en-US" altLang="ja-JP" sz="3200" dirty="0">
-                <a:latin typeface="YuKyokasho Medium" panose="02000500000000000000" pitchFamily="2" charset="-128"/>
-                <a:ea typeface="YuKyokasho Medium" panose="02000500000000000000" pitchFamily="2" charset="-128"/>
-                <a:cs typeface="ヒラギノ丸ゴ ProN W4"/>
-              </a:rPr>
-              <a:t>/</a:t>
-            </a:r>
-            <a:r>
-              <a:rPr lang="ja-JP" altLang="en-US" sz="3200" dirty="0">
-                <a:latin typeface="YuKyokasho Medium" panose="02000500000000000000" pitchFamily="2" charset="-128"/>
-                <a:ea typeface="YuKyokasho Medium" panose="02000500000000000000" pitchFamily="2" charset="-128"/>
-                <a:cs typeface="ヒラギノ丸ゴ ProN W4"/>
-              </a:rPr>
-              <a:t>△△</a:t>
-            </a:r>
-          </a:p>
-        </p:txBody>
-      </p:sp>
-      <p:sp>
-        <p:nvSpPr>
-          <p:cNvPr id="10" name="角丸四角形 9">
-            <a:extLst>
-              <a:ext uri="{FF2B5EF4-FFF2-40B4-BE49-F238E27FC236}">
-                <a16:creationId xmlns:a16="http://schemas.microsoft.com/office/drawing/2014/main" id="{83A59D66-CCAF-9A4C-B7E2-D57C0CA1B3A4}"/>
-              </a:ext>
-            </a:extLst>
-          </p:cNvPr>
-          <p:cNvSpPr/>
-          <p:nvPr/>
-        </p:nvSpPr>
-        <p:spPr>
-          <a:xfrm>
-            <a:off x="2966485" y="4006565"/>
-            <a:ext cx="3211028" cy="592272"/>
-          </a:xfrm>
-          <a:prstGeom prst="roundRect">
-            <a:avLst/>
-          </a:prstGeom>
-        </p:spPr>
-        <p:style>
-          <a:lnRef idx="2">
-            <a:schemeClr val="accent3">
-              <a:shade val="50000"/>
-            </a:schemeClr>
-          </a:lnRef>
-          <a:fillRef idx="1">
-            <a:schemeClr val="accent3"/>
-          </a:fillRef>
-          <a:effectRef idx="0">
-            <a:schemeClr val="accent3"/>
-          </a:effectRef>
-          <a:fontRef idx="minor">
-            <a:schemeClr val="lt1"/>
-          </a:fontRef>
-        </p:style>
-        <p:txBody>
-          <a:bodyPr rtlCol="0" anchor="ctr"/>
-          <a:lstStyle/>
-          <a:p>
-            <a:pPr algn="ctr"/>
-            <a:r>
-              <a:rPr lang="ja-JP" altLang="en-US" sz="3200" dirty="0">
-                <a:latin typeface="YuKyokasho Medium" panose="02000500000000000000" pitchFamily="2" charset="-128"/>
-                <a:ea typeface="YuKyokasho Medium" panose="02000500000000000000" pitchFamily="2" charset="-128"/>
-                <a:cs typeface="ヒラギノ丸ゴ ProN W4"/>
-              </a:rPr>
-              <a:t>◯◯</a:t>
-            </a:r>
-            <a:r>
-              <a:rPr lang="en-US" altLang="ja-JP" sz="3200" dirty="0">
-                <a:latin typeface="YuKyokasho Medium" panose="02000500000000000000" pitchFamily="2" charset="-128"/>
-                <a:ea typeface="YuKyokasho Medium" panose="02000500000000000000" pitchFamily="2" charset="-128"/>
-                <a:cs typeface="ヒラギノ丸ゴ ProN W4"/>
-              </a:rPr>
-              <a:t>/</a:t>
-            </a:r>
-            <a:r>
-              <a:rPr lang="ja-JP" altLang="en-US" sz="3200" dirty="0">
-                <a:latin typeface="YuKyokasho Medium" panose="02000500000000000000" pitchFamily="2" charset="-128"/>
-                <a:ea typeface="YuKyokasho Medium" panose="02000500000000000000" pitchFamily="2" charset="-128"/>
-                <a:cs typeface="ヒラギノ丸ゴ ProN W4"/>
-              </a:rPr>
-              <a:t>□□</a:t>
-            </a:r>
-            <a:r>
-              <a:rPr lang="en-US" altLang="ja-JP" sz="3200" dirty="0">
-                <a:latin typeface="YuKyokasho Medium" panose="02000500000000000000" pitchFamily="2" charset="-128"/>
-                <a:ea typeface="YuKyokasho Medium" panose="02000500000000000000" pitchFamily="2" charset="-128"/>
-                <a:cs typeface="ヒラギノ丸ゴ ProN W4"/>
-              </a:rPr>
-              <a:t>/</a:t>
-            </a:r>
-            <a:r>
-              <a:rPr lang="ja-JP" altLang="en-US" sz="3200" dirty="0">
-                <a:latin typeface="YuKyokasho Medium" panose="02000500000000000000" pitchFamily="2" charset="-128"/>
-                <a:ea typeface="YuKyokasho Medium" panose="02000500000000000000" pitchFamily="2" charset="-128"/>
-                <a:cs typeface="ヒラギノ丸ゴ ProN W4"/>
-              </a:rPr>
-              <a:t>△△</a:t>
-            </a:r>
-          </a:p>
-        </p:txBody>
-      </p:sp>
-      <p:sp>
-        <p:nvSpPr>
-          <p:cNvPr id="11" name="角丸四角形 10">
-            <a:extLst>
-              <a:ext uri="{FF2B5EF4-FFF2-40B4-BE49-F238E27FC236}">
-                <a16:creationId xmlns:a16="http://schemas.microsoft.com/office/drawing/2014/main" id="{03B4CE29-2FFB-5749-B980-16B049578A81}"/>
-              </a:ext>
-            </a:extLst>
-          </p:cNvPr>
-          <p:cNvSpPr/>
-          <p:nvPr/>
-        </p:nvSpPr>
-        <p:spPr>
-          <a:xfrm>
-            <a:off x="2966485" y="4880971"/>
-            <a:ext cx="3211028" cy="592272"/>
-          </a:xfrm>
-          <a:prstGeom prst="roundRect">
-            <a:avLst/>
-          </a:prstGeom>
-        </p:spPr>
-        <p:style>
-          <a:lnRef idx="2">
-            <a:schemeClr val="accent3">
-              <a:shade val="50000"/>
-            </a:schemeClr>
-          </a:lnRef>
-          <a:fillRef idx="1">
-            <a:schemeClr val="accent3"/>
-          </a:fillRef>
-          <a:effectRef idx="0">
-            <a:schemeClr val="accent3"/>
-          </a:effectRef>
-          <a:fontRef idx="minor">
-            <a:schemeClr val="lt1"/>
-          </a:fontRef>
-        </p:style>
-        <p:txBody>
-          <a:bodyPr rtlCol="0" anchor="ctr"/>
-          <a:lstStyle/>
-          <a:p>
-            <a:pPr algn="ctr"/>
-            <a:r>
-              <a:rPr lang="ja-JP" altLang="en-US" sz="3200" dirty="0">
-                <a:latin typeface="YuKyokasho Medium" panose="02000500000000000000" pitchFamily="2" charset="-128"/>
-                <a:ea typeface="YuKyokasho Medium" panose="02000500000000000000" pitchFamily="2" charset="-128"/>
-                <a:cs typeface="ヒラギノ丸ゴ ProN W4"/>
-              </a:rPr>
-              <a:t>◯◯</a:t>
-            </a:r>
-            <a:r>
-              <a:rPr lang="en-US" altLang="ja-JP" sz="3200" dirty="0">
-                <a:latin typeface="YuKyokasho Medium" panose="02000500000000000000" pitchFamily="2" charset="-128"/>
-                <a:ea typeface="YuKyokasho Medium" panose="02000500000000000000" pitchFamily="2" charset="-128"/>
-                <a:cs typeface="ヒラギノ丸ゴ ProN W4"/>
-              </a:rPr>
-              <a:t>/</a:t>
-            </a:r>
-            <a:r>
-              <a:rPr lang="ja-JP" altLang="en-US" sz="3200" dirty="0">
-                <a:latin typeface="YuKyokasho Medium" panose="02000500000000000000" pitchFamily="2" charset="-128"/>
-                <a:ea typeface="YuKyokasho Medium" panose="02000500000000000000" pitchFamily="2" charset="-128"/>
-                <a:cs typeface="ヒラギノ丸ゴ ProN W4"/>
-              </a:rPr>
-              <a:t>□□</a:t>
-            </a:r>
-            <a:r>
-              <a:rPr lang="en-US" altLang="ja-JP" sz="3200" dirty="0">
-                <a:latin typeface="YuKyokasho Medium" panose="02000500000000000000" pitchFamily="2" charset="-128"/>
-                <a:ea typeface="YuKyokasho Medium" panose="02000500000000000000" pitchFamily="2" charset="-128"/>
-                <a:cs typeface="ヒラギノ丸ゴ ProN W4"/>
-              </a:rPr>
-              <a:t>/</a:t>
-            </a:r>
-            <a:r>
-              <a:rPr lang="ja-JP" altLang="en-US" sz="3200" dirty="0">
-                <a:latin typeface="YuKyokasho Medium" panose="02000500000000000000" pitchFamily="2" charset="-128"/>
-                <a:ea typeface="YuKyokasho Medium" panose="02000500000000000000" pitchFamily="2" charset="-128"/>
-                <a:cs typeface="ヒラギノ丸ゴ ProN W4"/>
-              </a:rPr>
-              <a:t>△△</a:t>
-            </a:r>
+          <p:cNvSpPr txBox="1"/>
+          <p:nvPr/>
+        </p:nvSpPr>
+        <p:spPr>
+          <a:xfrm>
+            <a:off x="6609806" y="2844236"/>
+            <a:ext cx="2238103" cy="646331"/>
+          </a:xfrm>
+          <a:prstGeom prst="rect">
+            <a:avLst/>
+          </a:prstGeom>
+          <a:noFill/>
+        </p:spPr>
+        <p:txBody>
+          <a:bodyPr wrap="square" rtlCol="0">
+            <a:spAutoFit/>
+          </a:bodyPr>
+          <a:lstStyle/>
+          <a:p>
+            <a:r>
+              <a:rPr kumimoji="1" lang="ja-JP" altLang="en-US" dirty="0"/>
+              <a:t>・データの削除</a:t>
+            </a:r>
+            <a:endParaRPr kumimoji="1" lang="en-US" altLang="ja-JP" dirty="0"/>
+          </a:p>
+          <a:p>
+            <a:r>
+              <a:rPr kumimoji="1" lang="ja-JP" altLang="en-US" dirty="0"/>
+              <a:t>・新規登録者を追加</a:t>
+            </a:r>
+            <a:endParaRPr kumimoji="1" lang="en-US" altLang="ja-JP" dirty="0"/>
           </a:p>
         </p:txBody>
       </p:sp>
     </p:spTree>
     <p:extLst>
       <p:ext uri="{BB962C8B-B14F-4D97-AF65-F5344CB8AC3E}">
-        <p14:creationId xmlns:p14="http://schemas.microsoft.com/office/powerpoint/2010/main" val="2255529545"/>
+        <p14:creationId xmlns:p14="http://schemas.microsoft.com/office/powerpoint/2010/main" val="2454877394"/>
       </p:ext>
     </p:extLst>
   </p:cSld>
@@ -8234,7 +8395,1789 @@
           <a:p>
             <a:r>
               <a:rPr kumimoji="1" lang="en-US" altLang="ja-JP" dirty="0" err="1"/>
-              <a:t>DisplayDataActivity</a:t>
+              <a:t>ReadDataActivity</a:t>
+            </a:r>
+            <a:endParaRPr kumimoji="1" lang="ja-JP" altLang="en-US" dirty="0"/>
+          </a:p>
+        </p:txBody>
+      </p:sp>
+      <p:sp>
+        <p:nvSpPr>
+          <p:cNvPr id="3" name="正方形/長方形 2">
+            <a:extLst>
+              <a:ext uri="{FF2B5EF4-FFF2-40B4-BE49-F238E27FC236}">
+                <a16:creationId xmlns:a16="http://schemas.microsoft.com/office/drawing/2014/main" id="{E060DD52-B6FF-7E46-AB73-67452F549D54}"/>
+              </a:ext>
+            </a:extLst>
+          </p:cNvPr>
+          <p:cNvSpPr/>
+          <p:nvPr/>
+        </p:nvSpPr>
+        <p:spPr>
+          <a:xfrm>
+            <a:off x="2702034" y="564226"/>
+            <a:ext cx="3739931" cy="5728138"/>
+          </a:xfrm>
+          <a:prstGeom prst="rect">
+            <a:avLst/>
+          </a:prstGeom>
+          <a:solidFill>
+            <a:schemeClr val="accent3">
+              <a:lumMod val="20000"/>
+              <a:lumOff val="80000"/>
+            </a:schemeClr>
+          </a:solidFill>
+          <a:ln/>
+        </p:spPr>
+        <p:style>
+          <a:lnRef idx="2">
+            <a:schemeClr val="accent3">
+              <a:shade val="50000"/>
+            </a:schemeClr>
+          </a:lnRef>
+          <a:fillRef idx="1">
+            <a:schemeClr val="accent3"/>
+          </a:fillRef>
+          <a:effectRef idx="0">
+            <a:schemeClr val="accent3"/>
+          </a:effectRef>
+          <a:fontRef idx="minor">
+            <a:schemeClr val="lt1"/>
+          </a:fontRef>
+        </p:style>
+        <p:txBody>
+          <a:bodyPr rtlCol="0" anchor="ctr"/>
+          <a:lstStyle/>
+          <a:p>
+            <a:pPr algn="ctr"/>
+            <a:endParaRPr kumimoji="1" lang="ja-JP" altLang="en-US"/>
+          </a:p>
+        </p:txBody>
+      </p:sp>
+      <p:sp>
+        <p:nvSpPr>
+          <p:cNvPr id="4" name="正方形/長方形 3">
+            <a:extLst>
+              <a:ext uri="{FF2B5EF4-FFF2-40B4-BE49-F238E27FC236}">
+                <a16:creationId xmlns:a16="http://schemas.microsoft.com/office/drawing/2014/main" id="{66AE9887-9E48-D740-9D05-B9749E5C8900}"/>
+              </a:ext>
+            </a:extLst>
+          </p:cNvPr>
+          <p:cNvSpPr/>
+          <p:nvPr/>
+        </p:nvSpPr>
+        <p:spPr>
+          <a:xfrm>
+            <a:off x="2702034" y="564226"/>
+            <a:ext cx="3739931" cy="506204"/>
+          </a:xfrm>
+          <a:prstGeom prst="rect">
+            <a:avLst/>
+          </a:prstGeom>
+          <a:solidFill>
+            <a:schemeClr val="accent3">
+              <a:lumMod val="75000"/>
+            </a:schemeClr>
+          </a:solidFill>
+          <a:ln/>
+        </p:spPr>
+        <p:style>
+          <a:lnRef idx="2">
+            <a:schemeClr val="accent3">
+              <a:shade val="50000"/>
+            </a:schemeClr>
+          </a:lnRef>
+          <a:fillRef idx="1">
+            <a:schemeClr val="accent3"/>
+          </a:fillRef>
+          <a:effectRef idx="0">
+            <a:schemeClr val="accent3"/>
+          </a:effectRef>
+          <a:fontRef idx="minor">
+            <a:schemeClr val="lt1"/>
+          </a:fontRef>
+        </p:style>
+        <p:txBody>
+          <a:bodyPr rtlCol="0" anchor="ctr"/>
+          <a:lstStyle/>
+          <a:p>
+            <a:pPr algn="ctr"/>
+            <a:endParaRPr kumimoji="1" lang="ja-JP" altLang="en-US" dirty="0"/>
+          </a:p>
+        </p:txBody>
+      </p:sp>
+      <p:sp>
+        <p:nvSpPr>
+          <p:cNvPr id="6" name="角丸四角形 5">
+            <a:extLst>
+              <a:ext uri="{FF2B5EF4-FFF2-40B4-BE49-F238E27FC236}">
+                <a16:creationId xmlns:a16="http://schemas.microsoft.com/office/drawing/2014/main" id="{5B33ED2F-EA50-2B47-95D0-013DF43AC142}"/>
+              </a:ext>
+            </a:extLst>
+          </p:cNvPr>
+          <p:cNvSpPr/>
+          <p:nvPr/>
+        </p:nvSpPr>
+        <p:spPr>
+          <a:xfrm>
+            <a:off x="4872252" y="5627215"/>
+            <a:ext cx="1419679" cy="522507"/>
+          </a:xfrm>
+          <a:prstGeom prst="roundRect">
+            <a:avLst/>
+          </a:prstGeom>
+        </p:spPr>
+        <p:style>
+          <a:lnRef idx="2">
+            <a:schemeClr val="accent3">
+              <a:shade val="50000"/>
+            </a:schemeClr>
+          </a:lnRef>
+          <a:fillRef idx="1">
+            <a:schemeClr val="accent3"/>
+          </a:fillRef>
+          <a:effectRef idx="0">
+            <a:schemeClr val="accent3"/>
+          </a:effectRef>
+          <a:fontRef idx="minor">
+            <a:schemeClr val="lt1"/>
+          </a:fontRef>
+        </p:style>
+        <p:txBody>
+          <a:bodyPr rtlCol="0" anchor="ctr"/>
+          <a:lstStyle/>
+          <a:p>
+            <a:pPr algn="ctr"/>
+            <a:r>
+              <a:rPr lang="ja-JP" altLang="en-US" sz="3200" dirty="0">
+                <a:latin typeface="YuKyokasho Medium" panose="02000500000000000000" pitchFamily="2" charset="-128"/>
+                <a:ea typeface="YuKyokasho Medium" panose="02000500000000000000" pitchFamily="2" charset="-128"/>
+                <a:cs typeface="ヒラギノ丸ゴ ProN W4"/>
+              </a:rPr>
+              <a:t>戻る</a:t>
+            </a:r>
+            <a:endParaRPr kumimoji="1" lang="ja-JP" altLang="en-US" sz="3200" dirty="0">
+              <a:latin typeface="YuKyokasho Medium" panose="02000500000000000000" pitchFamily="2" charset="-128"/>
+              <a:ea typeface="YuKyokasho Medium" panose="02000500000000000000" pitchFamily="2" charset="-128"/>
+              <a:cs typeface="ヒラギノ丸ゴ ProN W4"/>
+            </a:endParaRPr>
+          </a:p>
+        </p:txBody>
+      </p:sp>
+      <p:sp>
+        <p:nvSpPr>
+          <p:cNvPr id="7" name="角丸四角形 6">
+            <a:extLst>
+              <a:ext uri="{FF2B5EF4-FFF2-40B4-BE49-F238E27FC236}">
+                <a16:creationId xmlns:a16="http://schemas.microsoft.com/office/drawing/2014/main" id="{9D8F85AA-FA63-1346-8F8E-F396E9944439}"/>
+              </a:ext>
+            </a:extLst>
+          </p:cNvPr>
+          <p:cNvSpPr/>
+          <p:nvPr/>
+        </p:nvSpPr>
+        <p:spPr>
+          <a:xfrm>
+            <a:off x="2966485" y="1371769"/>
+            <a:ext cx="3211028" cy="592272"/>
+          </a:xfrm>
+          <a:prstGeom prst="roundRect">
+            <a:avLst/>
+          </a:prstGeom>
+        </p:spPr>
+        <p:style>
+          <a:lnRef idx="2">
+            <a:schemeClr val="accent3">
+              <a:shade val="50000"/>
+            </a:schemeClr>
+          </a:lnRef>
+          <a:fillRef idx="1">
+            <a:schemeClr val="accent3"/>
+          </a:fillRef>
+          <a:effectRef idx="0">
+            <a:schemeClr val="accent3"/>
+          </a:effectRef>
+          <a:fontRef idx="minor">
+            <a:schemeClr val="lt1"/>
+          </a:fontRef>
+        </p:style>
+        <p:txBody>
+          <a:bodyPr rtlCol="0" anchor="ctr"/>
+          <a:lstStyle/>
+          <a:p>
+            <a:pPr algn="ctr"/>
+            <a:r>
+              <a:rPr kumimoji="1" lang="en-US" altLang="ja-JP" sz="3200" dirty="0">
+                <a:latin typeface="YuKyokasho Medium" panose="02000500000000000000" pitchFamily="2" charset="-128"/>
+                <a:ea typeface="YuKyokasho Medium" panose="02000500000000000000" pitchFamily="2" charset="-128"/>
+                <a:cs typeface="ヒラギノ丸ゴ ProN W4"/>
+              </a:rPr>
+              <a:t>A</a:t>
+            </a:r>
+            <a:r>
+              <a:rPr kumimoji="1" lang="ja-JP" altLang="en-US" sz="3200" dirty="0">
+                <a:latin typeface="YuKyokasho Medium" panose="02000500000000000000" pitchFamily="2" charset="-128"/>
+                <a:ea typeface="YuKyokasho Medium" panose="02000500000000000000" pitchFamily="2" charset="-128"/>
+                <a:cs typeface="ヒラギノ丸ゴ ProN W4"/>
+              </a:rPr>
+              <a:t>さん</a:t>
+            </a:r>
+          </a:p>
+        </p:txBody>
+      </p:sp>
+      <p:sp>
+        <p:nvSpPr>
+          <p:cNvPr id="8" name="角丸四角形 7">
+            <a:extLst>
+              <a:ext uri="{FF2B5EF4-FFF2-40B4-BE49-F238E27FC236}">
+                <a16:creationId xmlns:a16="http://schemas.microsoft.com/office/drawing/2014/main" id="{8EF6818B-AF8D-6E4C-81DD-E9F2EDA7875F}"/>
+              </a:ext>
+            </a:extLst>
+          </p:cNvPr>
+          <p:cNvSpPr/>
+          <p:nvPr/>
+        </p:nvSpPr>
+        <p:spPr>
+          <a:xfrm>
+            <a:off x="2966485" y="2251964"/>
+            <a:ext cx="3211028" cy="592272"/>
+          </a:xfrm>
+          <a:prstGeom prst="roundRect">
+            <a:avLst/>
+          </a:prstGeom>
+        </p:spPr>
+        <p:style>
+          <a:lnRef idx="2">
+            <a:schemeClr val="accent3">
+              <a:shade val="50000"/>
+            </a:schemeClr>
+          </a:lnRef>
+          <a:fillRef idx="1">
+            <a:schemeClr val="accent3"/>
+          </a:fillRef>
+          <a:effectRef idx="0">
+            <a:schemeClr val="accent3"/>
+          </a:effectRef>
+          <a:fontRef idx="minor">
+            <a:schemeClr val="lt1"/>
+          </a:fontRef>
+        </p:style>
+        <p:txBody>
+          <a:bodyPr rtlCol="0" anchor="ctr"/>
+          <a:lstStyle/>
+          <a:p>
+            <a:pPr algn="ctr"/>
+            <a:r>
+              <a:rPr lang="en-US" altLang="ja-JP" sz="3200" dirty="0">
+                <a:latin typeface="YuKyokasho Medium" panose="02000500000000000000" pitchFamily="2" charset="-128"/>
+                <a:ea typeface="YuKyokasho Medium" panose="02000500000000000000" pitchFamily="2" charset="-128"/>
+                <a:cs typeface="ヒラギノ丸ゴ ProN W4"/>
+              </a:rPr>
+              <a:t>B</a:t>
+            </a:r>
+            <a:r>
+              <a:rPr kumimoji="1" lang="ja-JP" altLang="en-US" sz="3200" dirty="0">
+                <a:latin typeface="YuKyokasho Medium" panose="02000500000000000000" pitchFamily="2" charset="-128"/>
+                <a:ea typeface="YuKyokasho Medium" panose="02000500000000000000" pitchFamily="2" charset="-128"/>
+                <a:cs typeface="ヒラギノ丸ゴ ProN W4"/>
+              </a:rPr>
+              <a:t>さん</a:t>
+            </a:r>
+          </a:p>
+        </p:txBody>
+      </p:sp>
+      <p:sp>
+        <p:nvSpPr>
+          <p:cNvPr id="9" name="角丸四角形 8">
+            <a:extLst>
+              <a:ext uri="{FF2B5EF4-FFF2-40B4-BE49-F238E27FC236}">
+                <a16:creationId xmlns:a16="http://schemas.microsoft.com/office/drawing/2014/main" id="{7AACE191-B724-0B42-A9A3-67D7C4D873C1}"/>
+              </a:ext>
+            </a:extLst>
+          </p:cNvPr>
+          <p:cNvSpPr/>
+          <p:nvPr/>
+        </p:nvSpPr>
+        <p:spPr>
+          <a:xfrm>
+            <a:off x="2966485" y="3132159"/>
+            <a:ext cx="3211028" cy="592272"/>
+          </a:xfrm>
+          <a:prstGeom prst="roundRect">
+            <a:avLst/>
+          </a:prstGeom>
+        </p:spPr>
+        <p:style>
+          <a:lnRef idx="2">
+            <a:schemeClr val="accent3">
+              <a:shade val="50000"/>
+            </a:schemeClr>
+          </a:lnRef>
+          <a:fillRef idx="1">
+            <a:schemeClr val="accent3"/>
+          </a:fillRef>
+          <a:effectRef idx="0">
+            <a:schemeClr val="accent3"/>
+          </a:effectRef>
+          <a:fontRef idx="minor">
+            <a:schemeClr val="lt1"/>
+          </a:fontRef>
+        </p:style>
+        <p:txBody>
+          <a:bodyPr rtlCol="0" anchor="ctr"/>
+          <a:lstStyle/>
+          <a:p>
+            <a:pPr algn="ctr"/>
+            <a:r>
+              <a:rPr kumimoji="1" lang="en-US" altLang="ja-JP" sz="3200" dirty="0">
+                <a:latin typeface="YuKyokasho Medium" panose="02000500000000000000" pitchFamily="2" charset="-128"/>
+                <a:ea typeface="YuKyokasho Medium" panose="02000500000000000000" pitchFamily="2" charset="-128"/>
+                <a:cs typeface="ヒラギノ丸ゴ ProN W4"/>
+              </a:rPr>
+              <a:t>C</a:t>
+            </a:r>
+            <a:r>
+              <a:rPr kumimoji="1" lang="ja-JP" altLang="en-US" sz="3200" dirty="0">
+                <a:latin typeface="YuKyokasho Medium" panose="02000500000000000000" pitchFamily="2" charset="-128"/>
+                <a:ea typeface="YuKyokasho Medium" panose="02000500000000000000" pitchFamily="2" charset="-128"/>
+                <a:cs typeface="ヒラギノ丸ゴ ProN W4"/>
+              </a:rPr>
+              <a:t>さん</a:t>
+            </a:r>
+          </a:p>
+        </p:txBody>
+      </p:sp>
+      <p:sp>
+        <p:nvSpPr>
+          <p:cNvPr id="10" name="角丸四角形 9">
+            <a:extLst>
+              <a:ext uri="{FF2B5EF4-FFF2-40B4-BE49-F238E27FC236}">
+                <a16:creationId xmlns:a16="http://schemas.microsoft.com/office/drawing/2014/main" id="{83A59D66-CCAF-9A4C-B7E2-D57C0CA1B3A4}"/>
+              </a:ext>
+            </a:extLst>
+          </p:cNvPr>
+          <p:cNvSpPr/>
+          <p:nvPr/>
+        </p:nvSpPr>
+        <p:spPr>
+          <a:xfrm>
+            <a:off x="2966485" y="4006565"/>
+            <a:ext cx="3211028" cy="592272"/>
+          </a:xfrm>
+          <a:prstGeom prst="roundRect">
+            <a:avLst/>
+          </a:prstGeom>
+        </p:spPr>
+        <p:style>
+          <a:lnRef idx="2">
+            <a:schemeClr val="accent3">
+              <a:shade val="50000"/>
+            </a:schemeClr>
+          </a:lnRef>
+          <a:fillRef idx="1">
+            <a:schemeClr val="accent3"/>
+          </a:fillRef>
+          <a:effectRef idx="0">
+            <a:schemeClr val="accent3"/>
+          </a:effectRef>
+          <a:fontRef idx="minor">
+            <a:schemeClr val="lt1"/>
+          </a:fontRef>
+        </p:style>
+        <p:txBody>
+          <a:bodyPr rtlCol="0" anchor="ctr"/>
+          <a:lstStyle/>
+          <a:p>
+            <a:pPr algn="ctr"/>
+            <a:r>
+              <a:rPr kumimoji="1" lang="en-US" altLang="ja-JP" sz="3200" dirty="0">
+                <a:latin typeface="YuKyokasho Medium" panose="02000500000000000000" pitchFamily="2" charset="-128"/>
+                <a:ea typeface="YuKyokasho Medium" panose="02000500000000000000" pitchFamily="2" charset="-128"/>
+                <a:cs typeface="ヒラギノ丸ゴ ProN W4"/>
+              </a:rPr>
+              <a:t>D</a:t>
+            </a:r>
+            <a:r>
+              <a:rPr kumimoji="1" lang="ja-JP" altLang="en-US" sz="3200" dirty="0">
+                <a:latin typeface="YuKyokasho Medium" panose="02000500000000000000" pitchFamily="2" charset="-128"/>
+                <a:ea typeface="YuKyokasho Medium" panose="02000500000000000000" pitchFamily="2" charset="-128"/>
+                <a:cs typeface="ヒラギノ丸ゴ ProN W4"/>
+              </a:rPr>
+              <a:t>さん</a:t>
+            </a:r>
+          </a:p>
+        </p:txBody>
+      </p:sp>
+      <p:sp>
+        <p:nvSpPr>
+          <p:cNvPr id="11" name="角丸四角形 10">
+            <a:extLst>
+              <a:ext uri="{FF2B5EF4-FFF2-40B4-BE49-F238E27FC236}">
+                <a16:creationId xmlns:a16="http://schemas.microsoft.com/office/drawing/2014/main" id="{03B4CE29-2FFB-5749-B980-16B049578A81}"/>
+              </a:ext>
+            </a:extLst>
+          </p:cNvPr>
+          <p:cNvSpPr/>
+          <p:nvPr/>
+        </p:nvSpPr>
+        <p:spPr>
+          <a:xfrm>
+            <a:off x="2966485" y="4880971"/>
+            <a:ext cx="3211028" cy="592272"/>
+          </a:xfrm>
+          <a:prstGeom prst="roundRect">
+            <a:avLst/>
+          </a:prstGeom>
+        </p:spPr>
+        <p:style>
+          <a:lnRef idx="2">
+            <a:schemeClr val="accent3">
+              <a:shade val="50000"/>
+            </a:schemeClr>
+          </a:lnRef>
+          <a:fillRef idx="1">
+            <a:schemeClr val="accent3"/>
+          </a:fillRef>
+          <a:effectRef idx="0">
+            <a:schemeClr val="accent3"/>
+          </a:effectRef>
+          <a:fontRef idx="minor">
+            <a:schemeClr val="lt1"/>
+          </a:fontRef>
+        </p:style>
+        <p:txBody>
+          <a:bodyPr rtlCol="0" anchor="ctr"/>
+          <a:lstStyle/>
+          <a:p>
+            <a:pPr algn="ctr"/>
+            <a:r>
+              <a:rPr lang="en-US" altLang="ja-JP" sz="3200" dirty="0">
+                <a:latin typeface="YuKyokasho Medium" panose="02000500000000000000" pitchFamily="2" charset="-128"/>
+                <a:ea typeface="YuKyokasho Medium" panose="02000500000000000000" pitchFamily="2" charset="-128"/>
+                <a:cs typeface="ヒラギノ丸ゴ ProN W4"/>
+              </a:rPr>
+              <a:t>E</a:t>
+            </a:r>
+            <a:r>
+              <a:rPr kumimoji="1" lang="ja-JP" altLang="en-US" sz="3200" dirty="0">
+                <a:latin typeface="YuKyokasho Medium" panose="02000500000000000000" pitchFamily="2" charset="-128"/>
+                <a:ea typeface="YuKyokasho Medium" panose="02000500000000000000" pitchFamily="2" charset="-128"/>
+                <a:cs typeface="ヒラギノ丸ゴ ProN W4"/>
+              </a:rPr>
+              <a:t>さん</a:t>
+            </a:r>
+          </a:p>
+        </p:txBody>
+      </p:sp>
+    </p:spTree>
+    <p:extLst>
+      <p:ext uri="{BB962C8B-B14F-4D97-AF65-F5344CB8AC3E}">
+        <p14:creationId xmlns:p14="http://schemas.microsoft.com/office/powerpoint/2010/main" val="1476881997"/>
+      </p:ext>
+    </p:extLst>
+  </p:cSld>
+  <p:clrMapOvr>
+    <a:masterClrMapping/>
+  </p:clrMapOvr>
+</p:sld>
+</file>
+
+<file path=ppt/slides/slide2.xml><?xml version="1.0" encoding="utf-8"?>
+<p:sld xmlns:a="http://schemas.openxmlformats.org/drawingml/2006/main" xmlns:r="http://schemas.openxmlformats.org/officeDocument/2006/relationships" xmlns:p="http://schemas.openxmlformats.org/presentationml/2006/main">
+  <p:cSld>
+    <p:spTree>
+      <p:nvGrpSpPr>
+        <p:cNvPr id="1" name=""/>
+        <p:cNvGrpSpPr/>
+        <p:nvPr/>
+      </p:nvGrpSpPr>
+      <p:grpSpPr>
+        <a:xfrm>
+          <a:off x="0" y="0"/>
+          <a:ext cx="0" cy="0"/>
+          <a:chOff x="0" y="0"/>
+          <a:chExt cx="0" cy="0"/>
+        </a:xfrm>
+      </p:grpSpPr>
+      <p:sp>
+        <p:nvSpPr>
+          <p:cNvPr id="2" name="正方形/長方形 1"/>
+          <p:cNvSpPr/>
+          <p:nvPr/>
+        </p:nvSpPr>
+        <p:spPr>
+          <a:xfrm>
+            <a:off x="2702034" y="564226"/>
+            <a:ext cx="3739931" cy="5728138"/>
+          </a:xfrm>
+          <a:prstGeom prst="rect">
+            <a:avLst/>
+          </a:prstGeom>
+          <a:solidFill>
+            <a:schemeClr val="accent3">
+              <a:lumMod val="20000"/>
+              <a:lumOff val="80000"/>
+            </a:schemeClr>
+          </a:solidFill>
+          <a:ln/>
+        </p:spPr>
+        <p:style>
+          <a:lnRef idx="2">
+            <a:schemeClr val="accent3">
+              <a:shade val="50000"/>
+            </a:schemeClr>
+          </a:lnRef>
+          <a:fillRef idx="1">
+            <a:schemeClr val="accent3"/>
+          </a:fillRef>
+          <a:effectRef idx="0">
+            <a:schemeClr val="accent3"/>
+          </a:effectRef>
+          <a:fontRef idx="minor">
+            <a:schemeClr val="lt1"/>
+          </a:fontRef>
+        </p:style>
+        <p:txBody>
+          <a:bodyPr rtlCol="0" anchor="ctr"/>
+          <a:lstStyle/>
+          <a:p>
+            <a:pPr algn="ctr"/>
+            <a:endParaRPr kumimoji="1" lang="ja-JP" altLang="en-US"/>
+          </a:p>
+        </p:txBody>
+      </p:sp>
+      <p:sp>
+        <p:nvSpPr>
+          <p:cNvPr id="3" name="正方形/長方形 2"/>
+          <p:cNvSpPr/>
+          <p:nvPr/>
+        </p:nvSpPr>
+        <p:spPr>
+          <a:xfrm>
+            <a:off x="2702034" y="564226"/>
+            <a:ext cx="3739931" cy="506204"/>
+          </a:xfrm>
+          <a:prstGeom prst="rect">
+            <a:avLst/>
+          </a:prstGeom>
+          <a:solidFill>
+            <a:schemeClr val="accent3">
+              <a:lumMod val="75000"/>
+            </a:schemeClr>
+          </a:solidFill>
+          <a:ln/>
+        </p:spPr>
+        <p:style>
+          <a:lnRef idx="2">
+            <a:schemeClr val="accent3">
+              <a:shade val="50000"/>
+            </a:schemeClr>
+          </a:lnRef>
+          <a:fillRef idx="1">
+            <a:schemeClr val="accent3"/>
+          </a:fillRef>
+          <a:effectRef idx="0">
+            <a:schemeClr val="accent3"/>
+          </a:effectRef>
+          <a:fontRef idx="minor">
+            <a:schemeClr val="lt1"/>
+          </a:fontRef>
+        </p:style>
+        <p:txBody>
+          <a:bodyPr rtlCol="0" anchor="ctr"/>
+          <a:lstStyle/>
+          <a:p>
+            <a:pPr algn="ctr"/>
+            <a:endParaRPr kumimoji="1" lang="ja-JP" altLang="en-US"/>
+          </a:p>
+        </p:txBody>
+      </p:sp>
+      <p:sp>
+        <p:nvSpPr>
+          <p:cNvPr id="4" name="角丸四角形 3"/>
+          <p:cNvSpPr/>
+          <p:nvPr/>
+        </p:nvSpPr>
+        <p:spPr>
+          <a:xfrm>
+            <a:off x="2916464" y="1805215"/>
+            <a:ext cx="3311072" cy="997856"/>
+          </a:xfrm>
+          <a:prstGeom prst="roundRect">
+            <a:avLst/>
+          </a:prstGeom>
+        </p:spPr>
+        <p:style>
+          <a:lnRef idx="2">
+            <a:schemeClr val="accent3">
+              <a:shade val="50000"/>
+            </a:schemeClr>
+          </a:lnRef>
+          <a:fillRef idx="1">
+            <a:schemeClr val="accent3"/>
+          </a:fillRef>
+          <a:effectRef idx="0">
+            <a:schemeClr val="accent3"/>
+          </a:effectRef>
+          <a:fontRef idx="minor">
+            <a:schemeClr val="lt1"/>
+          </a:fontRef>
+        </p:style>
+        <p:txBody>
+          <a:bodyPr rtlCol="0" anchor="ctr"/>
+          <a:lstStyle/>
+          <a:p>
+            <a:pPr algn="ctr"/>
+            <a:r>
+              <a:rPr lang="ja-JP" altLang="en-US" sz="3200" dirty="0">
+                <a:latin typeface="YuKyokasho Medium" panose="02000500000000000000" pitchFamily="2" charset="-128"/>
+                <a:ea typeface="YuKyokasho Medium" panose="02000500000000000000" pitchFamily="2" charset="-128"/>
+                <a:cs typeface="ヒラギノ丸ゴ ProN W4"/>
+              </a:rPr>
+              <a:t>挑戦モード選択</a:t>
+            </a:r>
+            <a:endParaRPr kumimoji="1" lang="ja-JP" altLang="en-US" sz="3200" dirty="0">
+              <a:latin typeface="YuKyokasho Medium" panose="02000500000000000000" pitchFamily="2" charset="-128"/>
+              <a:ea typeface="YuKyokasho Medium" panose="02000500000000000000" pitchFamily="2" charset="-128"/>
+              <a:cs typeface="ヒラギノ丸ゴ ProN W4"/>
+            </a:endParaRPr>
+          </a:p>
+        </p:txBody>
+      </p:sp>
+      <p:sp>
+        <p:nvSpPr>
+          <p:cNvPr id="6" name="角丸四角形 5"/>
+          <p:cNvSpPr/>
+          <p:nvPr/>
+        </p:nvSpPr>
+        <p:spPr>
+          <a:xfrm>
+            <a:off x="2916464" y="3429000"/>
+            <a:ext cx="3311072" cy="997856"/>
+          </a:xfrm>
+          <a:prstGeom prst="roundRect">
+            <a:avLst/>
+          </a:prstGeom>
+        </p:spPr>
+        <p:style>
+          <a:lnRef idx="2">
+            <a:schemeClr val="accent3">
+              <a:shade val="50000"/>
+            </a:schemeClr>
+          </a:lnRef>
+          <a:fillRef idx="1">
+            <a:schemeClr val="accent3"/>
+          </a:fillRef>
+          <a:effectRef idx="0">
+            <a:schemeClr val="accent3"/>
+          </a:effectRef>
+          <a:fontRef idx="minor">
+            <a:schemeClr val="lt1"/>
+          </a:fontRef>
+        </p:style>
+        <p:txBody>
+          <a:bodyPr rtlCol="0" anchor="ctr"/>
+          <a:lstStyle/>
+          <a:p>
+            <a:pPr algn="ctr"/>
+            <a:r>
+              <a:rPr kumimoji="1" lang="ja-JP" altLang="en-US" sz="3600" dirty="0">
+                <a:latin typeface="YuKyokasho Medium" panose="02000500000000000000" pitchFamily="2" charset="-128"/>
+                <a:ea typeface="YuKyokasho Medium" panose="02000500000000000000" pitchFamily="2" charset="-128"/>
+                <a:cs typeface="ヒラギノ丸ゴ ProN W4"/>
+              </a:rPr>
+              <a:t>計測データ</a:t>
+            </a:r>
+          </a:p>
+        </p:txBody>
+      </p:sp>
+      <p:sp>
+        <p:nvSpPr>
+          <p:cNvPr id="8" name="角丸四角形 7">
+            <a:extLst>
+              <a:ext uri="{FF2B5EF4-FFF2-40B4-BE49-F238E27FC236}">
+                <a16:creationId xmlns:a16="http://schemas.microsoft.com/office/drawing/2014/main" id="{6772C010-D67F-9041-B45E-A575057ECFEC}"/>
+              </a:ext>
+            </a:extLst>
+          </p:cNvPr>
+          <p:cNvSpPr/>
+          <p:nvPr/>
+        </p:nvSpPr>
+        <p:spPr>
+          <a:xfrm>
+            <a:off x="4572001" y="5125719"/>
+            <a:ext cx="1655535" cy="778328"/>
+          </a:xfrm>
+          <a:prstGeom prst="roundRect">
+            <a:avLst/>
+          </a:prstGeom>
+        </p:spPr>
+        <p:style>
+          <a:lnRef idx="2">
+            <a:schemeClr val="accent3">
+              <a:shade val="50000"/>
+            </a:schemeClr>
+          </a:lnRef>
+          <a:fillRef idx="1">
+            <a:schemeClr val="accent3"/>
+          </a:fillRef>
+          <a:effectRef idx="0">
+            <a:schemeClr val="accent3"/>
+          </a:effectRef>
+          <a:fontRef idx="minor">
+            <a:schemeClr val="lt1"/>
+          </a:fontRef>
+        </p:style>
+        <p:txBody>
+          <a:bodyPr rtlCol="0" anchor="ctr"/>
+          <a:lstStyle/>
+          <a:p>
+            <a:pPr algn="ctr"/>
+            <a:r>
+              <a:rPr kumimoji="1" lang="ja-JP" altLang="en-US" sz="3600" dirty="0">
+                <a:latin typeface="YuKyokasho Medium" panose="02000500000000000000" pitchFamily="2" charset="-128"/>
+                <a:ea typeface="YuKyokasho Medium" panose="02000500000000000000" pitchFamily="2" charset="-128"/>
+                <a:cs typeface="ヒラギノ丸ゴ ProN W4"/>
+              </a:rPr>
+              <a:t>使い方</a:t>
+            </a:r>
+          </a:p>
+        </p:txBody>
+      </p:sp>
+      <p:sp>
+        <p:nvSpPr>
+          <p:cNvPr id="10" name="テキスト ボックス 9">
+            <a:extLst>
+              <a:ext uri="{FF2B5EF4-FFF2-40B4-BE49-F238E27FC236}">
+                <a16:creationId xmlns:a16="http://schemas.microsoft.com/office/drawing/2014/main" id="{398D6FAC-6CEF-A140-A3A9-0514D1DA3828}"/>
+              </a:ext>
+            </a:extLst>
+          </p:cNvPr>
+          <p:cNvSpPr txBox="1"/>
+          <p:nvPr/>
+        </p:nvSpPr>
+        <p:spPr>
+          <a:xfrm>
+            <a:off x="6656395" y="3428295"/>
+            <a:ext cx="2228487" cy="1754326"/>
+          </a:xfrm>
+          <a:prstGeom prst="rect">
+            <a:avLst/>
+          </a:prstGeom>
+          <a:noFill/>
+        </p:spPr>
+        <p:txBody>
+          <a:bodyPr wrap="square" rtlCol="0">
+            <a:spAutoFit/>
+          </a:bodyPr>
+          <a:lstStyle/>
+          <a:p>
+            <a:r>
+              <a:rPr kumimoji="1" lang="ja-JP" altLang="en-US" dirty="0"/>
+              <a:t>・「計測データ」では記録者の追加</a:t>
+            </a:r>
+            <a:r>
+              <a:rPr kumimoji="1" lang="en-US" altLang="ja-JP" dirty="0"/>
+              <a:t>or</a:t>
+            </a:r>
+            <a:r>
+              <a:rPr kumimoji="1" lang="ja-JP" altLang="en-US" dirty="0"/>
+              <a:t>削除が可</a:t>
+            </a:r>
+            <a:endParaRPr kumimoji="1" lang="en-US" altLang="ja-JP" dirty="0"/>
+          </a:p>
+          <a:p>
+            <a:r>
+              <a:rPr lang="ja-JP" altLang="en-US" dirty="0"/>
+              <a:t>・記録をメールで送信</a:t>
+            </a:r>
+            <a:endParaRPr lang="en-US" altLang="ja-JP" dirty="0"/>
+          </a:p>
+          <a:p>
+            <a:r>
+              <a:rPr kumimoji="1" lang="ja-JP" altLang="en-US" dirty="0"/>
+              <a:t>（全ての記録を一括で？）</a:t>
+            </a:r>
+            <a:endParaRPr kumimoji="1" lang="en-US" altLang="ja-JP" dirty="0"/>
+          </a:p>
+        </p:txBody>
+      </p:sp>
+      <p:sp>
+        <p:nvSpPr>
+          <p:cNvPr id="5" name="テキスト ボックス 4">
+            <a:extLst>
+              <a:ext uri="{FF2B5EF4-FFF2-40B4-BE49-F238E27FC236}">
+                <a16:creationId xmlns:a16="http://schemas.microsoft.com/office/drawing/2014/main" id="{FD09E114-4078-D74C-9CC8-36E55C5D13B5}"/>
+              </a:ext>
+            </a:extLst>
+          </p:cNvPr>
+          <p:cNvSpPr txBox="1"/>
+          <p:nvPr/>
+        </p:nvSpPr>
+        <p:spPr>
+          <a:xfrm>
+            <a:off x="340242" y="446567"/>
+            <a:ext cx="1701209" cy="369332"/>
+          </a:xfrm>
+          <a:prstGeom prst="rect">
+            <a:avLst/>
+          </a:prstGeom>
+          <a:noFill/>
+        </p:spPr>
+        <p:txBody>
+          <a:bodyPr wrap="square" rtlCol="0">
+            <a:spAutoFit/>
+          </a:bodyPr>
+          <a:lstStyle/>
+          <a:p>
+            <a:r>
+              <a:rPr kumimoji="1" lang="en-US" altLang="ja-JP" dirty="0" err="1"/>
+              <a:t>MenuActivity</a:t>
+            </a:r>
+            <a:endParaRPr kumimoji="1" lang="ja-JP" altLang="en-US" dirty="0"/>
+          </a:p>
+        </p:txBody>
+      </p:sp>
+    </p:spTree>
+    <p:extLst>
+      <p:ext uri="{BB962C8B-B14F-4D97-AF65-F5344CB8AC3E}">
+        <p14:creationId xmlns:p14="http://schemas.microsoft.com/office/powerpoint/2010/main" val="2372938064"/>
+      </p:ext>
+    </p:extLst>
+  </p:cSld>
+  <p:clrMapOvr>
+    <a:masterClrMapping/>
+  </p:clrMapOvr>
+</p:sld>
+</file>
+
+<file path=ppt/slides/slide20.xml><?xml version="1.0" encoding="utf-8"?>
+<p:sld xmlns:a="http://schemas.openxmlformats.org/drawingml/2006/main" xmlns:r="http://schemas.openxmlformats.org/officeDocument/2006/relationships" xmlns:p="http://schemas.openxmlformats.org/presentationml/2006/main">
+  <p:cSld>
+    <p:spTree>
+      <p:nvGrpSpPr>
+        <p:cNvPr id="1" name=""/>
+        <p:cNvGrpSpPr/>
+        <p:nvPr/>
+      </p:nvGrpSpPr>
+      <p:grpSpPr>
+        <a:xfrm>
+          <a:off x="0" y="0"/>
+          <a:ext cx="0" cy="0"/>
+          <a:chOff x="0" y="0"/>
+          <a:chExt cx="0" cy="0"/>
+        </a:xfrm>
+      </p:grpSpPr>
+      <p:sp>
+        <p:nvSpPr>
+          <p:cNvPr id="2" name="テキスト ボックス 1">
+            <a:extLst>
+              <a:ext uri="{FF2B5EF4-FFF2-40B4-BE49-F238E27FC236}">
+                <a16:creationId xmlns:a16="http://schemas.microsoft.com/office/drawing/2014/main" id="{65B61FA8-7BEB-EE4F-BA4A-1B68D4A8A60B}"/>
+              </a:ext>
+            </a:extLst>
+          </p:cNvPr>
+          <p:cNvSpPr txBox="1"/>
+          <p:nvPr/>
+        </p:nvSpPr>
+        <p:spPr>
+          <a:xfrm>
+            <a:off x="205436" y="564226"/>
+            <a:ext cx="2154992" cy="369332"/>
+          </a:xfrm>
+          <a:prstGeom prst="rect">
+            <a:avLst/>
+          </a:prstGeom>
+          <a:noFill/>
+        </p:spPr>
+        <p:txBody>
+          <a:bodyPr wrap="square" rtlCol="0">
+            <a:spAutoFit/>
+          </a:bodyPr>
+          <a:lstStyle/>
+          <a:p>
+            <a:r>
+              <a:rPr kumimoji="1" lang="en-US" altLang="ja-JP" dirty="0" err="1"/>
+              <a:t>ReadDataActivity</a:t>
+            </a:r>
+            <a:endParaRPr kumimoji="1" lang="ja-JP" altLang="en-US" dirty="0"/>
+          </a:p>
+        </p:txBody>
+      </p:sp>
+      <p:sp>
+        <p:nvSpPr>
+          <p:cNvPr id="3" name="正方形/長方形 2">
+            <a:extLst>
+              <a:ext uri="{FF2B5EF4-FFF2-40B4-BE49-F238E27FC236}">
+                <a16:creationId xmlns:a16="http://schemas.microsoft.com/office/drawing/2014/main" id="{E060DD52-B6FF-7E46-AB73-67452F549D54}"/>
+              </a:ext>
+            </a:extLst>
+          </p:cNvPr>
+          <p:cNvSpPr/>
+          <p:nvPr/>
+        </p:nvSpPr>
+        <p:spPr>
+          <a:xfrm>
+            <a:off x="2702034" y="564226"/>
+            <a:ext cx="3739931" cy="5728138"/>
+          </a:xfrm>
+          <a:prstGeom prst="rect">
+            <a:avLst/>
+          </a:prstGeom>
+          <a:solidFill>
+            <a:schemeClr val="accent3">
+              <a:lumMod val="20000"/>
+              <a:lumOff val="80000"/>
+            </a:schemeClr>
+          </a:solidFill>
+          <a:ln/>
+        </p:spPr>
+        <p:style>
+          <a:lnRef idx="2">
+            <a:schemeClr val="accent3">
+              <a:shade val="50000"/>
+            </a:schemeClr>
+          </a:lnRef>
+          <a:fillRef idx="1">
+            <a:schemeClr val="accent3"/>
+          </a:fillRef>
+          <a:effectRef idx="0">
+            <a:schemeClr val="accent3"/>
+          </a:effectRef>
+          <a:fontRef idx="minor">
+            <a:schemeClr val="lt1"/>
+          </a:fontRef>
+        </p:style>
+        <p:txBody>
+          <a:bodyPr rtlCol="0" anchor="ctr"/>
+          <a:lstStyle/>
+          <a:p>
+            <a:pPr algn="ctr"/>
+            <a:endParaRPr kumimoji="1" lang="ja-JP" altLang="en-US"/>
+          </a:p>
+        </p:txBody>
+      </p:sp>
+      <p:sp>
+        <p:nvSpPr>
+          <p:cNvPr id="4" name="正方形/長方形 3">
+            <a:extLst>
+              <a:ext uri="{FF2B5EF4-FFF2-40B4-BE49-F238E27FC236}">
+                <a16:creationId xmlns:a16="http://schemas.microsoft.com/office/drawing/2014/main" id="{66AE9887-9E48-D740-9D05-B9749E5C8900}"/>
+              </a:ext>
+            </a:extLst>
+          </p:cNvPr>
+          <p:cNvSpPr/>
+          <p:nvPr/>
+        </p:nvSpPr>
+        <p:spPr>
+          <a:xfrm>
+            <a:off x="2702034" y="564226"/>
+            <a:ext cx="3739931" cy="506204"/>
+          </a:xfrm>
+          <a:prstGeom prst="rect">
+            <a:avLst/>
+          </a:prstGeom>
+          <a:solidFill>
+            <a:schemeClr val="accent3">
+              <a:lumMod val="75000"/>
+            </a:schemeClr>
+          </a:solidFill>
+          <a:ln/>
+        </p:spPr>
+        <p:style>
+          <a:lnRef idx="2">
+            <a:schemeClr val="accent3">
+              <a:shade val="50000"/>
+            </a:schemeClr>
+          </a:lnRef>
+          <a:fillRef idx="1">
+            <a:schemeClr val="accent3"/>
+          </a:fillRef>
+          <a:effectRef idx="0">
+            <a:schemeClr val="accent3"/>
+          </a:effectRef>
+          <a:fontRef idx="minor">
+            <a:schemeClr val="lt1"/>
+          </a:fontRef>
+        </p:style>
+        <p:txBody>
+          <a:bodyPr rtlCol="0" anchor="ctr"/>
+          <a:lstStyle/>
+          <a:p>
+            <a:pPr algn="ctr"/>
+            <a:endParaRPr kumimoji="1" lang="ja-JP" altLang="en-US" dirty="0"/>
+          </a:p>
+        </p:txBody>
+      </p:sp>
+      <p:sp>
+        <p:nvSpPr>
+          <p:cNvPr id="6" name="角丸四角形 5">
+            <a:extLst>
+              <a:ext uri="{FF2B5EF4-FFF2-40B4-BE49-F238E27FC236}">
+                <a16:creationId xmlns:a16="http://schemas.microsoft.com/office/drawing/2014/main" id="{5B33ED2F-EA50-2B47-95D0-013DF43AC142}"/>
+              </a:ext>
+            </a:extLst>
+          </p:cNvPr>
+          <p:cNvSpPr/>
+          <p:nvPr/>
+        </p:nvSpPr>
+        <p:spPr>
+          <a:xfrm>
+            <a:off x="4872252" y="5627215"/>
+            <a:ext cx="1419679" cy="522507"/>
+          </a:xfrm>
+          <a:prstGeom prst="roundRect">
+            <a:avLst/>
+          </a:prstGeom>
+        </p:spPr>
+        <p:style>
+          <a:lnRef idx="2">
+            <a:schemeClr val="accent3">
+              <a:shade val="50000"/>
+            </a:schemeClr>
+          </a:lnRef>
+          <a:fillRef idx="1">
+            <a:schemeClr val="accent3"/>
+          </a:fillRef>
+          <a:effectRef idx="0">
+            <a:schemeClr val="accent3"/>
+          </a:effectRef>
+          <a:fontRef idx="minor">
+            <a:schemeClr val="lt1"/>
+          </a:fontRef>
+        </p:style>
+        <p:txBody>
+          <a:bodyPr rtlCol="0" anchor="ctr"/>
+          <a:lstStyle/>
+          <a:p>
+            <a:pPr algn="ctr"/>
+            <a:r>
+              <a:rPr lang="ja-JP" altLang="en-US" sz="3200" dirty="0">
+                <a:latin typeface="YuKyokasho Medium" panose="02000500000000000000" pitchFamily="2" charset="-128"/>
+                <a:ea typeface="YuKyokasho Medium" panose="02000500000000000000" pitchFamily="2" charset="-128"/>
+                <a:cs typeface="ヒラギノ丸ゴ ProN W4"/>
+              </a:rPr>
+              <a:t>戻る</a:t>
+            </a:r>
+            <a:endParaRPr kumimoji="1" lang="ja-JP" altLang="en-US" sz="3200" dirty="0">
+              <a:latin typeface="YuKyokasho Medium" panose="02000500000000000000" pitchFamily="2" charset="-128"/>
+              <a:ea typeface="YuKyokasho Medium" panose="02000500000000000000" pitchFamily="2" charset="-128"/>
+              <a:cs typeface="ヒラギノ丸ゴ ProN W4"/>
+            </a:endParaRPr>
+          </a:p>
+        </p:txBody>
+      </p:sp>
+      <p:sp>
+        <p:nvSpPr>
+          <p:cNvPr id="7" name="角丸四角形 6">
+            <a:extLst>
+              <a:ext uri="{FF2B5EF4-FFF2-40B4-BE49-F238E27FC236}">
+                <a16:creationId xmlns:a16="http://schemas.microsoft.com/office/drawing/2014/main" id="{9D8F85AA-FA63-1346-8F8E-F396E9944439}"/>
+              </a:ext>
+            </a:extLst>
+          </p:cNvPr>
+          <p:cNvSpPr/>
+          <p:nvPr/>
+        </p:nvSpPr>
+        <p:spPr>
+          <a:xfrm>
+            <a:off x="2966485" y="1371769"/>
+            <a:ext cx="3211028" cy="592272"/>
+          </a:xfrm>
+          <a:prstGeom prst="roundRect">
+            <a:avLst/>
+          </a:prstGeom>
+        </p:spPr>
+        <p:style>
+          <a:lnRef idx="2">
+            <a:schemeClr val="accent3">
+              <a:shade val="50000"/>
+            </a:schemeClr>
+          </a:lnRef>
+          <a:fillRef idx="1">
+            <a:schemeClr val="accent3"/>
+          </a:fillRef>
+          <a:effectRef idx="0">
+            <a:schemeClr val="accent3"/>
+          </a:effectRef>
+          <a:fontRef idx="minor">
+            <a:schemeClr val="lt1"/>
+          </a:fontRef>
+        </p:style>
+        <p:txBody>
+          <a:bodyPr rtlCol="0" anchor="ctr"/>
+          <a:lstStyle/>
+          <a:p>
+            <a:pPr algn="ctr"/>
+            <a:r>
+              <a:rPr lang="ja-JP" altLang="en-US" sz="3200" dirty="0">
+                <a:latin typeface="YuKyokasho Medium" panose="02000500000000000000" pitchFamily="2" charset="-128"/>
+                <a:ea typeface="YuKyokasho Medium" panose="02000500000000000000" pitchFamily="2" charset="-128"/>
+                <a:cs typeface="ヒラギノ丸ゴ ProN W4"/>
+              </a:rPr>
+              <a:t>◯◯</a:t>
+            </a:r>
+            <a:r>
+              <a:rPr lang="en-US" altLang="ja-JP" sz="3200" dirty="0">
+                <a:latin typeface="YuKyokasho Medium" panose="02000500000000000000" pitchFamily="2" charset="-128"/>
+                <a:ea typeface="YuKyokasho Medium" panose="02000500000000000000" pitchFamily="2" charset="-128"/>
+                <a:cs typeface="ヒラギノ丸ゴ ProN W4"/>
+              </a:rPr>
+              <a:t>/</a:t>
+            </a:r>
+            <a:r>
+              <a:rPr lang="ja-JP" altLang="en-US" sz="3200" dirty="0">
+                <a:latin typeface="YuKyokasho Medium" panose="02000500000000000000" pitchFamily="2" charset="-128"/>
+                <a:ea typeface="YuKyokasho Medium" panose="02000500000000000000" pitchFamily="2" charset="-128"/>
+                <a:cs typeface="ヒラギノ丸ゴ ProN W4"/>
+              </a:rPr>
+              <a:t>□□</a:t>
+            </a:r>
+            <a:r>
+              <a:rPr lang="en-US" altLang="ja-JP" sz="3200" dirty="0">
+                <a:latin typeface="YuKyokasho Medium" panose="02000500000000000000" pitchFamily="2" charset="-128"/>
+                <a:ea typeface="YuKyokasho Medium" panose="02000500000000000000" pitchFamily="2" charset="-128"/>
+                <a:cs typeface="ヒラギノ丸ゴ ProN W4"/>
+              </a:rPr>
+              <a:t>/</a:t>
+            </a:r>
+            <a:r>
+              <a:rPr lang="ja-JP" altLang="en-US" sz="3200" dirty="0">
+                <a:latin typeface="YuKyokasho Medium" panose="02000500000000000000" pitchFamily="2" charset="-128"/>
+                <a:ea typeface="YuKyokasho Medium" panose="02000500000000000000" pitchFamily="2" charset="-128"/>
+                <a:cs typeface="ヒラギノ丸ゴ ProN W4"/>
+              </a:rPr>
+              <a:t>△△</a:t>
+            </a:r>
+            <a:endParaRPr kumimoji="1" lang="ja-JP" altLang="en-US" sz="3200" dirty="0">
+              <a:latin typeface="YuKyokasho Medium" panose="02000500000000000000" pitchFamily="2" charset="-128"/>
+              <a:ea typeface="YuKyokasho Medium" panose="02000500000000000000" pitchFamily="2" charset="-128"/>
+              <a:cs typeface="ヒラギノ丸ゴ ProN W4"/>
+            </a:endParaRPr>
+          </a:p>
+        </p:txBody>
+      </p:sp>
+      <p:sp>
+        <p:nvSpPr>
+          <p:cNvPr id="8" name="角丸四角形 7">
+            <a:extLst>
+              <a:ext uri="{FF2B5EF4-FFF2-40B4-BE49-F238E27FC236}">
+                <a16:creationId xmlns:a16="http://schemas.microsoft.com/office/drawing/2014/main" id="{8EF6818B-AF8D-6E4C-81DD-E9F2EDA7875F}"/>
+              </a:ext>
+            </a:extLst>
+          </p:cNvPr>
+          <p:cNvSpPr/>
+          <p:nvPr/>
+        </p:nvSpPr>
+        <p:spPr>
+          <a:xfrm>
+            <a:off x="2966485" y="2251964"/>
+            <a:ext cx="3211028" cy="592272"/>
+          </a:xfrm>
+          <a:prstGeom prst="roundRect">
+            <a:avLst/>
+          </a:prstGeom>
+        </p:spPr>
+        <p:style>
+          <a:lnRef idx="2">
+            <a:schemeClr val="accent3">
+              <a:shade val="50000"/>
+            </a:schemeClr>
+          </a:lnRef>
+          <a:fillRef idx="1">
+            <a:schemeClr val="accent3"/>
+          </a:fillRef>
+          <a:effectRef idx="0">
+            <a:schemeClr val="accent3"/>
+          </a:effectRef>
+          <a:fontRef idx="minor">
+            <a:schemeClr val="lt1"/>
+          </a:fontRef>
+        </p:style>
+        <p:txBody>
+          <a:bodyPr rtlCol="0" anchor="ctr"/>
+          <a:lstStyle/>
+          <a:p>
+            <a:pPr algn="ctr"/>
+            <a:r>
+              <a:rPr lang="ja-JP" altLang="en-US" sz="3200" dirty="0">
+                <a:latin typeface="YuKyokasho Medium" panose="02000500000000000000" pitchFamily="2" charset="-128"/>
+                <a:ea typeface="YuKyokasho Medium" panose="02000500000000000000" pitchFamily="2" charset="-128"/>
+                <a:cs typeface="ヒラギノ丸ゴ ProN W4"/>
+              </a:rPr>
+              <a:t>◯◯</a:t>
+            </a:r>
+            <a:r>
+              <a:rPr lang="en-US" altLang="ja-JP" sz="3200" dirty="0">
+                <a:latin typeface="YuKyokasho Medium" panose="02000500000000000000" pitchFamily="2" charset="-128"/>
+                <a:ea typeface="YuKyokasho Medium" panose="02000500000000000000" pitchFamily="2" charset="-128"/>
+                <a:cs typeface="ヒラギノ丸ゴ ProN W4"/>
+              </a:rPr>
+              <a:t>/</a:t>
+            </a:r>
+            <a:r>
+              <a:rPr lang="ja-JP" altLang="en-US" sz="3200" dirty="0">
+                <a:latin typeface="YuKyokasho Medium" panose="02000500000000000000" pitchFamily="2" charset="-128"/>
+                <a:ea typeface="YuKyokasho Medium" panose="02000500000000000000" pitchFamily="2" charset="-128"/>
+                <a:cs typeface="ヒラギノ丸ゴ ProN W4"/>
+              </a:rPr>
+              <a:t>□□</a:t>
+            </a:r>
+            <a:r>
+              <a:rPr lang="en-US" altLang="ja-JP" sz="3200" dirty="0">
+                <a:latin typeface="YuKyokasho Medium" panose="02000500000000000000" pitchFamily="2" charset="-128"/>
+                <a:ea typeface="YuKyokasho Medium" panose="02000500000000000000" pitchFamily="2" charset="-128"/>
+                <a:cs typeface="ヒラギノ丸ゴ ProN W4"/>
+              </a:rPr>
+              <a:t>/</a:t>
+            </a:r>
+            <a:r>
+              <a:rPr lang="ja-JP" altLang="en-US" sz="3200" dirty="0">
+                <a:latin typeface="YuKyokasho Medium" panose="02000500000000000000" pitchFamily="2" charset="-128"/>
+                <a:ea typeface="YuKyokasho Medium" panose="02000500000000000000" pitchFamily="2" charset="-128"/>
+                <a:cs typeface="ヒラギノ丸ゴ ProN W4"/>
+              </a:rPr>
+              <a:t>△△</a:t>
+            </a:r>
+          </a:p>
+        </p:txBody>
+      </p:sp>
+      <p:sp>
+        <p:nvSpPr>
+          <p:cNvPr id="9" name="角丸四角形 8">
+            <a:extLst>
+              <a:ext uri="{FF2B5EF4-FFF2-40B4-BE49-F238E27FC236}">
+                <a16:creationId xmlns:a16="http://schemas.microsoft.com/office/drawing/2014/main" id="{7AACE191-B724-0B42-A9A3-67D7C4D873C1}"/>
+              </a:ext>
+            </a:extLst>
+          </p:cNvPr>
+          <p:cNvSpPr/>
+          <p:nvPr/>
+        </p:nvSpPr>
+        <p:spPr>
+          <a:xfrm>
+            <a:off x="2966485" y="3132159"/>
+            <a:ext cx="3211028" cy="592272"/>
+          </a:xfrm>
+          <a:prstGeom prst="roundRect">
+            <a:avLst/>
+          </a:prstGeom>
+        </p:spPr>
+        <p:style>
+          <a:lnRef idx="2">
+            <a:schemeClr val="accent3">
+              <a:shade val="50000"/>
+            </a:schemeClr>
+          </a:lnRef>
+          <a:fillRef idx="1">
+            <a:schemeClr val="accent3"/>
+          </a:fillRef>
+          <a:effectRef idx="0">
+            <a:schemeClr val="accent3"/>
+          </a:effectRef>
+          <a:fontRef idx="minor">
+            <a:schemeClr val="lt1"/>
+          </a:fontRef>
+        </p:style>
+        <p:txBody>
+          <a:bodyPr rtlCol="0" anchor="ctr"/>
+          <a:lstStyle/>
+          <a:p>
+            <a:pPr algn="ctr"/>
+            <a:r>
+              <a:rPr lang="ja-JP" altLang="en-US" sz="3200" dirty="0">
+                <a:latin typeface="YuKyokasho Medium" panose="02000500000000000000" pitchFamily="2" charset="-128"/>
+                <a:ea typeface="YuKyokasho Medium" panose="02000500000000000000" pitchFamily="2" charset="-128"/>
+                <a:cs typeface="ヒラギノ丸ゴ ProN W4"/>
+              </a:rPr>
+              <a:t>◯◯</a:t>
+            </a:r>
+            <a:r>
+              <a:rPr lang="en-US" altLang="ja-JP" sz="3200" dirty="0">
+                <a:latin typeface="YuKyokasho Medium" panose="02000500000000000000" pitchFamily="2" charset="-128"/>
+                <a:ea typeface="YuKyokasho Medium" panose="02000500000000000000" pitchFamily="2" charset="-128"/>
+                <a:cs typeface="ヒラギノ丸ゴ ProN W4"/>
+              </a:rPr>
+              <a:t>/</a:t>
+            </a:r>
+            <a:r>
+              <a:rPr lang="ja-JP" altLang="en-US" sz="3200" dirty="0">
+                <a:latin typeface="YuKyokasho Medium" panose="02000500000000000000" pitchFamily="2" charset="-128"/>
+                <a:ea typeface="YuKyokasho Medium" panose="02000500000000000000" pitchFamily="2" charset="-128"/>
+                <a:cs typeface="ヒラギノ丸ゴ ProN W4"/>
+              </a:rPr>
+              <a:t>□□</a:t>
+            </a:r>
+            <a:r>
+              <a:rPr lang="en-US" altLang="ja-JP" sz="3200" dirty="0">
+                <a:latin typeface="YuKyokasho Medium" panose="02000500000000000000" pitchFamily="2" charset="-128"/>
+                <a:ea typeface="YuKyokasho Medium" panose="02000500000000000000" pitchFamily="2" charset="-128"/>
+                <a:cs typeface="ヒラギノ丸ゴ ProN W4"/>
+              </a:rPr>
+              <a:t>/</a:t>
+            </a:r>
+            <a:r>
+              <a:rPr lang="ja-JP" altLang="en-US" sz="3200" dirty="0">
+                <a:latin typeface="YuKyokasho Medium" panose="02000500000000000000" pitchFamily="2" charset="-128"/>
+                <a:ea typeface="YuKyokasho Medium" panose="02000500000000000000" pitchFamily="2" charset="-128"/>
+                <a:cs typeface="ヒラギノ丸ゴ ProN W4"/>
+              </a:rPr>
+              <a:t>△△</a:t>
+            </a:r>
+          </a:p>
+        </p:txBody>
+      </p:sp>
+      <p:sp>
+        <p:nvSpPr>
+          <p:cNvPr id="10" name="角丸四角形 9">
+            <a:extLst>
+              <a:ext uri="{FF2B5EF4-FFF2-40B4-BE49-F238E27FC236}">
+                <a16:creationId xmlns:a16="http://schemas.microsoft.com/office/drawing/2014/main" id="{83A59D66-CCAF-9A4C-B7E2-D57C0CA1B3A4}"/>
+              </a:ext>
+            </a:extLst>
+          </p:cNvPr>
+          <p:cNvSpPr/>
+          <p:nvPr/>
+        </p:nvSpPr>
+        <p:spPr>
+          <a:xfrm>
+            <a:off x="2966485" y="4006565"/>
+            <a:ext cx="3211028" cy="592272"/>
+          </a:xfrm>
+          <a:prstGeom prst="roundRect">
+            <a:avLst/>
+          </a:prstGeom>
+        </p:spPr>
+        <p:style>
+          <a:lnRef idx="2">
+            <a:schemeClr val="accent3">
+              <a:shade val="50000"/>
+            </a:schemeClr>
+          </a:lnRef>
+          <a:fillRef idx="1">
+            <a:schemeClr val="accent3"/>
+          </a:fillRef>
+          <a:effectRef idx="0">
+            <a:schemeClr val="accent3"/>
+          </a:effectRef>
+          <a:fontRef idx="minor">
+            <a:schemeClr val="lt1"/>
+          </a:fontRef>
+        </p:style>
+        <p:txBody>
+          <a:bodyPr rtlCol="0" anchor="ctr"/>
+          <a:lstStyle/>
+          <a:p>
+            <a:pPr algn="ctr"/>
+            <a:r>
+              <a:rPr lang="ja-JP" altLang="en-US" sz="3200" dirty="0">
+                <a:latin typeface="YuKyokasho Medium" panose="02000500000000000000" pitchFamily="2" charset="-128"/>
+                <a:ea typeface="YuKyokasho Medium" panose="02000500000000000000" pitchFamily="2" charset="-128"/>
+                <a:cs typeface="ヒラギノ丸ゴ ProN W4"/>
+              </a:rPr>
+              <a:t>◯◯</a:t>
+            </a:r>
+            <a:r>
+              <a:rPr lang="en-US" altLang="ja-JP" sz="3200" dirty="0">
+                <a:latin typeface="YuKyokasho Medium" panose="02000500000000000000" pitchFamily="2" charset="-128"/>
+                <a:ea typeface="YuKyokasho Medium" panose="02000500000000000000" pitchFamily="2" charset="-128"/>
+                <a:cs typeface="ヒラギノ丸ゴ ProN W4"/>
+              </a:rPr>
+              <a:t>/</a:t>
+            </a:r>
+            <a:r>
+              <a:rPr lang="ja-JP" altLang="en-US" sz="3200" dirty="0">
+                <a:latin typeface="YuKyokasho Medium" panose="02000500000000000000" pitchFamily="2" charset="-128"/>
+                <a:ea typeface="YuKyokasho Medium" panose="02000500000000000000" pitchFamily="2" charset="-128"/>
+                <a:cs typeface="ヒラギノ丸ゴ ProN W4"/>
+              </a:rPr>
+              <a:t>□□</a:t>
+            </a:r>
+            <a:r>
+              <a:rPr lang="en-US" altLang="ja-JP" sz="3200" dirty="0">
+                <a:latin typeface="YuKyokasho Medium" panose="02000500000000000000" pitchFamily="2" charset="-128"/>
+                <a:ea typeface="YuKyokasho Medium" panose="02000500000000000000" pitchFamily="2" charset="-128"/>
+                <a:cs typeface="ヒラギノ丸ゴ ProN W4"/>
+              </a:rPr>
+              <a:t>/</a:t>
+            </a:r>
+            <a:r>
+              <a:rPr lang="ja-JP" altLang="en-US" sz="3200" dirty="0">
+                <a:latin typeface="YuKyokasho Medium" panose="02000500000000000000" pitchFamily="2" charset="-128"/>
+                <a:ea typeface="YuKyokasho Medium" panose="02000500000000000000" pitchFamily="2" charset="-128"/>
+                <a:cs typeface="ヒラギノ丸ゴ ProN W4"/>
+              </a:rPr>
+              <a:t>△△</a:t>
+            </a:r>
+          </a:p>
+        </p:txBody>
+      </p:sp>
+      <p:sp>
+        <p:nvSpPr>
+          <p:cNvPr id="11" name="角丸四角形 10">
+            <a:extLst>
+              <a:ext uri="{FF2B5EF4-FFF2-40B4-BE49-F238E27FC236}">
+                <a16:creationId xmlns:a16="http://schemas.microsoft.com/office/drawing/2014/main" id="{03B4CE29-2FFB-5749-B980-16B049578A81}"/>
+              </a:ext>
+            </a:extLst>
+          </p:cNvPr>
+          <p:cNvSpPr/>
+          <p:nvPr/>
+        </p:nvSpPr>
+        <p:spPr>
+          <a:xfrm>
+            <a:off x="2966485" y="4880971"/>
+            <a:ext cx="3211028" cy="592272"/>
+          </a:xfrm>
+          <a:prstGeom prst="roundRect">
+            <a:avLst/>
+          </a:prstGeom>
+        </p:spPr>
+        <p:style>
+          <a:lnRef idx="2">
+            <a:schemeClr val="accent3">
+              <a:shade val="50000"/>
+            </a:schemeClr>
+          </a:lnRef>
+          <a:fillRef idx="1">
+            <a:schemeClr val="accent3"/>
+          </a:fillRef>
+          <a:effectRef idx="0">
+            <a:schemeClr val="accent3"/>
+          </a:effectRef>
+          <a:fontRef idx="minor">
+            <a:schemeClr val="lt1"/>
+          </a:fontRef>
+        </p:style>
+        <p:txBody>
+          <a:bodyPr rtlCol="0" anchor="ctr"/>
+          <a:lstStyle/>
+          <a:p>
+            <a:pPr algn="ctr"/>
+            <a:r>
+              <a:rPr lang="ja-JP" altLang="en-US" sz="3200" dirty="0">
+                <a:latin typeface="YuKyokasho Medium" panose="02000500000000000000" pitchFamily="2" charset="-128"/>
+                <a:ea typeface="YuKyokasho Medium" panose="02000500000000000000" pitchFamily="2" charset="-128"/>
+                <a:cs typeface="ヒラギノ丸ゴ ProN W4"/>
+              </a:rPr>
+              <a:t>◯◯</a:t>
+            </a:r>
+            <a:r>
+              <a:rPr lang="en-US" altLang="ja-JP" sz="3200" dirty="0">
+                <a:latin typeface="YuKyokasho Medium" panose="02000500000000000000" pitchFamily="2" charset="-128"/>
+                <a:ea typeface="YuKyokasho Medium" panose="02000500000000000000" pitchFamily="2" charset="-128"/>
+                <a:cs typeface="ヒラギノ丸ゴ ProN W4"/>
+              </a:rPr>
+              <a:t>/</a:t>
+            </a:r>
+            <a:r>
+              <a:rPr lang="ja-JP" altLang="en-US" sz="3200" dirty="0">
+                <a:latin typeface="YuKyokasho Medium" panose="02000500000000000000" pitchFamily="2" charset="-128"/>
+                <a:ea typeface="YuKyokasho Medium" panose="02000500000000000000" pitchFamily="2" charset="-128"/>
+                <a:cs typeface="ヒラギノ丸ゴ ProN W4"/>
+              </a:rPr>
+              <a:t>□□</a:t>
+            </a:r>
+            <a:r>
+              <a:rPr lang="en-US" altLang="ja-JP" sz="3200" dirty="0">
+                <a:latin typeface="YuKyokasho Medium" panose="02000500000000000000" pitchFamily="2" charset="-128"/>
+                <a:ea typeface="YuKyokasho Medium" panose="02000500000000000000" pitchFamily="2" charset="-128"/>
+                <a:cs typeface="ヒラギノ丸ゴ ProN W4"/>
+              </a:rPr>
+              <a:t>/</a:t>
+            </a:r>
+            <a:r>
+              <a:rPr lang="ja-JP" altLang="en-US" sz="3200" dirty="0">
+                <a:latin typeface="YuKyokasho Medium" panose="02000500000000000000" pitchFamily="2" charset="-128"/>
+                <a:ea typeface="YuKyokasho Medium" panose="02000500000000000000" pitchFamily="2" charset="-128"/>
+                <a:cs typeface="ヒラギノ丸ゴ ProN W4"/>
+              </a:rPr>
+              <a:t>△△</a:t>
+            </a:r>
+          </a:p>
+        </p:txBody>
+      </p:sp>
+      <p:sp>
+        <p:nvSpPr>
+          <p:cNvPr id="5" name="テキスト ボックス 4">
+            <a:extLst>
+              <a:ext uri="{FF2B5EF4-FFF2-40B4-BE49-F238E27FC236}">
+                <a16:creationId xmlns:a16="http://schemas.microsoft.com/office/drawing/2014/main" id="{76265D84-B37E-CE46-A15E-E990CD423BD7}"/>
+              </a:ext>
+            </a:extLst>
+          </p:cNvPr>
+          <p:cNvSpPr txBox="1"/>
+          <p:nvPr/>
+        </p:nvSpPr>
+        <p:spPr>
+          <a:xfrm>
+            <a:off x="6592389" y="1964041"/>
+            <a:ext cx="2455817" cy="923330"/>
+          </a:xfrm>
+          <a:prstGeom prst="rect">
+            <a:avLst/>
+          </a:prstGeom>
+          <a:noFill/>
+        </p:spPr>
+        <p:txBody>
+          <a:bodyPr wrap="square" rtlCol="0">
+            <a:spAutoFit/>
+          </a:bodyPr>
+          <a:lstStyle/>
+          <a:p>
+            <a:r>
+              <a:rPr kumimoji="1" lang="ja-JP" altLang="en-US" dirty="0"/>
+              <a:t>西暦でデータを保管</a:t>
+            </a:r>
+            <a:endParaRPr kumimoji="1" lang="en-US" altLang="ja-JP" dirty="0"/>
+          </a:p>
+          <a:p>
+            <a:endParaRPr kumimoji="1" lang="en-US" altLang="ja-JP" dirty="0"/>
+          </a:p>
+          <a:p>
+            <a:r>
+              <a:rPr kumimoji="1" lang="ja-JP" altLang="en-US" dirty="0"/>
+              <a:t>データは追加降順</a:t>
+            </a:r>
+          </a:p>
+        </p:txBody>
+      </p:sp>
+      <p:sp>
+        <p:nvSpPr>
+          <p:cNvPr id="12" name="角丸四角形 11">
+            <a:extLst>
+              <a:ext uri="{FF2B5EF4-FFF2-40B4-BE49-F238E27FC236}">
+                <a16:creationId xmlns:a16="http://schemas.microsoft.com/office/drawing/2014/main" id="{AB57E789-DCE6-044F-986B-DDF1C4EBD36C}"/>
+              </a:ext>
+            </a:extLst>
+          </p:cNvPr>
+          <p:cNvSpPr/>
+          <p:nvPr/>
+        </p:nvSpPr>
+        <p:spPr>
+          <a:xfrm>
+            <a:off x="5442857" y="604330"/>
+            <a:ext cx="914400" cy="425996"/>
+          </a:xfrm>
+          <a:prstGeom prst="roundRect">
+            <a:avLst/>
+          </a:prstGeom>
+        </p:spPr>
+        <p:style>
+          <a:lnRef idx="2">
+            <a:schemeClr val="accent3"/>
+          </a:lnRef>
+          <a:fillRef idx="1">
+            <a:schemeClr val="lt1"/>
+          </a:fillRef>
+          <a:effectRef idx="0">
+            <a:schemeClr val="accent3"/>
+          </a:effectRef>
+          <a:fontRef idx="minor">
+            <a:schemeClr val="dk1"/>
+          </a:fontRef>
+        </p:style>
+        <p:txBody>
+          <a:bodyPr rtlCol="0" anchor="ctr"/>
+          <a:lstStyle/>
+          <a:p>
+            <a:pPr algn="ctr"/>
+            <a:r>
+              <a:rPr lang="ja-JP" altLang="en-US" dirty="0"/>
+              <a:t>ほーむ</a:t>
+            </a:r>
+            <a:endParaRPr lang="en-US" altLang="ja-JP" dirty="0"/>
+          </a:p>
+        </p:txBody>
+      </p:sp>
+      <p:sp>
+        <p:nvSpPr>
+          <p:cNvPr id="13" name="三角形 12">
+            <a:extLst>
+              <a:ext uri="{FF2B5EF4-FFF2-40B4-BE49-F238E27FC236}">
+                <a16:creationId xmlns:a16="http://schemas.microsoft.com/office/drawing/2014/main" id="{9B4E95AA-DD60-A648-84B7-FCEEAB475897}"/>
+              </a:ext>
+            </a:extLst>
+          </p:cNvPr>
+          <p:cNvSpPr/>
+          <p:nvPr/>
+        </p:nvSpPr>
+        <p:spPr>
+          <a:xfrm>
+            <a:off x="6711555" y="0"/>
+            <a:ext cx="1654628" cy="635407"/>
+          </a:xfrm>
+          <a:prstGeom prst="triangle">
+            <a:avLst/>
+          </a:prstGeom>
+        </p:spPr>
+        <p:style>
+          <a:lnRef idx="1">
+            <a:schemeClr val="accent1"/>
+          </a:lnRef>
+          <a:fillRef idx="3">
+            <a:schemeClr val="accent1"/>
+          </a:fillRef>
+          <a:effectRef idx="2">
+            <a:schemeClr val="accent1"/>
+          </a:effectRef>
+          <a:fontRef idx="minor">
+            <a:schemeClr val="lt1"/>
+          </a:fontRef>
+        </p:style>
+        <p:txBody>
+          <a:bodyPr rtlCol="0" anchor="ctr"/>
+          <a:lstStyle/>
+          <a:p>
+            <a:pPr algn="ctr"/>
+            <a:endParaRPr kumimoji="1" lang="ja-JP" altLang="en-US"/>
+          </a:p>
+        </p:txBody>
+      </p:sp>
+      <p:sp>
+        <p:nvSpPr>
+          <p:cNvPr id="14" name="正方形/長方形 13">
+            <a:extLst>
+              <a:ext uri="{FF2B5EF4-FFF2-40B4-BE49-F238E27FC236}">
+                <a16:creationId xmlns:a16="http://schemas.microsoft.com/office/drawing/2014/main" id="{AAC09C37-8EF8-0740-BFF3-4AA1F6622553}"/>
+              </a:ext>
+            </a:extLst>
+          </p:cNvPr>
+          <p:cNvSpPr/>
+          <p:nvPr/>
+        </p:nvSpPr>
+        <p:spPr>
+          <a:xfrm>
+            <a:off x="7077315" y="635407"/>
+            <a:ext cx="923108" cy="870857"/>
+          </a:xfrm>
+          <a:prstGeom prst="rect">
+            <a:avLst/>
+          </a:prstGeom>
+        </p:spPr>
+        <p:style>
+          <a:lnRef idx="1">
+            <a:schemeClr val="accent1"/>
+          </a:lnRef>
+          <a:fillRef idx="3">
+            <a:schemeClr val="accent1"/>
+          </a:fillRef>
+          <a:effectRef idx="2">
+            <a:schemeClr val="accent1"/>
+          </a:effectRef>
+          <a:fontRef idx="minor">
+            <a:schemeClr val="lt1"/>
+          </a:fontRef>
+        </p:style>
+        <p:txBody>
+          <a:bodyPr rtlCol="0" anchor="ctr"/>
+          <a:lstStyle/>
+          <a:p>
+            <a:pPr algn="ctr"/>
+            <a:endParaRPr kumimoji="1" lang="ja-JP" altLang="en-US"/>
+          </a:p>
+        </p:txBody>
+      </p:sp>
+      <p:cxnSp>
+        <p:nvCxnSpPr>
+          <p:cNvPr id="16" name="直線矢印コネクタ 15">
+            <a:extLst>
+              <a:ext uri="{FF2B5EF4-FFF2-40B4-BE49-F238E27FC236}">
+                <a16:creationId xmlns:a16="http://schemas.microsoft.com/office/drawing/2014/main" id="{A0952BAB-DB78-4448-A5FD-B51D0EB49725}"/>
+              </a:ext>
+            </a:extLst>
+          </p:cNvPr>
+          <p:cNvCxnSpPr/>
+          <p:nvPr/>
+        </p:nvCxnSpPr>
+        <p:spPr>
+          <a:xfrm flipH="1" flipV="1">
+            <a:off x="6177513" y="809897"/>
+            <a:ext cx="1094144" cy="260533"/>
+          </a:xfrm>
+          <a:prstGeom prst="straightConnector1">
+            <a:avLst/>
+          </a:prstGeom>
+          <a:ln>
+            <a:tailEnd type="triangle"/>
+          </a:ln>
+        </p:spPr>
+        <p:style>
+          <a:lnRef idx="2">
+            <a:schemeClr val="accent1"/>
+          </a:lnRef>
+          <a:fillRef idx="0">
+            <a:schemeClr val="accent1"/>
+          </a:fillRef>
+          <a:effectRef idx="1">
+            <a:schemeClr val="accent1"/>
+          </a:effectRef>
+          <a:fontRef idx="minor">
+            <a:schemeClr val="tx1"/>
+          </a:fontRef>
+        </p:style>
+      </p:cxnSp>
+    </p:spTree>
+    <p:extLst>
+      <p:ext uri="{BB962C8B-B14F-4D97-AF65-F5344CB8AC3E}">
+        <p14:creationId xmlns:p14="http://schemas.microsoft.com/office/powerpoint/2010/main" val="2255529545"/>
+      </p:ext>
+    </p:extLst>
+  </p:cSld>
+  <p:clrMapOvr>
+    <a:masterClrMapping/>
+  </p:clrMapOvr>
+</p:sld>
+</file>
+
+<file path=ppt/slides/slide21.xml><?xml version="1.0" encoding="utf-8"?>
+<p:sld xmlns:a="http://schemas.openxmlformats.org/drawingml/2006/main" xmlns:r="http://schemas.openxmlformats.org/officeDocument/2006/relationships" xmlns:p="http://schemas.openxmlformats.org/presentationml/2006/main">
+  <p:cSld>
+    <p:spTree>
+      <p:nvGrpSpPr>
+        <p:cNvPr id="1" name=""/>
+        <p:cNvGrpSpPr/>
+        <p:nvPr/>
+      </p:nvGrpSpPr>
+      <p:grpSpPr>
+        <a:xfrm>
+          <a:off x="0" y="0"/>
+          <a:ext cx="0" cy="0"/>
+          <a:chOff x="0" y="0"/>
+          <a:chExt cx="0" cy="0"/>
+        </a:xfrm>
+      </p:grpSpPr>
+      <p:sp>
+        <p:nvSpPr>
+          <p:cNvPr id="2" name="テキスト ボックス 1">
+            <a:extLst>
+              <a:ext uri="{FF2B5EF4-FFF2-40B4-BE49-F238E27FC236}">
+                <a16:creationId xmlns:a16="http://schemas.microsoft.com/office/drawing/2014/main" id="{65B61FA8-7BEB-EE4F-BA4A-1B68D4A8A60B}"/>
+              </a:ext>
+            </a:extLst>
+          </p:cNvPr>
+          <p:cNvSpPr txBox="1"/>
+          <p:nvPr/>
+        </p:nvSpPr>
+        <p:spPr>
+          <a:xfrm>
+            <a:off x="205436" y="564226"/>
+            <a:ext cx="2154992" cy="369332"/>
+          </a:xfrm>
+          <a:prstGeom prst="rect">
+            <a:avLst/>
+          </a:prstGeom>
+          <a:noFill/>
+        </p:spPr>
+        <p:txBody>
+          <a:bodyPr wrap="square" rtlCol="0">
+            <a:spAutoFit/>
+          </a:bodyPr>
+          <a:lstStyle/>
+          <a:p>
+            <a:r>
+              <a:rPr kumimoji="1" lang="en-US" altLang="ja-JP" dirty="0" err="1"/>
+              <a:t>RecodeCheckActivity</a:t>
             </a:r>
             <a:endParaRPr kumimoji="1" lang="ja-JP" altLang="en-US" dirty="0"/>
           </a:p>
@@ -8870,379 +10813,158 @@
           </a:p>
         </p:txBody>
       </p:sp>
+      <p:sp>
+        <p:nvSpPr>
+          <p:cNvPr id="10" name="テキスト ボックス 9">
+            <a:extLst>
+              <a:ext uri="{FF2B5EF4-FFF2-40B4-BE49-F238E27FC236}">
+                <a16:creationId xmlns:a16="http://schemas.microsoft.com/office/drawing/2014/main" id="{194680F3-3364-C843-8B24-69D8DD33F070}"/>
+              </a:ext>
+            </a:extLst>
+          </p:cNvPr>
+          <p:cNvSpPr txBox="1"/>
+          <p:nvPr/>
+        </p:nvSpPr>
+        <p:spPr>
+          <a:xfrm>
+            <a:off x="6644640" y="2579188"/>
+            <a:ext cx="2499360" cy="2308324"/>
+          </a:xfrm>
+          <a:prstGeom prst="rect">
+            <a:avLst/>
+          </a:prstGeom>
+          <a:noFill/>
+        </p:spPr>
+        <p:txBody>
+          <a:bodyPr wrap="square" rtlCol="0">
+            <a:spAutoFit/>
+          </a:bodyPr>
+          <a:lstStyle/>
+          <a:p>
+            <a:r>
+              <a:rPr kumimoji="1" lang="ja-JP" altLang="en-US" dirty="0"/>
+              <a:t>・名前</a:t>
+            </a:r>
+            <a:endParaRPr kumimoji="1" lang="en-US" altLang="ja-JP" dirty="0"/>
+          </a:p>
+          <a:p>
+            <a:r>
+              <a:rPr lang="ja-JP" altLang="en-US" dirty="0"/>
+              <a:t>・日付</a:t>
+            </a:r>
+            <a:endParaRPr lang="en-US" altLang="ja-JP" dirty="0"/>
+          </a:p>
+          <a:p>
+            <a:r>
+              <a:rPr lang="ja-JP" altLang="en-US" dirty="0"/>
+              <a:t>・銘柄</a:t>
+            </a:r>
+            <a:endParaRPr lang="en-US" altLang="ja-JP" dirty="0"/>
+          </a:p>
+          <a:p>
+            <a:r>
+              <a:rPr lang="ja-JP" altLang="en-US" dirty="0"/>
+              <a:t>・重量</a:t>
+            </a:r>
+            <a:endParaRPr lang="en-US" altLang="ja-JP" dirty="0"/>
+          </a:p>
+          <a:p>
+            <a:r>
+              <a:rPr lang="ja-JP" altLang="en-US" dirty="0"/>
+              <a:t>・配合割合</a:t>
+            </a:r>
+            <a:endParaRPr lang="en-US" altLang="ja-JP" dirty="0"/>
+          </a:p>
+          <a:p>
+            <a:r>
+              <a:rPr kumimoji="1" lang="ja-JP" altLang="en-US" dirty="0"/>
+              <a:t>・工程ごとの記録</a:t>
+            </a:r>
+            <a:endParaRPr lang="en-US" altLang="ja-JP" dirty="0"/>
+          </a:p>
+          <a:p>
+            <a:r>
+              <a:rPr kumimoji="1" lang="ja-JP" altLang="en-US" dirty="0"/>
+              <a:t>（・合否（全ての結果をまとめたもの））</a:t>
+            </a:r>
+            <a:endParaRPr kumimoji="1" lang="en-US" altLang="ja-JP" dirty="0"/>
+          </a:p>
+        </p:txBody>
+      </p:sp>
+      <p:sp>
+        <p:nvSpPr>
+          <p:cNvPr id="11" name="テキスト ボックス 10">
+            <a:extLst>
+              <a:ext uri="{FF2B5EF4-FFF2-40B4-BE49-F238E27FC236}">
+                <a16:creationId xmlns:a16="http://schemas.microsoft.com/office/drawing/2014/main" id="{452537BB-4FA4-2D4B-8B57-BBAFEC0FCA44}"/>
+              </a:ext>
+            </a:extLst>
+          </p:cNvPr>
+          <p:cNvSpPr txBox="1"/>
+          <p:nvPr/>
+        </p:nvSpPr>
+        <p:spPr>
+          <a:xfrm>
+            <a:off x="0" y="3133186"/>
+            <a:ext cx="2429691" cy="2308324"/>
+          </a:xfrm>
+          <a:prstGeom prst="rect">
+            <a:avLst/>
+          </a:prstGeom>
+          <a:noFill/>
+        </p:spPr>
+        <p:txBody>
+          <a:bodyPr wrap="square" rtlCol="0">
+            <a:spAutoFit/>
+          </a:bodyPr>
+          <a:lstStyle/>
+          <a:p>
+            <a:r>
+              <a:rPr kumimoji="1" lang="ja-JP" altLang="en-US" dirty="0"/>
+              <a:t>メールに起こす時、フッターとヘッダーいれる</a:t>
+            </a:r>
+            <a:endParaRPr kumimoji="1" lang="en-US" altLang="ja-JP" dirty="0"/>
+          </a:p>
+          <a:p>
+            <a:endParaRPr kumimoji="1" lang="en-US" altLang="ja-JP" dirty="0"/>
+          </a:p>
+          <a:p>
+            <a:r>
+              <a:rPr lang="ja-JP" altLang="en-US" dirty="0"/>
+              <a:t>件名を入れる</a:t>
+            </a:r>
+            <a:endParaRPr lang="en-US" altLang="ja-JP" dirty="0"/>
+          </a:p>
+          <a:p>
+            <a:r>
+              <a:rPr lang="ja-JP" altLang="en-US" dirty="0"/>
+              <a:t>アプリ名をいれる</a:t>
+            </a:r>
+            <a:endParaRPr lang="en-US" altLang="ja-JP" dirty="0"/>
+          </a:p>
+          <a:p>
+            <a:endParaRPr lang="en-US" altLang="ja-JP" dirty="0"/>
+          </a:p>
+          <a:p>
+            <a:r>
+              <a:rPr lang="ja-JP" altLang="en-US" dirty="0"/>
+              <a:t>本文の形式を考慮</a:t>
+            </a:r>
+            <a:endParaRPr lang="en-US" altLang="ja-JP" dirty="0"/>
+          </a:p>
+          <a:p>
+            <a:r>
+              <a:rPr lang="ja-JP" altLang="en-US" dirty="0"/>
+              <a:t> </a:t>
+            </a:r>
+            <a:endParaRPr kumimoji="1" lang="ja-JP" altLang="en-US" dirty="0"/>
+          </a:p>
+        </p:txBody>
+      </p:sp>
     </p:spTree>
     <p:extLst>
       <p:ext uri="{BB962C8B-B14F-4D97-AF65-F5344CB8AC3E}">
         <p14:creationId xmlns:p14="http://schemas.microsoft.com/office/powerpoint/2010/main" val="3945210242"/>
-      </p:ext>
-    </p:extLst>
-  </p:cSld>
-  <p:clrMapOvr>
-    <a:masterClrMapping/>
-  </p:clrMapOvr>
-</p:sld>
-</file>
-
-<file path=ppt/slides/slide2.xml><?xml version="1.0" encoding="utf-8"?>
-<p:sld xmlns:a="http://schemas.openxmlformats.org/drawingml/2006/main" xmlns:r="http://schemas.openxmlformats.org/officeDocument/2006/relationships" xmlns:p="http://schemas.openxmlformats.org/presentationml/2006/main">
-  <p:cSld>
-    <p:spTree>
-      <p:nvGrpSpPr>
-        <p:cNvPr id="1" name=""/>
-        <p:cNvGrpSpPr/>
-        <p:nvPr/>
-      </p:nvGrpSpPr>
-      <p:grpSpPr>
-        <a:xfrm>
-          <a:off x="0" y="0"/>
-          <a:ext cx="0" cy="0"/>
-          <a:chOff x="0" y="0"/>
-          <a:chExt cx="0" cy="0"/>
-        </a:xfrm>
-      </p:grpSpPr>
-      <p:sp>
-        <p:nvSpPr>
-          <p:cNvPr id="2" name="正方形/長方形 1"/>
-          <p:cNvSpPr/>
-          <p:nvPr/>
-        </p:nvSpPr>
-        <p:spPr>
-          <a:xfrm>
-            <a:off x="2702034" y="564226"/>
-            <a:ext cx="3739931" cy="5728138"/>
-          </a:xfrm>
-          <a:prstGeom prst="rect">
-            <a:avLst/>
-          </a:prstGeom>
-          <a:solidFill>
-            <a:schemeClr val="accent3">
-              <a:lumMod val="20000"/>
-              <a:lumOff val="80000"/>
-            </a:schemeClr>
-          </a:solidFill>
-          <a:ln/>
-        </p:spPr>
-        <p:style>
-          <a:lnRef idx="2">
-            <a:schemeClr val="accent3">
-              <a:shade val="50000"/>
-            </a:schemeClr>
-          </a:lnRef>
-          <a:fillRef idx="1">
-            <a:schemeClr val="accent3"/>
-          </a:fillRef>
-          <a:effectRef idx="0">
-            <a:schemeClr val="accent3"/>
-          </a:effectRef>
-          <a:fontRef idx="minor">
-            <a:schemeClr val="lt1"/>
-          </a:fontRef>
-        </p:style>
-        <p:txBody>
-          <a:bodyPr rtlCol="0" anchor="ctr"/>
-          <a:lstStyle/>
-          <a:p>
-            <a:pPr algn="ctr"/>
-            <a:endParaRPr kumimoji="1" lang="ja-JP" altLang="en-US"/>
-          </a:p>
-        </p:txBody>
-      </p:sp>
-      <p:sp>
-        <p:nvSpPr>
-          <p:cNvPr id="3" name="正方形/長方形 2"/>
-          <p:cNvSpPr/>
-          <p:nvPr/>
-        </p:nvSpPr>
-        <p:spPr>
-          <a:xfrm>
-            <a:off x="2702034" y="564226"/>
-            <a:ext cx="3739931" cy="506204"/>
-          </a:xfrm>
-          <a:prstGeom prst="rect">
-            <a:avLst/>
-          </a:prstGeom>
-          <a:solidFill>
-            <a:schemeClr val="accent3">
-              <a:lumMod val="75000"/>
-            </a:schemeClr>
-          </a:solidFill>
-          <a:ln/>
-        </p:spPr>
-        <p:style>
-          <a:lnRef idx="2">
-            <a:schemeClr val="accent3">
-              <a:shade val="50000"/>
-            </a:schemeClr>
-          </a:lnRef>
-          <a:fillRef idx="1">
-            <a:schemeClr val="accent3"/>
-          </a:fillRef>
-          <a:effectRef idx="0">
-            <a:schemeClr val="accent3"/>
-          </a:effectRef>
-          <a:fontRef idx="minor">
-            <a:schemeClr val="lt1"/>
-          </a:fontRef>
-        </p:style>
-        <p:txBody>
-          <a:bodyPr rtlCol="0" anchor="ctr"/>
-          <a:lstStyle/>
-          <a:p>
-            <a:pPr algn="ctr"/>
-            <a:endParaRPr kumimoji="1" lang="ja-JP" altLang="en-US"/>
-          </a:p>
-        </p:txBody>
-      </p:sp>
-      <p:sp>
-        <p:nvSpPr>
-          <p:cNvPr id="4" name="角丸四角形 3"/>
-          <p:cNvSpPr/>
-          <p:nvPr/>
-        </p:nvSpPr>
-        <p:spPr>
-          <a:xfrm>
-            <a:off x="2916464" y="1805215"/>
-            <a:ext cx="3311072" cy="997856"/>
-          </a:xfrm>
-          <a:prstGeom prst="roundRect">
-            <a:avLst/>
-          </a:prstGeom>
-        </p:spPr>
-        <p:style>
-          <a:lnRef idx="2">
-            <a:schemeClr val="accent3">
-              <a:shade val="50000"/>
-            </a:schemeClr>
-          </a:lnRef>
-          <a:fillRef idx="1">
-            <a:schemeClr val="accent3"/>
-          </a:fillRef>
-          <a:effectRef idx="0">
-            <a:schemeClr val="accent3"/>
-          </a:effectRef>
-          <a:fontRef idx="minor">
-            <a:schemeClr val="lt1"/>
-          </a:fontRef>
-        </p:style>
-        <p:txBody>
-          <a:bodyPr rtlCol="0" anchor="ctr"/>
-          <a:lstStyle/>
-          <a:p>
-            <a:pPr algn="ctr"/>
-            <a:r>
-              <a:rPr lang="ja-JP" altLang="en-US" sz="3200" dirty="0">
-                <a:latin typeface="YuKyokasho Medium" panose="02000500000000000000" pitchFamily="2" charset="-128"/>
-                <a:ea typeface="YuKyokasho Medium" panose="02000500000000000000" pitchFamily="2" charset="-128"/>
-                <a:cs typeface="ヒラギノ丸ゴ ProN W4"/>
-              </a:rPr>
-              <a:t>挑戦モード選択</a:t>
-            </a:r>
-            <a:endParaRPr kumimoji="1" lang="ja-JP" altLang="en-US" sz="3200" dirty="0">
-              <a:latin typeface="YuKyokasho Medium" panose="02000500000000000000" pitchFamily="2" charset="-128"/>
-              <a:ea typeface="YuKyokasho Medium" panose="02000500000000000000" pitchFamily="2" charset="-128"/>
-              <a:cs typeface="ヒラギノ丸ゴ ProN W4"/>
-            </a:endParaRPr>
-          </a:p>
-        </p:txBody>
-      </p:sp>
-      <p:sp>
-        <p:nvSpPr>
-          <p:cNvPr id="6" name="角丸四角形 5"/>
-          <p:cNvSpPr/>
-          <p:nvPr/>
-        </p:nvSpPr>
-        <p:spPr>
-          <a:xfrm>
-            <a:off x="2916464" y="3429000"/>
-            <a:ext cx="3311072" cy="997856"/>
-          </a:xfrm>
-          <a:prstGeom prst="roundRect">
-            <a:avLst/>
-          </a:prstGeom>
-        </p:spPr>
-        <p:style>
-          <a:lnRef idx="2">
-            <a:schemeClr val="accent3">
-              <a:shade val="50000"/>
-            </a:schemeClr>
-          </a:lnRef>
-          <a:fillRef idx="1">
-            <a:schemeClr val="accent3"/>
-          </a:fillRef>
-          <a:effectRef idx="0">
-            <a:schemeClr val="accent3"/>
-          </a:effectRef>
-          <a:fontRef idx="minor">
-            <a:schemeClr val="lt1"/>
-          </a:fontRef>
-        </p:style>
-        <p:txBody>
-          <a:bodyPr rtlCol="0" anchor="ctr"/>
-          <a:lstStyle/>
-          <a:p>
-            <a:pPr algn="ctr"/>
-            <a:r>
-              <a:rPr kumimoji="1" lang="ja-JP" altLang="en-US" sz="3600" dirty="0">
-                <a:latin typeface="YuKyokasho Medium" panose="02000500000000000000" pitchFamily="2" charset="-128"/>
-                <a:ea typeface="YuKyokasho Medium" panose="02000500000000000000" pitchFamily="2" charset="-128"/>
-                <a:cs typeface="ヒラギノ丸ゴ ProN W4"/>
-              </a:rPr>
-              <a:t>計測データ</a:t>
-            </a:r>
-          </a:p>
-        </p:txBody>
-      </p:sp>
-      <p:sp>
-        <p:nvSpPr>
-          <p:cNvPr id="8" name="角丸四角形 7">
-            <a:extLst>
-              <a:ext uri="{FF2B5EF4-FFF2-40B4-BE49-F238E27FC236}">
-                <a16:creationId xmlns:a16="http://schemas.microsoft.com/office/drawing/2014/main" id="{6772C010-D67F-9041-B45E-A575057ECFEC}"/>
-              </a:ext>
-            </a:extLst>
-          </p:cNvPr>
-          <p:cNvSpPr/>
-          <p:nvPr/>
-        </p:nvSpPr>
-        <p:spPr>
-          <a:xfrm>
-            <a:off x="4572001" y="5125719"/>
-            <a:ext cx="1655535" cy="778328"/>
-          </a:xfrm>
-          <a:prstGeom prst="roundRect">
-            <a:avLst/>
-          </a:prstGeom>
-        </p:spPr>
-        <p:style>
-          <a:lnRef idx="2">
-            <a:schemeClr val="accent3">
-              <a:shade val="50000"/>
-            </a:schemeClr>
-          </a:lnRef>
-          <a:fillRef idx="1">
-            <a:schemeClr val="accent3"/>
-          </a:fillRef>
-          <a:effectRef idx="0">
-            <a:schemeClr val="accent3"/>
-          </a:effectRef>
-          <a:fontRef idx="minor">
-            <a:schemeClr val="lt1"/>
-          </a:fontRef>
-        </p:style>
-        <p:txBody>
-          <a:bodyPr rtlCol="0" anchor="ctr"/>
-          <a:lstStyle/>
-          <a:p>
-            <a:pPr algn="ctr"/>
-            <a:r>
-              <a:rPr kumimoji="1" lang="ja-JP" altLang="en-US" sz="3600" dirty="0">
-                <a:latin typeface="YuKyokasho Medium" panose="02000500000000000000" pitchFamily="2" charset="-128"/>
-                <a:ea typeface="YuKyokasho Medium" panose="02000500000000000000" pitchFamily="2" charset="-128"/>
-                <a:cs typeface="ヒラギノ丸ゴ ProN W4"/>
-              </a:rPr>
-              <a:t>使い方</a:t>
-            </a:r>
-          </a:p>
-        </p:txBody>
-      </p:sp>
-      <p:sp>
-        <p:nvSpPr>
-          <p:cNvPr id="10" name="テキスト ボックス 9">
-            <a:extLst>
-              <a:ext uri="{FF2B5EF4-FFF2-40B4-BE49-F238E27FC236}">
-                <a16:creationId xmlns:a16="http://schemas.microsoft.com/office/drawing/2014/main" id="{398D6FAC-6CEF-A140-A3A9-0514D1DA3828}"/>
-              </a:ext>
-            </a:extLst>
-          </p:cNvPr>
-          <p:cNvSpPr txBox="1"/>
-          <p:nvPr/>
-        </p:nvSpPr>
-        <p:spPr>
-          <a:xfrm>
-            <a:off x="6656395" y="3428295"/>
-            <a:ext cx="2228487" cy="1754326"/>
-          </a:xfrm>
-          <a:prstGeom prst="rect">
-            <a:avLst/>
-          </a:prstGeom>
-          <a:noFill/>
-        </p:spPr>
-        <p:txBody>
-          <a:bodyPr wrap="square" rtlCol="0">
-            <a:spAutoFit/>
-          </a:bodyPr>
-          <a:lstStyle/>
-          <a:p>
-            <a:r>
-              <a:rPr kumimoji="1" lang="ja-JP" altLang="en-US" dirty="0"/>
-              <a:t>・「計測データ」では記録者の追加</a:t>
-            </a:r>
-            <a:r>
-              <a:rPr kumimoji="1" lang="en-US" altLang="ja-JP" dirty="0"/>
-              <a:t>or</a:t>
-            </a:r>
-            <a:r>
-              <a:rPr kumimoji="1" lang="ja-JP" altLang="en-US" dirty="0"/>
-              <a:t>削除が可</a:t>
-            </a:r>
-            <a:endParaRPr kumimoji="1" lang="en-US" altLang="ja-JP" dirty="0"/>
-          </a:p>
-          <a:p>
-            <a:r>
-              <a:rPr lang="ja-JP" altLang="en-US" dirty="0"/>
-              <a:t>・記録をメールで送信</a:t>
-            </a:r>
-            <a:endParaRPr lang="en-US" altLang="ja-JP" dirty="0"/>
-          </a:p>
-          <a:p>
-            <a:r>
-              <a:rPr kumimoji="1" lang="ja-JP" altLang="en-US" dirty="0"/>
-              <a:t>（全ての記録を一括で？）</a:t>
-            </a:r>
-            <a:endParaRPr kumimoji="1" lang="en-US" altLang="ja-JP" dirty="0"/>
-          </a:p>
-        </p:txBody>
-      </p:sp>
-      <p:sp>
-        <p:nvSpPr>
-          <p:cNvPr id="5" name="テキスト ボックス 4">
-            <a:extLst>
-              <a:ext uri="{FF2B5EF4-FFF2-40B4-BE49-F238E27FC236}">
-                <a16:creationId xmlns:a16="http://schemas.microsoft.com/office/drawing/2014/main" id="{FD09E114-4078-D74C-9CC8-36E55C5D13B5}"/>
-              </a:ext>
-            </a:extLst>
-          </p:cNvPr>
-          <p:cNvSpPr txBox="1"/>
-          <p:nvPr/>
-        </p:nvSpPr>
-        <p:spPr>
-          <a:xfrm>
-            <a:off x="340242" y="446567"/>
-            <a:ext cx="1701209" cy="369332"/>
-          </a:xfrm>
-          <a:prstGeom prst="rect">
-            <a:avLst/>
-          </a:prstGeom>
-          <a:noFill/>
-        </p:spPr>
-        <p:txBody>
-          <a:bodyPr wrap="square" rtlCol="0">
-            <a:spAutoFit/>
-          </a:bodyPr>
-          <a:lstStyle/>
-          <a:p>
-            <a:r>
-              <a:rPr kumimoji="1" lang="en-US" altLang="ja-JP" dirty="0" err="1"/>
-              <a:t>MenuActivity</a:t>
-            </a:r>
-            <a:endParaRPr kumimoji="1" lang="ja-JP" altLang="en-US" dirty="0"/>
-          </a:p>
-        </p:txBody>
-      </p:sp>
-    </p:spTree>
-    <p:extLst>
-      <p:ext uri="{BB962C8B-B14F-4D97-AF65-F5344CB8AC3E}">
-        <p14:creationId xmlns:p14="http://schemas.microsoft.com/office/powerpoint/2010/main" val="2372938064"/>
       </p:ext>
     </p:extLst>
   </p:cSld>
@@ -10259,7 +11981,7 @@
         </p:nvSpPr>
         <p:spPr>
           <a:xfrm>
-            <a:off x="6543419" y="2494542"/>
+            <a:off x="6441965" y="446567"/>
             <a:ext cx="2600581" cy="2031325"/>
           </a:xfrm>
           <a:prstGeom prst="rect">
@@ -10381,6 +12103,80 @@
               <a:t>ustomNewActivity</a:t>
             </a:r>
             <a:endParaRPr kumimoji="1" lang="ja-JP" altLang="en-US" dirty="0"/>
+          </a:p>
+        </p:txBody>
+      </p:sp>
+      <p:sp>
+        <p:nvSpPr>
+          <p:cNvPr id="4" name="テキスト ボックス 3">
+            <a:extLst>
+              <a:ext uri="{FF2B5EF4-FFF2-40B4-BE49-F238E27FC236}">
+                <a16:creationId xmlns:a16="http://schemas.microsoft.com/office/drawing/2014/main" id="{8517AE2D-B2E4-4549-A820-849F3DF5F307}"/>
+              </a:ext>
+            </a:extLst>
+          </p:cNvPr>
+          <p:cNvSpPr txBox="1"/>
+          <p:nvPr/>
+        </p:nvSpPr>
+        <p:spPr>
+          <a:xfrm>
+            <a:off x="6656394" y="4049486"/>
+            <a:ext cx="2487606" cy="646331"/>
+          </a:xfrm>
+          <a:prstGeom prst="rect">
+            <a:avLst/>
+          </a:prstGeom>
+          <a:noFill/>
+        </p:spPr>
+        <p:txBody>
+          <a:bodyPr wrap="square" rtlCol="0">
+            <a:spAutoFit/>
+          </a:bodyPr>
+          <a:lstStyle/>
+          <a:p>
+            <a:r>
+              <a:rPr kumimoji="1" lang="ja-JP" altLang="en-US" dirty="0"/>
+              <a:t>登録確認画面？を作る</a:t>
+            </a:r>
+            <a:endParaRPr kumimoji="1" lang="en-US" altLang="ja-JP" dirty="0"/>
+          </a:p>
+          <a:p>
+            <a:endParaRPr kumimoji="1" lang="ja-JP" altLang="en-US" dirty="0"/>
+          </a:p>
+        </p:txBody>
+      </p:sp>
+      <p:sp>
+        <p:nvSpPr>
+          <p:cNvPr id="6" name="テキスト ボックス 5">
+            <a:extLst>
+              <a:ext uri="{FF2B5EF4-FFF2-40B4-BE49-F238E27FC236}">
+                <a16:creationId xmlns:a16="http://schemas.microsoft.com/office/drawing/2014/main" id="{9A0C2C92-AB32-934D-83CF-EB97043014E5}"/>
+              </a:ext>
+            </a:extLst>
+          </p:cNvPr>
+          <p:cNvSpPr txBox="1"/>
+          <p:nvPr/>
+        </p:nvSpPr>
+        <p:spPr>
+          <a:xfrm>
+            <a:off x="6827520" y="5249334"/>
+            <a:ext cx="2316480" cy="923330"/>
+          </a:xfrm>
+          <a:prstGeom prst="rect">
+            <a:avLst/>
+          </a:prstGeom>
+          <a:noFill/>
+        </p:spPr>
+        <p:txBody>
+          <a:bodyPr wrap="square" rtlCol="0">
+            <a:spAutoFit/>
+          </a:bodyPr>
+          <a:lstStyle/>
+          <a:p>
+            <a:r>
+              <a:rPr kumimoji="1" lang="ja-JP" altLang="en-US" dirty="0"/>
+              <a:t>全部登録したものをリセットするボタンを作る</a:t>
+            </a:r>
           </a:p>
         </p:txBody>
       </p:sp>
@@ -10416,6 +12212,538 @@
       </p:grpSpPr>
       <p:sp>
         <p:nvSpPr>
+          <p:cNvPr id="2" name="正方形/長方形 1"/>
+          <p:cNvSpPr/>
+          <p:nvPr/>
+        </p:nvSpPr>
+        <p:spPr>
+          <a:xfrm>
+            <a:off x="2702034" y="564226"/>
+            <a:ext cx="3739931" cy="5728138"/>
+          </a:xfrm>
+          <a:prstGeom prst="rect">
+            <a:avLst/>
+          </a:prstGeom>
+          <a:solidFill>
+            <a:schemeClr val="accent3">
+              <a:lumMod val="20000"/>
+              <a:lumOff val="80000"/>
+            </a:schemeClr>
+          </a:solidFill>
+          <a:ln/>
+        </p:spPr>
+        <p:style>
+          <a:lnRef idx="2">
+            <a:schemeClr val="accent3">
+              <a:shade val="50000"/>
+            </a:schemeClr>
+          </a:lnRef>
+          <a:fillRef idx="1">
+            <a:schemeClr val="accent3"/>
+          </a:fillRef>
+          <a:effectRef idx="0">
+            <a:schemeClr val="accent3"/>
+          </a:effectRef>
+          <a:fontRef idx="minor">
+            <a:schemeClr val="lt1"/>
+          </a:fontRef>
+        </p:style>
+        <p:txBody>
+          <a:bodyPr rtlCol="0" anchor="ctr"/>
+          <a:lstStyle/>
+          <a:p>
+            <a:pPr algn="ctr"/>
+            <a:endParaRPr kumimoji="1" lang="ja-JP" altLang="en-US"/>
+          </a:p>
+        </p:txBody>
+      </p:sp>
+      <p:sp>
+        <p:nvSpPr>
+          <p:cNvPr id="3" name="正方形/長方形 2"/>
+          <p:cNvSpPr/>
+          <p:nvPr/>
+        </p:nvSpPr>
+        <p:spPr>
+          <a:xfrm>
+            <a:off x="2702034" y="564226"/>
+            <a:ext cx="3739931" cy="506204"/>
+          </a:xfrm>
+          <a:prstGeom prst="rect">
+            <a:avLst/>
+          </a:prstGeom>
+          <a:solidFill>
+            <a:schemeClr val="accent3">
+              <a:lumMod val="75000"/>
+            </a:schemeClr>
+          </a:solidFill>
+          <a:ln/>
+        </p:spPr>
+        <p:style>
+          <a:lnRef idx="2">
+            <a:schemeClr val="accent3">
+              <a:shade val="50000"/>
+            </a:schemeClr>
+          </a:lnRef>
+          <a:fillRef idx="1">
+            <a:schemeClr val="accent3"/>
+          </a:fillRef>
+          <a:effectRef idx="0">
+            <a:schemeClr val="accent3"/>
+          </a:effectRef>
+          <a:fontRef idx="minor">
+            <a:schemeClr val="lt1"/>
+          </a:fontRef>
+        </p:style>
+        <p:txBody>
+          <a:bodyPr rtlCol="0" anchor="ctr"/>
+          <a:lstStyle/>
+          <a:p>
+            <a:pPr algn="ctr"/>
+            <a:r>
+              <a:rPr kumimoji="1" lang="ja-JP" altLang="en-US" dirty="0"/>
+              <a:t>モード名（お気楽、検定、名人</a:t>
+            </a:r>
+            <a:r>
+              <a:rPr kumimoji="1" lang="en-US" altLang="ja-JP" dirty="0" err="1"/>
+              <a:t>etc</a:t>
+            </a:r>
+            <a:r>
+              <a:rPr kumimoji="1" lang="en-US" altLang="ja-JP" dirty="0"/>
+              <a:t>…</a:t>
+            </a:r>
+            <a:r>
+              <a:rPr kumimoji="1" lang="ja-JP" altLang="en-US" dirty="0"/>
+              <a:t>）</a:t>
+            </a:r>
+          </a:p>
+        </p:txBody>
+      </p:sp>
+      <p:sp>
+        <p:nvSpPr>
+          <p:cNvPr id="5" name="テキスト ボックス 4"/>
+          <p:cNvSpPr txBox="1"/>
+          <p:nvPr/>
+        </p:nvSpPr>
+        <p:spPr>
+          <a:xfrm>
+            <a:off x="2820669" y="2216440"/>
+            <a:ext cx="3311072" cy="1815882"/>
+          </a:xfrm>
+          <a:prstGeom prst="rect">
+            <a:avLst/>
+          </a:prstGeom>
+          <a:noFill/>
+        </p:spPr>
+        <p:txBody>
+          <a:bodyPr wrap="square" rtlCol="0">
+            <a:spAutoFit/>
+          </a:bodyPr>
+          <a:lstStyle/>
+          <a:p>
+            <a:pPr algn="ctr"/>
+            <a:r>
+              <a:rPr kumimoji="1" lang="ja-JP" altLang="en-US" sz="2800" dirty="0">
+                <a:latin typeface="YuKyokasho Medium" panose="02000500000000000000" pitchFamily="2" charset="-128"/>
+                <a:ea typeface="YuKyokasho Medium" panose="02000500000000000000" pitchFamily="2" charset="-128"/>
+                <a:cs typeface="ヒラギノ丸ゴ ProN W4"/>
+              </a:rPr>
+              <a:t>設定した項目</a:t>
+            </a:r>
+            <a:endParaRPr kumimoji="1" lang="en-US" altLang="ja-JP" sz="2800" dirty="0">
+              <a:latin typeface="YuKyokasho Medium" panose="02000500000000000000" pitchFamily="2" charset="-128"/>
+              <a:ea typeface="YuKyokasho Medium" panose="02000500000000000000" pitchFamily="2" charset="-128"/>
+              <a:cs typeface="ヒラギノ丸ゴ ProN W4"/>
+            </a:endParaRPr>
+          </a:p>
+          <a:p>
+            <a:pPr algn="ctr"/>
+            <a:r>
+              <a:rPr lang="ja-JP" altLang="en-US" sz="2800" dirty="0">
+                <a:latin typeface="YuKyokasho Medium" panose="02000500000000000000" pitchFamily="2" charset="-128"/>
+                <a:ea typeface="YuKyokasho Medium" panose="02000500000000000000" pitchFamily="2" charset="-128"/>
+                <a:cs typeface="ヒラギノ丸ゴ ProN W4"/>
+              </a:rPr>
+              <a:t>・</a:t>
+            </a:r>
+            <a:endParaRPr lang="en-US" altLang="ja-JP" sz="2800" dirty="0">
+              <a:latin typeface="YuKyokasho Medium" panose="02000500000000000000" pitchFamily="2" charset="-128"/>
+              <a:ea typeface="YuKyokasho Medium" panose="02000500000000000000" pitchFamily="2" charset="-128"/>
+              <a:cs typeface="ヒラギノ丸ゴ ProN W4"/>
+            </a:endParaRPr>
+          </a:p>
+          <a:p>
+            <a:pPr algn="ctr"/>
+            <a:r>
+              <a:rPr lang="ja-JP" altLang="en-US" sz="2800" dirty="0">
+                <a:latin typeface="YuKyokasho Medium" panose="02000500000000000000" pitchFamily="2" charset="-128"/>
+                <a:ea typeface="YuKyokasho Medium" panose="02000500000000000000" pitchFamily="2" charset="-128"/>
+                <a:cs typeface="ヒラギノ丸ゴ ProN W4"/>
+              </a:rPr>
+              <a:t>・</a:t>
+            </a:r>
+            <a:endParaRPr lang="en-US" altLang="ja-JP" sz="2800" dirty="0">
+              <a:latin typeface="YuKyokasho Medium" panose="02000500000000000000" pitchFamily="2" charset="-128"/>
+              <a:ea typeface="YuKyokasho Medium" panose="02000500000000000000" pitchFamily="2" charset="-128"/>
+              <a:cs typeface="ヒラギノ丸ゴ ProN W4"/>
+            </a:endParaRPr>
+          </a:p>
+          <a:p>
+            <a:pPr algn="ctr"/>
+            <a:r>
+              <a:rPr kumimoji="1" lang="ja-JP" altLang="en-US" sz="2800" dirty="0">
+                <a:latin typeface="YuKyokasho Medium" panose="02000500000000000000" pitchFamily="2" charset="-128"/>
+                <a:ea typeface="YuKyokasho Medium" panose="02000500000000000000" pitchFamily="2" charset="-128"/>
+                <a:cs typeface="ヒラギノ丸ゴ ProN W4"/>
+              </a:rPr>
+              <a:t>・</a:t>
+            </a:r>
+          </a:p>
+        </p:txBody>
+      </p:sp>
+      <p:sp>
+        <p:nvSpPr>
+          <p:cNvPr id="9" name="角丸四角形 8">
+            <a:extLst>
+              <a:ext uri="{FF2B5EF4-FFF2-40B4-BE49-F238E27FC236}">
+                <a16:creationId xmlns:a16="http://schemas.microsoft.com/office/drawing/2014/main" id="{23FA34EC-72AA-F243-B17F-8F205DFCEE06}"/>
+              </a:ext>
+            </a:extLst>
+          </p:cNvPr>
+          <p:cNvSpPr/>
+          <p:nvPr/>
+        </p:nvSpPr>
+        <p:spPr>
+          <a:xfrm>
+            <a:off x="3862159" y="5627215"/>
+            <a:ext cx="1419679" cy="522507"/>
+          </a:xfrm>
+          <a:prstGeom prst="roundRect">
+            <a:avLst/>
+          </a:prstGeom>
+        </p:spPr>
+        <p:style>
+          <a:lnRef idx="2">
+            <a:schemeClr val="accent3">
+              <a:shade val="50000"/>
+            </a:schemeClr>
+          </a:lnRef>
+          <a:fillRef idx="1">
+            <a:schemeClr val="accent3"/>
+          </a:fillRef>
+          <a:effectRef idx="0">
+            <a:schemeClr val="accent3"/>
+          </a:effectRef>
+          <a:fontRef idx="minor">
+            <a:schemeClr val="lt1"/>
+          </a:fontRef>
+        </p:style>
+        <p:txBody>
+          <a:bodyPr rtlCol="0" anchor="ctr"/>
+          <a:lstStyle/>
+          <a:p>
+            <a:pPr algn="ctr"/>
+            <a:r>
+              <a:rPr lang="ja-JP" altLang="en-US" sz="3200" dirty="0">
+                <a:latin typeface="YuKyokasho Medium" panose="02000500000000000000" pitchFamily="2" charset="-128"/>
+                <a:ea typeface="YuKyokasho Medium" panose="02000500000000000000" pitchFamily="2" charset="-128"/>
+                <a:cs typeface="ヒラギノ丸ゴ ProN W4"/>
+              </a:rPr>
+              <a:t>戻る</a:t>
+            </a:r>
+            <a:endParaRPr kumimoji="1" lang="ja-JP" altLang="en-US" sz="3200" dirty="0">
+              <a:latin typeface="YuKyokasho Medium" panose="02000500000000000000" pitchFamily="2" charset="-128"/>
+              <a:ea typeface="YuKyokasho Medium" panose="02000500000000000000" pitchFamily="2" charset="-128"/>
+              <a:cs typeface="ヒラギノ丸ゴ ProN W4"/>
+            </a:endParaRPr>
+          </a:p>
+        </p:txBody>
+      </p:sp>
+      <p:sp>
+        <p:nvSpPr>
+          <p:cNvPr id="12" name="角丸四角形 11">
+            <a:extLst>
+              <a:ext uri="{FF2B5EF4-FFF2-40B4-BE49-F238E27FC236}">
+                <a16:creationId xmlns:a16="http://schemas.microsoft.com/office/drawing/2014/main" id="{8EFA7D81-DD7F-034C-938A-6127302BE7F4}"/>
+              </a:ext>
+            </a:extLst>
+          </p:cNvPr>
+          <p:cNvSpPr/>
+          <p:nvPr/>
+        </p:nvSpPr>
+        <p:spPr>
+          <a:xfrm>
+            <a:off x="3282675" y="4962066"/>
+            <a:ext cx="2578645" cy="522507"/>
+          </a:xfrm>
+          <a:prstGeom prst="roundRect">
+            <a:avLst/>
+          </a:prstGeom>
+        </p:spPr>
+        <p:style>
+          <a:lnRef idx="2">
+            <a:schemeClr val="accent3">
+              <a:shade val="50000"/>
+            </a:schemeClr>
+          </a:lnRef>
+          <a:fillRef idx="1">
+            <a:schemeClr val="accent3"/>
+          </a:fillRef>
+          <a:effectRef idx="0">
+            <a:schemeClr val="accent3"/>
+          </a:effectRef>
+          <a:fontRef idx="minor">
+            <a:schemeClr val="lt1"/>
+          </a:fontRef>
+        </p:style>
+        <p:txBody>
+          <a:bodyPr rtlCol="0" anchor="ctr"/>
+          <a:lstStyle/>
+          <a:p>
+            <a:pPr algn="ctr"/>
+            <a:r>
+              <a:rPr lang="ja-JP" altLang="en-US" sz="3200" dirty="0">
+                <a:latin typeface="YuKyokasho Medium" panose="02000500000000000000" pitchFamily="2" charset="-128"/>
+                <a:ea typeface="YuKyokasho Medium" panose="02000500000000000000" pitchFamily="2" charset="-128"/>
+                <a:cs typeface="ヒラギノ丸ゴ ProN W4"/>
+              </a:rPr>
+              <a:t>保存する</a:t>
+            </a:r>
+            <a:endParaRPr kumimoji="1" lang="ja-JP" altLang="en-US" sz="3200" dirty="0">
+              <a:latin typeface="YuKyokasho Medium" panose="02000500000000000000" pitchFamily="2" charset="-128"/>
+              <a:ea typeface="YuKyokasho Medium" panose="02000500000000000000" pitchFamily="2" charset="-128"/>
+              <a:cs typeface="ヒラギノ丸ゴ ProN W4"/>
+            </a:endParaRPr>
+          </a:p>
+        </p:txBody>
+      </p:sp>
+      <p:sp>
+        <p:nvSpPr>
+          <p:cNvPr id="13" name="角丸四角形 12">
+            <a:extLst>
+              <a:ext uri="{FF2B5EF4-FFF2-40B4-BE49-F238E27FC236}">
+                <a16:creationId xmlns:a16="http://schemas.microsoft.com/office/drawing/2014/main" id="{188F5972-4DBA-464F-997E-2B0332AE3FA0}"/>
+              </a:ext>
+            </a:extLst>
+          </p:cNvPr>
+          <p:cNvSpPr/>
+          <p:nvPr/>
+        </p:nvSpPr>
+        <p:spPr>
+          <a:xfrm>
+            <a:off x="3186882" y="1490315"/>
+            <a:ext cx="2578645" cy="522507"/>
+          </a:xfrm>
+          <a:prstGeom prst="roundRect">
+            <a:avLst/>
+          </a:prstGeom>
+        </p:spPr>
+        <p:style>
+          <a:lnRef idx="2">
+            <a:schemeClr val="accent3"/>
+          </a:lnRef>
+          <a:fillRef idx="1">
+            <a:schemeClr val="lt1"/>
+          </a:fillRef>
+          <a:effectRef idx="0">
+            <a:schemeClr val="accent3"/>
+          </a:effectRef>
+          <a:fontRef idx="minor">
+            <a:schemeClr val="dk1"/>
+          </a:fontRef>
+        </p:style>
+        <p:txBody>
+          <a:bodyPr rtlCol="0" anchor="ctr"/>
+          <a:lstStyle/>
+          <a:p>
+            <a:pPr algn="ctr"/>
+            <a:r>
+              <a:rPr lang="en-US" altLang="ja-JP" sz="2000" dirty="0">
+                <a:latin typeface="YuKyokasho Medium" panose="02000500000000000000" pitchFamily="2" charset="-128"/>
+                <a:ea typeface="YuKyokasho Medium" panose="02000500000000000000" pitchFamily="2" charset="-128"/>
+                <a:cs typeface="ヒラギノ丸ゴ ProN W4"/>
+              </a:rPr>
+              <a:t>custom</a:t>
+            </a:r>
+            <a:r>
+              <a:rPr lang="ja-JP" altLang="en-US" sz="2000" dirty="0">
+                <a:latin typeface="YuKyokasho Medium" panose="02000500000000000000" pitchFamily="2" charset="-128"/>
+                <a:ea typeface="YuKyokasho Medium" panose="02000500000000000000" pitchFamily="2" charset="-128"/>
+                <a:cs typeface="ヒラギノ丸ゴ ProN W4"/>
+              </a:rPr>
+              <a:t>名</a:t>
+            </a:r>
+            <a:endParaRPr kumimoji="1" lang="ja-JP" altLang="en-US" sz="2000" dirty="0">
+              <a:latin typeface="YuKyokasho Medium" panose="02000500000000000000" pitchFamily="2" charset="-128"/>
+              <a:ea typeface="YuKyokasho Medium" panose="02000500000000000000" pitchFamily="2" charset="-128"/>
+              <a:cs typeface="ヒラギノ丸ゴ ProN W4"/>
+            </a:endParaRPr>
+          </a:p>
+        </p:txBody>
+      </p:sp>
+      <p:sp>
+        <p:nvSpPr>
+          <p:cNvPr id="4" name="テキスト ボックス 3">
+            <a:extLst>
+              <a:ext uri="{FF2B5EF4-FFF2-40B4-BE49-F238E27FC236}">
+                <a16:creationId xmlns:a16="http://schemas.microsoft.com/office/drawing/2014/main" id="{83CBBB65-EEAC-4547-973D-47E393C12FCC}"/>
+              </a:ext>
+            </a:extLst>
+          </p:cNvPr>
+          <p:cNvSpPr txBox="1"/>
+          <p:nvPr/>
+        </p:nvSpPr>
+        <p:spPr>
+          <a:xfrm>
+            <a:off x="6930639" y="1854437"/>
+            <a:ext cx="2119357" cy="923330"/>
+          </a:xfrm>
+          <a:prstGeom prst="rect">
+            <a:avLst/>
+          </a:prstGeom>
+          <a:noFill/>
+        </p:spPr>
+        <p:txBody>
+          <a:bodyPr wrap="square" rtlCol="0">
+            <a:spAutoFit/>
+          </a:bodyPr>
+          <a:lstStyle/>
+          <a:p>
+            <a:r>
+              <a:rPr lang="ja-JP" altLang="en-US" dirty="0"/>
+              <a:t>新規登録</a:t>
+            </a:r>
+            <a:endParaRPr lang="en-US" altLang="ja-JP" dirty="0"/>
+          </a:p>
+          <a:p>
+            <a:r>
+              <a:rPr kumimoji="1" lang="ja-JP" altLang="en-US" dirty="0"/>
+              <a:t>既存のメンバー</a:t>
+            </a:r>
+            <a:endParaRPr kumimoji="1" lang="en-US" altLang="ja-JP" dirty="0"/>
+          </a:p>
+          <a:p>
+            <a:endParaRPr kumimoji="1" lang="ja-JP" altLang="en-US" dirty="0"/>
+          </a:p>
+        </p:txBody>
+      </p:sp>
+      <p:sp>
+        <p:nvSpPr>
+          <p:cNvPr id="6" name="テキスト ボックス 5">
+            <a:extLst>
+              <a:ext uri="{FF2B5EF4-FFF2-40B4-BE49-F238E27FC236}">
+                <a16:creationId xmlns:a16="http://schemas.microsoft.com/office/drawing/2014/main" id="{FFB69D9B-9AB1-414D-AF06-D6A69B2358F3}"/>
+              </a:ext>
+            </a:extLst>
+          </p:cNvPr>
+          <p:cNvSpPr txBox="1"/>
+          <p:nvPr/>
+        </p:nvSpPr>
+        <p:spPr>
+          <a:xfrm>
+            <a:off x="179461" y="174156"/>
+            <a:ext cx="3247401" cy="369332"/>
+          </a:xfrm>
+          <a:prstGeom prst="rect">
+            <a:avLst/>
+          </a:prstGeom>
+          <a:noFill/>
+        </p:spPr>
+        <p:txBody>
+          <a:bodyPr wrap="square" rtlCol="0">
+            <a:spAutoFit/>
+          </a:bodyPr>
+          <a:lstStyle/>
+          <a:p>
+            <a:r>
+              <a:rPr lang="en-US" altLang="ja-JP" dirty="0" err="1"/>
+              <a:t>ModeConfirmation</a:t>
+            </a:r>
+            <a:r>
+              <a:rPr kumimoji="1" lang="en-US" altLang="ja-JP" dirty="0" err="1"/>
+              <a:t>Activity</a:t>
+            </a:r>
+            <a:endParaRPr kumimoji="1" lang="ja-JP" altLang="en-US" dirty="0"/>
+          </a:p>
+        </p:txBody>
+      </p:sp>
+      <p:sp>
+        <p:nvSpPr>
+          <p:cNvPr id="7" name="テキスト ボックス 6">
+            <a:extLst>
+              <a:ext uri="{FF2B5EF4-FFF2-40B4-BE49-F238E27FC236}">
+                <a16:creationId xmlns:a16="http://schemas.microsoft.com/office/drawing/2014/main" id="{5B484874-69F8-DD41-ACBB-AE7BA2702416}"/>
+              </a:ext>
+            </a:extLst>
+          </p:cNvPr>
+          <p:cNvSpPr txBox="1"/>
+          <p:nvPr/>
+        </p:nvSpPr>
+        <p:spPr>
+          <a:xfrm>
+            <a:off x="6643256" y="2777767"/>
+            <a:ext cx="2500744" cy="2031325"/>
+          </a:xfrm>
+          <a:prstGeom prst="rect">
+            <a:avLst/>
+          </a:prstGeom>
+          <a:noFill/>
+        </p:spPr>
+        <p:txBody>
+          <a:bodyPr wrap="square" rtlCol="0">
+            <a:spAutoFit/>
+          </a:bodyPr>
+          <a:lstStyle/>
+          <a:p>
+            <a:r>
+              <a:rPr lang="ja-JP" altLang="en-US" dirty="0"/>
+              <a:t>こうもくを登録したら、計測確認画面にとぶ（モード説明画面とは違う）</a:t>
+            </a:r>
+            <a:endParaRPr lang="en-US" altLang="ja-JP" dirty="0"/>
+          </a:p>
+          <a:p>
+            <a:r>
+              <a:rPr kumimoji="1" lang="ja-JP" altLang="en-US" dirty="0"/>
+              <a:t>↑の画面で戻る？ボタンはカスタム設定画面に遷移</a:t>
+            </a:r>
+            <a:endParaRPr kumimoji="1" lang="en-US" altLang="ja-JP" dirty="0"/>
+          </a:p>
+          <a:p>
+            <a:endParaRPr kumimoji="1" lang="ja-JP" altLang="en-US" dirty="0"/>
+          </a:p>
+        </p:txBody>
+      </p:sp>
+    </p:spTree>
+    <p:extLst>
+      <p:ext uri="{BB962C8B-B14F-4D97-AF65-F5344CB8AC3E}">
+        <p14:creationId xmlns:p14="http://schemas.microsoft.com/office/powerpoint/2010/main" val="2552481129"/>
+      </p:ext>
+    </p:extLst>
+  </p:cSld>
+  <p:clrMapOvr>
+    <a:masterClrMapping/>
+  </p:clrMapOvr>
+</p:sld>
+</file>
+
+<file path=ppt/slides/slide6.xml><?xml version="1.0" encoding="utf-8"?>
+<p:sld xmlns:a="http://schemas.openxmlformats.org/drawingml/2006/main" xmlns:r="http://schemas.openxmlformats.org/officeDocument/2006/relationships" xmlns:p="http://schemas.openxmlformats.org/presentationml/2006/main">
+  <p:cSld>
+    <p:spTree>
+      <p:nvGrpSpPr>
+        <p:cNvPr id="1" name=""/>
+        <p:cNvGrpSpPr/>
+        <p:nvPr/>
+      </p:nvGrpSpPr>
+      <p:grpSpPr>
+        <a:xfrm>
+          <a:off x="0" y="0"/>
+          <a:ext cx="0" cy="0"/>
+          <a:chOff x="0" y="0"/>
+          <a:chExt cx="0" cy="0"/>
+        </a:xfrm>
+      </p:grpSpPr>
+      <p:sp>
+        <p:nvSpPr>
           <p:cNvPr id="2" name="正方形/長方形 1">
             <a:extLst>
               <a:ext uri="{FF2B5EF4-FFF2-40B4-BE49-F238E27FC236}">
@@ -10615,26 +12943,21 @@
           <a:p>
             <a:pPr algn="ctr"/>
             <a:r>
+              <a:rPr kumimoji="1" lang="en-US" altLang="ja-JP" sz="3600" dirty="0">
+                <a:latin typeface="YuKyokasho Medium" panose="02000500000000000000" pitchFamily="2" charset="-128"/>
+                <a:ea typeface="YuKyokasho Medium" panose="02000500000000000000" pitchFamily="2" charset="-128"/>
+                <a:cs typeface="ヒラギノ丸ゴ ProN W4"/>
+              </a:rPr>
+              <a:t>Custom</a:t>
+            </a:r>
+            <a:r>
               <a:rPr kumimoji="1" lang="ja-JP" altLang="en-US" sz="3600" dirty="0">
                 <a:latin typeface="YuKyokasho Medium" panose="02000500000000000000" pitchFamily="2" charset="-128"/>
                 <a:ea typeface="YuKyokasho Medium" panose="02000500000000000000" pitchFamily="2" charset="-128"/>
                 <a:cs typeface="ヒラギノ丸ゴ ProN W4"/>
               </a:rPr>
-              <a:t>履歴</a:t>
-            </a:r>
-            <a:r>
-              <a:rPr lang="en-US" altLang="ja-JP" sz="3600" dirty="0">
-                <a:latin typeface="YuKyokasho Medium" panose="02000500000000000000" pitchFamily="2" charset="-128"/>
-                <a:ea typeface="YuKyokasho Medium" panose="02000500000000000000" pitchFamily="2" charset="-128"/>
-                <a:cs typeface="ヒラギノ丸ゴ ProN W4"/>
-              </a:rPr>
-              <a:t>1</a:t>
-            </a:r>
-            <a:endParaRPr kumimoji="1" lang="ja-JP" altLang="en-US" sz="3600" dirty="0">
-              <a:latin typeface="YuKyokasho Medium" panose="02000500000000000000" pitchFamily="2" charset="-128"/>
-              <a:ea typeface="YuKyokasho Medium" panose="02000500000000000000" pitchFamily="2" charset="-128"/>
-              <a:cs typeface="ヒラギノ丸ゴ ProN W4"/>
-            </a:endParaRPr>
+              <a:t>名</a:t>
+            </a:r>
           </a:p>
         </p:txBody>
       </p:sp>
@@ -10686,7 +13009,7 @@
                 <a:ea typeface="YuKyokasho Medium" panose="02000500000000000000" pitchFamily="2" charset="-128"/>
                 <a:cs typeface="ヒラギノ丸ゴ ProN W4"/>
               </a:rPr>
-              <a:t>履歴</a:t>
+              <a:t>カスタム</a:t>
             </a:r>
             <a:r>
               <a:rPr lang="en-US" altLang="ja-JP" sz="3600" dirty="0">
@@ -10752,7 +13075,7 @@
                 <a:ea typeface="YuKyokasho Medium" panose="02000500000000000000" pitchFamily="2" charset="-128"/>
                 <a:cs typeface="ヒラギノ丸ゴ ProN W4"/>
               </a:rPr>
-              <a:t>履歴</a:t>
+              <a:t>カスタム</a:t>
             </a:r>
             <a:r>
               <a:rPr lang="en-US" altLang="ja-JP" sz="3600" dirty="0">
@@ -10813,20 +13136,12 @@
           <a:p>
             <a:pPr algn="ctr"/>
             <a:r>
-              <a:rPr lang="ja-JP" altLang="en-US" sz="3600" dirty="0">
-                <a:latin typeface="YuKyokasho Medium" panose="02000500000000000000" pitchFamily="2" charset="-128"/>
-                <a:ea typeface="YuKyokasho Medium" panose="02000500000000000000" pitchFamily="2" charset="-128"/>
-                <a:cs typeface="ヒラギノ丸ゴ ProN W4"/>
-              </a:rPr>
-              <a:t>履歴</a:t>
-            </a:r>
-            <a:r>
               <a:rPr lang="en-US" altLang="ja-JP" sz="3600" dirty="0">
                 <a:latin typeface="YuKyokasho Medium" panose="02000500000000000000" pitchFamily="2" charset="-128"/>
                 <a:ea typeface="YuKyokasho Medium" panose="02000500000000000000" pitchFamily="2" charset="-128"/>
                 <a:cs typeface="ヒラギノ丸ゴ ProN W4"/>
               </a:rPr>
-              <a:t>4</a:t>
+              <a:t>custom4</a:t>
             </a:r>
             <a:endParaRPr lang="ja-JP" altLang="en-US" sz="3600" dirty="0">
               <a:latin typeface="YuKyokasho Medium" panose="02000500000000000000" pitchFamily="2" charset="-128"/>
@@ -10972,6 +13287,64 @@
             <a:r>
               <a:rPr kumimoji="1" lang="en-US" altLang="ja-JP" dirty="0" err="1"/>
               <a:t>ustomMemolyActivity</a:t>
+            </a:r>
+            <a:endParaRPr kumimoji="1" lang="ja-JP" altLang="en-US" dirty="0"/>
+          </a:p>
+        </p:txBody>
+      </p:sp>
+      <p:sp>
+        <p:nvSpPr>
+          <p:cNvPr id="4" name="テキスト ボックス 3">
+            <a:extLst>
+              <a:ext uri="{FF2B5EF4-FFF2-40B4-BE49-F238E27FC236}">
+                <a16:creationId xmlns:a16="http://schemas.microsoft.com/office/drawing/2014/main" id="{BB5FCEEA-F7EC-2848-8CBF-F4E4E8C44E60}"/>
+              </a:ext>
+            </a:extLst>
+          </p:cNvPr>
+          <p:cNvSpPr txBox="1"/>
+          <p:nvPr/>
+        </p:nvSpPr>
+        <p:spPr>
+          <a:xfrm>
+            <a:off x="229554" y="1640494"/>
+            <a:ext cx="2371026" cy="1200329"/>
+          </a:xfrm>
+          <a:prstGeom prst="rect">
+            <a:avLst/>
+          </a:prstGeom>
+          <a:noFill/>
+        </p:spPr>
+        <p:txBody>
+          <a:bodyPr wrap="square" rtlCol="0">
+            <a:spAutoFit/>
+          </a:bodyPr>
+          <a:lstStyle/>
+          <a:p>
+            <a:r>
+              <a:rPr kumimoji="1" lang="ja-JP" altLang="en-US" dirty="0"/>
+              <a:t>・カスタム項目は</a:t>
+            </a:r>
+            <a:r>
+              <a:rPr kumimoji="1" lang="en-US" altLang="ja-JP" dirty="0"/>
+              <a:t>10</a:t>
+            </a:r>
+            <a:r>
+              <a:rPr kumimoji="1" lang="ja-JP" altLang="en-US" dirty="0"/>
+              <a:t>個</a:t>
+            </a:r>
+            <a:endParaRPr kumimoji="1" lang="en-US" altLang="ja-JP" dirty="0"/>
+          </a:p>
+          <a:p>
+            <a:r>
+              <a:rPr kumimoji="1" lang="ja-JP" altLang="en-US" dirty="0"/>
+              <a:t>・設定したカスタムを消せるようにする</a:t>
+            </a:r>
+            <a:endParaRPr kumimoji="1" lang="en-US" altLang="ja-JP" dirty="0"/>
+          </a:p>
+          <a:p>
+            <a:r>
+              <a:rPr lang="ja-JP" altLang="en-US" dirty="0"/>
+              <a:t>・</a:t>
             </a:r>
             <a:endParaRPr kumimoji="1" lang="ja-JP" altLang="en-US" dirty="0"/>
           </a:p>
@@ -10990,7 +13363,7 @@
 </p:sld>
 </file>
 
-<file path=ppt/slides/slide6.xml><?xml version="1.0" encoding="utf-8"?>
+<file path=ppt/slides/slide7.xml><?xml version="1.0" encoding="utf-8"?>
 <p:sld xmlns:a="http://schemas.openxmlformats.org/drawingml/2006/main" xmlns:r="http://schemas.openxmlformats.org/officeDocument/2006/relationships" xmlns:p="http://schemas.openxmlformats.org/presentationml/2006/main">
   <p:cSld>
     <p:spTree>
@@ -11722,512 +14095,50 @@
           </a:p>
         </p:txBody>
       </p:sp>
+      <p:sp>
+        <p:nvSpPr>
+          <p:cNvPr id="10" name="テキスト ボックス 9">
+            <a:extLst>
+              <a:ext uri="{FF2B5EF4-FFF2-40B4-BE49-F238E27FC236}">
+                <a16:creationId xmlns:a16="http://schemas.microsoft.com/office/drawing/2014/main" id="{A5103838-7AF2-2442-B859-F482BCC6FA9B}"/>
+              </a:ext>
+            </a:extLst>
+          </p:cNvPr>
+          <p:cNvSpPr txBox="1"/>
+          <p:nvPr/>
+        </p:nvSpPr>
+        <p:spPr>
+          <a:xfrm>
+            <a:off x="87923" y="118407"/>
+            <a:ext cx="2962926" cy="369332"/>
+          </a:xfrm>
+          <a:prstGeom prst="rect">
+            <a:avLst/>
+          </a:prstGeom>
+          <a:noFill/>
+        </p:spPr>
+        <p:txBody>
+          <a:bodyPr wrap="square" rtlCol="0">
+            <a:spAutoFit/>
+          </a:bodyPr>
+          <a:lstStyle/>
+          <a:p>
+            <a:r>
+              <a:rPr lang="en-US" altLang="ja-JP" dirty="0" err="1"/>
+              <a:t>C</a:t>
+            </a:r>
+            <a:r>
+              <a:rPr kumimoji="1" lang="en-US" altLang="ja-JP" dirty="0" err="1"/>
+              <a:t>ustomMemolyCheckActivity</a:t>
+            </a:r>
+            <a:endParaRPr kumimoji="1" lang="ja-JP" altLang="en-US" dirty="0"/>
+          </a:p>
+        </p:txBody>
+      </p:sp>
     </p:spTree>
     <p:extLst>
       <p:ext uri="{BB962C8B-B14F-4D97-AF65-F5344CB8AC3E}">
         <p14:creationId xmlns:p14="http://schemas.microsoft.com/office/powerpoint/2010/main" val="4010588071"/>
-      </p:ext>
-    </p:extLst>
-  </p:cSld>
-  <p:clrMapOvr>
-    <a:masterClrMapping/>
-  </p:clrMapOvr>
-</p:sld>
-</file>
-
-<file path=ppt/slides/slide7.xml><?xml version="1.0" encoding="utf-8"?>
-<p:sld xmlns:a="http://schemas.openxmlformats.org/drawingml/2006/main" xmlns:r="http://schemas.openxmlformats.org/officeDocument/2006/relationships" xmlns:p="http://schemas.openxmlformats.org/presentationml/2006/main">
-  <p:cSld>
-    <p:spTree>
-      <p:nvGrpSpPr>
-        <p:cNvPr id="1" name=""/>
-        <p:cNvGrpSpPr/>
-        <p:nvPr/>
-      </p:nvGrpSpPr>
-      <p:grpSpPr>
-        <a:xfrm>
-          <a:off x="0" y="0"/>
-          <a:ext cx="0" cy="0"/>
-          <a:chOff x="0" y="0"/>
-          <a:chExt cx="0" cy="0"/>
-        </a:xfrm>
-      </p:grpSpPr>
-      <p:sp>
-        <p:nvSpPr>
-          <p:cNvPr id="2" name="正方形/長方形 1"/>
-          <p:cNvSpPr/>
-          <p:nvPr/>
-        </p:nvSpPr>
-        <p:spPr>
-          <a:xfrm>
-            <a:off x="2702034" y="564226"/>
-            <a:ext cx="3739931" cy="5728138"/>
-          </a:xfrm>
-          <a:prstGeom prst="rect">
-            <a:avLst/>
-          </a:prstGeom>
-          <a:solidFill>
-            <a:schemeClr val="accent3">
-              <a:lumMod val="20000"/>
-              <a:lumOff val="80000"/>
-            </a:schemeClr>
-          </a:solidFill>
-          <a:ln/>
-        </p:spPr>
-        <p:style>
-          <a:lnRef idx="2">
-            <a:schemeClr val="accent3">
-              <a:shade val="50000"/>
-            </a:schemeClr>
-          </a:lnRef>
-          <a:fillRef idx="1">
-            <a:schemeClr val="accent3"/>
-          </a:fillRef>
-          <a:effectRef idx="0">
-            <a:schemeClr val="accent3"/>
-          </a:effectRef>
-          <a:fontRef idx="minor">
-            <a:schemeClr val="lt1"/>
-          </a:fontRef>
-        </p:style>
-        <p:txBody>
-          <a:bodyPr rtlCol="0" anchor="ctr"/>
-          <a:lstStyle/>
-          <a:p>
-            <a:pPr algn="ctr"/>
-            <a:endParaRPr kumimoji="1" lang="ja-JP" altLang="en-US"/>
-          </a:p>
-        </p:txBody>
-      </p:sp>
-      <p:sp>
-        <p:nvSpPr>
-          <p:cNvPr id="3" name="正方形/長方形 2"/>
-          <p:cNvSpPr/>
-          <p:nvPr/>
-        </p:nvSpPr>
-        <p:spPr>
-          <a:xfrm>
-            <a:off x="2702034" y="564226"/>
-            <a:ext cx="3739931" cy="506204"/>
-          </a:xfrm>
-          <a:prstGeom prst="rect">
-            <a:avLst/>
-          </a:prstGeom>
-          <a:solidFill>
-            <a:schemeClr val="accent3">
-              <a:lumMod val="75000"/>
-            </a:schemeClr>
-          </a:solidFill>
-          <a:ln/>
-        </p:spPr>
-        <p:style>
-          <a:lnRef idx="2">
-            <a:schemeClr val="accent3">
-              <a:shade val="50000"/>
-            </a:schemeClr>
-          </a:lnRef>
-          <a:fillRef idx="1">
-            <a:schemeClr val="accent3"/>
-          </a:fillRef>
-          <a:effectRef idx="0">
-            <a:schemeClr val="accent3"/>
-          </a:effectRef>
-          <a:fontRef idx="minor">
-            <a:schemeClr val="lt1"/>
-          </a:fontRef>
-        </p:style>
-        <p:txBody>
-          <a:bodyPr rtlCol="0" anchor="ctr"/>
-          <a:lstStyle/>
-          <a:p>
-            <a:pPr algn="ctr"/>
-            <a:endParaRPr kumimoji="1" lang="ja-JP" altLang="en-US"/>
-          </a:p>
-        </p:txBody>
-      </p:sp>
-      <p:sp>
-        <p:nvSpPr>
-          <p:cNvPr id="4" name="角丸四角形 3"/>
-          <p:cNvSpPr/>
-          <p:nvPr/>
-        </p:nvSpPr>
-        <p:spPr>
-          <a:xfrm>
-            <a:off x="2916464" y="1460501"/>
-            <a:ext cx="3311072" cy="807356"/>
-          </a:xfrm>
-          <a:prstGeom prst="roundRect">
-            <a:avLst/>
-          </a:prstGeom>
-          <a:solidFill>
-            <a:srgbClr val="D57C6B"/>
-          </a:solidFill>
-          <a:ln>
-            <a:solidFill>
-              <a:schemeClr val="accent2">
-                <a:lumMod val="20000"/>
-                <a:lumOff val="80000"/>
-              </a:schemeClr>
-            </a:solidFill>
-          </a:ln>
-        </p:spPr>
-        <p:style>
-          <a:lnRef idx="2">
-            <a:schemeClr val="accent3">
-              <a:shade val="50000"/>
-            </a:schemeClr>
-          </a:lnRef>
-          <a:fillRef idx="1">
-            <a:schemeClr val="accent3"/>
-          </a:fillRef>
-          <a:effectRef idx="0">
-            <a:schemeClr val="accent3"/>
-          </a:effectRef>
-          <a:fontRef idx="minor">
-            <a:schemeClr val="lt1"/>
-          </a:fontRef>
-        </p:style>
-        <p:txBody>
-          <a:bodyPr rtlCol="0" anchor="ctr"/>
-          <a:lstStyle/>
-          <a:p>
-            <a:pPr algn="ctr"/>
-            <a:r>
-              <a:rPr kumimoji="1" lang="ja-JP" altLang="en-US" sz="3200" dirty="0">
-                <a:latin typeface="KodomoRounded" panose="02000600000000000000" pitchFamily="2" charset="-128"/>
-                <a:ea typeface="KodomoRounded" panose="02000600000000000000" pitchFamily="2" charset="-128"/>
-                <a:cs typeface="ヒラギノ丸ゴ ProN W4"/>
-              </a:rPr>
-              <a:t>お気楽モード</a:t>
-            </a:r>
-          </a:p>
-        </p:txBody>
-      </p:sp>
-      <p:sp>
-        <p:nvSpPr>
-          <p:cNvPr id="8" name="角丸四角形 7"/>
-          <p:cNvSpPr/>
-          <p:nvPr/>
-        </p:nvSpPr>
-        <p:spPr>
-          <a:xfrm>
-            <a:off x="2916464" y="2481943"/>
-            <a:ext cx="3311072" cy="807356"/>
-          </a:xfrm>
-          <a:prstGeom prst="roundRect">
-            <a:avLst/>
-          </a:prstGeom>
-          <a:solidFill>
-            <a:srgbClr val="696C1B"/>
-          </a:solidFill>
-          <a:ln>
-            <a:solidFill>
-              <a:schemeClr val="accent3">
-                <a:lumMod val="40000"/>
-                <a:lumOff val="60000"/>
-              </a:schemeClr>
-            </a:solidFill>
-          </a:ln>
-        </p:spPr>
-        <p:style>
-          <a:lnRef idx="2">
-            <a:schemeClr val="accent3">
-              <a:shade val="50000"/>
-            </a:schemeClr>
-          </a:lnRef>
-          <a:fillRef idx="1">
-            <a:schemeClr val="accent3"/>
-          </a:fillRef>
-          <a:effectRef idx="0">
-            <a:schemeClr val="accent3"/>
-          </a:effectRef>
-          <a:fontRef idx="minor">
-            <a:schemeClr val="lt1"/>
-          </a:fontRef>
-        </p:style>
-        <p:txBody>
-          <a:bodyPr rtlCol="0" anchor="ctr"/>
-          <a:lstStyle/>
-          <a:p>
-            <a:pPr algn="ctr"/>
-            <a:r>
-              <a:rPr lang="ja-JP" altLang="en-US" sz="3200" dirty="0">
-                <a:latin typeface="YuKyokasho Medium" panose="02000500000000000000" pitchFamily="2" charset="-128"/>
-                <a:ea typeface="YuKyokasho Medium" panose="02000500000000000000" pitchFamily="2" charset="-128"/>
-                <a:cs typeface="ヒラギノ丸ゴ ProN W4"/>
-              </a:rPr>
-              <a:t>検定</a:t>
-            </a:r>
-            <a:r>
-              <a:rPr kumimoji="1" lang="ja-JP" altLang="en-US" sz="3200" dirty="0">
-                <a:latin typeface="YuKyokasho Medium" panose="02000500000000000000" pitchFamily="2" charset="-128"/>
-                <a:ea typeface="YuKyokasho Medium" panose="02000500000000000000" pitchFamily="2" charset="-128"/>
-                <a:cs typeface="ヒラギノ丸ゴ ProN W4"/>
-              </a:rPr>
-              <a:t>モード</a:t>
-            </a:r>
-          </a:p>
-        </p:txBody>
-      </p:sp>
-      <p:sp>
-        <p:nvSpPr>
-          <p:cNvPr id="9" name="角丸四角形 8"/>
-          <p:cNvSpPr/>
-          <p:nvPr/>
-        </p:nvSpPr>
-        <p:spPr>
-          <a:xfrm>
-            <a:off x="2916464" y="3503385"/>
-            <a:ext cx="3311072" cy="807356"/>
-          </a:xfrm>
-          <a:prstGeom prst="roundRect">
-            <a:avLst/>
-          </a:prstGeom>
-          <a:solidFill>
-            <a:srgbClr val="164B73"/>
-          </a:solidFill>
-          <a:ln>
-            <a:solidFill>
-              <a:srgbClr val="163053"/>
-            </a:solidFill>
-          </a:ln>
-        </p:spPr>
-        <p:style>
-          <a:lnRef idx="2">
-            <a:schemeClr val="accent3">
-              <a:shade val="50000"/>
-            </a:schemeClr>
-          </a:lnRef>
-          <a:fillRef idx="1">
-            <a:schemeClr val="accent3"/>
-          </a:fillRef>
-          <a:effectRef idx="0">
-            <a:schemeClr val="accent3"/>
-          </a:effectRef>
-          <a:fontRef idx="minor">
-            <a:schemeClr val="lt1"/>
-          </a:fontRef>
-        </p:style>
-        <p:txBody>
-          <a:bodyPr rtlCol="0" anchor="ctr"/>
-          <a:lstStyle/>
-          <a:p>
-            <a:pPr algn="ctr"/>
-            <a:r>
-              <a:rPr lang="ja-JP" altLang="en-US" sz="3200" dirty="0">
-                <a:latin typeface="YuKyokasho Medium" panose="02000500000000000000" pitchFamily="2" charset="-128"/>
-                <a:ea typeface="YuKyokasho Medium" panose="02000500000000000000" pitchFamily="2" charset="-128"/>
-                <a:cs typeface="ヒラギノ丸ゴ ProN W4"/>
-              </a:rPr>
-              <a:t>名人</a:t>
-            </a:r>
-            <a:r>
-              <a:rPr kumimoji="1" lang="ja-JP" altLang="en-US" sz="3200" dirty="0">
-                <a:latin typeface="YuKyokasho Medium" panose="02000500000000000000" pitchFamily="2" charset="-128"/>
-                <a:ea typeface="YuKyokasho Medium" panose="02000500000000000000" pitchFamily="2" charset="-128"/>
-                <a:cs typeface="ヒラギノ丸ゴ ProN W4"/>
-              </a:rPr>
-              <a:t>モード</a:t>
-            </a:r>
-          </a:p>
-        </p:txBody>
-      </p:sp>
-      <p:sp>
-        <p:nvSpPr>
-          <p:cNvPr id="10" name="角丸四角形 9"/>
-          <p:cNvSpPr/>
-          <p:nvPr/>
-        </p:nvSpPr>
-        <p:spPr>
-          <a:xfrm>
-            <a:off x="2916464" y="4524827"/>
-            <a:ext cx="3311072" cy="807356"/>
-          </a:xfrm>
-          <a:prstGeom prst="roundRect">
-            <a:avLst/>
-          </a:prstGeom>
-          <a:solidFill>
-            <a:srgbClr val="0F2350"/>
-          </a:solidFill>
-          <a:ln>
-            <a:solidFill>
-              <a:srgbClr val="0F2323"/>
-            </a:solidFill>
-          </a:ln>
-        </p:spPr>
-        <p:style>
-          <a:lnRef idx="2">
-            <a:schemeClr val="accent3">
-              <a:shade val="50000"/>
-            </a:schemeClr>
-          </a:lnRef>
-          <a:fillRef idx="1">
-            <a:schemeClr val="accent3"/>
-          </a:fillRef>
-          <a:effectRef idx="0">
-            <a:schemeClr val="accent3"/>
-          </a:effectRef>
-          <a:fontRef idx="minor">
-            <a:schemeClr val="lt1"/>
-          </a:fontRef>
-        </p:style>
-        <p:txBody>
-          <a:bodyPr rtlCol="0" anchor="ctr"/>
-          <a:lstStyle/>
-          <a:p>
-            <a:pPr algn="ctr"/>
-            <a:r>
-              <a:rPr kumimoji="1" lang="ja-JP" altLang="en-US" sz="3200" dirty="0">
-                <a:latin typeface="YuKyokasho Medium" panose="02000500000000000000" pitchFamily="2" charset="-128"/>
-                <a:ea typeface="YuKyokasho Medium" panose="02000500000000000000" pitchFamily="2" charset="-128"/>
-                <a:cs typeface="ヒラギノ丸ゴ ProN W4"/>
-              </a:rPr>
-              <a:t>カスタム</a:t>
-            </a:r>
-          </a:p>
-        </p:txBody>
-      </p:sp>
-      <p:sp>
-        <p:nvSpPr>
-          <p:cNvPr id="11" name="角丸四角形 10"/>
-          <p:cNvSpPr/>
-          <p:nvPr/>
-        </p:nvSpPr>
-        <p:spPr>
-          <a:xfrm>
-            <a:off x="4807857" y="5551713"/>
-            <a:ext cx="1419679" cy="522507"/>
-          </a:xfrm>
-          <a:prstGeom prst="roundRect">
-            <a:avLst/>
-          </a:prstGeom>
-        </p:spPr>
-        <p:style>
-          <a:lnRef idx="2">
-            <a:schemeClr val="accent3">
-              <a:shade val="50000"/>
-            </a:schemeClr>
-          </a:lnRef>
-          <a:fillRef idx="1">
-            <a:schemeClr val="accent3"/>
-          </a:fillRef>
-          <a:effectRef idx="0">
-            <a:schemeClr val="accent3"/>
-          </a:effectRef>
-          <a:fontRef idx="minor">
-            <a:schemeClr val="lt1"/>
-          </a:fontRef>
-        </p:style>
-        <p:txBody>
-          <a:bodyPr rtlCol="0" anchor="ctr"/>
-          <a:lstStyle/>
-          <a:p>
-            <a:pPr algn="ctr"/>
-            <a:r>
-              <a:rPr kumimoji="1" lang="ja-JP" altLang="en-US" sz="3200" dirty="0">
-                <a:latin typeface="YuKyokasho Medium" panose="02000500000000000000" pitchFamily="2" charset="-128"/>
-                <a:ea typeface="YuKyokasho Medium" panose="02000500000000000000" pitchFamily="2" charset="-128"/>
-                <a:cs typeface="ヒラギノ丸ゴ ProN W4"/>
-              </a:rPr>
-              <a:t>戻る</a:t>
-            </a:r>
-          </a:p>
-        </p:txBody>
-      </p:sp>
-      <p:sp>
-        <p:nvSpPr>
-          <p:cNvPr id="5" name="テキスト ボックス 4">
-            <a:extLst>
-              <a:ext uri="{FF2B5EF4-FFF2-40B4-BE49-F238E27FC236}">
-                <a16:creationId xmlns:a16="http://schemas.microsoft.com/office/drawing/2014/main" id="{ECF65EF3-6B3E-5946-9E8F-23467244536E}"/>
-              </a:ext>
-            </a:extLst>
-          </p:cNvPr>
-          <p:cNvSpPr txBox="1"/>
-          <p:nvPr/>
-        </p:nvSpPr>
-        <p:spPr>
-          <a:xfrm>
-            <a:off x="7019109" y="1460501"/>
-            <a:ext cx="2856411" cy="1754326"/>
-          </a:xfrm>
-          <a:prstGeom prst="rect">
-            <a:avLst/>
-          </a:prstGeom>
-          <a:noFill/>
-        </p:spPr>
-        <p:txBody>
-          <a:bodyPr wrap="square" rtlCol="0">
-            <a:spAutoFit/>
-          </a:bodyPr>
-          <a:lstStyle/>
-          <a:p>
-            <a:r>
-              <a:rPr kumimoji="1" lang="ja-JP" altLang="en-US" dirty="0"/>
-              <a:t>モードボタンをタップ</a:t>
-            </a:r>
-            <a:endParaRPr kumimoji="1" lang="en-US" altLang="ja-JP" dirty="0"/>
-          </a:p>
-          <a:p>
-            <a:r>
-              <a:rPr lang="en-US" altLang="ja-JP" dirty="0"/>
-              <a:t>-&gt;  </a:t>
-            </a:r>
-            <a:r>
-              <a:rPr lang="ja-JP" altLang="en-US" dirty="0"/>
-              <a:t>説明を一枚噛ませるページを作成</a:t>
-            </a:r>
-            <a:endParaRPr lang="en-US" altLang="ja-JP" dirty="0"/>
-          </a:p>
-          <a:p>
-            <a:r>
-              <a:rPr lang="ja-JP" altLang="en-US" dirty="0"/>
-              <a:t>（検定モード、名人モードでは各工程ごとの目標値を確認できるボタン作成）</a:t>
-            </a:r>
-            <a:endParaRPr lang="en-US" altLang="ja-JP" dirty="0"/>
-          </a:p>
-        </p:txBody>
-      </p:sp>
-      <p:sp>
-        <p:nvSpPr>
-          <p:cNvPr id="12" name="テキスト ボックス 11">
-            <a:extLst>
-              <a:ext uri="{FF2B5EF4-FFF2-40B4-BE49-F238E27FC236}">
-                <a16:creationId xmlns:a16="http://schemas.microsoft.com/office/drawing/2014/main" id="{BF9026C8-A69F-374C-930E-A1D699173123}"/>
-              </a:ext>
-            </a:extLst>
-          </p:cNvPr>
-          <p:cNvSpPr txBox="1"/>
-          <p:nvPr/>
-        </p:nvSpPr>
-        <p:spPr>
-          <a:xfrm>
-            <a:off x="340242" y="446567"/>
-            <a:ext cx="1701209" cy="369332"/>
-          </a:xfrm>
-          <a:prstGeom prst="rect">
-            <a:avLst/>
-          </a:prstGeom>
-          <a:noFill/>
-        </p:spPr>
-        <p:txBody>
-          <a:bodyPr wrap="square" rtlCol="0">
-            <a:spAutoFit/>
-          </a:bodyPr>
-          <a:lstStyle/>
-          <a:p>
-            <a:r>
-              <a:rPr kumimoji="1" lang="en-US" altLang="ja-JP" dirty="0" err="1"/>
-              <a:t>MeasureActivity</a:t>
-            </a:r>
-            <a:endParaRPr kumimoji="1" lang="ja-JP" altLang="en-US" dirty="0"/>
-          </a:p>
-        </p:txBody>
-      </p:sp>
-    </p:spTree>
-    <p:extLst>
-      <p:ext uri="{BB962C8B-B14F-4D97-AF65-F5344CB8AC3E}">
-        <p14:creationId xmlns:p14="http://schemas.microsoft.com/office/powerpoint/2010/main" val="922847979"/>
       </p:ext>
     </p:extLst>
   </p:cSld>
@@ -12343,79 +14254,35 @@
           <a:lstStyle/>
           <a:p>
             <a:pPr algn="ctr"/>
-            <a:r>
-              <a:rPr kumimoji="1" lang="ja-JP" altLang="en-US" dirty="0"/>
-              <a:t>モード名（お気楽、検定、名人</a:t>
-            </a:r>
-            <a:r>
-              <a:rPr kumimoji="1" lang="en-US" altLang="ja-JP" dirty="0" err="1"/>
-              <a:t>etc</a:t>
-            </a:r>
-            <a:r>
-              <a:rPr kumimoji="1" lang="en-US" altLang="ja-JP" dirty="0"/>
-              <a:t>…</a:t>
-            </a:r>
-            <a:r>
-              <a:rPr kumimoji="1" lang="ja-JP" altLang="en-US" dirty="0"/>
-              <a:t>）</a:t>
-            </a:r>
-          </a:p>
-        </p:txBody>
-      </p:sp>
-      <p:sp>
-        <p:nvSpPr>
-          <p:cNvPr id="5" name="テキスト ボックス 4"/>
-          <p:cNvSpPr txBox="1"/>
-          <p:nvPr/>
-        </p:nvSpPr>
-        <p:spPr>
-          <a:xfrm>
-            <a:off x="2916464" y="1460500"/>
-            <a:ext cx="3311072" cy="523220"/>
-          </a:xfrm>
-          <a:prstGeom prst="rect">
-            <a:avLst/>
-          </a:prstGeom>
-          <a:noFill/>
-        </p:spPr>
-        <p:txBody>
-          <a:bodyPr wrap="square" rtlCol="0">
-            <a:spAutoFit/>
-          </a:bodyPr>
-          <a:lstStyle/>
-          <a:p>
-            <a:pPr algn="ctr"/>
-            <a:r>
-              <a:rPr kumimoji="1" lang="ja-JP" altLang="en-US" sz="2800" dirty="0">
-                <a:latin typeface="YuKyokasho Medium" panose="02000500000000000000" pitchFamily="2" charset="-128"/>
-                <a:ea typeface="YuKyokasho Medium" panose="02000500000000000000" pitchFamily="2" charset="-128"/>
-                <a:cs typeface="ヒラギノ丸ゴ ProN W4"/>
-              </a:rPr>
-              <a:t>説明文</a:t>
-            </a:r>
-          </a:p>
-        </p:txBody>
-      </p:sp>
-      <p:sp>
-        <p:nvSpPr>
-          <p:cNvPr id="9" name="角丸四角形 8">
-            <a:extLst>
-              <a:ext uri="{FF2B5EF4-FFF2-40B4-BE49-F238E27FC236}">
-                <a16:creationId xmlns:a16="http://schemas.microsoft.com/office/drawing/2014/main" id="{23FA34EC-72AA-F243-B17F-8F205DFCEE06}"/>
-              </a:ext>
-            </a:extLst>
-          </p:cNvPr>
+            <a:endParaRPr kumimoji="1" lang="ja-JP" altLang="en-US"/>
+          </a:p>
+        </p:txBody>
+      </p:sp>
+      <p:sp>
+        <p:nvSpPr>
+          <p:cNvPr id="4" name="角丸四角形 3"/>
           <p:cNvSpPr/>
           <p:nvPr/>
         </p:nvSpPr>
         <p:spPr>
           <a:xfrm>
-            <a:off x="3862159" y="5627215"/>
-            <a:ext cx="1419679" cy="522507"/>
+            <a:off x="2916464" y="1460501"/>
+            <a:ext cx="3311072" cy="807356"/>
           </a:xfrm>
           <a:prstGeom prst="roundRect">
             <a:avLst/>
           </a:prstGeom>
+          <a:solidFill>
+            <a:srgbClr val="D57C6B"/>
+          </a:solidFill>
+          <a:ln>
+            <a:solidFill>
+              <a:schemeClr val="accent2">
+                <a:lumMod val="20000"/>
+                <a:lumOff val="80000"/>
+              </a:schemeClr>
+            </a:solidFill>
+          </a:ln>
         </p:spPr>
         <p:style>
           <a:lnRef idx="2">
@@ -12439,41 +14306,41 @@
           <a:p>
             <a:pPr algn="ctr"/>
             <a:r>
-              <a:rPr lang="ja-JP" altLang="en-US" sz="3200" dirty="0">
-                <a:latin typeface="YuKyokasho Medium" panose="02000500000000000000" pitchFamily="2" charset="-128"/>
-                <a:ea typeface="YuKyokasho Medium" panose="02000500000000000000" pitchFamily="2" charset="-128"/>
+              <a:rPr kumimoji="1" lang="ja-JP" altLang="en-US" sz="3200" dirty="0">
+                <a:latin typeface="KodomoRounded" panose="02000600000000000000" pitchFamily="2" charset="-128"/>
+                <a:ea typeface="KodomoRounded" panose="02000600000000000000" pitchFamily="2" charset="-128"/>
                 <a:cs typeface="ヒラギノ丸ゴ ProN W4"/>
               </a:rPr>
-              <a:t>戻る</a:t>
-            </a:r>
-            <a:endParaRPr kumimoji="1" lang="ja-JP" altLang="en-US" sz="3200" dirty="0">
-              <a:latin typeface="YuKyokasho Medium" panose="02000500000000000000" pitchFamily="2" charset="-128"/>
-              <a:ea typeface="YuKyokasho Medium" panose="02000500000000000000" pitchFamily="2" charset="-128"/>
-              <a:cs typeface="ヒラギノ丸ゴ ProN W4"/>
-            </a:endParaRPr>
-          </a:p>
-        </p:txBody>
-      </p:sp>
-      <p:sp>
-        <p:nvSpPr>
-          <p:cNvPr id="12" name="角丸四角形 11">
-            <a:extLst>
-              <a:ext uri="{FF2B5EF4-FFF2-40B4-BE49-F238E27FC236}">
-                <a16:creationId xmlns:a16="http://schemas.microsoft.com/office/drawing/2014/main" id="{8EFA7D81-DD7F-034C-938A-6127302BE7F4}"/>
-              </a:ext>
-            </a:extLst>
-          </p:cNvPr>
+              <a:t>お気楽モード</a:t>
+            </a:r>
+          </a:p>
+        </p:txBody>
+      </p:sp>
+      <p:sp>
+        <p:nvSpPr>
+          <p:cNvPr id="8" name="角丸四角形 7"/>
           <p:cNvSpPr/>
           <p:nvPr/>
         </p:nvSpPr>
         <p:spPr>
           <a:xfrm>
-            <a:off x="3282675" y="4962066"/>
-            <a:ext cx="2578645" cy="522507"/>
+            <a:off x="2916464" y="2481943"/>
+            <a:ext cx="3311072" cy="807356"/>
           </a:xfrm>
           <a:prstGeom prst="roundRect">
             <a:avLst/>
           </a:prstGeom>
+          <a:solidFill>
+            <a:srgbClr val="696C1B"/>
+          </a:solidFill>
+          <a:ln>
+            <a:solidFill>
+              <a:schemeClr val="accent3">
+                <a:lumMod val="40000"/>
+                <a:lumOff val="60000"/>
+              </a:schemeClr>
+            </a:solidFill>
+          </a:ln>
         </p:spPr>
         <p:style>
           <a:lnRef idx="2">
@@ -12502,36 +14369,41 @@
                 <a:ea typeface="YuKyokasho Medium" panose="02000500000000000000" pitchFamily="2" charset="-128"/>
                 <a:cs typeface="ヒラギノ丸ゴ ProN W4"/>
               </a:rPr>
-              <a:t>計測する</a:t>
-            </a:r>
-            <a:endParaRPr kumimoji="1" lang="ja-JP" altLang="en-US" sz="3200" dirty="0">
-              <a:latin typeface="YuKyokasho Medium" panose="02000500000000000000" pitchFamily="2" charset="-128"/>
-              <a:ea typeface="YuKyokasho Medium" panose="02000500000000000000" pitchFamily="2" charset="-128"/>
-              <a:cs typeface="ヒラギノ丸ゴ ProN W4"/>
-            </a:endParaRPr>
-          </a:p>
-        </p:txBody>
-      </p:sp>
-      <p:sp>
-        <p:nvSpPr>
-          <p:cNvPr id="13" name="角丸四角形 12">
-            <a:extLst>
-              <a:ext uri="{FF2B5EF4-FFF2-40B4-BE49-F238E27FC236}">
-                <a16:creationId xmlns:a16="http://schemas.microsoft.com/office/drawing/2014/main" id="{188F5972-4DBA-464F-997E-2B0332AE3FA0}"/>
-              </a:ext>
-            </a:extLst>
-          </p:cNvPr>
+              <a:t>検定</a:t>
+            </a:r>
+            <a:r>
+              <a:rPr kumimoji="1" lang="ja-JP" altLang="en-US" sz="3200" dirty="0">
+                <a:latin typeface="YuKyokasho Medium" panose="02000500000000000000" pitchFamily="2" charset="-128"/>
+                <a:ea typeface="YuKyokasho Medium" panose="02000500000000000000" pitchFamily="2" charset="-128"/>
+                <a:cs typeface="ヒラギノ丸ゴ ProN W4"/>
+              </a:rPr>
+              <a:t>モード</a:t>
+            </a:r>
+          </a:p>
+        </p:txBody>
+      </p:sp>
+      <p:sp>
+        <p:nvSpPr>
+          <p:cNvPr id="9" name="角丸四角形 8"/>
           <p:cNvSpPr/>
           <p:nvPr/>
         </p:nvSpPr>
         <p:spPr>
           <a:xfrm>
-            <a:off x="3282675" y="4296917"/>
-            <a:ext cx="2578645" cy="522507"/>
+            <a:off x="2916464" y="3503385"/>
+            <a:ext cx="3311072" cy="807356"/>
           </a:xfrm>
           <a:prstGeom prst="roundRect">
             <a:avLst/>
           </a:prstGeom>
+          <a:solidFill>
+            <a:srgbClr val="164B73"/>
+          </a:solidFill>
+          <a:ln>
+            <a:solidFill>
+              <a:srgbClr val="163053"/>
+            </a:solidFill>
+          </a:ln>
         </p:spPr>
         <p:style>
           <a:lnRef idx="2">
@@ -12555,25 +14427,220 @@
           <a:p>
             <a:pPr algn="ctr"/>
             <a:r>
-              <a:rPr lang="ja-JP" altLang="en-US" sz="2000" dirty="0">
+              <a:rPr lang="ja-JP" altLang="en-US" sz="3200" dirty="0">
                 <a:latin typeface="YuKyokasho Medium" panose="02000500000000000000" pitchFamily="2" charset="-128"/>
                 <a:ea typeface="YuKyokasho Medium" panose="02000500000000000000" pitchFamily="2" charset="-128"/>
                 <a:cs typeface="ヒラギノ丸ゴ ProN W4"/>
               </a:rPr>
-              <a:t>各工程の目標タイム</a:t>
-            </a:r>
-            <a:endParaRPr kumimoji="1" lang="ja-JP" altLang="en-US" sz="2000" dirty="0">
-              <a:latin typeface="YuKyokasho Medium" panose="02000500000000000000" pitchFamily="2" charset="-128"/>
-              <a:ea typeface="YuKyokasho Medium" panose="02000500000000000000" pitchFamily="2" charset="-128"/>
-              <a:cs typeface="ヒラギノ丸ゴ ProN W4"/>
-            </a:endParaRPr>
+              <a:t>名人</a:t>
+            </a:r>
+            <a:r>
+              <a:rPr kumimoji="1" lang="ja-JP" altLang="en-US" sz="3200" dirty="0">
+                <a:latin typeface="YuKyokasho Medium" panose="02000500000000000000" pitchFamily="2" charset="-128"/>
+                <a:ea typeface="YuKyokasho Medium" panose="02000500000000000000" pitchFamily="2" charset="-128"/>
+                <a:cs typeface="ヒラギノ丸ゴ ProN W4"/>
+              </a:rPr>
+              <a:t>モード</a:t>
+            </a:r>
+          </a:p>
+        </p:txBody>
+      </p:sp>
+      <p:sp>
+        <p:nvSpPr>
+          <p:cNvPr id="10" name="角丸四角形 9"/>
+          <p:cNvSpPr/>
+          <p:nvPr/>
+        </p:nvSpPr>
+        <p:spPr>
+          <a:xfrm>
+            <a:off x="2916464" y="4524827"/>
+            <a:ext cx="3311072" cy="807356"/>
+          </a:xfrm>
+          <a:prstGeom prst="roundRect">
+            <a:avLst/>
+          </a:prstGeom>
+          <a:solidFill>
+            <a:srgbClr val="0F2350"/>
+          </a:solidFill>
+          <a:ln>
+            <a:solidFill>
+              <a:srgbClr val="0F2323"/>
+            </a:solidFill>
+          </a:ln>
+        </p:spPr>
+        <p:style>
+          <a:lnRef idx="2">
+            <a:schemeClr val="accent3">
+              <a:shade val="50000"/>
+            </a:schemeClr>
+          </a:lnRef>
+          <a:fillRef idx="1">
+            <a:schemeClr val="accent3"/>
+          </a:fillRef>
+          <a:effectRef idx="0">
+            <a:schemeClr val="accent3"/>
+          </a:effectRef>
+          <a:fontRef idx="minor">
+            <a:schemeClr val="lt1"/>
+          </a:fontRef>
+        </p:style>
+        <p:txBody>
+          <a:bodyPr rtlCol="0" anchor="ctr"/>
+          <a:lstStyle/>
+          <a:p>
+            <a:pPr algn="ctr"/>
+            <a:r>
+              <a:rPr kumimoji="1" lang="ja-JP" altLang="en-US" sz="3200" dirty="0">
+                <a:latin typeface="YuKyokasho Medium" panose="02000500000000000000" pitchFamily="2" charset="-128"/>
+                <a:ea typeface="YuKyokasho Medium" panose="02000500000000000000" pitchFamily="2" charset="-128"/>
+                <a:cs typeface="ヒラギノ丸ゴ ProN W4"/>
+              </a:rPr>
+              <a:t>カスタム</a:t>
+            </a:r>
+          </a:p>
+        </p:txBody>
+      </p:sp>
+      <p:sp>
+        <p:nvSpPr>
+          <p:cNvPr id="11" name="角丸四角形 10"/>
+          <p:cNvSpPr/>
+          <p:nvPr/>
+        </p:nvSpPr>
+        <p:spPr>
+          <a:xfrm>
+            <a:off x="4807857" y="5551713"/>
+            <a:ext cx="1419679" cy="522507"/>
+          </a:xfrm>
+          <a:prstGeom prst="roundRect">
+            <a:avLst/>
+          </a:prstGeom>
+        </p:spPr>
+        <p:style>
+          <a:lnRef idx="2">
+            <a:schemeClr val="accent3">
+              <a:shade val="50000"/>
+            </a:schemeClr>
+          </a:lnRef>
+          <a:fillRef idx="1">
+            <a:schemeClr val="accent3"/>
+          </a:fillRef>
+          <a:effectRef idx="0">
+            <a:schemeClr val="accent3"/>
+          </a:effectRef>
+          <a:fontRef idx="minor">
+            <a:schemeClr val="lt1"/>
+          </a:fontRef>
+        </p:style>
+        <p:txBody>
+          <a:bodyPr rtlCol="0" anchor="ctr"/>
+          <a:lstStyle/>
+          <a:p>
+            <a:pPr algn="ctr"/>
+            <a:r>
+              <a:rPr kumimoji="1" lang="ja-JP" altLang="en-US" sz="3200" dirty="0">
+                <a:latin typeface="YuKyokasho Medium" panose="02000500000000000000" pitchFamily="2" charset="-128"/>
+                <a:ea typeface="YuKyokasho Medium" panose="02000500000000000000" pitchFamily="2" charset="-128"/>
+                <a:cs typeface="ヒラギノ丸ゴ ProN W4"/>
+              </a:rPr>
+              <a:t>戻る</a:t>
+            </a:r>
+          </a:p>
+        </p:txBody>
+      </p:sp>
+      <p:sp>
+        <p:nvSpPr>
+          <p:cNvPr id="5" name="テキスト ボックス 4">
+            <a:extLst>
+              <a:ext uri="{FF2B5EF4-FFF2-40B4-BE49-F238E27FC236}">
+                <a16:creationId xmlns:a16="http://schemas.microsoft.com/office/drawing/2014/main" id="{ECF65EF3-6B3E-5946-9E8F-23467244536E}"/>
+              </a:ext>
+            </a:extLst>
+          </p:cNvPr>
+          <p:cNvSpPr txBox="1"/>
+          <p:nvPr/>
+        </p:nvSpPr>
+        <p:spPr>
+          <a:xfrm>
+            <a:off x="7019109" y="1460501"/>
+            <a:ext cx="2856411" cy="1754326"/>
+          </a:xfrm>
+          <a:prstGeom prst="rect">
+            <a:avLst/>
+          </a:prstGeom>
+          <a:noFill/>
+        </p:spPr>
+        <p:txBody>
+          <a:bodyPr wrap="square" rtlCol="0">
+            <a:spAutoFit/>
+          </a:bodyPr>
+          <a:lstStyle/>
+          <a:p>
+            <a:r>
+              <a:rPr kumimoji="1" lang="ja-JP" altLang="en-US" dirty="0"/>
+              <a:t>モードボタンをタップ</a:t>
+            </a:r>
+            <a:endParaRPr kumimoji="1" lang="en-US" altLang="ja-JP" dirty="0"/>
+          </a:p>
+          <a:p>
+            <a:r>
+              <a:rPr lang="en-US" altLang="ja-JP" dirty="0"/>
+              <a:t>-&gt;  </a:t>
+            </a:r>
+            <a:r>
+              <a:rPr lang="ja-JP" altLang="en-US" dirty="0"/>
+              <a:t>説明を一枚噛ませるページを作成</a:t>
+            </a:r>
+            <a:endParaRPr lang="en-US" altLang="ja-JP" dirty="0"/>
+          </a:p>
+          <a:p>
+            <a:r>
+              <a:rPr lang="ja-JP" altLang="en-US" dirty="0"/>
+              <a:t>（検定モード、名人モードでは各工程ごとの目標値を確認できるボタン作成）</a:t>
+            </a:r>
+            <a:endParaRPr lang="en-US" altLang="ja-JP" dirty="0"/>
+          </a:p>
+        </p:txBody>
+      </p:sp>
+      <p:sp>
+        <p:nvSpPr>
+          <p:cNvPr id="12" name="テキスト ボックス 11">
+            <a:extLst>
+              <a:ext uri="{FF2B5EF4-FFF2-40B4-BE49-F238E27FC236}">
+                <a16:creationId xmlns:a16="http://schemas.microsoft.com/office/drawing/2014/main" id="{BF9026C8-A69F-374C-930E-A1D699173123}"/>
+              </a:ext>
+            </a:extLst>
+          </p:cNvPr>
+          <p:cNvSpPr txBox="1"/>
+          <p:nvPr/>
+        </p:nvSpPr>
+        <p:spPr>
+          <a:xfrm>
+            <a:off x="340242" y="446567"/>
+            <a:ext cx="1701209" cy="369332"/>
+          </a:xfrm>
+          <a:prstGeom prst="rect">
+            <a:avLst/>
+          </a:prstGeom>
+          <a:noFill/>
+        </p:spPr>
+        <p:txBody>
+          <a:bodyPr wrap="square" rtlCol="0">
+            <a:spAutoFit/>
+          </a:bodyPr>
+          <a:lstStyle/>
+          <a:p>
+            <a:r>
+              <a:rPr kumimoji="1" lang="en-US" altLang="ja-JP" dirty="0" err="1"/>
+              <a:t>MeasureActivity</a:t>
+            </a:r>
+            <a:endParaRPr kumimoji="1" lang="ja-JP" altLang="en-US" dirty="0"/>
           </a:p>
         </p:txBody>
       </p:sp>
     </p:spTree>
     <p:extLst>
       <p:ext uri="{BB962C8B-B14F-4D97-AF65-F5344CB8AC3E}">
-        <p14:creationId xmlns:p14="http://schemas.microsoft.com/office/powerpoint/2010/main" val="4022588149"/>
+        <p14:creationId xmlns:p14="http://schemas.microsoft.com/office/powerpoint/2010/main" val="922847979"/>
       </p:ext>
     </p:extLst>
   </p:cSld>
@@ -12710,14 +14777,54 @@
       </p:sp>
       <p:sp>
         <p:nvSpPr>
-          <p:cNvPr id="4" name="角丸四角形 3"/>
+          <p:cNvPr id="5" name="テキスト ボックス 4"/>
+          <p:cNvSpPr txBox="1"/>
+          <p:nvPr/>
+        </p:nvSpPr>
+        <p:spPr>
+          <a:xfrm>
+            <a:off x="2916464" y="1460500"/>
+            <a:ext cx="3311072" cy="523220"/>
+          </a:xfrm>
+          <a:prstGeom prst="rect">
+            <a:avLst/>
+          </a:prstGeom>
+          <a:noFill/>
+        </p:spPr>
+        <p:txBody>
+          <a:bodyPr wrap="square" rtlCol="0">
+            <a:spAutoFit/>
+          </a:bodyPr>
+          <a:lstStyle/>
+          <a:p>
+            <a:pPr algn="ctr"/>
+            <a:r>
+              <a:rPr kumimoji="1" lang="ja-JP" altLang="en-US" sz="2800" dirty="0">
+                <a:latin typeface="YuKyokasho Medium" panose="02000500000000000000" pitchFamily="2" charset="-128"/>
+                <a:ea typeface="YuKyokasho Medium" panose="02000500000000000000" pitchFamily="2" charset="-128"/>
+                <a:cs typeface="ヒラギノ丸ゴ ProN W4"/>
+              </a:rPr>
+              <a:t>モード説明文</a:t>
+            </a:r>
+          </a:p>
+        </p:txBody>
+      </p:sp>
+      <p:sp>
+        <p:nvSpPr>
+          <p:cNvPr id="9" name="角丸四角形 8">
+            <a:extLst>
+              <a:ext uri="{FF2B5EF4-FFF2-40B4-BE49-F238E27FC236}">
+                <a16:creationId xmlns:a16="http://schemas.microsoft.com/office/drawing/2014/main" id="{23FA34EC-72AA-F243-B17F-8F205DFCEE06}"/>
+              </a:ext>
+            </a:extLst>
+          </p:cNvPr>
           <p:cNvSpPr/>
           <p:nvPr/>
         </p:nvSpPr>
         <p:spPr>
           <a:xfrm>
-            <a:off x="2916464" y="2872921"/>
-            <a:ext cx="3311072" cy="1347107"/>
+            <a:off x="3862159" y="5627215"/>
+            <a:ext cx="1419679" cy="522507"/>
           </a:xfrm>
           <a:prstGeom prst="roundRect">
             <a:avLst/>
@@ -12745,14 +14852,14 @@
           <a:p>
             <a:pPr algn="ctr"/>
             <a:r>
-              <a:rPr kumimoji="1" lang="en-US" altLang="ja-JP" sz="4800" dirty="0">
+              <a:rPr lang="ja-JP" altLang="en-US" sz="3200" dirty="0">
                 <a:latin typeface="YuKyokasho Medium" panose="02000500000000000000" pitchFamily="2" charset="-128"/>
                 <a:ea typeface="YuKyokasho Medium" panose="02000500000000000000" pitchFamily="2" charset="-128"/>
                 <a:cs typeface="ヒラギノ丸ゴ ProN W4"/>
               </a:rPr>
-              <a:t>00:00:00</a:t>
-            </a:r>
-            <a:endParaRPr kumimoji="1" lang="ja-JP" altLang="en-US" sz="4800" dirty="0">
+              <a:t>戻る</a:t>
+            </a:r>
+            <a:endParaRPr kumimoji="1" lang="ja-JP" altLang="en-US" sz="3200" dirty="0">
               <a:latin typeface="YuKyokasho Medium" panose="02000500000000000000" pitchFamily="2" charset="-128"/>
               <a:ea typeface="YuKyokasho Medium" panose="02000500000000000000" pitchFamily="2" charset="-128"/>
               <a:cs typeface="ヒラギノ丸ゴ ProN W4"/>
@@ -12762,14 +14869,20 @@
       </p:sp>
       <p:sp>
         <p:nvSpPr>
-          <p:cNvPr id="11" name="角丸四角形 10"/>
+          <p:cNvPr id="12" name="角丸四角形 11">
+            <a:extLst>
+              <a:ext uri="{FF2B5EF4-FFF2-40B4-BE49-F238E27FC236}">
+                <a16:creationId xmlns:a16="http://schemas.microsoft.com/office/drawing/2014/main" id="{8EFA7D81-DD7F-034C-938A-6127302BE7F4}"/>
+              </a:ext>
+            </a:extLst>
+          </p:cNvPr>
           <p:cNvSpPr/>
           <p:nvPr/>
         </p:nvSpPr>
         <p:spPr>
           <a:xfrm>
-            <a:off x="4807857" y="4962066"/>
-            <a:ext cx="1419679" cy="522507"/>
+            <a:off x="3282675" y="4962066"/>
+            <a:ext cx="2578645" cy="522507"/>
           </a:xfrm>
           <a:prstGeom prst="roundRect">
             <a:avLst/>
@@ -12802,9 +14915,9 @@
                 <a:ea typeface="YuKyokasho Medium" panose="02000500000000000000" pitchFamily="2" charset="-128"/>
                 <a:cs typeface="ヒラギノ丸ゴ ProN W4"/>
               </a:rPr>
-              <a:t>戻る</a:t>
-            </a:r>
-            <a:endParaRPr lang="en-US" altLang="ja-JP" sz="3200" dirty="0">
+              <a:t>計測する</a:t>
+            </a:r>
+            <a:endParaRPr kumimoji="1" lang="ja-JP" altLang="en-US" sz="3200" dirty="0">
               <a:latin typeface="YuKyokasho Medium" panose="02000500000000000000" pitchFamily="2" charset="-128"/>
               <a:ea typeface="YuKyokasho Medium" panose="02000500000000000000" pitchFamily="2" charset="-128"/>
               <a:cs typeface="ヒラギノ丸ゴ ProN W4"/>
@@ -12814,14 +14927,20 @@
       </p:sp>
       <p:sp>
         <p:nvSpPr>
-          <p:cNvPr id="10" name="角丸四角形 9"/>
+          <p:cNvPr id="13" name="角丸四角形 12">
+            <a:extLst>
+              <a:ext uri="{FF2B5EF4-FFF2-40B4-BE49-F238E27FC236}">
+                <a16:creationId xmlns:a16="http://schemas.microsoft.com/office/drawing/2014/main" id="{188F5972-4DBA-464F-997E-2B0332AE3FA0}"/>
+              </a:ext>
+            </a:extLst>
+          </p:cNvPr>
           <p:cNvSpPr/>
           <p:nvPr/>
         </p:nvSpPr>
         <p:spPr>
           <a:xfrm>
-            <a:off x="2916464" y="4962066"/>
-            <a:ext cx="1419679" cy="522507"/>
+            <a:off x="3282675" y="4296917"/>
+            <a:ext cx="2578645" cy="522507"/>
           </a:xfrm>
           <a:prstGeom prst="roundRect">
             <a:avLst/>
@@ -12849,71 +14968,27 @@
           <a:p>
             <a:pPr algn="ctr"/>
             <a:r>
-              <a:rPr kumimoji="1" lang="ja-JP" altLang="en-US" sz="3200" dirty="0">
+              <a:rPr lang="ja-JP" altLang="en-US" sz="2000" dirty="0">
                 <a:latin typeface="YuKyokasho Medium" panose="02000500000000000000" pitchFamily="2" charset="-128"/>
                 <a:ea typeface="YuKyokasho Medium" panose="02000500000000000000" pitchFamily="2" charset="-128"/>
                 <a:cs typeface="ヒラギノ丸ゴ ProN W4"/>
               </a:rPr>
-              <a:t>開始</a:t>
-            </a:r>
-          </a:p>
-        </p:txBody>
-      </p:sp>
-      <p:sp>
-        <p:nvSpPr>
-          <p:cNvPr id="5" name="テキスト ボックス 4"/>
-          <p:cNvSpPr txBox="1"/>
-          <p:nvPr/>
-        </p:nvSpPr>
-        <p:spPr>
-          <a:xfrm>
-            <a:off x="2916464" y="1460500"/>
-            <a:ext cx="3311072" cy="954107"/>
-          </a:xfrm>
-          <a:prstGeom prst="rect">
-            <a:avLst/>
-          </a:prstGeom>
-          <a:noFill/>
-        </p:spPr>
-        <p:txBody>
-          <a:bodyPr wrap="square" rtlCol="0">
-            <a:spAutoFit/>
-          </a:bodyPr>
-          <a:lstStyle/>
-          <a:p>
-            <a:pPr algn="ctr"/>
-            <a:r>
-              <a:rPr kumimoji="1" lang="ja-JP" altLang="en-US" sz="2800" dirty="0">
-                <a:latin typeface="YuKyokasho Medium" panose="02000500000000000000" pitchFamily="2" charset="-128"/>
-                <a:ea typeface="YuKyokasho Medium" panose="02000500000000000000" pitchFamily="2" charset="-128"/>
-                <a:cs typeface="ヒラギノ丸ゴ ProN W4"/>
-              </a:rPr>
-              <a:t>準備が整ったら</a:t>
-            </a:r>
-            <a:br>
-              <a:rPr kumimoji="1" lang="en-US" altLang="ja-JP" sz="2800" dirty="0">
-                <a:latin typeface="YuKyokasho Medium" panose="02000500000000000000" pitchFamily="2" charset="-128"/>
-                <a:ea typeface="YuKyokasho Medium" panose="02000500000000000000" pitchFamily="2" charset="-128"/>
-                <a:cs typeface="ヒラギノ丸ゴ ProN W4"/>
-              </a:rPr>
-            </a:br>
-            <a:r>
-              <a:rPr kumimoji="1" lang="ja-JP" altLang="en-US" sz="2800" dirty="0">
-                <a:latin typeface="YuKyokasho Medium" panose="02000500000000000000" pitchFamily="2" charset="-128"/>
-                <a:ea typeface="YuKyokasho Medium" panose="02000500000000000000" pitchFamily="2" charset="-128"/>
-                <a:cs typeface="ヒラギノ丸ゴ ProN W4"/>
-              </a:rPr>
-              <a:t>開始をタップ</a:t>
-            </a:r>
-          </a:p>
-        </p:txBody>
-      </p:sp>
-      <p:sp>
-        <p:nvSpPr>
-          <p:cNvPr id="7" name="テキスト ボックス 6">
+              <a:t>各工程の目標タイム</a:t>
+            </a:r>
+            <a:endParaRPr kumimoji="1" lang="ja-JP" altLang="en-US" sz="2000" dirty="0">
+              <a:latin typeface="YuKyokasho Medium" panose="02000500000000000000" pitchFamily="2" charset="-128"/>
+              <a:ea typeface="YuKyokasho Medium" panose="02000500000000000000" pitchFamily="2" charset="-128"/>
+              <a:cs typeface="ヒラギノ丸ゴ ProN W4"/>
+            </a:endParaRPr>
+          </a:p>
+        </p:txBody>
+      </p:sp>
+      <p:sp>
+        <p:nvSpPr>
+          <p:cNvPr id="4" name="テキスト ボックス 3">
             <a:extLst>
               <a:ext uri="{FF2B5EF4-FFF2-40B4-BE49-F238E27FC236}">
-                <a16:creationId xmlns:a16="http://schemas.microsoft.com/office/drawing/2014/main" id="{5F2B7902-B974-8043-B2D3-604EF17B2BB6}"/>
+                <a16:creationId xmlns:a16="http://schemas.microsoft.com/office/drawing/2014/main" id="{83CBBB65-EEAC-4547-973D-47E393C12FCC}"/>
               </a:ext>
             </a:extLst>
           </p:cNvPr>
@@ -12922,8 +14997,8 @@
         </p:nvSpPr>
         <p:spPr>
           <a:xfrm>
-            <a:off x="6779208" y="5022908"/>
-            <a:ext cx="2464526" cy="923330"/>
+            <a:off x="6930639" y="1854437"/>
+            <a:ext cx="2119357" cy="1200329"/>
           </a:xfrm>
           <a:prstGeom prst="rect">
             <a:avLst/>
@@ -12937,26 +15012,25 @@
           <a:lstStyle/>
           <a:p>
             <a:r>
-              <a:rPr kumimoji="1" lang="ja-JP" altLang="en-US" dirty="0"/>
-              <a:t>各工程ごとの目標値を確認できるようにする</a:t>
-            </a:r>
+              <a:rPr lang="ja-JP" altLang="en-US" dirty="0"/>
+              <a:t>目標タイム表示では一画面はさむ</a:t>
+            </a:r>
+            <a:endParaRPr lang="en-US" altLang="ja-JP" dirty="0"/>
+          </a:p>
+          <a:p>
             <a:endParaRPr kumimoji="1" lang="en-US" altLang="ja-JP" dirty="0"/>
           </a:p>
           <a:p>
-            <a:r>
-              <a:rPr lang="ja-JP" altLang="en-US" dirty="0"/>
-              <a:t>ボタンなど</a:t>
-            </a:r>
-            <a:endParaRPr lang="en-US" altLang="ja-JP" dirty="0"/>
-          </a:p>
-        </p:txBody>
-      </p:sp>
-      <p:sp>
-        <p:nvSpPr>
-          <p:cNvPr id="9" name="テキスト ボックス 8">
+            <a:endParaRPr kumimoji="1" lang="ja-JP" altLang="en-US" dirty="0"/>
+          </a:p>
+        </p:txBody>
+      </p:sp>
+      <p:sp>
+        <p:nvSpPr>
+          <p:cNvPr id="6" name="テキスト ボックス 5">
             <a:extLst>
               <a:ext uri="{FF2B5EF4-FFF2-40B4-BE49-F238E27FC236}">
-                <a16:creationId xmlns:a16="http://schemas.microsoft.com/office/drawing/2014/main" id="{BB758E4B-A0C8-C649-AF91-B7BAE32594D4}"/>
+                <a16:creationId xmlns:a16="http://schemas.microsoft.com/office/drawing/2014/main" id="{FFB69D9B-9AB1-414D-AF06-D6A69B2358F3}"/>
               </a:ext>
             </a:extLst>
           </p:cNvPr>
@@ -12965,8 +15039,8 @@
         </p:nvSpPr>
         <p:spPr>
           <a:xfrm>
-            <a:off x="340242" y="446567"/>
-            <a:ext cx="1701209" cy="369332"/>
+            <a:off x="179461" y="174156"/>
+            <a:ext cx="3247401" cy="369332"/>
           </a:xfrm>
           <a:prstGeom prst="rect">
             <a:avLst/>
@@ -12981,11 +15055,11 @@
           <a:p>
             <a:r>
               <a:rPr lang="en-US" altLang="ja-JP" dirty="0" err="1"/>
-              <a:t>T</a:t>
+              <a:t>ModeConfirmation</a:t>
             </a:r>
             <a:r>
               <a:rPr kumimoji="1" lang="en-US" altLang="ja-JP" dirty="0" err="1"/>
-              <a:t>imerActivity</a:t>
+              <a:t>Activity</a:t>
             </a:r>
             <a:endParaRPr kumimoji="1" lang="ja-JP" altLang="en-US" dirty="0"/>
           </a:p>
@@ -12994,7 +15068,7 @@
     </p:spTree>
     <p:extLst>
       <p:ext uri="{BB962C8B-B14F-4D97-AF65-F5344CB8AC3E}">
-        <p14:creationId xmlns:p14="http://schemas.microsoft.com/office/powerpoint/2010/main" val="1696413222"/>
+        <p14:creationId xmlns:p14="http://schemas.microsoft.com/office/powerpoint/2010/main" val="4022588149"/>
       </p:ext>
     </p:extLst>
   </p:cSld>
